--- a/SemanticAnalysisTextualData/SemanticAnalysisTextualData/Documentation/SemanticAnalysisTextualData.pptx
+++ b/SemanticAnalysisTextualData/SemanticAnalysisTextualData/Documentation/SemanticAnalysisTextualData.pptx
@@ -5,19 +5,23 @@
     <p:sldMasterId id="2147483712" r:id="rId4"/>
   </p:sldMasterIdLst>
   <p:notesMasterIdLst>
-    <p:notesMasterId r:id="rId15"/>
+    <p:notesMasterId r:id="rId19"/>
   </p:notesMasterIdLst>
   <p:sldIdLst>
     <p:sldId id="257" r:id="rId5"/>
     <p:sldId id="258" r:id="rId6"/>
     <p:sldId id="259" r:id="rId7"/>
-    <p:sldId id="260" r:id="rId8"/>
-    <p:sldId id="264" r:id="rId9"/>
+    <p:sldId id="264" r:id="rId8"/>
+    <p:sldId id="260" r:id="rId9"/>
     <p:sldId id="265" r:id="rId10"/>
     <p:sldId id="266" r:id="rId11"/>
     <p:sldId id="261" r:id="rId12"/>
     <p:sldId id="262" r:id="rId13"/>
     <p:sldId id="263" r:id="rId14"/>
+    <p:sldId id="267" r:id="rId15"/>
+    <p:sldId id="268" r:id="rId16"/>
+    <p:sldId id="269" r:id="rId17"/>
+    <p:sldId id="270" r:id="rId18"/>
   </p:sldIdLst>
   <p:sldSz cx="12192000" cy="6858000"/>
   <p:notesSz cx="6858000" cy="9144000"/>
@@ -118,7 +122,7 @@
   </p:defaultTextStyle>
   <p:extLst>
     <p:ext uri="{EFAFB233-063F-42B5-8137-9DF3F51BA10A}">
-      <p15:sldGuideLst xmlns:p15="http://schemas.microsoft.com/office/powerpoint/2012/main"/>
+      <p15:sldGuideLst xmlns:p15="http://schemas.microsoft.com/office/powerpoint/2012/main" xmlns=""/>
     </p:ext>
   </p:extLst>
 </p:presentation>
@@ -173,7 +177,7 @@
             </a:lvl1pPr>
           </a:lstStyle>
           <a:p>
-            <a:endParaRPr lang="en-IN"/>
+            <a:endParaRPr lang="en-IN" dirty="0"/>
           </a:p>
         </p:txBody>
       </p:sp>
@@ -206,9 +210,9 @@
           <a:p>
             <a:fld id="{11D6DB3B-771A-44D2-8BEC-BC172A3E87DE}" type="datetimeFigureOut">
               <a:rPr lang="en-IN" smtClean="0"/>
-              <a:t>22-03-2025</a:t>
+              <a:t>24-03-2025</a:t>
             </a:fld>
-            <a:endParaRPr lang="en-IN"/>
+            <a:endParaRPr lang="en-IN" dirty="0"/>
           </a:p>
         </p:txBody>
       </p:sp>
@@ -241,7 +245,7 @@
           <a:bodyPr vert="horz" lIns="91440" tIns="45720" rIns="91440" bIns="45720" rtlCol="0" anchor="ctr"/>
           <a:lstStyle/>
           <a:p>
-            <a:endParaRPr lang="en-IN"/>
+            <a:endParaRPr lang="en-IN" dirty="0"/>
           </a:p>
         </p:txBody>
       </p:sp>
@@ -332,7 +336,7 @@
             </a:lvl1pPr>
           </a:lstStyle>
           <a:p>
-            <a:endParaRPr lang="en-IN"/>
+            <a:endParaRPr lang="en-IN" dirty="0"/>
           </a:p>
         </p:txBody>
       </p:sp>
@@ -367,7 +371,7 @@
               <a:rPr lang="en-IN" smtClean="0"/>
               <a:t>‹#›</a:t>
             </a:fld>
-            <a:endParaRPr lang="en-IN"/>
+            <a:endParaRPr lang="en-IN" dirty="0"/>
           </a:p>
         </p:txBody>
       </p:sp>
@@ -778,7 +782,7 @@
           <p:cNvPr id="8" name="Date Placeholder 7">
             <a:extLst>
               <a:ext uri="{FF2B5EF4-FFF2-40B4-BE49-F238E27FC236}">
-                <a16:creationId xmlns:a16="http://schemas.microsoft.com/office/drawing/2014/main" id="{7FA0ACE7-29A8-47D3-A7D9-257B711D8023}"/>
+                <a16:creationId xmlns:a16="http://schemas.microsoft.com/office/drawing/2014/main" xmlns="" id="{7FA0ACE7-29A8-47D3-A7D9-257B711D8023}"/>
               </a:ext>
             </a:extLst>
           </p:cNvPr>
@@ -795,10 +799,9 @@
           <a:lstStyle/>
           <a:p>
             <a:r>
-              <a:rPr lang="en-US"/>
+              <a:rPr lang="en-US" dirty="0"/>
               <a:t>3/22/2025</a:t>
             </a:r>
-            <a:endParaRPr lang="en-US" dirty="0"/>
           </a:p>
         </p:txBody>
       </p:sp>
@@ -807,7 +810,7 @@
           <p:cNvPr id="9" name="Footer Placeholder 8">
             <a:extLst>
               <a:ext uri="{FF2B5EF4-FFF2-40B4-BE49-F238E27FC236}">
-                <a16:creationId xmlns:a16="http://schemas.microsoft.com/office/drawing/2014/main" id="{DEC604B9-52E9-4810-8359-47206518D038}"/>
+                <a16:creationId xmlns:a16="http://schemas.microsoft.com/office/drawing/2014/main" xmlns="" id="{DEC604B9-52E9-4810-8359-47206518D038}"/>
               </a:ext>
             </a:extLst>
           </p:cNvPr>
@@ -824,10 +827,9 @@
           <a:lstStyle/>
           <a:p>
             <a:r>
-              <a:rPr lang="en-US"/>
+              <a:rPr lang="en-US" dirty="0"/>
               <a:t>Software Engineering</a:t>
             </a:r>
-            <a:endParaRPr lang="en-US" dirty="0"/>
           </a:p>
         </p:txBody>
       </p:sp>
@@ -836,7 +838,7 @@
           <p:cNvPr id="10" name="Slide Number Placeholder 9">
             <a:extLst>
               <a:ext uri="{FF2B5EF4-FFF2-40B4-BE49-F238E27FC236}">
-                <a16:creationId xmlns:a16="http://schemas.microsoft.com/office/drawing/2014/main" id="{5898A89F-CA25-400F-B05A-AECBF2517E4F}"/>
+                <a16:creationId xmlns:a16="http://schemas.microsoft.com/office/drawing/2014/main" xmlns="" id="{5898A89F-CA25-400F-B05A-AECBF2517E4F}"/>
               </a:ext>
             </a:extLst>
           </p:cNvPr>
@@ -1002,10 +1004,9 @@
           <a:lstStyle/>
           <a:p>
             <a:r>
-              <a:rPr lang="en-US"/>
+              <a:rPr lang="en-US" dirty="0"/>
               <a:t>3/22/2025</a:t>
             </a:r>
-            <a:endParaRPr lang="en-US" dirty="0"/>
           </a:p>
         </p:txBody>
       </p:sp>
@@ -1025,10 +1026,9 @@
           <a:lstStyle/>
           <a:p>
             <a:r>
-              <a:rPr lang="en-US"/>
+              <a:rPr lang="en-US" dirty="0"/>
               <a:t>Software Engineering</a:t>
             </a:r>
-            <a:endParaRPr lang="en-US" dirty="0"/>
           </a:p>
         </p:txBody>
       </p:sp>
@@ -1222,7 +1222,7 @@
           <p:cNvPr id="8" name="Rectangle 7">
             <a:extLst>
               <a:ext uri="{FF2B5EF4-FFF2-40B4-BE49-F238E27FC236}">
-                <a16:creationId xmlns:a16="http://schemas.microsoft.com/office/drawing/2014/main" id="{F6423B97-A5D4-47B9-8861-73B3707A04CF}"/>
+                <a16:creationId xmlns:a16="http://schemas.microsoft.com/office/drawing/2014/main" xmlns="" id="{F6423B97-A5D4-47B9-8861-73B3707A04CF}"/>
               </a:ext>
             </a:extLst>
           </p:cNvPr>
@@ -1265,7 +1265,7 @@
           <p:cNvPr id="9" name="Rectangle 8">
             <a:extLst>
               <a:ext uri="{FF2B5EF4-FFF2-40B4-BE49-F238E27FC236}">
-                <a16:creationId xmlns:a16="http://schemas.microsoft.com/office/drawing/2014/main" id="{1AEC0421-37B4-4481-A10D-69FDF5EC7909}"/>
+                <a16:creationId xmlns:a16="http://schemas.microsoft.com/office/drawing/2014/main" xmlns="" id="{1AEC0421-37B4-4481-A10D-69FDF5EC7909}"/>
               </a:ext>
             </a:extLst>
           </p:cNvPr>
@@ -1308,7 +1308,7 @@
           <p:cNvPr id="10" name="Rectangle 9">
             <a:extLst>
               <a:ext uri="{FF2B5EF4-FFF2-40B4-BE49-F238E27FC236}">
-                <a16:creationId xmlns:a16="http://schemas.microsoft.com/office/drawing/2014/main" id="{5F7265B5-9F97-4F1E-99E9-74F7B7E62337}"/>
+                <a16:creationId xmlns:a16="http://schemas.microsoft.com/office/drawing/2014/main" xmlns="" id="{5F7265B5-9F97-4F1E-99E9-74F7B7E62337}"/>
               </a:ext>
             </a:extLst>
           </p:cNvPr>
@@ -1351,7 +1351,7 @@
           <p:cNvPr id="11" name="Date Placeholder 10">
             <a:extLst>
               <a:ext uri="{FF2B5EF4-FFF2-40B4-BE49-F238E27FC236}">
-                <a16:creationId xmlns:a16="http://schemas.microsoft.com/office/drawing/2014/main" id="{5C74A470-3BD3-4F33-80E5-67E6E87FCBE7}"/>
+                <a16:creationId xmlns:a16="http://schemas.microsoft.com/office/drawing/2014/main" xmlns="" id="{5C74A470-3BD3-4F33-80E5-67E6E87FCBE7}"/>
               </a:ext>
             </a:extLst>
           </p:cNvPr>
@@ -1368,10 +1368,9 @@
           <a:lstStyle/>
           <a:p>
             <a:r>
-              <a:rPr lang="en-US"/>
+              <a:rPr lang="en-US" dirty="0"/>
               <a:t>3/22/2025</a:t>
             </a:r>
-            <a:endParaRPr lang="en-US" dirty="0"/>
           </a:p>
         </p:txBody>
       </p:sp>
@@ -1380,7 +1379,7 @@
           <p:cNvPr id="12" name="Footer Placeholder 11">
             <a:extLst>
               <a:ext uri="{FF2B5EF4-FFF2-40B4-BE49-F238E27FC236}">
-                <a16:creationId xmlns:a16="http://schemas.microsoft.com/office/drawing/2014/main" id="{9A3A30BA-DB50-4D7D-BCDE-17D20FB354DF}"/>
+                <a16:creationId xmlns:a16="http://schemas.microsoft.com/office/drawing/2014/main" xmlns="" id="{9A3A30BA-DB50-4D7D-BCDE-17D20FB354DF}"/>
               </a:ext>
             </a:extLst>
           </p:cNvPr>
@@ -1397,10 +1396,9 @@
           <a:lstStyle/>
           <a:p>
             <a:r>
-              <a:rPr lang="en-US"/>
+              <a:rPr lang="en-US" dirty="0"/>
               <a:t>Software Engineering</a:t>
             </a:r>
-            <a:endParaRPr lang="en-US" dirty="0"/>
           </a:p>
         </p:txBody>
       </p:sp>
@@ -1409,7 +1407,7 @@
           <p:cNvPr id="13" name="Slide Number Placeholder 12">
             <a:extLst>
               <a:ext uri="{FF2B5EF4-FFF2-40B4-BE49-F238E27FC236}">
-                <a16:creationId xmlns:a16="http://schemas.microsoft.com/office/drawing/2014/main" id="{76FF9E58-C0B2-436B-A21C-DB45A00D6515}"/>
+                <a16:creationId xmlns:a16="http://schemas.microsoft.com/office/drawing/2014/main" xmlns="" id="{76FF9E58-C0B2-436B-A21C-DB45A00D6515}"/>
               </a:ext>
             </a:extLst>
           </p:cNvPr>
@@ -1553,7 +1551,7 @@
           <p:cNvPr id="8" name="Date Placeholder 7">
             <a:extLst>
               <a:ext uri="{FF2B5EF4-FFF2-40B4-BE49-F238E27FC236}">
-                <a16:creationId xmlns:a16="http://schemas.microsoft.com/office/drawing/2014/main" id="{770E6237-3456-439F-802D-3BA93FC7E3E5}"/>
+                <a16:creationId xmlns:a16="http://schemas.microsoft.com/office/drawing/2014/main" xmlns="" id="{770E6237-3456-439F-802D-3BA93FC7E3E5}"/>
               </a:ext>
             </a:extLst>
           </p:cNvPr>
@@ -1570,10 +1568,9 @@
           <a:lstStyle/>
           <a:p>
             <a:r>
-              <a:rPr lang="en-US"/>
+              <a:rPr lang="en-US" dirty="0"/>
               <a:t>3/22/2025</a:t>
             </a:r>
-            <a:endParaRPr lang="en-US" dirty="0"/>
           </a:p>
         </p:txBody>
       </p:sp>
@@ -1582,7 +1579,7 @@
           <p:cNvPr id="9" name="Footer Placeholder 8">
             <a:extLst>
               <a:ext uri="{FF2B5EF4-FFF2-40B4-BE49-F238E27FC236}">
-                <a16:creationId xmlns:a16="http://schemas.microsoft.com/office/drawing/2014/main" id="{1356D3B5-6063-4A89-B88F-9D3043916FF8}"/>
+                <a16:creationId xmlns:a16="http://schemas.microsoft.com/office/drawing/2014/main" xmlns="" id="{1356D3B5-6063-4A89-B88F-9D3043916FF8}"/>
               </a:ext>
             </a:extLst>
           </p:cNvPr>
@@ -1599,10 +1596,9 @@
           <a:lstStyle/>
           <a:p>
             <a:r>
-              <a:rPr lang="en-US"/>
+              <a:rPr lang="en-US" dirty="0"/>
               <a:t>Software Engineering</a:t>
             </a:r>
-            <a:endParaRPr lang="en-US" dirty="0"/>
           </a:p>
         </p:txBody>
       </p:sp>
@@ -1611,7 +1607,7 @@
           <p:cNvPr id="10" name="Slide Number Placeholder 9">
             <a:extLst>
               <a:ext uri="{FF2B5EF4-FFF2-40B4-BE49-F238E27FC236}">
-                <a16:creationId xmlns:a16="http://schemas.microsoft.com/office/drawing/2014/main" id="{02B78BF7-69D3-4CE0-A631-50EFD41EEEB8}"/>
+                <a16:creationId xmlns:a16="http://schemas.microsoft.com/office/drawing/2014/main" xmlns="" id="{02B78BF7-69D3-4CE0-A631-50EFD41EEEB8}"/>
               </a:ext>
             </a:extLst>
           </p:cNvPr>
@@ -1869,7 +1865,7 @@
           <p:cNvPr id="7" name="Date Placeholder 6">
             <a:extLst>
               <a:ext uri="{FF2B5EF4-FFF2-40B4-BE49-F238E27FC236}">
-                <a16:creationId xmlns:a16="http://schemas.microsoft.com/office/drawing/2014/main" id="{61582016-5696-4A93-887F-BBB3B9002FE5}"/>
+                <a16:creationId xmlns:a16="http://schemas.microsoft.com/office/drawing/2014/main" xmlns="" id="{61582016-5696-4A93-887F-BBB3B9002FE5}"/>
               </a:ext>
             </a:extLst>
           </p:cNvPr>
@@ -1886,10 +1882,9 @@
           <a:lstStyle/>
           <a:p>
             <a:r>
-              <a:rPr lang="en-US"/>
+              <a:rPr lang="en-US" dirty="0"/>
               <a:t>3/22/2025</a:t>
             </a:r>
-            <a:endParaRPr lang="en-US" dirty="0"/>
           </a:p>
         </p:txBody>
       </p:sp>
@@ -1898,7 +1893,7 @@
           <p:cNvPr id="9" name="Footer Placeholder 8">
             <a:extLst>
               <a:ext uri="{FF2B5EF4-FFF2-40B4-BE49-F238E27FC236}">
-                <a16:creationId xmlns:a16="http://schemas.microsoft.com/office/drawing/2014/main" id="{857CFCD5-1192-4E18-8A8F-29E153B44DA4}"/>
+                <a16:creationId xmlns:a16="http://schemas.microsoft.com/office/drawing/2014/main" xmlns="" id="{857CFCD5-1192-4E18-8A8F-29E153B44DA4}"/>
               </a:ext>
             </a:extLst>
           </p:cNvPr>
@@ -1915,10 +1910,9 @@
           <a:lstStyle/>
           <a:p>
             <a:r>
-              <a:rPr lang="en-US"/>
+              <a:rPr lang="en-US" dirty="0"/>
               <a:t>Software Engineering</a:t>
             </a:r>
-            <a:endParaRPr lang="en-US" dirty="0"/>
           </a:p>
         </p:txBody>
       </p:sp>
@@ -1927,7 +1921,7 @@
           <p:cNvPr id="10" name="Slide Number Placeholder 9">
             <a:extLst>
               <a:ext uri="{FF2B5EF4-FFF2-40B4-BE49-F238E27FC236}">
-                <a16:creationId xmlns:a16="http://schemas.microsoft.com/office/drawing/2014/main" id="{E39A109E-5018-4794-92B3-FD5E5BCD95E8}"/>
+                <a16:creationId xmlns:a16="http://schemas.microsoft.com/office/drawing/2014/main" xmlns="" id="{E39A109E-5018-4794-92B3-FD5E5BCD95E8}"/>
               </a:ext>
             </a:extLst>
           </p:cNvPr>
@@ -2143,10 +2137,9 @@
           <a:lstStyle/>
           <a:p>
             <a:r>
-              <a:rPr lang="en-US"/>
+              <a:rPr lang="en-US" dirty="0"/>
               <a:t>3/22/2025</a:t>
             </a:r>
-            <a:endParaRPr lang="en-US" dirty="0"/>
           </a:p>
         </p:txBody>
       </p:sp>
@@ -2166,10 +2159,9 @@
           <a:lstStyle/>
           <a:p>
             <a:r>
-              <a:rPr lang="en-US"/>
+              <a:rPr lang="en-US" dirty="0"/>
               <a:t>Software Engineering</a:t>
             </a:r>
-            <a:endParaRPr lang="en-US" dirty="0"/>
           </a:p>
         </p:txBody>
       </p:sp>
@@ -2569,10 +2561,9 @@
           <a:lstStyle/>
           <a:p>
             <a:r>
-              <a:rPr lang="en-US"/>
+              <a:rPr lang="en-US" dirty="0"/>
               <a:t>3/22/2025</a:t>
             </a:r>
-            <a:endParaRPr lang="en-US" dirty="0"/>
           </a:p>
         </p:txBody>
       </p:sp>
@@ -2592,10 +2583,9 @@
           <a:lstStyle/>
           <a:p>
             <a:r>
-              <a:rPr lang="en-US"/>
+              <a:rPr lang="en-US" dirty="0"/>
               <a:t>Software Engineering</a:t>
             </a:r>
-            <a:endParaRPr lang="en-US" dirty="0"/>
           </a:p>
         </p:txBody>
       </p:sp>
@@ -2696,10 +2686,9 @@
           <a:lstStyle/>
           <a:p>
             <a:r>
-              <a:rPr lang="en-US"/>
+              <a:rPr lang="en-US" dirty="0"/>
               <a:t>3/22/2025</a:t>
             </a:r>
-            <a:endParaRPr lang="en-US" dirty="0"/>
           </a:p>
         </p:txBody>
       </p:sp>
@@ -2719,10 +2708,9 @@
           <a:lstStyle/>
           <a:p>
             <a:r>
-              <a:rPr lang="en-US"/>
+              <a:rPr lang="en-US" dirty="0"/>
               <a:t>Software Engineering</a:t>
             </a:r>
-            <a:endParaRPr lang="en-US" dirty="0"/>
           </a:p>
         </p:txBody>
       </p:sp>
@@ -2795,10 +2783,9 @@
           <a:lstStyle/>
           <a:p>
             <a:r>
-              <a:rPr lang="en-US"/>
+              <a:rPr lang="en-US" dirty="0"/>
               <a:t>3/22/2025</a:t>
             </a:r>
-            <a:endParaRPr lang="en-US" dirty="0"/>
           </a:p>
         </p:txBody>
       </p:sp>
@@ -2818,10 +2805,9 @@
           <a:lstStyle/>
           <a:p>
             <a:r>
-              <a:rPr lang="en-US"/>
+              <a:rPr lang="en-US" dirty="0"/>
               <a:t>Software Engineering</a:t>
             </a:r>
-            <a:endParaRPr lang="en-US" dirty="0"/>
           </a:p>
         </p:txBody>
       </p:sp>
@@ -3154,7 +3140,7 @@
           <p:cNvPr id="8" name="Date Placeholder 7">
             <a:extLst>
               <a:ext uri="{FF2B5EF4-FFF2-40B4-BE49-F238E27FC236}">
-                <a16:creationId xmlns:a16="http://schemas.microsoft.com/office/drawing/2014/main" id="{0B919CC2-2A65-446F-B538-9E6249035445}"/>
+                <a16:creationId xmlns:a16="http://schemas.microsoft.com/office/drawing/2014/main" xmlns="" id="{0B919CC2-2A65-446F-B538-9E6249035445}"/>
               </a:ext>
             </a:extLst>
           </p:cNvPr>
@@ -3176,10 +3162,9 @@
           <a:lstStyle/>
           <a:p>
             <a:r>
-              <a:rPr lang="en-US"/>
+              <a:rPr lang="en-US" dirty="0"/>
               <a:t>3/22/2025</a:t>
             </a:r>
-            <a:endParaRPr lang="en-US" dirty="0"/>
           </a:p>
         </p:txBody>
       </p:sp>
@@ -3188,7 +3173,7 @@
           <p:cNvPr id="10" name="Footer Placeholder 9">
             <a:extLst>
               <a:ext uri="{FF2B5EF4-FFF2-40B4-BE49-F238E27FC236}">
-                <a16:creationId xmlns:a16="http://schemas.microsoft.com/office/drawing/2014/main" id="{B72412AE-119E-4982-8B24-63365EFCA796}"/>
+                <a16:creationId xmlns:a16="http://schemas.microsoft.com/office/drawing/2014/main" xmlns="" id="{B72412AE-119E-4982-8B24-63365EFCA796}"/>
               </a:ext>
             </a:extLst>
           </p:cNvPr>
@@ -3210,10 +3195,9 @@
           <a:lstStyle/>
           <a:p>
             <a:r>
-              <a:rPr lang="en-US"/>
+              <a:rPr lang="en-US" dirty="0"/>
               <a:t>Software Engineering</a:t>
             </a:r>
-            <a:endParaRPr lang="en-US" dirty="0"/>
           </a:p>
         </p:txBody>
       </p:sp>
@@ -3222,7 +3206,7 @@
           <p:cNvPr id="11" name="Slide Number Placeholder 10">
             <a:extLst>
               <a:ext uri="{FF2B5EF4-FFF2-40B4-BE49-F238E27FC236}">
-                <a16:creationId xmlns:a16="http://schemas.microsoft.com/office/drawing/2014/main" id="{7FC4BB19-6AD1-45CF-9F99-00B109890FAB}"/>
+                <a16:creationId xmlns:a16="http://schemas.microsoft.com/office/drawing/2014/main" xmlns="" id="{7FC4BB19-6AD1-45CF-9F99-00B109890FAB}"/>
               </a:ext>
             </a:extLst>
           </p:cNvPr>
@@ -3383,10 +3367,9 @@
           </a:lstStyle>
           <a:p>
             <a:r>
-              <a:rPr lang="en-US"/>
+              <a:rPr lang="en-US" dirty="0"/>
               <a:t>Click icon to add picture</a:t>
             </a:r>
-            <a:endParaRPr lang="en-US" dirty="0"/>
           </a:p>
         </p:txBody>
       </p:sp>
@@ -3473,10 +3456,9 @@
           <a:lstStyle/>
           <a:p>
             <a:r>
-              <a:rPr lang="en-US"/>
+              <a:rPr lang="en-US" dirty="0"/>
               <a:t>3/22/2025</a:t>
             </a:r>
-            <a:endParaRPr lang="en-US" dirty="0"/>
           </a:p>
         </p:txBody>
       </p:sp>
@@ -3497,10 +3479,9 @@
           <a:p>
             <a:pPr algn="l"/>
             <a:r>
-              <a:rPr lang="en-US"/>
+              <a:rPr lang="en-US" dirty="0"/>
               <a:t>Software Engineering</a:t>
             </a:r>
-            <a:endParaRPr lang="en-US" dirty="0"/>
           </a:p>
         </p:txBody>
       </p:sp>
@@ -3692,10 +3673,9 @@
           </a:lstStyle>
           <a:p>
             <a:r>
-              <a:rPr lang="en-US"/>
+              <a:rPr lang="en-US" dirty="0"/>
               <a:t>3/22/2025</a:t>
             </a:r>
-            <a:endParaRPr lang="en-US" dirty="0"/>
           </a:p>
         </p:txBody>
       </p:sp>
@@ -3734,10 +3714,9 @@
           </a:lstStyle>
           <a:p>
             <a:r>
-              <a:rPr lang="en-US"/>
+              <a:rPr lang="en-US" dirty="0"/>
               <a:t>Software Engineering</a:t>
             </a:r>
-            <a:endParaRPr lang="en-US" dirty="0"/>
           </a:p>
         </p:txBody>
       </p:sp>
@@ -4342,10 +4321,10 @@
           <p:cNvPr id="18" name="Rectangle 17">
             <a:extLst>
               <a:ext uri="{FF2B5EF4-FFF2-40B4-BE49-F238E27FC236}">
-                <a16:creationId xmlns:a16="http://schemas.microsoft.com/office/drawing/2014/main" id="{D6D7A0BC-0046-4CAA-8E7F-DCAFE511EA0E}"/>
+                <a16:creationId xmlns:a16="http://schemas.microsoft.com/office/drawing/2014/main" xmlns="" id="{D6D7A0BC-0046-4CAA-8E7F-DCAFE511EA0E}"/>
               </a:ext>
               <a:ext uri="{C183D7F6-B498-43B3-948B-1728B52AA6E4}">
-                <adec:decorative xmlns:adec="http://schemas.microsoft.com/office/drawing/2017/decorative" val="1"/>
+                <adec:decorative xmlns:adec="http://schemas.microsoft.com/office/drawing/2017/decorative" xmlns="" val="1"/>
               </a:ext>
             </a:extLst>
           </p:cNvPr>
@@ -4355,7 +4334,7 @@
           <p:nvPr>
             <p:extLst>
               <p:ext uri="{386F3935-93C4-4BCD-93E2-E3B085C9AB24}">
-                <p16:designElem xmlns:p16="http://schemas.microsoft.com/office/powerpoint/2015/main" val="1"/>
+                <p16:designElem xmlns:p16="http://schemas.microsoft.com/office/powerpoint/2015/main" xmlns="" val="1"/>
               </p:ext>
             </p:extLst>
           </p:nvPr>
@@ -4402,7 +4381,7 @@
           <p:cNvPr id="2" name="Title 1">
             <a:extLst>
               <a:ext uri="{FF2B5EF4-FFF2-40B4-BE49-F238E27FC236}">
-                <a16:creationId xmlns:a16="http://schemas.microsoft.com/office/drawing/2014/main" id="{1C21E816-31F5-48BB-BD02-D15F2F18B48A}"/>
+                <a16:creationId xmlns:a16="http://schemas.microsoft.com/office/drawing/2014/main" xmlns="" id="{1C21E816-31F5-48BB-BD02-D15F2F18B48A}"/>
               </a:ext>
             </a:extLst>
           </p:cNvPr>
@@ -4425,6 +4404,13 @@
           </a:bodyPr>
           <a:lstStyle/>
           <a:p>
+            <a:r>
+              <a:rPr lang="en-US" b="1" dirty="0">
+                <a:latin typeface="Times New Roman" panose="02020603050405020304" pitchFamily="18" charset="0"/>
+                <a:cs typeface="Times New Roman" panose="02020603050405020304" pitchFamily="18" charset="0"/>
+              </a:rPr>
+              <a:t/>
+            </a:r>
             <a:br>
               <a:rPr lang="en-US" b="1" dirty="0">
                 <a:latin typeface="Times New Roman" panose="02020603050405020304" pitchFamily="18" charset="0"/>
@@ -4446,7 +4432,7 @@
           <p:cNvPr id="3" name="Subtitle 2">
             <a:extLst>
               <a:ext uri="{FF2B5EF4-FFF2-40B4-BE49-F238E27FC236}">
-                <a16:creationId xmlns:a16="http://schemas.microsoft.com/office/drawing/2014/main" id="{835D6E6B-3353-491C-A3C6-F278D6CED8B3}"/>
+                <a16:creationId xmlns:a16="http://schemas.microsoft.com/office/drawing/2014/main" xmlns="" id="{835D6E6B-3353-491C-A3C6-F278D6CED8B3}"/>
               </a:ext>
             </a:extLst>
           </p:cNvPr>
@@ -4534,10 +4520,10 @@
           <p:cNvPr id="20" name="Rectangle 19">
             <a:extLst>
               <a:ext uri="{FF2B5EF4-FFF2-40B4-BE49-F238E27FC236}">
-                <a16:creationId xmlns:a16="http://schemas.microsoft.com/office/drawing/2014/main" id="{E7C6334F-6411-41EC-AD7D-179EDD8B58CB}"/>
+                <a16:creationId xmlns:a16="http://schemas.microsoft.com/office/drawing/2014/main" xmlns="" id="{E7C6334F-6411-41EC-AD7D-179EDD8B58CB}"/>
               </a:ext>
               <a:ext uri="{C183D7F6-B498-43B3-948B-1728B52AA6E4}">
-                <adec:decorative xmlns:adec="http://schemas.microsoft.com/office/drawing/2017/decorative" val="1"/>
+                <adec:decorative xmlns:adec="http://schemas.microsoft.com/office/drawing/2017/decorative" xmlns="" val="1"/>
               </a:ext>
             </a:extLst>
           </p:cNvPr>
@@ -4547,7 +4533,7 @@
           <p:nvPr>
             <p:extLst>
               <p:ext uri="{386F3935-93C4-4BCD-93E2-E3B085C9AB24}">
-                <p16:designElem xmlns:p16="http://schemas.microsoft.com/office/powerpoint/2015/main" val="1"/>
+                <p16:designElem xmlns:p16="http://schemas.microsoft.com/office/powerpoint/2015/main" xmlns="" val="1"/>
               </p:ext>
             </p:extLst>
           </p:nvPr>
@@ -4588,10 +4574,10 @@
           <p:cNvPr id="22" name="Rectangle 21">
             <a:extLst>
               <a:ext uri="{FF2B5EF4-FFF2-40B4-BE49-F238E27FC236}">
-                <a16:creationId xmlns:a16="http://schemas.microsoft.com/office/drawing/2014/main" id="{E6B02CEE-3AF8-4349-9B3E-8970E6DF62B3}"/>
+                <a16:creationId xmlns:a16="http://schemas.microsoft.com/office/drawing/2014/main" xmlns="" id="{E6B02CEE-3AF8-4349-9B3E-8970E6DF62B3}"/>
               </a:ext>
               <a:ext uri="{C183D7F6-B498-43B3-948B-1728B52AA6E4}">
-                <adec:decorative xmlns:adec="http://schemas.microsoft.com/office/drawing/2017/decorative" val="1"/>
+                <adec:decorative xmlns:adec="http://schemas.microsoft.com/office/drawing/2017/decorative" xmlns="" val="1"/>
               </a:ext>
             </a:extLst>
           </p:cNvPr>
@@ -4601,7 +4587,7 @@
           <p:nvPr>
             <p:extLst>
               <p:ext uri="{386F3935-93C4-4BCD-93E2-E3B085C9AB24}">
-                <p16:designElem xmlns:p16="http://schemas.microsoft.com/office/powerpoint/2015/main" val="1"/>
+                <p16:designElem xmlns:p16="http://schemas.microsoft.com/office/powerpoint/2015/main" xmlns="" val="1"/>
               </p:ext>
             </p:extLst>
           </p:nvPr>
@@ -4642,10 +4628,10 @@
           <p:cNvPr id="24" name="Rectangle 23">
             <a:extLst>
               <a:ext uri="{FF2B5EF4-FFF2-40B4-BE49-F238E27FC236}">
-                <a16:creationId xmlns:a16="http://schemas.microsoft.com/office/drawing/2014/main" id="{AAA01CF0-3FB5-44EB-B7DE-F2E86374C2FB}"/>
+                <a16:creationId xmlns:a16="http://schemas.microsoft.com/office/drawing/2014/main" xmlns="" id="{AAA01CF0-3FB5-44EB-B7DE-F2E86374C2FB}"/>
               </a:ext>
               <a:ext uri="{C183D7F6-B498-43B3-948B-1728B52AA6E4}">
-                <adec:decorative xmlns:adec="http://schemas.microsoft.com/office/drawing/2017/decorative" val="1"/>
+                <adec:decorative xmlns:adec="http://schemas.microsoft.com/office/drawing/2017/decorative" xmlns="" val="1"/>
               </a:ext>
             </a:extLst>
           </p:cNvPr>
@@ -4655,7 +4641,7 @@
           <p:nvPr>
             <p:extLst>
               <p:ext uri="{386F3935-93C4-4BCD-93E2-E3B085C9AB24}">
-                <p16:designElem xmlns:p16="http://schemas.microsoft.com/office/powerpoint/2015/main" val="1"/>
+                <p16:designElem xmlns:p16="http://schemas.microsoft.com/office/powerpoint/2015/main" xmlns="" val="1"/>
               </p:ext>
             </p:extLst>
           </p:nvPr>
@@ -4696,7 +4682,7 @@
           <p:cNvPr id="6" name="Picture 5" descr="abstract image">
             <a:extLst>
               <a:ext uri="{FF2B5EF4-FFF2-40B4-BE49-F238E27FC236}">
-                <a16:creationId xmlns:a16="http://schemas.microsoft.com/office/drawing/2014/main" id="{F1A8C364-94D4-4630-BAD0-78722F347055}"/>
+                <a16:creationId xmlns:a16="http://schemas.microsoft.com/office/drawing/2014/main" xmlns="" id="{F1A8C364-94D4-4630-BAD0-78722F347055}"/>
               </a:ext>
             </a:extLst>
           </p:cNvPr>
@@ -4731,7 +4717,7 @@
           <p:cNvPr id="7" name="TextBox 6">
             <a:extLst>
               <a:ext uri="{FF2B5EF4-FFF2-40B4-BE49-F238E27FC236}">
-                <a16:creationId xmlns:a16="http://schemas.microsoft.com/office/drawing/2014/main" id="{56DC74AF-9BA3-C0B8-40E4-7EA42EFEFC2C}"/>
+                <a16:creationId xmlns:a16="http://schemas.microsoft.com/office/drawing/2014/main" xmlns="" id="{56DC74AF-9BA3-C0B8-40E4-7EA42EFEFC2C}"/>
               </a:ext>
             </a:extLst>
           </p:cNvPr>
@@ -4817,7 +4803,7 @@
           <p:cNvPr id="10" name="Date Placeholder 9">
             <a:extLst>
               <a:ext uri="{FF2B5EF4-FFF2-40B4-BE49-F238E27FC236}">
-                <a16:creationId xmlns:a16="http://schemas.microsoft.com/office/drawing/2014/main" id="{44204809-7C99-0296-FD62-43E631617571}"/>
+                <a16:creationId xmlns:a16="http://schemas.microsoft.com/office/drawing/2014/main" xmlns="" id="{44204809-7C99-0296-FD62-43E631617571}"/>
               </a:ext>
             </a:extLst>
           </p:cNvPr>
@@ -4845,7 +4831,7 @@
           <p:cNvPr id="11" name="Footer Placeholder 10">
             <a:extLst>
               <a:ext uri="{FF2B5EF4-FFF2-40B4-BE49-F238E27FC236}">
-                <a16:creationId xmlns:a16="http://schemas.microsoft.com/office/drawing/2014/main" id="{5ECA8BD7-B877-F88A-3743-33335B0E21F4}"/>
+                <a16:creationId xmlns:a16="http://schemas.microsoft.com/office/drawing/2014/main" xmlns="" id="{5ECA8BD7-B877-F88A-3743-33335B0E21F4}"/>
               </a:ext>
             </a:extLst>
           </p:cNvPr>
@@ -4874,7 +4860,7 @@
           <p:cNvPr id="12" name="Slide Number Placeholder 11">
             <a:extLst>
               <a:ext uri="{FF2B5EF4-FFF2-40B4-BE49-F238E27FC236}">
-                <a16:creationId xmlns:a16="http://schemas.microsoft.com/office/drawing/2014/main" id="{AD445850-2032-2AAA-181B-660F93C51227}"/>
+                <a16:creationId xmlns:a16="http://schemas.microsoft.com/office/drawing/2014/main" xmlns="" id="{AD445850-2032-2AAA-181B-660F93C51227}"/>
               </a:ext>
             </a:extLst>
           </p:cNvPr>
@@ -4903,7 +4889,7 @@
           <p:cNvPr id="13" name="object 36">
             <a:extLst>
               <a:ext uri="{FF2B5EF4-FFF2-40B4-BE49-F238E27FC236}">
-                <a16:creationId xmlns:a16="http://schemas.microsoft.com/office/drawing/2014/main" id="{B139A576-E33C-B39D-02D8-BA5C89CA09BB}"/>
+                <a16:creationId xmlns:a16="http://schemas.microsoft.com/office/drawing/2014/main" xmlns="" id="{B139A576-E33C-B39D-02D8-BA5C89CA09BB}"/>
               </a:ext>
             </a:extLst>
           </p:cNvPr>
@@ -4936,6 +4922,13 @@
   <p:clrMapOvr>
     <a:masterClrMapping/>
   </p:clrMapOvr>
+  <p:timing>
+    <p:tnLst>
+      <p:par>
+        <p:cTn id="1" dur="indefinite" restart="never" nodeType="tmRoot"/>
+      </p:par>
+    </p:tnLst>
+  </p:timing>
 </p:sld>
 </file>
 
@@ -4961,7 +4954,7 @@
           <p:cNvPr id="2" name="Title 1">
             <a:extLst>
               <a:ext uri="{FF2B5EF4-FFF2-40B4-BE49-F238E27FC236}">
-                <a16:creationId xmlns:a16="http://schemas.microsoft.com/office/drawing/2014/main" id="{E03BA68E-2359-B0B1-BB3E-22BAE9C1316C}"/>
+                <a16:creationId xmlns:a16="http://schemas.microsoft.com/office/drawing/2014/main" xmlns="" id="{E03BA68E-2359-B0B1-BB3E-22BAE9C1316C}"/>
               </a:ext>
             </a:extLst>
           </p:cNvPr>
@@ -4977,6 +4970,13 @@
           <a:bodyPr/>
           <a:lstStyle/>
           <a:p>
+            <a:r>
+              <a:rPr lang="en-US" b="1" dirty="0"/>
+              <a:t>Data Visualization &amp; Graphical Representation</a:t>
+            </a:r>
+            <a:br>
+              <a:rPr lang="en-US" b="1" dirty="0"/>
+            </a:br>
             <a:endParaRPr lang="en-IN" dirty="0"/>
           </a:p>
         </p:txBody>
@@ -4986,7 +4986,7 @@
           <p:cNvPr id="3" name="Content Placeholder 2">
             <a:extLst>
               <a:ext uri="{FF2B5EF4-FFF2-40B4-BE49-F238E27FC236}">
-                <a16:creationId xmlns:a16="http://schemas.microsoft.com/office/drawing/2014/main" id="{A58537CC-FC3A-E5DC-8DAC-14DB4981F53F}"/>
+                <a16:creationId xmlns:a16="http://schemas.microsoft.com/office/drawing/2014/main" xmlns="" id="{A58537CC-FC3A-E5DC-8DAC-14DB4981F53F}"/>
               </a:ext>
             </a:extLst>
           </p:cNvPr>
@@ -4999,10 +4999,156 @@
         </p:nvSpPr>
         <p:spPr/>
         <p:txBody>
-          <a:bodyPr/>
-          <a:lstStyle/>
-          <a:p>
-            <a:endParaRPr lang="en-IN"/>
+          <a:bodyPr>
+            <a:noAutofit/>
+          </a:bodyPr>
+          <a:lstStyle/>
+          <a:p>
+            <a:pPr marL="0" indent="0">
+              <a:buNone/>
+            </a:pPr>
+            <a:r>
+              <a:rPr lang="en-US" sz="1100" b="1" dirty="0" smtClean="0"/>
+              <a:t>Purpose</a:t>
+            </a:r>
+            <a:r>
+              <a:rPr lang="en-US" sz="1100" b="1" dirty="0"/>
+              <a:t>:</a:t>
+            </a:r>
+            <a:endParaRPr lang="en-US" sz="1100" dirty="0"/>
+          </a:p>
+          <a:p>
+            <a:pPr lvl="1"/>
+            <a:r>
+              <a:rPr lang="en-US" sz="1100" dirty="0"/>
+              <a:t>Understand Semantic Analysis through visual representation.</a:t>
+            </a:r>
+          </a:p>
+          <a:p>
+            <a:pPr lvl="1"/>
+            <a:r>
+              <a:rPr lang="en-US" sz="1100" dirty="0"/>
+              <a:t>Correlate similarity scores to real-time use cases.</a:t>
+            </a:r>
+          </a:p>
+          <a:p>
+            <a:pPr marL="0" indent="0">
+              <a:buNone/>
+            </a:pPr>
+            <a:r>
+              <a:rPr lang="en-US" sz="1100" b="1" dirty="0"/>
+              <a:t>Python Integration:</a:t>
+            </a:r>
+            <a:endParaRPr lang="en-US" sz="1100" dirty="0"/>
+          </a:p>
+          <a:p>
+            <a:pPr lvl="1"/>
+            <a:r>
+              <a:rPr lang="en-US" sz="1100" dirty="0"/>
+              <a:t>Python used as an external tool to generate graphical charts from CSV outputs.</a:t>
+            </a:r>
+          </a:p>
+          <a:p>
+            <a:pPr lvl="1"/>
+            <a:r>
+              <a:rPr lang="en-US" sz="1100" dirty="0"/>
+              <a:t>Current limitation: Manual placement of CSV files in the Python app’s root directory.</a:t>
+            </a:r>
+          </a:p>
+          <a:p>
+            <a:pPr lvl="1"/>
+            <a:r>
+              <a:rPr lang="en-US" sz="1100" dirty="0"/>
+              <a:t>Future scope: Automating CSV file placement.</a:t>
+            </a:r>
+          </a:p>
+          <a:p>
+            <a:pPr marL="0" indent="0">
+              <a:buNone/>
+            </a:pPr>
+            <a:r>
+              <a:rPr lang="en-US" sz="1100" b="1" dirty="0"/>
+              <a:t>Types of Plots:</a:t>
+            </a:r>
+            <a:endParaRPr lang="en-US" sz="1100" dirty="0"/>
+          </a:p>
+          <a:p>
+            <a:pPr lvl="1"/>
+            <a:r>
+              <a:rPr lang="en-US" sz="1100" b="1" dirty="0"/>
+              <a:t>Comparison Plot:</a:t>
+            </a:r>
+            <a:endParaRPr lang="en-US" sz="1100" dirty="0"/>
+          </a:p>
+          <a:p>
+            <a:pPr lvl="2"/>
+            <a:r>
+              <a:rPr lang="en-US" sz="1100" dirty="0"/>
+              <a:t>X-Axis: Document/Phrase Comparisons (User-designed datasets).</a:t>
+            </a:r>
+          </a:p>
+          <a:p>
+            <a:pPr lvl="2"/>
+            <a:r>
+              <a:rPr lang="en-US" sz="1100" dirty="0"/>
+              <a:t>Y-Axis: Similarity Scores.</a:t>
+            </a:r>
+          </a:p>
+          <a:p>
+            <a:pPr lvl="1"/>
+            <a:r>
+              <a:rPr lang="en-US" sz="1100" b="1" dirty="0"/>
+              <a:t>Similarity vs. Scalar Plot:</a:t>
+            </a:r>
+            <a:endParaRPr lang="en-US" sz="1100" dirty="0"/>
+          </a:p>
+          <a:p>
+            <a:pPr lvl="2"/>
+            <a:r>
+              <a:rPr lang="en-US" sz="1100" dirty="0"/>
+              <a:t>X-Axis: Scalar Values (Ranges between 0-3052).</a:t>
+            </a:r>
+          </a:p>
+          <a:p>
+            <a:pPr lvl="2"/>
+            <a:r>
+              <a:rPr lang="en-US" sz="1100" dirty="0"/>
+              <a:t>Y-Axis: Similarity Scores.</a:t>
+            </a:r>
+          </a:p>
+          <a:p>
+            <a:pPr lvl="2"/>
+            <a:r>
+              <a:rPr lang="en-US" sz="1100" dirty="0"/>
+              <a:t>Visualize how contextual relevance is generated.</a:t>
+            </a:r>
+          </a:p>
+          <a:p>
+            <a:pPr marL="0" indent="0">
+              <a:buNone/>
+            </a:pPr>
+            <a:r>
+              <a:rPr lang="en-US" sz="1100" b="1" dirty="0"/>
+              <a:t>Visualization Purpose:</a:t>
+            </a:r>
+            <a:endParaRPr lang="en-US" sz="1100" dirty="0"/>
+          </a:p>
+          <a:p>
+            <a:pPr lvl="1"/>
+            <a:r>
+              <a:rPr lang="en-US" sz="1100" dirty="0"/>
+              <a:t>Helps developers and users comprehend how embeddings map to similarity scores.</a:t>
+            </a:r>
+          </a:p>
+          <a:p>
+            <a:pPr lvl="1"/>
+            <a:r>
+              <a:rPr lang="en-US" sz="1100" dirty="0"/>
+              <a:t>Provides insights for improving the similarity analysis approach.</a:t>
+            </a:r>
+          </a:p>
+          <a:p>
+            <a:endParaRPr lang="en-IN" sz="1100" dirty="0"/>
           </a:p>
         </p:txBody>
       </p:sp>
@@ -5011,7 +5157,7 @@
           <p:cNvPr id="4" name="Date Placeholder 3">
             <a:extLst>
               <a:ext uri="{FF2B5EF4-FFF2-40B4-BE49-F238E27FC236}">
-                <a16:creationId xmlns:a16="http://schemas.microsoft.com/office/drawing/2014/main" id="{33E909F9-DA59-FD45-B1EB-45783CA97968}"/>
+                <a16:creationId xmlns:a16="http://schemas.microsoft.com/office/drawing/2014/main" xmlns="" id="{33E909F9-DA59-FD45-B1EB-45783CA97968}"/>
               </a:ext>
             </a:extLst>
           </p:cNvPr>
@@ -5028,10 +5174,9 @@
           <a:lstStyle/>
           <a:p>
             <a:r>
-              <a:rPr lang="en-US"/>
+              <a:rPr lang="en-US" dirty="0"/>
               <a:t>3/22/2025</a:t>
             </a:r>
-            <a:endParaRPr lang="en-US" dirty="0"/>
           </a:p>
         </p:txBody>
       </p:sp>
@@ -5040,7 +5185,7 @@
           <p:cNvPr id="5" name="Footer Placeholder 4">
             <a:extLst>
               <a:ext uri="{FF2B5EF4-FFF2-40B4-BE49-F238E27FC236}">
-                <a16:creationId xmlns:a16="http://schemas.microsoft.com/office/drawing/2014/main" id="{86A71CE6-0AEF-7BFE-E34C-B75805996A72}"/>
+                <a16:creationId xmlns:a16="http://schemas.microsoft.com/office/drawing/2014/main" xmlns="" id="{86A71CE6-0AEF-7BFE-E34C-B75805996A72}"/>
               </a:ext>
             </a:extLst>
           </p:cNvPr>
@@ -5057,10 +5202,9 @@
           <a:lstStyle/>
           <a:p>
             <a:r>
-              <a:rPr lang="en-US"/>
+              <a:rPr lang="en-US" dirty="0"/>
               <a:t>Software Engineering</a:t>
             </a:r>
-            <a:endParaRPr lang="en-US" dirty="0"/>
           </a:p>
         </p:txBody>
       </p:sp>
@@ -5069,7 +5213,7 @@
           <p:cNvPr id="6" name="Slide Number Placeholder 5">
             <a:extLst>
               <a:ext uri="{FF2B5EF4-FFF2-40B4-BE49-F238E27FC236}">
-                <a16:creationId xmlns:a16="http://schemas.microsoft.com/office/drawing/2014/main" id="{82FB8329-FA0D-DB96-7E65-D7DDCBAC8940}"/>
+                <a16:creationId xmlns:a16="http://schemas.microsoft.com/office/drawing/2014/main" xmlns="" id="{82FB8329-FA0D-DB96-7E65-D7DDCBAC8940}"/>
               </a:ext>
             </a:extLst>
           </p:cNvPr>
@@ -5098,7 +5242,7 @@
           <p:cNvPr id="7" name="object 36">
             <a:extLst>
               <a:ext uri="{FF2B5EF4-FFF2-40B4-BE49-F238E27FC236}">
-                <a16:creationId xmlns:a16="http://schemas.microsoft.com/office/drawing/2014/main" id="{0775318E-9527-6236-D96E-BEBD4972B842}"/>
+                <a16:creationId xmlns:a16="http://schemas.microsoft.com/office/drawing/2014/main" xmlns="" id="{0775318E-9527-6236-D96E-BEBD4972B842}"/>
               </a:ext>
             </a:extLst>
           </p:cNvPr>
@@ -5121,6 +5265,340 @@
           </a:prstGeom>
         </p:spPr>
       </p:pic>
+      <p:sp>
+        <p:nvSpPr>
+          <p:cNvPr id="8" name="Content Placeholder 2">
+            <a:extLst>
+              <a:ext uri="{FF2B5EF4-FFF2-40B4-BE49-F238E27FC236}">
+                <a16:creationId xmlns:a16="http://schemas.microsoft.com/office/drawing/2014/main" xmlns="" id="{A58537CC-FC3A-E5DC-8DAC-14DB4981F53F}"/>
+              </a:ext>
+            </a:extLst>
+          </p:cNvPr>
+          <p:cNvSpPr txBox="1">
+            <a:spLocks/>
+          </p:cNvSpPr>
+          <p:nvPr/>
+        </p:nvSpPr>
+        <p:spPr>
+          <a:xfrm>
+            <a:off x="6290734" y="1710267"/>
+            <a:ext cx="5122334" cy="4834466"/>
+          </a:xfrm>
+          <a:prstGeom prst="rect">
+            <a:avLst/>
+          </a:prstGeom>
+        </p:spPr>
+        <p:txBody>
+          <a:bodyPr vert="horz" lIns="91440" tIns="45720" rIns="91440" bIns="45720" rtlCol="0" anchor="ctr">
+            <a:noAutofit/>
+          </a:bodyPr>
+          <a:lstStyle>
+            <a:lvl1pPr marL="306000" indent="-306000" algn="l" defTabSz="457200" rtl="0" eaLnBrk="1" latinLnBrk="0" hangingPunct="1">
+              <a:lnSpc>
+                <a:spcPct val="110000"/>
+              </a:lnSpc>
+              <a:spcBef>
+                <a:spcPct val="20000"/>
+              </a:spcBef>
+              <a:spcAft>
+                <a:spcPts val="600"/>
+              </a:spcAft>
+              <a:buClr>
+                <a:schemeClr val="accent1"/>
+              </a:buClr>
+              <a:buSzPct val="92000"/>
+              <a:buFont typeface="Wingdings 2" panose="05020102010507070707" pitchFamily="18" charset="2"/>
+              <a:buChar char=""/>
+              <a:defRPr sz="1700" kern="1200">
+                <a:solidFill>
+                  <a:schemeClr val="tx1">
+                    <a:lumMod val="75000"/>
+                    <a:lumOff val="25000"/>
+                  </a:schemeClr>
+                </a:solidFill>
+                <a:latin typeface="+mn-lt"/>
+                <a:ea typeface="+mn-ea"/>
+                <a:cs typeface="+mn-cs"/>
+              </a:defRPr>
+            </a:lvl1pPr>
+            <a:lvl2pPr marL="630000" indent="-306000" algn="l" defTabSz="457200" rtl="0" eaLnBrk="1" latinLnBrk="0" hangingPunct="1">
+              <a:spcBef>
+                <a:spcPct val="20000"/>
+              </a:spcBef>
+              <a:spcAft>
+                <a:spcPts val="600"/>
+              </a:spcAft>
+              <a:buClr>
+                <a:schemeClr val="accent1"/>
+              </a:buClr>
+              <a:buSzPct val="92000"/>
+              <a:buFont typeface="Wingdings 2" panose="05020102010507070707" pitchFamily="18" charset="2"/>
+              <a:buChar char=""/>
+              <a:defRPr sz="1400" kern="1200">
+                <a:solidFill>
+                  <a:schemeClr val="tx1">
+                    <a:lumMod val="75000"/>
+                    <a:lumOff val="25000"/>
+                  </a:schemeClr>
+                </a:solidFill>
+                <a:latin typeface="+mn-lt"/>
+                <a:ea typeface="+mn-ea"/>
+                <a:cs typeface="+mn-cs"/>
+              </a:defRPr>
+            </a:lvl2pPr>
+            <a:lvl3pPr marL="900000" indent="-270000" algn="l" defTabSz="457200" rtl="0" eaLnBrk="1" latinLnBrk="0" hangingPunct="1">
+              <a:spcBef>
+                <a:spcPct val="20000"/>
+              </a:spcBef>
+              <a:spcAft>
+                <a:spcPts val="600"/>
+              </a:spcAft>
+              <a:buClr>
+                <a:schemeClr val="accent1"/>
+              </a:buClr>
+              <a:buSzPct val="92000"/>
+              <a:buFont typeface="Wingdings 2" panose="05020102010507070707" pitchFamily="18" charset="2"/>
+              <a:buChar char=""/>
+              <a:defRPr sz="1300" kern="1200">
+                <a:solidFill>
+                  <a:schemeClr val="tx1">
+                    <a:lumMod val="75000"/>
+                    <a:lumOff val="25000"/>
+                  </a:schemeClr>
+                </a:solidFill>
+                <a:latin typeface="+mn-lt"/>
+                <a:ea typeface="+mn-ea"/>
+                <a:cs typeface="+mn-cs"/>
+              </a:defRPr>
+            </a:lvl3pPr>
+            <a:lvl4pPr marL="1242000" indent="-234000" algn="l" defTabSz="457200" rtl="0" eaLnBrk="1" latinLnBrk="0" hangingPunct="1">
+              <a:spcBef>
+                <a:spcPct val="20000"/>
+              </a:spcBef>
+              <a:spcAft>
+                <a:spcPts val="600"/>
+              </a:spcAft>
+              <a:buClr>
+                <a:schemeClr val="accent1"/>
+              </a:buClr>
+              <a:buSzPct val="92000"/>
+              <a:buFont typeface="Wingdings 2" panose="05020102010507070707" pitchFamily="18" charset="2"/>
+              <a:buChar char=""/>
+              <a:defRPr sz="1100" kern="1200">
+                <a:solidFill>
+                  <a:schemeClr val="tx1">
+                    <a:lumMod val="75000"/>
+                    <a:lumOff val="25000"/>
+                  </a:schemeClr>
+                </a:solidFill>
+                <a:latin typeface="+mn-lt"/>
+                <a:ea typeface="+mn-ea"/>
+                <a:cs typeface="+mn-cs"/>
+              </a:defRPr>
+            </a:lvl4pPr>
+            <a:lvl5pPr marL="1602000" indent="-234000" algn="l" defTabSz="457200" rtl="0" eaLnBrk="1" latinLnBrk="0" hangingPunct="1">
+              <a:spcBef>
+                <a:spcPct val="20000"/>
+              </a:spcBef>
+              <a:spcAft>
+                <a:spcPts val="600"/>
+              </a:spcAft>
+              <a:buClr>
+                <a:schemeClr val="accent1"/>
+              </a:buClr>
+              <a:buSzPct val="92000"/>
+              <a:buFont typeface="Wingdings 2" panose="05020102010507070707" pitchFamily="18" charset="2"/>
+              <a:buChar char=""/>
+              <a:defRPr sz="1100" kern="1200">
+                <a:solidFill>
+                  <a:schemeClr val="tx1">
+                    <a:lumMod val="75000"/>
+                    <a:lumOff val="25000"/>
+                  </a:schemeClr>
+                </a:solidFill>
+                <a:latin typeface="+mn-lt"/>
+                <a:ea typeface="+mn-ea"/>
+                <a:cs typeface="+mn-cs"/>
+              </a:defRPr>
+            </a:lvl5pPr>
+            <a:lvl6pPr marL="1900000" indent="-228600" algn="l" defTabSz="457200" rtl="0" eaLnBrk="1" latinLnBrk="0" hangingPunct="1">
+              <a:spcBef>
+                <a:spcPct val="20000"/>
+              </a:spcBef>
+              <a:spcAft>
+                <a:spcPts val="600"/>
+              </a:spcAft>
+              <a:buClr>
+                <a:schemeClr val="accent2"/>
+              </a:buClr>
+              <a:buSzPct val="92000"/>
+              <a:buFont typeface="Wingdings 2" panose="05020102010507070707" pitchFamily="18" charset="2"/>
+              <a:buChar char=""/>
+              <a:defRPr sz="1200" kern="1200">
+                <a:solidFill>
+                  <a:schemeClr val="tx2"/>
+                </a:solidFill>
+                <a:latin typeface="+mn-lt"/>
+                <a:ea typeface="+mn-ea"/>
+                <a:cs typeface="+mn-cs"/>
+              </a:defRPr>
+            </a:lvl6pPr>
+            <a:lvl7pPr marL="2200000" indent="-228600" algn="l" defTabSz="457200" rtl="0" eaLnBrk="1" latinLnBrk="0" hangingPunct="1">
+              <a:spcBef>
+                <a:spcPct val="20000"/>
+              </a:spcBef>
+              <a:spcAft>
+                <a:spcPts val="600"/>
+              </a:spcAft>
+              <a:buClr>
+                <a:schemeClr val="accent2"/>
+              </a:buClr>
+              <a:buSzPct val="92000"/>
+              <a:buFont typeface="Wingdings 2" panose="05020102010507070707" pitchFamily="18" charset="2"/>
+              <a:buChar char=""/>
+              <a:defRPr sz="1200" kern="1200">
+                <a:solidFill>
+                  <a:schemeClr val="tx2"/>
+                </a:solidFill>
+                <a:latin typeface="+mn-lt"/>
+                <a:ea typeface="+mn-ea"/>
+                <a:cs typeface="+mn-cs"/>
+              </a:defRPr>
+            </a:lvl7pPr>
+            <a:lvl8pPr marL="2500000" indent="-228600" algn="l" defTabSz="457200" rtl="0" eaLnBrk="1" latinLnBrk="0" hangingPunct="1">
+              <a:spcBef>
+                <a:spcPct val="20000"/>
+              </a:spcBef>
+              <a:spcAft>
+                <a:spcPts val="600"/>
+              </a:spcAft>
+              <a:buClr>
+                <a:schemeClr val="accent2"/>
+              </a:buClr>
+              <a:buSzPct val="92000"/>
+              <a:buFont typeface="Wingdings 2" panose="05020102010507070707" pitchFamily="18" charset="2"/>
+              <a:buChar char=""/>
+              <a:defRPr sz="1200" kern="1200">
+                <a:solidFill>
+                  <a:schemeClr val="tx2"/>
+                </a:solidFill>
+                <a:latin typeface="+mn-lt"/>
+                <a:ea typeface="+mn-ea"/>
+                <a:cs typeface="+mn-cs"/>
+              </a:defRPr>
+            </a:lvl8pPr>
+            <a:lvl9pPr marL="2800000" indent="-228600" algn="l" defTabSz="457200" rtl="0" eaLnBrk="1" latinLnBrk="0" hangingPunct="1">
+              <a:spcBef>
+                <a:spcPct val="20000"/>
+              </a:spcBef>
+              <a:spcAft>
+                <a:spcPts val="600"/>
+              </a:spcAft>
+              <a:buClr>
+                <a:schemeClr val="accent2"/>
+              </a:buClr>
+              <a:buSzPct val="92000"/>
+              <a:buFont typeface="Wingdings 2" panose="05020102010507070707" pitchFamily="18" charset="2"/>
+              <a:buChar char=""/>
+              <a:defRPr sz="1200" kern="1200">
+                <a:solidFill>
+                  <a:schemeClr val="tx2"/>
+                </a:solidFill>
+                <a:latin typeface="+mn-lt"/>
+                <a:ea typeface="+mn-ea"/>
+                <a:cs typeface="+mn-cs"/>
+              </a:defRPr>
+            </a:lvl9pPr>
+          </a:lstStyle>
+          <a:p>
+            <a:pPr marL="0" indent="0">
+              <a:buNone/>
+            </a:pPr>
+            <a:r>
+              <a:rPr lang="en-US" b="1" dirty="0"/>
+              <a:t>GitHub Release &amp; Publishing</a:t>
+            </a:r>
+          </a:p>
+          <a:p>
+            <a:r>
+              <a:rPr lang="en-US" b="1" dirty="0"/>
+              <a:t>Publishing &amp; Releasing:</a:t>
+            </a:r>
+            <a:endParaRPr lang="en-US" dirty="0"/>
+          </a:p>
+          <a:p>
+            <a:pPr lvl="1"/>
+            <a:r>
+              <a:rPr lang="en-US" dirty="0"/>
+              <a:t>Successfully published the application and created a release on GitHub.</a:t>
+            </a:r>
+          </a:p>
+          <a:p>
+            <a:pPr lvl="1"/>
+            <a:r>
+              <a:rPr lang="en-US" dirty="0"/>
+              <a:t>Attached the release files for easier access by users and developers.</a:t>
+            </a:r>
+          </a:p>
+          <a:p>
+            <a:r>
+              <a:rPr lang="en-US" b="1" dirty="0"/>
+              <a:t>Purpose of Release:</a:t>
+            </a:r>
+            <a:endParaRPr lang="en-US" dirty="0"/>
+          </a:p>
+          <a:p>
+            <a:pPr lvl="1"/>
+            <a:r>
+              <a:rPr lang="en-US" dirty="0"/>
+              <a:t>Providing a stable version of the application for public use.</a:t>
+            </a:r>
+          </a:p>
+          <a:p>
+            <a:pPr lvl="1"/>
+            <a:r>
+              <a:rPr lang="en-US" dirty="0"/>
+              <a:t>Enabling collaboration and feedback from other developers.</a:t>
+            </a:r>
+          </a:p>
+          <a:p>
+            <a:r>
+              <a:rPr lang="en-US" b="1" dirty="0"/>
+              <a:t>Benefits:</a:t>
+            </a:r>
+            <a:endParaRPr lang="en-US" dirty="0"/>
+          </a:p>
+          <a:p>
+            <a:pPr lvl="1"/>
+            <a:r>
+              <a:rPr lang="en-US" dirty="0"/>
+              <a:t>Streamlined access to the published version.</a:t>
+            </a:r>
+          </a:p>
+          <a:p>
+            <a:pPr lvl="1"/>
+            <a:r>
+              <a:rPr lang="en-US" dirty="0"/>
+              <a:t>Facilitates version control and improvements over time.</a:t>
+            </a:r>
+          </a:p>
+          <a:p>
+            <a:pPr lvl="1"/>
+            <a:r>
+              <a:rPr lang="en-US" dirty="0"/>
+              <a:t>Enhances collaboration through </a:t>
+            </a:r>
+            <a:r>
+              <a:rPr lang="en-US" dirty="0" err="1"/>
+              <a:t>GitHub's</a:t>
+            </a:r>
+            <a:r>
+              <a:rPr lang="en-US" dirty="0"/>
+              <a:t> release management features.</a:t>
+            </a:r>
+          </a:p>
+        </p:txBody>
+      </p:sp>
     </p:spTree>
     <p:extLst>
       <p:ext uri="{BB962C8B-B14F-4D97-AF65-F5344CB8AC3E}">
@@ -5131,6 +5609,2601 @@
   <p:clrMapOvr>
     <a:masterClrMapping/>
   </p:clrMapOvr>
+  <p:timing>
+    <p:tnLst>
+      <p:par>
+        <p:cTn id="1" dur="indefinite" restart="never" nodeType="tmRoot"/>
+      </p:par>
+    </p:tnLst>
+  </p:timing>
+</p:sld>
+</file>
+
+<file path=ppt/slides/slide11.xml><?xml version="1.0" encoding="utf-8"?>
+<p:sld xmlns:a="http://schemas.openxmlformats.org/drawingml/2006/main" xmlns:r="http://schemas.openxmlformats.org/officeDocument/2006/relationships" xmlns:p="http://schemas.openxmlformats.org/presentationml/2006/main">
+  <p:cSld>
+    <p:spTree>
+      <p:nvGrpSpPr>
+        <p:cNvPr id="1" name=""/>
+        <p:cNvGrpSpPr/>
+        <p:nvPr/>
+      </p:nvGrpSpPr>
+      <p:grpSpPr>
+        <a:xfrm>
+          <a:off x="0" y="0"/>
+          <a:ext cx="0" cy="0"/>
+          <a:chOff x="0" y="0"/>
+          <a:chExt cx="0" cy="0"/>
+        </a:xfrm>
+      </p:grpSpPr>
+      <p:sp>
+        <p:nvSpPr>
+          <p:cNvPr id="2" name="Title 1"/>
+          <p:cNvSpPr>
+            <a:spLocks noGrp="1"/>
+          </p:cNvSpPr>
+          <p:nvPr>
+            <p:ph type="title"/>
+          </p:nvPr>
+        </p:nvSpPr>
+        <p:spPr/>
+        <p:txBody>
+          <a:bodyPr/>
+          <a:lstStyle/>
+          <a:p>
+            <a:r>
+              <a:rPr lang="en-US" b="1" dirty="0"/>
+              <a:t>Test Cases &amp; Code Coverage</a:t>
+            </a:r>
+            <a:endParaRPr lang="en-US" b="1" dirty="0"/>
+          </a:p>
+        </p:txBody>
+      </p:sp>
+      <p:sp>
+        <p:nvSpPr>
+          <p:cNvPr id="3" name="Content Placeholder 2"/>
+          <p:cNvSpPr>
+            <a:spLocks noGrp="1"/>
+          </p:cNvSpPr>
+          <p:nvPr>
+            <p:ph idx="1"/>
+          </p:nvPr>
+        </p:nvSpPr>
+        <p:spPr>
+          <a:xfrm>
+            <a:off x="581193" y="2340864"/>
+            <a:ext cx="5489408" cy="3634486"/>
+          </a:xfrm>
+        </p:spPr>
+        <p:txBody>
+          <a:bodyPr>
+            <a:normAutofit fontScale="70000" lnSpcReduction="20000"/>
+          </a:bodyPr>
+          <a:lstStyle/>
+          <a:p>
+            <a:r>
+              <a:rPr lang="en-US" b="1" dirty="0" smtClean="0"/>
+              <a:t>Purpose</a:t>
+            </a:r>
+            <a:r>
+              <a:rPr lang="en-US" b="1" dirty="0"/>
+              <a:t>:</a:t>
+            </a:r>
+            <a:endParaRPr lang="en-US" dirty="0"/>
+          </a:p>
+          <a:p>
+            <a:pPr lvl="1"/>
+            <a:r>
+              <a:rPr lang="en-US" dirty="0"/>
+              <a:t>Ensure robustness of application by validating various functionalities through test cases.</a:t>
+            </a:r>
+          </a:p>
+          <a:p>
+            <a:pPr lvl="1"/>
+            <a:r>
+              <a:rPr lang="en-US" dirty="0"/>
+              <a:t>Maintain high code coverage by testing positive, negative, and edge case scenarios.</a:t>
+            </a:r>
+          </a:p>
+          <a:p>
+            <a:r>
+              <a:rPr lang="en-US" b="1" dirty="0"/>
+              <a:t>Test Framework:</a:t>
+            </a:r>
+            <a:endParaRPr lang="en-US" dirty="0"/>
+          </a:p>
+          <a:p>
+            <a:pPr lvl="1"/>
+            <a:r>
+              <a:rPr lang="en-US" dirty="0"/>
+              <a:t>Implemented using Microsoft.VisualStudio.TestTools.UnitTesting.</a:t>
+            </a:r>
+          </a:p>
+          <a:p>
+            <a:pPr lvl="1"/>
+            <a:r>
+              <a:rPr lang="en-US" dirty="0"/>
+              <a:t>Tests run via Visual Studio Test Explorer.</a:t>
+            </a:r>
+          </a:p>
+          <a:p>
+            <a:pPr lvl="1"/>
+            <a:r>
+              <a:rPr lang="en-US" dirty="0"/>
+              <a:t>Test classes created for each service based on business functionalities</a:t>
+            </a:r>
+            <a:r>
+              <a:rPr lang="en-US" dirty="0" smtClean="0"/>
+              <a:t>.</a:t>
+            </a:r>
+            <a:endParaRPr lang="en-US" dirty="0"/>
+          </a:p>
+          <a:p>
+            <a:r>
+              <a:rPr lang="en-US" b="1" dirty="0"/>
+              <a:t>Test Results:</a:t>
+            </a:r>
+            <a:endParaRPr lang="en-US" dirty="0"/>
+          </a:p>
+          <a:p>
+            <a:pPr lvl="1"/>
+            <a:r>
+              <a:rPr lang="en-US" dirty="0"/>
+              <a:t>All test cases successfully passed.</a:t>
+            </a:r>
+          </a:p>
+          <a:p>
+            <a:pPr lvl="1"/>
+            <a:r>
+              <a:rPr lang="en-US" dirty="0"/>
+              <a:t>Coverage maintained by including different scenarios.</a:t>
+            </a:r>
+          </a:p>
+          <a:p>
+            <a:r>
+              <a:rPr lang="en-US" b="1" dirty="0"/>
+              <a:t>Future Improvements:</a:t>
+            </a:r>
+            <a:endParaRPr lang="en-US" dirty="0"/>
+          </a:p>
+          <a:p>
+            <a:pPr lvl="1"/>
+            <a:r>
+              <a:rPr lang="en-US" dirty="0"/>
+              <a:t>Implementing mock data for unit tests.</a:t>
+            </a:r>
+          </a:p>
+          <a:p>
+            <a:pPr lvl="1"/>
+            <a:r>
+              <a:rPr lang="en-US" dirty="0"/>
+              <a:t>Automating the testing process to reduce manual effort.</a:t>
+            </a:r>
+          </a:p>
+          <a:p>
+            <a:endParaRPr lang="en-US" dirty="0"/>
+          </a:p>
+        </p:txBody>
+      </p:sp>
+      <p:sp>
+        <p:nvSpPr>
+          <p:cNvPr id="4" name="Date Placeholder 3"/>
+          <p:cNvSpPr>
+            <a:spLocks noGrp="1"/>
+          </p:cNvSpPr>
+          <p:nvPr>
+            <p:ph type="dt" sz="half" idx="10"/>
+          </p:nvPr>
+        </p:nvSpPr>
+        <p:spPr/>
+        <p:txBody>
+          <a:bodyPr/>
+          <a:lstStyle/>
+          <a:p>
+            <a:r>
+              <a:rPr lang="en-US" smtClean="0"/>
+              <a:t>3/22/2025</a:t>
+            </a:r>
+            <a:endParaRPr lang="en-US" dirty="0"/>
+          </a:p>
+        </p:txBody>
+      </p:sp>
+      <p:sp>
+        <p:nvSpPr>
+          <p:cNvPr id="5" name="Footer Placeholder 4"/>
+          <p:cNvSpPr>
+            <a:spLocks noGrp="1"/>
+          </p:cNvSpPr>
+          <p:nvPr>
+            <p:ph type="ftr" sz="quarter" idx="11"/>
+          </p:nvPr>
+        </p:nvSpPr>
+        <p:spPr/>
+        <p:txBody>
+          <a:bodyPr/>
+          <a:lstStyle/>
+          <a:p>
+            <a:r>
+              <a:rPr lang="en-US" smtClean="0"/>
+              <a:t>Software Engineering</a:t>
+            </a:r>
+            <a:endParaRPr lang="en-US" dirty="0"/>
+          </a:p>
+        </p:txBody>
+      </p:sp>
+      <p:sp>
+        <p:nvSpPr>
+          <p:cNvPr id="6" name="Slide Number Placeholder 5"/>
+          <p:cNvSpPr>
+            <a:spLocks noGrp="1"/>
+          </p:cNvSpPr>
+          <p:nvPr>
+            <p:ph type="sldNum" sz="quarter" idx="12"/>
+          </p:nvPr>
+        </p:nvSpPr>
+        <p:spPr/>
+        <p:txBody>
+          <a:bodyPr/>
+          <a:lstStyle/>
+          <a:p>
+            <a:fld id="{3A98EE3D-8CD1-4C3F-BD1C-C98C9596463C}" type="slidenum">
+              <a:rPr lang="en-US" smtClean="0"/>
+              <a:t>11</a:t>
+            </a:fld>
+            <a:endParaRPr lang="en-US" dirty="0"/>
+          </a:p>
+        </p:txBody>
+      </p:sp>
+      <p:sp>
+        <p:nvSpPr>
+          <p:cNvPr id="7" name="Content Placeholder 2"/>
+          <p:cNvSpPr txBox="1">
+            <a:spLocks/>
+          </p:cNvSpPr>
+          <p:nvPr/>
+        </p:nvSpPr>
+        <p:spPr>
+          <a:xfrm>
+            <a:off x="6524792" y="2493264"/>
+            <a:ext cx="5599475" cy="3634486"/>
+          </a:xfrm>
+          <a:prstGeom prst="rect">
+            <a:avLst/>
+          </a:prstGeom>
+        </p:spPr>
+        <p:txBody>
+          <a:bodyPr vert="horz" lIns="91440" tIns="45720" rIns="91440" bIns="45720" rtlCol="0" anchor="ctr">
+            <a:normAutofit/>
+          </a:bodyPr>
+          <a:lstStyle>
+            <a:lvl1pPr marL="306000" indent="-306000" algn="l" defTabSz="457200" rtl="0" eaLnBrk="1" latinLnBrk="0" hangingPunct="1">
+              <a:lnSpc>
+                <a:spcPct val="110000"/>
+              </a:lnSpc>
+              <a:spcBef>
+                <a:spcPct val="20000"/>
+              </a:spcBef>
+              <a:spcAft>
+                <a:spcPts val="600"/>
+              </a:spcAft>
+              <a:buClr>
+                <a:schemeClr val="accent1"/>
+              </a:buClr>
+              <a:buSzPct val="92000"/>
+              <a:buFont typeface="Wingdings 2" panose="05020102010507070707" pitchFamily="18" charset="2"/>
+              <a:buChar char=""/>
+              <a:defRPr sz="1700" kern="1200">
+                <a:solidFill>
+                  <a:schemeClr val="tx1">
+                    <a:lumMod val="75000"/>
+                    <a:lumOff val="25000"/>
+                  </a:schemeClr>
+                </a:solidFill>
+                <a:latin typeface="+mn-lt"/>
+                <a:ea typeface="+mn-ea"/>
+                <a:cs typeface="+mn-cs"/>
+              </a:defRPr>
+            </a:lvl1pPr>
+            <a:lvl2pPr marL="630000" indent="-306000" algn="l" defTabSz="457200" rtl="0" eaLnBrk="1" latinLnBrk="0" hangingPunct="1">
+              <a:spcBef>
+                <a:spcPct val="20000"/>
+              </a:spcBef>
+              <a:spcAft>
+                <a:spcPts val="600"/>
+              </a:spcAft>
+              <a:buClr>
+                <a:schemeClr val="accent1"/>
+              </a:buClr>
+              <a:buSzPct val="92000"/>
+              <a:buFont typeface="Wingdings 2" panose="05020102010507070707" pitchFamily="18" charset="2"/>
+              <a:buChar char=""/>
+              <a:defRPr sz="1400" kern="1200">
+                <a:solidFill>
+                  <a:schemeClr val="tx1">
+                    <a:lumMod val="75000"/>
+                    <a:lumOff val="25000"/>
+                  </a:schemeClr>
+                </a:solidFill>
+                <a:latin typeface="+mn-lt"/>
+                <a:ea typeface="+mn-ea"/>
+                <a:cs typeface="+mn-cs"/>
+              </a:defRPr>
+            </a:lvl2pPr>
+            <a:lvl3pPr marL="900000" indent="-270000" algn="l" defTabSz="457200" rtl="0" eaLnBrk="1" latinLnBrk="0" hangingPunct="1">
+              <a:spcBef>
+                <a:spcPct val="20000"/>
+              </a:spcBef>
+              <a:spcAft>
+                <a:spcPts val="600"/>
+              </a:spcAft>
+              <a:buClr>
+                <a:schemeClr val="accent1"/>
+              </a:buClr>
+              <a:buSzPct val="92000"/>
+              <a:buFont typeface="Wingdings 2" panose="05020102010507070707" pitchFamily="18" charset="2"/>
+              <a:buChar char=""/>
+              <a:defRPr sz="1300" kern="1200">
+                <a:solidFill>
+                  <a:schemeClr val="tx1">
+                    <a:lumMod val="75000"/>
+                    <a:lumOff val="25000"/>
+                  </a:schemeClr>
+                </a:solidFill>
+                <a:latin typeface="+mn-lt"/>
+                <a:ea typeface="+mn-ea"/>
+                <a:cs typeface="+mn-cs"/>
+              </a:defRPr>
+            </a:lvl3pPr>
+            <a:lvl4pPr marL="1242000" indent="-234000" algn="l" defTabSz="457200" rtl="0" eaLnBrk="1" latinLnBrk="0" hangingPunct="1">
+              <a:spcBef>
+                <a:spcPct val="20000"/>
+              </a:spcBef>
+              <a:spcAft>
+                <a:spcPts val="600"/>
+              </a:spcAft>
+              <a:buClr>
+                <a:schemeClr val="accent1"/>
+              </a:buClr>
+              <a:buSzPct val="92000"/>
+              <a:buFont typeface="Wingdings 2" panose="05020102010507070707" pitchFamily="18" charset="2"/>
+              <a:buChar char=""/>
+              <a:defRPr sz="1100" kern="1200">
+                <a:solidFill>
+                  <a:schemeClr val="tx1">
+                    <a:lumMod val="75000"/>
+                    <a:lumOff val="25000"/>
+                  </a:schemeClr>
+                </a:solidFill>
+                <a:latin typeface="+mn-lt"/>
+                <a:ea typeface="+mn-ea"/>
+                <a:cs typeface="+mn-cs"/>
+              </a:defRPr>
+            </a:lvl4pPr>
+            <a:lvl5pPr marL="1602000" indent="-234000" algn="l" defTabSz="457200" rtl="0" eaLnBrk="1" latinLnBrk="0" hangingPunct="1">
+              <a:spcBef>
+                <a:spcPct val="20000"/>
+              </a:spcBef>
+              <a:spcAft>
+                <a:spcPts val="600"/>
+              </a:spcAft>
+              <a:buClr>
+                <a:schemeClr val="accent1"/>
+              </a:buClr>
+              <a:buSzPct val="92000"/>
+              <a:buFont typeface="Wingdings 2" panose="05020102010507070707" pitchFamily="18" charset="2"/>
+              <a:buChar char=""/>
+              <a:defRPr sz="1100" kern="1200">
+                <a:solidFill>
+                  <a:schemeClr val="tx1">
+                    <a:lumMod val="75000"/>
+                    <a:lumOff val="25000"/>
+                  </a:schemeClr>
+                </a:solidFill>
+                <a:latin typeface="+mn-lt"/>
+                <a:ea typeface="+mn-ea"/>
+                <a:cs typeface="+mn-cs"/>
+              </a:defRPr>
+            </a:lvl5pPr>
+            <a:lvl6pPr marL="1900000" indent="-228600" algn="l" defTabSz="457200" rtl="0" eaLnBrk="1" latinLnBrk="0" hangingPunct="1">
+              <a:spcBef>
+                <a:spcPct val="20000"/>
+              </a:spcBef>
+              <a:spcAft>
+                <a:spcPts val="600"/>
+              </a:spcAft>
+              <a:buClr>
+                <a:schemeClr val="accent2"/>
+              </a:buClr>
+              <a:buSzPct val="92000"/>
+              <a:buFont typeface="Wingdings 2" panose="05020102010507070707" pitchFamily="18" charset="2"/>
+              <a:buChar char=""/>
+              <a:defRPr sz="1200" kern="1200">
+                <a:solidFill>
+                  <a:schemeClr val="tx2"/>
+                </a:solidFill>
+                <a:latin typeface="+mn-lt"/>
+                <a:ea typeface="+mn-ea"/>
+                <a:cs typeface="+mn-cs"/>
+              </a:defRPr>
+            </a:lvl6pPr>
+            <a:lvl7pPr marL="2200000" indent="-228600" algn="l" defTabSz="457200" rtl="0" eaLnBrk="1" latinLnBrk="0" hangingPunct="1">
+              <a:spcBef>
+                <a:spcPct val="20000"/>
+              </a:spcBef>
+              <a:spcAft>
+                <a:spcPts val="600"/>
+              </a:spcAft>
+              <a:buClr>
+                <a:schemeClr val="accent2"/>
+              </a:buClr>
+              <a:buSzPct val="92000"/>
+              <a:buFont typeface="Wingdings 2" panose="05020102010507070707" pitchFamily="18" charset="2"/>
+              <a:buChar char=""/>
+              <a:defRPr sz="1200" kern="1200">
+                <a:solidFill>
+                  <a:schemeClr val="tx2"/>
+                </a:solidFill>
+                <a:latin typeface="+mn-lt"/>
+                <a:ea typeface="+mn-ea"/>
+                <a:cs typeface="+mn-cs"/>
+              </a:defRPr>
+            </a:lvl7pPr>
+            <a:lvl8pPr marL="2500000" indent="-228600" algn="l" defTabSz="457200" rtl="0" eaLnBrk="1" latinLnBrk="0" hangingPunct="1">
+              <a:spcBef>
+                <a:spcPct val="20000"/>
+              </a:spcBef>
+              <a:spcAft>
+                <a:spcPts val="600"/>
+              </a:spcAft>
+              <a:buClr>
+                <a:schemeClr val="accent2"/>
+              </a:buClr>
+              <a:buSzPct val="92000"/>
+              <a:buFont typeface="Wingdings 2" panose="05020102010507070707" pitchFamily="18" charset="2"/>
+              <a:buChar char=""/>
+              <a:defRPr sz="1200" kern="1200">
+                <a:solidFill>
+                  <a:schemeClr val="tx2"/>
+                </a:solidFill>
+                <a:latin typeface="+mn-lt"/>
+                <a:ea typeface="+mn-ea"/>
+                <a:cs typeface="+mn-cs"/>
+              </a:defRPr>
+            </a:lvl8pPr>
+            <a:lvl9pPr marL="2800000" indent="-228600" algn="l" defTabSz="457200" rtl="0" eaLnBrk="1" latinLnBrk="0" hangingPunct="1">
+              <a:spcBef>
+                <a:spcPct val="20000"/>
+              </a:spcBef>
+              <a:spcAft>
+                <a:spcPts val="600"/>
+              </a:spcAft>
+              <a:buClr>
+                <a:schemeClr val="accent2"/>
+              </a:buClr>
+              <a:buSzPct val="92000"/>
+              <a:buFont typeface="Wingdings 2" panose="05020102010507070707" pitchFamily="18" charset="2"/>
+              <a:buChar char=""/>
+              <a:defRPr sz="1200" kern="1200">
+                <a:solidFill>
+                  <a:schemeClr val="tx2"/>
+                </a:solidFill>
+                <a:latin typeface="+mn-lt"/>
+                <a:ea typeface="+mn-ea"/>
+                <a:cs typeface="+mn-cs"/>
+              </a:defRPr>
+            </a:lvl9pPr>
+          </a:lstStyle>
+          <a:p>
+            <a:endParaRPr lang="en-US" dirty="0"/>
+          </a:p>
+        </p:txBody>
+      </p:sp>
+      <p:sp>
+        <p:nvSpPr>
+          <p:cNvPr id="9" name="Content Placeholder 2"/>
+          <p:cNvSpPr txBox="1">
+            <a:spLocks/>
+          </p:cNvSpPr>
+          <p:nvPr/>
+        </p:nvSpPr>
+        <p:spPr>
+          <a:xfrm>
+            <a:off x="6414726" y="2192867"/>
+            <a:ext cx="5599475" cy="3964347"/>
+          </a:xfrm>
+          <a:prstGeom prst="rect">
+            <a:avLst/>
+          </a:prstGeom>
+        </p:spPr>
+        <p:txBody>
+          <a:bodyPr vert="horz" lIns="91440" tIns="45720" rIns="91440" bIns="45720" rtlCol="0" anchor="ctr">
+            <a:normAutofit/>
+          </a:bodyPr>
+          <a:lstStyle>
+            <a:lvl1pPr marL="306000" indent="-306000" algn="l" defTabSz="457200" rtl="0" eaLnBrk="1" latinLnBrk="0" hangingPunct="1">
+              <a:lnSpc>
+                <a:spcPct val="110000"/>
+              </a:lnSpc>
+              <a:spcBef>
+                <a:spcPct val="20000"/>
+              </a:spcBef>
+              <a:spcAft>
+                <a:spcPts val="600"/>
+              </a:spcAft>
+              <a:buClr>
+                <a:schemeClr val="accent1"/>
+              </a:buClr>
+              <a:buSzPct val="92000"/>
+              <a:buFont typeface="Wingdings 2" panose="05020102010507070707" pitchFamily="18" charset="2"/>
+              <a:buChar char=""/>
+              <a:defRPr sz="1700" kern="1200">
+                <a:solidFill>
+                  <a:schemeClr val="tx1">
+                    <a:lumMod val="75000"/>
+                    <a:lumOff val="25000"/>
+                  </a:schemeClr>
+                </a:solidFill>
+                <a:latin typeface="+mn-lt"/>
+                <a:ea typeface="+mn-ea"/>
+                <a:cs typeface="+mn-cs"/>
+              </a:defRPr>
+            </a:lvl1pPr>
+            <a:lvl2pPr marL="630000" indent="-306000" algn="l" defTabSz="457200" rtl="0" eaLnBrk="1" latinLnBrk="0" hangingPunct="1">
+              <a:spcBef>
+                <a:spcPct val="20000"/>
+              </a:spcBef>
+              <a:spcAft>
+                <a:spcPts val="600"/>
+              </a:spcAft>
+              <a:buClr>
+                <a:schemeClr val="accent1"/>
+              </a:buClr>
+              <a:buSzPct val="92000"/>
+              <a:buFont typeface="Wingdings 2" panose="05020102010507070707" pitchFamily="18" charset="2"/>
+              <a:buChar char=""/>
+              <a:defRPr sz="1400" kern="1200">
+                <a:solidFill>
+                  <a:schemeClr val="tx1">
+                    <a:lumMod val="75000"/>
+                    <a:lumOff val="25000"/>
+                  </a:schemeClr>
+                </a:solidFill>
+                <a:latin typeface="+mn-lt"/>
+                <a:ea typeface="+mn-ea"/>
+                <a:cs typeface="+mn-cs"/>
+              </a:defRPr>
+            </a:lvl2pPr>
+            <a:lvl3pPr marL="900000" indent="-270000" algn="l" defTabSz="457200" rtl="0" eaLnBrk="1" latinLnBrk="0" hangingPunct="1">
+              <a:spcBef>
+                <a:spcPct val="20000"/>
+              </a:spcBef>
+              <a:spcAft>
+                <a:spcPts val="600"/>
+              </a:spcAft>
+              <a:buClr>
+                <a:schemeClr val="accent1"/>
+              </a:buClr>
+              <a:buSzPct val="92000"/>
+              <a:buFont typeface="Wingdings 2" panose="05020102010507070707" pitchFamily="18" charset="2"/>
+              <a:buChar char=""/>
+              <a:defRPr sz="1300" kern="1200">
+                <a:solidFill>
+                  <a:schemeClr val="tx1">
+                    <a:lumMod val="75000"/>
+                    <a:lumOff val="25000"/>
+                  </a:schemeClr>
+                </a:solidFill>
+                <a:latin typeface="+mn-lt"/>
+                <a:ea typeface="+mn-ea"/>
+                <a:cs typeface="+mn-cs"/>
+              </a:defRPr>
+            </a:lvl3pPr>
+            <a:lvl4pPr marL="1242000" indent="-234000" algn="l" defTabSz="457200" rtl="0" eaLnBrk="1" latinLnBrk="0" hangingPunct="1">
+              <a:spcBef>
+                <a:spcPct val="20000"/>
+              </a:spcBef>
+              <a:spcAft>
+                <a:spcPts val="600"/>
+              </a:spcAft>
+              <a:buClr>
+                <a:schemeClr val="accent1"/>
+              </a:buClr>
+              <a:buSzPct val="92000"/>
+              <a:buFont typeface="Wingdings 2" panose="05020102010507070707" pitchFamily="18" charset="2"/>
+              <a:buChar char=""/>
+              <a:defRPr sz="1100" kern="1200">
+                <a:solidFill>
+                  <a:schemeClr val="tx1">
+                    <a:lumMod val="75000"/>
+                    <a:lumOff val="25000"/>
+                  </a:schemeClr>
+                </a:solidFill>
+                <a:latin typeface="+mn-lt"/>
+                <a:ea typeface="+mn-ea"/>
+                <a:cs typeface="+mn-cs"/>
+              </a:defRPr>
+            </a:lvl4pPr>
+            <a:lvl5pPr marL="1602000" indent="-234000" algn="l" defTabSz="457200" rtl="0" eaLnBrk="1" latinLnBrk="0" hangingPunct="1">
+              <a:spcBef>
+                <a:spcPct val="20000"/>
+              </a:spcBef>
+              <a:spcAft>
+                <a:spcPts val="600"/>
+              </a:spcAft>
+              <a:buClr>
+                <a:schemeClr val="accent1"/>
+              </a:buClr>
+              <a:buSzPct val="92000"/>
+              <a:buFont typeface="Wingdings 2" panose="05020102010507070707" pitchFamily="18" charset="2"/>
+              <a:buChar char=""/>
+              <a:defRPr sz="1100" kern="1200">
+                <a:solidFill>
+                  <a:schemeClr val="tx1">
+                    <a:lumMod val="75000"/>
+                    <a:lumOff val="25000"/>
+                  </a:schemeClr>
+                </a:solidFill>
+                <a:latin typeface="+mn-lt"/>
+                <a:ea typeface="+mn-ea"/>
+                <a:cs typeface="+mn-cs"/>
+              </a:defRPr>
+            </a:lvl5pPr>
+            <a:lvl6pPr marL="1900000" indent="-228600" algn="l" defTabSz="457200" rtl="0" eaLnBrk="1" latinLnBrk="0" hangingPunct="1">
+              <a:spcBef>
+                <a:spcPct val="20000"/>
+              </a:spcBef>
+              <a:spcAft>
+                <a:spcPts val="600"/>
+              </a:spcAft>
+              <a:buClr>
+                <a:schemeClr val="accent2"/>
+              </a:buClr>
+              <a:buSzPct val="92000"/>
+              <a:buFont typeface="Wingdings 2" panose="05020102010507070707" pitchFamily="18" charset="2"/>
+              <a:buChar char=""/>
+              <a:defRPr sz="1200" kern="1200">
+                <a:solidFill>
+                  <a:schemeClr val="tx2"/>
+                </a:solidFill>
+                <a:latin typeface="+mn-lt"/>
+                <a:ea typeface="+mn-ea"/>
+                <a:cs typeface="+mn-cs"/>
+              </a:defRPr>
+            </a:lvl6pPr>
+            <a:lvl7pPr marL="2200000" indent="-228600" algn="l" defTabSz="457200" rtl="0" eaLnBrk="1" latinLnBrk="0" hangingPunct="1">
+              <a:spcBef>
+                <a:spcPct val="20000"/>
+              </a:spcBef>
+              <a:spcAft>
+                <a:spcPts val="600"/>
+              </a:spcAft>
+              <a:buClr>
+                <a:schemeClr val="accent2"/>
+              </a:buClr>
+              <a:buSzPct val="92000"/>
+              <a:buFont typeface="Wingdings 2" panose="05020102010507070707" pitchFamily="18" charset="2"/>
+              <a:buChar char=""/>
+              <a:defRPr sz="1200" kern="1200">
+                <a:solidFill>
+                  <a:schemeClr val="tx2"/>
+                </a:solidFill>
+                <a:latin typeface="+mn-lt"/>
+                <a:ea typeface="+mn-ea"/>
+                <a:cs typeface="+mn-cs"/>
+              </a:defRPr>
+            </a:lvl7pPr>
+            <a:lvl8pPr marL="2500000" indent="-228600" algn="l" defTabSz="457200" rtl="0" eaLnBrk="1" latinLnBrk="0" hangingPunct="1">
+              <a:spcBef>
+                <a:spcPct val="20000"/>
+              </a:spcBef>
+              <a:spcAft>
+                <a:spcPts val="600"/>
+              </a:spcAft>
+              <a:buClr>
+                <a:schemeClr val="accent2"/>
+              </a:buClr>
+              <a:buSzPct val="92000"/>
+              <a:buFont typeface="Wingdings 2" panose="05020102010507070707" pitchFamily="18" charset="2"/>
+              <a:buChar char=""/>
+              <a:defRPr sz="1200" kern="1200">
+                <a:solidFill>
+                  <a:schemeClr val="tx2"/>
+                </a:solidFill>
+                <a:latin typeface="+mn-lt"/>
+                <a:ea typeface="+mn-ea"/>
+                <a:cs typeface="+mn-cs"/>
+              </a:defRPr>
+            </a:lvl8pPr>
+            <a:lvl9pPr marL="2800000" indent="-228600" algn="l" defTabSz="457200" rtl="0" eaLnBrk="1" latinLnBrk="0" hangingPunct="1">
+              <a:spcBef>
+                <a:spcPct val="20000"/>
+              </a:spcBef>
+              <a:spcAft>
+                <a:spcPts val="600"/>
+              </a:spcAft>
+              <a:buClr>
+                <a:schemeClr val="accent2"/>
+              </a:buClr>
+              <a:buSzPct val="92000"/>
+              <a:buFont typeface="Wingdings 2" panose="05020102010507070707" pitchFamily="18" charset="2"/>
+              <a:buChar char=""/>
+              <a:defRPr sz="1200" kern="1200">
+                <a:solidFill>
+                  <a:schemeClr val="tx2"/>
+                </a:solidFill>
+                <a:latin typeface="+mn-lt"/>
+                <a:ea typeface="+mn-ea"/>
+                <a:cs typeface="+mn-cs"/>
+              </a:defRPr>
+            </a:lvl9pPr>
+          </a:lstStyle>
+          <a:p>
+            <a:endParaRPr lang="en-US" dirty="0"/>
+          </a:p>
+        </p:txBody>
+      </p:sp>
+      <p:sp>
+        <p:nvSpPr>
+          <p:cNvPr id="10" name="Rectangle 9"/>
+          <p:cNvSpPr/>
+          <p:nvPr/>
+        </p:nvSpPr>
+        <p:spPr>
+          <a:xfrm>
+            <a:off x="5918201" y="943386"/>
+            <a:ext cx="6096000" cy="3231654"/>
+          </a:xfrm>
+          <a:prstGeom prst="rect">
+            <a:avLst/>
+          </a:prstGeom>
+        </p:spPr>
+        <p:txBody>
+          <a:bodyPr>
+            <a:spAutoFit/>
+          </a:bodyPr>
+          <a:lstStyle/>
+          <a:p>
+            <a:pPr marL="324000" lvl="1" defTabSz="457200">
+              <a:lnSpc>
+                <a:spcPct val="80000"/>
+              </a:lnSpc>
+              <a:spcBef>
+                <a:spcPct val="20000"/>
+              </a:spcBef>
+              <a:spcAft>
+                <a:spcPts val="600"/>
+              </a:spcAft>
+              <a:buClr>
+                <a:schemeClr val="accent1"/>
+              </a:buClr>
+              <a:buSzPct val="92000"/>
+            </a:pPr>
+            <a:r>
+              <a:rPr lang="en-US" sz="1000" b="1" dirty="0">
+                <a:solidFill>
+                  <a:schemeClr val="tx1">
+                    <a:lumMod val="75000"/>
+                    <a:lumOff val="25000"/>
+                  </a:schemeClr>
+                </a:solidFill>
+              </a:rPr>
+              <a:t>Test Case Categories:</a:t>
+            </a:r>
+          </a:p>
+          <a:p>
+            <a:pPr marL="630000" lvl="1" indent="-306000" defTabSz="457200">
+              <a:lnSpc>
+                <a:spcPct val="80000"/>
+              </a:lnSpc>
+              <a:spcBef>
+                <a:spcPct val="20000"/>
+              </a:spcBef>
+              <a:spcAft>
+                <a:spcPts val="600"/>
+              </a:spcAft>
+              <a:buClr>
+                <a:schemeClr val="accent1"/>
+              </a:buClr>
+              <a:buSzPct val="92000"/>
+              <a:buFont typeface="Wingdings 2" panose="05020102010507070707" pitchFamily="18" charset="2"/>
+              <a:buChar char=""/>
+            </a:pPr>
+            <a:r>
+              <a:rPr lang="en-US" sz="1000" b="1" dirty="0">
+                <a:solidFill>
+                  <a:schemeClr val="tx1">
+                    <a:lumMod val="75000"/>
+                    <a:lumOff val="25000"/>
+                  </a:schemeClr>
+                </a:solidFill>
+              </a:rPr>
+              <a:t>Basic Test Framework Validation:</a:t>
+            </a:r>
+            <a:r>
+              <a:rPr lang="en-US" sz="1000" dirty="0">
+                <a:solidFill>
+                  <a:schemeClr val="tx1">
+                    <a:lumMod val="75000"/>
+                    <a:lumOff val="25000"/>
+                  </a:schemeClr>
+                </a:solidFill>
+              </a:rPr>
+              <a:t> Verifies test setup.</a:t>
+            </a:r>
+          </a:p>
+          <a:p>
+            <a:pPr marL="630000" lvl="1" indent="-306000" defTabSz="457200">
+              <a:lnSpc>
+                <a:spcPct val="80000"/>
+              </a:lnSpc>
+              <a:spcBef>
+                <a:spcPct val="20000"/>
+              </a:spcBef>
+              <a:spcAft>
+                <a:spcPts val="600"/>
+              </a:spcAft>
+              <a:buClr>
+                <a:schemeClr val="accent1"/>
+              </a:buClr>
+              <a:buSzPct val="92000"/>
+              <a:buFont typeface="Wingdings 2" panose="05020102010507070707" pitchFamily="18" charset="2"/>
+              <a:buChar char=""/>
+            </a:pPr>
+            <a:r>
+              <a:rPr lang="en-US" sz="1000" b="1" dirty="0">
+                <a:solidFill>
+                  <a:schemeClr val="tx1">
+                    <a:lumMod val="75000"/>
+                    <a:lumOff val="25000"/>
+                  </a:schemeClr>
+                </a:solidFill>
+              </a:rPr>
+              <a:t>Exception Handling in Document Comparison</a:t>
+            </a:r>
+            <a:r>
+              <a:rPr lang="en-US" sz="1000" dirty="0">
+                <a:solidFill>
+                  <a:schemeClr val="tx1">
+                    <a:lumMod val="75000"/>
+                    <a:lumOff val="25000"/>
+                  </a:schemeClr>
+                </a:solidFill>
+              </a:rPr>
+              <a:t>: Tests CompareDocumentsAsync for null handling &amp; exception.</a:t>
+            </a:r>
+          </a:p>
+          <a:p>
+            <a:pPr marL="630000" lvl="1" indent="-306000" defTabSz="457200">
+              <a:lnSpc>
+                <a:spcPct val="80000"/>
+              </a:lnSpc>
+              <a:spcBef>
+                <a:spcPct val="20000"/>
+              </a:spcBef>
+              <a:spcAft>
+                <a:spcPts val="600"/>
+              </a:spcAft>
+              <a:buClr>
+                <a:schemeClr val="accent1"/>
+              </a:buClr>
+              <a:buSzPct val="92000"/>
+              <a:buFont typeface="Wingdings 2" panose="05020102010507070707" pitchFamily="18" charset="2"/>
+              <a:buChar char=""/>
+            </a:pPr>
+            <a:r>
+              <a:rPr lang="en-US" sz="1000" b="1" dirty="0">
+                <a:solidFill>
+                  <a:schemeClr val="tx1">
+                    <a:lumMod val="75000"/>
+                    <a:lumOff val="25000"/>
+                  </a:schemeClr>
+                </a:solidFill>
+              </a:rPr>
+              <a:t>Validity of Similarity Score Calculation</a:t>
+            </a:r>
+            <a:r>
+              <a:rPr lang="en-US" sz="1000" dirty="0">
+                <a:solidFill>
+                  <a:schemeClr val="tx1">
+                    <a:lumMod val="75000"/>
+                    <a:lumOff val="25000"/>
+                  </a:schemeClr>
+                </a:solidFill>
+              </a:rPr>
+              <a:t>: Ensures CalculateEmbeddingAsync returns valid scores.</a:t>
+            </a:r>
+          </a:p>
+          <a:p>
+            <a:pPr marL="630000" lvl="1" indent="-306000" defTabSz="457200">
+              <a:lnSpc>
+                <a:spcPct val="80000"/>
+              </a:lnSpc>
+              <a:spcBef>
+                <a:spcPct val="20000"/>
+              </a:spcBef>
+              <a:spcAft>
+                <a:spcPts val="600"/>
+              </a:spcAft>
+              <a:buClr>
+                <a:schemeClr val="accent1"/>
+              </a:buClr>
+              <a:buSzPct val="92000"/>
+              <a:buFont typeface="Wingdings 2" panose="05020102010507070707" pitchFamily="18" charset="2"/>
+              <a:buChar char=""/>
+            </a:pPr>
+            <a:r>
+              <a:rPr lang="en-US" sz="1000" b="1" dirty="0">
+                <a:solidFill>
+                  <a:schemeClr val="tx1">
+                    <a:lumMod val="75000"/>
+                    <a:lumOff val="25000"/>
+                  </a:schemeClr>
+                </a:solidFill>
+              </a:rPr>
+              <a:t>Service Provider Configuration Validation</a:t>
+            </a:r>
+            <a:r>
+              <a:rPr lang="en-US" sz="1000" dirty="0">
+                <a:solidFill>
+                  <a:schemeClr val="tx1">
+                    <a:lumMod val="75000"/>
+                    <a:lumOff val="25000"/>
+                  </a:schemeClr>
+                </a:solidFill>
+              </a:rPr>
+              <a:t>: Validates ConfigureServices for correct service retrieval.</a:t>
+            </a:r>
+          </a:p>
+          <a:p>
+            <a:pPr marL="630000" lvl="1" indent="-306000" defTabSz="457200">
+              <a:lnSpc>
+                <a:spcPct val="80000"/>
+              </a:lnSpc>
+              <a:spcBef>
+                <a:spcPct val="20000"/>
+              </a:spcBef>
+              <a:spcAft>
+                <a:spcPts val="600"/>
+              </a:spcAft>
+              <a:buClr>
+                <a:schemeClr val="accent1"/>
+              </a:buClr>
+              <a:buSzPct val="92000"/>
+              <a:buFont typeface="Wingdings 2" panose="05020102010507070707" pitchFamily="18" charset="2"/>
+              <a:buChar char=""/>
+            </a:pPr>
+            <a:r>
+              <a:rPr lang="en-US" sz="1000" b="1" dirty="0">
+                <a:solidFill>
+                  <a:schemeClr val="tx1">
+                    <a:lumMod val="75000"/>
+                    <a:lumOff val="25000"/>
+                  </a:schemeClr>
+                </a:solidFill>
+              </a:rPr>
+              <a:t>Source &amp; Target File Retrieval</a:t>
+            </a:r>
+            <a:r>
+              <a:rPr lang="en-US" sz="1000" dirty="0">
+                <a:solidFill>
+                  <a:schemeClr val="tx1">
+                    <a:lumMod val="75000"/>
+                    <a:lumOff val="25000"/>
+                  </a:schemeClr>
+                </a:solidFill>
+              </a:rPr>
+              <a:t>: Verifies GetSourceAndTargetFiles returns correct files.</a:t>
+            </a:r>
+          </a:p>
+          <a:p>
+            <a:pPr marL="630000" lvl="1" indent="-306000" defTabSz="457200">
+              <a:lnSpc>
+                <a:spcPct val="80000"/>
+              </a:lnSpc>
+              <a:spcBef>
+                <a:spcPct val="20000"/>
+              </a:spcBef>
+              <a:spcAft>
+                <a:spcPts val="600"/>
+              </a:spcAft>
+              <a:buClr>
+                <a:schemeClr val="accent1"/>
+              </a:buClr>
+              <a:buSzPct val="92000"/>
+              <a:buFont typeface="Wingdings 2" panose="05020102010507070707" pitchFamily="18" charset="2"/>
+              <a:buChar char=""/>
+            </a:pPr>
+            <a:r>
+              <a:rPr lang="en-US" sz="1000" b="1" dirty="0">
+                <a:solidFill>
+                  <a:schemeClr val="tx1">
+                    <a:lumMod val="75000"/>
+                    <a:lumOff val="25000"/>
+                  </a:schemeClr>
+                </a:solidFill>
+              </a:rPr>
+              <a:t>Scalar Value Printing Validation</a:t>
+            </a:r>
+            <a:r>
+              <a:rPr lang="en-US" sz="1000" dirty="0">
+                <a:solidFill>
+                  <a:schemeClr val="tx1">
+                    <a:lumMod val="75000"/>
+                    <a:lumOff val="25000"/>
+                  </a:schemeClr>
+                </a:solidFill>
+              </a:rPr>
+              <a:t>: Ensures PrintScalarValues outputs as expected.</a:t>
+            </a:r>
+          </a:p>
+          <a:p>
+            <a:pPr marL="630000" lvl="1" indent="-306000" defTabSz="457200">
+              <a:lnSpc>
+                <a:spcPct val="80000"/>
+              </a:lnSpc>
+              <a:spcBef>
+                <a:spcPct val="20000"/>
+              </a:spcBef>
+              <a:spcAft>
+                <a:spcPts val="600"/>
+              </a:spcAft>
+              <a:buClr>
+                <a:schemeClr val="accent1"/>
+              </a:buClr>
+              <a:buSzPct val="92000"/>
+              <a:buFont typeface="Wingdings 2" panose="05020102010507070707" pitchFamily="18" charset="2"/>
+              <a:buChar char=""/>
+            </a:pPr>
+            <a:r>
+              <a:rPr lang="en-US" sz="1000" b="1" dirty="0">
+                <a:solidFill>
+                  <a:schemeClr val="tx1">
+                    <a:lumMod val="75000"/>
+                    <a:lumOff val="25000"/>
+                  </a:schemeClr>
+                </a:solidFill>
+              </a:rPr>
+              <a:t>Accuracy of Similarity Score Calculation</a:t>
+            </a:r>
+            <a:r>
+              <a:rPr lang="en-US" sz="1000" dirty="0">
+                <a:solidFill>
+                  <a:schemeClr val="tx1">
+                    <a:lumMod val="75000"/>
+                    <a:lumOff val="25000"/>
+                  </a:schemeClr>
+                </a:solidFill>
+              </a:rPr>
+              <a:t>: Checks similarity scores are correctly calculated.</a:t>
+            </a:r>
+          </a:p>
+          <a:p>
+            <a:pPr marL="630000" lvl="1" indent="-306000" defTabSz="457200">
+              <a:lnSpc>
+                <a:spcPct val="80000"/>
+              </a:lnSpc>
+              <a:spcBef>
+                <a:spcPct val="20000"/>
+              </a:spcBef>
+              <a:spcAft>
+                <a:spcPts val="600"/>
+              </a:spcAft>
+              <a:buClr>
+                <a:schemeClr val="accent1"/>
+              </a:buClr>
+              <a:buSzPct val="92000"/>
+              <a:buFont typeface="Wingdings 2" panose="05020102010507070707" pitchFamily="18" charset="2"/>
+              <a:buChar char=""/>
+            </a:pPr>
+            <a:r>
+              <a:rPr lang="en-US" sz="1000" b="1" dirty="0">
+                <a:solidFill>
+                  <a:schemeClr val="tx1">
+                    <a:lumMod val="75000"/>
+                    <a:lumOff val="25000"/>
+                  </a:schemeClr>
+                </a:solidFill>
+              </a:rPr>
+              <a:t>Handling of Different Length Embeddings</a:t>
+            </a:r>
+            <a:r>
+              <a:rPr lang="en-US" sz="1000" dirty="0">
+                <a:solidFill>
+                  <a:schemeClr val="tx1">
+                    <a:lumMod val="75000"/>
+                    <a:lumOff val="25000"/>
+                  </a:schemeClr>
+                </a:solidFill>
+              </a:rPr>
+              <a:t>: Ensures zero score for embeddings of varying lengths.</a:t>
+            </a:r>
+          </a:p>
+          <a:p>
+            <a:pPr marL="630000" lvl="1" indent="-306000" defTabSz="457200">
+              <a:lnSpc>
+                <a:spcPct val="80000"/>
+              </a:lnSpc>
+              <a:spcBef>
+                <a:spcPct val="20000"/>
+              </a:spcBef>
+              <a:spcAft>
+                <a:spcPts val="600"/>
+              </a:spcAft>
+              <a:buClr>
+                <a:schemeClr val="accent1"/>
+              </a:buClr>
+              <a:buSzPct val="92000"/>
+              <a:buFont typeface="Wingdings 2" panose="05020102010507070707" pitchFamily="18" charset="2"/>
+              <a:buChar char=""/>
+            </a:pPr>
+            <a:r>
+              <a:rPr lang="en-US" sz="1000" b="1" dirty="0">
+                <a:solidFill>
+                  <a:schemeClr val="tx1">
+                    <a:lumMod val="75000"/>
+                    <a:lumOff val="25000"/>
+                  </a:schemeClr>
+                </a:solidFill>
+              </a:rPr>
+              <a:t>Handling of Empty Inputs</a:t>
+            </a:r>
+            <a:r>
+              <a:rPr lang="en-US" sz="1000" dirty="0">
+                <a:solidFill>
+                  <a:schemeClr val="tx1">
+                    <a:lumMod val="75000"/>
+                    <a:lumOff val="25000"/>
+                  </a:schemeClr>
+                </a:solidFill>
+              </a:rPr>
+              <a:t>: Ensures CalculateEmbeddingAsync returns 0 for empty strings.</a:t>
+            </a:r>
+          </a:p>
+          <a:p>
+            <a:pPr marL="630000" lvl="1" indent="-306000" defTabSz="457200">
+              <a:lnSpc>
+                <a:spcPct val="80000"/>
+              </a:lnSpc>
+              <a:spcBef>
+                <a:spcPct val="20000"/>
+              </a:spcBef>
+              <a:spcAft>
+                <a:spcPts val="600"/>
+              </a:spcAft>
+              <a:buClr>
+                <a:schemeClr val="accent1"/>
+              </a:buClr>
+              <a:buSzPct val="92000"/>
+              <a:buFont typeface="Wingdings 2" panose="05020102010507070707" pitchFamily="18" charset="2"/>
+              <a:buChar char=""/>
+            </a:pPr>
+            <a:r>
+              <a:rPr lang="en-US" sz="1000" b="1" dirty="0">
+                <a:solidFill>
+                  <a:schemeClr val="tx1">
+                    <a:lumMod val="75000"/>
+                    <a:lumOff val="25000"/>
+                  </a:schemeClr>
+                </a:solidFill>
+              </a:rPr>
+              <a:t>Handling of Invalid File Paths</a:t>
+            </a:r>
+            <a:r>
+              <a:rPr lang="en-US" sz="1000" dirty="0">
+                <a:solidFill>
+                  <a:schemeClr val="tx1">
+                    <a:lumMod val="75000"/>
+                    <a:lumOff val="25000"/>
+                  </a:schemeClr>
+                </a:solidFill>
+              </a:rPr>
+              <a:t>: Validates error handling for non-existent files.</a:t>
+            </a:r>
+          </a:p>
+          <a:p>
+            <a:pPr marL="630000" lvl="1" indent="-306000" defTabSz="457200">
+              <a:lnSpc>
+                <a:spcPct val="80000"/>
+              </a:lnSpc>
+              <a:spcBef>
+                <a:spcPct val="20000"/>
+              </a:spcBef>
+              <a:spcAft>
+                <a:spcPts val="600"/>
+              </a:spcAft>
+              <a:buClr>
+                <a:schemeClr val="accent1"/>
+              </a:buClr>
+              <a:buSzPct val="92000"/>
+              <a:buFont typeface="Wingdings 2" panose="05020102010507070707" pitchFamily="18" charset="2"/>
+              <a:buChar char=""/>
+            </a:pPr>
+            <a:r>
+              <a:rPr lang="en-US" sz="1000" b="1" dirty="0">
+                <a:solidFill>
+                  <a:schemeClr val="tx1">
+                    <a:lumMod val="75000"/>
+                    <a:lumOff val="25000"/>
+                  </a:schemeClr>
+                </a:solidFill>
+              </a:rPr>
+              <a:t>Phrase Processing &amp; Result Saving</a:t>
+            </a:r>
+            <a:r>
+              <a:rPr lang="en-US" sz="1000" dirty="0">
+                <a:solidFill>
+                  <a:schemeClr val="tx1">
+                    <a:lumMod val="75000"/>
+                    <a:lumOff val="25000"/>
+                  </a:schemeClr>
+                </a:solidFill>
+              </a:rPr>
+              <a:t>: Verifies saving of </a:t>
+            </a:r>
+            <a:r>
+              <a:rPr lang="en-US" sz="1000" dirty="0" smtClean="0">
+                <a:solidFill>
+                  <a:schemeClr val="tx1">
+                    <a:lumMod val="75000"/>
+                    <a:lumOff val="25000"/>
+                  </a:schemeClr>
+                </a:solidFill>
+              </a:rPr>
+              <a:t>Phrase Similarity </a:t>
+            </a:r>
+            <a:r>
+              <a:rPr lang="en-US" sz="1000" dirty="0">
+                <a:solidFill>
+                  <a:schemeClr val="tx1">
+                    <a:lumMod val="75000"/>
+                    <a:lumOff val="25000"/>
+                  </a:schemeClr>
+                </a:solidFill>
+              </a:rPr>
+              <a:t>objects using CsvHelperUtilTest.</a:t>
+            </a:r>
+          </a:p>
+          <a:p>
+            <a:pPr marL="630000" lvl="1" indent="-306000" defTabSz="457200">
+              <a:lnSpc>
+                <a:spcPct val="80000"/>
+              </a:lnSpc>
+              <a:spcBef>
+                <a:spcPct val="20000"/>
+              </a:spcBef>
+              <a:spcAft>
+                <a:spcPts val="600"/>
+              </a:spcAft>
+              <a:buClr>
+                <a:schemeClr val="accent1"/>
+              </a:buClr>
+              <a:buSzPct val="92000"/>
+              <a:buFont typeface="Wingdings 2" panose="05020102010507070707" pitchFamily="18" charset="2"/>
+              <a:buChar char=""/>
+            </a:pPr>
+            <a:r>
+              <a:rPr lang="en-US" sz="1000" b="1" dirty="0">
+                <a:solidFill>
+                  <a:schemeClr val="tx1">
+                    <a:lumMod val="75000"/>
+                    <a:lumOff val="25000"/>
+                  </a:schemeClr>
+                </a:solidFill>
+              </a:rPr>
+              <a:t>CSVHelperUtilTest.cs</a:t>
+            </a:r>
+            <a:r>
+              <a:rPr lang="en-US" sz="1000" dirty="0">
+                <a:solidFill>
+                  <a:schemeClr val="tx1">
+                    <a:lumMod val="75000"/>
+                    <a:lumOff val="25000"/>
+                  </a:schemeClr>
+                </a:solidFill>
+              </a:rPr>
+              <a:t>: Validates CSV &amp; JSON saving for further analysis &amp; sharing.</a:t>
+            </a:r>
+          </a:p>
+        </p:txBody>
+      </p:sp>
+      <p:pic>
+        <p:nvPicPr>
+          <p:cNvPr id="2050" name="Picture 2"/>
+          <p:cNvPicPr>
+            <a:picLocks noChangeAspect="1" noChangeArrowheads="1"/>
+          </p:cNvPicPr>
+          <p:nvPr/>
+        </p:nvPicPr>
+        <p:blipFill>
+          <a:blip r:embed="rId2">
+            <a:extLst>
+              <a:ext uri="{28A0092B-C50C-407E-A947-70E740481C1C}">
+                <a14:useLocalDpi xmlns:a14="http://schemas.microsoft.com/office/drawing/2010/main" val="0"/>
+              </a:ext>
+            </a:extLst>
+          </a:blip>
+          <a:srcRect/>
+          <a:stretch>
+            <a:fillRect/>
+          </a:stretch>
+        </p:blipFill>
+        <p:spPr bwMode="auto">
+          <a:xfrm>
+            <a:off x="6414726" y="4251240"/>
+            <a:ext cx="4463783" cy="2187002"/>
+          </a:xfrm>
+          <a:prstGeom prst="rect">
+            <a:avLst/>
+          </a:prstGeom>
+          <a:noFill/>
+          <a:ln>
+            <a:noFill/>
+          </a:ln>
+          <a:effectLst/>
+          <a:extLst>
+            <a:ext uri="{909E8E84-426E-40DD-AFC4-6F175D3DCCD1}">
+              <a14:hiddenFill xmlns:a14="http://schemas.microsoft.com/office/drawing/2010/main">
+                <a:solidFill>
+                  <a:schemeClr val="accent1"/>
+                </a:solidFill>
+              </a14:hiddenFill>
+            </a:ext>
+            <a:ext uri="{91240B29-F687-4F45-9708-019B960494DF}">
+              <a14:hiddenLine xmlns:a14="http://schemas.microsoft.com/office/drawing/2010/main" w="9525">
+                <a:solidFill>
+                  <a:schemeClr val="tx1"/>
+                </a:solidFill>
+                <a:miter lim="800000"/>
+                <a:headEnd/>
+                <a:tailEnd/>
+              </a14:hiddenLine>
+            </a:ext>
+            <a:ext uri="{AF507438-7753-43E0-B8FC-AC1667EBCBE1}">
+              <a14:hiddenEffects xmlns:a14="http://schemas.microsoft.com/office/drawing/2010/main">
+                <a:effectLst>
+                  <a:outerShdw dist="35921" dir="2700000" algn="ctr" rotWithShape="0">
+                    <a:schemeClr val="bg2"/>
+                  </a:outerShdw>
+                </a:effectLst>
+              </a14:hiddenEffects>
+            </a:ext>
+          </a:extLst>
+        </p:spPr>
+      </p:pic>
+      <p:sp>
+        <p:nvSpPr>
+          <p:cNvPr id="12" name="TextBox 11"/>
+          <p:cNvSpPr txBox="1"/>
+          <p:nvPr/>
+        </p:nvSpPr>
+        <p:spPr>
+          <a:xfrm>
+            <a:off x="6524792" y="6438242"/>
+            <a:ext cx="3130551" cy="280013"/>
+          </a:xfrm>
+          <a:prstGeom prst="rect">
+            <a:avLst/>
+          </a:prstGeom>
+          <a:noFill/>
+        </p:spPr>
+        <p:txBody>
+          <a:bodyPr wrap="square" rtlCol="0">
+            <a:spAutoFit/>
+          </a:bodyPr>
+          <a:lstStyle/>
+          <a:p>
+            <a:pPr defTabSz="457200">
+              <a:lnSpc>
+                <a:spcPct val="110000"/>
+              </a:lnSpc>
+              <a:spcBef>
+                <a:spcPct val="20000"/>
+              </a:spcBef>
+              <a:spcAft>
+                <a:spcPts val="600"/>
+              </a:spcAft>
+              <a:buClr>
+                <a:schemeClr val="accent1"/>
+              </a:buClr>
+              <a:buSzPct val="92000"/>
+            </a:pPr>
+            <a:r>
+              <a:rPr lang="en-US" sz="1200" dirty="0" smtClean="0">
+                <a:solidFill>
+                  <a:schemeClr val="tx1">
+                    <a:lumMod val="75000"/>
+                    <a:lumOff val="25000"/>
+                  </a:schemeClr>
+                </a:solidFill>
+              </a:rPr>
+              <a:t>Test Case Results</a:t>
+            </a:r>
+            <a:endParaRPr lang="en-US" sz="1200" dirty="0">
+              <a:solidFill>
+                <a:schemeClr val="tx1">
+                  <a:lumMod val="75000"/>
+                  <a:lumOff val="25000"/>
+                </a:schemeClr>
+              </a:solidFill>
+            </a:endParaRPr>
+          </a:p>
+        </p:txBody>
+      </p:sp>
+    </p:spTree>
+    <p:extLst>
+      <p:ext uri="{BB962C8B-B14F-4D97-AF65-F5344CB8AC3E}">
+        <p14:creationId xmlns:p14="http://schemas.microsoft.com/office/powerpoint/2010/main" val="3423378921"/>
+      </p:ext>
+    </p:extLst>
+  </p:cSld>
+  <p:clrMapOvr>
+    <a:masterClrMapping/>
+  </p:clrMapOvr>
+  <p:timing>
+    <p:tnLst>
+      <p:par>
+        <p:cTn id="1" dur="indefinite" restart="never" nodeType="tmRoot"/>
+      </p:par>
+    </p:tnLst>
+  </p:timing>
+</p:sld>
+</file>
+
+<file path=ppt/slides/slide12.xml><?xml version="1.0" encoding="utf-8"?>
+<p:sld xmlns:a="http://schemas.openxmlformats.org/drawingml/2006/main" xmlns:r="http://schemas.openxmlformats.org/officeDocument/2006/relationships" xmlns:p="http://schemas.openxmlformats.org/presentationml/2006/main">
+  <p:cSld>
+    <p:spTree>
+      <p:nvGrpSpPr>
+        <p:cNvPr id="1" name=""/>
+        <p:cNvGrpSpPr/>
+        <p:nvPr/>
+      </p:nvGrpSpPr>
+      <p:grpSpPr>
+        <a:xfrm>
+          <a:off x="0" y="0"/>
+          <a:ext cx="0" cy="0"/>
+          <a:chOff x="0" y="0"/>
+          <a:chExt cx="0" cy="0"/>
+        </a:xfrm>
+      </p:grpSpPr>
+      <p:sp>
+        <p:nvSpPr>
+          <p:cNvPr id="2" name="Title 1"/>
+          <p:cNvSpPr>
+            <a:spLocks noGrp="1"/>
+          </p:cNvSpPr>
+          <p:nvPr>
+            <p:ph type="title"/>
+          </p:nvPr>
+        </p:nvSpPr>
+        <p:spPr/>
+        <p:txBody>
+          <a:bodyPr/>
+          <a:lstStyle/>
+          <a:p>
+            <a:r>
+              <a:rPr lang="en-US" dirty="0" smtClean="0"/>
+              <a:t>Results and Visualization</a:t>
+            </a:r>
+            <a:endParaRPr lang="en-US" dirty="0"/>
+          </a:p>
+        </p:txBody>
+      </p:sp>
+      <p:sp>
+        <p:nvSpPr>
+          <p:cNvPr id="3" name="Content Placeholder 2"/>
+          <p:cNvSpPr>
+            <a:spLocks noGrp="1"/>
+          </p:cNvSpPr>
+          <p:nvPr>
+            <p:ph idx="1"/>
+          </p:nvPr>
+        </p:nvSpPr>
+        <p:spPr>
+          <a:xfrm>
+            <a:off x="581192" y="2065867"/>
+            <a:ext cx="11029615" cy="3909483"/>
+          </a:xfrm>
+        </p:spPr>
+        <p:txBody>
+          <a:bodyPr>
+            <a:noAutofit/>
+          </a:bodyPr>
+          <a:lstStyle/>
+          <a:p>
+            <a:pPr marL="0" indent="0">
+              <a:buNone/>
+            </a:pPr>
+            <a:endParaRPr lang="en-US" sz="1200" dirty="0" smtClean="0"/>
+          </a:p>
+          <a:p>
+            <a:r>
+              <a:rPr lang="en-US" sz="1200" b="1" dirty="0" smtClean="0"/>
+              <a:t>Phrase Comparison Output  CSV Path </a:t>
+            </a:r>
+            <a:r>
+              <a:rPr lang="en-US" sz="1200" dirty="0"/>
+              <a:t>- </a:t>
+            </a:r>
+            <a:r>
+              <a:rPr lang="en-US" sz="1200" dirty="0" smtClean="0"/>
+              <a:t>bin\Release\net9.0\data\output_datasetphrases.csv</a:t>
+            </a:r>
+          </a:p>
+          <a:p>
+            <a:r>
+              <a:rPr lang="en-US" sz="1200" b="1" dirty="0" smtClean="0"/>
+              <a:t>Document Comparison Output CSV Path </a:t>
+            </a:r>
+            <a:r>
+              <a:rPr lang="en-US" sz="1200" dirty="0"/>
+              <a:t>- </a:t>
+            </a:r>
+            <a:r>
+              <a:rPr lang="en-US" sz="1200" dirty="0" smtClean="0"/>
+              <a:t>bin\Release\net9.0\data\output_dataset.csv</a:t>
+            </a:r>
+          </a:p>
+          <a:p>
+            <a:pPr marL="0" indent="0">
+              <a:buNone/>
+            </a:pPr>
+            <a:endParaRPr lang="en-US" sz="1200" dirty="0" smtClean="0"/>
+          </a:p>
+          <a:p>
+            <a:pPr marL="0" indent="0">
+              <a:buNone/>
+            </a:pPr>
+            <a:r>
+              <a:rPr lang="en-US" sz="1200" b="1" dirty="0" smtClean="0"/>
+              <a:t>Phrase Comparison Results</a:t>
+            </a:r>
+            <a:r>
+              <a:rPr lang="en-US" sz="1200" dirty="0" smtClean="0"/>
+              <a:t>:</a:t>
+            </a:r>
+          </a:p>
+          <a:p>
+            <a:pPr marL="0" indent="0">
+              <a:buNone/>
+            </a:pPr>
+            <a:r>
+              <a:rPr lang="en-US" sz="1200" dirty="0">
+                <a:hlinkClick r:id="rId2"/>
+              </a:rPr>
+              <a:t>https://</a:t>
+            </a:r>
+            <a:r>
+              <a:rPr lang="en-US" sz="1200" dirty="0" smtClean="0">
+                <a:hlinkClick r:id="rId2"/>
+              </a:rPr>
+              <a:t>senthilmasters2024.github.io/Tech_Tweakers/PhrasesSimilarityClassficationByDomainsPlots.html</a:t>
+            </a:r>
+            <a:endParaRPr lang="en-US" sz="1200" dirty="0" smtClean="0"/>
+          </a:p>
+          <a:p>
+            <a:pPr marL="0" indent="0">
+              <a:buNone/>
+            </a:pPr>
+            <a:endParaRPr lang="en-US" sz="1200" dirty="0"/>
+          </a:p>
+          <a:p>
+            <a:pPr marL="0" indent="0">
+              <a:buNone/>
+            </a:pPr>
+            <a:r>
+              <a:rPr lang="en-US" sz="1200" b="1" dirty="0" smtClean="0"/>
+              <a:t>Document Comparison Results:</a:t>
+            </a:r>
+          </a:p>
+          <a:p>
+            <a:pPr marL="0" indent="0">
+              <a:buNone/>
+            </a:pPr>
+            <a:r>
+              <a:rPr lang="en-US" sz="1200" dirty="0">
+                <a:hlinkClick r:id="rId3"/>
+              </a:rPr>
+              <a:t>https://</a:t>
+            </a:r>
+            <a:r>
+              <a:rPr lang="en-US" sz="1200" dirty="0" smtClean="0">
+                <a:hlinkClick r:id="rId3"/>
+              </a:rPr>
+              <a:t>senthilmasters2024.github.io/Tech_Tweakers/SemanticSimilarityLatestPlot.html</a:t>
+            </a:r>
+            <a:endParaRPr lang="en-US" sz="1200" dirty="0" smtClean="0"/>
+          </a:p>
+          <a:p>
+            <a:pPr marL="0" indent="0">
+              <a:buNone/>
+            </a:pPr>
+            <a:endParaRPr lang="en-US" sz="1200" dirty="0"/>
+          </a:p>
+          <a:p>
+            <a:pPr marL="0" indent="0">
+              <a:buNone/>
+            </a:pPr>
+            <a:r>
+              <a:rPr lang="en-US" sz="1200" b="1" dirty="0" smtClean="0"/>
+              <a:t>Scalar Values of Embedding vs. Similarity Score:</a:t>
+            </a:r>
+          </a:p>
+          <a:p>
+            <a:pPr marL="0" indent="0">
+              <a:buNone/>
+            </a:pPr>
+            <a:r>
+              <a:rPr lang="en-US" sz="1200" dirty="0" smtClean="0">
+                <a:hlinkClick r:id="rId4"/>
+              </a:rPr>
+              <a:t>https</a:t>
+            </a:r>
+            <a:r>
+              <a:rPr lang="en-US" sz="1200" dirty="0">
+                <a:hlinkClick r:id="rId4"/>
+              </a:rPr>
+              <a:t>://</a:t>
+            </a:r>
+            <a:r>
+              <a:rPr lang="en-US" sz="1200" dirty="0" smtClean="0">
+                <a:hlinkClick r:id="rId4"/>
+              </a:rPr>
+              <a:t>senthilmasters2024.github.io/Tech_Tweakers/ScalarValuesVsSimilarityScorePlotForOneComparsion.html</a:t>
+            </a:r>
+            <a:endParaRPr lang="en-US" sz="1200" dirty="0" smtClean="0"/>
+          </a:p>
+          <a:p>
+            <a:pPr marL="0" indent="0">
+              <a:buNone/>
+            </a:pPr>
+            <a:endParaRPr lang="en-US" sz="1200" dirty="0"/>
+          </a:p>
+          <a:p>
+            <a:endParaRPr lang="en-US" sz="1200" dirty="0"/>
+          </a:p>
+        </p:txBody>
+      </p:sp>
+      <p:sp>
+        <p:nvSpPr>
+          <p:cNvPr id="4" name="Date Placeholder 3"/>
+          <p:cNvSpPr>
+            <a:spLocks noGrp="1"/>
+          </p:cNvSpPr>
+          <p:nvPr>
+            <p:ph type="dt" sz="half" idx="10"/>
+          </p:nvPr>
+        </p:nvSpPr>
+        <p:spPr/>
+        <p:txBody>
+          <a:bodyPr/>
+          <a:lstStyle/>
+          <a:p>
+            <a:r>
+              <a:rPr lang="en-US" dirty="0" smtClean="0"/>
+              <a:t>3/22/2025</a:t>
+            </a:r>
+            <a:endParaRPr lang="en-US" dirty="0"/>
+          </a:p>
+        </p:txBody>
+      </p:sp>
+      <p:sp>
+        <p:nvSpPr>
+          <p:cNvPr id="5" name="Footer Placeholder 4"/>
+          <p:cNvSpPr>
+            <a:spLocks noGrp="1"/>
+          </p:cNvSpPr>
+          <p:nvPr>
+            <p:ph type="ftr" sz="quarter" idx="11"/>
+          </p:nvPr>
+        </p:nvSpPr>
+        <p:spPr>
+          <a:xfrm>
+            <a:off x="589659" y="6440848"/>
+            <a:ext cx="6917210" cy="365125"/>
+          </a:xfrm>
+        </p:spPr>
+        <p:txBody>
+          <a:bodyPr/>
+          <a:lstStyle/>
+          <a:p>
+            <a:r>
+              <a:rPr lang="en-US" dirty="0" smtClean="0"/>
+              <a:t>Software Engineering</a:t>
+            </a:r>
+            <a:endParaRPr lang="en-US" dirty="0"/>
+          </a:p>
+        </p:txBody>
+      </p:sp>
+      <p:sp>
+        <p:nvSpPr>
+          <p:cNvPr id="6" name="Slide Number Placeholder 5"/>
+          <p:cNvSpPr>
+            <a:spLocks noGrp="1"/>
+          </p:cNvSpPr>
+          <p:nvPr>
+            <p:ph type="sldNum" sz="quarter" idx="12"/>
+          </p:nvPr>
+        </p:nvSpPr>
+        <p:spPr/>
+        <p:txBody>
+          <a:bodyPr/>
+          <a:lstStyle/>
+          <a:p>
+            <a:fld id="{3A98EE3D-8CD1-4C3F-BD1C-C98C9596463C}" type="slidenum">
+              <a:rPr lang="en-US" smtClean="0"/>
+              <a:t>12</a:t>
+            </a:fld>
+            <a:endParaRPr lang="en-US" dirty="0"/>
+          </a:p>
+        </p:txBody>
+      </p:sp>
+      <p:pic>
+        <p:nvPicPr>
+          <p:cNvPr id="1026" name="Picture 2"/>
+          <p:cNvPicPr>
+            <a:picLocks noChangeAspect="1" noChangeArrowheads="1"/>
+          </p:cNvPicPr>
+          <p:nvPr/>
+        </p:nvPicPr>
+        <p:blipFill>
+          <a:blip r:embed="rId5">
+            <a:extLst>
+              <a:ext uri="{28A0092B-C50C-407E-A947-70E740481C1C}">
+                <a14:useLocalDpi xmlns:a14="http://schemas.microsoft.com/office/drawing/2010/main" val="0"/>
+              </a:ext>
+            </a:extLst>
+          </a:blip>
+          <a:srcRect/>
+          <a:stretch>
+            <a:fillRect/>
+          </a:stretch>
+        </p:blipFill>
+        <p:spPr bwMode="auto">
+          <a:xfrm>
+            <a:off x="7806268" y="832908"/>
+            <a:ext cx="3621616" cy="1698625"/>
+          </a:xfrm>
+          <a:prstGeom prst="rect">
+            <a:avLst/>
+          </a:prstGeom>
+          <a:noFill/>
+          <a:ln>
+            <a:noFill/>
+          </a:ln>
+          <a:effectLst/>
+          <a:extLst>
+            <a:ext uri="{909E8E84-426E-40DD-AFC4-6F175D3DCCD1}">
+              <a14:hiddenFill xmlns:a14="http://schemas.microsoft.com/office/drawing/2010/main">
+                <a:solidFill>
+                  <a:schemeClr val="accent1"/>
+                </a:solidFill>
+              </a14:hiddenFill>
+            </a:ext>
+            <a:ext uri="{91240B29-F687-4F45-9708-019B960494DF}">
+              <a14:hiddenLine xmlns:a14="http://schemas.microsoft.com/office/drawing/2010/main" w="9525">
+                <a:solidFill>
+                  <a:schemeClr val="tx1"/>
+                </a:solidFill>
+                <a:miter lim="800000"/>
+                <a:headEnd/>
+                <a:tailEnd/>
+              </a14:hiddenLine>
+            </a:ext>
+            <a:ext uri="{AF507438-7753-43E0-B8FC-AC1667EBCBE1}">
+              <a14:hiddenEffects xmlns:a14="http://schemas.microsoft.com/office/drawing/2010/main">
+                <a:effectLst>
+                  <a:outerShdw dist="35921" dir="2700000" algn="ctr" rotWithShape="0">
+                    <a:schemeClr val="bg2"/>
+                  </a:outerShdw>
+                </a:effectLst>
+              </a14:hiddenEffects>
+            </a:ext>
+          </a:extLst>
+        </p:spPr>
+      </p:pic>
+      <p:pic>
+        <p:nvPicPr>
+          <p:cNvPr id="1027" name="Picture 3"/>
+          <p:cNvPicPr>
+            <a:picLocks noChangeAspect="1" noChangeArrowheads="1"/>
+          </p:cNvPicPr>
+          <p:nvPr/>
+        </p:nvPicPr>
+        <p:blipFill>
+          <a:blip r:embed="rId6">
+            <a:extLst>
+              <a:ext uri="{28A0092B-C50C-407E-A947-70E740481C1C}">
+                <a14:useLocalDpi xmlns:a14="http://schemas.microsoft.com/office/drawing/2010/main" val="0"/>
+              </a:ext>
+            </a:extLst>
+          </a:blip>
+          <a:srcRect/>
+          <a:stretch>
+            <a:fillRect/>
+          </a:stretch>
+        </p:blipFill>
+        <p:spPr bwMode="auto">
+          <a:xfrm>
+            <a:off x="7975600" y="4860388"/>
+            <a:ext cx="3452284" cy="1404333"/>
+          </a:xfrm>
+          <a:prstGeom prst="rect">
+            <a:avLst/>
+          </a:prstGeom>
+          <a:noFill/>
+          <a:ln>
+            <a:noFill/>
+          </a:ln>
+          <a:effectLst/>
+          <a:extLst>
+            <a:ext uri="{909E8E84-426E-40DD-AFC4-6F175D3DCCD1}">
+              <a14:hiddenFill xmlns:a14="http://schemas.microsoft.com/office/drawing/2010/main">
+                <a:solidFill>
+                  <a:schemeClr val="accent1"/>
+                </a:solidFill>
+              </a14:hiddenFill>
+            </a:ext>
+            <a:ext uri="{91240B29-F687-4F45-9708-019B960494DF}">
+              <a14:hiddenLine xmlns:a14="http://schemas.microsoft.com/office/drawing/2010/main" w="9525">
+                <a:solidFill>
+                  <a:schemeClr val="tx1"/>
+                </a:solidFill>
+                <a:miter lim="800000"/>
+                <a:headEnd/>
+                <a:tailEnd/>
+              </a14:hiddenLine>
+            </a:ext>
+            <a:ext uri="{AF507438-7753-43E0-B8FC-AC1667EBCBE1}">
+              <a14:hiddenEffects xmlns:a14="http://schemas.microsoft.com/office/drawing/2010/main">
+                <a:effectLst>
+                  <a:outerShdw dist="35921" dir="2700000" algn="ctr" rotWithShape="0">
+                    <a:schemeClr val="bg2"/>
+                  </a:outerShdw>
+                </a:effectLst>
+              </a14:hiddenEffects>
+            </a:ext>
+          </a:extLst>
+        </p:spPr>
+      </p:pic>
+      <p:pic>
+        <p:nvPicPr>
+          <p:cNvPr id="1029" name="Picture 5"/>
+          <p:cNvPicPr>
+            <a:picLocks noChangeAspect="1" noChangeArrowheads="1"/>
+          </p:cNvPicPr>
+          <p:nvPr/>
+        </p:nvPicPr>
+        <p:blipFill>
+          <a:blip r:embed="rId7">
+            <a:extLst>
+              <a:ext uri="{28A0092B-C50C-407E-A947-70E740481C1C}">
+                <a14:useLocalDpi xmlns:a14="http://schemas.microsoft.com/office/drawing/2010/main" val="0"/>
+              </a:ext>
+            </a:extLst>
+          </a:blip>
+          <a:srcRect/>
+          <a:stretch>
+            <a:fillRect/>
+          </a:stretch>
+        </p:blipFill>
+        <p:spPr bwMode="auto">
+          <a:xfrm>
+            <a:off x="7747000" y="2764060"/>
+            <a:ext cx="3742267" cy="1918938"/>
+          </a:xfrm>
+          <a:prstGeom prst="rect">
+            <a:avLst/>
+          </a:prstGeom>
+          <a:noFill/>
+          <a:ln>
+            <a:noFill/>
+          </a:ln>
+          <a:effectLst/>
+          <a:extLst>
+            <a:ext uri="{909E8E84-426E-40DD-AFC4-6F175D3DCCD1}">
+              <a14:hiddenFill xmlns:a14="http://schemas.microsoft.com/office/drawing/2010/main">
+                <a:solidFill>
+                  <a:schemeClr val="accent1"/>
+                </a:solidFill>
+              </a14:hiddenFill>
+            </a:ext>
+            <a:ext uri="{91240B29-F687-4F45-9708-019B960494DF}">
+              <a14:hiddenLine xmlns:a14="http://schemas.microsoft.com/office/drawing/2010/main" w="9525">
+                <a:solidFill>
+                  <a:schemeClr val="tx1"/>
+                </a:solidFill>
+                <a:miter lim="800000"/>
+                <a:headEnd/>
+                <a:tailEnd/>
+              </a14:hiddenLine>
+            </a:ext>
+            <a:ext uri="{AF507438-7753-43E0-B8FC-AC1667EBCBE1}">
+              <a14:hiddenEffects xmlns:a14="http://schemas.microsoft.com/office/drawing/2010/main">
+                <a:effectLst>
+                  <a:outerShdw dist="35921" dir="2700000" algn="ctr" rotWithShape="0">
+                    <a:schemeClr val="bg2"/>
+                  </a:outerShdw>
+                </a:effectLst>
+              </a14:hiddenEffects>
+            </a:ext>
+          </a:extLst>
+        </p:spPr>
+      </p:pic>
+      <p:sp>
+        <p:nvSpPr>
+          <p:cNvPr id="7" name="TextBox 6"/>
+          <p:cNvSpPr txBox="1"/>
+          <p:nvPr/>
+        </p:nvSpPr>
+        <p:spPr>
+          <a:xfrm>
+            <a:off x="8136466" y="2615587"/>
+            <a:ext cx="3130551" cy="280013"/>
+          </a:xfrm>
+          <a:prstGeom prst="rect">
+            <a:avLst/>
+          </a:prstGeom>
+          <a:noFill/>
+        </p:spPr>
+        <p:txBody>
+          <a:bodyPr wrap="square" rtlCol="0">
+            <a:spAutoFit/>
+          </a:bodyPr>
+          <a:lstStyle/>
+          <a:p>
+            <a:pPr defTabSz="457200">
+              <a:lnSpc>
+                <a:spcPct val="110000"/>
+              </a:lnSpc>
+              <a:spcBef>
+                <a:spcPct val="20000"/>
+              </a:spcBef>
+              <a:spcAft>
+                <a:spcPts val="600"/>
+              </a:spcAft>
+              <a:buClr>
+                <a:schemeClr val="accent1"/>
+              </a:buClr>
+              <a:buSzPct val="92000"/>
+            </a:pPr>
+            <a:r>
+              <a:rPr lang="en-US" sz="1200" dirty="0">
+                <a:solidFill>
+                  <a:schemeClr val="tx1">
+                    <a:lumMod val="75000"/>
+                    <a:lumOff val="25000"/>
+                  </a:schemeClr>
+                </a:solidFill>
+              </a:rPr>
+              <a:t>Scalar </a:t>
+            </a:r>
+            <a:r>
+              <a:rPr lang="en-US" sz="1200" dirty="0" smtClean="0">
+                <a:solidFill>
+                  <a:schemeClr val="tx1">
+                    <a:lumMod val="75000"/>
+                    <a:lumOff val="25000"/>
+                  </a:schemeClr>
+                </a:solidFill>
+              </a:rPr>
+              <a:t>vs. </a:t>
+            </a:r>
+            <a:r>
+              <a:rPr lang="en-US" sz="1200" dirty="0">
+                <a:solidFill>
+                  <a:schemeClr val="tx1">
+                    <a:lumMod val="75000"/>
+                    <a:lumOff val="25000"/>
+                  </a:schemeClr>
+                </a:solidFill>
+              </a:rPr>
+              <a:t>Similarity Score</a:t>
+            </a:r>
+            <a:endParaRPr lang="en-US" sz="1200" dirty="0">
+              <a:solidFill>
+                <a:schemeClr val="tx1">
+                  <a:lumMod val="75000"/>
+                  <a:lumOff val="25000"/>
+                </a:schemeClr>
+              </a:solidFill>
+            </a:endParaRPr>
+          </a:p>
+        </p:txBody>
+      </p:sp>
+      <p:sp>
+        <p:nvSpPr>
+          <p:cNvPr id="12" name="TextBox 11"/>
+          <p:cNvSpPr txBox="1"/>
+          <p:nvPr/>
+        </p:nvSpPr>
+        <p:spPr>
+          <a:xfrm>
+            <a:off x="7975599" y="4564922"/>
+            <a:ext cx="4004733" cy="295466"/>
+          </a:xfrm>
+          <a:prstGeom prst="rect">
+            <a:avLst/>
+          </a:prstGeom>
+          <a:noFill/>
+        </p:spPr>
+        <p:txBody>
+          <a:bodyPr wrap="square" rtlCol="0">
+            <a:spAutoFit/>
+          </a:bodyPr>
+          <a:lstStyle/>
+          <a:p>
+            <a:pPr defTabSz="457200">
+              <a:lnSpc>
+                <a:spcPct val="110000"/>
+              </a:lnSpc>
+              <a:spcBef>
+                <a:spcPct val="20000"/>
+              </a:spcBef>
+              <a:spcAft>
+                <a:spcPts val="600"/>
+              </a:spcAft>
+              <a:buClr>
+                <a:schemeClr val="accent1"/>
+              </a:buClr>
+              <a:buSzPct val="92000"/>
+            </a:pPr>
+            <a:r>
+              <a:rPr lang="en-US" sz="1200" dirty="0" smtClean="0">
+                <a:solidFill>
+                  <a:schemeClr val="tx1">
+                    <a:lumMod val="75000"/>
+                    <a:lumOff val="25000"/>
+                  </a:schemeClr>
+                </a:solidFill>
+              </a:rPr>
+              <a:t>No of Documents Compared vs. Similarity Score</a:t>
+            </a:r>
+            <a:endParaRPr lang="en-US" sz="1200" dirty="0">
+              <a:solidFill>
+                <a:schemeClr val="tx1">
+                  <a:lumMod val="75000"/>
+                  <a:lumOff val="25000"/>
+                </a:schemeClr>
+              </a:solidFill>
+            </a:endParaRPr>
+          </a:p>
+        </p:txBody>
+      </p:sp>
+      <p:sp>
+        <p:nvSpPr>
+          <p:cNvPr id="13" name="TextBox 12"/>
+          <p:cNvSpPr txBox="1"/>
+          <p:nvPr/>
+        </p:nvSpPr>
+        <p:spPr>
+          <a:xfrm>
+            <a:off x="8127998" y="6264721"/>
+            <a:ext cx="4004733" cy="295466"/>
+          </a:xfrm>
+          <a:prstGeom prst="rect">
+            <a:avLst/>
+          </a:prstGeom>
+          <a:noFill/>
+        </p:spPr>
+        <p:txBody>
+          <a:bodyPr wrap="square" rtlCol="0">
+            <a:spAutoFit/>
+          </a:bodyPr>
+          <a:lstStyle/>
+          <a:p>
+            <a:pPr defTabSz="457200">
+              <a:lnSpc>
+                <a:spcPct val="110000"/>
+              </a:lnSpc>
+              <a:spcBef>
+                <a:spcPct val="20000"/>
+              </a:spcBef>
+              <a:spcAft>
+                <a:spcPts val="600"/>
+              </a:spcAft>
+              <a:buClr>
+                <a:schemeClr val="accent1"/>
+              </a:buClr>
+              <a:buSzPct val="92000"/>
+            </a:pPr>
+            <a:r>
+              <a:rPr lang="en-US" sz="1200" dirty="0" smtClean="0">
+                <a:solidFill>
+                  <a:schemeClr val="tx1">
+                    <a:lumMod val="75000"/>
+                    <a:lumOff val="25000"/>
+                  </a:schemeClr>
+                </a:solidFill>
+              </a:rPr>
+              <a:t>Phrases Compared vs. Similarity Score</a:t>
+            </a:r>
+            <a:endParaRPr lang="en-US" sz="1200" dirty="0">
+              <a:solidFill>
+                <a:schemeClr val="tx1">
+                  <a:lumMod val="75000"/>
+                  <a:lumOff val="25000"/>
+                </a:schemeClr>
+              </a:solidFill>
+            </a:endParaRPr>
+          </a:p>
+        </p:txBody>
+      </p:sp>
+    </p:spTree>
+    <p:extLst>
+      <p:ext uri="{BB962C8B-B14F-4D97-AF65-F5344CB8AC3E}">
+        <p14:creationId xmlns:p14="http://schemas.microsoft.com/office/powerpoint/2010/main" val="2067020546"/>
+      </p:ext>
+    </p:extLst>
+  </p:cSld>
+  <p:clrMapOvr>
+    <a:masterClrMapping/>
+  </p:clrMapOvr>
+  <p:timing>
+    <p:tnLst>
+      <p:par>
+        <p:cTn id="1" dur="indefinite" restart="never" nodeType="tmRoot"/>
+      </p:par>
+    </p:tnLst>
+  </p:timing>
+</p:sld>
+</file>
+
+<file path=ppt/slides/slide13.xml><?xml version="1.0" encoding="utf-8"?>
+<p:sld xmlns:a="http://schemas.openxmlformats.org/drawingml/2006/main" xmlns:r="http://schemas.openxmlformats.org/officeDocument/2006/relationships" xmlns:p="http://schemas.openxmlformats.org/presentationml/2006/main">
+  <p:cSld>
+    <p:spTree>
+      <p:nvGrpSpPr>
+        <p:cNvPr id="1" name=""/>
+        <p:cNvGrpSpPr/>
+        <p:nvPr/>
+      </p:nvGrpSpPr>
+      <p:grpSpPr>
+        <a:xfrm>
+          <a:off x="0" y="0"/>
+          <a:ext cx="0" cy="0"/>
+          <a:chOff x="0" y="0"/>
+          <a:chExt cx="0" cy="0"/>
+        </a:xfrm>
+      </p:grpSpPr>
+      <p:sp>
+        <p:nvSpPr>
+          <p:cNvPr id="2" name="Title 1"/>
+          <p:cNvSpPr>
+            <a:spLocks noGrp="1"/>
+          </p:cNvSpPr>
+          <p:nvPr>
+            <p:ph type="title"/>
+          </p:nvPr>
+        </p:nvSpPr>
+        <p:spPr/>
+        <p:txBody>
+          <a:bodyPr/>
+          <a:lstStyle/>
+          <a:p>
+            <a:r>
+              <a:rPr lang="en-US" b="1" dirty="0"/>
+              <a:t>Overcoming Limitations &amp; Future Scope</a:t>
+            </a:r>
+            <a:br>
+              <a:rPr lang="en-US" b="1" dirty="0"/>
+            </a:br>
+            <a:endParaRPr lang="en-US" dirty="0"/>
+          </a:p>
+        </p:txBody>
+      </p:sp>
+      <p:sp>
+        <p:nvSpPr>
+          <p:cNvPr id="3" name="Content Placeholder 2"/>
+          <p:cNvSpPr>
+            <a:spLocks noGrp="1"/>
+          </p:cNvSpPr>
+          <p:nvPr>
+            <p:ph idx="1"/>
+          </p:nvPr>
+        </p:nvSpPr>
+        <p:spPr/>
+        <p:txBody>
+          <a:bodyPr>
+            <a:normAutofit/>
+          </a:bodyPr>
+          <a:lstStyle/>
+          <a:p>
+            <a:r>
+              <a:rPr lang="en-US" b="1" dirty="0" smtClean="0"/>
+              <a:t>Limitations</a:t>
+            </a:r>
+            <a:r>
+              <a:rPr lang="en-US" b="1" dirty="0"/>
+              <a:t>:</a:t>
+            </a:r>
+            <a:endParaRPr lang="en-US" dirty="0"/>
+          </a:p>
+          <a:p>
+            <a:pPr lvl="1"/>
+            <a:r>
+              <a:rPr lang="en-US" b="1" dirty="0"/>
+              <a:t>Dependency on External Libraries:</a:t>
+            </a:r>
+            <a:r>
+              <a:rPr lang="en-US" dirty="0"/>
+              <a:t> Changes in Plotly.NET and Microsoft.VisualStudio.TestTools.UnitTesting may affect functionality.</a:t>
+            </a:r>
+          </a:p>
+          <a:p>
+            <a:pPr lvl="1"/>
+            <a:r>
+              <a:rPr lang="en-US" b="1" dirty="0"/>
+              <a:t>Text Preprocessing Scope:</a:t>
+            </a:r>
+            <a:r>
+              <a:rPr lang="en-US" dirty="0"/>
+              <a:t> Limited handling of complex text variations like HTML tags and nested URLs.</a:t>
+            </a:r>
+          </a:p>
+          <a:p>
+            <a:pPr lvl="1"/>
+            <a:r>
+              <a:rPr lang="en-US" b="1" dirty="0"/>
+              <a:t>Performance:</a:t>
+            </a:r>
+            <a:r>
+              <a:rPr lang="en-US" dirty="0"/>
+              <a:t> Inefficiencies in processing large datasets.</a:t>
+            </a:r>
+          </a:p>
+          <a:p>
+            <a:pPr lvl="1"/>
+            <a:r>
+              <a:rPr lang="en-US" b="1" dirty="0"/>
+              <a:t>Customization:</a:t>
+            </a:r>
+            <a:r>
+              <a:rPr lang="en-US" dirty="0"/>
+              <a:t> Preprocessing rules are hardcoded, limiting user flexibility.</a:t>
+            </a:r>
+          </a:p>
+          <a:p>
+            <a:r>
+              <a:rPr lang="en-US" b="1" dirty="0"/>
+              <a:t>Proposed Solutions:</a:t>
+            </a:r>
+            <a:endParaRPr lang="en-US" dirty="0"/>
+          </a:p>
+          <a:p>
+            <a:pPr lvl="1"/>
+            <a:r>
+              <a:rPr lang="en-US" dirty="0"/>
+              <a:t>Regular updates, adapter patterns, and compatibility tests for external libraries.</a:t>
+            </a:r>
+          </a:p>
+          <a:p>
+            <a:pPr lvl="1"/>
+            <a:r>
+              <a:rPr lang="en-US" dirty="0"/>
+              <a:t>Advanced preprocessing techniques and modular functions for customization.</a:t>
+            </a:r>
+          </a:p>
+          <a:p>
+            <a:pPr lvl="1"/>
+            <a:r>
+              <a:rPr lang="en-US" dirty="0"/>
+              <a:t>Implementation of parallel processing and memory-efficient algorithms.</a:t>
+            </a:r>
+          </a:p>
+          <a:p>
+            <a:pPr lvl="1"/>
+            <a:r>
+              <a:rPr lang="en-US" dirty="0"/>
+              <a:t>Providing user-defined configuration files and settings for more adaptability.</a:t>
+            </a:r>
+          </a:p>
+          <a:p>
+            <a:endParaRPr lang="en-US" dirty="0"/>
+          </a:p>
+        </p:txBody>
+      </p:sp>
+      <p:sp>
+        <p:nvSpPr>
+          <p:cNvPr id="4" name="Date Placeholder 3"/>
+          <p:cNvSpPr>
+            <a:spLocks noGrp="1"/>
+          </p:cNvSpPr>
+          <p:nvPr>
+            <p:ph type="dt" sz="half" idx="10"/>
+          </p:nvPr>
+        </p:nvSpPr>
+        <p:spPr/>
+        <p:txBody>
+          <a:bodyPr/>
+          <a:lstStyle/>
+          <a:p>
+            <a:r>
+              <a:rPr lang="en-US" smtClean="0"/>
+              <a:t>3/22/2025</a:t>
+            </a:r>
+            <a:endParaRPr lang="en-US" dirty="0"/>
+          </a:p>
+        </p:txBody>
+      </p:sp>
+      <p:sp>
+        <p:nvSpPr>
+          <p:cNvPr id="5" name="Footer Placeholder 4"/>
+          <p:cNvSpPr>
+            <a:spLocks noGrp="1"/>
+          </p:cNvSpPr>
+          <p:nvPr>
+            <p:ph type="ftr" sz="quarter" idx="11"/>
+          </p:nvPr>
+        </p:nvSpPr>
+        <p:spPr/>
+        <p:txBody>
+          <a:bodyPr/>
+          <a:lstStyle/>
+          <a:p>
+            <a:r>
+              <a:rPr lang="en-US" smtClean="0"/>
+              <a:t>Software Engineering</a:t>
+            </a:r>
+            <a:endParaRPr lang="en-US" dirty="0"/>
+          </a:p>
+        </p:txBody>
+      </p:sp>
+      <p:sp>
+        <p:nvSpPr>
+          <p:cNvPr id="6" name="Slide Number Placeholder 5"/>
+          <p:cNvSpPr>
+            <a:spLocks noGrp="1"/>
+          </p:cNvSpPr>
+          <p:nvPr>
+            <p:ph type="sldNum" sz="quarter" idx="12"/>
+          </p:nvPr>
+        </p:nvSpPr>
+        <p:spPr/>
+        <p:txBody>
+          <a:bodyPr/>
+          <a:lstStyle/>
+          <a:p>
+            <a:fld id="{3A98EE3D-8CD1-4C3F-BD1C-C98C9596463C}" type="slidenum">
+              <a:rPr lang="en-US" smtClean="0"/>
+              <a:t>13</a:t>
+            </a:fld>
+            <a:endParaRPr lang="en-US" dirty="0"/>
+          </a:p>
+        </p:txBody>
+      </p:sp>
+    </p:spTree>
+    <p:extLst>
+      <p:ext uri="{BB962C8B-B14F-4D97-AF65-F5344CB8AC3E}">
+        <p14:creationId xmlns:p14="http://schemas.microsoft.com/office/powerpoint/2010/main" val="2487582536"/>
+      </p:ext>
+    </p:extLst>
+  </p:cSld>
+  <p:clrMapOvr>
+    <a:masterClrMapping/>
+  </p:clrMapOvr>
+  <p:timing>
+    <p:tnLst>
+      <p:par>
+        <p:cTn id="1" dur="indefinite" restart="never" nodeType="tmRoot"/>
+      </p:par>
+    </p:tnLst>
+  </p:timing>
+</p:sld>
+</file>
+
+<file path=ppt/slides/slide14.xml><?xml version="1.0" encoding="utf-8"?>
+<p:sld xmlns:a="http://schemas.openxmlformats.org/drawingml/2006/main" xmlns:r="http://schemas.openxmlformats.org/officeDocument/2006/relationships" xmlns:p="http://schemas.openxmlformats.org/presentationml/2006/main">
+  <p:cSld>
+    <p:spTree>
+      <p:nvGrpSpPr>
+        <p:cNvPr id="1" name=""/>
+        <p:cNvGrpSpPr/>
+        <p:nvPr/>
+      </p:nvGrpSpPr>
+      <p:grpSpPr>
+        <a:xfrm>
+          <a:off x="0" y="0"/>
+          <a:ext cx="0" cy="0"/>
+          <a:chOff x="0" y="0"/>
+          <a:chExt cx="0" cy="0"/>
+        </a:xfrm>
+      </p:grpSpPr>
+      <p:sp>
+        <p:nvSpPr>
+          <p:cNvPr id="2" name="Title 1"/>
+          <p:cNvSpPr>
+            <a:spLocks noGrp="1"/>
+          </p:cNvSpPr>
+          <p:nvPr>
+            <p:ph type="title"/>
+          </p:nvPr>
+        </p:nvSpPr>
+        <p:spPr/>
+        <p:txBody>
+          <a:bodyPr/>
+          <a:lstStyle/>
+          <a:p>
+            <a:r>
+              <a:rPr lang="en-US" b="1" dirty="0"/>
+              <a:t>Conclusion:</a:t>
+            </a:r>
+            <a:r>
+              <a:rPr lang="en-US" dirty="0"/>
+              <a:t/>
+            </a:r>
+            <a:br>
+              <a:rPr lang="en-US" dirty="0"/>
+            </a:br>
+            <a:endParaRPr lang="en-US" dirty="0"/>
+          </a:p>
+        </p:txBody>
+      </p:sp>
+      <p:sp>
+        <p:nvSpPr>
+          <p:cNvPr id="3" name="Content Placeholder 2"/>
+          <p:cNvSpPr>
+            <a:spLocks noGrp="1"/>
+          </p:cNvSpPr>
+          <p:nvPr>
+            <p:ph idx="1"/>
+          </p:nvPr>
+        </p:nvSpPr>
+        <p:spPr/>
+        <p:txBody>
+          <a:bodyPr/>
+          <a:lstStyle/>
+          <a:p>
+            <a:pPr lvl="1"/>
+            <a:r>
+              <a:rPr lang="en-US" dirty="0" smtClean="0"/>
+              <a:t>Bridging the gap between theoretical concepts and real-world applications.</a:t>
+            </a:r>
+          </a:p>
+          <a:p>
+            <a:pPr lvl="1"/>
+            <a:r>
+              <a:rPr lang="en-US" dirty="0" smtClean="0"/>
+              <a:t>Visualizations </a:t>
+            </a:r>
+            <a:r>
+              <a:rPr lang="en-US" dirty="0"/>
+              <a:t>demonstrate contextual alignment of texts and similarity scores.</a:t>
+            </a:r>
+          </a:p>
+          <a:p>
+            <a:pPr lvl="1"/>
+            <a:r>
+              <a:rPr lang="en-US" dirty="0"/>
+              <a:t>Application adaptability for job profiles, student profiles, and document comparison.</a:t>
+            </a:r>
+          </a:p>
+          <a:p>
+            <a:pPr lvl="1"/>
+            <a:r>
+              <a:rPr lang="en-US" dirty="0"/>
+              <a:t>Future Enhancements:</a:t>
+            </a:r>
+          </a:p>
+          <a:p>
+            <a:pPr lvl="2"/>
+            <a:r>
+              <a:rPr lang="en-US" dirty="0"/>
+              <a:t>Automating CSV file integration.</a:t>
+            </a:r>
+          </a:p>
+          <a:p>
+            <a:pPr lvl="2"/>
+            <a:r>
+              <a:rPr lang="en-US" dirty="0"/>
+              <a:t>Expanding dataset support.</a:t>
+            </a:r>
+          </a:p>
+          <a:p>
+            <a:pPr lvl="2"/>
+            <a:r>
+              <a:rPr lang="en-US" dirty="0"/>
+              <a:t>Improving user interface for better usability.</a:t>
+            </a:r>
+          </a:p>
+          <a:p>
+            <a:pPr lvl="1"/>
+            <a:r>
+              <a:rPr lang="en-US" dirty="0"/>
+              <a:t>Contribution to NLP applications and potential for future research.</a:t>
+            </a:r>
+          </a:p>
+          <a:p>
+            <a:endParaRPr lang="en-US" dirty="0"/>
+          </a:p>
+        </p:txBody>
+      </p:sp>
+      <p:sp>
+        <p:nvSpPr>
+          <p:cNvPr id="4" name="Date Placeholder 3"/>
+          <p:cNvSpPr>
+            <a:spLocks noGrp="1"/>
+          </p:cNvSpPr>
+          <p:nvPr>
+            <p:ph type="dt" sz="half" idx="10"/>
+          </p:nvPr>
+        </p:nvSpPr>
+        <p:spPr/>
+        <p:txBody>
+          <a:bodyPr/>
+          <a:lstStyle/>
+          <a:p>
+            <a:r>
+              <a:rPr lang="en-US" smtClean="0"/>
+              <a:t>3/22/2025</a:t>
+            </a:r>
+            <a:endParaRPr lang="en-US" dirty="0"/>
+          </a:p>
+        </p:txBody>
+      </p:sp>
+      <p:sp>
+        <p:nvSpPr>
+          <p:cNvPr id="5" name="Footer Placeholder 4"/>
+          <p:cNvSpPr>
+            <a:spLocks noGrp="1"/>
+          </p:cNvSpPr>
+          <p:nvPr>
+            <p:ph type="ftr" sz="quarter" idx="11"/>
+          </p:nvPr>
+        </p:nvSpPr>
+        <p:spPr/>
+        <p:txBody>
+          <a:bodyPr/>
+          <a:lstStyle/>
+          <a:p>
+            <a:r>
+              <a:rPr lang="en-US" smtClean="0"/>
+              <a:t>Software Engineering</a:t>
+            </a:r>
+            <a:endParaRPr lang="en-US" dirty="0"/>
+          </a:p>
+        </p:txBody>
+      </p:sp>
+      <p:sp>
+        <p:nvSpPr>
+          <p:cNvPr id="6" name="Slide Number Placeholder 5"/>
+          <p:cNvSpPr>
+            <a:spLocks noGrp="1"/>
+          </p:cNvSpPr>
+          <p:nvPr>
+            <p:ph type="sldNum" sz="quarter" idx="12"/>
+          </p:nvPr>
+        </p:nvSpPr>
+        <p:spPr/>
+        <p:txBody>
+          <a:bodyPr/>
+          <a:lstStyle/>
+          <a:p>
+            <a:fld id="{3A98EE3D-8CD1-4C3F-BD1C-C98C9596463C}" type="slidenum">
+              <a:rPr lang="en-US" smtClean="0"/>
+              <a:t>14</a:t>
+            </a:fld>
+            <a:endParaRPr lang="en-US" dirty="0"/>
+          </a:p>
+        </p:txBody>
+      </p:sp>
+    </p:spTree>
+    <p:extLst>
+      <p:ext uri="{BB962C8B-B14F-4D97-AF65-F5344CB8AC3E}">
+        <p14:creationId xmlns:p14="http://schemas.microsoft.com/office/powerpoint/2010/main" val="2925587464"/>
+      </p:ext>
+    </p:extLst>
+  </p:cSld>
+  <p:clrMapOvr>
+    <a:masterClrMapping/>
+  </p:clrMapOvr>
+  <p:timing>
+    <p:tnLst>
+      <p:par>
+        <p:cTn id="1" dur="indefinite" restart="never" nodeType="tmRoot"/>
+      </p:par>
+    </p:tnLst>
+  </p:timing>
 </p:sld>
 </file>
 
@@ -5156,7 +8229,7 @@
           <p:cNvPr id="2" name="Title 1">
             <a:extLst>
               <a:ext uri="{FF2B5EF4-FFF2-40B4-BE49-F238E27FC236}">
-                <a16:creationId xmlns:a16="http://schemas.microsoft.com/office/drawing/2014/main" id="{5E562972-3449-42D1-8185-B4BEFD52AB44}"/>
+                <a16:creationId xmlns:a16="http://schemas.microsoft.com/office/drawing/2014/main" xmlns="" id="{5E562972-3449-42D1-8185-B4BEFD52AB44}"/>
               </a:ext>
             </a:extLst>
           </p:cNvPr>
@@ -5189,7 +8262,7 @@
           <p:cNvPr id="3" name="Date Placeholder 2">
             <a:extLst>
               <a:ext uri="{FF2B5EF4-FFF2-40B4-BE49-F238E27FC236}">
-                <a16:creationId xmlns:a16="http://schemas.microsoft.com/office/drawing/2014/main" id="{6F6FE67F-B4AE-130A-A0F5-7AA39416E12D}"/>
+                <a16:creationId xmlns:a16="http://schemas.microsoft.com/office/drawing/2014/main" xmlns="" id="{6F6FE67F-B4AE-130A-A0F5-7AA39416E12D}"/>
               </a:ext>
             </a:extLst>
           </p:cNvPr>
@@ -5218,7 +8291,7 @@
           <p:cNvPr id="5" name="Footer Placeholder 4">
             <a:extLst>
               <a:ext uri="{FF2B5EF4-FFF2-40B4-BE49-F238E27FC236}">
-                <a16:creationId xmlns:a16="http://schemas.microsoft.com/office/drawing/2014/main" id="{732F6F3B-D0D9-275F-ED9A-93477D6CCAD9}"/>
+                <a16:creationId xmlns:a16="http://schemas.microsoft.com/office/drawing/2014/main" xmlns="" id="{732F6F3B-D0D9-275F-ED9A-93477D6CCAD9}"/>
               </a:ext>
             </a:extLst>
           </p:cNvPr>
@@ -5247,7 +8320,7 @@
           <p:cNvPr id="6" name="Slide Number Placeholder 5">
             <a:extLst>
               <a:ext uri="{FF2B5EF4-FFF2-40B4-BE49-F238E27FC236}">
-                <a16:creationId xmlns:a16="http://schemas.microsoft.com/office/drawing/2014/main" id="{19D96A6B-53EF-875C-E150-47F6072C77E6}"/>
+                <a16:creationId xmlns:a16="http://schemas.microsoft.com/office/drawing/2014/main" xmlns="" id="{19D96A6B-53EF-875C-E150-47F6072C77E6}"/>
               </a:ext>
             </a:extLst>
           </p:cNvPr>
@@ -5276,7 +8349,7 @@
           <p:cNvPr id="7" name="object 36">
             <a:extLst>
               <a:ext uri="{FF2B5EF4-FFF2-40B4-BE49-F238E27FC236}">
-                <a16:creationId xmlns:a16="http://schemas.microsoft.com/office/drawing/2014/main" id="{6DE9C0FF-9506-230A-E31C-89A29177B67F}"/>
+                <a16:creationId xmlns:a16="http://schemas.microsoft.com/office/drawing/2014/main" xmlns="" id="{6DE9C0FF-9506-230A-E31C-89A29177B67F}"/>
               </a:ext>
             </a:extLst>
           </p:cNvPr>
@@ -5304,7 +8377,7 @@
           <p:cNvPr id="9" name="Content Placeholder 8">
             <a:extLst>
               <a:ext uri="{FF2B5EF4-FFF2-40B4-BE49-F238E27FC236}">
-                <a16:creationId xmlns:a16="http://schemas.microsoft.com/office/drawing/2014/main" id="{AF846BE8-7BE2-3D33-3E4C-C7755DCC7D1F}"/>
+                <a16:creationId xmlns:a16="http://schemas.microsoft.com/office/drawing/2014/main" xmlns="" id="{AF846BE8-7BE2-3D33-3E4C-C7755DCC7D1F}"/>
               </a:ext>
             </a:extLst>
           </p:cNvPr>
@@ -5483,6 +8556,13 @@
   <p:clrMapOvr>
     <a:masterClrMapping/>
   </p:clrMapOvr>
+  <p:timing>
+    <p:tnLst>
+      <p:par>
+        <p:cTn id="1" dur="indefinite" restart="never" nodeType="tmRoot"/>
+      </p:par>
+    </p:tnLst>
+  </p:timing>
 </p:sld>
 </file>
 
@@ -5508,7 +8588,7 @@
           <p:cNvPr id="3" name="Content Placeholder 2">
             <a:extLst>
               <a:ext uri="{FF2B5EF4-FFF2-40B4-BE49-F238E27FC236}">
-                <a16:creationId xmlns:a16="http://schemas.microsoft.com/office/drawing/2014/main" id="{1307F488-1F93-43BA-BA1E-2E1803BFCCD9}"/>
+                <a16:creationId xmlns:a16="http://schemas.microsoft.com/office/drawing/2014/main" xmlns="" id="{1307F488-1F93-43BA-BA1E-2E1803BFCCD9}"/>
               </a:ext>
             </a:extLst>
           </p:cNvPr>
@@ -5550,7 +8630,7 @@
           <p:cNvPr id="4" name="Date Placeholder 3">
             <a:extLst>
               <a:ext uri="{FF2B5EF4-FFF2-40B4-BE49-F238E27FC236}">
-                <a16:creationId xmlns:a16="http://schemas.microsoft.com/office/drawing/2014/main" id="{9CEBC7AB-D379-ABBC-7D7B-E10BE6E3C334}"/>
+                <a16:creationId xmlns:a16="http://schemas.microsoft.com/office/drawing/2014/main" xmlns="" id="{9CEBC7AB-D379-ABBC-7D7B-E10BE6E3C334}"/>
               </a:ext>
             </a:extLst>
           </p:cNvPr>
@@ -5579,7 +8659,7 @@
           <p:cNvPr id="5" name="Footer Placeholder 4">
             <a:extLst>
               <a:ext uri="{FF2B5EF4-FFF2-40B4-BE49-F238E27FC236}">
-                <a16:creationId xmlns:a16="http://schemas.microsoft.com/office/drawing/2014/main" id="{5B97370A-7F33-AF62-F859-926D7C513900}"/>
+                <a16:creationId xmlns:a16="http://schemas.microsoft.com/office/drawing/2014/main" xmlns="" id="{5B97370A-7F33-AF62-F859-926D7C513900}"/>
               </a:ext>
             </a:extLst>
           </p:cNvPr>
@@ -5608,7 +8688,7 @@
           <p:cNvPr id="6" name="Slide Number Placeholder 5">
             <a:extLst>
               <a:ext uri="{FF2B5EF4-FFF2-40B4-BE49-F238E27FC236}">
-                <a16:creationId xmlns:a16="http://schemas.microsoft.com/office/drawing/2014/main" id="{DD1EA319-B41E-8142-4805-6EDDE687F541}"/>
+                <a16:creationId xmlns:a16="http://schemas.microsoft.com/office/drawing/2014/main" xmlns="" id="{DD1EA319-B41E-8142-4805-6EDDE687F541}"/>
               </a:ext>
             </a:extLst>
           </p:cNvPr>
@@ -5637,7 +8717,7 @@
           <p:cNvPr id="7" name="object 36">
             <a:extLst>
               <a:ext uri="{FF2B5EF4-FFF2-40B4-BE49-F238E27FC236}">
-                <a16:creationId xmlns:a16="http://schemas.microsoft.com/office/drawing/2014/main" id="{DBCE6FCE-521C-32B4-F9F1-A9F9B741186B}"/>
+                <a16:creationId xmlns:a16="http://schemas.microsoft.com/office/drawing/2014/main" xmlns="" id="{DBCE6FCE-521C-32B4-F9F1-A9F9B741186B}"/>
               </a:ext>
             </a:extLst>
           </p:cNvPr>
@@ -5665,7 +8745,7 @@
           <p:cNvPr id="10" name="Arrow: Notched Right 9">
             <a:extLst>
               <a:ext uri="{FF2B5EF4-FFF2-40B4-BE49-F238E27FC236}">
-                <a16:creationId xmlns:a16="http://schemas.microsoft.com/office/drawing/2014/main" id="{FDCE3592-4C0C-ADBB-2F1B-A0A200ADE97C}"/>
+                <a16:creationId xmlns:a16="http://schemas.microsoft.com/office/drawing/2014/main" xmlns="" id="{FDCE3592-4C0C-ADBB-2F1B-A0A200ADE97C}"/>
               </a:ext>
             </a:extLst>
           </p:cNvPr>
@@ -5719,6 +8799,13 @@
   <p:clrMapOvr>
     <a:masterClrMapping/>
   </p:clrMapOvr>
+  <p:timing>
+    <p:tnLst>
+      <p:par>
+        <p:cTn id="1" dur="indefinite" restart="never" nodeType="tmRoot"/>
+      </p:par>
+    </p:tnLst>
+  </p:timing>
 </p:sld>
 </file>
 
@@ -5741,10 +8828,10 @@
       </p:grpSpPr>
       <p:sp>
         <p:nvSpPr>
-          <p:cNvPr id="3" name="Content Placeholder 2">
+          <p:cNvPr id="4" name="Date Placeholder 3">
             <a:extLst>
               <a:ext uri="{FF2B5EF4-FFF2-40B4-BE49-F238E27FC236}">
-                <a16:creationId xmlns:a16="http://schemas.microsoft.com/office/drawing/2014/main" id="{5E5EF051-5812-FB3C-6221-D942871D5A18}"/>
+                <a16:creationId xmlns:a16="http://schemas.microsoft.com/office/drawing/2014/main" xmlns="" id="{4E00ED82-5DE3-74C0-937F-9FD3ACAD73A2}"/>
               </a:ext>
             </a:extLst>
           </p:cNvPr>
@@ -5752,7 +8839,7 @@
             <a:spLocks noGrp="1"/>
           </p:cNvSpPr>
           <p:nvPr>
-            <p:ph idx="1"/>
+            <p:ph type="dt" sz="half" idx="10"/>
           </p:nvPr>
         </p:nvSpPr>
         <p:spPr/>
@@ -5760,30 +8847,20 @@
           <a:bodyPr/>
           <a:lstStyle/>
           <a:p>
-            <a:pPr>
-              <a:buFont typeface="Wingdings" panose="05000000000000000000" pitchFamily="2" charset="2"/>
-              <a:buChar char="v"/>
-            </a:pPr>
-            <a:r>
-              <a:rPr lang="en-US" dirty="0"/>
-              <a:t>Semantic similarity is a measure that is defined across a collection of documents or phrases, unlike lexicographical similarity or the statistical similarity stated above. It relies the idea of distance between objects on the degree of semantic content or similarity between them. Semantic relations between the documents can be used to quantify and identify their direct and indirect relationships, which is the basis for similarity between them. Estimating the semantic similarity between text data is one of the most challenging and unsolved research problems in the field of natural language processing (NLP). </a:t>
-            </a:r>
-          </a:p>
-          <a:p>
-            <a:pPr>
-              <a:buFont typeface="Wingdings" panose="05000000000000000000" pitchFamily="2" charset="2"/>
-              <a:buChar char="v"/>
-            </a:pPr>
-            <a:endParaRPr lang="en-IN" dirty="0"/>
-          </a:p>
-        </p:txBody>
-      </p:sp>
-      <p:sp>
-        <p:nvSpPr>
-          <p:cNvPr id="4" name="Date Placeholder 3">
+            <a:r>
+              <a:rPr lang="en-US"/>
+              <a:t>3/22/2025</a:t>
+            </a:r>
+            <a:endParaRPr lang="en-US" dirty="0"/>
+          </a:p>
+        </p:txBody>
+      </p:sp>
+      <p:sp>
+        <p:nvSpPr>
+          <p:cNvPr id="5" name="Footer Placeholder 4">
             <a:extLst>
               <a:ext uri="{FF2B5EF4-FFF2-40B4-BE49-F238E27FC236}">
-                <a16:creationId xmlns:a16="http://schemas.microsoft.com/office/drawing/2014/main" id="{76E0C649-3678-D32A-9DF9-63F87B873993}"/>
+                <a16:creationId xmlns:a16="http://schemas.microsoft.com/office/drawing/2014/main" xmlns="" id="{2AEC4201-E3B7-3A3F-9BDA-3D80F5A7588B}"/>
               </a:ext>
             </a:extLst>
           </p:cNvPr>
@@ -5791,35 +8868,6 @@
             <a:spLocks noGrp="1"/>
           </p:cNvSpPr>
           <p:nvPr>
-            <p:ph type="dt" sz="half" idx="10"/>
-          </p:nvPr>
-        </p:nvSpPr>
-        <p:spPr/>
-        <p:txBody>
-          <a:bodyPr/>
-          <a:lstStyle/>
-          <a:p>
-            <a:r>
-              <a:rPr lang="en-US"/>
-              <a:t>3/22/2025</a:t>
-            </a:r>
-            <a:endParaRPr lang="en-US" dirty="0"/>
-          </a:p>
-        </p:txBody>
-      </p:sp>
-      <p:sp>
-        <p:nvSpPr>
-          <p:cNvPr id="5" name="Footer Placeholder 4">
-            <a:extLst>
-              <a:ext uri="{FF2B5EF4-FFF2-40B4-BE49-F238E27FC236}">
-                <a16:creationId xmlns:a16="http://schemas.microsoft.com/office/drawing/2014/main" id="{B4C064DF-9D78-D733-7848-05D907DDE07F}"/>
-              </a:ext>
-            </a:extLst>
-          </p:cNvPr>
-          <p:cNvSpPr>
-            <a:spLocks noGrp="1"/>
-          </p:cNvSpPr>
-          <p:nvPr>
             <p:ph type="ftr" sz="quarter" idx="11"/>
           </p:nvPr>
         </p:nvSpPr>
@@ -5841,7 +8889,7 @@
           <p:cNvPr id="6" name="Slide Number Placeholder 5">
             <a:extLst>
               <a:ext uri="{FF2B5EF4-FFF2-40B4-BE49-F238E27FC236}">
-                <a16:creationId xmlns:a16="http://schemas.microsoft.com/office/drawing/2014/main" id="{D3901C69-E983-8101-1483-B68828E126E7}"/>
+                <a16:creationId xmlns:a16="http://schemas.microsoft.com/office/drawing/2014/main" xmlns="" id="{15950A93-6DAE-0C0B-8FF1-62EDB1A23714}"/>
               </a:ext>
             </a:extLst>
           </p:cNvPr>
@@ -5870,7 +8918,7 @@
           <p:cNvPr id="7" name="object 36">
             <a:extLst>
               <a:ext uri="{FF2B5EF4-FFF2-40B4-BE49-F238E27FC236}">
-                <a16:creationId xmlns:a16="http://schemas.microsoft.com/office/drawing/2014/main" id="{FA7BE382-DB69-C373-9AF0-0977B573EC47}"/>
+                <a16:creationId xmlns:a16="http://schemas.microsoft.com/office/drawing/2014/main" xmlns="" id="{98D31EBA-B69B-4554-2E3A-C473FB1DC6AE}"/>
               </a:ext>
             </a:extLst>
           </p:cNvPr>
@@ -5885,7 +8933,7 @@
         </p:blipFill>
         <p:spPr>
           <a:xfrm>
-            <a:off x="9740859" y="576062"/>
+            <a:off x="9740861" y="583739"/>
             <a:ext cx="1869948" cy="613176"/>
           </a:xfrm>
           <a:prstGeom prst="rect">
@@ -5895,10 +8943,10 @@
       </p:pic>
       <p:sp>
         <p:nvSpPr>
-          <p:cNvPr id="11" name="Arrow: Notched Right 10">
+          <p:cNvPr id="9" name="Arrow: Notched Right 8">
             <a:extLst>
               <a:ext uri="{FF2B5EF4-FFF2-40B4-BE49-F238E27FC236}">
-                <a16:creationId xmlns:a16="http://schemas.microsoft.com/office/drawing/2014/main" id="{73793089-5F0F-A640-78B8-42F25B542A09}"/>
+                <a16:creationId xmlns:a16="http://schemas.microsoft.com/office/drawing/2014/main" xmlns="" id="{0B9644F2-A44E-AE1E-1505-7557CAD1A776}"/>
               </a:ext>
             </a:extLst>
           </p:cNvPr>
@@ -5938,21 +8986,629 @@
                 <a:latin typeface="Times New Roman" panose="02020603050405020304" pitchFamily="18" charset="0"/>
                 <a:cs typeface="Times New Roman" panose="02020603050405020304" pitchFamily="18" charset="0"/>
               </a:rPr>
-              <a:t>WHAT IS SEMANTIC SIMILARITY?</a:t>
-            </a:r>
-          </a:p>
-        </p:txBody>
-      </p:sp>
+              <a:t>INTRODUCTION?</a:t>
+            </a:r>
+          </a:p>
+        </p:txBody>
+      </p:sp>
+      <p:sp>
+        <p:nvSpPr>
+          <p:cNvPr id="10" name="Rectangle: Rounded Corners 9">
+            <a:extLst>
+              <a:ext uri="{FF2B5EF4-FFF2-40B4-BE49-F238E27FC236}">
+                <a16:creationId xmlns:a16="http://schemas.microsoft.com/office/drawing/2014/main" xmlns="" id="{75C57E34-7395-23D5-132C-4E9D4442EC93}"/>
+              </a:ext>
+            </a:extLst>
+          </p:cNvPr>
+          <p:cNvSpPr/>
+          <p:nvPr/>
+        </p:nvSpPr>
+        <p:spPr>
+          <a:xfrm>
+            <a:off x="6546476" y="3767479"/>
+            <a:ext cx="3285781" cy="914400"/>
+          </a:xfrm>
+          <a:prstGeom prst="roundRect">
+            <a:avLst/>
+          </a:prstGeom>
+        </p:spPr>
+        <p:style>
+          <a:lnRef idx="1">
+            <a:schemeClr val="dk1"/>
+          </a:lnRef>
+          <a:fillRef idx="2">
+            <a:schemeClr val="dk1"/>
+          </a:fillRef>
+          <a:effectRef idx="1">
+            <a:schemeClr val="dk1"/>
+          </a:effectRef>
+          <a:fontRef idx="minor">
+            <a:schemeClr val="dk1"/>
+          </a:fontRef>
+        </p:style>
+        <p:txBody>
+          <a:bodyPr rtlCol="0" anchor="ctr"/>
+          <a:lstStyle/>
+          <a:p>
+            <a:pPr algn="just"/>
+            <a:r>
+              <a:rPr lang="en-IN" dirty="0">
+                <a:solidFill>
+                  <a:schemeClr val="bg1"/>
+                </a:solidFill>
+              </a:rPr>
+              <a:t>If two words are not similar , but have same meaning, then they are semantically similar</a:t>
+            </a:r>
+          </a:p>
+        </p:txBody>
+      </p:sp>
+      <p:sp>
+        <p:nvSpPr>
+          <p:cNvPr id="11" name="Rectangle: Rounded Corners 10">
+            <a:extLst>
+              <a:ext uri="{FF2B5EF4-FFF2-40B4-BE49-F238E27FC236}">
+                <a16:creationId xmlns:a16="http://schemas.microsoft.com/office/drawing/2014/main" xmlns="" id="{55780ACA-820D-E7DC-462F-D301E7DABBFF}"/>
+              </a:ext>
+            </a:extLst>
+          </p:cNvPr>
+          <p:cNvSpPr/>
+          <p:nvPr/>
+        </p:nvSpPr>
+        <p:spPr>
+          <a:xfrm>
+            <a:off x="3582595" y="5094467"/>
+            <a:ext cx="1893971" cy="914400"/>
+          </a:xfrm>
+          <a:prstGeom prst="roundRect">
+            <a:avLst/>
+          </a:prstGeom>
+        </p:spPr>
+        <p:style>
+          <a:lnRef idx="1">
+            <a:schemeClr val="dk1"/>
+          </a:lnRef>
+          <a:fillRef idx="2">
+            <a:schemeClr val="dk1"/>
+          </a:fillRef>
+          <a:effectRef idx="1">
+            <a:schemeClr val="dk1"/>
+          </a:effectRef>
+          <a:fontRef idx="minor">
+            <a:schemeClr val="dk1"/>
+          </a:fontRef>
+        </p:style>
+        <p:txBody>
+          <a:bodyPr rtlCol="0" anchor="ctr"/>
+          <a:lstStyle/>
+          <a:p>
+            <a:pPr algn="ctr"/>
+            <a:r>
+              <a:rPr lang="en-IN" dirty="0">
+                <a:solidFill>
+                  <a:schemeClr val="bg1"/>
+                </a:solidFill>
+              </a:rPr>
+              <a:t>Hybrid Similarity</a:t>
+            </a:r>
+          </a:p>
+        </p:txBody>
+      </p:sp>
+      <p:sp>
+        <p:nvSpPr>
+          <p:cNvPr id="12" name="Rectangle: Rounded Corners 11">
+            <a:extLst>
+              <a:ext uri="{FF2B5EF4-FFF2-40B4-BE49-F238E27FC236}">
+                <a16:creationId xmlns:a16="http://schemas.microsoft.com/office/drawing/2014/main" xmlns="" id="{B37CA8C2-2C44-210A-F845-90880DC31DD9}"/>
+              </a:ext>
+            </a:extLst>
+          </p:cNvPr>
+          <p:cNvSpPr/>
+          <p:nvPr/>
+        </p:nvSpPr>
+        <p:spPr>
+          <a:xfrm>
+            <a:off x="3582597" y="3765021"/>
+            <a:ext cx="1893970" cy="914400"/>
+          </a:xfrm>
+          <a:prstGeom prst="roundRect">
+            <a:avLst/>
+          </a:prstGeom>
+        </p:spPr>
+        <p:style>
+          <a:lnRef idx="1">
+            <a:schemeClr val="dk1"/>
+          </a:lnRef>
+          <a:fillRef idx="2">
+            <a:schemeClr val="dk1"/>
+          </a:fillRef>
+          <a:effectRef idx="1">
+            <a:schemeClr val="dk1"/>
+          </a:effectRef>
+          <a:fontRef idx="minor">
+            <a:schemeClr val="dk1"/>
+          </a:fontRef>
+        </p:style>
+        <p:txBody>
+          <a:bodyPr rtlCol="0" anchor="ctr"/>
+          <a:lstStyle/>
+          <a:p>
+            <a:pPr algn="ctr"/>
+            <a:r>
+              <a:rPr lang="en-IN" dirty="0">
+                <a:solidFill>
+                  <a:schemeClr val="bg1"/>
+                </a:solidFill>
+              </a:rPr>
+              <a:t>Semantic-based Similarity</a:t>
+            </a:r>
+          </a:p>
+        </p:txBody>
+      </p:sp>
+      <p:sp>
+        <p:nvSpPr>
+          <p:cNvPr id="13" name="Rectangle: Rounded Corners 12">
+            <a:extLst>
+              <a:ext uri="{FF2B5EF4-FFF2-40B4-BE49-F238E27FC236}">
+                <a16:creationId xmlns:a16="http://schemas.microsoft.com/office/drawing/2014/main" xmlns="" id="{E3641130-070E-AC9A-F18F-9FAAE18C647F}"/>
+              </a:ext>
+            </a:extLst>
+          </p:cNvPr>
+          <p:cNvSpPr/>
+          <p:nvPr/>
+        </p:nvSpPr>
+        <p:spPr>
+          <a:xfrm>
+            <a:off x="3582596" y="2374490"/>
+            <a:ext cx="1893971" cy="914400"/>
+          </a:xfrm>
+          <a:prstGeom prst="roundRect">
+            <a:avLst/>
+          </a:prstGeom>
+          <a:ln/>
+        </p:spPr>
+        <p:style>
+          <a:lnRef idx="1">
+            <a:schemeClr val="dk1"/>
+          </a:lnRef>
+          <a:fillRef idx="2">
+            <a:schemeClr val="dk1"/>
+          </a:fillRef>
+          <a:effectRef idx="1">
+            <a:schemeClr val="dk1"/>
+          </a:effectRef>
+          <a:fontRef idx="minor">
+            <a:schemeClr val="dk1"/>
+          </a:fontRef>
+        </p:style>
+        <p:txBody>
+          <a:bodyPr rtlCol="0" anchor="ctr"/>
+          <a:lstStyle/>
+          <a:p>
+            <a:pPr algn="ctr"/>
+            <a:r>
+              <a:rPr lang="en-IN" dirty="0">
+                <a:solidFill>
+                  <a:schemeClr val="bg1"/>
+                </a:solidFill>
+              </a:rPr>
+              <a:t>Lexical-based Similarity</a:t>
+            </a:r>
+          </a:p>
+        </p:txBody>
+      </p:sp>
+      <p:sp>
+        <p:nvSpPr>
+          <p:cNvPr id="14" name="Oval 13">
+            <a:extLst>
+              <a:ext uri="{FF2B5EF4-FFF2-40B4-BE49-F238E27FC236}">
+                <a16:creationId xmlns:a16="http://schemas.microsoft.com/office/drawing/2014/main" xmlns="" id="{22FD4298-A01D-84F6-5377-19F7435CA916}"/>
+              </a:ext>
+            </a:extLst>
+          </p:cNvPr>
+          <p:cNvSpPr/>
+          <p:nvPr/>
+        </p:nvSpPr>
+        <p:spPr>
+          <a:xfrm>
+            <a:off x="516741" y="3765021"/>
+            <a:ext cx="1799303" cy="914400"/>
+          </a:xfrm>
+          <a:prstGeom prst="ellipse">
+            <a:avLst/>
+          </a:prstGeom>
+        </p:spPr>
+        <p:style>
+          <a:lnRef idx="1">
+            <a:schemeClr val="dk1"/>
+          </a:lnRef>
+          <a:fillRef idx="2">
+            <a:schemeClr val="dk1"/>
+          </a:fillRef>
+          <a:effectRef idx="1">
+            <a:schemeClr val="dk1"/>
+          </a:effectRef>
+          <a:fontRef idx="minor">
+            <a:schemeClr val="dk1"/>
+          </a:fontRef>
+        </p:style>
+        <p:txBody>
+          <a:bodyPr rtlCol="0" anchor="ctr"/>
+          <a:lstStyle/>
+          <a:p>
+            <a:pPr algn="ctr"/>
+            <a:r>
+              <a:rPr lang="en-IN" dirty="0">
+                <a:solidFill>
+                  <a:schemeClr val="bg1">
+                    <a:lumMod val="95000"/>
+                  </a:schemeClr>
+                </a:solidFill>
+              </a:rPr>
+              <a:t>Text Similarity</a:t>
+            </a:r>
+          </a:p>
+        </p:txBody>
+      </p:sp>
+      <p:sp>
+        <p:nvSpPr>
+          <p:cNvPr id="15" name="Rectangle: Rounded Corners 14">
+            <a:extLst>
+              <a:ext uri="{FF2B5EF4-FFF2-40B4-BE49-F238E27FC236}">
+                <a16:creationId xmlns:a16="http://schemas.microsoft.com/office/drawing/2014/main" xmlns="" id="{A5F91BE4-A65D-BA4A-8C99-2A2B26DABC33}"/>
+              </a:ext>
+            </a:extLst>
+          </p:cNvPr>
+          <p:cNvSpPr/>
+          <p:nvPr/>
+        </p:nvSpPr>
+        <p:spPr>
+          <a:xfrm>
+            <a:off x="6546476" y="2293374"/>
+            <a:ext cx="3285781" cy="914400"/>
+          </a:xfrm>
+          <a:prstGeom prst="roundRect">
+            <a:avLst/>
+          </a:prstGeom>
+        </p:spPr>
+        <p:style>
+          <a:lnRef idx="1">
+            <a:schemeClr val="dk1"/>
+          </a:lnRef>
+          <a:fillRef idx="2">
+            <a:schemeClr val="dk1"/>
+          </a:fillRef>
+          <a:effectRef idx="1">
+            <a:schemeClr val="dk1"/>
+          </a:effectRef>
+          <a:fontRef idx="minor">
+            <a:schemeClr val="dk1"/>
+          </a:fontRef>
+        </p:style>
+        <p:txBody>
+          <a:bodyPr rtlCol="0" anchor="ctr"/>
+          <a:lstStyle/>
+          <a:p>
+            <a:pPr algn="just"/>
+            <a:r>
+              <a:rPr lang="en-IN" dirty="0">
+                <a:solidFill>
+                  <a:schemeClr val="bg1"/>
+                </a:solidFill>
+              </a:rPr>
+              <a:t>If two words have a similar sequence of character, then lexically similar.</a:t>
+            </a:r>
+          </a:p>
+        </p:txBody>
+      </p:sp>
+      <p:sp>
+        <p:nvSpPr>
+          <p:cNvPr id="16" name="Rectangle: Rounded Corners 15">
+            <a:extLst>
+              <a:ext uri="{FF2B5EF4-FFF2-40B4-BE49-F238E27FC236}">
+                <a16:creationId xmlns:a16="http://schemas.microsoft.com/office/drawing/2014/main" xmlns="" id="{B45C759E-4CE6-9257-A3F6-32F477940F92}"/>
+              </a:ext>
+            </a:extLst>
+          </p:cNvPr>
+          <p:cNvSpPr/>
+          <p:nvPr/>
+        </p:nvSpPr>
+        <p:spPr>
+          <a:xfrm>
+            <a:off x="6546474" y="5145721"/>
+            <a:ext cx="3325111" cy="914400"/>
+          </a:xfrm>
+          <a:prstGeom prst="roundRect">
+            <a:avLst/>
+          </a:prstGeom>
+        </p:spPr>
+        <p:style>
+          <a:lnRef idx="1">
+            <a:schemeClr val="dk1"/>
+          </a:lnRef>
+          <a:fillRef idx="2">
+            <a:schemeClr val="dk1"/>
+          </a:fillRef>
+          <a:effectRef idx="1">
+            <a:schemeClr val="dk1"/>
+          </a:effectRef>
+          <a:fontRef idx="minor">
+            <a:schemeClr val="dk1"/>
+          </a:fontRef>
+        </p:style>
+        <p:txBody>
+          <a:bodyPr rtlCol="0" anchor="ctr"/>
+          <a:lstStyle/>
+          <a:p>
+            <a:pPr algn="just"/>
+            <a:r>
+              <a:rPr lang="en-IN" dirty="0">
+                <a:solidFill>
+                  <a:schemeClr val="bg1"/>
+                </a:solidFill>
+              </a:rPr>
+              <a:t>Hybrid combination of different similarity methods.</a:t>
+            </a:r>
+          </a:p>
+        </p:txBody>
+      </p:sp>
+      <p:cxnSp>
+        <p:nvCxnSpPr>
+          <p:cNvPr id="18" name="Straight Arrow Connector 17">
+            <a:extLst>
+              <a:ext uri="{FF2B5EF4-FFF2-40B4-BE49-F238E27FC236}">
+                <a16:creationId xmlns:a16="http://schemas.microsoft.com/office/drawing/2014/main" xmlns="" id="{7E4616F7-8934-6547-69E5-9E7EF7BAFCFD}"/>
+              </a:ext>
+            </a:extLst>
+          </p:cNvPr>
+          <p:cNvCxnSpPr>
+            <a:endCxn id="13" idx="1"/>
+          </p:cNvCxnSpPr>
+          <p:nvPr/>
+        </p:nvCxnSpPr>
+        <p:spPr>
+          <a:xfrm flipV="1">
+            <a:off x="2241755" y="2831690"/>
+            <a:ext cx="1340841" cy="1199536"/>
+          </a:xfrm>
+          <a:prstGeom prst="straightConnector1">
+            <a:avLst/>
+          </a:prstGeom>
+          <a:ln>
+            <a:tailEnd type="triangle"/>
+          </a:ln>
+        </p:spPr>
+        <p:style>
+          <a:lnRef idx="1">
+            <a:schemeClr val="accent1"/>
+          </a:lnRef>
+          <a:fillRef idx="0">
+            <a:schemeClr val="accent1"/>
+          </a:fillRef>
+          <a:effectRef idx="0">
+            <a:schemeClr val="accent1"/>
+          </a:effectRef>
+          <a:fontRef idx="minor">
+            <a:schemeClr val="tx1"/>
+          </a:fontRef>
+        </p:style>
+      </p:cxnSp>
+      <p:cxnSp>
+        <p:nvCxnSpPr>
+          <p:cNvPr id="20" name="Straight Arrow Connector 19">
+            <a:extLst>
+              <a:ext uri="{FF2B5EF4-FFF2-40B4-BE49-F238E27FC236}">
+                <a16:creationId xmlns:a16="http://schemas.microsoft.com/office/drawing/2014/main" xmlns="" id="{0FF534DE-F0B9-FA2E-9982-24AD5D5D8DA2}"/>
+              </a:ext>
+            </a:extLst>
+          </p:cNvPr>
+          <p:cNvCxnSpPr>
+            <a:stCxn id="14" idx="6"/>
+            <a:endCxn id="12" idx="1"/>
+          </p:cNvCxnSpPr>
+          <p:nvPr/>
+        </p:nvCxnSpPr>
+        <p:spPr>
+          <a:xfrm>
+            <a:off x="2316044" y="4222221"/>
+            <a:ext cx="1266553" cy="0"/>
+          </a:xfrm>
+          <a:prstGeom prst="straightConnector1">
+            <a:avLst/>
+          </a:prstGeom>
+          <a:ln>
+            <a:tailEnd type="triangle"/>
+          </a:ln>
+        </p:spPr>
+        <p:style>
+          <a:lnRef idx="1">
+            <a:schemeClr val="accent1"/>
+          </a:lnRef>
+          <a:fillRef idx="0">
+            <a:schemeClr val="accent1"/>
+          </a:fillRef>
+          <a:effectRef idx="0">
+            <a:schemeClr val="accent1"/>
+          </a:effectRef>
+          <a:fontRef idx="minor">
+            <a:schemeClr val="tx1"/>
+          </a:fontRef>
+        </p:style>
+      </p:cxnSp>
+      <p:cxnSp>
+        <p:nvCxnSpPr>
+          <p:cNvPr id="22" name="Straight Arrow Connector 21">
+            <a:extLst>
+              <a:ext uri="{FF2B5EF4-FFF2-40B4-BE49-F238E27FC236}">
+                <a16:creationId xmlns:a16="http://schemas.microsoft.com/office/drawing/2014/main" xmlns="" id="{2DF69568-E523-862B-52EF-6DA3B7636F1C}"/>
+              </a:ext>
+            </a:extLst>
+          </p:cNvPr>
+          <p:cNvCxnSpPr/>
+          <p:nvPr/>
+        </p:nvCxnSpPr>
+        <p:spPr>
+          <a:xfrm>
+            <a:off x="2241755" y="4434348"/>
+            <a:ext cx="1340840" cy="1012723"/>
+          </a:xfrm>
+          <a:prstGeom prst="straightConnector1">
+            <a:avLst/>
+          </a:prstGeom>
+          <a:ln>
+            <a:tailEnd type="triangle"/>
+          </a:ln>
+        </p:spPr>
+        <p:style>
+          <a:lnRef idx="1">
+            <a:schemeClr val="accent1"/>
+          </a:lnRef>
+          <a:fillRef idx="0">
+            <a:schemeClr val="accent1"/>
+          </a:fillRef>
+          <a:effectRef idx="0">
+            <a:schemeClr val="accent1"/>
+          </a:effectRef>
+          <a:fontRef idx="minor">
+            <a:schemeClr val="tx1"/>
+          </a:fontRef>
+        </p:style>
+      </p:cxnSp>
+      <p:cxnSp>
+        <p:nvCxnSpPr>
+          <p:cNvPr id="24" name="Straight Arrow Connector 23">
+            <a:extLst>
+              <a:ext uri="{FF2B5EF4-FFF2-40B4-BE49-F238E27FC236}">
+                <a16:creationId xmlns:a16="http://schemas.microsoft.com/office/drawing/2014/main" xmlns="" id="{ABA37825-FCD0-B010-C026-965EDA3C9A30}"/>
+              </a:ext>
+            </a:extLst>
+          </p:cNvPr>
+          <p:cNvCxnSpPr>
+            <a:stCxn id="13" idx="3"/>
+          </p:cNvCxnSpPr>
+          <p:nvPr/>
+        </p:nvCxnSpPr>
+        <p:spPr>
+          <a:xfrm>
+            <a:off x="5476567" y="2831690"/>
+            <a:ext cx="1069909" cy="0"/>
+          </a:xfrm>
+          <a:prstGeom prst="straightConnector1">
+            <a:avLst/>
+          </a:prstGeom>
+          <a:ln>
+            <a:tailEnd type="triangle"/>
+          </a:ln>
+        </p:spPr>
+        <p:style>
+          <a:lnRef idx="1">
+            <a:schemeClr val="accent1"/>
+          </a:lnRef>
+          <a:fillRef idx="0">
+            <a:schemeClr val="accent1"/>
+          </a:fillRef>
+          <a:effectRef idx="0">
+            <a:schemeClr val="accent1"/>
+          </a:effectRef>
+          <a:fontRef idx="minor">
+            <a:schemeClr val="tx1"/>
+          </a:fontRef>
+        </p:style>
+      </p:cxnSp>
+      <p:cxnSp>
+        <p:nvCxnSpPr>
+          <p:cNvPr id="25" name="Straight Arrow Connector 24">
+            <a:extLst>
+              <a:ext uri="{FF2B5EF4-FFF2-40B4-BE49-F238E27FC236}">
+                <a16:creationId xmlns:a16="http://schemas.microsoft.com/office/drawing/2014/main" xmlns="" id="{4FD4C4FC-6A75-EA4D-2E3B-9CA75969E2B0}"/>
+              </a:ext>
+            </a:extLst>
+          </p:cNvPr>
+          <p:cNvCxnSpPr/>
+          <p:nvPr/>
+        </p:nvCxnSpPr>
+        <p:spPr>
+          <a:xfrm>
+            <a:off x="5476567" y="4301613"/>
+            <a:ext cx="1069909" cy="0"/>
+          </a:xfrm>
+          <a:prstGeom prst="straightConnector1">
+            <a:avLst/>
+          </a:prstGeom>
+          <a:ln>
+            <a:tailEnd type="triangle"/>
+          </a:ln>
+        </p:spPr>
+        <p:style>
+          <a:lnRef idx="1">
+            <a:schemeClr val="accent1"/>
+          </a:lnRef>
+          <a:fillRef idx="0">
+            <a:schemeClr val="accent1"/>
+          </a:fillRef>
+          <a:effectRef idx="0">
+            <a:schemeClr val="accent1"/>
+          </a:effectRef>
+          <a:fontRef idx="minor">
+            <a:schemeClr val="tx1"/>
+          </a:fontRef>
+        </p:style>
+      </p:cxnSp>
+      <p:cxnSp>
+        <p:nvCxnSpPr>
+          <p:cNvPr id="26" name="Straight Arrow Connector 25">
+            <a:extLst>
+              <a:ext uri="{FF2B5EF4-FFF2-40B4-BE49-F238E27FC236}">
+                <a16:creationId xmlns:a16="http://schemas.microsoft.com/office/drawing/2014/main" xmlns="" id="{9AB40F2B-75B8-DF7C-E8B0-535D29655FC7}"/>
+              </a:ext>
+            </a:extLst>
+          </p:cNvPr>
+          <p:cNvCxnSpPr/>
+          <p:nvPr/>
+        </p:nvCxnSpPr>
+        <p:spPr>
+          <a:xfrm>
+            <a:off x="5476566" y="5579806"/>
+            <a:ext cx="1069909" cy="0"/>
+          </a:xfrm>
+          <a:prstGeom prst="straightConnector1">
+            <a:avLst/>
+          </a:prstGeom>
+          <a:ln>
+            <a:tailEnd type="triangle"/>
+          </a:ln>
+        </p:spPr>
+        <p:style>
+          <a:lnRef idx="1">
+            <a:schemeClr val="accent1"/>
+          </a:lnRef>
+          <a:fillRef idx="0">
+            <a:schemeClr val="accent1"/>
+          </a:fillRef>
+          <a:effectRef idx="0">
+            <a:schemeClr val="accent1"/>
+          </a:effectRef>
+          <a:fontRef idx="minor">
+            <a:schemeClr val="tx1"/>
+          </a:fontRef>
+        </p:style>
+      </p:cxnSp>
     </p:spTree>
     <p:extLst>
       <p:ext uri="{BB962C8B-B14F-4D97-AF65-F5344CB8AC3E}">
-        <p14:creationId xmlns:p14="http://schemas.microsoft.com/office/powerpoint/2010/main" val="4065770690"/>
+        <p14:creationId xmlns:p14="http://schemas.microsoft.com/office/powerpoint/2010/main" val="881377175"/>
       </p:ext>
     </p:extLst>
   </p:cSld>
   <p:clrMapOvr>
     <a:masterClrMapping/>
   </p:clrMapOvr>
+  <p:timing>
+    <p:tnLst>
+      <p:par>
+        <p:cTn id="1" dur="indefinite" restart="never" nodeType="tmRoot"/>
+      </p:par>
+    </p:tnLst>
+  </p:timing>
 </p:sld>
 </file>
 
@@ -5975,10 +9631,10 @@
       </p:grpSpPr>
       <p:sp>
         <p:nvSpPr>
-          <p:cNvPr id="2" name="Title 1">
+          <p:cNvPr id="3" name="Content Placeholder 2">
             <a:extLst>
               <a:ext uri="{FF2B5EF4-FFF2-40B4-BE49-F238E27FC236}">
-                <a16:creationId xmlns:a16="http://schemas.microsoft.com/office/drawing/2014/main" id="{957DDF0A-4A6A-1E8E-4FC8-83F4CA1A3FE8}"/>
+                <a16:creationId xmlns:a16="http://schemas.microsoft.com/office/drawing/2014/main" xmlns="" id="{5E5EF051-5812-FB3C-6221-D942871D5A18}"/>
               </a:ext>
             </a:extLst>
           </p:cNvPr>
@@ -5986,24 +9642,80 @@
             <a:spLocks noGrp="1"/>
           </p:cNvSpPr>
           <p:nvPr>
-            <p:ph type="title"/>
-          </p:nvPr>
-        </p:nvSpPr>
-        <p:spPr/>
+            <p:ph idx="1"/>
+          </p:nvPr>
+        </p:nvSpPr>
+        <p:spPr>
+          <a:xfrm>
+            <a:off x="473037" y="2686781"/>
+            <a:ext cx="11029615" cy="3634486"/>
+          </a:xfrm>
+        </p:spPr>
         <p:txBody>
           <a:bodyPr/>
           <a:lstStyle/>
           <a:p>
-            <a:endParaRPr lang="en-IN"/>
-          </a:p>
-        </p:txBody>
-      </p:sp>
-      <p:sp>
-        <p:nvSpPr>
-          <p:cNvPr id="3" name="Content Placeholder 2">
+            <a:pPr>
+              <a:buFont typeface="Wingdings" panose="05000000000000000000" pitchFamily="2" charset="2"/>
+              <a:buChar char="v"/>
+            </a:pPr>
+            <a:r>
+              <a:rPr lang="en-US" dirty="0"/>
+              <a:t>Semantic similarity is a measure that is defined across a collection of documents or phrases, unlike lexicographical similarity or the statistical similarity stated above. It relies the idea of distance between objects on the degree of semantic content or similarity between them. Semantic relations between the documents can be used to quantify and identify their direct and indirect relationships, which is the basis for similarity between them. Estimating the semantic similarity between text data is one of the most challenging and unsolved research problems in the field of natural language processing (NLP). </a:t>
+            </a:r>
+          </a:p>
+          <a:p>
+            <a:pPr>
+              <a:buFont typeface="Wingdings" panose="05000000000000000000" pitchFamily="2" charset="2"/>
+              <a:buChar char="v"/>
+            </a:pPr>
+            <a:r>
+              <a:rPr lang="en-US" dirty="0"/>
+              <a:t>Information retrieval, clustering and recommendation systems are crucial NLP jobs</a:t>
+            </a:r>
+          </a:p>
+          <a:p>
+            <a:pPr>
+              <a:buFont typeface="Wingdings" panose="05000000000000000000" pitchFamily="2" charset="2"/>
+              <a:buChar char="v"/>
+            </a:pPr>
+            <a:r>
+              <a:rPr lang="en-US" dirty="0"/>
+              <a:t>Evaluates similarity using meaning rather than just words</a:t>
+            </a:r>
+          </a:p>
+          <a:p>
+            <a:pPr>
+              <a:buFont typeface="Wingdings" panose="05000000000000000000" pitchFamily="2" charset="2"/>
+              <a:buChar char="v"/>
+            </a:pPr>
+            <a:r>
+              <a:rPr lang="en-US" dirty="0"/>
+              <a:t>Assess both direct and indirect connections between texts</a:t>
+            </a:r>
+          </a:p>
+          <a:p>
+            <a:pPr>
+              <a:buFont typeface="Wingdings" panose="05000000000000000000" pitchFamily="2" charset="2"/>
+              <a:buChar char="v"/>
+            </a:pPr>
+            <a:endParaRPr lang="en-US" dirty="0"/>
+          </a:p>
+          <a:p>
+            <a:pPr>
+              <a:buFont typeface="Wingdings" panose="05000000000000000000" pitchFamily="2" charset="2"/>
+              <a:buChar char="v"/>
+            </a:pPr>
+            <a:endParaRPr lang="en-IN" dirty="0"/>
+          </a:p>
+        </p:txBody>
+      </p:sp>
+      <p:sp>
+        <p:nvSpPr>
+          <p:cNvPr id="4" name="Date Placeholder 3">
             <a:extLst>
               <a:ext uri="{FF2B5EF4-FFF2-40B4-BE49-F238E27FC236}">
-                <a16:creationId xmlns:a16="http://schemas.microsoft.com/office/drawing/2014/main" id="{5C2682D0-BDC8-5FCF-9CA8-C22236924FA4}"/>
+                <a16:creationId xmlns:a16="http://schemas.microsoft.com/office/drawing/2014/main" xmlns="" id="{76E0C649-3678-D32A-9DF9-63F87B873993}"/>
               </a:ext>
             </a:extLst>
           </p:cNvPr>
@@ -6011,7 +9723,7 @@
             <a:spLocks noGrp="1"/>
           </p:cNvSpPr>
           <p:nvPr>
-            <p:ph idx="1"/>
+            <p:ph type="dt" sz="half" idx="10"/>
           </p:nvPr>
         </p:nvSpPr>
         <p:spPr/>
@@ -6019,16 +9731,20 @@
           <a:bodyPr/>
           <a:lstStyle/>
           <a:p>
-            <a:endParaRPr lang="en-IN"/>
-          </a:p>
-        </p:txBody>
-      </p:sp>
-      <p:sp>
-        <p:nvSpPr>
-          <p:cNvPr id="4" name="Date Placeholder 3">
+            <a:r>
+              <a:rPr lang="en-US"/>
+              <a:t>3/22/2025</a:t>
+            </a:r>
+            <a:endParaRPr lang="en-US" dirty="0"/>
+          </a:p>
+        </p:txBody>
+      </p:sp>
+      <p:sp>
+        <p:nvSpPr>
+          <p:cNvPr id="5" name="Footer Placeholder 4">
             <a:extLst>
               <a:ext uri="{FF2B5EF4-FFF2-40B4-BE49-F238E27FC236}">
-                <a16:creationId xmlns:a16="http://schemas.microsoft.com/office/drawing/2014/main" id="{4E00ED82-5DE3-74C0-937F-9FD3ACAD73A2}"/>
+                <a16:creationId xmlns:a16="http://schemas.microsoft.com/office/drawing/2014/main" xmlns="" id="{B4C064DF-9D78-D733-7848-05D907DDE07F}"/>
               </a:ext>
             </a:extLst>
           </p:cNvPr>
@@ -6036,35 +9752,6 @@
             <a:spLocks noGrp="1"/>
           </p:cNvSpPr>
           <p:nvPr>
-            <p:ph type="dt" sz="half" idx="10"/>
-          </p:nvPr>
-        </p:nvSpPr>
-        <p:spPr/>
-        <p:txBody>
-          <a:bodyPr/>
-          <a:lstStyle/>
-          <a:p>
-            <a:r>
-              <a:rPr lang="en-US"/>
-              <a:t>3/22/2025</a:t>
-            </a:r>
-            <a:endParaRPr lang="en-US" dirty="0"/>
-          </a:p>
-        </p:txBody>
-      </p:sp>
-      <p:sp>
-        <p:nvSpPr>
-          <p:cNvPr id="5" name="Footer Placeholder 4">
-            <a:extLst>
-              <a:ext uri="{FF2B5EF4-FFF2-40B4-BE49-F238E27FC236}">
-                <a16:creationId xmlns:a16="http://schemas.microsoft.com/office/drawing/2014/main" id="{2AEC4201-E3B7-3A3F-9BDA-3D80F5A7588B}"/>
-              </a:ext>
-            </a:extLst>
-          </p:cNvPr>
-          <p:cNvSpPr>
-            <a:spLocks noGrp="1"/>
-          </p:cNvSpPr>
-          <p:nvPr>
             <p:ph type="ftr" sz="quarter" idx="11"/>
           </p:nvPr>
         </p:nvSpPr>
@@ -6086,7 +9773,7 @@
           <p:cNvPr id="6" name="Slide Number Placeholder 5">
             <a:extLst>
               <a:ext uri="{FF2B5EF4-FFF2-40B4-BE49-F238E27FC236}">
-                <a16:creationId xmlns:a16="http://schemas.microsoft.com/office/drawing/2014/main" id="{15950A93-6DAE-0C0B-8FF1-62EDB1A23714}"/>
+                <a16:creationId xmlns:a16="http://schemas.microsoft.com/office/drawing/2014/main" xmlns="" id="{D3901C69-E983-8101-1483-B68828E126E7}"/>
               </a:ext>
             </a:extLst>
           </p:cNvPr>
@@ -6115,7 +9802,209 @@
           <p:cNvPr id="7" name="object 36">
             <a:extLst>
               <a:ext uri="{FF2B5EF4-FFF2-40B4-BE49-F238E27FC236}">
-                <a16:creationId xmlns:a16="http://schemas.microsoft.com/office/drawing/2014/main" id="{98D31EBA-B69B-4554-2E3A-C473FB1DC6AE}"/>
+                <a16:creationId xmlns:a16="http://schemas.microsoft.com/office/drawing/2014/main" xmlns="" id="{FA7BE382-DB69-C373-9AF0-0977B573EC47}"/>
+              </a:ext>
+            </a:extLst>
+          </p:cNvPr>
+          <p:cNvPicPr/>
+          <p:nvPr/>
+        </p:nvPicPr>
+        <p:blipFill>
+          <a:blip r:embed="rId2" cstate="print"/>
+          <a:stretch>
+            <a:fillRect/>
+          </a:stretch>
+        </p:blipFill>
+        <p:spPr>
+          <a:xfrm>
+            <a:off x="9740859" y="576062"/>
+            <a:ext cx="1869948" cy="613176"/>
+          </a:xfrm>
+          <a:prstGeom prst="rect">
+            <a:avLst/>
+          </a:prstGeom>
+        </p:spPr>
+      </p:pic>
+      <p:sp>
+        <p:nvSpPr>
+          <p:cNvPr id="11" name="Arrow: Notched Right 10">
+            <a:extLst>
+              <a:ext uri="{FF2B5EF4-FFF2-40B4-BE49-F238E27FC236}">
+                <a16:creationId xmlns:a16="http://schemas.microsoft.com/office/drawing/2014/main" xmlns="" id="{73793089-5F0F-A640-78B8-42F25B542A09}"/>
+              </a:ext>
+            </a:extLst>
+          </p:cNvPr>
+          <p:cNvSpPr/>
+          <p:nvPr/>
+        </p:nvSpPr>
+        <p:spPr>
+          <a:xfrm>
+            <a:off x="581192" y="884901"/>
+            <a:ext cx="4511918" cy="1150375"/>
+          </a:xfrm>
+          <a:prstGeom prst="notchedRightArrow">
+            <a:avLst/>
+          </a:prstGeom>
+        </p:spPr>
+        <p:style>
+          <a:lnRef idx="1">
+            <a:schemeClr val="accent1"/>
+          </a:lnRef>
+          <a:fillRef idx="2">
+            <a:schemeClr val="accent1"/>
+          </a:fillRef>
+          <a:effectRef idx="1">
+            <a:schemeClr val="accent1"/>
+          </a:effectRef>
+          <a:fontRef idx="minor">
+            <a:schemeClr val="dk1"/>
+          </a:fontRef>
+        </p:style>
+        <p:txBody>
+          <a:bodyPr rtlCol="0" anchor="ctr"/>
+          <a:lstStyle/>
+          <a:p>
+            <a:pPr algn="ctr"/>
+            <a:r>
+              <a:rPr lang="en-IN" b="1" i="1" dirty="0">
+                <a:latin typeface="Times New Roman" panose="02020603050405020304" pitchFamily="18" charset="0"/>
+                <a:cs typeface="Times New Roman" panose="02020603050405020304" pitchFamily="18" charset="0"/>
+              </a:rPr>
+              <a:t>WHAT IS SEMANTIC SIMILARITY?</a:t>
+            </a:r>
+          </a:p>
+        </p:txBody>
+      </p:sp>
+    </p:spTree>
+    <p:extLst>
+      <p:ext uri="{BB962C8B-B14F-4D97-AF65-F5344CB8AC3E}">
+        <p14:creationId xmlns:p14="http://schemas.microsoft.com/office/powerpoint/2010/main" val="4065770690"/>
+      </p:ext>
+    </p:extLst>
+  </p:cSld>
+  <p:clrMapOvr>
+    <a:masterClrMapping/>
+  </p:clrMapOvr>
+  <p:timing>
+    <p:tnLst>
+      <p:par>
+        <p:cTn id="1" dur="indefinite" restart="never" nodeType="tmRoot"/>
+      </p:par>
+    </p:tnLst>
+  </p:timing>
+</p:sld>
+</file>
+
+<file path=ppt/slides/slide6.xml><?xml version="1.0" encoding="utf-8"?>
+<p:sld xmlns:a="http://schemas.openxmlformats.org/drawingml/2006/main" xmlns:r="http://schemas.openxmlformats.org/officeDocument/2006/relationships" xmlns:p="http://schemas.openxmlformats.org/presentationml/2006/main">
+  <p:cSld>
+    <p:spTree>
+      <p:nvGrpSpPr>
+        <p:cNvPr id="1" name=""/>
+        <p:cNvGrpSpPr/>
+        <p:nvPr/>
+      </p:nvGrpSpPr>
+      <p:grpSpPr>
+        <a:xfrm>
+          <a:off x="0" y="0"/>
+          <a:ext cx="0" cy="0"/>
+          <a:chOff x="0" y="0"/>
+          <a:chExt cx="0" cy="0"/>
+        </a:xfrm>
+      </p:grpSpPr>
+      <p:sp>
+        <p:nvSpPr>
+          <p:cNvPr id="4" name="Date Placeholder 3">
+            <a:extLst>
+              <a:ext uri="{FF2B5EF4-FFF2-40B4-BE49-F238E27FC236}">
+                <a16:creationId xmlns:a16="http://schemas.microsoft.com/office/drawing/2014/main" xmlns="" id="{34A34AD2-A078-8B84-7685-63E633684552}"/>
+              </a:ext>
+            </a:extLst>
+          </p:cNvPr>
+          <p:cNvSpPr>
+            <a:spLocks noGrp="1"/>
+          </p:cNvSpPr>
+          <p:nvPr>
+            <p:ph type="dt" sz="half" idx="10"/>
+          </p:nvPr>
+        </p:nvSpPr>
+        <p:spPr/>
+        <p:txBody>
+          <a:bodyPr/>
+          <a:lstStyle/>
+          <a:p>
+            <a:r>
+              <a:rPr lang="en-US"/>
+              <a:t>3/22/2025</a:t>
+            </a:r>
+            <a:endParaRPr lang="en-US" dirty="0"/>
+          </a:p>
+        </p:txBody>
+      </p:sp>
+      <p:sp>
+        <p:nvSpPr>
+          <p:cNvPr id="5" name="Footer Placeholder 4">
+            <a:extLst>
+              <a:ext uri="{FF2B5EF4-FFF2-40B4-BE49-F238E27FC236}">
+                <a16:creationId xmlns:a16="http://schemas.microsoft.com/office/drawing/2014/main" xmlns="" id="{B663D9A7-FBD3-DA6F-BFC0-5114588AEA56}"/>
+              </a:ext>
+            </a:extLst>
+          </p:cNvPr>
+          <p:cNvSpPr>
+            <a:spLocks noGrp="1"/>
+          </p:cNvSpPr>
+          <p:nvPr>
+            <p:ph type="ftr" sz="quarter" idx="11"/>
+          </p:nvPr>
+        </p:nvSpPr>
+        <p:spPr/>
+        <p:txBody>
+          <a:bodyPr/>
+          <a:lstStyle/>
+          <a:p>
+            <a:r>
+              <a:rPr lang="en-US"/>
+              <a:t>Software Engineering</a:t>
+            </a:r>
+            <a:endParaRPr lang="en-US" dirty="0"/>
+          </a:p>
+        </p:txBody>
+      </p:sp>
+      <p:sp>
+        <p:nvSpPr>
+          <p:cNvPr id="6" name="Slide Number Placeholder 5">
+            <a:extLst>
+              <a:ext uri="{FF2B5EF4-FFF2-40B4-BE49-F238E27FC236}">
+                <a16:creationId xmlns:a16="http://schemas.microsoft.com/office/drawing/2014/main" xmlns="" id="{C81F8D8F-FA09-49C8-869C-7C31B9A14318}"/>
+              </a:ext>
+            </a:extLst>
+          </p:cNvPr>
+          <p:cNvSpPr>
+            <a:spLocks noGrp="1"/>
+          </p:cNvSpPr>
+          <p:nvPr>
+            <p:ph type="sldNum" sz="quarter" idx="12"/>
+          </p:nvPr>
+        </p:nvSpPr>
+        <p:spPr/>
+        <p:txBody>
+          <a:bodyPr/>
+          <a:lstStyle/>
+          <a:p>
+            <a:fld id="{3A98EE3D-8CD1-4C3F-BD1C-C98C9596463C}" type="slidenum">
+              <a:rPr lang="en-US" smtClean="0"/>
+              <a:t>6</a:t>
+            </a:fld>
+            <a:endParaRPr lang="en-US" dirty="0"/>
+          </a:p>
+        </p:txBody>
+      </p:sp>
+      <p:pic>
+        <p:nvPicPr>
+          <p:cNvPr id="7" name="object 36">
+            <a:extLst>
+              <a:ext uri="{FF2B5EF4-FFF2-40B4-BE49-F238E27FC236}">
+                <a16:creationId xmlns:a16="http://schemas.microsoft.com/office/drawing/2014/main" xmlns="" id="{D08A56D9-F6F0-530F-024C-8008D52661DC}"/>
               </a:ext>
             </a:extLst>
           </p:cNvPr>
@@ -6138,201 +10027,426 @@
           </a:prstGeom>
         </p:spPr>
       </p:pic>
-    </p:spTree>
-    <p:extLst>
-      <p:ext uri="{BB962C8B-B14F-4D97-AF65-F5344CB8AC3E}">
-        <p14:creationId xmlns:p14="http://schemas.microsoft.com/office/powerpoint/2010/main" val="881377175"/>
-      </p:ext>
-    </p:extLst>
-  </p:cSld>
-  <p:clrMapOvr>
-    <a:masterClrMapping/>
-  </p:clrMapOvr>
-</p:sld>
-</file>
-
-<file path=ppt/slides/slide6.xml><?xml version="1.0" encoding="utf-8"?>
-<p:sld xmlns:a="http://schemas.openxmlformats.org/drawingml/2006/main" xmlns:r="http://schemas.openxmlformats.org/officeDocument/2006/relationships" xmlns:p="http://schemas.openxmlformats.org/presentationml/2006/main">
-  <p:cSld>
-    <p:spTree>
-      <p:nvGrpSpPr>
-        <p:cNvPr id="1" name=""/>
-        <p:cNvGrpSpPr/>
-        <p:nvPr/>
-      </p:nvGrpSpPr>
-      <p:grpSpPr>
-        <a:xfrm>
-          <a:off x="0" y="0"/>
-          <a:ext cx="0" cy="0"/>
-          <a:chOff x="0" y="0"/>
-          <a:chExt cx="0" cy="0"/>
-        </a:xfrm>
-      </p:grpSpPr>
-      <p:sp>
-        <p:nvSpPr>
-          <p:cNvPr id="2" name="Title 1">
+      <p:sp>
+        <p:nvSpPr>
+          <p:cNvPr id="10" name="Arrow: Notched Right 9">
             <a:extLst>
               <a:ext uri="{FF2B5EF4-FFF2-40B4-BE49-F238E27FC236}">
-                <a16:creationId xmlns:a16="http://schemas.microsoft.com/office/drawing/2014/main" id="{E6311A62-C2C6-32CE-7A4D-22521E140615}"/>
+                <a16:creationId xmlns:a16="http://schemas.microsoft.com/office/drawing/2014/main" xmlns="" id="{42F06746-2E24-4E52-DD12-A9A84164309D}"/>
               </a:ext>
             </a:extLst>
           </p:cNvPr>
-          <p:cNvSpPr>
-            <a:spLocks noGrp="1"/>
-          </p:cNvSpPr>
-          <p:nvPr>
-            <p:ph type="title"/>
-          </p:nvPr>
-        </p:nvSpPr>
-        <p:spPr/>
-        <p:txBody>
-          <a:bodyPr/>
-          <a:lstStyle/>
-          <a:p>
-            <a:endParaRPr lang="en-IN" dirty="0"/>
-          </a:p>
-        </p:txBody>
-      </p:sp>
-      <p:sp>
-        <p:nvSpPr>
-          <p:cNvPr id="3" name="Content Placeholder 2">
+          <p:cNvSpPr/>
+          <p:nvPr/>
+        </p:nvSpPr>
+        <p:spPr>
+          <a:xfrm>
+            <a:off x="581192" y="884901"/>
+            <a:ext cx="4511918" cy="1150375"/>
+          </a:xfrm>
+          <a:prstGeom prst="notchedRightArrow">
+            <a:avLst/>
+          </a:prstGeom>
+        </p:spPr>
+        <p:style>
+          <a:lnRef idx="1">
+            <a:schemeClr val="accent1"/>
+          </a:lnRef>
+          <a:fillRef idx="2">
+            <a:schemeClr val="accent1"/>
+          </a:fillRef>
+          <a:effectRef idx="1">
+            <a:schemeClr val="accent1"/>
+          </a:effectRef>
+          <a:fontRef idx="minor">
+            <a:schemeClr val="dk1"/>
+          </a:fontRef>
+        </p:style>
+        <p:txBody>
+          <a:bodyPr rtlCol="0" anchor="ctr"/>
+          <a:lstStyle/>
+          <a:p>
+            <a:pPr algn="ctr"/>
+            <a:r>
+              <a:rPr lang="en-IN" b="1" i="1" dirty="0">
+                <a:latin typeface="Times New Roman" panose="02020603050405020304" pitchFamily="18" charset="0"/>
+                <a:cs typeface="Times New Roman" panose="02020603050405020304" pitchFamily="18" charset="0"/>
+              </a:rPr>
+              <a:t>WHY CHOOSE OPEN AI’S GPT?</a:t>
+            </a:r>
+          </a:p>
+        </p:txBody>
+      </p:sp>
+      <p:sp>
+        <p:nvSpPr>
+          <p:cNvPr id="11" name="Rectangle: Rounded Corners 10">
             <a:extLst>
               <a:ext uri="{FF2B5EF4-FFF2-40B4-BE49-F238E27FC236}">
-                <a16:creationId xmlns:a16="http://schemas.microsoft.com/office/drawing/2014/main" id="{54458D15-7A4D-0DF4-8EE7-64CE36FBD0A7}"/>
+                <a16:creationId xmlns:a16="http://schemas.microsoft.com/office/drawing/2014/main" xmlns="" id="{9C3E76A4-4A12-B436-9416-E61A2C553F14}"/>
               </a:ext>
             </a:extLst>
           </p:cNvPr>
-          <p:cNvSpPr>
-            <a:spLocks noGrp="1"/>
-          </p:cNvSpPr>
-          <p:nvPr>
-            <p:ph idx="1"/>
-          </p:nvPr>
-        </p:nvSpPr>
-        <p:spPr/>
-        <p:txBody>
-          <a:bodyPr/>
-          <a:lstStyle/>
-          <a:p>
-            <a:endParaRPr lang="en-IN"/>
-          </a:p>
-        </p:txBody>
-      </p:sp>
-      <p:sp>
-        <p:nvSpPr>
-          <p:cNvPr id="4" name="Date Placeholder 3">
+          <p:cNvSpPr/>
+          <p:nvPr/>
+        </p:nvSpPr>
+        <p:spPr>
+          <a:xfrm>
+            <a:off x="1022554" y="2447498"/>
+            <a:ext cx="3559278" cy="914400"/>
+          </a:xfrm>
+          <a:prstGeom prst="roundRect">
+            <a:avLst/>
+          </a:prstGeom>
+        </p:spPr>
+        <p:style>
+          <a:lnRef idx="1">
+            <a:schemeClr val="dk1"/>
+          </a:lnRef>
+          <a:fillRef idx="2">
+            <a:schemeClr val="dk1"/>
+          </a:fillRef>
+          <a:effectRef idx="1">
+            <a:schemeClr val="dk1"/>
+          </a:effectRef>
+          <a:fontRef idx="minor">
+            <a:schemeClr val="dk1"/>
+          </a:fontRef>
+        </p:style>
+        <p:txBody>
+          <a:bodyPr rtlCol="0" anchor="ctr"/>
+          <a:lstStyle/>
+          <a:p>
+            <a:pPr algn="just"/>
+            <a:r>
+              <a:rPr lang="en-IN" sz="1600" dirty="0">
+                <a:solidFill>
+                  <a:schemeClr val="bg1"/>
+                </a:solidFill>
+                <a:latin typeface="Times New Roman" panose="02020603050405020304" pitchFamily="18" charset="0"/>
+                <a:cs typeface="Times New Roman" panose="02020603050405020304" pitchFamily="18" charset="0"/>
+              </a:rPr>
+              <a:t>Classical Methods-</a:t>
+            </a:r>
+          </a:p>
+          <a:p>
+            <a:pPr algn="just"/>
+            <a:r>
+              <a:rPr lang="en-IN" sz="1600" dirty="0">
+                <a:solidFill>
+                  <a:schemeClr val="bg1"/>
+                </a:solidFill>
+                <a:latin typeface="Times New Roman" panose="02020603050405020304" pitchFamily="18" charset="0"/>
+                <a:cs typeface="Times New Roman" panose="02020603050405020304" pitchFamily="18" charset="0"/>
+              </a:rPr>
+              <a:t>LSA(</a:t>
+            </a:r>
+            <a:r>
+              <a:rPr lang="en-IN" sz="1600" dirty="0">
+                <a:solidFill>
+                  <a:schemeClr val="bg1"/>
+                </a:solidFill>
+                <a:effectLst/>
+                <a:latin typeface="Times New Roman" panose="02020603050405020304" pitchFamily="18" charset="0"/>
+                <a:ea typeface="Times New Roman" panose="02020603050405020304" pitchFamily="18" charset="0"/>
+                <a:cs typeface="Times New Roman" panose="02020603050405020304" pitchFamily="18" charset="0"/>
+              </a:rPr>
+              <a:t>Latent Semantic Analysis ) and ESA(Explicit Semantic Analysis )</a:t>
+            </a:r>
+            <a:endParaRPr lang="en-IN" sz="1600" dirty="0">
+              <a:solidFill>
+                <a:schemeClr val="bg1"/>
+              </a:solidFill>
+              <a:latin typeface="Times New Roman" panose="02020603050405020304" pitchFamily="18" charset="0"/>
+              <a:cs typeface="Times New Roman" panose="02020603050405020304" pitchFamily="18" charset="0"/>
+            </a:endParaRPr>
+          </a:p>
+        </p:txBody>
+      </p:sp>
+      <p:sp>
+        <p:nvSpPr>
+          <p:cNvPr id="12" name="Rectangle: Rounded Corners 11">
             <a:extLst>
               <a:ext uri="{FF2B5EF4-FFF2-40B4-BE49-F238E27FC236}">
-                <a16:creationId xmlns:a16="http://schemas.microsoft.com/office/drawing/2014/main" id="{34A34AD2-A078-8B84-7685-63E633684552}"/>
+                <a16:creationId xmlns:a16="http://schemas.microsoft.com/office/drawing/2014/main" xmlns="" id="{9CB20146-7872-10D6-4F15-C7F192DEC86B}"/>
               </a:ext>
             </a:extLst>
           </p:cNvPr>
-          <p:cNvSpPr>
-            <a:spLocks noGrp="1"/>
-          </p:cNvSpPr>
-          <p:nvPr>
-            <p:ph type="dt" sz="half" idx="10"/>
-          </p:nvPr>
-        </p:nvSpPr>
-        <p:spPr/>
-        <p:txBody>
-          <a:bodyPr/>
-          <a:lstStyle/>
-          <a:p>
-            <a:r>
-              <a:rPr lang="en-US"/>
-              <a:t>3/22/2025</a:t>
-            </a:r>
-            <a:endParaRPr lang="en-US" dirty="0"/>
-          </a:p>
-        </p:txBody>
-      </p:sp>
-      <p:sp>
-        <p:nvSpPr>
-          <p:cNvPr id="5" name="Footer Placeholder 4">
+          <p:cNvSpPr/>
+          <p:nvPr/>
+        </p:nvSpPr>
+        <p:spPr>
+          <a:xfrm>
+            <a:off x="1022554" y="3746091"/>
+            <a:ext cx="3559278" cy="914400"/>
+          </a:xfrm>
+          <a:prstGeom prst="roundRect">
+            <a:avLst/>
+          </a:prstGeom>
+        </p:spPr>
+        <p:style>
+          <a:lnRef idx="1">
+            <a:schemeClr val="dk1"/>
+          </a:lnRef>
+          <a:fillRef idx="2">
+            <a:schemeClr val="dk1"/>
+          </a:fillRef>
+          <a:effectRef idx="1">
+            <a:schemeClr val="dk1"/>
+          </a:effectRef>
+          <a:fontRef idx="minor">
+            <a:schemeClr val="dk1"/>
+          </a:fontRef>
+        </p:style>
+        <p:txBody>
+          <a:bodyPr rtlCol="0" anchor="ctr"/>
+          <a:lstStyle/>
+          <a:p>
+            <a:pPr algn="just"/>
+            <a:r>
+              <a:rPr lang="en-IN" sz="1600" dirty="0">
+                <a:solidFill>
+                  <a:schemeClr val="bg1"/>
+                </a:solidFill>
+                <a:latin typeface="Times New Roman" panose="02020603050405020304" pitchFamily="18" charset="0"/>
+                <a:cs typeface="Times New Roman" panose="02020603050405020304" pitchFamily="18" charset="0"/>
+              </a:rPr>
+              <a:t>Distributed Methods-</a:t>
+            </a:r>
+          </a:p>
+          <a:p>
+            <a:pPr algn="just"/>
+            <a:r>
+              <a:rPr lang="en-IN" sz="1600" dirty="0">
+                <a:solidFill>
+                  <a:schemeClr val="bg1"/>
+                </a:solidFill>
+                <a:effectLst/>
+                <a:latin typeface="Times New Roman" panose="02020603050405020304" pitchFamily="18" charset="0"/>
+                <a:ea typeface="Times New Roman" panose="02020603050405020304" pitchFamily="18" charset="0"/>
+              </a:rPr>
+              <a:t>Word2Vec , </a:t>
+            </a:r>
+            <a:r>
+              <a:rPr lang="en-IN" sz="1600" dirty="0" err="1">
+                <a:solidFill>
+                  <a:schemeClr val="bg1"/>
+                </a:solidFill>
+                <a:effectLst/>
+                <a:latin typeface="Times New Roman" panose="02020603050405020304" pitchFamily="18" charset="0"/>
+                <a:ea typeface="Times New Roman" panose="02020603050405020304" pitchFamily="18" charset="0"/>
+              </a:rPr>
+              <a:t>GloVe</a:t>
+            </a:r>
+            <a:r>
+              <a:rPr lang="en-IN" sz="1600" dirty="0">
+                <a:solidFill>
+                  <a:schemeClr val="bg1"/>
+                </a:solidFill>
+                <a:effectLst/>
+                <a:latin typeface="Times New Roman" panose="02020603050405020304" pitchFamily="18" charset="0"/>
+                <a:ea typeface="Times New Roman" panose="02020603050405020304" pitchFamily="18" charset="0"/>
+              </a:rPr>
+              <a:t>.</a:t>
+            </a:r>
+            <a:endParaRPr lang="en-IN" sz="1600" dirty="0">
+              <a:solidFill>
+                <a:schemeClr val="bg1"/>
+              </a:solidFill>
+              <a:latin typeface="Times New Roman" panose="02020603050405020304" pitchFamily="18" charset="0"/>
+              <a:cs typeface="Times New Roman" panose="02020603050405020304" pitchFamily="18" charset="0"/>
+            </a:endParaRPr>
+          </a:p>
+        </p:txBody>
+      </p:sp>
+      <p:sp>
+        <p:nvSpPr>
+          <p:cNvPr id="13" name="Rectangle: Rounded Corners 12">
             <a:extLst>
               <a:ext uri="{FF2B5EF4-FFF2-40B4-BE49-F238E27FC236}">
-                <a16:creationId xmlns:a16="http://schemas.microsoft.com/office/drawing/2014/main" id="{B663D9A7-FBD3-DA6F-BFC0-5114588AEA56}"/>
+                <a16:creationId xmlns:a16="http://schemas.microsoft.com/office/drawing/2014/main" xmlns="" id="{97E0F6B4-B947-4054-07DB-70B3296A3E91}"/>
               </a:ext>
             </a:extLst>
           </p:cNvPr>
-          <p:cNvSpPr>
-            <a:spLocks noGrp="1"/>
-          </p:cNvSpPr>
-          <p:nvPr>
-            <p:ph type="ftr" sz="quarter" idx="11"/>
-          </p:nvPr>
-        </p:nvSpPr>
-        <p:spPr/>
-        <p:txBody>
-          <a:bodyPr/>
-          <a:lstStyle/>
-          <a:p>
-            <a:r>
-              <a:rPr lang="en-US"/>
-              <a:t>Software Engineering</a:t>
-            </a:r>
-            <a:endParaRPr lang="en-US" dirty="0"/>
-          </a:p>
-        </p:txBody>
-      </p:sp>
-      <p:sp>
-        <p:nvSpPr>
-          <p:cNvPr id="6" name="Slide Number Placeholder 5">
+          <p:cNvSpPr/>
+          <p:nvPr/>
+        </p:nvSpPr>
+        <p:spPr>
+          <a:xfrm>
+            <a:off x="1022554" y="5110572"/>
+            <a:ext cx="3559278" cy="914400"/>
+          </a:xfrm>
+          <a:prstGeom prst="roundRect">
+            <a:avLst/>
+          </a:prstGeom>
+        </p:spPr>
+        <p:style>
+          <a:lnRef idx="1">
+            <a:schemeClr val="dk1"/>
+          </a:lnRef>
+          <a:fillRef idx="2">
+            <a:schemeClr val="dk1"/>
+          </a:fillRef>
+          <a:effectRef idx="1">
+            <a:schemeClr val="dk1"/>
+          </a:effectRef>
+          <a:fontRef idx="minor">
+            <a:schemeClr val="dk1"/>
+          </a:fontRef>
+        </p:style>
+        <p:txBody>
+          <a:bodyPr rtlCol="0" anchor="ctr"/>
+          <a:lstStyle/>
+          <a:p>
+            <a:pPr algn="just"/>
+            <a:r>
+              <a:rPr lang="en-IN" sz="1600" dirty="0">
+                <a:solidFill>
+                  <a:schemeClr val="bg1"/>
+                </a:solidFill>
+                <a:latin typeface="Times New Roman" panose="02020603050405020304" pitchFamily="18" charset="0"/>
+                <a:cs typeface="Times New Roman" panose="02020603050405020304" pitchFamily="18" charset="0"/>
+              </a:rPr>
+              <a:t>Transformer-based Methods-</a:t>
+            </a:r>
+          </a:p>
+          <a:p>
+            <a:pPr algn="just"/>
+            <a:r>
+              <a:rPr lang="en-IN" sz="1600" dirty="0">
+                <a:solidFill>
+                  <a:schemeClr val="bg1"/>
+                </a:solidFill>
+                <a:latin typeface="Times New Roman" panose="02020603050405020304" pitchFamily="18" charset="0"/>
+                <a:cs typeface="Times New Roman" panose="02020603050405020304" pitchFamily="18" charset="0"/>
+              </a:rPr>
+              <a:t>BERT/S-BERT, </a:t>
+            </a:r>
+            <a:r>
+              <a:rPr lang="en-IN" sz="1600" dirty="0" err="1">
+                <a:solidFill>
+                  <a:schemeClr val="bg1"/>
+                </a:solidFill>
+                <a:latin typeface="Times New Roman" panose="02020603050405020304" pitchFamily="18" charset="0"/>
+                <a:cs typeface="Times New Roman" panose="02020603050405020304" pitchFamily="18" charset="0"/>
+              </a:rPr>
+              <a:t>RoBERTa</a:t>
+            </a:r>
+            <a:r>
+              <a:rPr lang="en-IN" sz="1600" dirty="0">
+                <a:solidFill>
+                  <a:schemeClr val="bg1"/>
+                </a:solidFill>
+                <a:latin typeface="Times New Roman" panose="02020603050405020304" pitchFamily="18" charset="0"/>
+                <a:cs typeface="Times New Roman" panose="02020603050405020304" pitchFamily="18" charset="0"/>
+              </a:rPr>
+              <a:t>, OpenAI GPT Model</a:t>
+            </a:r>
+          </a:p>
+        </p:txBody>
+      </p:sp>
+      <p:sp>
+        <p:nvSpPr>
+          <p:cNvPr id="14" name="Rectangle: Rounded Corners 13">
             <a:extLst>
               <a:ext uri="{FF2B5EF4-FFF2-40B4-BE49-F238E27FC236}">
-                <a16:creationId xmlns:a16="http://schemas.microsoft.com/office/drawing/2014/main" id="{C81F8D8F-FA09-49C8-869C-7C31B9A14318}"/>
+                <a16:creationId xmlns:a16="http://schemas.microsoft.com/office/drawing/2014/main" xmlns="" id="{A49A78C9-7A42-2FAC-F431-1AC205158C14}"/>
               </a:ext>
             </a:extLst>
           </p:cNvPr>
-          <p:cNvSpPr>
-            <a:spLocks noGrp="1"/>
-          </p:cNvSpPr>
-          <p:nvPr>
-            <p:ph type="sldNum" sz="quarter" idx="12"/>
-          </p:nvPr>
-        </p:nvSpPr>
-        <p:spPr/>
-        <p:txBody>
-          <a:bodyPr/>
-          <a:lstStyle/>
-          <a:p>
-            <a:fld id="{3A98EE3D-8CD1-4C3F-BD1C-C98C9596463C}" type="slidenum">
-              <a:rPr lang="en-US" smtClean="0"/>
-              <a:t>6</a:t>
-            </a:fld>
-            <a:endParaRPr lang="en-US" dirty="0"/>
-          </a:p>
-        </p:txBody>
-      </p:sp>
-      <p:pic>
-        <p:nvPicPr>
-          <p:cNvPr id="7" name="object 36">
-            <a:extLst>
-              <a:ext uri="{FF2B5EF4-FFF2-40B4-BE49-F238E27FC236}">
-                <a16:creationId xmlns:a16="http://schemas.microsoft.com/office/drawing/2014/main" id="{D08A56D9-F6F0-530F-024C-8008D52661DC}"/>
-              </a:ext>
-            </a:extLst>
-          </p:cNvPr>
-          <p:cNvPicPr/>
+          <p:cNvSpPr/>
           <p:nvPr/>
-        </p:nvPicPr>
-        <p:blipFill>
-          <a:blip r:embed="rId2" cstate="print"/>
-          <a:stretch>
-            <a:fillRect/>
-          </a:stretch>
-        </p:blipFill>
+        </p:nvSpPr>
         <p:spPr>
           <a:xfrm>
-            <a:off x="9740861" y="583739"/>
-            <a:ext cx="1869948" cy="613176"/>
+            <a:off x="6199239" y="2241755"/>
+            <a:ext cx="4753896" cy="4257367"/>
           </a:xfrm>
-          <a:prstGeom prst="rect">
+          <a:prstGeom prst="roundRect">
             <a:avLst/>
           </a:prstGeom>
         </p:spPr>
-      </p:pic>
+        <p:style>
+          <a:lnRef idx="1">
+            <a:schemeClr val="dk1"/>
+          </a:lnRef>
+          <a:fillRef idx="2">
+            <a:schemeClr val="dk1"/>
+          </a:fillRef>
+          <a:effectRef idx="1">
+            <a:schemeClr val="dk1"/>
+          </a:effectRef>
+          <a:fontRef idx="minor">
+            <a:schemeClr val="dk1"/>
+          </a:fontRef>
+        </p:style>
+        <p:txBody>
+          <a:bodyPr rtlCol="0" anchor="ctr"/>
+          <a:lstStyle/>
+          <a:p>
+            <a:pPr algn="ctr"/>
+            <a:r>
+              <a:rPr lang="en-IN" dirty="0">
+                <a:solidFill>
+                  <a:schemeClr val="bg1"/>
+                </a:solidFill>
+              </a:rPr>
+              <a:t>Open AI-GPT Model</a:t>
+            </a:r>
+          </a:p>
+          <a:p>
+            <a:pPr algn="ctr"/>
+            <a:endParaRPr lang="en-IN" dirty="0">
+              <a:solidFill>
+                <a:schemeClr val="bg1"/>
+              </a:solidFill>
+            </a:endParaRPr>
+          </a:p>
+          <a:p>
+            <a:pPr algn="ctr"/>
+            <a:endParaRPr lang="en-IN" dirty="0"/>
+          </a:p>
+          <a:p>
+            <a:pPr algn="ctr"/>
+            <a:endParaRPr lang="en-IN" dirty="0"/>
+          </a:p>
+          <a:p>
+            <a:pPr algn="ctr"/>
+            <a:endParaRPr lang="en-IN" dirty="0"/>
+          </a:p>
+          <a:p>
+            <a:pPr algn="ctr"/>
+            <a:endParaRPr lang="en-IN" dirty="0"/>
+          </a:p>
+          <a:p>
+            <a:pPr algn="ctr"/>
+            <a:endParaRPr lang="en-IN" dirty="0"/>
+          </a:p>
+          <a:p>
+            <a:pPr algn="ctr"/>
+            <a:endParaRPr lang="en-IN" dirty="0"/>
+          </a:p>
+          <a:p>
+            <a:pPr algn="ctr"/>
+            <a:endParaRPr lang="en-IN" dirty="0"/>
+          </a:p>
+          <a:p>
+            <a:pPr algn="ctr"/>
+            <a:endParaRPr lang="en-IN" dirty="0"/>
+          </a:p>
+          <a:p>
+            <a:pPr algn="ctr"/>
+            <a:endParaRPr lang="en-IN" dirty="0"/>
+          </a:p>
+          <a:p>
+            <a:pPr algn="ctr"/>
+            <a:endParaRPr lang="en-IN" dirty="0"/>
+          </a:p>
+          <a:p>
+            <a:pPr algn="ctr"/>
+            <a:endParaRPr lang="en-IN" dirty="0"/>
+          </a:p>
+        </p:txBody>
+      </p:sp>
     </p:spTree>
     <p:extLst>
       <p:ext uri="{BB962C8B-B14F-4D97-AF65-F5344CB8AC3E}">
@@ -6343,6 +10457,13 @@
   <p:clrMapOvr>
     <a:masterClrMapping/>
   </p:clrMapOvr>
+  <p:timing>
+    <p:tnLst>
+      <p:par>
+        <p:cTn id="1" dur="indefinite" restart="never" nodeType="tmRoot"/>
+      </p:par>
+    </p:tnLst>
+  </p:timing>
 </p:sld>
 </file>
 
@@ -6368,7 +10489,7 @@
           <p:cNvPr id="2" name="Title 1">
             <a:extLst>
               <a:ext uri="{FF2B5EF4-FFF2-40B4-BE49-F238E27FC236}">
-                <a16:creationId xmlns:a16="http://schemas.microsoft.com/office/drawing/2014/main" id="{435F2FAE-4318-8731-436E-99AE0C72B677}"/>
+                <a16:creationId xmlns:a16="http://schemas.microsoft.com/office/drawing/2014/main" xmlns="" id="{435F2FAE-4318-8731-436E-99AE0C72B677}"/>
               </a:ext>
             </a:extLst>
           </p:cNvPr>
@@ -6384,6 +10505,10 @@
           <a:bodyPr/>
           <a:lstStyle/>
           <a:p>
+            <a:r>
+              <a:rPr lang="en-IN" dirty="0" smtClean="0"/>
+              <a:t>HOW DID WE START IMPLEMENTING?</a:t>
+            </a:r>
             <a:endParaRPr lang="en-IN" dirty="0"/>
           </a:p>
         </p:txBody>
@@ -6393,7 +10518,7 @@
           <p:cNvPr id="3" name="Content Placeholder 2">
             <a:extLst>
               <a:ext uri="{FF2B5EF4-FFF2-40B4-BE49-F238E27FC236}">
-                <a16:creationId xmlns:a16="http://schemas.microsoft.com/office/drawing/2014/main" id="{FBDF475D-44BB-8865-9BE2-0B3426A2AECC}"/>
+                <a16:creationId xmlns:a16="http://schemas.microsoft.com/office/drawing/2014/main" xmlns="" id="{FBDF475D-44BB-8865-9BE2-0B3426A2AECC}"/>
               </a:ext>
             </a:extLst>
           </p:cNvPr>
@@ -6406,10 +10531,88 @@
         </p:nvSpPr>
         <p:spPr/>
         <p:txBody>
-          <a:bodyPr/>
-          <a:lstStyle/>
-          <a:p>
-            <a:endParaRPr lang="en-IN"/>
+          <a:bodyPr>
+            <a:normAutofit fontScale="92500" lnSpcReduction="10000"/>
+          </a:bodyPr>
+          <a:lstStyle/>
+          <a:p>
+            <a:r>
+              <a:rPr lang="en-US" b="1" dirty="0"/>
+              <a:t>Initial Research &amp; Dataset Preparation</a:t>
+            </a:r>
+          </a:p>
+          <a:p>
+            <a:r>
+              <a:rPr lang="en-US" b="1" dirty="0"/>
+              <a:t>Classification by Domains:</a:t>
+            </a:r>
+            <a:endParaRPr lang="en-US" dirty="0"/>
+          </a:p>
+          <a:p>
+            <a:pPr lvl="1"/>
+            <a:r>
+              <a:rPr lang="en-US" dirty="0"/>
+              <a:t>Words classified into domains for meaningful analysis (e.g., Electricity, Energy → Power Sector).</a:t>
+            </a:r>
+          </a:p>
+          <a:p>
+            <a:pPr lvl="1"/>
+            <a:r>
+              <a:rPr lang="en-US" dirty="0"/>
+              <a:t>Comparison intended to check if OpenAI Embedding captures contextual relevance.</a:t>
+            </a:r>
+          </a:p>
+          <a:p>
+            <a:r>
+              <a:rPr lang="en-US" b="1" dirty="0"/>
+              <a:t>Dataset Preparation:</a:t>
+            </a:r>
+            <a:endParaRPr lang="en-US" dirty="0"/>
+          </a:p>
+          <a:p>
+            <a:pPr lvl="1"/>
+            <a:r>
+              <a:rPr lang="en-US" dirty="0"/>
+              <a:t>50 to 60 words from various domains prepared for comparison.</a:t>
+            </a:r>
+          </a:p>
+          <a:p>
+            <a:pPr lvl="1"/>
+            <a:r>
+              <a:rPr lang="en-US" dirty="0"/>
+              <a:t>Editable JSON format for dynamic data modification by developers.</a:t>
+            </a:r>
+          </a:p>
+          <a:p>
+            <a:r>
+              <a:rPr lang="en-US" b="1" dirty="0" smtClean="0"/>
+              <a:t>Words </a:t>
+            </a:r>
+            <a:r>
+              <a:rPr lang="en-US" b="1" dirty="0"/>
+              <a:t>Comparison Analysis</a:t>
+            </a:r>
+          </a:p>
+          <a:p>
+            <a:r>
+              <a:rPr lang="en-US" b="1" dirty="0"/>
+              <a:t>Objective:</a:t>
+            </a:r>
+            <a:endParaRPr lang="en-US" dirty="0"/>
+          </a:p>
+          <a:p>
+            <a:pPr lvl="1"/>
+            <a:r>
+              <a:rPr lang="en-US" dirty="0"/>
+              <a:t>Compare words from similar and different domains to evaluate contextual relevance.</a:t>
+            </a:r>
+          </a:p>
+          <a:p>
+            <a:pPr lvl="1"/>
+            <a:r>
+              <a:rPr lang="en-US" dirty="0"/>
+              <a:t>Ensure comparison technique effectively identifies relatedness between words within domains.</a:t>
+            </a:r>
           </a:p>
         </p:txBody>
       </p:sp>
@@ -6418,7 +10621,7 @@
           <p:cNvPr id="4" name="Date Placeholder 3">
             <a:extLst>
               <a:ext uri="{FF2B5EF4-FFF2-40B4-BE49-F238E27FC236}">
-                <a16:creationId xmlns:a16="http://schemas.microsoft.com/office/drawing/2014/main" id="{7CF5AE7A-8774-EBF6-5593-20F674538A91}"/>
+                <a16:creationId xmlns:a16="http://schemas.microsoft.com/office/drawing/2014/main" xmlns="" id="{7CF5AE7A-8774-EBF6-5593-20F674538A91}"/>
               </a:ext>
             </a:extLst>
           </p:cNvPr>
@@ -6447,7 +10650,7 @@
           <p:cNvPr id="5" name="Footer Placeholder 4">
             <a:extLst>
               <a:ext uri="{FF2B5EF4-FFF2-40B4-BE49-F238E27FC236}">
-                <a16:creationId xmlns:a16="http://schemas.microsoft.com/office/drawing/2014/main" id="{AFAF775F-65A5-731E-9C2C-AE12BDCD50C2}"/>
+                <a16:creationId xmlns:a16="http://schemas.microsoft.com/office/drawing/2014/main" xmlns="" id="{AFAF775F-65A5-731E-9C2C-AE12BDCD50C2}"/>
               </a:ext>
             </a:extLst>
           </p:cNvPr>
@@ -6464,10 +10667,9 @@
           <a:lstStyle/>
           <a:p>
             <a:r>
-              <a:rPr lang="en-US"/>
+              <a:rPr lang="en-US" dirty="0"/>
               <a:t>Software Engineering</a:t>
             </a:r>
-            <a:endParaRPr lang="en-US" dirty="0"/>
           </a:p>
         </p:txBody>
       </p:sp>
@@ -6476,7 +10678,7 @@
           <p:cNvPr id="6" name="Slide Number Placeholder 5">
             <a:extLst>
               <a:ext uri="{FF2B5EF4-FFF2-40B4-BE49-F238E27FC236}">
-                <a16:creationId xmlns:a16="http://schemas.microsoft.com/office/drawing/2014/main" id="{61036DC0-C761-CC57-C767-23A75202A7DF}"/>
+                <a16:creationId xmlns:a16="http://schemas.microsoft.com/office/drawing/2014/main" xmlns="" id="{61036DC0-C761-CC57-C767-23A75202A7DF}"/>
               </a:ext>
             </a:extLst>
           </p:cNvPr>
@@ -6505,7 +10707,7 @@
           <p:cNvPr id="7" name="object 36">
             <a:extLst>
               <a:ext uri="{FF2B5EF4-FFF2-40B4-BE49-F238E27FC236}">
-                <a16:creationId xmlns:a16="http://schemas.microsoft.com/office/drawing/2014/main" id="{A3EAD820-CCC8-FA3F-1848-898EBDB7DD9A}"/>
+                <a16:creationId xmlns:a16="http://schemas.microsoft.com/office/drawing/2014/main" xmlns="" id="{A3EAD820-CCC8-FA3F-1848-898EBDB7DD9A}"/>
               </a:ext>
             </a:extLst>
           </p:cNvPr>
@@ -6538,6 +10740,13 @@
   <p:clrMapOvr>
     <a:masterClrMapping/>
   </p:clrMapOvr>
+  <p:timing>
+    <p:tnLst>
+      <p:par>
+        <p:cTn id="1" dur="indefinite" restart="never" nodeType="tmRoot"/>
+      </p:par>
+    </p:tnLst>
+  </p:timing>
 </p:sld>
 </file>
 
@@ -6563,7 +10772,7 @@
           <p:cNvPr id="2" name="Title 1">
             <a:extLst>
               <a:ext uri="{FF2B5EF4-FFF2-40B4-BE49-F238E27FC236}">
-                <a16:creationId xmlns:a16="http://schemas.microsoft.com/office/drawing/2014/main" id="{4AB9F4FA-3258-71AA-BFC4-C5B6F326851A}"/>
+                <a16:creationId xmlns:a16="http://schemas.microsoft.com/office/drawing/2014/main" xmlns="" id="{4AB9F4FA-3258-71AA-BFC4-C5B6F326851A}"/>
               </a:ext>
             </a:extLst>
           </p:cNvPr>
@@ -6579,6 +10788,13 @@
           <a:bodyPr/>
           <a:lstStyle/>
           <a:p>
+            <a:r>
+              <a:rPr lang="en-US" b="1" dirty="0"/>
+              <a:t>Document Comparison Analysis</a:t>
+            </a:r>
+            <a:br>
+              <a:rPr lang="en-US" b="1" dirty="0"/>
+            </a:br>
             <a:endParaRPr lang="en-IN" dirty="0"/>
           </a:p>
         </p:txBody>
@@ -6588,7 +10804,7 @@
           <p:cNvPr id="3" name="Content Placeholder 2">
             <a:extLst>
               <a:ext uri="{FF2B5EF4-FFF2-40B4-BE49-F238E27FC236}">
-                <a16:creationId xmlns:a16="http://schemas.microsoft.com/office/drawing/2014/main" id="{0EBB6E88-30F3-A9FB-1491-4B3CADB617A2}"/>
+                <a16:creationId xmlns:a16="http://schemas.microsoft.com/office/drawing/2014/main" xmlns="" id="{0EBB6E88-30F3-A9FB-1491-4B3CADB617A2}"/>
               </a:ext>
             </a:extLst>
           </p:cNvPr>
@@ -6601,10 +10817,123 @@
         </p:nvSpPr>
         <p:spPr/>
         <p:txBody>
-          <a:bodyPr/>
-          <a:lstStyle/>
-          <a:p>
-            <a:endParaRPr lang="en-IN"/>
+          <a:bodyPr>
+            <a:normAutofit fontScale="85000" lnSpcReduction="20000"/>
+          </a:bodyPr>
+          <a:lstStyle/>
+          <a:p>
+            <a:pPr marL="0" indent="0">
+              <a:buNone/>
+            </a:pPr>
+            <a:r>
+              <a:rPr lang="en-US" b="1" dirty="0" smtClean="0"/>
+              <a:t>Objective</a:t>
+            </a:r>
+            <a:r>
+              <a:rPr lang="en-US" b="1" dirty="0"/>
+              <a:t>:</a:t>
+            </a:r>
+            <a:endParaRPr lang="en-US" dirty="0"/>
+          </a:p>
+          <a:p>
+            <a:pPr lvl="1"/>
+            <a:r>
+              <a:rPr lang="en-US" dirty="0"/>
+              <a:t>Comparing documents to establish contextual relevance between them.</a:t>
+            </a:r>
+          </a:p>
+          <a:p>
+            <a:pPr lvl="1"/>
+            <a:r>
+              <a:rPr lang="en-US" dirty="0"/>
+              <a:t>Example Use Case:</a:t>
+            </a:r>
+          </a:p>
+          <a:p>
+            <a:pPr lvl="2"/>
+            <a:r>
+              <a:rPr lang="en-US" dirty="0"/>
+              <a:t>Source Document: JobRequirement.txt</a:t>
+            </a:r>
+          </a:p>
+          <a:p>
+            <a:pPr lvl="2"/>
+            <a:r>
+              <a:rPr lang="en-US" dirty="0"/>
+              <a:t>Target Documents: Job Profile A, Job Profile B</a:t>
+            </a:r>
+          </a:p>
+          <a:p>
+            <a:pPr marL="0" indent="0">
+              <a:buNone/>
+            </a:pPr>
+            <a:r>
+              <a:rPr lang="en-US" b="1" dirty="0"/>
+              <a:t>Dynamic Document Comparison:</a:t>
+            </a:r>
+            <a:endParaRPr lang="en-US" dirty="0"/>
+          </a:p>
+          <a:p>
+            <a:pPr lvl="1"/>
+            <a:r>
+              <a:rPr lang="en-US" dirty="0"/>
+              <a:t>Allows users to add documents via File Manager or custom UI integration.</a:t>
+            </a:r>
+          </a:p>
+          <a:p>
+            <a:pPr lvl="1"/>
+            <a:r>
+              <a:rPr lang="en-US" dirty="0"/>
+              <a:t>Application supports dynamic comparison for usability and research</a:t>
+            </a:r>
+            <a:r>
+              <a:rPr lang="en-US" dirty="0" smtClean="0"/>
+              <a:t>.</a:t>
+            </a:r>
+          </a:p>
+          <a:p>
+            <a:pPr lvl="1"/>
+            <a:endParaRPr lang="en-US" dirty="0"/>
+          </a:p>
+          <a:p>
+            <a:pPr marL="0" indent="0">
+              <a:buNone/>
+            </a:pPr>
+            <a:r>
+              <a:rPr lang="en-US" b="1" dirty="0"/>
+              <a:t>Threshold Management</a:t>
+            </a:r>
+          </a:p>
+          <a:p>
+            <a:pPr marL="0" indent="0">
+              <a:buNone/>
+            </a:pPr>
+            <a:r>
+              <a:rPr lang="en-US" b="1" dirty="0"/>
+              <a:t>Purpose:</a:t>
+            </a:r>
+            <a:endParaRPr lang="en-US" dirty="0"/>
+          </a:p>
+          <a:p>
+            <a:pPr lvl="1"/>
+            <a:r>
+              <a:rPr lang="en-US" dirty="0"/>
+              <a:t>Define a threshold for meaningful similarity measurement.</a:t>
+            </a:r>
+          </a:p>
+          <a:p>
+            <a:pPr lvl="1"/>
+            <a:r>
+              <a:rPr lang="en-US" dirty="0"/>
+              <a:t>Allow application admin to manage thresholds for different use cases.</a:t>
+            </a:r>
+          </a:p>
+          <a:p>
+            <a:pPr lvl="1"/>
+            <a:endParaRPr lang="en-US" dirty="0"/>
+          </a:p>
+          <a:p>
+            <a:endParaRPr lang="en-IN" dirty="0"/>
           </a:p>
         </p:txBody>
       </p:sp>
@@ -6613,7 +10942,7 @@
           <p:cNvPr id="4" name="Date Placeholder 3">
             <a:extLst>
               <a:ext uri="{FF2B5EF4-FFF2-40B4-BE49-F238E27FC236}">
-                <a16:creationId xmlns:a16="http://schemas.microsoft.com/office/drawing/2014/main" id="{F5458BE2-4091-6B25-C206-57DF197392BD}"/>
+                <a16:creationId xmlns:a16="http://schemas.microsoft.com/office/drawing/2014/main" xmlns="" id="{F5458BE2-4091-6B25-C206-57DF197392BD}"/>
               </a:ext>
             </a:extLst>
           </p:cNvPr>
@@ -6642,7 +10971,7 @@
           <p:cNvPr id="5" name="Footer Placeholder 4">
             <a:extLst>
               <a:ext uri="{FF2B5EF4-FFF2-40B4-BE49-F238E27FC236}">
-                <a16:creationId xmlns:a16="http://schemas.microsoft.com/office/drawing/2014/main" id="{687050F4-3735-0D62-71CE-A2973E144C23}"/>
+                <a16:creationId xmlns:a16="http://schemas.microsoft.com/office/drawing/2014/main" xmlns="" id="{687050F4-3735-0D62-71CE-A2973E144C23}"/>
               </a:ext>
             </a:extLst>
           </p:cNvPr>
@@ -6659,10 +10988,9 @@
           <a:lstStyle/>
           <a:p>
             <a:r>
-              <a:rPr lang="en-US"/>
+              <a:rPr lang="en-US" dirty="0"/>
               <a:t>Software Engineering</a:t>
             </a:r>
-            <a:endParaRPr lang="en-US" dirty="0"/>
           </a:p>
         </p:txBody>
       </p:sp>
@@ -6671,7 +10999,7 @@
           <p:cNvPr id="6" name="Slide Number Placeholder 5">
             <a:extLst>
               <a:ext uri="{FF2B5EF4-FFF2-40B4-BE49-F238E27FC236}">
-                <a16:creationId xmlns:a16="http://schemas.microsoft.com/office/drawing/2014/main" id="{E2F30AA2-1BDC-9612-25F5-5484EA47332D}"/>
+                <a16:creationId xmlns:a16="http://schemas.microsoft.com/office/drawing/2014/main" xmlns="" id="{E2F30AA2-1BDC-9612-25F5-5484EA47332D}"/>
               </a:ext>
             </a:extLst>
           </p:cNvPr>
@@ -6700,7 +11028,7 @@
           <p:cNvPr id="7" name="object 36">
             <a:extLst>
               <a:ext uri="{FF2B5EF4-FFF2-40B4-BE49-F238E27FC236}">
-                <a16:creationId xmlns:a16="http://schemas.microsoft.com/office/drawing/2014/main" id="{E9599073-DCB5-EEF7-CB00-99F6AC67CD77}"/>
+                <a16:creationId xmlns:a16="http://schemas.microsoft.com/office/drawing/2014/main" xmlns="" id="{E9599073-DCB5-EEF7-CB00-99F6AC67CD77}"/>
               </a:ext>
             </a:extLst>
           </p:cNvPr>
@@ -6733,6 +11061,13 @@
   <p:clrMapOvr>
     <a:masterClrMapping/>
   </p:clrMapOvr>
+  <p:timing>
+    <p:tnLst>
+      <p:par>
+        <p:cTn id="1" dur="indefinite" restart="never" nodeType="tmRoot"/>
+      </p:par>
+    </p:tnLst>
+  </p:timing>
 </p:sld>
 </file>
 
@@ -6758,7 +11093,7 @@
           <p:cNvPr id="2" name="Title 1">
             <a:extLst>
               <a:ext uri="{FF2B5EF4-FFF2-40B4-BE49-F238E27FC236}">
-                <a16:creationId xmlns:a16="http://schemas.microsoft.com/office/drawing/2014/main" id="{7F6A2648-93CE-BD7B-E01C-F141122B1356}"/>
+                <a16:creationId xmlns:a16="http://schemas.microsoft.com/office/drawing/2014/main" xmlns="" id="{7F6A2648-93CE-BD7B-E01C-F141122B1356}"/>
               </a:ext>
             </a:extLst>
           </p:cNvPr>
@@ -6774,6 +11109,13 @@
           <a:bodyPr/>
           <a:lstStyle/>
           <a:p>
+            <a:r>
+              <a:rPr lang="en-US" b="1" dirty="0"/>
+              <a:t>Embeddings &amp; Similarity Calculation</a:t>
+            </a:r>
+            <a:br>
+              <a:rPr lang="en-US" b="1" dirty="0"/>
+            </a:br>
             <a:endParaRPr lang="en-IN" dirty="0"/>
           </a:p>
         </p:txBody>
@@ -6783,7 +11125,7 @@
           <p:cNvPr id="3" name="Content Placeholder 2">
             <a:extLst>
               <a:ext uri="{FF2B5EF4-FFF2-40B4-BE49-F238E27FC236}">
-                <a16:creationId xmlns:a16="http://schemas.microsoft.com/office/drawing/2014/main" id="{82D36B1B-B36C-203C-974A-6A4FC1B14786}"/>
+                <a16:creationId xmlns:a16="http://schemas.microsoft.com/office/drawing/2014/main" xmlns="" id="{82D36B1B-B36C-203C-974A-6A4FC1B14786}"/>
               </a:ext>
             </a:extLst>
           </p:cNvPr>
@@ -6796,10 +11138,117 @@
         </p:nvSpPr>
         <p:spPr/>
         <p:txBody>
-          <a:bodyPr/>
-          <a:lstStyle/>
-          <a:p>
-            <a:endParaRPr lang="en-IN"/>
+          <a:bodyPr>
+            <a:normAutofit fontScale="92500" lnSpcReduction="20000"/>
+          </a:bodyPr>
+          <a:lstStyle/>
+          <a:p>
+            <a:r>
+              <a:rPr lang="en-US" b="1" dirty="0"/>
+              <a:t>Generating </a:t>
+            </a:r>
+            <a:r>
+              <a:rPr lang="en-US" b="1" dirty="0" smtClean="0"/>
+              <a:t>Embedding's:</a:t>
+            </a:r>
+            <a:endParaRPr lang="en-US" dirty="0"/>
+          </a:p>
+          <a:p>
+            <a:pPr lvl="1"/>
+            <a:r>
+              <a:rPr lang="en-US" dirty="0"/>
+              <a:t>Interface: CalculateEmbeddingAsync</a:t>
+            </a:r>
+          </a:p>
+          <a:p>
+            <a:pPr lvl="1"/>
+            <a:r>
+              <a:rPr lang="en-US" dirty="0"/>
+              <a:t>Purpose: Processes text inputs &amp; generates </a:t>
+            </a:r>
+            <a:r>
+              <a:rPr lang="en-US" dirty="0" smtClean="0"/>
+              <a:t>embeddings </a:t>
+            </a:r>
+            <a:r>
+              <a:rPr lang="en-US" dirty="0"/>
+              <a:t>using OpenAI </a:t>
+            </a:r>
+            <a:r>
+              <a:rPr lang="en-US" dirty="0" smtClean="0"/>
+              <a:t>Embeddings.</a:t>
+            </a:r>
+            <a:endParaRPr lang="en-US" dirty="0"/>
+          </a:p>
+          <a:p>
+            <a:pPr lvl="1"/>
+            <a:r>
+              <a:rPr lang="en-US" dirty="0"/>
+              <a:t>Method: GenerateEmbeddingsAsync() returns embeddings as collections of size 3052.</a:t>
+            </a:r>
+          </a:p>
+          <a:p>
+            <a:r>
+              <a:rPr lang="en-US" b="1" dirty="0"/>
+              <a:t>Embedding Analysis:</a:t>
+            </a:r>
+            <a:endParaRPr lang="en-US" dirty="0"/>
+          </a:p>
+          <a:p>
+            <a:pPr lvl="1"/>
+            <a:r>
+              <a:rPr lang="en-US" dirty="0"/>
+              <a:t>Custom Method: PrintScalarValues(float[] embedding) for debugging and visualization.</a:t>
+            </a:r>
+          </a:p>
+          <a:p>
+            <a:pPr lvl="1"/>
+            <a:r>
+              <a:rPr lang="en-US" dirty="0"/>
+              <a:t>Helps in understanding similarity score vs. scalar values.</a:t>
+            </a:r>
+          </a:p>
+          <a:p>
+            <a:r>
+              <a:rPr lang="en-US" b="1" dirty="0"/>
+              <a:t>Similarity Calculation:</a:t>
+            </a:r>
+            <a:endParaRPr lang="en-US" dirty="0"/>
+          </a:p>
+          <a:p>
+            <a:pPr lvl="1"/>
+            <a:r>
+              <a:rPr lang="en-US" dirty="0" smtClean="0"/>
+              <a:t>Calculate Similarity(float</a:t>
+            </a:r>
+            <a:r>
+              <a:rPr lang="en-US" dirty="0"/>
+              <a:t>[] embedding1, float[] embedding2)</a:t>
+            </a:r>
+          </a:p>
+          <a:p>
+            <a:pPr lvl="1"/>
+            <a:r>
+              <a:rPr lang="en-US" dirty="0"/>
+              <a:t>Uses Cosine Similarity Algorithm:</a:t>
+            </a:r>
+          </a:p>
+          <a:p>
+            <a:pPr lvl="2"/>
+            <a:r>
+              <a:rPr lang="en-US" dirty="0"/>
+              <a:t>1: Identical embeddings, 0: No similarity, -1: Complete dissimilarity.</a:t>
+            </a:r>
+          </a:p>
+          <a:p>
+            <a:pPr lvl="1"/>
+            <a:r>
+              <a:rPr lang="en-US" dirty="0"/>
+              <a:t>Formula: Cosine Similarity = Dot Product / (Magnitude1 * Magnitude2).</a:t>
+            </a:r>
+          </a:p>
+          <a:p>
+            <a:endParaRPr lang="en-IN" dirty="0"/>
           </a:p>
         </p:txBody>
       </p:sp>
@@ -6808,7 +11257,7 @@
           <p:cNvPr id="4" name="Date Placeholder 3">
             <a:extLst>
               <a:ext uri="{FF2B5EF4-FFF2-40B4-BE49-F238E27FC236}">
-                <a16:creationId xmlns:a16="http://schemas.microsoft.com/office/drawing/2014/main" id="{1191A514-3164-88B6-3599-F64FF4888C71}"/>
+                <a16:creationId xmlns:a16="http://schemas.microsoft.com/office/drawing/2014/main" xmlns="" id="{1191A514-3164-88B6-3599-F64FF4888C71}"/>
               </a:ext>
             </a:extLst>
           </p:cNvPr>
@@ -6825,10 +11274,9 @@
           <a:lstStyle/>
           <a:p>
             <a:r>
-              <a:rPr lang="en-US"/>
+              <a:rPr lang="en-US" dirty="0"/>
               <a:t>3/22/2025</a:t>
             </a:r>
-            <a:endParaRPr lang="en-US" dirty="0"/>
           </a:p>
         </p:txBody>
       </p:sp>
@@ -6837,7 +11285,7 @@
           <p:cNvPr id="5" name="Footer Placeholder 4">
             <a:extLst>
               <a:ext uri="{FF2B5EF4-FFF2-40B4-BE49-F238E27FC236}">
-                <a16:creationId xmlns:a16="http://schemas.microsoft.com/office/drawing/2014/main" id="{45498C87-BB2E-BA92-5659-850E9A94B899}"/>
+                <a16:creationId xmlns:a16="http://schemas.microsoft.com/office/drawing/2014/main" xmlns="" id="{45498C87-BB2E-BA92-5659-850E9A94B899}"/>
               </a:ext>
             </a:extLst>
           </p:cNvPr>
@@ -6854,10 +11302,9 @@
           <a:lstStyle/>
           <a:p>
             <a:r>
-              <a:rPr lang="en-US"/>
+              <a:rPr lang="en-US" dirty="0"/>
               <a:t>Software Engineering</a:t>
             </a:r>
-            <a:endParaRPr lang="en-US" dirty="0"/>
           </a:p>
         </p:txBody>
       </p:sp>
@@ -6866,7 +11313,7 @@
           <p:cNvPr id="6" name="Slide Number Placeholder 5">
             <a:extLst>
               <a:ext uri="{FF2B5EF4-FFF2-40B4-BE49-F238E27FC236}">
-                <a16:creationId xmlns:a16="http://schemas.microsoft.com/office/drawing/2014/main" id="{750AE21A-3BDE-240C-FF68-6D6623026BD8}"/>
+                <a16:creationId xmlns:a16="http://schemas.microsoft.com/office/drawing/2014/main" xmlns="" id="{750AE21A-3BDE-240C-FF68-6D6623026BD8}"/>
               </a:ext>
             </a:extLst>
           </p:cNvPr>
@@ -6895,7 +11342,7 @@
           <p:cNvPr id="7" name="object 36">
             <a:extLst>
               <a:ext uri="{FF2B5EF4-FFF2-40B4-BE49-F238E27FC236}">
-                <a16:creationId xmlns:a16="http://schemas.microsoft.com/office/drawing/2014/main" id="{D5A51CBC-B63F-CF5C-240E-9423A6D8292B}"/>
+                <a16:creationId xmlns:a16="http://schemas.microsoft.com/office/drawing/2014/main" xmlns="" id="{D5A51CBC-B63F-CF5C-240E-9423A6D8292B}"/>
               </a:ext>
             </a:extLst>
           </p:cNvPr>
@@ -6928,6 +11375,13 @@
   <p:clrMapOvr>
     <a:masterClrMapping/>
   </p:clrMapOvr>
+  <p:timing>
+    <p:tnLst>
+      <p:par>
+        <p:cTn id="1" dur="indefinite" restart="never" nodeType="tmRoot"/>
+      </p:par>
+    </p:tnLst>
+  </p:timing>
 </p:sld>
 </file>
 
@@ -6974,7 +11428,7 @@
     </a:clrScheme>
     <a:fontScheme name="Dividend">
       <a:majorFont>
-        <a:latin typeface="Franklin Gothic Demi" panose="020B0502020104020203"/>
+        <a:latin typeface="Franklin Gothic Demi"/>
         <a:ea typeface=""/>
         <a:cs typeface=""/>
         <a:font script="Grek" typeface="Corbel"/>
@@ -7011,7 +11465,7 @@
         <a:font script="Geor" typeface="Sylfaen"/>
       </a:majorFont>
       <a:minorFont>
-        <a:latin typeface="Franklin Gothic Book" panose="020B0502020104020203"/>
+        <a:latin typeface="Franklin Gothic Book"/>
         <a:ea typeface=""/>
         <a:cs typeface=""/>
         <a:font script="Grek" typeface="Corbel"/>
@@ -7194,7 +11648,7 @@
   <a:extraClrSchemeLst/>
   <a:extLst>
     <a:ext uri="{05A4C25C-085E-4340-85A3-A5531E510DB2}">
-      <thm15:themeFamily xmlns:thm15="http://schemas.microsoft.com/office/thememl/2012/main" name="DividendVTI" id="{97558BDE-0B66-457C-BB6F-7B1B22DAA9B8}" vid="{F53508A3-AC60-448A-AF37-934D5F1A0D5E}"/>
+      <thm15:themeFamily xmlns:thm15="http://schemas.microsoft.com/office/thememl/2012/main" xmlns="" name="DividendVTI" id="{97558BDE-0B66-457C-BB6F-7B1B22DAA9B8}" vid="{F53508A3-AC60-448A-AF37-934D5F1A0D5E}"/>
     </a:ext>
   </a:extLst>
 </a:theme>
@@ -7243,7 +11697,7 @@
     </a:clrScheme>
     <a:fontScheme name="Office">
       <a:majorFont>
-        <a:latin typeface="Calibri Light" panose="020F0302020204030204"/>
+        <a:latin typeface="Calibri Light"/>
         <a:ea typeface=""/>
         <a:cs typeface=""/>
         <a:font script="Jpan" typeface="游ゴシック Light"/>
@@ -7295,7 +11749,7 @@
         <a:font script="Tfng" typeface="Ebrima"/>
       </a:majorFont>
       <a:minorFont>
-        <a:latin typeface="Calibri" panose="020F0502020204030204"/>
+        <a:latin typeface="Calibri"/>
         <a:ea typeface=""/>
         <a:cs typeface=""/>
         <a:font script="Jpan" typeface="游ゴシック"/>
@@ -7489,31 +11943,13 @@
   <a:extraClrSchemeLst/>
   <a:extLst>
     <a:ext uri="{05A4C25C-085E-4340-85A3-A5531E510DB2}">
-      <thm15:themeFamily xmlns:thm15="http://schemas.microsoft.com/office/thememl/2012/main" name="Office Theme" id="{62F939B6-93AF-4DB8-9C6B-D6C7DFDC589F}" vid="{4A3C46E8-61CC-4603-A589-7422A47A8E4A}"/>
+      <thm15:themeFamily xmlns:thm15="http://schemas.microsoft.com/office/thememl/2012/main" xmlns="" name="Office Theme" id="{62F939B6-93AF-4DB8-9C6B-D6C7DFDC589F}" vid="{4A3C46E8-61CC-4603-A589-7422A47A8E4A}"/>
     </a:ext>
   </a:extLst>
 </a:theme>
 </file>
 
 <file path=customXml/item1.xml><?xml version="1.0" encoding="utf-8"?>
-<p:properties xmlns:p="http://schemas.microsoft.com/office/2006/metadata/properties" xmlns:xsi="http://www.w3.org/2001/XMLSchema-instance" xmlns:pc="http://schemas.microsoft.com/office/infopath/2007/PartnerControls">
-  <documentManagement>
-    <Status xmlns="71af3243-3dd4-4a8d-8c0d-dd76da1f02a5">Not started</Status>
-    <MediaServiceKeyPoints xmlns="71af3243-3dd4-4a8d-8c0d-dd76da1f02a5" xsi:nil="true"/>
-  </documentManagement>
-</p:properties>
-</file>
-
-<file path=customXml/item2.xml><?xml version="1.0" encoding="utf-8"?>
-<?mso-contentType ?>
-<FormTemplates xmlns="http://schemas.microsoft.com/sharepoint/v3/contenttype/forms">
-  <Display>DocumentLibraryForm</Display>
-  <Edit>DocumentLibraryForm</Edit>
-  <New>DocumentLibraryForm</New>
-</FormTemplates>
-</file>
-
-<file path=customXml/item3.xml><?xml version="1.0" encoding="utf-8"?>
 <ct:contentTypeSchema xmlns:ct="http://schemas.microsoft.com/office/2006/metadata/contentType" xmlns:ma="http://schemas.microsoft.com/office/2006/metadata/properties/metaAttributes" ct:_="" ma:_="" ma:contentTypeName="Document" ma:contentTypeID="0x01010079F111ED35F8CC479449609E8A0923A6" ma:contentTypeVersion="12" ma:contentTypeDescription="Create a new document." ma:contentTypeScope="" ma:versionID="a410dd7f93c95333ffa1b60ed6adedd1">
   <xsd:schema xmlns:xsd="http://www.w3.org/2001/XMLSchema" xmlns:xs="http://www.w3.org/2001/XMLSchema" xmlns:p="http://schemas.microsoft.com/office/2006/metadata/properties" xmlns:ns2="71af3243-3dd4-4a8d-8c0d-dd76da1f02a5" xmlns:ns3="16c05727-aa75-4e4a-9b5f-8a80a1165891" targetNamespace="http://schemas.microsoft.com/office/2006/metadata/properties" ma:root="true" ma:fieldsID="a936d9baba76aa3866493feff160faab" ns2:_="" ns3:_="">
     <xsd:import namespace="71af3243-3dd4-4a8d-8c0d-dd76da1f02a5"/>
@@ -7734,25 +12170,25 @@
 </ct:contentTypeSchema>
 </file>
 
-<file path=customXml/itemProps1.xml><?xml version="1.0" encoding="utf-8"?>
-<ds:datastoreItem xmlns:ds="http://schemas.openxmlformats.org/officeDocument/2006/customXml" ds:itemID="{8D289AE2-D2AE-49D1-AFAC-3A79F6794255}">
-  <ds:schemaRefs>
-    <ds:schemaRef ds:uri="http://schemas.microsoft.com/office/2006/metadata/properties"/>
-    <ds:schemaRef ds:uri="http://schemas.microsoft.com/office/infopath/2007/PartnerControls"/>
-    <ds:schemaRef ds:uri="71af3243-3dd4-4a8d-8c0d-dd76da1f02a5"/>
-  </ds:schemaRefs>
-</ds:datastoreItem>
+<file path=customXml/item2.xml><?xml version="1.0" encoding="utf-8"?>
+<p:properties xmlns:p="http://schemas.microsoft.com/office/2006/metadata/properties" xmlns:xsi="http://www.w3.org/2001/XMLSchema-instance" xmlns:pc="http://schemas.microsoft.com/office/infopath/2007/PartnerControls">
+  <documentManagement>
+    <Status xmlns="71af3243-3dd4-4a8d-8c0d-dd76da1f02a5">Not started</Status>
+    <MediaServiceKeyPoints xmlns="71af3243-3dd4-4a8d-8c0d-dd76da1f02a5" xsi:nil="true"/>
+  </documentManagement>
+</p:properties>
 </file>
 
-<file path=customXml/itemProps2.xml><?xml version="1.0" encoding="utf-8"?>
-<ds:datastoreItem xmlns:ds="http://schemas.openxmlformats.org/officeDocument/2006/customXml" ds:itemID="{927BD4C1-B6B1-4715-ABF9-E660A51A4EA0}">
-  <ds:schemaRefs>
-    <ds:schemaRef ds:uri="http://schemas.microsoft.com/sharepoint/v3/contenttype/forms"/>
-  </ds:schemaRefs>
-</ds:datastoreItem>
+<file path=customXml/item3.xml><?xml version="1.0" encoding="utf-8"?>
+<?mso-contentType ?>
+<FormTemplates xmlns="http://schemas.microsoft.com/sharepoint/v3/contenttype/forms">
+  <Display>DocumentLibraryForm</Display>
+  <Edit>DocumentLibraryForm</Edit>
+  <New>DocumentLibraryForm</New>
+</FormTemplates>
 </file>
 
-<file path=customXml/itemProps3.xml><?xml version="1.0" encoding="utf-8"?>
+<file path=customXml/itemProps1.xml><?xml version="1.0" encoding="utf-8"?>
 <ds:datastoreItem xmlns:ds="http://schemas.openxmlformats.org/officeDocument/2006/customXml" ds:itemID="{41E7CA09-9778-4414-AE97-8064B12DA30E}">
   <ds:schemaRefs>
     <ds:schemaRef ds:uri="http://schemas.microsoft.com/office/2006/metadata/contentType"/>
@@ -7769,4 +12205,29 @@
     <ds:schemaRef ds:uri="http://schemas.microsoft.com/internal/obd"/>
   </ds:schemaRefs>
 </ds:datastoreItem>
+</file>
+
+<file path=customXml/itemProps2.xml><?xml version="1.0" encoding="utf-8"?>
+<ds:datastoreItem xmlns:ds="http://schemas.openxmlformats.org/officeDocument/2006/customXml" ds:itemID="{8D289AE2-D2AE-49D1-AFAC-3A79F6794255}">
+  <ds:schemaRefs>
+    <ds:schemaRef ds:uri="http://purl.org/dc/terms/"/>
+    <ds:schemaRef ds:uri="http://schemas.openxmlformats.org/package/2006/metadata/core-properties"/>
+    <ds:schemaRef ds:uri="16c05727-aa75-4e4a-9b5f-8a80a1165891"/>
+    <ds:schemaRef ds:uri="http://schemas.microsoft.com/office/2006/documentManagement/types"/>
+    <ds:schemaRef ds:uri="http://schemas.microsoft.com/office/infopath/2007/PartnerControls"/>
+    <ds:schemaRef ds:uri="http://purl.org/dc/elements/1.1/"/>
+    <ds:schemaRef ds:uri="http://schemas.microsoft.com/office/2006/metadata/properties"/>
+    <ds:schemaRef ds:uri="71af3243-3dd4-4a8d-8c0d-dd76da1f02a5"/>
+    <ds:schemaRef ds:uri="http://www.w3.org/XML/1998/namespace"/>
+    <ds:schemaRef ds:uri="http://purl.org/dc/dcmitype/"/>
+  </ds:schemaRefs>
+</ds:datastoreItem>
+</file>
+
+<file path=customXml/itemProps3.xml><?xml version="1.0" encoding="utf-8"?>
+<ds:datastoreItem xmlns:ds="http://schemas.openxmlformats.org/officeDocument/2006/customXml" ds:itemID="{927BD4C1-B6B1-4715-ABF9-E660A51A4EA0}">
+  <ds:schemaRefs>
+    <ds:schemaRef ds:uri="http://schemas.microsoft.com/sharepoint/v3/contenttype/forms"/>
+  </ds:schemaRefs>
+</ds:datastoreItem>
 </file>
--- a/SemanticAnalysisTextualData/SemanticAnalysisTextualData/Documentation/SemanticAnalysisTextualData.pptx
+++ b/SemanticAnalysisTextualData/SemanticAnalysisTextualData/Documentation/SemanticAnalysisTextualData.pptx
@@ -5,15 +5,15 @@
     <p:sldMasterId id="2147483712" r:id="rId4"/>
   </p:sldMasterIdLst>
   <p:notesMasterIdLst>
-    <p:notesMasterId r:id="rId19"/>
+    <p:notesMasterId r:id="rId20"/>
   </p:notesMasterIdLst>
   <p:sldIdLst>
     <p:sldId id="257" r:id="rId5"/>
     <p:sldId id="258" r:id="rId6"/>
     <p:sldId id="259" r:id="rId7"/>
-    <p:sldId id="264" r:id="rId8"/>
-    <p:sldId id="260" r:id="rId9"/>
-    <p:sldId id="265" r:id="rId10"/>
+    <p:sldId id="271" r:id="rId8"/>
+    <p:sldId id="272" r:id="rId9"/>
+    <p:sldId id="273" r:id="rId10"/>
     <p:sldId id="266" r:id="rId11"/>
     <p:sldId id="261" r:id="rId12"/>
     <p:sldId id="262" r:id="rId13"/>
@@ -22,6 +22,7 @@
     <p:sldId id="268" r:id="rId16"/>
     <p:sldId id="269" r:id="rId17"/>
     <p:sldId id="270" r:id="rId18"/>
+    <p:sldId id="274" r:id="rId19"/>
   </p:sldIdLst>
   <p:sldSz cx="12192000" cy="6858000"/>
   <p:notesSz cx="6858000" cy="9144000"/>
@@ -122,7 +123,18 @@
   </p:defaultTextStyle>
   <p:extLst>
     <p:ext uri="{EFAFB233-063F-42B5-8137-9DF3F51BA10A}">
-      <p15:sldGuideLst xmlns:p15="http://schemas.microsoft.com/office/powerpoint/2012/main" xmlns=""/>
+      <p15:sldGuideLst xmlns:p15="http://schemas.microsoft.com/office/powerpoint/2012/main">
+        <p15:guide id="1" orient="horz" pos="2160">
+          <p15:clr>
+            <a:srgbClr val="A4A3A4"/>
+          </p15:clr>
+        </p15:guide>
+        <p15:guide id="2" pos="3840">
+          <p15:clr>
+            <a:srgbClr val="A4A3A4"/>
+          </p15:clr>
+        </p15:guide>
+      </p15:sldGuideLst>
     </p:ext>
   </p:extLst>
 </p:presentation>
@@ -782,7 +794,7 @@
           <p:cNvPr id="8" name="Date Placeholder 7">
             <a:extLst>
               <a:ext uri="{FF2B5EF4-FFF2-40B4-BE49-F238E27FC236}">
-                <a16:creationId xmlns:a16="http://schemas.microsoft.com/office/drawing/2014/main" xmlns="" id="{7FA0ACE7-29A8-47D3-A7D9-257B711D8023}"/>
+                <a16:creationId xmlns:a16="http://schemas.microsoft.com/office/drawing/2014/main" id="{7FA0ACE7-29A8-47D3-A7D9-257B711D8023}"/>
               </a:ext>
             </a:extLst>
           </p:cNvPr>
@@ -810,7 +822,7 @@
           <p:cNvPr id="9" name="Footer Placeholder 8">
             <a:extLst>
               <a:ext uri="{FF2B5EF4-FFF2-40B4-BE49-F238E27FC236}">
-                <a16:creationId xmlns:a16="http://schemas.microsoft.com/office/drawing/2014/main" xmlns="" id="{DEC604B9-52E9-4810-8359-47206518D038}"/>
+                <a16:creationId xmlns:a16="http://schemas.microsoft.com/office/drawing/2014/main" id="{DEC604B9-52E9-4810-8359-47206518D038}"/>
               </a:ext>
             </a:extLst>
           </p:cNvPr>
@@ -838,7 +850,7 @@
           <p:cNvPr id="10" name="Slide Number Placeholder 9">
             <a:extLst>
               <a:ext uri="{FF2B5EF4-FFF2-40B4-BE49-F238E27FC236}">
-                <a16:creationId xmlns:a16="http://schemas.microsoft.com/office/drawing/2014/main" xmlns="" id="{5898A89F-CA25-400F-B05A-AECBF2517E4F}"/>
+                <a16:creationId xmlns:a16="http://schemas.microsoft.com/office/drawing/2014/main" id="{5898A89F-CA25-400F-B05A-AECBF2517E4F}"/>
               </a:ext>
             </a:extLst>
           </p:cNvPr>
@@ -1222,7 +1234,7 @@
           <p:cNvPr id="8" name="Rectangle 7">
             <a:extLst>
               <a:ext uri="{FF2B5EF4-FFF2-40B4-BE49-F238E27FC236}">
-                <a16:creationId xmlns:a16="http://schemas.microsoft.com/office/drawing/2014/main" xmlns="" id="{F6423B97-A5D4-47B9-8861-73B3707A04CF}"/>
+                <a16:creationId xmlns:a16="http://schemas.microsoft.com/office/drawing/2014/main" id="{F6423B97-A5D4-47B9-8861-73B3707A04CF}"/>
               </a:ext>
             </a:extLst>
           </p:cNvPr>
@@ -1265,7 +1277,7 @@
           <p:cNvPr id="9" name="Rectangle 8">
             <a:extLst>
               <a:ext uri="{FF2B5EF4-FFF2-40B4-BE49-F238E27FC236}">
-                <a16:creationId xmlns:a16="http://schemas.microsoft.com/office/drawing/2014/main" xmlns="" id="{1AEC0421-37B4-4481-A10D-69FDF5EC7909}"/>
+                <a16:creationId xmlns:a16="http://schemas.microsoft.com/office/drawing/2014/main" id="{1AEC0421-37B4-4481-A10D-69FDF5EC7909}"/>
               </a:ext>
             </a:extLst>
           </p:cNvPr>
@@ -1308,7 +1320,7 @@
           <p:cNvPr id="10" name="Rectangle 9">
             <a:extLst>
               <a:ext uri="{FF2B5EF4-FFF2-40B4-BE49-F238E27FC236}">
-                <a16:creationId xmlns:a16="http://schemas.microsoft.com/office/drawing/2014/main" xmlns="" id="{5F7265B5-9F97-4F1E-99E9-74F7B7E62337}"/>
+                <a16:creationId xmlns:a16="http://schemas.microsoft.com/office/drawing/2014/main" id="{5F7265B5-9F97-4F1E-99E9-74F7B7E62337}"/>
               </a:ext>
             </a:extLst>
           </p:cNvPr>
@@ -1351,7 +1363,7 @@
           <p:cNvPr id="11" name="Date Placeholder 10">
             <a:extLst>
               <a:ext uri="{FF2B5EF4-FFF2-40B4-BE49-F238E27FC236}">
-                <a16:creationId xmlns:a16="http://schemas.microsoft.com/office/drawing/2014/main" xmlns="" id="{5C74A470-3BD3-4F33-80E5-67E6E87FCBE7}"/>
+                <a16:creationId xmlns:a16="http://schemas.microsoft.com/office/drawing/2014/main" id="{5C74A470-3BD3-4F33-80E5-67E6E87FCBE7}"/>
               </a:ext>
             </a:extLst>
           </p:cNvPr>
@@ -1379,7 +1391,7 @@
           <p:cNvPr id="12" name="Footer Placeholder 11">
             <a:extLst>
               <a:ext uri="{FF2B5EF4-FFF2-40B4-BE49-F238E27FC236}">
-                <a16:creationId xmlns:a16="http://schemas.microsoft.com/office/drawing/2014/main" xmlns="" id="{9A3A30BA-DB50-4D7D-BCDE-17D20FB354DF}"/>
+                <a16:creationId xmlns:a16="http://schemas.microsoft.com/office/drawing/2014/main" id="{9A3A30BA-DB50-4D7D-BCDE-17D20FB354DF}"/>
               </a:ext>
             </a:extLst>
           </p:cNvPr>
@@ -1407,7 +1419,7 @@
           <p:cNvPr id="13" name="Slide Number Placeholder 12">
             <a:extLst>
               <a:ext uri="{FF2B5EF4-FFF2-40B4-BE49-F238E27FC236}">
-                <a16:creationId xmlns:a16="http://schemas.microsoft.com/office/drawing/2014/main" xmlns="" id="{76FF9E58-C0B2-436B-A21C-DB45A00D6515}"/>
+                <a16:creationId xmlns:a16="http://schemas.microsoft.com/office/drawing/2014/main" id="{76FF9E58-C0B2-436B-A21C-DB45A00D6515}"/>
               </a:ext>
             </a:extLst>
           </p:cNvPr>
@@ -1551,7 +1563,7 @@
           <p:cNvPr id="8" name="Date Placeholder 7">
             <a:extLst>
               <a:ext uri="{FF2B5EF4-FFF2-40B4-BE49-F238E27FC236}">
-                <a16:creationId xmlns:a16="http://schemas.microsoft.com/office/drawing/2014/main" xmlns="" id="{770E6237-3456-439F-802D-3BA93FC7E3E5}"/>
+                <a16:creationId xmlns:a16="http://schemas.microsoft.com/office/drawing/2014/main" id="{770E6237-3456-439F-802D-3BA93FC7E3E5}"/>
               </a:ext>
             </a:extLst>
           </p:cNvPr>
@@ -1579,7 +1591,7 @@
           <p:cNvPr id="9" name="Footer Placeholder 8">
             <a:extLst>
               <a:ext uri="{FF2B5EF4-FFF2-40B4-BE49-F238E27FC236}">
-                <a16:creationId xmlns:a16="http://schemas.microsoft.com/office/drawing/2014/main" xmlns="" id="{1356D3B5-6063-4A89-B88F-9D3043916FF8}"/>
+                <a16:creationId xmlns:a16="http://schemas.microsoft.com/office/drawing/2014/main" id="{1356D3B5-6063-4A89-B88F-9D3043916FF8}"/>
               </a:ext>
             </a:extLst>
           </p:cNvPr>
@@ -1607,7 +1619,7 @@
           <p:cNvPr id="10" name="Slide Number Placeholder 9">
             <a:extLst>
               <a:ext uri="{FF2B5EF4-FFF2-40B4-BE49-F238E27FC236}">
-                <a16:creationId xmlns:a16="http://schemas.microsoft.com/office/drawing/2014/main" xmlns="" id="{02B78BF7-69D3-4CE0-A631-50EFD41EEEB8}"/>
+                <a16:creationId xmlns:a16="http://schemas.microsoft.com/office/drawing/2014/main" id="{02B78BF7-69D3-4CE0-A631-50EFD41EEEB8}"/>
               </a:ext>
             </a:extLst>
           </p:cNvPr>
@@ -1865,7 +1877,7 @@
           <p:cNvPr id="7" name="Date Placeholder 6">
             <a:extLst>
               <a:ext uri="{FF2B5EF4-FFF2-40B4-BE49-F238E27FC236}">
-                <a16:creationId xmlns:a16="http://schemas.microsoft.com/office/drawing/2014/main" xmlns="" id="{61582016-5696-4A93-887F-BBB3B9002FE5}"/>
+                <a16:creationId xmlns:a16="http://schemas.microsoft.com/office/drawing/2014/main" id="{61582016-5696-4A93-887F-BBB3B9002FE5}"/>
               </a:ext>
             </a:extLst>
           </p:cNvPr>
@@ -1893,7 +1905,7 @@
           <p:cNvPr id="9" name="Footer Placeholder 8">
             <a:extLst>
               <a:ext uri="{FF2B5EF4-FFF2-40B4-BE49-F238E27FC236}">
-                <a16:creationId xmlns:a16="http://schemas.microsoft.com/office/drawing/2014/main" xmlns="" id="{857CFCD5-1192-4E18-8A8F-29E153B44DA4}"/>
+                <a16:creationId xmlns:a16="http://schemas.microsoft.com/office/drawing/2014/main" id="{857CFCD5-1192-4E18-8A8F-29E153B44DA4}"/>
               </a:ext>
             </a:extLst>
           </p:cNvPr>
@@ -1921,7 +1933,7 @@
           <p:cNvPr id="10" name="Slide Number Placeholder 9">
             <a:extLst>
               <a:ext uri="{FF2B5EF4-FFF2-40B4-BE49-F238E27FC236}">
-                <a16:creationId xmlns:a16="http://schemas.microsoft.com/office/drawing/2014/main" xmlns="" id="{E39A109E-5018-4794-92B3-FD5E5BCD95E8}"/>
+                <a16:creationId xmlns:a16="http://schemas.microsoft.com/office/drawing/2014/main" id="{E39A109E-5018-4794-92B3-FD5E5BCD95E8}"/>
               </a:ext>
             </a:extLst>
           </p:cNvPr>
@@ -3140,7 +3152,7 @@
           <p:cNvPr id="8" name="Date Placeholder 7">
             <a:extLst>
               <a:ext uri="{FF2B5EF4-FFF2-40B4-BE49-F238E27FC236}">
-                <a16:creationId xmlns:a16="http://schemas.microsoft.com/office/drawing/2014/main" xmlns="" id="{0B919CC2-2A65-446F-B538-9E6249035445}"/>
+                <a16:creationId xmlns:a16="http://schemas.microsoft.com/office/drawing/2014/main" id="{0B919CC2-2A65-446F-B538-9E6249035445}"/>
               </a:ext>
             </a:extLst>
           </p:cNvPr>
@@ -3173,7 +3185,7 @@
           <p:cNvPr id="10" name="Footer Placeholder 9">
             <a:extLst>
               <a:ext uri="{FF2B5EF4-FFF2-40B4-BE49-F238E27FC236}">
-                <a16:creationId xmlns:a16="http://schemas.microsoft.com/office/drawing/2014/main" xmlns="" id="{B72412AE-119E-4982-8B24-63365EFCA796}"/>
+                <a16:creationId xmlns:a16="http://schemas.microsoft.com/office/drawing/2014/main" id="{B72412AE-119E-4982-8B24-63365EFCA796}"/>
               </a:ext>
             </a:extLst>
           </p:cNvPr>
@@ -3206,7 +3218,7 @@
           <p:cNvPr id="11" name="Slide Number Placeholder 10">
             <a:extLst>
               <a:ext uri="{FF2B5EF4-FFF2-40B4-BE49-F238E27FC236}">
-                <a16:creationId xmlns:a16="http://schemas.microsoft.com/office/drawing/2014/main" xmlns="" id="{7FC4BB19-6AD1-45CF-9F99-00B109890FAB}"/>
+                <a16:creationId xmlns:a16="http://schemas.microsoft.com/office/drawing/2014/main" id="{7FC4BB19-6AD1-45CF-9F99-00B109890FAB}"/>
               </a:ext>
             </a:extLst>
           </p:cNvPr>
@@ -4321,10 +4333,10 @@
           <p:cNvPr id="18" name="Rectangle 17">
             <a:extLst>
               <a:ext uri="{FF2B5EF4-FFF2-40B4-BE49-F238E27FC236}">
-                <a16:creationId xmlns:a16="http://schemas.microsoft.com/office/drawing/2014/main" xmlns="" id="{D6D7A0BC-0046-4CAA-8E7F-DCAFE511EA0E}"/>
+                <a16:creationId xmlns:a16="http://schemas.microsoft.com/office/drawing/2014/main" id="{D6D7A0BC-0046-4CAA-8E7F-DCAFE511EA0E}"/>
               </a:ext>
               <a:ext uri="{C183D7F6-B498-43B3-948B-1728B52AA6E4}">
-                <adec:decorative xmlns:adec="http://schemas.microsoft.com/office/drawing/2017/decorative" xmlns="" val="1"/>
+                <adec:decorative xmlns:adec="http://schemas.microsoft.com/office/drawing/2017/decorative" val="1"/>
               </a:ext>
             </a:extLst>
           </p:cNvPr>
@@ -4334,7 +4346,7 @@
           <p:nvPr>
             <p:extLst>
               <p:ext uri="{386F3935-93C4-4BCD-93E2-E3B085C9AB24}">
-                <p16:designElem xmlns:p16="http://schemas.microsoft.com/office/powerpoint/2015/main" xmlns="" val="1"/>
+                <p16:designElem xmlns:p16="http://schemas.microsoft.com/office/powerpoint/2015/main" val="1"/>
               </p:ext>
             </p:extLst>
           </p:nvPr>
@@ -4381,7 +4393,7 @@
           <p:cNvPr id="2" name="Title 1">
             <a:extLst>
               <a:ext uri="{FF2B5EF4-FFF2-40B4-BE49-F238E27FC236}">
-                <a16:creationId xmlns:a16="http://schemas.microsoft.com/office/drawing/2014/main" xmlns="" id="{1C21E816-31F5-48BB-BD02-D15F2F18B48A}"/>
+                <a16:creationId xmlns:a16="http://schemas.microsoft.com/office/drawing/2014/main" id="{1C21E816-31F5-48BB-BD02-D15F2F18B48A}"/>
               </a:ext>
             </a:extLst>
           </p:cNvPr>
@@ -4404,13 +4416,6 @@
           </a:bodyPr>
           <a:lstStyle/>
           <a:p>
-            <a:r>
-              <a:rPr lang="en-US" b="1" dirty="0">
-                <a:latin typeface="Times New Roman" panose="02020603050405020304" pitchFamily="18" charset="0"/>
-                <a:cs typeface="Times New Roman" panose="02020603050405020304" pitchFamily="18" charset="0"/>
-              </a:rPr>
-              <a:t/>
-            </a:r>
             <a:br>
               <a:rPr lang="en-US" b="1" dirty="0">
                 <a:latin typeface="Times New Roman" panose="02020603050405020304" pitchFamily="18" charset="0"/>
@@ -4432,7 +4437,7 @@
           <p:cNvPr id="3" name="Subtitle 2">
             <a:extLst>
               <a:ext uri="{FF2B5EF4-FFF2-40B4-BE49-F238E27FC236}">
-                <a16:creationId xmlns:a16="http://schemas.microsoft.com/office/drawing/2014/main" xmlns="" id="{835D6E6B-3353-491C-A3C6-F278D6CED8B3}"/>
+                <a16:creationId xmlns:a16="http://schemas.microsoft.com/office/drawing/2014/main" id="{835D6E6B-3353-491C-A3C6-F278D6CED8B3}"/>
               </a:ext>
             </a:extLst>
           </p:cNvPr>
@@ -4520,10 +4525,10 @@
           <p:cNvPr id="20" name="Rectangle 19">
             <a:extLst>
               <a:ext uri="{FF2B5EF4-FFF2-40B4-BE49-F238E27FC236}">
-                <a16:creationId xmlns:a16="http://schemas.microsoft.com/office/drawing/2014/main" xmlns="" id="{E7C6334F-6411-41EC-AD7D-179EDD8B58CB}"/>
+                <a16:creationId xmlns:a16="http://schemas.microsoft.com/office/drawing/2014/main" id="{E7C6334F-6411-41EC-AD7D-179EDD8B58CB}"/>
               </a:ext>
               <a:ext uri="{C183D7F6-B498-43B3-948B-1728B52AA6E4}">
-                <adec:decorative xmlns:adec="http://schemas.microsoft.com/office/drawing/2017/decorative" xmlns="" val="1"/>
+                <adec:decorative xmlns:adec="http://schemas.microsoft.com/office/drawing/2017/decorative" val="1"/>
               </a:ext>
             </a:extLst>
           </p:cNvPr>
@@ -4533,7 +4538,7 @@
           <p:nvPr>
             <p:extLst>
               <p:ext uri="{386F3935-93C4-4BCD-93E2-E3B085C9AB24}">
-                <p16:designElem xmlns:p16="http://schemas.microsoft.com/office/powerpoint/2015/main" xmlns="" val="1"/>
+                <p16:designElem xmlns:p16="http://schemas.microsoft.com/office/powerpoint/2015/main" val="1"/>
               </p:ext>
             </p:extLst>
           </p:nvPr>
@@ -4574,10 +4579,10 @@
           <p:cNvPr id="22" name="Rectangle 21">
             <a:extLst>
               <a:ext uri="{FF2B5EF4-FFF2-40B4-BE49-F238E27FC236}">
-                <a16:creationId xmlns:a16="http://schemas.microsoft.com/office/drawing/2014/main" xmlns="" id="{E6B02CEE-3AF8-4349-9B3E-8970E6DF62B3}"/>
+                <a16:creationId xmlns:a16="http://schemas.microsoft.com/office/drawing/2014/main" id="{E6B02CEE-3AF8-4349-9B3E-8970E6DF62B3}"/>
               </a:ext>
               <a:ext uri="{C183D7F6-B498-43B3-948B-1728B52AA6E4}">
-                <adec:decorative xmlns:adec="http://schemas.microsoft.com/office/drawing/2017/decorative" xmlns="" val="1"/>
+                <adec:decorative xmlns:adec="http://schemas.microsoft.com/office/drawing/2017/decorative" val="1"/>
               </a:ext>
             </a:extLst>
           </p:cNvPr>
@@ -4587,7 +4592,7 @@
           <p:nvPr>
             <p:extLst>
               <p:ext uri="{386F3935-93C4-4BCD-93E2-E3B085C9AB24}">
-                <p16:designElem xmlns:p16="http://schemas.microsoft.com/office/powerpoint/2015/main" xmlns="" val="1"/>
+                <p16:designElem xmlns:p16="http://schemas.microsoft.com/office/powerpoint/2015/main" val="1"/>
               </p:ext>
             </p:extLst>
           </p:nvPr>
@@ -4628,10 +4633,10 @@
           <p:cNvPr id="24" name="Rectangle 23">
             <a:extLst>
               <a:ext uri="{FF2B5EF4-FFF2-40B4-BE49-F238E27FC236}">
-                <a16:creationId xmlns:a16="http://schemas.microsoft.com/office/drawing/2014/main" xmlns="" id="{AAA01CF0-3FB5-44EB-B7DE-F2E86374C2FB}"/>
+                <a16:creationId xmlns:a16="http://schemas.microsoft.com/office/drawing/2014/main" id="{AAA01CF0-3FB5-44EB-B7DE-F2E86374C2FB}"/>
               </a:ext>
               <a:ext uri="{C183D7F6-B498-43B3-948B-1728B52AA6E4}">
-                <adec:decorative xmlns:adec="http://schemas.microsoft.com/office/drawing/2017/decorative" xmlns="" val="1"/>
+                <adec:decorative xmlns:adec="http://schemas.microsoft.com/office/drawing/2017/decorative" val="1"/>
               </a:ext>
             </a:extLst>
           </p:cNvPr>
@@ -4641,7 +4646,7 @@
           <p:nvPr>
             <p:extLst>
               <p:ext uri="{386F3935-93C4-4BCD-93E2-E3B085C9AB24}">
-                <p16:designElem xmlns:p16="http://schemas.microsoft.com/office/powerpoint/2015/main" xmlns="" val="1"/>
+                <p16:designElem xmlns:p16="http://schemas.microsoft.com/office/powerpoint/2015/main" val="1"/>
               </p:ext>
             </p:extLst>
           </p:nvPr>
@@ -4682,7 +4687,7 @@
           <p:cNvPr id="6" name="Picture 5" descr="abstract image">
             <a:extLst>
               <a:ext uri="{FF2B5EF4-FFF2-40B4-BE49-F238E27FC236}">
-                <a16:creationId xmlns:a16="http://schemas.microsoft.com/office/drawing/2014/main" xmlns="" id="{F1A8C364-94D4-4630-BAD0-78722F347055}"/>
+                <a16:creationId xmlns:a16="http://schemas.microsoft.com/office/drawing/2014/main" id="{F1A8C364-94D4-4630-BAD0-78722F347055}"/>
               </a:ext>
             </a:extLst>
           </p:cNvPr>
@@ -4717,7 +4722,7 @@
           <p:cNvPr id="7" name="TextBox 6">
             <a:extLst>
               <a:ext uri="{FF2B5EF4-FFF2-40B4-BE49-F238E27FC236}">
-                <a16:creationId xmlns:a16="http://schemas.microsoft.com/office/drawing/2014/main" xmlns="" id="{56DC74AF-9BA3-C0B8-40E4-7EA42EFEFC2C}"/>
+                <a16:creationId xmlns:a16="http://schemas.microsoft.com/office/drawing/2014/main" id="{56DC74AF-9BA3-C0B8-40E4-7EA42EFEFC2C}"/>
               </a:ext>
             </a:extLst>
           </p:cNvPr>
@@ -4803,7 +4808,7 @@
           <p:cNvPr id="10" name="Date Placeholder 9">
             <a:extLst>
               <a:ext uri="{FF2B5EF4-FFF2-40B4-BE49-F238E27FC236}">
-                <a16:creationId xmlns:a16="http://schemas.microsoft.com/office/drawing/2014/main" xmlns="" id="{44204809-7C99-0296-FD62-43E631617571}"/>
+                <a16:creationId xmlns:a16="http://schemas.microsoft.com/office/drawing/2014/main" id="{44204809-7C99-0296-FD62-43E631617571}"/>
               </a:ext>
             </a:extLst>
           </p:cNvPr>
@@ -4831,7 +4836,7 @@
           <p:cNvPr id="11" name="Footer Placeholder 10">
             <a:extLst>
               <a:ext uri="{FF2B5EF4-FFF2-40B4-BE49-F238E27FC236}">
-                <a16:creationId xmlns:a16="http://schemas.microsoft.com/office/drawing/2014/main" xmlns="" id="{5ECA8BD7-B877-F88A-3743-33335B0E21F4}"/>
+                <a16:creationId xmlns:a16="http://schemas.microsoft.com/office/drawing/2014/main" id="{5ECA8BD7-B877-F88A-3743-33335B0E21F4}"/>
               </a:ext>
             </a:extLst>
           </p:cNvPr>
@@ -4860,7 +4865,7 @@
           <p:cNvPr id="12" name="Slide Number Placeholder 11">
             <a:extLst>
               <a:ext uri="{FF2B5EF4-FFF2-40B4-BE49-F238E27FC236}">
-                <a16:creationId xmlns:a16="http://schemas.microsoft.com/office/drawing/2014/main" xmlns="" id="{AD445850-2032-2AAA-181B-660F93C51227}"/>
+                <a16:creationId xmlns:a16="http://schemas.microsoft.com/office/drawing/2014/main" id="{AD445850-2032-2AAA-181B-660F93C51227}"/>
               </a:ext>
             </a:extLst>
           </p:cNvPr>
@@ -4889,7 +4894,7 @@
           <p:cNvPr id="13" name="object 36">
             <a:extLst>
               <a:ext uri="{FF2B5EF4-FFF2-40B4-BE49-F238E27FC236}">
-                <a16:creationId xmlns:a16="http://schemas.microsoft.com/office/drawing/2014/main" xmlns="" id="{B139A576-E33C-B39D-02D8-BA5C89CA09BB}"/>
+                <a16:creationId xmlns:a16="http://schemas.microsoft.com/office/drawing/2014/main" id="{B139A576-E33C-B39D-02D8-BA5C89CA09BB}"/>
               </a:ext>
             </a:extLst>
           </p:cNvPr>
@@ -4922,13 +4927,6 @@
   <p:clrMapOvr>
     <a:masterClrMapping/>
   </p:clrMapOvr>
-  <p:timing>
-    <p:tnLst>
-      <p:par>
-        <p:cTn id="1" dur="indefinite" restart="never" nodeType="tmRoot"/>
-      </p:par>
-    </p:tnLst>
-  </p:timing>
 </p:sld>
 </file>
 
@@ -4954,7 +4952,7 @@
           <p:cNvPr id="2" name="Title 1">
             <a:extLst>
               <a:ext uri="{FF2B5EF4-FFF2-40B4-BE49-F238E27FC236}">
-                <a16:creationId xmlns:a16="http://schemas.microsoft.com/office/drawing/2014/main" xmlns="" id="{E03BA68E-2359-B0B1-BB3E-22BAE9C1316C}"/>
+                <a16:creationId xmlns:a16="http://schemas.microsoft.com/office/drawing/2014/main" id="{E03BA68E-2359-B0B1-BB3E-22BAE9C1316C}"/>
               </a:ext>
             </a:extLst>
           </p:cNvPr>
@@ -4986,7 +4984,7 @@
           <p:cNvPr id="3" name="Content Placeholder 2">
             <a:extLst>
               <a:ext uri="{FF2B5EF4-FFF2-40B4-BE49-F238E27FC236}">
-                <a16:creationId xmlns:a16="http://schemas.microsoft.com/office/drawing/2014/main" xmlns="" id="{A58537CC-FC3A-E5DC-8DAC-14DB4981F53F}"/>
+                <a16:creationId xmlns:a16="http://schemas.microsoft.com/office/drawing/2014/main" id="{A58537CC-FC3A-E5DC-8DAC-14DB4981F53F}"/>
               </a:ext>
             </a:extLst>
           </p:cNvPr>
@@ -5008,12 +5006,8 @@
               <a:buNone/>
             </a:pPr>
             <a:r>
-              <a:rPr lang="en-US" sz="1100" b="1" dirty="0" smtClean="0"/>
-              <a:t>Purpose</a:t>
-            </a:r>
-            <a:r>
               <a:rPr lang="en-US" sz="1100" b="1" dirty="0"/>
-              <a:t>:</a:t>
+              <a:t>Purpose:</a:t>
             </a:r>
             <a:endParaRPr lang="en-US" sz="1100" dirty="0"/>
           </a:p>
@@ -5157,7 +5151,7 @@
           <p:cNvPr id="4" name="Date Placeholder 3">
             <a:extLst>
               <a:ext uri="{FF2B5EF4-FFF2-40B4-BE49-F238E27FC236}">
-                <a16:creationId xmlns:a16="http://schemas.microsoft.com/office/drawing/2014/main" xmlns="" id="{33E909F9-DA59-FD45-B1EB-45783CA97968}"/>
+                <a16:creationId xmlns:a16="http://schemas.microsoft.com/office/drawing/2014/main" id="{33E909F9-DA59-FD45-B1EB-45783CA97968}"/>
               </a:ext>
             </a:extLst>
           </p:cNvPr>
@@ -5185,7 +5179,7 @@
           <p:cNvPr id="5" name="Footer Placeholder 4">
             <a:extLst>
               <a:ext uri="{FF2B5EF4-FFF2-40B4-BE49-F238E27FC236}">
-                <a16:creationId xmlns:a16="http://schemas.microsoft.com/office/drawing/2014/main" xmlns="" id="{86A71CE6-0AEF-7BFE-E34C-B75805996A72}"/>
+                <a16:creationId xmlns:a16="http://schemas.microsoft.com/office/drawing/2014/main" id="{86A71CE6-0AEF-7BFE-E34C-B75805996A72}"/>
               </a:ext>
             </a:extLst>
           </p:cNvPr>
@@ -5213,7 +5207,7 @@
           <p:cNvPr id="6" name="Slide Number Placeholder 5">
             <a:extLst>
               <a:ext uri="{FF2B5EF4-FFF2-40B4-BE49-F238E27FC236}">
-                <a16:creationId xmlns:a16="http://schemas.microsoft.com/office/drawing/2014/main" xmlns="" id="{82FB8329-FA0D-DB96-7E65-D7DDCBAC8940}"/>
+                <a16:creationId xmlns:a16="http://schemas.microsoft.com/office/drawing/2014/main" id="{82FB8329-FA0D-DB96-7E65-D7DDCBAC8940}"/>
               </a:ext>
             </a:extLst>
           </p:cNvPr>
@@ -5242,7 +5236,7 @@
           <p:cNvPr id="7" name="object 36">
             <a:extLst>
               <a:ext uri="{FF2B5EF4-FFF2-40B4-BE49-F238E27FC236}">
-                <a16:creationId xmlns:a16="http://schemas.microsoft.com/office/drawing/2014/main" xmlns="" id="{0775318E-9527-6236-D96E-BEBD4972B842}"/>
+                <a16:creationId xmlns:a16="http://schemas.microsoft.com/office/drawing/2014/main" id="{0775318E-9527-6236-D96E-BEBD4972B842}"/>
               </a:ext>
             </a:extLst>
           </p:cNvPr>
@@ -5270,7 +5264,7 @@
           <p:cNvPr id="8" name="Content Placeholder 2">
             <a:extLst>
               <a:ext uri="{FF2B5EF4-FFF2-40B4-BE49-F238E27FC236}">
-                <a16:creationId xmlns:a16="http://schemas.microsoft.com/office/drawing/2014/main" xmlns="" id="{A58537CC-FC3A-E5DC-8DAC-14DB4981F53F}"/>
+                <a16:creationId xmlns:a16="http://schemas.microsoft.com/office/drawing/2014/main" id="{A58537CC-FC3A-E5DC-8DAC-14DB4981F53F}"/>
               </a:ext>
             </a:extLst>
           </p:cNvPr>
@@ -5609,13 +5603,6 @@
   <p:clrMapOvr>
     <a:masterClrMapping/>
   </p:clrMapOvr>
-  <p:timing>
-    <p:tnLst>
-      <p:par>
-        <p:cTn id="1" dur="indefinite" restart="never" nodeType="tmRoot"/>
-      </p:par>
-    </p:tnLst>
-  </p:timing>
 </p:sld>
 </file>
 
@@ -5655,7 +5642,6 @@
               <a:rPr lang="en-US" b="1" dirty="0"/>
               <a:t>Test Cases &amp; Code Coverage</a:t>
             </a:r>
-            <a:endParaRPr lang="en-US" b="1" dirty="0"/>
           </a:p>
         </p:txBody>
       </p:sp>
@@ -5682,12 +5668,8 @@
           <a:lstStyle/>
           <a:p>
             <a:r>
-              <a:rPr lang="en-US" b="1" dirty="0" smtClean="0"/>
-              <a:t>Purpose</a:t>
-            </a:r>
-            <a:r>
               <a:rPr lang="en-US" b="1" dirty="0"/>
-              <a:t>:</a:t>
+              <a:t>Purpose:</a:t>
             </a:r>
             <a:endParaRPr lang="en-US" dirty="0"/>
           </a:p>
@@ -5730,13 +5712,8 @@
             <a:pPr lvl="1"/>
             <a:r>
               <a:rPr lang="en-US" dirty="0"/>
-              <a:t>Test classes created for each service based on business functionalities</a:t>
-            </a:r>
-            <a:r>
-              <a:rPr lang="en-US" dirty="0" smtClean="0"/>
-              <a:t>.</a:t>
-            </a:r>
-            <a:endParaRPr lang="en-US" dirty="0"/>
+              <a:t>Test classes created for each service based on business functionalities.</a:t>
+            </a:r>
           </a:p>
           <a:p>
             <a:r>
@@ -5801,7 +5778,7 @@
           <a:lstStyle/>
           <a:p>
             <a:r>
-              <a:rPr lang="en-US" smtClean="0"/>
+              <a:rPr lang="en-US"/>
               <a:t>3/22/2025</a:t>
             </a:r>
             <a:endParaRPr lang="en-US" dirty="0"/>
@@ -5824,7 +5801,7 @@
           <a:lstStyle/>
           <a:p>
             <a:r>
-              <a:rPr lang="en-US" smtClean="0"/>
+              <a:rPr lang="en-US"/>
               <a:t>Software Engineering</a:t>
             </a:r>
             <a:endParaRPr lang="en-US" dirty="0"/>
@@ -6838,29 +6815,7 @@
                   </a:schemeClr>
                 </a:solidFill>
               </a:rPr>
-              <a:t>: Verifies saving of </a:t>
-            </a:r>
-            <a:r>
-              <a:rPr lang="en-US" sz="1000" dirty="0" smtClean="0">
-                <a:solidFill>
-                  <a:schemeClr val="tx1">
-                    <a:lumMod val="75000"/>
-                    <a:lumOff val="25000"/>
-                  </a:schemeClr>
-                </a:solidFill>
-              </a:rPr>
-              <a:t>Phrase Similarity </a:t>
-            </a:r>
-            <a:r>
-              <a:rPr lang="en-US" sz="1000" dirty="0">
-                <a:solidFill>
-                  <a:schemeClr val="tx1">
-                    <a:lumMod val="75000"/>
-                    <a:lumOff val="25000"/>
-                  </a:schemeClr>
-                </a:solidFill>
-              </a:rPr>
-              <a:t>objects using CsvHelperUtilTest.</a:t>
+              <a:t>: Verifies saving of Phrase Similarity objects using CsvHelperUtilTest.</a:t>
             </a:r>
           </a:p>
           <a:p>
@@ -7008,7 +6963,7 @@
               <a:buSzPct val="92000"/>
             </a:pPr>
             <a:r>
-              <a:rPr lang="en-US" sz="1200" dirty="0" smtClean="0">
+              <a:rPr lang="en-US" sz="1200" dirty="0">
                 <a:solidFill>
                   <a:schemeClr val="tx1">
                     <a:lumMod val="75000"/>
@@ -7018,14 +6973,6 @@
               </a:rPr>
               <a:t>Test Case Results</a:t>
             </a:r>
-            <a:endParaRPr lang="en-US" sz="1200" dirty="0">
-              <a:solidFill>
-                <a:schemeClr val="tx1">
-                  <a:lumMod val="75000"/>
-                  <a:lumOff val="25000"/>
-                </a:schemeClr>
-              </a:solidFill>
-            </a:endParaRPr>
           </a:p>
         </p:txBody>
       </p:sp>
@@ -7039,13 +6986,6 @@
   <p:clrMapOvr>
     <a:masterClrMapping/>
   </p:clrMapOvr>
-  <p:timing>
-    <p:tnLst>
-      <p:par>
-        <p:cTn id="1" dur="indefinite" restart="never" nodeType="tmRoot"/>
-      </p:par>
-    </p:tnLst>
-  </p:timing>
 </p:sld>
 </file>
 
@@ -7082,10 +7022,9 @@
           <a:lstStyle/>
           <a:p>
             <a:r>
-              <a:rPr lang="en-US" dirty="0" smtClean="0"/>
+              <a:rPr lang="en-US" dirty="0"/>
               <a:t>Results and Visualization</a:t>
             </a:r>
-            <a:endParaRPr lang="en-US" dirty="0"/>
           </a:p>
         </p:txBody>
       </p:sp>
@@ -7114,72 +7053,27 @@
             <a:pPr marL="0" indent="0">
               <a:buNone/>
             </a:pPr>
-            <a:endParaRPr lang="en-US" sz="1200" dirty="0" smtClean="0"/>
-          </a:p>
-          <a:p>
-            <a:r>
-              <a:rPr lang="en-US" sz="1200" b="1" dirty="0" smtClean="0"/>
+            <a:endParaRPr lang="en-US" sz="1200" dirty="0"/>
+          </a:p>
+          <a:p>
+            <a:r>
+              <a:rPr lang="en-US" sz="1200" b="1" dirty="0"/>
               <a:t>Phrase Comparison Output  CSV Path </a:t>
             </a:r>
             <a:r>
               <a:rPr lang="en-US" sz="1200" dirty="0"/>
-              <a:t>- </a:t>
-            </a:r>
-            <a:r>
-              <a:rPr lang="en-US" sz="1200" dirty="0" smtClean="0"/>
-              <a:t>bin\Release\net9.0\data\output_datasetphrases.csv</a:t>
-            </a:r>
-          </a:p>
-          <a:p>
-            <a:r>
-              <a:rPr lang="en-US" sz="1200" b="1" dirty="0" smtClean="0"/>
+              <a:t>- bin\Release\net9.0\data\output_datasetphrases.csv</a:t>
+            </a:r>
+          </a:p>
+          <a:p>
+            <a:r>
+              <a:rPr lang="en-US" sz="1200" b="1" dirty="0"/>
               <a:t>Document Comparison Output CSV Path </a:t>
             </a:r>
             <a:r>
               <a:rPr lang="en-US" sz="1200" dirty="0"/>
-              <a:t>- </a:t>
-            </a:r>
-            <a:r>
-              <a:rPr lang="en-US" sz="1200" dirty="0" smtClean="0"/>
-              <a:t>bin\Release\net9.0\data\output_dataset.csv</a:t>
-            </a:r>
-          </a:p>
-          <a:p>
-            <a:pPr marL="0" indent="0">
-              <a:buNone/>
-            </a:pPr>
-            <a:endParaRPr lang="en-US" sz="1200" dirty="0" smtClean="0"/>
-          </a:p>
-          <a:p>
-            <a:pPr marL="0" indent="0">
-              <a:buNone/>
-            </a:pPr>
-            <a:r>
-              <a:rPr lang="en-US" sz="1200" b="1" dirty="0" smtClean="0"/>
-              <a:t>Phrase Comparison Results</a:t>
-            </a:r>
-            <a:r>
-              <a:rPr lang="en-US" sz="1200" dirty="0" smtClean="0"/>
-              <a:t>:</a:t>
-            </a:r>
-          </a:p>
-          <a:p>
-            <a:pPr marL="0" indent="0">
-              <a:buNone/>
-            </a:pPr>
-            <a:r>
-              <a:rPr lang="en-US" sz="1200" dirty="0">
-                <a:hlinkClick r:id="rId2"/>
-              </a:rPr>
-              <a:t>https://</a:t>
-            </a:r>
-            <a:r>
-              <a:rPr lang="en-US" sz="1200" dirty="0" smtClean="0">
-                <a:hlinkClick r:id="rId2"/>
-              </a:rPr>
-              <a:t>senthilmasters2024.github.io/Tech_Tweakers/PhrasesSimilarityClassficationByDomainsPlots.html</a:t>
-            </a:r>
-            <a:endParaRPr lang="en-US" sz="1200" dirty="0" smtClean="0"/>
+              <a:t>- bin\Release\net9.0\data\output_dataset.csv</a:t>
+            </a:r>
           </a:p>
           <a:p>
             <a:pPr marL="0" indent="0">
@@ -7192,8 +7086,12 @@
               <a:buNone/>
             </a:pPr>
             <a:r>
-              <a:rPr lang="en-US" sz="1200" b="1" dirty="0" smtClean="0"/>
-              <a:t>Document Comparison Results:</a:t>
+              <a:rPr lang="en-US" sz="1200" b="1" dirty="0"/>
+              <a:t>Phrase Comparison Results</a:t>
+            </a:r>
+            <a:r>
+              <a:rPr lang="en-US" sz="1200" dirty="0"/>
+              <a:t>:</a:t>
             </a:r>
           </a:p>
           <a:p>
@@ -7202,17 +7100,11 @@
             </a:pPr>
             <a:r>
               <a:rPr lang="en-US" sz="1200" dirty="0">
-                <a:hlinkClick r:id="rId3"/>
+                <a:hlinkClick r:id="rId2"/>
               </a:rPr>
-              <a:t>https://</a:t>
-            </a:r>
-            <a:r>
-              <a:rPr lang="en-US" sz="1200" dirty="0" smtClean="0">
-                <a:hlinkClick r:id="rId3"/>
-              </a:rPr>
-              <a:t>senthilmasters2024.github.io/Tech_Tweakers/SemanticSimilarityLatestPlot.html</a:t>
-            </a:r>
-            <a:endParaRPr lang="en-US" sz="1200" dirty="0" smtClean="0"/>
+              <a:t>https://senthilmasters2024.github.io/Tech_Tweakers/PhrasesSimilarityClassficationByDomainsPlots.html</a:t>
+            </a:r>
+            <a:endParaRPr lang="en-US" sz="1200" dirty="0"/>
           </a:p>
           <a:p>
             <a:pPr marL="0" indent="0">
@@ -7225,8 +7117,8 @@
               <a:buNone/>
             </a:pPr>
             <a:r>
-              <a:rPr lang="en-US" sz="1200" b="1" dirty="0" smtClean="0"/>
-              <a:t>Scalar Values of Embedding vs. Similarity Score:</a:t>
+              <a:rPr lang="en-US" sz="1200" b="1" dirty="0"/>
+              <a:t>Document Comparison Results:</a:t>
             </a:r>
           </a:p>
           <a:p>
@@ -7234,24 +7126,12 @@
               <a:buNone/>
             </a:pPr>
             <a:r>
-              <a:rPr lang="en-US" sz="1200" dirty="0" smtClean="0">
-                <a:hlinkClick r:id="rId4"/>
+              <a:rPr lang="en-US" sz="1200" dirty="0">
+                <a:hlinkClick r:id="rId3"/>
               </a:rPr>
-              <a:t>https</a:t>
-            </a:r>
-            <a:r>
-              <a:rPr lang="en-US" sz="1200" dirty="0">
-                <a:hlinkClick r:id="rId4"/>
-              </a:rPr>
-              <a:t>://</a:t>
-            </a:r>
-            <a:r>
-              <a:rPr lang="en-US" sz="1200" dirty="0" smtClean="0">
-                <a:hlinkClick r:id="rId4"/>
-              </a:rPr>
-              <a:t>senthilmasters2024.github.io/Tech_Tweakers/ScalarValuesVsSimilarityScorePlotForOneComparsion.html</a:t>
-            </a:r>
-            <a:endParaRPr lang="en-US" sz="1200" dirty="0" smtClean="0"/>
+              <a:t>https://senthilmasters2024.github.io/Tech_Tweakers/SemanticSimilarityLatestPlot.html</a:t>
+            </a:r>
+            <a:endParaRPr lang="en-US" sz="1200" dirty="0"/>
           </a:p>
           <a:p>
             <a:pPr marL="0" indent="0">
@@ -7260,8 +7140,35 @@
             <a:endParaRPr lang="en-US" sz="1200" dirty="0"/>
           </a:p>
           <a:p>
+            <a:pPr marL="0" indent="0">
+              <a:buNone/>
+            </a:pPr>
+            <a:r>
+              <a:rPr lang="en-US" sz="1200" b="1" dirty="0"/>
+              <a:t>Scalar Values of Embedding vs. Similarity Score:</a:t>
+            </a:r>
+          </a:p>
+          <a:p>
+            <a:pPr marL="0" indent="0">
+              <a:buNone/>
+            </a:pPr>
+            <a:r>
+              <a:rPr lang="en-US" sz="1200" dirty="0">
+                <a:hlinkClick r:id="rId4"/>
+              </a:rPr>
+              <a:t>https://senthilmasters2024.github.io/Tech_Tweakers/ScalarValuesVsSimilarityScorePlotForOneComparsion.html</a:t>
+            </a:r>
             <a:endParaRPr lang="en-US" sz="1200" dirty="0"/>
           </a:p>
+          <a:p>
+            <a:pPr marL="0" indent="0">
+              <a:buNone/>
+            </a:pPr>
+            <a:endParaRPr lang="en-US" sz="1200" dirty="0"/>
+          </a:p>
+          <a:p>
+            <a:endParaRPr lang="en-US" sz="1200" dirty="0"/>
+          </a:p>
         </p:txBody>
       </p:sp>
       <p:sp>
@@ -7280,10 +7187,9 @@
           <a:lstStyle/>
           <a:p>
             <a:r>
-              <a:rPr lang="en-US" dirty="0" smtClean="0"/>
+              <a:rPr lang="en-US" dirty="0"/>
               <a:t>3/22/2025</a:t>
             </a:r>
-            <a:endParaRPr lang="en-US" dirty="0"/>
           </a:p>
         </p:txBody>
       </p:sp>
@@ -7308,10 +7214,9 @@
           <a:lstStyle/>
           <a:p>
             <a:r>
-              <a:rPr lang="en-US" dirty="0" smtClean="0"/>
+              <a:rPr lang="en-US" dirty="0"/>
               <a:t>Software Engineering</a:t>
             </a:r>
-            <a:endParaRPr lang="en-US" dirty="0"/>
           </a:p>
         </p:txBody>
       </p:sp>
@@ -7576,38 +7481,8 @@
                   </a:schemeClr>
                 </a:solidFill>
               </a:rPr>
-              <a:t>Scalar </a:t>
-            </a:r>
-            <a:r>
-              <a:rPr lang="en-US" sz="1200" dirty="0" smtClean="0">
-                <a:solidFill>
-                  <a:schemeClr val="tx1">
-                    <a:lumMod val="75000"/>
-                    <a:lumOff val="25000"/>
-                  </a:schemeClr>
-                </a:solidFill>
-              </a:rPr>
-              <a:t>vs. </a:t>
-            </a:r>
-            <a:r>
-              <a:rPr lang="en-US" sz="1200" dirty="0">
-                <a:solidFill>
-                  <a:schemeClr val="tx1">
-                    <a:lumMod val="75000"/>
-                    <a:lumOff val="25000"/>
-                  </a:schemeClr>
-                </a:solidFill>
-              </a:rPr>
-              <a:t>Similarity Score</a:t>
-            </a:r>
-            <a:endParaRPr lang="en-US" sz="1200" dirty="0">
-              <a:solidFill>
-                <a:schemeClr val="tx1">
-                  <a:lumMod val="75000"/>
-                  <a:lumOff val="25000"/>
-                </a:schemeClr>
-              </a:solidFill>
-            </a:endParaRPr>
+              <a:t>Scalar vs. Similarity Score</a:t>
+            </a:r>
           </a:p>
         </p:txBody>
       </p:sp>
@@ -7649,7 +7524,7 @@
               <a:buSzPct val="92000"/>
             </a:pPr>
             <a:r>
-              <a:rPr lang="en-US" sz="1200" dirty="0" smtClean="0">
+              <a:rPr lang="en-US" sz="1200" dirty="0">
                 <a:solidFill>
                   <a:schemeClr val="tx1">
                     <a:lumMod val="75000"/>
@@ -7659,14 +7534,6 @@
               </a:rPr>
               <a:t>No of Documents Compared vs. Similarity Score</a:t>
             </a:r>
-            <a:endParaRPr lang="en-US" sz="1200" dirty="0">
-              <a:solidFill>
-                <a:schemeClr val="tx1">
-                  <a:lumMod val="75000"/>
-                  <a:lumOff val="25000"/>
-                </a:schemeClr>
-              </a:solidFill>
-            </a:endParaRPr>
           </a:p>
         </p:txBody>
       </p:sp>
@@ -7708,7 +7575,7 @@
               <a:buSzPct val="92000"/>
             </a:pPr>
             <a:r>
-              <a:rPr lang="en-US" sz="1200" dirty="0" smtClean="0">
+              <a:rPr lang="en-US" sz="1200" dirty="0">
                 <a:solidFill>
                   <a:schemeClr val="tx1">
                     <a:lumMod val="75000"/>
@@ -7718,14 +7585,6 @@
               </a:rPr>
               <a:t>Phrases Compared vs. Similarity Score</a:t>
             </a:r>
-            <a:endParaRPr lang="en-US" sz="1200" dirty="0">
-              <a:solidFill>
-                <a:schemeClr val="tx1">
-                  <a:lumMod val="75000"/>
-                  <a:lumOff val="25000"/>
-                </a:schemeClr>
-              </a:solidFill>
-            </a:endParaRPr>
           </a:p>
         </p:txBody>
       </p:sp>
@@ -7739,13 +7598,6 @@
   <p:clrMapOvr>
     <a:masterClrMapping/>
   </p:clrMapOvr>
-  <p:timing>
-    <p:tnLst>
-      <p:par>
-        <p:cTn id="1" dur="indefinite" restart="never" nodeType="tmRoot"/>
-      </p:par>
-    </p:tnLst>
-  </p:timing>
 </p:sld>
 </file>
 
@@ -7810,12 +7662,8 @@
           <a:lstStyle/>
           <a:p>
             <a:r>
-              <a:rPr lang="en-US" b="1" dirty="0" smtClean="0"/>
-              <a:t>Limitations</a:t>
-            </a:r>
-            <a:r>
               <a:rPr lang="en-US" b="1" dirty="0"/>
-              <a:t>:</a:t>
+              <a:t>Limitations:</a:t>
             </a:r>
             <a:endParaRPr lang="en-US" dirty="0"/>
           </a:p>
@@ -7919,7 +7767,7 @@
           <a:lstStyle/>
           <a:p>
             <a:r>
-              <a:rPr lang="en-US" smtClean="0"/>
+              <a:rPr lang="en-US"/>
               <a:t>3/22/2025</a:t>
             </a:r>
             <a:endParaRPr lang="en-US" dirty="0"/>
@@ -7942,7 +7790,7 @@
           <a:lstStyle/>
           <a:p>
             <a:r>
-              <a:rPr lang="en-US" smtClean="0"/>
+              <a:rPr lang="en-US"/>
               <a:t>Software Engineering</a:t>
             </a:r>
             <a:endParaRPr lang="en-US" dirty="0"/>
@@ -7982,13 +7830,6 @@
   <p:clrMapOvr>
     <a:masterClrMapping/>
   </p:clrMapOvr>
-  <p:timing>
-    <p:tnLst>
-      <p:par>
-        <p:cTn id="1" dur="indefinite" restart="never" nodeType="tmRoot"/>
-      </p:par>
-    </p:tnLst>
-  </p:timing>
 </p:sld>
 </file>
 
@@ -8028,10 +7869,6 @@
               <a:rPr lang="en-US" b="1" dirty="0"/>
               <a:t>Conclusion:</a:t>
             </a:r>
-            <a:r>
-              <a:rPr lang="en-US" dirty="0"/>
-              <a:t/>
-            </a:r>
             <a:br>
               <a:rPr lang="en-US" dirty="0"/>
             </a:br>
@@ -8056,19 +7893,15 @@
           <a:p>
             <a:pPr lvl="1"/>
             <a:r>
-              <a:rPr lang="en-US" dirty="0" smtClean="0"/>
+              <a:rPr lang="en-US" dirty="0"/>
               <a:t>Bridging the gap between theoretical concepts and real-world applications.</a:t>
             </a:r>
           </a:p>
           <a:p>
             <a:pPr lvl="1"/>
             <a:r>
-              <a:rPr lang="en-US" dirty="0" smtClean="0"/>
-              <a:t>Visualizations </a:t>
-            </a:r>
-            <a:r>
               <a:rPr lang="en-US" dirty="0"/>
-              <a:t>demonstrate contextual alignment of texts and similarity scores.</a:t>
+              <a:t>Visualizations demonstrate contextual alignment of texts and similarity scores.</a:t>
             </a:r>
           </a:p>
           <a:p>
@@ -8112,10 +7945,17 @@
               <a:rPr lang="en-US" dirty="0"/>
               <a:t>Contribution to NLP applications and potential for future research.</a:t>
             </a:r>
-          </a:p>
-          <a:p>
+            <a:br>
+              <a:rPr lang="en-US" dirty="0"/>
+            </a:br>
+            <a:br>
+              <a:rPr lang="en-US" dirty="0"/>
+            </a:br>
             <a:endParaRPr lang="en-US" dirty="0"/>
           </a:p>
+          <a:p>
+            <a:endParaRPr lang="en-US" dirty="0"/>
+          </a:p>
         </p:txBody>
       </p:sp>
       <p:sp>
@@ -8134,7 +7974,7 @@
           <a:lstStyle/>
           <a:p>
             <a:r>
-              <a:rPr lang="en-US" smtClean="0"/>
+              <a:rPr lang="en-US"/>
               <a:t>3/22/2025</a:t>
             </a:r>
             <a:endParaRPr lang="en-US" dirty="0"/>
@@ -8157,7 +7997,7 @@
           <a:lstStyle/>
           <a:p>
             <a:r>
-              <a:rPr lang="en-US" smtClean="0"/>
+              <a:rPr lang="en-US"/>
               <a:t>Software Engineering</a:t>
             </a:r>
             <a:endParaRPr lang="en-US" dirty="0"/>
@@ -8197,13 +8037,173 @@
   <p:clrMapOvr>
     <a:masterClrMapping/>
   </p:clrMapOvr>
-  <p:timing>
-    <p:tnLst>
-      <p:par>
-        <p:cTn id="1" dur="indefinite" restart="never" nodeType="tmRoot"/>
-      </p:par>
-    </p:tnLst>
-  </p:timing>
+</p:sld>
+</file>
+
+<file path=ppt/slides/slide15.xml><?xml version="1.0" encoding="utf-8"?>
+<p:sld xmlns:a="http://schemas.openxmlformats.org/drawingml/2006/main" xmlns:r="http://schemas.openxmlformats.org/officeDocument/2006/relationships" xmlns:p="http://schemas.openxmlformats.org/presentationml/2006/main">
+  <p:cSld>
+    <p:spTree>
+      <p:nvGrpSpPr>
+        <p:cNvPr id="1" name=""/>
+        <p:cNvGrpSpPr/>
+        <p:nvPr/>
+      </p:nvGrpSpPr>
+      <p:grpSpPr>
+        <a:xfrm>
+          <a:off x="0" y="0"/>
+          <a:ext cx="0" cy="0"/>
+          <a:chOff x="0" y="0"/>
+          <a:chExt cx="0" cy="0"/>
+        </a:xfrm>
+      </p:grpSpPr>
+      <p:sp>
+        <p:nvSpPr>
+          <p:cNvPr id="2" name="Date Placeholder 1">
+            <a:extLst>
+              <a:ext uri="{FF2B5EF4-FFF2-40B4-BE49-F238E27FC236}">
+                <a16:creationId xmlns:a16="http://schemas.microsoft.com/office/drawing/2014/main" id="{28880E68-B330-C5A4-80B1-086C377B70FB}"/>
+              </a:ext>
+            </a:extLst>
+          </p:cNvPr>
+          <p:cNvSpPr>
+            <a:spLocks noGrp="1"/>
+          </p:cNvSpPr>
+          <p:nvPr>
+            <p:ph type="dt" sz="half" idx="10"/>
+          </p:nvPr>
+        </p:nvSpPr>
+        <p:spPr/>
+        <p:txBody>
+          <a:bodyPr/>
+          <a:lstStyle/>
+          <a:p>
+            <a:r>
+              <a:rPr lang="en-US"/>
+              <a:t>3/22/2025</a:t>
+            </a:r>
+            <a:endParaRPr lang="en-US" dirty="0"/>
+          </a:p>
+        </p:txBody>
+      </p:sp>
+      <p:sp>
+        <p:nvSpPr>
+          <p:cNvPr id="3" name="Footer Placeholder 2">
+            <a:extLst>
+              <a:ext uri="{FF2B5EF4-FFF2-40B4-BE49-F238E27FC236}">
+                <a16:creationId xmlns:a16="http://schemas.microsoft.com/office/drawing/2014/main" id="{95FA7501-B913-91A5-B9CB-3DD339EB6504}"/>
+              </a:ext>
+            </a:extLst>
+          </p:cNvPr>
+          <p:cNvSpPr>
+            <a:spLocks noGrp="1"/>
+          </p:cNvSpPr>
+          <p:nvPr>
+            <p:ph type="ftr" sz="quarter" idx="11"/>
+          </p:nvPr>
+        </p:nvSpPr>
+        <p:spPr/>
+        <p:txBody>
+          <a:bodyPr/>
+          <a:lstStyle/>
+          <a:p>
+            <a:r>
+              <a:rPr lang="en-US"/>
+              <a:t>Software Engineering</a:t>
+            </a:r>
+            <a:endParaRPr lang="en-US" dirty="0"/>
+          </a:p>
+        </p:txBody>
+      </p:sp>
+      <p:sp>
+        <p:nvSpPr>
+          <p:cNvPr id="4" name="Slide Number Placeholder 3">
+            <a:extLst>
+              <a:ext uri="{FF2B5EF4-FFF2-40B4-BE49-F238E27FC236}">
+                <a16:creationId xmlns:a16="http://schemas.microsoft.com/office/drawing/2014/main" id="{716837A0-EB98-18BC-5225-467BBDAFE209}"/>
+              </a:ext>
+            </a:extLst>
+          </p:cNvPr>
+          <p:cNvSpPr>
+            <a:spLocks noGrp="1"/>
+          </p:cNvSpPr>
+          <p:nvPr>
+            <p:ph type="sldNum" sz="quarter" idx="12"/>
+          </p:nvPr>
+        </p:nvSpPr>
+        <p:spPr/>
+        <p:txBody>
+          <a:bodyPr/>
+          <a:lstStyle/>
+          <a:p>
+            <a:fld id="{3A98EE3D-8CD1-4C3F-BD1C-C98C9596463C}" type="slidenum">
+              <a:rPr lang="en-US" smtClean="0"/>
+              <a:t>15</a:t>
+            </a:fld>
+            <a:endParaRPr lang="en-US" dirty="0"/>
+          </a:p>
+        </p:txBody>
+      </p:sp>
+      <p:sp>
+        <p:nvSpPr>
+          <p:cNvPr id="5" name="Arrow: Notched Right 4">
+            <a:extLst>
+              <a:ext uri="{FF2B5EF4-FFF2-40B4-BE49-F238E27FC236}">
+                <a16:creationId xmlns:a16="http://schemas.microsoft.com/office/drawing/2014/main" id="{FBB1A34F-BEAA-E12E-7938-9937B23E42C3}"/>
+              </a:ext>
+            </a:extLst>
+          </p:cNvPr>
+          <p:cNvSpPr/>
+          <p:nvPr/>
+        </p:nvSpPr>
+        <p:spPr>
+          <a:xfrm>
+            <a:off x="463205" y="894733"/>
+            <a:ext cx="4511918" cy="1150375"/>
+          </a:xfrm>
+          <a:prstGeom prst="notchedRightArrow">
+            <a:avLst/>
+          </a:prstGeom>
+        </p:spPr>
+        <p:style>
+          <a:lnRef idx="1">
+            <a:schemeClr val="accent1"/>
+          </a:lnRef>
+          <a:fillRef idx="2">
+            <a:schemeClr val="accent1"/>
+          </a:fillRef>
+          <a:effectRef idx="1">
+            <a:schemeClr val="accent1"/>
+          </a:effectRef>
+          <a:fontRef idx="minor">
+            <a:schemeClr val="dk1"/>
+          </a:fontRef>
+        </p:style>
+        <p:txBody>
+          <a:bodyPr rtlCol="0" anchor="ctr"/>
+          <a:lstStyle/>
+          <a:p>
+            <a:pPr algn="ctr"/>
+            <a:r>
+              <a:rPr lang="en-IN" b="1" i="1" dirty="0">
+                <a:latin typeface="Times New Roman" panose="02020603050405020304" pitchFamily="18" charset="0"/>
+                <a:cs typeface="Times New Roman" panose="02020603050405020304" pitchFamily="18" charset="0"/>
+              </a:rPr>
+              <a:t>REFERENCES?</a:t>
+            </a:r>
+          </a:p>
+        </p:txBody>
+      </p:sp>
+    </p:spTree>
+    <p:extLst>
+      <p:ext uri="{BB962C8B-B14F-4D97-AF65-F5344CB8AC3E}">
+        <p14:creationId xmlns:p14="http://schemas.microsoft.com/office/powerpoint/2010/main" val="3603359817"/>
+      </p:ext>
+    </p:extLst>
+  </p:cSld>
+  <p:clrMapOvr>
+    <a:masterClrMapping/>
+  </p:clrMapOvr>
 </p:sld>
 </file>
 
@@ -8229,7 +8229,7 @@
           <p:cNvPr id="2" name="Title 1">
             <a:extLst>
               <a:ext uri="{FF2B5EF4-FFF2-40B4-BE49-F238E27FC236}">
-                <a16:creationId xmlns:a16="http://schemas.microsoft.com/office/drawing/2014/main" xmlns="" id="{5E562972-3449-42D1-8185-B4BEFD52AB44}"/>
+                <a16:creationId xmlns:a16="http://schemas.microsoft.com/office/drawing/2014/main" id="{5E562972-3449-42D1-8185-B4BEFD52AB44}"/>
               </a:ext>
             </a:extLst>
           </p:cNvPr>
@@ -8262,7 +8262,7 @@
           <p:cNvPr id="3" name="Date Placeholder 2">
             <a:extLst>
               <a:ext uri="{FF2B5EF4-FFF2-40B4-BE49-F238E27FC236}">
-                <a16:creationId xmlns:a16="http://schemas.microsoft.com/office/drawing/2014/main" xmlns="" id="{6F6FE67F-B4AE-130A-A0F5-7AA39416E12D}"/>
+                <a16:creationId xmlns:a16="http://schemas.microsoft.com/office/drawing/2014/main" id="{6F6FE67F-B4AE-130A-A0F5-7AA39416E12D}"/>
               </a:ext>
             </a:extLst>
           </p:cNvPr>
@@ -8291,7 +8291,7 @@
           <p:cNvPr id="5" name="Footer Placeholder 4">
             <a:extLst>
               <a:ext uri="{FF2B5EF4-FFF2-40B4-BE49-F238E27FC236}">
-                <a16:creationId xmlns:a16="http://schemas.microsoft.com/office/drawing/2014/main" xmlns="" id="{732F6F3B-D0D9-275F-ED9A-93477D6CCAD9}"/>
+                <a16:creationId xmlns:a16="http://schemas.microsoft.com/office/drawing/2014/main" id="{732F6F3B-D0D9-275F-ED9A-93477D6CCAD9}"/>
               </a:ext>
             </a:extLst>
           </p:cNvPr>
@@ -8320,7 +8320,7 @@
           <p:cNvPr id="6" name="Slide Number Placeholder 5">
             <a:extLst>
               <a:ext uri="{FF2B5EF4-FFF2-40B4-BE49-F238E27FC236}">
-                <a16:creationId xmlns:a16="http://schemas.microsoft.com/office/drawing/2014/main" xmlns="" id="{19D96A6B-53EF-875C-E150-47F6072C77E6}"/>
+                <a16:creationId xmlns:a16="http://schemas.microsoft.com/office/drawing/2014/main" id="{19D96A6B-53EF-875C-E150-47F6072C77E6}"/>
               </a:ext>
             </a:extLst>
           </p:cNvPr>
@@ -8349,7 +8349,7 @@
           <p:cNvPr id="7" name="object 36">
             <a:extLst>
               <a:ext uri="{FF2B5EF4-FFF2-40B4-BE49-F238E27FC236}">
-                <a16:creationId xmlns:a16="http://schemas.microsoft.com/office/drawing/2014/main" xmlns="" id="{6DE9C0FF-9506-230A-E31C-89A29177B67F}"/>
+                <a16:creationId xmlns:a16="http://schemas.microsoft.com/office/drawing/2014/main" id="{6DE9C0FF-9506-230A-E31C-89A29177B67F}"/>
               </a:ext>
             </a:extLst>
           </p:cNvPr>
@@ -8377,7 +8377,7 @@
           <p:cNvPr id="9" name="Content Placeholder 8">
             <a:extLst>
               <a:ext uri="{FF2B5EF4-FFF2-40B4-BE49-F238E27FC236}">
-                <a16:creationId xmlns:a16="http://schemas.microsoft.com/office/drawing/2014/main" xmlns="" id="{AF846BE8-7BE2-3D33-3E4C-C7755DCC7D1F}"/>
+                <a16:creationId xmlns:a16="http://schemas.microsoft.com/office/drawing/2014/main" id="{AF846BE8-7BE2-3D33-3E4C-C7755DCC7D1F}"/>
               </a:ext>
             </a:extLst>
           </p:cNvPr>
@@ -8396,7 +8396,7 @@
         </p:spPr>
         <p:txBody>
           <a:bodyPr>
-            <a:normAutofit fontScale="92500" lnSpcReduction="20000"/>
+            <a:normAutofit fontScale="85000" lnSpcReduction="20000"/>
           </a:bodyPr>
           <a:lstStyle/>
           <a:p>
@@ -8514,6 +8514,19 @@
                 <a:cs typeface="Times New Roman" panose="02020603050405020304" pitchFamily="18" charset="0"/>
               </a:rPr>
               <a:t>Conclusion</a:t>
+            </a:r>
+          </a:p>
+          <a:p>
+            <a:pPr>
+              <a:buFont typeface="Wingdings" panose="05000000000000000000" pitchFamily="2" charset="2"/>
+              <a:buChar char="Ø"/>
+            </a:pPr>
+            <a:r>
+              <a:rPr lang="en-IN" dirty="0">
+                <a:latin typeface="Times New Roman" panose="02020603050405020304" pitchFamily="18" charset="0"/>
+                <a:cs typeface="Times New Roman" panose="02020603050405020304" pitchFamily="18" charset="0"/>
+              </a:rPr>
+              <a:t>References</a:t>
             </a:r>
           </a:p>
           <a:p>
@@ -8556,13 +8569,6 @@
   <p:clrMapOvr>
     <a:masterClrMapping/>
   </p:clrMapOvr>
-  <p:timing>
-    <p:tnLst>
-      <p:par>
-        <p:cTn id="1" dur="indefinite" restart="never" nodeType="tmRoot"/>
-      </p:par>
-    </p:tnLst>
-  </p:timing>
 </p:sld>
 </file>
 
@@ -8588,7 +8594,7 @@
           <p:cNvPr id="3" name="Content Placeholder 2">
             <a:extLst>
               <a:ext uri="{FF2B5EF4-FFF2-40B4-BE49-F238E27FC236}">
-                <a16:creationId xmlns:a16="http://schemas.microsoft.com/office/drawing/2014/main" xmlns="" id="{1307F488-1F93-43BA-BA1E-2E1803BFCCD9}"/>
+                <a16:creationId xmlns:a16="http://schemas.microsoft.com/office/drawing/2014/main" id="{1307F488-1F93-43BA-BA1E-2E1803BFCCD9}"/>
               </a:ext>
             </a:extLst>
           </p:cNvPr>
@@ -8630,7 +8636,7 @@
           <p:cNvPr id="4" name="Date Placeholder 3">
             <a:extLst>
               <a:ext uri="{FF2B5EF4-FFF2-40B4-BE49-F238E27FC236}">
-                <a16:creationId xmlns:a16="http://schemas.microsoft.com/office/drawing/2014/main" xmlns="" id="{9CEBC7AB-D379-ABBC-7D7B-E10BE6E3C334}"/>
+                <a16:creationId xmlns:a16="http://schemas.microsoft.com/office/drawing/2014/main" id="{9CEBC7AB-D379-ABBC-7D7B-E10BE6E3C334}"/>
               </a:ext>
             </a:extLst>
           </p:cNvPr>
@@ -8659,7 +8665,7 @@
           <p:cNvPr id="5" name="Footer Placeholder 4">
             <a:extLst>
               <a:ext uri="{FF2B5EF4-FFF2-40B4-BE49-F238E27FC236}">
-                <a16:creationId xmlns:a16="http://schemas.microsoft.com/office/drawing/2014/main" xmlns="" id="{5B97370A-7F33-AF62-F859-926D7C513900}"/>
+                <a16:creationId xmlns:a16="http://schemas.microsoft.com/office/drawing/2014/main" id="{5B97370A-7F33-AF62-F859-926D7C513900}"/>
               </a:ext>
             </a:extLst>
           </p:cNvPr>
@@ -8688,7 +8694,7 @@
           <p:cNvPr id="6" name="Slide Number Placeholder 5">
             <a:extLst>
               <a:ext uri="{FF2B5EF4-FFF2-40B4-BE49-F238E27FC236}">
-                <a16:creationId xmlns:a16="http://schemas.microsoft.com/office/drawing/2014/main" xmlns="" id="{DD1EA319-B41E-8142-4805-6EDDE687F541}"/>
+                <a16:creationId xmlns:a16="http://schemas.microsoft.com/office/drawing/2014/main" id="{DD1EA319-B41E-8142-4805-6EDDE687F541}"/>
               </a:ext>
             </a:extLst>
           </p:cNvPr>
@@ -8717,7 +8723,7 @@
           <p:cNvPr id="7" name="object 36">
             <a:extLst>
               <a:ext uri="{FF2B5EF4-FFF2-40B4-BE49-F238E27FC236}">
-                <a16:creationId xmlns:a16="http://schemas.microsoft.com/office/drawing/2014/main" xmlns="" id="{DBCE6FCE-521C-32B4-F9F1-A9F9B741186B}"/>
+                <a16:creationId xmlns:a16="http://schemas.microsoft.com/office/drawing/2014/main" id="{DBCE6FCE-521C-32B4-F9F1-A9F9B741186B}"/>
               </a:ext>
             </a:extLst>
           </p:cNvPr>
@@ -8745,7 +8751,7 @@
           <p:cNvPr id="10" name="Arrow: Notched Right 9">
             <a:extLst>
               <a:ext uri="{FF2B5EF4-FFF2-40B4-BE49-F238E27FC236}">
-                <a16:creationId xmlns:a16="http://schemas.microsoft.com/office/drawing/2014/main" xmlns="" id="{FDCE3592-4C0C-ADBB-2F1B-A0A200ADE97C}"/>
+                <a16:creationId xmlns:a16="http://schemas.microsoft.com/office/drawing/2014/main" id="{FDCE3592-4C0C-ADBB-2F1B-A0A200ADE97C}"/>
               </a:ext>
             </a:extLst>
           </p:cNvPr>
@@ -8799,13 +8805,6 @@
   <p:clrMapOvr>
     <a:masterClrMapping/>
   </p:clrMapOvr>
-  <p:timing>
-    <p:tnLst>
-      <p:par>
-        <p:cTn id="1" dur="indefinite" restart="never" nodeType="tmRoot"/>
-      </p:par>
-    </p:tnLst>
-  </p:timing>
 </p:sld>
 </file>
 
@@ -8831,7 +8830,7 @@
           <p:cNvPr id="4" name="Date Placeholder 3">
             <a:extLst>
               <a:ext uri="{FF2B5EF4-FFF2-40B4-BE49-F238E27FC236}">
-                <a16:creationId xmlns:a16="http://schemas.microsoft.com/office/drawing/2014/main" xmlns="" id="{4E00ED82-5DE3-74C0-937F-9FD3ACAD73A2}"/>
+                <a16:creationId xmlns:a16="http://schemas.microsoft.com/office/drawing/2014/main" id="{4E00ED82-5DE3-74C0-937F-9FD3ACAD73A2}"/>
               </a:ext>
             </a:extLst>
           </p:cNvPr>
@@ -8860,7 +8859,7 @@
           <p:cNvPr id="5" name="Footer Placeholder 4">
             <a:extLst>
               <a:ext uri="{FF2B5EF4-FFF2-40B4-BE49-F238E27FC236}">
-                <a16:creationId xmlns:a16="http://schemas.microsoft.com/office/drawing/2014/main" xmlns="" id="{2AEC4201-E3B7-3A3F-9BDA-3D80F5A7588B}"/>
+                <a16:creationId xmlns:a16="http://schemas.microsoft.com/office/drawing/2014/main" id="{2AEC4201-E3B7-3A3F-9BDA-3D80F5A7588B}"/>
               </a:ext>
             </a:extLst>
           </p:cNvPr>
@@ -8889,7 +8888,7 @@
           <p:cNvPr id="6" name="Slide Number Placeholder 5">
             <a:extLst>
               <a:ext uri="{FF2B5EF4-FFF2-40B4-BE49-F238E27FC236}">
-                <a16:creationId xmlns:a16="http://schemas.microsoft.com/office/drawing/2014/main" xmlns="" id="{15950A93-6DAE-0C0B-8FF1-62EDB1A23714}"/>
+                <a16:creationId xmlns:a16="http://schemas.microsoft.com/office/drawing/2014/main" id="{15950A93-6DAE-0C0B-8FF1-62EDB1A23714}"/>
               </a:ext>
             </a:extLst>
           </p:cNvPr>
@@ -8918,7 +8917,7 @@
           <p:cNvPr id="7" name="object 36">
             <a:extLst>
               <a:ext uri="{FF2B5EF4-FFF2-40B4-BE49-F238E27FC236}">
-                <a16:creationId xmlns:a16="http://schemas.microsoft.com/office/drawing/2014/main" xmlns="" id="{98D31EBA-B69B-4554-2E3A-C473FB1DC6AE}"/>
+                <a16:creationId xmlns:a16="http://schemas.microsoft.com/office/drawing/2014/main" id="{98D31EBA-B69B-4554-2E3A-C473FB1DC6AE}"/>
               </a:ext>
             </a:extLst>
           </p:cNvPr>
@@ -8946,7 +8945,7 @@
           <p:cNvPr id="9" name="Arrow: Notched Right 8">
             <a:extLst>
               <a:ext uri="{FF2B5EF4-FFF2-40B4-BE49-F238E27FC236}">
-                <a16:creationId xmlns:a16="http://schemas.microsoft.com/office/drawing/2014/main" xmlns="" id="{0B9644F2-A44E-AE1E-1505-7557CAD1A776}"/>
+                <a16:creationId xmlns:a16="http://schemas.microsoft.com/office/drawing/2014/main" id="{0B9644F2-A44E-AE1E-1505-7557CAD1A776}"/>
               </a:ext>
             </a:extLst>
           </p:cNvPr>
@@ -8996,7 +8995,7 @@
           <p:cNvPr id="10" name="Rectangle: Rounded Corners 9">
             <a:extLst>
               <a:ext uri="{FF2B5EF4-FFF2-40B4-BE49-F238E27FC236}">
-                <a16:creationId xmlns:a16="http://schemas.microsoft.com/office/drawing/2014/main" xmlns="" id="{75C57E34-7395-23D5-132C-4E9D4442EC93}"/>
+                <a16:creationId xmlns:a16="http://schemas.microsoft.com/office/drawing/2014/main" id="{75C57E34-7395-23D5-132C-4E9D4442EC93}"/>
               </a:ext>
             </a:extLst>
           </p:cNvPr>
@@ -9047,7 +9046,7 @@
           <p:cNvPr id="11" name="Rectangle: Rounded Corners 10">
             <a:extLst>
               <a:ext uri="{FF2B5EF4-FFF2-40B4-BE49-F238E27FC236}">
-                <a16:creationId xmlns:a16="http://schemas.microsoft.com/office/drawing/2014/main" xmlns="" id="{55780ACA-820D-E7DC-462F-D301E7DABBFF}"/>
+                <a16:creationId xmlns:a16="http://schemas.microsoft.com/office/drawing/2014/main" id="{55780ACA-820D-E7DC-462F-D301E7DABBFF}"/>
               </a:ext>
             </a:extLst>
           </p:cNvPr>
@@ -9098,7 +9097,7 @@
           <p:cNvPr id="12" name="Rectangle: Rounded Corners 11">
             <a:extLst>
               <a:ext uri="{FF2B5EF4-FFF2-40B4-BE49-F238E27FC236}">
-                <a16:creationId xmlns:a16="http://schemas.microsoft.com/office/drawing/2014/main" xmlns="" id="{B37CA8C2-2C44-210A-F845-90880DC31DD9}"/>
+                <a16:creationId xmlns:a16="http://schemas.microsoft.com/office/drawing/2014/main" id="{B37CA8C2-2C44-210A-F845-90880DC31DD9}"/>
               </a:ext>
             </a:extLst>
           </p:cNvPr>
@@ -9149,7 +9148,7 @@
           <p:cNvPr id="13" name="Rectangle: Rounded Corners 12">
             <a:extLst>
               <a:ext uri="{FF2B5EF4-FFF2-40B4-BE49-F238E27FC236}">
-                <a16:creationId xmlns:a16="http://schemas.microsoft.com/office/drawing/2014/main" xmlns="" id="{E3641130-070E-AC9A-F18F-9FAAE18C647F}"/>
+                <a16:creationId xmlns:a16="http://schemas.microsoft.com/office/drawing/2014/main" id="{E3641130-070E-AC9A-F18F-9FAAE18C647F}"/>
               </a:ext>
             </a:extLst>
           </p:cNvPr>
@@ -9201,7 +9200,7 @@
           <p:cNvPr id="14" name="Oval 13">
             <a:extLst>
               <a:ext uri="{FF2B5EF4-FFF2-40B4-BE49-F238E27FC236}">
-                <a16:creationId xmlns:a16="http://schemas.microsoft.com/office/drawing/2014/main" xmlns="" id="{22FD4298-A01D-84F6-5377-19F7435CA916}"/>
+                <a16:creationId xmlns:a16="http://schemas.microsoft.com/office/drawing/2014/main" id="{22FD4298-A01D-84F6-5377-19F7435CA916}"/>
               </a:ext>
             </a:extLst>
           </p:cNvPr>
@@ -9254,7 +9253,7 @@
           <p:cNvPr id="15" name="Rectangle: Rounded Corners 14">
             <a:extLst>
               <a:ext uri="{FF2B5EF4-FFF2-40B4-BE49-F238E27FC236}">
-                <a16:creationId xmlns:a16="http://schemas.microsoft.com/office/drawing/2014/main" xmlns="" id="{A5F91BE4-A65D-BA4A-8C99-2A2B26DABC33}"/>
+                <a16:creationId xmlns:a16="http://schemas.microsoft.com/office/drawing/2014/main" id="{A5F91BE4-A65D-BA4A-8C99-2A2B26DABC33}"/>
               </a:ext>
             </a:extLst>
           </p:cNvPr>
@@ -9305,7 +9304,7 @@
           <p:cNvPr id="16" name="Rectangle: Rounded Corners 15">
             <a:extLst>
               <a:ext uri="{FF2B5EF4-FFF2-40B4-BE49-F238E27FC236}">
-                <a16:creationId xmlns:a16="http://schemas.microsoft.com/office/drawing/2014/main" xmlns="" id="{B45C759E-4CE6-9257-A3F6-32F477940F92}"/>
+                <a16:creationId xmlns:a16="http://schemas.microsoft.com/office/drawing/2014/main" id="{B45C759E-4CE6-9257-A3F6-32F477940F92}"/>
               </a:ext>
             </a:extLst>
           </p:cNvPr>
@@ -9356,7 +9355,7 @@
           <p:cNvPr id="18" name="Straight Arrow Connector 17">
             <a:extLst>
               <a:ext uri="{FF2B5EF4-FFF2-40B4-BE49-F238E27FC236}">
-                <a16:creationId xmlns:a16="http://schemas.microsoft.com/office/drawing/2014/main" xmlns="" id="{7E4616F7-8934-6547-69E5-9E7EF7BAFCFD}"/>
+                <a16:creationId xmlns:a16="http://schemas.microsoft.com/office/drawing/2014/main" id="{7E4616F7-8934-6547-69E5-9E7EF7BAFCFD}"/>
               </a:ext>
             </a:extLst>
           </p:cNvPr>
@@ -9397,7 +9396,7 @@
           <p:cNvPr id="20" name="Straight Arrow Connector 19">
             <a:extLst>
               <a:ext uri="{FF2B5EF4-FFF2-40B4-BE49-F238E27FC236}">
-                <a16:creationId xmlns:a16="http://schemas.microsoft.com/office/drawing/2014/main" xmlns="" id="{0FF534DE-F0B9-FA2E-9982-24AD5D5D8DA2}"/>
+                <a16:creationId xmlns:a16="http://schemas.microsoft.com/office/drawing/2014/main" id="{0FF534DE-F0B9-FA2E-9982-24AD5D5D8DA2}"/>
               </a:ext>
             </a:extLst>
           </p:cNvPr>
@@ -9439,7 +9438,7 @@
           <p:cNvPr id="22" name="Straight Arrow Connector 21">
             <a:extLst>
               <a:ext uri="{FF2B5EF4-FFF2-40B4-BE49-F238E27FC236}">
-                <a16:creationId xmlns:a16="http://schemas.microsoft.com/office/drawing/2014/main" xmlns="" id="{2DF69568-E523-862B-52EF-6DA3B7636F1C}"/>
+                <a16:creationId xmlns:a16="http://schemas.microsoft.com/office/drawing/2014/main" id="{2DF69568-E523-862B-52EF-6DA3B7636F1C}"/>
               </a:ext>
             </a:extLst>
           </p:cNvPr>
@@ -9478,7 +9477,7 @@
           <p:cNvPr id="24" name="Straight Arrow Connector 23">
             <a:extLst>
               <a:ext uri="{FF2B5EF4-FFF2-40B4-BE49-F238E27FC236}">
-                <a16:creationId xmlns:a16="http://schemas.microsoft.com/office/drawing/2014/main" xmlns="" id="{ABA37825-FCD0-B010-C026-965EDA3C9A30}"/>
+                <a16:creationId xmlns:a16="http://schemas.microsoft.com/office/drawing/2014/main" id="{ABA37825-FCD0-B010-C026-965EDA3C9A30}"/>
               </a:ext>
             </a:extLst>
           </p:cNvPr>
@@ -9519,7 +9518,7 @@
           <p:cNvPr id="25" name="Straight Arrow Connector 24">
             <a:extLst>
               <a:ext uri="{FF2B5EF4-FFF2-40B4-BE49-F238E27FC236}">
-                <a16:creationId xmlns:a16="http://schemas.microsoft.com/office/drawing/2014/main" xmlns="" id="{4FD4C4FC-6A75-EA4D-2E3B-9CA75969E2B0}"/>
+                <a16:creationId xmlns:a16="http://schemas.microsoft.com/office/drawing/2014/main" id="{4FD4C4FC-6A75-EA4D-2E3B-9CA75969E2B0}"/>
               </a:ext>
             </a:extLst>
           </p:cNvPr>
@@ -9558,7 +9557,7 @@
           <p:cNvPr id="26" name="Straight Arrow Connector 25">
             <a:extLst>
               <a:ext uri="{FF2B5EF4-FFF2-40B4-BE49-F238E27FC236}">
-                <a16:creationId xmlns:a16="http://schemas.microsoft.com/office/drawing/2014/main" xmlns="" id="{9AB40F2B-75B8-DF7C-E8B0-535D29655FC7}"/>
+                <a16:creationId xmlns:a16="http://schemas.microsoft.com/office/drawing/2014/main" id="{9AB40F2B-75B8-DF7C-E8B0-535D29655FC7}"/>
               </a:ext>
             </a:extLst>
           </p:cNvPr>
@@ -9595,20 +9594,13 @@
     </p:spTree>
     <p:extLst>
       <p:ext uri="{BB962C8B-B14F-4D97-AF65-F5344CB8AC3E}">
-        <p14:creationId xmlns:p14="http://schemas.microsoft.com/office/powerpoint/2010/main" val="881377175"/>
+        <p14:creationId xmlns:p14="http://schemas.microsoft.com/office/powerpoint/2010/main" val="1587860966"/>
       </p:ext>
     </p:extLst>
   </p:cSld>
   <p:clrMapOvr>
     <a:masterClrMapping/>
   </p:clrMapOvr>
-  <p:timing>
-    <p:tnLst>
-      <p:par>
-        <p:cTn id="1" dur="indefinite" restart="never" nodeType="tmRoot"/>
-      </p:par>
-    </p:tnLst>
-  </p:timing>
 </p:sld>
 </file>
 
@@ -9634,7 +9626,7 @@
           <p:cNvPr id="3" name="Content Placeholder 2">
             <a:extLst>
               <a:ext uri="{FF2B5EF4-FFF2-40B4-BE49-F238E27FC236}">
-                <a16:creationId xmlns:a16="http://schemas.microsoft.com/office/drawing/2014/main" xmlns="" id="{5E5EF051-5812-FB3C-6221-D942871D5A18}"/>
+                <a16:creationId xmlns:a16="http://schemas.microsoft.com/office/drawing/2014/main" id="{5E5EF051-5812-FB3C-6221-D942871D5A18}"/>
               </a:ext>
             </a:extLst>
           </p:cNvPr>
@@ -9715,7 +9707,7 @@
           <p:cNvPr id="4" name="Date Placeholder 3">
             <a:extLst>
               <a:ext uri="{FF2B5EF4-FFF2-40B4-BE49-F238E27FC236}">
-                <a16:creationId xmlns:a16="http://schemas.microsoft.com/office/drawing/2014/main" xmlns="" id="{76E0C649-3678-D32A-9DF9-63F87B873993}"/>
+                <a16:creationId xmlns:a16="http://schemas.microsoft.com/office/drawing/2014/main" id="{76E0C649-3678-D32A-9DF9-63F87B873993}"/>
               </a:ext>
             </a:extLst>
           </p:cNvPr>
@@ -9744,7 +9736,7 @@
           <p:cNvPr id="5" name="Footer Placeholder 4">
             <a:extLst>
               <a:ext uri="{FF2B5EF4-FFF2-40B4-BE49-F238E27FC236}">
-                <a16:creationId xmlns:a16="http://schemas.microsoft.com/office/drawing/2014/main" xmlns="" id="{B4C064DF-9D78-D733-7848-05D907DDE07F}"/>
+                <a16:creationId xmlns:a16="http://schemas.microsoft.com/office/drawing/2014/main" id="{B4C064DF-9D78-D733-7848-05D907DDE07F}"/>
               </a:ext>
             </a:extLst>
           </p:cNvPr>
@@ -9773,7 +9765,7 @@
           <p:cNvPr id="6" name="Slide Number Placeholder 5">
             <a:extLst>
               <a:ext uri="{FF2B5EF4-FFF2-40B4-BE49-F238E27FC236}">
-                <a16:creationId xmlns:a16="http://schemas.microsoft.com/office/drawing/2014/main" xmlns="" id="{D3901C69-E983-8101-1483-B68828E126E7}"/>
+                <a16:creationId xmlns:a16="http://schemas.microsoft.com/office/drawing/2014/main" id="{D3901C69-E983-8101-1483-B68828E126E7}"/>
               </a:ext>
             </a:extLst>
           </p:cNvPr>
@@ -9802,7 +9794,7 @@
           <p:cNvPr id="7" name="object 36">
             <a:extLst>
               <a:ext uri="{FF2B5EF4-FFF2-40B4-BE49-F238E27FC236}">
-                <a16:creationId xmlns:a16="http://schemas.microsoft.com/office/drawing/2014/main" xmlns="" id="{FA7BE382-DB69-C373-9AF0-0977B573EC47}"/>
+                <a16:creationId xmlns:a16="http://schemas.microsoft.com/office/drawing/2014/main" id="{FA7BE382-DB69-C373-9AF0-0977B573EC47}"/>
               </a:ext>
             </a:extLst>
           </p:cNvPr>
@@ -9830,7 +9822,7 @@
           <p:cNvPr id="11" name="Arrow: Notched Right 10">
             <a:extLst>
               <a:ext uri="{FF2B5EF4-FFF2-40B4-BE49-F238E27FC236}">
-                <a16:creationId xmlns:a16="http://schemas.microsoft.com/office/drawing/2014/main" xmlns="" id="{73793089-5F0F-A640-78B8-42F25B542A09}"/>
+                <a16:creationId xmlns:a16="http://schemas.microsoft.com/office/drawing/2014/main" id="{73793089-5F0F-A640-78B8-42F25B542A09}"/>
               </a:ext>
             </a:extLst>
           </p:cNvPr>
@@ -9878,20 +9870,13 @@
     </p:spTree>
     <p:extLst>
       <p:ext uri="{BB962C8B-B14F-4D97-AF65-F5344CB8AC3E}">
-        <p14:creationId xmlns:p14="http://schemas.microsoft.com/office/powerpoint/2010/main" val="4065770690"/>
+        <p14:creationId xmlns:p14="http://schemas.microsoft.com/office/powerpoint/2010/main" val="648178516"/>
       </p:ext>
     </p:extLst>
   </p:cSld>
   <p:clrMapOvr>
     <a:masterClrMapping/>
   </p:clrMapOvr>
-  <p:timing>
-    <p:tnLst>
-      <p:par>
-        <p:cTn id="1" dur="indefinite" restart="never" nodeType="tmRoot"/>
-      </p:par>
-    </p:tnLst>
-  </p:timing>
 </p:sld>
 </file>
 
@@ -9917,7 +9902,7 @@
           <p:cNvPr id="4" name="Date Placeholder 3">
             <a:extLst>
               <a:ext uri="{FF2B5EF4-FFF2-40B4-BE49-F238E27FC236}">
-                <a16:creationId xmlns:a16="http://schemas.microsoft.com/office/drawing/2014/main" xmlns="" id="{34A34AD2-A078-8B84-7685-63E633684552}"/>
+                <a16:creationId xmlns:a16="http://schemas.microsoft.com/office/drawing/2014/main" id="{34A34AD2-A078-8B84-7685-63E633684552}"/>
               </a:ext>
             </a:extLst>
           </p:cNvPr>
@@ -9946,7 +9931,7 @@
           <p:cNvPr id="5" name="Footer Placeholder 4">
             <a:extLst>
               <a:ext uri="{FF2B5EF4-FFF2-40B4-BE49-F238E27FC236}">
-                <a16:creationId xmlns:a16="http://schemas.microsoft.com/office/drawing/2014/main" xmlns="" id="{B663D9A7-FBD3-DA6F-BFC0-5114588AEA56}"/>
+                <a16:creationId xmlns:a16="http://schemas.microsoft.com/office/drawing/2014/main" id="{B663D9A7-FBD3-DA6F-BFC0-5114588AEA56}"/>
               </a:ext>
             </a:extLst>
           </p:cNvPr>
@@ -9975,7 +9960,7 @@
           <p:cNvPr id="6" name="Slide Number Placeholder 5">
             <a:extLst>
               <a:ext uri="{FF2B5EF4-FFF2-40B4-BE49-F238E27FC236}">
-                <a16:creationId xmlns:a16="http://schemas.microsoft.com/office/drawing/2014/main" xmlns="" id="{C81F8D8F-FA09-49C8-869C-7C31B9A14318}"/>
+                <a16:creationId xmlns:a16="http://schemas.microsoft.com/office/drawing/2014/main" id="{C81F8D8F-FA09-49C8-869C-7C31B9A14318}"/>
               </a:ext>
             </a:extLst>
           </p:cNvPr>
@@ -10004,7 +9989,7 @@
           <p:cNvPr id="7" name="object 36">
             <a:extLst>
               <a:ext uri="{FF2B5EF4-FFF2-40B4-BE49-F238E27FC236}">
-                <a16:creationId xmlns:a16="http://schemas.microsoft.com/office/drawing/2014/main" xmlns="" id="{D08A56D9-F6F0-530F-024C-8008D52661DC}"/>
+                <a16:creationId xmlns:a16="http://schemas.microsoft.com/office/drawing/2014/main" id="{D08A56D9-F6F0-530F-024C-8008D52661DC}"/>
               </a:ext>
             </a:extLst>
           </p:cNvPr>
@@ -10032,7 +10017,7 @@
           <p:cNvPr id="10" name="Arrow: Notched Right 9">
             <a:extLst>
               <a:ext uri="{FF2B5EF4-FFF2-40B4-BE49-F238E27FC236}">
-                <a16:creationId xmlns:a16="http://schemas.microsoft.com/office/drawing/2014/main" xmlns="" id="{42F06746-2E24-4E52-DD12-A9A84164309D}"/>
+                <a16:creationId xmlns:a16="http://schemas.microsoft.com/office/drawing/2014/main" id="{42F06746-2E24-4E52-DD12-A9A84164309D}"/>
               </a:ext>
             </a:extLst>
           </p:cNvPr>
@@ -10082,7 +10067,7 @@
           <p:cNvPr id="11" name="Rectangle: Rounded Corners 10">
             <a:extLst>
               <a:ext uri="{FF2B5EF4-FFF2-40B4-BE49-F238E27FC236}">
-                <a16:creationId xmlns:a16="http://schemas.microsoft.com/office/drawing/2014/main" xmlns="" id="{9C3E76A4-4A12-B436-9416-E61A2C553F14}"/>
+                <a16:creationId xmlns:a16="http://schemas.microsoft.com/office/drawing/2014/main" id="{9C3E76A4-4A12-B436-9416-E61A2C553F14}"/>
               </a:ext>
             </a:extLst>
           </p:cNvPr>
@@ -10125,7 +10110,7 @@
                 <a:latin typeface="Times New Roman" panose="02020603050405020304" pitchFamily="18" charset="0"/>
                 <a:cs typeface="Times New Roman" panose="02020603050405020304" pitchFamily="18" charset="0"/>
               </a:rPr>
-              <a:t>Classical Methods-</a:t>
+              <a:t>Classical Methods:</a:t>
             </a:r>
           </a:p>
           <a:p>
@@ -10167,7 +10152,7 @@
           <p:cNvPr id="12" name="Rectangle: Rounded Corners 11">
             <a:extLst>
               <a:ext uri="{FF2B5EF4-FFF2-40B4-BE49-F238E27FC236}">
-                <a16:creationId xmlns:a16="http://schemas.microsoft.com/office/drawing/2014/main" xmlns="" id="{9CB20146-7872-10D6-4F15-C7F192DEC86B}"/>
+                <a16:creationId xmlns:a16="http://schemas.microsoft.com/office/drawing/2014/main" id="{9CB20146-7872-10D6-4F15-C7F192DEC86B}"/>
               </a:ext>
             </a:extLst>
           </p:cNvPr>
@@ -10210,7 +10195,7 @@
                 <a:latin typeface="Times New Roman" panose="02020603050405020304" pitchFamily="18" charset="0"/>
                 <a:cs typeface="Times New Roman" panose="02020603050405020304" pitchFamily="18" charset="0"/>
               </a:rPr>
-              <a:t>Distributed Methods-</a:t>
+              <a:t>Distributed Methods:</a:t>
             </a:r>
           </a:p>
           <a:p>
@@ -10263,7 +10248,7 @@
           <p:cNvPr id="13" name="Rectangle: Rounded Corners 12">
             <a:extLst>
               <a:ext uri="{FF2B5EF4-FFF2-40B4-BE49-F238E27FC236}">
-                <a16:creationId xmlns:a16="http://schemas.microsoft.com/office/drawing/2014/main" xmlns="" id="{97E0F6B4-B947-4054-07DB-70B3296A3E91}"/>
+                <a16:creationId xmlns:a16="http://schemas.microsoft.com/office/drawing/2014/main" id="{97E0F6B4-B947-4054-07DB-70B3296A3E91}"/>
               </a:ext>
             </a:extLst>
           </p:cNvPr>
@@ -10339,8 +10324,25 @@
                 <a:latin typeface="Times New Roman" panose="02020603050405020304" pitchFamily="18" charset="0"/>
                 <a:cs typeface="Times New Roman" panose="02020603050405020304" pitchFamily="18" charset="0"/>
               </a:rPr>
-              <a:t>, OpenAI GPT Model</a:t>
-            </a:r>
+              <a:t>, OpenAI GPT Model, </a:t>
+            </a:r>
+            <a:r>
+              <a:rPr lang="en-IN" sz="1600" dirty="0" err="1">
+                <a:solidFill>
+                  <a:schemeClr val="bg1"/>
+                </a:solidFill>
+                <a:latin typeface="Times New Roman" panose="02020603050405020304" pitchFamily="18" charset="0"/>
+                <a:cs typeface="Times New Roman" panose="02020603050405020304" pitchFamily="18" charset="0"/>
+              </a:rPr>
+              <a:t>DeCLUTR</a:t>
+            </a:r>
+            <a:endParaRPr lang="en-IN" sz="1600" dirty="0">
+              <a:solidFill>
+                <a:schemeClr val="bg1"/>
+              </a:solidFill>
+              <a:latin typeface="Times New Roman" panose="02020603050405020304" pitchFamily="18" charset="0"/>
+              <a:cs typeface="Times New Roman" panose="02020603050405020304" pitchFamily="18" charset="0"/>
+            </a:endParaRPr>
           </a:p>
         </p:txBody>
       </p:sp>
@@ -10349,7 +10351,7 @@
           <p:cNvPr id="14" name="Rectangle: Rounded Corners 13">
             <a:extLst>
               <a:ext uri="{FF2B5EF4-FFF2-40B4-BE49-F238E27FC236}">
-                <a16:creationId xmlns:a16="http://schemas.microsoft.com/office/drawing/2014/main" xmlns="" id="{A49A78C9-7A42-2FAC-F431-1AC205158C14}"/>
+                <a16:creationId xmlns:a16="http://schemas.microsoft.com/office/drawing/2014/main" id="{A49A78C9-7A42-2FAC-F431-1AC205158C14}"/>
               </a:ext>
             </a:extLst>
           </p:cNvPr>
@@ -10358,8 +10360,8 @@
         </p:nvSpPr>
         <p:spPr>
           <a:xfrm>
-            <a:off x="6199239" y="2241755"/>
-            <a:ext cx="4753896" cy="4257367"/>
+            <a:off x="5921939" y="1799301"/>
+            <a:ext cx="4753896" cy="4624613"/>
           </a:xfrm>
           <a:prstGeom prst="roundRect">
             <a:avLst/>
@@ -10384,14 +10386,11 @@
           <a:lstStyle/>
           <a:p>
             <a:pPr algn="ctr"/>
-            <a:r>
-              <a:rPr lang="en-IN" dirty="0">
-                <a:solidFill>
-                  <a:schemeClr val="bg1"/>
-                </a:solidFill>
-              </a:rPr>
-              <a:t>Open AI-GPT Model</a:t>
-            </a:r>
+            <a:endParaRPr lang="en-IN" dirty="0">
+              <a:solidFill>
+                <a:schemeClr val="bg1"/>
+              </a:solidFill>
+            </a:endParaRPr>
           </a:p>
           <a:p>
             <a:pPr algn="ctr"/>
@@ -10403,7 +10402,254 @@
           </a:p>
           <a:p>
             <a:pPr algn="ctr"/>
-            <a:endParaRPr lang="en-IN" dirty="0"/>
+            <a:endParaRPr lang="en-IN" dirty="0">
+              <a:solidFill>
+                <a:schemeClr val="bg1"/>
+              </a:solidFill>
+            </a:endParaRPr>
+          </a:p>
+          <a:p>
+            <a:pPr algn="ctr"/>
+            <a:endParaRPr lang="en-IN" dirty="0">
+              <a:solidFill>
+                <a:schemeClr val="bg1"/>
+              </a:solidFill>
+            </a:endParaRPr>
+          </a:p>
+          <a:p>
+            <a:pPr algn="ctr"/>
+            <a:endParaRPr lang="en-IN" dirty="0">
+              <a:solidFill>
+                <a:schemeClr val="bg1"/>
+              </a:solidFill>
+            </a:endParaRPr>
+          </a:p>
+          <a:p>
+            <a:pPr algn="ctr"/>
+            <a:endParaRPr lang="en-IN" dirty="0">
+              <a:solidFill>
+                <a:schemeClr val="bg1"/>
+              </a:solidFill>
+            </a:endParaRPr>
+          </a:p>
+          <a:p>
+            <a:pPr algn="ctr"/>
+            <a:endParaRPr lang="en-IN" dirty="0">
+              <a:solidFill>
+                <a:schemeClr val="bg1"/>
+              </a:solidFill>
+            </a:endParaRPr>
+          </a:p>
+          <a:p>
+            <a:pPr algn="ctr"/>
+            <a:endParaRPr lang="en-IN" dirty="0">
+              <a:solidFill>
+                <a:schemeClr val="bg1"/>
+              </a:solidFill>
+            </a:endParaRPr>
+          </a:p>
+          <a:p>
+            <a:pPr algn="ctr"/>
+            <a:endParaRPr lang="en-IN" dirty="0">
+              <a:solidFill>
+                <a:schemeClr val="bg1"/>
+              </a:solidFill>
+            </a:endParaRPr>
+          </a:p>
+          <a:p>
+            <a:pPr algn="ctr"/>
+            <a:endParaRPr lang="en-IN" dirty="0">
+              <a:solidFill>
+                <a:schemeClr val="bg1"/>
+              </a:solidFill>
+              <a:latin typeface="Times New Roman" panose="02020603050405020304" pitchFamily="18" charset="0"/>
+              <a:cs typeface="Times New Roman" panose="02020603050405020304" pitchFamily="18" charset="0"/>
+            </a:endParaRPr>
+          </a:p>
+          <a:p>
+            <a:pPr algn="ctr"/>
+            <a:endParaRPr lang="en-IN" dirty="0">
+              <a:solidFill>
+                <a:schemeClr val="bg1"/>
+              </a:solidFill>
+              <a:latin typeface="Times New Roman" panose="02020603050405020304" pitchFamily="18" charset="0"/>
+              <a:cs typeface="Times New Roman" panose="02020603050405020304" pitchFamily="18" charset="0"/>
+            </a:endParaRPr>
+          </a:p>
+          <a:p>
+            <a:pPr algn="ctr"/>
+            <a:r>
+              <a:rPr lang="en-IN" dirty="0">
+                <a:solidFill>
+                  <a:schemeClr val="bg1"/>
+                </a:solidFill>
+                <a:latin typeface="Times New Roman" panose="02020603050405020304" pitchFamily="18" charset="0"/>
+                <a:cs typeface="Times New Roman" panose="02020603050405020304" pitchFamily="18" charset="0"/>
+              </a:rPr>
+              <a:t>Open AI-GPT Model</a:t>
+            </a:r>
+          </a:p>
+          <a:p>
+            <a:pPr algn="ctr"/>
+            <a:endParaRPr lang="en-IN" dirty="0">
+              <a:solidFill>
+                <a:schemeClr val="bg1"/>
+              </a:solidFill>
+            </a:endParaRPr>
+          </a:p>
+          <a:p>
+            <a:pPr marL="285750" indent="-285750" algn="just">
+              <a:buFont typeface="Arial" panose="020B0604020202020204" pitchFamily="34" charset="0"/>
+              <a:buChar char="•"/>
+            </a:pPr>
+            <a:r>
+              <a:rPr lang="en-IN" sz="1600" dirty="0">
+                <a:solidFill>
+                  <a:schemeClr val="bg1"/>
+                </a:solidFill>
+                <a:latin typeface="Times New Roman" panose="02020603050405020304" pitchFamily="18" charset="0"/>
+                <a:cs typeface="Times New Roman" panose="02020603050405020304" pitchFamily="18" charset="0"/>
+              </a:rPr>
+              <a:t>Creates dynamic embeddings that are  context sensitive</a:t>
+            </a:r>
+          </a:p>
+          <a:p>
+            <a:pPr marL="285750" indent="-285750" algn="just">
+              <a:lnSpc>
+                <a:spcPct val="150000"/>
+              </a:lnSpc>
+              <a:buFont typeface="Arial" panose="020B0604020202020204" pitchFamily="34" charset="0"/>
+              <a:buChar char="•"/>
+            </a:pPr>
+            <a:r>
+              <a:rPr lang="en-IN" sz="1600" dirty="0">
+                <a:solidFill>
+                  <a:schemeClr val="bg1"/>
+                </a:solidFill>
+                <a:latin typeface="Times New Roman" panose="02020603050405020304" pitchFamily="18" charset="0"/>
+                <a:cs typeface="Times New Roman" panose="02020603050405020304" pitchFamily="18" charset="0"/>
+              </a:rPr>
+              <a:t>Efficiently conveys polysemous meanings.</a:t>
+            </a:r>
+          </a:p>
+          <a:p>
+            <a:pPr marL="285750" indent="-285750" algn="just">
+              <a:lnSpc>
+                <a:spcPct val="150000"/>
+              </a:lnSpc>
+              <a:buFont typeface="Arial" panose="020B0604020202020204" pitchFamily="34" charset="0"/>
+              <a:buChar char="•"/>
+            </a:pPr>
+            <a:r>
+              <a:rPr lang="en-IN" sz="1600" dirty="0">
+                <a:solidFill>
+                  <a:schemeClr val="bg1"/>
+                </a:solidFill>
+                <a:latin typeface="Times New Roman" panose="02020603050405020304" pitchFamily="18" charset="0"/>
+                <a:cs typeface="Times New Roman" panose="02020603050405020304" pitchFamily="18" charset="0"/>
+              </a:rPr>
+              <a:t>Less fine- tuning due to robust pre-training.</a:t>
+            </a:r>
+          </a:p>
+          <a:p>
+            <a:pPr marL="285750" indent="-285750" algn="just">
+              <a:lnSpc>
+                <a:spcPct val="150000"/>
+              </a:lnSpc>
+              <a:buFont typeface="Arial" panose="020B0604020202020204" pitchFamily="34" charset="0"/>
+              <a:buChar char="•"/>
+            </a:pPr>
+            <a:r>
+              <a:rPr lang="en-IN" sz="1600" dirty="0">
+                <a:solidFill>
+                  <a:schemeClr val="bg1"/>
+                </a:solidFill>
+                <a:latin typeface="Times New Roman" panose="02020603050405020304" pitchFamily="18" charset="0"/>
+                <a:cs typeface="Times New Roman" panose="02020603050405020304" pitchFamily="18" charset="0"/>
+              </a:rPr>
+              <a:t>Enhances generalization across different fields</a:t>
+            </a:r>
+          </a:p>
+          <a:p>
+            <a:pPr marL="285750" indent="-285750" algn="just">
+              <a:buFont typeface="Arial" panose="020B0604020202020204" pitchFamily="34" charset="0"/>
+              <a:buChar char="•"/>
+            </a:pPr>
+            <a:r>
+              <a:rPr lang="en-IN" sz="1600" dirty="0">
+                <a:solidFill>
+                  <a:schemeClr val="bg1"/>
+                </a:solidFill>
+                <a:latin typeface="Times New Roman" panose="02020603050405020304" pitchFamily="18" charset="0"/>
+                <a:cs typeface="Times New Roman" panose="02020603050405020304" pitchFamily="18" charset="0"/>
+              </a:rPr>
+              <a:t>Dedicated embedding model converts text into high dimensional vector space.</a:t>
+            </a:r>
+          </a:p>
+          <a:p>
+            <a:pPr marL="285750" indent="-285750" algn="just">
+              <a:buFont typeface="Arial" panose="020B0604020202020204" pitchFamily="34" charset="0"/>
+              <a:buChar char="•"/>
+            </a:pPr>
+            <a:r>
+              <a:rPr lang="en-IN" sz="1600" dirty="0">
+                <a:solidFill>
+                  <a:schemeClr val="bg1"/>
+                </a:solidFill>
+                <a:latin typeface="Times New Roman" panose="02020603050405020304" pitchFamily="18" charset="0"/>
+                <a:cs typeface="Times New Roman" panose="02020603050405020304" pitchFamily="18" charset="0"/>
+              </a:rPr>
+              <a:t>To use Open AI’ s GPT model, subscription is needed to use the key and is based on tokens.</a:t>
+            </a:r>
+          </a:p>
+          <a:p>
+            <a:pPr marL="285750" indent="-285750" algn="just">
+              <a:buFont typeface="Arial" panose="020B0604020202020204" pitchFamily="34" charset="0"/>
+              <a:buChar char="•"/>
+            </a:pPr>
+            <a:r>
+              <a:rPr lang="en-IN" sz="1600" dirty="0">
+                <a:solidFill>
+                  <a:schemeClr val="bg1"/>
+                </a:solidFill>
+                <a:latin typeface="Times New Roman" panose="02020603050405020304" pitchFamily="18" charset="0"/>
+                <a:cs typeface="Times New Roman" panose="02020603050405020304" pitchFamily="18" charset="0"/>
+              </a:rPr>
+              <a:t>Similarity calculation on the generated embeddings to yield the contextual similarity- Cosine Similarity is preferred.</a:t>
+            </a:r>
+          </a:p>
+          <a:p>
+            <a:pPr marL="285750" indent="-285750" algn="just">
+              <a:buFont typeface="Arial" panose="020B0604020202020204" pitchFamily="34" charset="0"/>
+              <a:buChar char="•"/>
+            </a:pPr>
+            <a:endParaRPr lang="en-IN" dirty="0">
+              <a:solidFill>
+                <a:schemeClr val="bg1"/>
+              </a:solidFill>
+            </a:endParaRPr>
+          </a:p>
+          <a:p>
+            <a:pPr marL="285750" indent="-285750" algn="just">
+              <a:buFont typeface="Arial" panose="020B0604020202020204" pitchFamily="34" charset="0"/>
+              <a:buChar char="•"/>
+            </a:pPr>
+            <a:endParaRPr lang="en-IN" dirty="0">
+              <a:solidFill>
+                <a:schemeClr val="bg1"/>
+              </a:solidFill>
+            </a:endParaRPr>
+          </a:p>
+          <a:p>
+            <a:pPr marL="285750" indent="-285750" algn="ctr">
+              <a:buFont typeface="Arial" panose="020B0604020202020204" pitchFamily="34" charset="0"/>
+              <a:buChar char="•"/>
+            </a:pPr>
+            <a:endParaRPr lang="en-IN" dirty="0">
+              <a:solidFill>
+                <a:schemeClr val="bg1"/>
+              </a:solidFill>
+            </a:endParaRPr>
           </a:p>
           <a:p>
             <a:pPr algn="ctr"/>
@@ -10450,20 +10696,13 @@
     </p:spTree>
     <p:extLst>
       <p:ext uri="{BB962C8B-B14F-4D97-AF65-F5344CB8AC3E}">
-        <p14:creationId xmlns:p14="http://schemas.microsoft.com/office/powerpoint/2010/main" val="2386401483"/>
+        <p14:creationId xmlns:p14="http://schemas.microsoft.com/office/powerpoint/2010/main" val="3017159204"/>
       </p:ext>
     </p:extLst>
   </p:cSld>
   <p:clrMapOvr>
     <a:masterClrMapping/>
   </p:clrMapOvr>
-  <p:timing>
-    <p:tnLst>
-      <p:par>
-        <p:cTn id="1" dur="indefinite" restart="never" nodeType="tmRoot"/>
-      </p:par>
-    </p:tnLst>
-  </p:timing>
 </p:sld>
 </file>
 
@@ -10489,7 +10728,7 @@
           <p:cNvPr id="2" name="Title 1">
             <a:extLst>
               <a:ext uri="{FF2B5EF4-FFF2-40B4-BE49-F238E27FC236}">
-                <a16:creationId xmlns:a16="http://schemas.microsoft.com/office/drawing/2014/main" xmlns="" id="{435F2FAE-4318-8731-436E-99AE0C72B677}"/>
+                <a16:creationId xmlns:a16="http://schemas.microsoft.com/office/drawing/2014/main" id="{435F2FAE-4318-8731-436E-99AE0C72B677}"/>
               </a:ext>
             </a:extLst>
           </p:cNvPr>
@@ -10506,10 +10745,9 @@
           <a:lstStyle/>
           <a:p>
             <a:r>
-              <a:rPr lang="en-IN" dirty="0" smtClean="0"/>
+              <a:rPr lang="en-IN" dirty="0"/>
               <a:t>HOW DID WE START IMPLEMENTING?</a:t>
             </a:r>
-            <a:endParaRPr lang="en-IN" dirty="0"/>
           </a:p>
         </p:txBody>
       </p:sp>
@@ -10518,7 +10756,7 @@
           <p:cNvPr id="3" name="Content Placeholder 2">
             <a:extLst>
               <a:ext uri="{FF2B5EF4-FFF2-40B4-BE49-F238E27FC236}">
-                <a16:creationId xmlns:a16="http://schemas.microsoft.com/office/drawing/2014/main" xmlns="" id="{FBDF475D-44BB-8865-9BE2-0B3426A2AECC}"/>
+                <a16:creationId xmlns:a16="http://schemas.microsoft.com/office/drawing/2014/main" id="{FBDF475D-44BB-8865-9BE2-0B3426A2AECC}"/>
               </a:ext>
             </a:extLst>
           </p:cNvPr>
@@ -10585,12 +10823,8 @@
           </a:p>
           <a:p>
             <a:r>
-              <a:rPr lang="en-US" b="1" dirty="0" smtClean="0"/>
-              <a:t>Words </a:t>
-            </a:r>
-            <a:r>
               <a:rPr lang="en-US" b="1" dirty="0"/>
-              <a:t>Comparison Analysis</a:t>
+              <a:t>Words Comparison Analysis</a:t>
             </a:r>
           </a:p>
           <a:p>
@@ -10621,7 +10855,7 @@
           <p:cNvPr id="4" name="Date Placeholder 3">
             <a:extLst>
               <a:ext uri="{FF2B5EF4-FFF2-40B4-BE49-F238E27FC236}">
-                <a16:creationId xmlns:a16="http://schemas.microsoft.com/office/drawing/2014/main" xmlns="" id="{7CF5AE7A-8774-EBF6-5593-20F674538A91}"/>
+                <a16:creationId xmlns:a16="http://schemas.microsoft.com/office/drawing/2014/main" id="{7CF5AE7A-8774-EBF6-5593-20F674538A91}"/>
               </a:ext>
             </a:extLst>
           </p:cNvPr>
@@ -10650,7 +10884,7 @@
           <p:cNvPr id="5" name="Footer Placeholder 4">
             <a:extLst>
               <a:ext uri="{FF2B5EF4-FFF2-40B4-BE49-F238E27FC236}">
-                <a16:creationId xmlns:a16="http://schemas.microsoft.com/office/drawing/2014/main" xmlns="" id="{AFAF775F-65A5-731E-9C2C-AE12BDCD50C2}"/>
+                <a16:creationId xmlns:a16="http://schemas.microsoft.com/office/drawing/2014/main" id="{AFAF775F-65A5-731E-9C2C-AE12BDCD50C2}"/>
               </a:ext>
             </a:extLst>
           </p:cNvPr>
@@ -10678,7 +10912,7 @@
           <p:cNvPr id="6" name="Slide Number Placeholder 5">
             <a:extLst>
               <a:ext uri="{FF2B5EF4-FFF2-40B4-BE49-F238E27FC236}">
-                <a16:creationId xmlns:a16="http://schemas.microsoft.com/office/drawing/2014/main" xmlns="" id="{61036DC0-C761-CC57-C767-23A75202A7DF}"/>
+                <a16:creationId xmlns:a16="http://schemas.microsoft.com/office/drawing/2014/main" id="{61036DC0-C761-CC57-C767-23A75202A7DF}"/>
               </a:ext>
             </a:extLst>
           </p:cNvPr>
@@ -10707,7 +10941,7 @@
           <p:cNvPr id="7" name="object 36">
             <a:extLst>
               <a:ext uri="{FF2B5EF4-FFF2-40B4-BE49-F238E27FC236}">
-                <a16:creationId xmlns:a16="http://schemas.microsoft.com/office/drawing/2014/main" xmlns="" id="{A3EAD820-CCC8-FA3F-1848-898EBDB7DD9A}"/>
+                <a16:creationId xmlns:a16="http://schemas.microsoft.com/office/drawing/2014/main" id="{A3EAD820-CCC8-FA3F-1848-898EBDB7DD9A}"/>
               </a:ext>
             </a:extLst>
           </p:cNvPr>
@@ -10740,13 +10974,6 @@
   <p:clrMapOvr>
     <a:masterClrMapping/>
   </p:clrMapOvr>
-  <p:timing>
-    <p:tnLst>
-      <p:par>
-        <p:cTn id="1" dur="indefinite" restart="never" nodeType="tmRoot"/>
-      </p:par>
-    </p:tnLst>
-  </p:timing>
 </p:sld>
 </file>
 
@@ -10772,7 +10999,7 @@
           <p:cNvPr id="2" name="Title 1">
             <a:extLst>
               <a:ext uri="{FF2B5EF4-FFF2-40B4-BE49-F238E27FC236}">
-                <a16:creationId xmlns:a16="http://schemas.microsoft.com/office/drawing/2014/main" xmlns="" id="{4AB9F4FA-3258-71AA-BFC4-C5B6F326851A}"/>
+                <a16:creationId xmlns:a16="http://schemas.microsoft.com/office/drawing/2014/main" id="{4AB9F4FA-3258-71AA-BFC4-C5B6F326851A}"/>
               </a:ext>
             </a:extLst>
           </p:cNvPr>
@@ -10804,7 +11031,7 @@
           <p:cNvPr id="3" name="Content Placeholder 2">
             <a:extLst>
               <a:ext uri="{FF2B5EF4-FFF2-40B4-BE49-F238E27FC236}">
-                <a16:creationId xmlns:a16="http://schemas.microsoft.com/office/drawing/2014/main" xmlns="" id="{0EBB6E88-30F3-A9FB-1491-4B3CADB617A2}"/>
+                <a16:creationId xmlns:a16="http://schemas.microsoft.com/office/drawing/2014/main" id="{0EBB6E88-30F3-A9FB-1491-4B3CADB617A2}"/>
               </a:ext>
             </a:extLst>
           </p:cNvPr>
@@ -10826,12 +11053,8 @@
               <a:buNone/>
             </a:pPr>
             <a:r>
-              <a:rPr lang="en-US" b="1" dirty="0" smtClean="0"/>
-              <a:t>Objective</a:t>
-            </a:r>
-            <a:r>
               <a:rPr lang="en-US" b="1" dirty="0"/>
-              <a:t>:</a:t>
+              <a:t>Objective:</a:t>
             </a:r>
             <a:endParaRPr lang="en-US" dirty="0"/>
           </a:p>
@@ -10884,11 +11107,7 @@
             <a:pPr lvl="1"/>
             <a:r>
               <a:rPr lang="en-US" dirty="0"/>
-              <a:t>Application supports dynamic comparison for usability and research</a:t>
-            </a:r>
-            <a:r>
-              <a:rPr lang="en-US" dirty="0" smtClean="0"/>
-              <a:t>.</a:t>
+              <a:t>Application supports dynamic comparison for usability and research.</a:t>
             </a:r>
           </a:p>
           <a:p>
@@ -10942,7 +11161,7 @@
           <p:cNvPr id="4" name="Date Placeholder 3">
             <a:extLst>
               <a:ext uri="{FF2B5EF4-FFF2-40B4-BE49-F238E27FC236}">
-                <a16:creationId xmlns:a16="http://schemas.microsoft.com/office/drawing/2014/main" xmlns="" id="{F5458BE2-4091-6B25-C206-57DF197392BD}"/>
+                <a16:creationId xmlns:a16="http://schemas.microsoft.com/office/drawing/2014/main" id="{F5458BE2-4091-6B25-C206-57DF197392BD}"/>
               </a:ext>
             </a:extLst>
           </p:cNvPr>
@@ -10971,7 +11190,7 @@
           <p:cNvPr id="5" name="Footer Placeholder 4">
             <a:extLst>
               <a:ext uri="{FF2B5EF4-FFF2-40B4-BE49-F238E27FC236}">
-                <a16:creationId xmlns:a16="http://schemas.microsoft.com/office/drawing/2014/main" xmlns="" id="{687050F4-3735-0D62-71CE-A2973E144C23}"/>
+                <a16:creationId xmlns:a16="http://schemas.microsoft.com/office/drawing/2014/main" id="{687050F4-3735-0D62-71CE-A2973E144C23}"/>
               </a:ext>
             </a:extLst>
           </p:cNvPr>
@@ -10999,7 +11218,7 @@
           <p:cNvPr id="6" name="Slide Number Placeholder 5">
             <a:extLst>
               <a:ext uri="{FF2B5EF4-FFF2-40B4-BE49-F238E27FC236}">
-                <a16:creationId xmlns:a16="http://schemas.microsoft.com/office/drawing/2014/main" xmlns="" id="{E2F30AA2-1BDC-9612-25F5-5484EA47332D}"/>
+                <a16:creationId xmlns:a16="http://schemas.microsoft.com/office/drawing/2014/main" id="{E2F30AA2-1BDC-9612-25F5-5484EA47332D}"/>
               </a:ext>
             </a:extLst>
           </p:cNvPr>
@@ -11028,7 +11247,7 @@
           <p:cNvPr id="7" name="object 36">
             <a:extLst>
               <a:ext uri="{FF2B5EF4-FFF2-40B4-BE49-F238E27FC236}">
-                <a16:creationId xmlns:a16="http://schemas.microsoft.com/office/drawing/2014/main" xmlns="" id="{E9599073-DCB5-EEF7-CB00-99F6AC67CD77}"/>
+                <a16:creationId xmlns:a16="http://schemas.microsoft.com/office/drawing/2014/main" id="{E9599073-DCB5-EEF7-CB00-99F6AC67CD77}"/>
               </a:ext>
             </a:extLst>
           </p:cNvPr>
@@ -11061,13 +11280,6 @@
   <p:clrMapOvr>
     <a:masterClrMapping/>
   </p:clrMapOvr>
-  <p:timing>
-    <p:tnLst>
-      <p:par>
-        <p:cTn id="1" dur="indefinite" restart="never" nodeType="tmRoot"/>
-      </p:par>
-    </p:tnLst>
-  </p:timing>
 </p:sld>
 </file>
 
@@ -11093,7 +11305,7 @@
           <p:cNvPr id="2" name="Title 1">
             <a:extLst>
               <a:ext uri="{FF2B5EF4-FFF2-40B4-BE49-F238E27FC236}">
-                <a16:creationId xmlns:a16="http://schemas.microsoft.com/office/drawing/2014/main" xmlns="" id="{7F6A2648-93CE-BD7B-E01C-F141122B1356}"/>
+                <a16:creationId xmlns:a16="http://schemas.microsoft.com/office/drawing/2014/main" id="{7F6A2648-93CE-BD7B-E01C-F141122B1356}"/>
               </a:ext>
             </a:extLst>
           </p:cNvPr>
@@ -11125,7 +11337,7 @@
           <p:cNvPr id="3" name="Content Placeholder 2">
             <a:extLst>
               <a:ext uri="{FF2B5EF4-FFF2-40B4-BE49-F238E27FC236}">
-                <a16:creationId xmlns:a16="http://schemas.microsoft.com/office/drawing/2014/main" xmlns="" id="{82D36B1B-B36C-203C-974A-6A4FC1B14786}"/>
+                <a16:creationId xmlns:a16="http://schemas.microsoft.com/office/drawing/2014/main" id="{82D36B1B-B36C-203C-974A-6A4FC1B14786}"/>
               </a:ext>
             </a:extLst>
           </p:cNvPr>
@@ -11145,11 +11357,7 @@
           <a:p>
             <a:r>
               <a:rPr lang="en-US" b="1" dirty="0"/>
-              <a:t>Generating </a:t>
-            </a:r>
-            <a:r>
-              <a:rPr lang="en-US" b="1" dirty="0" smtClean="0"/>
-              <a:t>Embedding's:</a:t>
+              <a:t>Generating Embedding's:</a:t>
             </a:r>
             <a:endParaRPr lang="en-US" dirty="0"/>
           </a:p>
@@ -11164,21 +11372,8 @@
             <a:pPr lvl="1"/>
             <a:r>
               <a:rPr lang="en-US" dirty="0"/>
-              <a:t>Purpose: Processes text inputs &amp; generates </a:t>
-            </a:r>
-            <a:r>
-              <a:rPr lang="en-US" dirty="0" smtClean="0"/>
-              <a:t>embeddings </a:t>
-            </a:r>
-            <a:r>
-              <a:rPr lang="en-US" dirty="0"/>
-              <a:t>using OpenAI </a:t>
-            </a:r>
-            <a:r>
-              <a:rPr lang="en-US" dirty="0" smtClean="0"/>
-              <a:t>Embeddings.</a:t>
-            </a:r>
-            <a:endParaRPr lang="en-US" dirty="0"/>
+              <a:t>Purpose: Processes text inputs &amp; generates embeddings using OpenAI Embeddings.</a:t>
+            </a:r>
           </a:p>
           <a:p>
             <a:pPr lvl="1"/>
@@ -11218,12 +11413,8 @@
           <a:p>
             <a:pPr lvl="1"/>
             <a:r>
-              <a:rPr lang="en-US" dirty="0" smtClean="0"/>
-              <a:t>Calculate Similarity(float</a:t>
-            </a:r>
-            <a:r>
               <a:rPr lang="en-US" dirty="0"/>
-              <a:t>[] embedding1, float[] embedding2)</a:t>
+              <a:t>Calculate Similarity(float[] embedding1, float[] embedding2)</a:t>
             </a:r>
           </a:p>
           <a:p>
@@ -11257,7 +11448,7 @@
           <p:cNvPr id="4" name="Date Placeholder 3">
             <a:extLst>
               <a:ext uri="{FF2B5EF4-FFF2-40B4-BE49-F238E27FC236}">
-                <a16:creationId xmlns:a16="http://schemas.microsoft.com/office/drawing/2014/main" xmlns="" id="{1191A514-3164-88B6-3599-F64FF4888C71}"/>
+                <a16:creationId xmlns:a16="http://schemas.microsoft.com/office/drawing/2014/main" id="{1191A514-3164-88B6-3599-F64FF4888C71}"/>
               </a:ext>
             </a:extLst>
           </p:cNvPr>
@@ -11285,7 +11476,7 @@
           <p:cNvPr id="5" name="Footer Placeholder 4">
             <a:extLst>
               <a:ext uri="{FF2B5EF4-FFF2-40B4-BE49-F238E27FC236}">
-                <a16:creationId xmlns:a16="http://schemas.microsoft.com/office/drawing/2014/main" xmlns="" id="{45498C87-BB2E-BA92-5659-850E9A94B899}"/>
+                <a16:creationId xmlns:a16="http://schemas.microsoft.com/office/drawing/2014/main" id="{45498C87-BB2E-BA92-5659-850E9A94B899}"/>
               </a:ext>
             </a:extLst>
           </p:cNvPr>
@@ -11313,7 +11504,7 @@
           <p:cNvPr id="6" name="Slide Number Placeholder 5">
             <a:extLst>
               <a:ext uri="{FF2B5EF4-FFF2-40B4-BE49-F238E27FC236}">
-                <a16:creationId xmlns:a16="http://schemas.microsoft.com/office/drawing/2014/main" xmlns="" id="{750AE21A-3BDE-240C-FF68-6D6623026BD8}"/>
+                <a16:creationId xmlns:a16="http://schemas.microsoft.com/office/drawing/2014/main" id="{750AE21A-3BDE-240C-FF68-6D6623026BD8}"/>
               </a:ext>
             </a:extLst>
           </p:cNvPr>
@@ -11342,7 +11533,7 @@
           <p:cNvPr id="7" name="object 36">
             <a:extLst>
               <a:ext uri="{FF2B5EF4-FFF2-40B4-BE49-F238E27FC236}">
-                <a16:creationId xmlns:a16="http://schemas.microsoft.com/office/drawing/2014/main" xmlns="" id="{D5A51CBC-B63F-CF5C-240E-9423A6D8292B}"/>
+                <a16:creationId xmlns:a16="http://schemas.microsoft.com/office/drawing/2014/main" id="{D5A51CBC-B63F-CF5C-240E-9423A6D8292B}"/>
               </a:ext>
             </a:extLst>
           </p:cNvPr>
@@ -11375,13 +11566,6 @@
   <p:clrMapOvr>
     <a:masterClrMapping/>
   </p:clrMapOvr>
-  <p:timing>
-    <p:tnLst>
-      <p:par>
-        <p:cTn id="1" dur="indefinite" restart="never" nodeType="tmRoot"/>
-      </p:par>
-    </p:tnLst>
-  </p:timing>
 </p:sld>
 </file>
 
@@ -11648,7 +11832,7 @@
   <a:extraClrSchemeLst/>
   <a:extLst>
     <a:ext uri="{05A4C25C-085E-4340-85A3-A5531E510DB2}">
-      <thm15:themeFamily xmlns:thm15="http://schemas.microsoft.com/office/thememl/2012/main" xmlns="" name="DividendVTI" id="{97558BDE-0B66-457C-BB6F-7B1B22DAA9B8}" vid="{F53508A3-AC60-448A-AF37-934D5F1A0D5E}"/>
+      <thm15:themeFamily xmlns:thm15="http://schemas.microsoft.com/office/thememl/2012/main" name="DividendVTI" id="{97558BDE-0B66-457C-BB6F-7B1B22DAA9B8}" vid="{F53508A3-AC60-448A-AF37-934D5F1A0D5E}"/>
     </a:ext>
   </a:extLst>
 </a:theme>
@@ -11943,13 +12127,31 @@
   <a:extraClrSchemeLst/>
   <a:extLst>
     <a:ext uri="{05A4C25C-085E-4340-85A3-A5531E510DB2}">
-      <thm15:themeFamily xmlns:thm15="http://schemas.microsoft.com/office/thememl/2012/main" xmlns="" name="Office Theme" id="{62F939B6-93AF-4DB8-9C6B-D6C7DFDC589F}" vid="{4A3C46E8-61CC-4603-A589-7422A47A8E4A}"/>
+      <thm15:themeFamily xmlns:thm15="http://schemas.microsoft.com/office/thememl/2012/main" name="Office Theme" id="{62F939B6-93AF-4DB8-9C6B-D6C7DFDC589F}" vid="{4A3C46E8-61CC-4603-A589-7422A47A8E4A}"/>
     </a:ext>
   </a:extLst>
 </a:theme>
 </file>
 
 <file path=customXml/item1.xml><?xml version="1.0" encoding="utf-8"?>
+<?mso-contentType ?>
+<FormTemplates xmlns="http://schemas.microsoft.com/sharepoint/v3/contenttype/forms">
+  <Display>DocumentLibraryForm</Display>
+  <Edit>DocumentLibraryForm</Edit>
+  <New>DocumentLibraryForm</New>
+</FormTemplates>
+</file>
+
+<file path=customXml/item2.xml><?xml version="1.0" encoding="utf-8"?>
+<p:properties xmlns:p="http://schemas.microsoft.com/office/2006/metadata/properties" xmlns:xsi="http://www.w3.org/2001/XMLSchema-instance" xmlns:pc="http://schemas.microsoft.com/office/infopath/2007/PartnerControls">
+  <documentManagement>
+    <Status xmlns="71af3243-3dd4-4a8d-8c0d-dd76da1f02a5">Not started</Status>
+    <MediaServiceKeyPoints xmlns="71af3243-3dd4-4a8d-8c0d-dd76da1f02a5" xsi:nil="true"/>
+  </documentManagement>
+</p:properties>
+</file>
+
+<file path=customXml/item3.xml><?xml version="1.0" encoding="utf-8"?>
 <ct:contentTypeSchema xmlns:ct="http://schemas.microsoft.com/office/2006/metadata/contentType" xmlns:ma="http://schemas.microsoft.com/office/2006/metadata/properties/metaAttributes" ct:_="" ma:_="" ma:contentTypeName="Document" ma:contentTypeID="0x01010079F111ED35F8CC479449609E8A0923A6" ma:contentTypeVersion="12" ma:contentTypeDescription="Create a new document." ma:contentTypeScope="" ma:versionID="a410dd7f93c95333ffa1b60ed6adedd1">
   <xsd:schema xmlns:xsd="http://www.w3.org/2001/XMLSchema" xmlns:xs="http://www.w3.org/2001/XMLSchema" xmlns:p="http://schemas.microsoft.com/office/2006/metadata/properties" xmlns:ns2="71af3243-3dd4-4a8d-8c0d-dd76da1f02a5" xmlns:ns3="16c05727-aa75-4e4a-9b5f-8a80a1165891" targetNamespace="http://schemas.microsoft.com/office/2006/metadata/properties" ma:root="true" ma:fieldsID="a936d9baba76aa3866493feff160faab" ns2:_="" ns3:_="">
     <xsd:import namespace="71af3243-3dd4-4a8d-8c0d-dd76da1f02a5"/>
@@ -12170,39 +12372,10 @@
 </ct:contentTypeSchema>
 </file>
 
-<file path=customXml/item2.xml><?xml version="1.0" encoding="utf-8"?>
-<p:properties xmlns:p="http://schemas.microsoft.com/office/2006/metadata/properties" xmlns:xsi="http://www.w3.org/2001/XMLSchema-instance" xmlns:pc="http://schemas.microsoft.com/office/infopath/2007/PartnerControls">
-  <documentManagement>
-    <Status xmlns="71af3243-3dd4-4a8d-8c0d-dd76da1f02a5">Not started</Status>
-    <MediaServiceKeyPoints xmlns="71af3243-3dd4-4a8d-8c0d-dd76da1f02a5" xsi:nil="true"/>
-  </documentManagement>
-</p:properties>
-</file>
-
-<file path=customXml/item3.xml><?xml version="1.0" encoding="utf-8"?>
-<?mso-contentType ?>
-<FormTemplates xmlns="http://schemas.microsoft.com/sharepoint/v3/contenttype/forms">
-  <Display>DocumentLibraryForm</Display>
-  <Edit>DocumentLibraryForm</Edit>
-  <New>DocumentLibraryForm</New>
-</FormTemplates>
-</file>
-
 <file path=customXml/itemProps1.xml><?xml version="1.0" encoding="utf-8"?>
-<ds:datastoreItem xmlns:ds="http://schemas.openxmlformats.org/officeDocument/2006/customXml" ds:itemID="{41E7CA09-9778-4414-AE97-8064B12DA30E}">
+<ds:datastoreItem xmlns:ds="http://schemas.openxmlformats.org/officeDocument/2006/customXml" ds:itemID="{927BD4C1-B6B1-4715-ABF9-E660A51A4EA0}">
   <ds:schemaRefs>
-    <ds:schemaRef ds:uri="http://schemas.microsoft.com/office/2006/metadata/contentType"/>
-    <ds:schemaRef ds:uri="http://schemas.microsoft.com/office/2006/metadata/properties/metaAttributes"/>
-    <ds:schemaRef ds:uri="http://www.w3.org/2001/XMLSchema"/>
-    <ds:schemaRef ds:uri="http://schemas.microsoft.com/office/2006/metadata/properties"/>
-    <ds:schemaRef ds:uri="71af3243-3dd4-4a8d-8c0d-dd76da1f02a5"/>
-    <ds:schemaRef ds:uri="16c05727-aa75-4e4a-9b5f-8a80a1165891"/>
-    <ds:schemaRef ds:uri="http://schemas.microsoft.com/office/2006/documentManagement/types"/>
-    <ds:schemaRef ds:uri="http://schemas.microsoft.com/office/infopath/2007/PartnerControls"/>
-    <ds:schemaRef ds:uri="http://schemas.openxmlformats.org/package/2006/metadata/core-properties"/>
-    <ds:schemaRef ds:uri="http://purl.org/dc/elements/1.1/"/>
-    <ds:schemaRef ds:uri="http://purl.org/dc/terms/"/>
-    <ds:schemaRef ds:uri="http://schemas.microsoft.com/internal/obd"/>
+    <ds:schemaRef ds:uri="http://schemas.microsoft.com/sharepoint/v3/contenttype/forms"/>
   </ds:schemaRefs>
 </ds:datastoreItem>
 </file>
@@ -12225,9 +12398,20 @@
 </file>
 
 <file path=customXml/itemProps3.xml><?xml version="1.0" encoding="utf-8"?>
-<ds:datastoreItem xmlns:ds="http://schemas.openxmlformats.org/officeDocument/2006/customXml" ds:itemID="{927BD4C1-B6B1-4715-ABF9-E660A51A4EA0}">
+<ds:datastoreItem xmlns:ds="http://schemas.openxmlformats.org/officeDocument/2006/customXml" ds:itemID="{41E7CA09-9778-4414-AE97-8064B12DA30E}">
   <ds:schemaRefs>
-    <ds:schemaRef ds:uri="http://schemas.microsoft.com/sharepoint/v3/contenttype/forms"/>
+    <ds:schemaRef ds:uri="http://schemas.microsoft.com/office/2006/metadata/contentType"/>
+    <ds:schemaRef ds:uri="http://schemas.microsoft.com/office/2006/metadata/properties/metaAttributes"/>
+    <ds:schemaRef ds:uri="http://www.w3.org/2001/XMLSchema"/>
+    <ds:schemaRef ds:uri="http://schemas.microsoft.com/office/2006/metadata/properties"/>
+    <ds:schemaRef ds:uri="71af3243-3dd4-4a8d-8c0d-dd76da1f02a5"/>
+    <ds:schemaRef ds:uri="16c05727-aa75-4e4a-9b5f-8a80a1165891"/>
+    <ds:schemaRef ds:uri="http://schemas.microsoft.com/office/2006/documentManagement/types"/>
+    <ds:schemaRef ds:uri="http://schemas.microsoft.com/office/infopath/2007/PartnerControls"/>
+    <ds:schemaRef ds:uri="http://schemas.openxmlformats.org/package/2006/metadata/core-properties"/>
+    <ds:schemaRef ds:uri="http://purl.org/dc/elements/1.1/"/>
+    <ds:schemaRef ds:uri="http://purl.org/dc/terms/"/>
+    <ds:schemaRef ds:uri="http://schemas.microsoft.com/internal/obd"/>
   </ds:schemaRefs>
 </ds:datastoreItem>
 </file>
--- a/SemanticAnalysisTextualData/SemanticAnalysisTextualData/Documentation/SemanticAnalysisTextualData.pptx
+++ b/SemanticAnalysisTextualData/SemanticAnalysisTextualData/Documentation/SemanticAnalysisTextualData.pptx
@@ -224,7 +224,7 @@
           <a:p>
             <a:fld id="{11D6DB3B-771A-44D2-8BEC-BC172A3E87DE}" type="datetimeFigureOut">
               <a:rPr lang="en-IN" smtClean="0"/>
-              <a:t>25-03-2025</a:t>
+              <a:t>26-03-2025</a:t>
             </a:fld>
             <a:endParaRPr lang="en-IN" dirty="0"/>
           </a:p>
@@ -740,6 +740,90 @@
     <p:extLst>
       <p:ext uri="{BB962C8B-B14F-4D97-AF65-F5344CB8AC3E}">
         <p14:creationId xmlns:p14="http://schemas.microsoft.com/office/powerpoint/2010/main" val="515209419"/>
+      </p:ext>
+    </p:extLst>
+  </p:cSld>
+  <p:clrMapOvr>
+    <a:masterClrMapping/>
+  </p:clrMapOvr>
+</p:notes>
+</file>
+
+<file path=ppt/notesSlides/notesSlide4.xml><?xml version="1.0" encoding="utf-8"?>
+<p:notes xmlns:a="http://schemas.openxmlformats.org/drawingml/2006/main" xmlns:r="http://schemas.openxmlformats.org/officeDocument/2006/relationships" xmlns:p="http://schemas.openxmlformats.org/presentationml/2006/main">
+  <p:cSld>
+    <p:spTree>
+      <p:nvGrpSpPr>
+        <p:cNvPr id="1" name=""/>
+        <p:cNvGrpSpPr/>
+        <p:nvPr/>
+      </p:nvGrpSpPr>
+      <p:grpSpPr>
+        <a:xfrm>
+          <a:off x="0" y="0"/>
+          <a:ext cx="0" cy="0"/>
+          <a:chOff x="0" y="0"/>
+          <a:chExt cx="0" cy="0"/>
+        </a:xfrm>
+      </p:grpSpPr>
+      <p:sp>
+        <p:nvSpPr>
+          <p:cNvPr id="2" name="Slide Image Placeholder 1"/>
+          <p:cNvSpPr>
+            <a:spLocks noGrp="1" noRot="1" noChangeAspect="1"/>
+          </p:cNvSpPr>
+          <p:nvPr>
+            <p:ph type="sldImg"/>
+          </p:nvPr>
+        </p:nvSpPr>
+        <p:spPr/>
+      </p:sp>
+      <p:sp>
+        <p:nvSpPr>
+          <p:cNvPr id="3" name="Notes Placeholder 2"/>
+          <p:cNvSpPr>
+            <a:spLocks noGrp="1"/>
+          </p:cNvSpPr>
+          <p:nvPr>
+            <p:ph type="body" idx="1"/>
+          </p:nvPr>
+        </p:nvSpPr>
+        <p:spPr/>
+        <p:txBody>
+          <a:bodyPr/>
+          <a:lstStyle/>
+          <a:p>
+            <a:endParaRPr lang="en-US" dirty="0"/>
+          </a:p>
+        </p:txBody>
+      </p:sp>
+      <p:sp>
+        <p:nvSpPr>
+          <p:cNvPr id="4" name="Slide Number Placeholder 3"/>
+          <p:cNvSpPr>
+            <a:spLocks noGrp="1"/>
+          </p:cNvSpPr>
+          <p:nvPr>
+            <p:ph type="sldNum" sz="quarter" idx="10"/>
+          </p:nvPr>
+        </p:nvSpPr>
+        <p:spPr/>
+        <p:txBody>
+          <a:bodyPr/>
+          <a:lstStyle/>
+          <a:p>
+            <a:fld id="{106FC5E7-C775-4A1D-8BF3-EABAF5DEA073}" type="slidenum">
+              <a:rPr lang="en-IN" smtClean="0"/>
+              <a:t>11</a:t>
+            </a:fld>
+            <a:endParaRPr lang="en-IN" dirty="0"/>
+          </a:p>
+        </p:txBody>
+      </p:sp>
+    </p:spTree>
+    <p:extLst>
+      <p:ext uri="{BB962C8B-B14F-4D97-AF65-F5344CB8AC3E}">
+        <p14:creationId xmlns:p14="http://schemas.microsoft.com/office/powerpoint/2010/main" val="3997361403"/>
       </p:ext>
     </p:extLst>
   </p:cSld>
@@ -16808,29 +16892,35 @@
         </p:spPr>
         <p:txBody>
           <a:bodyPr>
-            <a:normAutofit fontScale="47500" lnSpcReduction="20000"/>
+            <a:normAutofit/>
           </a:bodyPr>
           <a:lstStyle/>
           <a:p>
-            <a:pPr marL="0" indent="0">
+            <a:pPr marL="0" lvl="1" indent="0">
+              <a:lnSpc>
+                <a:spcPct val="80000"/>
+              </a:lnSpc>
+              <a:spcAft>
+                <a:spcPts val="600"/>
+              </a:spcAft>
               <a:buNone/>
             </a:pPr>
             <a:r>
-              <a:rPr lang="en-US" sz="2900" b="1" dirty="0">
+              <a:rPr lang="en-US" sz="1600" b="1" dirty="0">
                 <a:latin typeface="Times New Roman" pitchFamily="18" charset="0"/>
                 <a:cs typeface="Times New Roman" pitchFamily="18" charset="0"/>
               </a:rPr>
               <a:t>Purpose:</a:t>
             </a:r>
-            <a:endParaRPr lang="en-US" sz="2900" dirty="0">
-              <a:latin typeface="Times New Roman" pitchFamily="18" charset="0"/>
-              <a:cs typeface="Times New Roman" pitchFamily="18" charset="0"/>
-            </a:endParaRPr>
-          </a:p>
-          <a:p>
-            <a:pPr lvl="1"/>
-            <a:r>
-              <a:rPr lang="en-US" sz="2900" dirty="0">
+          </a:p>
+          <a:p>
+            <a:pPr lvl="1">
+              <a:spcAft>
+                <a:spcPts val="600"/>
+              </a:spcAft>
+            </a:pPr>
+            <a:r>
+              <a:rPr lang="en-US" sz="1200" dirty="0">
                 <a:latin typeface="Times New Roman" pitchFamily="18" charset="0"/>
                 <a:cs typeface="Times New Roman" pitchFamily="18" charset="0"/>
               </a:rPr>
@@ -16838,13 +16928,73 @@
             </a:r>
           </a:p>
           <a:p>
-            <a:pPr lvl="1"/>
-            <a:r>
-              <a:rPr lang="en-US" sz="2900" dirty="0">
+            <a:pPr lvl="1">
+              <a:spcAft>
+                <a:spcPts val="600"/>
+              </a:spcAft>
+            </a:pPr>
+            <a:r>
+              <a:rPr lang="en-US" sz="1200" dirty="0">
                 <a:latin typeface="Times New Roman" pitchFamily="18" charset="0"/>
                 <a:cs typeface="Times New Roman" pitchFamily="18" charset="0"/>
               </a:rPr>
               <a:t>Maintain high code coverage by testing positive, negative, and edge case scenarios.</a:t>
+            </a:r>
+          </a:p>
+          <a:p>
+            <a:pPr lvl="1">
+              <a:spcAft>
+                <a:spcPts val="600"/>
+              </a:spcAft>
+            </a:pPr>
+            <a:r>
+              <a:rPr lang="en-US" sz="1200" dirty="0">
+                <a:latin typeface="Times New Roman" pitchFamily="18" charset="0"/>
+                <a:cs typeface="Times New Roman" pitchFamily="18" charset="0"/>
+              </a:rPr>
+              <a:t>Test Framework:</a:t>
+            </a:r>
+          </a:p>
+          <a:p>
+            <a:pPr lvl="1">
+              <a:spcAft>
+                <a:spcPts val="600"/>
+              </a:spcAft>
+            </a:pPr>
+            <a:r>
+              <a:rPr lang="en-US" sz="1200" dirty="0">
+                <a:latin typeface="Times New Roman" pitchFamily="18" charset="0"/>
+                <a:cs typeface="Times New Roman" pitchFamily="18" charset="0"/>
+              </a:rPr>
+              <a:t>Implemented using Microsoft.VisualStudio.TestTools.UnitTesting.</a:t>
+            </a:r>
+          </a:p>
+          <a:p>
+            <a:pPr lvl="1">
+              <a:spcAft>
+                <a:spcPts val="600"/>
+              </a:spcAft>
+            </a:pPr>
+            <a:r>
+              <a:rPr lang="en-US" sz="1200" dirty="0">
+                <a:latin typeface="Times New Roman" pitchFamily="18" charset="0"/>
+                <a:cs typeface="Times New Roman" pitchFamily="18" charset="0"/>
+              </a:rPr>
+              <a:t>Tests run via Visual Studio Test Explorer.</a:t>
+            </a:r>
+          </a:p>
+          <a:p>
+            <a:pPr lvl="1">
+              <a:spcAft>
+                <a:spcPts val="600"/>
+              </a:spcAft>
+            </a:pPr>
+            <a:r>
+              <a:rPr lang="en-US" sz="1200" dirty="0">
+                <a:latin typeface="Times New Roman" pitchFamily="18" charset="0"/>
+                <a:cs typeface="Times New Roman" pitchFamily="18" charset="0"/>
+              </a:rPr>
+              <a:t>Test classes created for each service based on business functionalities.</a:t>
             </a:r>
           </a:p>
           <a:p>
@@ -16855,124 +17005,11 @@
             </a:endParaRPr>
           </a:p>
           <a:p>
-            <a:pPr marL="0" indent="0">
-              <a:buNone/>
-            </a:pPr>
-            <a:r>
-              <a:rPr lang="en-US" sz="2900" b="1" dirty="0">
-                <a:latin typeface="Times New Roman" pitchFamily="18" charset="0"/>
-                <a:cs typeface="Times New Roman" pitchFamily="18" charset="0"/>
-              </a:rPr>
-              <a:t>Test Framework:</a:t>
-            </a:r>
-          </a:p>
-          <a:p>
-            <a:pPr lvl="1"/>
-            <a:r>
-              <a:rPr lang="en-US" sz="2900" dirty="0">
-                <a:latin typeface="Times New Roman" pitchFamily="18" charset="0"/>
-                <a:cs typeface="Times New Roman" pitchFamily="18" charset="0"/>
-              </a:rPr>
-              <a:t>Implemented using Microsoft.VisualStudio.TestTools.UnitTesting.</a:t>
-            </a:r>
-          </a:p>
-          <a:p>
-            <a:pPr lvl="1"/>
-            <a:r>
-              <a:rPr lang="en-US" sz="2900" dirty="0">
-                <a:latin typeface="Times New Roman" pitchFamily="18" charset="0"/>
-                <a:cs typeface="Times New Roman" pitchFamily="18" charset="0"/>
-              </a:rPr>
-              <a:t>Tests run via Visual Studio Test Explorer.</a:t>
-            </a:r>
-          </a:p>
-          <a:p>
-            <a:pPr lvl="1"/>
-            <a:r>
-              <a:rPr lang="en-US" sz="2900" dirty="0">
-                <a:latin typeface="Times New Roman" pitchFamily="18" charset="0"/>
-                <a:cs typeface="Times New Roman" pitchFamily="18" charset="0"/>
-              </a:rPr>
-              <a:t>Test classes created for each service based on business functionalities.</a:t>
-            </a:r>
-          </a:p>
-          <a:p>
             <a:pPr lvl="1"/>
             <a:endParaRPr lang="en-US" sz="2900" dirty="0">
               <a:latin typeface="Times New Roman" pitchFamily="18" charset="0"/>
               <a:cs typeface="Times New Roman" pitchFamily="18" charset="0"/>
             </a:endParaRPr>
-          </a:p>
-          <a:p>
-            <a:pPr marL="0" indent="0">
-              <a:buNone/>
-            </a:pPr>
-            <a:r>
-              <a:rPr lang="en-US" sz="2900" b="1" dirty="0">
-                <a:latin typeface="Times New Roman" pitchFamily="18" charset="0"/>
-                <a:cs typeface="Times New Roman" pitchFamily="18" charset="0"/>
-              </a:rPr>
-              <a:t>Test Results:</a:t>
-            </a:r>
-          </a:p>
-          <a:p>
-            <a:pPr lvl="1"/>
-            <a:r>
-              <a:rPr lang="en-US" sz="2900" dirty="0">
-                <a:latin typeface="Times New Roman" pitchFamily="18" charset="0"/>
-                <a:cs typeface="Times New Roman" pitchFamily="18" charset="0"/>
-              </a:rPr>
-              <a:t>All test cases successfully passed.</a:t>
-            </a:r>
-          </a:p>
-          <a:p>
-            <a:pPr lvl="1"/>
-            <a:r>
-              <a:rPr lang="en-US" sz="2900" dirty="0">
-                <a:latin typeface="Times New Roman" pitchFamily="18" charset="0"/>
-                <a:cs typeface="Times New Roman" pitchFamily="18" charset="0"/>
-              </a:rPr>
-              <a:t>Coverage maintained by including different scenarios.</a:t>
-            </a:r>
-          </a:p>
-          <a:p>
-            <a:pPr lvl="1"/>
-            <a:endParaRPr lang="en-US" sz="2900" dirty="0">
-              <a:latin typeface="Times New Roman" pitchFamily="18" charset="0"/>
-              <a:cs typeface="Times New Roman" pitchFamily="18" charset="0"/>
-            </a:endParaRPr>
-          </a:p>
-          <a:p>
-            <a:pPr marL="0" indent="0">
-              <a:buNone/>
-            </a:pPr>
-            <a:r>
-              <a:rPr lang="en-US" sz="2900" b="1" dirty="0">
-                <a:latin typeface="Times New Roman" pitchFamily="18" charset="0"/>
-                <a:cs typeface="Times New Roman" pitchFamily="18" charset="0"/>
-              </a:rPr>
-              <a:t>Future Improvements:</a:t>
-            </a:r>
-          </a:p>
-          <a:p>
-            <a:pPr lvl="1"/>
-            <a:r>
-              <a:rPr lang="en-US" sz="2900" dirty="0">
-                <a:latin typeface="Times New Roman" pitchFamily="18" charset="0"/>
-                <a:cs typeface="Times New Roman" pitchFamily="18" charset="0"/>
-              </a:rPr>
-              <a:t>Implementing mock data for unit tests.</a:t>
-            </a:r>
-          </a:p>
-          <a:p>
-            <a:pPr lvl="1"/>
-            <a:r>
-              <a:rPr lang="en-US" sz="2900" dirty="0">
-                <a:latin typeface="Times New Roman" pitchFamily="18" charset="0"/>
-                <a:cs typeface="Times New Roman" pitchFamily="18" charset="0"/>
-              </a:rPr>
-              <a:t>Automating the testing process to reduce manual effort.</a:t>
-            </a:r>
           </a:p>
           <a:p>
             <a:endParaRPr lang="en-US" dirty="0"/>
@@ -17018,10 +17055,9 @@
           <a:lstStyle/>
           <a:p>
             <a:r>
-              <a:rPr lang="en-US"/>
+              <a:rPr lang="en-US" dirty="0"/>
               <a:t>Software Engineering</a:t>
             </a:r>
-            <a:endParaRPr lang="en-US" dirty="0"/>
           </a:p>
         </p:txBody>
       </p:sp>
@@ -17991,7 +18027,7 @@
                 <a:latin typeface="Times New Roman" pitchFamily="18" charset="0"/>
                 <a:cs typeface="Times New Roman" pitchFamily="18" charset="0"/>
               </a:rPr>
-              <a:t>CSVHelperUtilTest</a:t>
+              <a:t>CSV Helper utility Test</a:t>
             </a:r>
           </a:p>
         </p:txBody>
@@ -18051,7 +18087,7 @@
           <p:nvPr/>
         </p:nvPicPr>
         <p:blipFill>
-          <a:blip r:embed="rId2" cstate="print"/>
+          <a:blip r:embed="rId3" cstate="print"/>
           <a:stretch>
             <a:fillRect/>
           </a:stretch>
@@ -18064,6 +18100,66 @@
           <a:prstGeom prst="rect">
             <a:avLst/>
           </a:prstGeom>
+        </p:spPr>
+      </p:pic>
+      <p:pic>
+        <p:nvPicPr>
+          <p:cNvPr id="1026" name="Picture 2"/>
+          <p:cNvPicPr>
+            <a:picLocks noChangeAspect="1" noChangeArrowheads="1"/>
+          </p:cNvPicPr>
+          <p:nvPr/>
+        </p:nvPicPr>
+        <p:blipFill>
+          <a:blip r:embed="rId4">
+            <a:extLst>
+              <a:ext uri="{28A0092B-C50C-407E-A947-70E740481C1C}">
+                <a14:useLocalDpi xmlns:a14="http://schemas.microsoft.com/office/drawing/2010/main" val="0"/>
+              </a:ext>
+            </a:extLst>
+          </a:blip>
+          <a:srcRect/>
+          <a:stretch>
+            <a:fillRect/>
+          </a:stretch>
+        </p:blipFill>
+        <p:spPr bwMode="auto">
+          <a:xfrm>
+            <a:off x="637011" y="4651101"/>
+            <a:ext cx="4483629" cy="1506115"/>
+          </a:xfrm>
+          <a:prstGeom prst="rect">
+            <a:avLst/>
+          </a:prstGeom>
+          <a:noFill/>
+          <a:ln>
+            <a:noFill/>
+          </a:ln>
+          <a:effectLst>
+            <a:outerShdw dist="35921" dir="2700000" algn="ctr" rotWithShape="0">
+              <a:schemeClr val="bg2"/>
+            </a:outerShdw>
+            <a:softEdge rad="127000"/>
+          </a:effectLst>
+          <a:extLst>
+            <a:ext uri="{909E8E84-426E-40DD-AFC4-6F175D3DCCD1}">
+              <a14:hiddenFill xmlns:a14="http://schemas.microsoft.com/office/drawing/2010/main">
+                <a:solidFill>
+                  <a:schemeClr val="accent1"/>
+                </a:solidFill>
+              </a14:hiddenFill>
+            </a:ext>
+            <a:ext uri="{91240B29-F687-4F45-9708-019B960494DF}">
+              <a14:hiddenLine xmlns:a14="http://schemas.microsoft.com/office/drawing/2010/main" w="9525">
+                <a:solidFill>
+                  <a:schemeClr val="tx1"/>
+                </a:solidFill>
+                <a:miter lim="800000"/>
+                <a:headEnd/>
+                <a:tailEnd/>
+              </a14:hiddenLine>
+            </a:ext>
+          </a:extLst>
         </p:spPr>
       </p:pic>
     </p:spTree>
@@ -18118,22 +18214,13 @@
           </a:bodyPr>
           <a:lstStyle/>
           <a:p>
-            <a:pPr marL="0" indent="0">
-              <a:buNone/>
-            </a:pPr>
-            <a:endParaRPr lang="en-US" sz="1600" dirty="0">
-              <a:latin typeface="Times New Roman" pitchFamily="18" charset="0"/>
-              <a:cs typeface="Times New Roman" pitchFamily="18" charset="0"/>
-            </a:endParaRPr>
-          </a:p>
-          <a:p>
-            <a:pPr marL="0" indent="0">
-              <a:buNone/>
-            </a:pPr>
-            <a:endParaRPr lang="en-US" sz="1600" dirty="0">
-              <a:latin typeface="Times New Roman" pitchFamily="18" charset="0"/>
-              <a:cs typeface="Times New Roman" pitchFamily="18" charset="0"/>
-            </a:endParaRPr>
+            <a:r>
+              <a:rPr lang="en-US" sz="1600" dirty="0">
+                <a:latin typeface="Times New Roman" pitchFamily="18" charset="0"/>
+                <a:cs typeface="Times New Roman" pitchFamily="18" charset="0"/>
+              </a:rPr>
+              <a:t>Results are Published using Github Pages.</a:t>
+            </a:r>
           </a:p>
           <a:p>
             <a:pPr>
@@ -18516,120 +18603,6 @@
       </p:sp>
       <p:pic>
         <p:nvPicPr>
-          <p:cNvPr id="1027" name="Picture 3"/>
-          <p:cNvPicPr>
-            <a:picLocks noChangeAspect="1" noChangeArrowheads="1"/>
-          </p:cNvPicPr>
-          <p:nvPr/>
-        </p:nvPicPr>
-        <p:blipFill>
-          <a:blip r:embed="rId5">
-            <a:extLst>
-              <a:ext uri="{28A0092B-C50C-407E-A947-70E740481C1C}">
-                <a14:useLocalDpi xmlns:a14="http://schemas.microsoft.com/office/drawing/2010/main" val="0"/>
-              </a:ext>
-            </a:extLst>
-          </a:blip>
-          <a:srcRect/>
-          <a:stretch>
-            <a:fillRect/>
-          </a:stretch>
-        </p:blipFill>
-        <p:spPr bwMode="auto">
-          <a:xfrm>
-            <a:off x="8125905" y="3384223"/>
-            <a:ext cx="3902696" cy="2601798"/>
-          </a:xfrm>
-          <a:prstGeom prst="rect">
-            <a:avLst/>
-          </a:prstGeom>
-          <a:noFill/>
-          <a:ln>
-            <a:noFill/>
-          </a:ln>
-          <a:effectLst/>
-          <a:extLst>
-            <a:ext uri="{909E8E84-426E-40DD-AFC4-6F175D3DCCD1}">
-              <a14:hiddenFill xmlns:a14="http://schemas.microsoft.com/office/drawing/2010/main">
-                <a:solidFill>
-                  <a:schemeClr val="accent1"/>
-                </a:solidFill>
-              </a14:hiddenFill>
-            </a:ext>
-            <a:ext uri="{91240B29-F687-4F45-9708-019B960494DF}">
-              <a14:hiddenLine xmlns:a14="http://schemas.microsoft.com/office/drawing/2010/main" w="9525">
-                <a:solidFill>
-                  <a:schemeClr val="tx1"/>
-                </a:solidFill>
-                <a:miter lim="800000"/>
-                <a:headEnd/>
-                <a:tailEnd/>
-              </a14:hiddenLine>
-            </a:ext>
-            <a:ext uri="{AF507438-7753-43E0-B8FC-AC1667EBCBE1}">
-              <a14:hiddenEffects xmlns:a14="http://schemas.microsoft.com/office/drawing/2010/main">
-                <a:effectLst>
-                  <a:outerShdw dist="35921" dir="2700000" algn="ctr" rotWithShape="0">
-                    <a:schemeClr val="bg2"/>
-                  </a:outerShdw>
-                </a:effectLst>
-              </a14:hiddenEffects>
-            </a:ext>
-          </a:extLst>
-        </p:spPr>
-      </p:pic>
-      <p:sp>
-        <p:nvSpPr>
-          <p:cNvPr id="13" name="TextBox 12"/>
-          <p:cNvSpPr txBox="1"/>
-          <p:nvPr/>
-        </p:nvSpPr>
-        <p:spPr>
-          <a:xfrm>
-            <a:off x="8356860" y="6150681"/>
-            <a:ext cx="3063713" cy="329321"/>
-          </a:xfrm>
-          <a:prstGeom prst="rect">
-            <a:avLst/>
-          </a:prstGeom>
-          <a:noFill/>
-        </p:spPr>
-        <p:txBody>
-          <a:bodyPr wrap="square" rtlCol="0">
-            <a:spAutoFit/>
-          </a:bodyPr>
-          <a:lstStyle/>
-          <a:p>
-            <a:pPr defTabSz="457200">
-              <a:lnSpc>
-                <a:spcPct val="110000"/>
-              </a:lnSpc>
-              <a:spcBef>
-                <a:spcPct val="20000"/>
-              </a:spcBef>
-              <a:spcAft>
-                <a:spcPts val="600"/>
-              </a:spcAft>
-              <a:buClr>
-                <a:schemeClr val="accent1"/>
-              </a:buClr>
-              <a:buSzPct val="92000"/>
-            </a:pPr>
-            <a:r>
-              <a:rPr lang="en-US" sz="1400" dirty="0">
-                <a:solidFill>
-                  <a:schemeClr val="tx2"/>
-                </a:solidFill>
-                <a:latin typeface="Times New Roman" pitchFamily="18" charset="0"/>
-                <a:cs typeface="Times New Roman" pitchFamily="18" charset="0"/>
-              </a:rPr>
-              <a:t>Phrases Compared vs. Similarity Score</a:t>
-            </a:r>
-          </a:p>
-        </p:txBody>
-      </p:sp>
-      <p:pic>
-        <p:nvPicPr>
           <p:cNvPr id="7" name="object 36">
             <a:extLst>
               <a:ext uri="{FF2B5EF4-FFF2-40B4-BE49-F238E27FC236}">
@@ -18641,7 +18614,7 @@
           <p:nvPr/>
         </p:nvPicPr>
         <p:blipFill>
-          <a:blip r:embed="rId6" cstate="print"/>
+          <a:blip r:embed="rId5" cstate="print"/>
           <a:stretch>
             <a:fillRect/>
           </a:stretch>
@@ -19093,7 +19066,10 @@
             </a:r>
           </a:p>
           <a:p>
-            <a:pPr lvl="2"/>
+            <a:pPr lvl="2">
+              <a:buFont typeface="Arial" pitchFamily="34" charset="0"/>
+              <a:buChar char="•"/>
+            </a:pPr>
             <a:r>
               <a:rPr lang="en-US" sz="1900" dirty="0">
                 <a:latin typeface="Times New Roman" panose="02020603050405020304" pitchFamily="18" charset="0"/>
@@ -19103,7 +19079,10 @@
             </a:r>
           </a:p>
           <a:p>
-            <a:pPr lvl="2"/>
+            <a:pPr lvl="2">
+              <a:buFont typeface="Arial" pitchFamily="34" charset="0"/>
+              <a:buChar char="•"/>
+            </a:pPr>
             <a:r>
               <a:rPr lang="en-US" sz="1900" dirty="0">
                 <a:latin typeface="Times New Roman" panose="02020603050405020304" pitchFamily="18" charset="0"/>
@@ -19113,7 +19092,10 @@
             </a:r>
           </a:p>
           <a:p>
-            <a:pPr lvl="2"/>
+            <a:pPr lvl="2">
+              <a:buFont typeface="Arial" pitchFamily="34" charset="0"/>
+              <a:buChar char="•"/>
+            </a:pPr>
             <a:r>
               <a:rPr lang="en-US" sz="1900" dirty="0">
                 <a:latin typeface="Times New Roman" panose="02020603050405020304" pitchFamily="18" charset="0"/>
@@ -19192,10 +19174,9 @@
           <a:lstStyle/>
           <a:p>
             <a:r>
-              <a:rPr lang="en-US"/>
+              <a:rPr lang="en-US" dirty="0"/>
               <a:t>Software Engineering</a:t>
             </a:r>
-            <a:endParaRPr lang="en-US" dirty="0"/>
           </a:p>
         </p:txBody>
       </p:sp>
@@ -20654,12 +20635,15 @@
         </p:blipFill>
         <p:spPr>
           <a:xfrm>
-            <a:off x="0" y="0"/>
+            <a:off x="0" y="1225485"/>
             <a:ext cx="12192000" cy="6105832"/>
           </a:xfrm>
           <a:prstGeom prst="rect">
             <a:avLst/>
           </a:prstGeom>
+          <a:effectLst>
+            <a:softEdge rad="635000"/>
+          </a:effectLst>
         </p:spPr>
       </p:pic>
       <p:sp>
@@ -20676,8 +20660,8 @@
         </p:nvSpPr>
         <p:spPr>
           <a:xfrm>
-            <a:off x="6243484" y="752168"/>
-            <a:ext cx="5368413" cy="1200329"/>
+            <a:off x="5781571" y="1939946"/>
+            <a:ext cx="5368413" cy="830997"/>
           </a:xfrm>
           <a:prstGeom prst="rect">
             <a:avLst/>
@@ -20696,11 +20680,6 @@
               </a:rPr>
               <a:t>TEAM,</a:t>
             </a:r>
-          </a:p>
-          <a:p>
-            <a:endParaRPr lang="en-IN" sz="2400" b="1" i="1" dirty="0">
-              <a:latin typeface="Algerian" panose="04020705040A02060702" pitchFamily="82" charset="0"/>
-            </a:endParaRPr>
           </a:p>
           <a:p>
             <a:r>
@@ -20803,7 +20782,7 @@
                 <a:latin typeface="Times New Roman" panose="02020603050405020304" pitchFamily="18" charset="0"/>
                 <a:cs typeface="Times New Roman" panose="02020603050405020304" pitchFamily="18" charset="0"/>
               </a:rPr>
-              <a:t>Introduction</a:t>
+              <a:t>Types of Textual Similarity </a:t>
             </a:r>
           </a:p>
           <a:p>
@@ -20851,7 +20830,7 @@
                 <a:latin typeface="Times New Roman" panose="02020603050405020304" pitchFamily="18" charset="0"/>
                 <a:cs typeface="Times New Roman" panose="02020603050405020304" pitchFamily="18" charset="0"/>
               </a:rPr>
-              <a:t>How did we start implementing? </a:t>
+              <a:t>Building the Semantic Analysis Framework? </a:t>
             </a:r>
           </a:p>
           <a:p>
@@ -21564,13 +21543,13 @@
         </p:nvSpPr>
         <p:spPr>
           <a:xfrm>
-            <a:off x="581194" y="2340866"/>
-            <a:ext cx="11029615" cy="3401175"/>
+            <a:off x="405354" y="2111604"/>
+            <a:ext cx="5748558" cy="4100660"/>
           </a:xfrm>
         </p:spPr>
         <p:txBody>
           <a:bodyPr>
-            <a:normAutofit/>
+            <a:normAutofit lnSpcReduction="10000"/>
           </a:bodyPr>
           <a:lstStyle/>
           <a:p>
@@ -21585,11 +21564,41 @@
           <a:p>
             <a:pPr lvl="1"/>
             <a:r>
-              <a:rPr lang="en-US" sz="2000" dirty="0">
+              <a:rPr lang="en-US" sz="1800" dirty="0">
                 <a:latin typeface="Times New Roman" pitchFamily="18" charset="0"/>
                 <a:cs typeface="Times New Roman" pitchFamily="18" charset="0"/>
               </a:rPr>
-              <a:t>Develop a scalable framework for Semantic Analysis of Textual Data focusing on words/phrases and/or documents comparisons using OpenAI embeddings and Cosine Similarity Algorithms. The tool offers flexible preprocessing, ensuring contextually relevant similarity assessments. It demonstrates effectiveness in capturing semantic nuances with practical applications like resume filtering, admission categorization, and content classification. Visual tools enhance understanding of similarity metrics, promoting further research in natural language processing.</a:t>
+              <a:t>Develop a scalable framework for Semantic Analysis of Textual Data focusing on words/phrases and/or documents comparisons using OpenAI embeddings and Cosine Similarity Algorithms. </a:t>
+            </a:r>
+          </a:p>
+          <a:p>
+            <a:pPr lvl="1"/>
+            <a:r>
+              <a:rPr lang="en-US" sz="1800" dirty="0">
+                <a:latin typeface="Times New Roman" pitchFamily="18" charset="0"/>
+                <a:cs typeface="Times New Roman" pitchFamily="18" charset="0"/>
+              </a:rPr>
+              <a:t>The tool offers flexible preprocessing, ensuring contextually relevant similarity assessments. </a:t>
+            </a:r>
+          </a:p>
+          <a:p>
+            <a:pPr lvl="1"/>
+            <a:r>
+              <a:rPr lang="en-US" sz="1800" dirty="0">
+                <a:latin typeface="Times New Roman" pitchFamily="18" charset="0"/>
+                <a:cs typeface="Times New Roman" pitchFamily="18" charset="0"/>
+              </a:rPr>
+              <a:t>It demonstrates effectiveness in capturing semantic nuances with practical applications like resume filtering, admission categorization, and content classification. </a:t>
+            </a:r>
+          </a:p>
+          <a:p>
+            <a:pPr lvl="1"/>
+            <a:r>
+              <a:rPr lang="en-US" sz="1800" dirty="0">
+                <a:latin typeface="Times New Roman" pitchFamily="18" charset="0"/>
+                <a:cs typeface="Times New Roman" pitchFamily="18" charset="0"/>
+              </a:rPr>
+              <a:t>Visual tools enhance understanding of similarity metrics, promoting further research in natural language processing.</a:t>
             </a:r>
           </a:p>
           <a:p>
@@ -21747,6 +21756,60 @@
           </a:p>
         </p:txBody>
       </p:sp>
+      <p:pic>
+        <p:nvPicPr>
+          <p:cNvPr id="8" name="Picture 2"/>
+          <p:cNvPicPr>
+            <a:picLocks noChangeAspect="1" noChangeArrowheads="1"/>
+          </p:cNvPicPr>
+          <p:nvPr/>
+        </p:nvPicPr>
+        <p:blipFill>
+          <a:blip r:embed="rId4">
+            <a:extLst>
+              <a:ext uri="{28A0092B-C50C-407E-A947-70E740481C1C}">
+                <a14:useLocalDpi xmlns:a14="http://schemas.microsoft.com/office/drawing/2010/main" val="0"/>
+              </a:ext>
+            </a:extLst>
+          </a:blip>
+          <a:srcRect/>
+          <a:stretch>
+            <a:fillRect/>
+          </a:stretch>
+        </p:blipFill>
+        <p:spPr bwMode="auto">
+          <a:xfrm>
+            <a:off x="5386612" y="1506171"/>
+            <a:ext cx="6224198" cy="4677813"/>
+          </a:xfrm>
+          <a:prstGeom prst="rect">
+            <a:avLst/>
+          </a:prstGeom>
+          <a:solidFill>
+            <a:schemeClr val="bg1"/>
+          </a:solidFill>
+          <a:ln>
+            <a:noFill/>
+          </a:ln>
+          <a:effectLst>
+            <a:glow rad="139700">
+              <a:schemeClr val="accent3">
+                <a:satMod val="175000"/>
+                <a:alpha val="40000"/>
+              </a:schemeClr>
+            </a:glow>
+            <a:outerShdw dist="35921" dir="2700000" algn="ctr" rotWithShape="0">
+              <a:schemeClr val="bg2"/>
+            </a:outerShdw>
+            <a:reflection blurRad="6350" stA="50000" endA="300" endPos="55500" dist="50800" dir="5400000" sy="-100000" algn="bl" rotWithShape="0"/>
+            <a:softEdge rad="635000"/>
+          </a:effectLst>
+          <a:scene3d>
+            <a:camera prst="isometricOffAxis2Top"/>
+            <a:lightRig rig="threePt" dir="t"/>
+          </a:scene3d>
+        </p:spPr>
+      </p:pic>
     </p:spTree>
     <p:extLst>
       <p:ext uri="{BB962C8B-B14F-4D97-AF65-F5344CB8AC3E}">
@@ -21822,7 +21885,12 @@
             <p:ph type="ftr" sz="quarter" idx="11"/>
           </p:nvPr>
         </p:nvSpPr>
-        <p:spPr/>
+        <p:spPr>
+          <a:xfrm>
+            <a:off x="258185" y="6277597"/>
+            <a:ext cx="5048921" cy="365125"/>
+          </a:xfrm>
+        </p:spPr>
         <p:txBody>
           <a:bodyPr/>
           <a:lstStyle/>
@@ -21906,8 +21974,8 @@
         </p:nvSpPr>
         <p:spPr>
           <a:xfrm>
-            <a:off x="6546476" y="3765022"/>
-            <a:ext cx="3285781" cy="740990"/>
+            <a:off x="6546477" y="3974470"/>
+            <a:ext cx="3285781" cy="579242"/>
           </a:xfrm>
           <a:prstGeom prst="roundRect">
             <a:avLst/>
@@ -21917,6 +21985,9 @@
               <a:lumMod val="75000"/>
             </a:schemeClr>
           </a:solidFill>
+          <a:effectLst>
+            <a:softEdge rad="63500"/>
+          </a:effectLst>
         </p:spPr>
         <p:style>
           <a:lnRef idx="1">
@@ -21938,7 +22009,7 @@
           <a:p>
             <a:pPr algn="just"/>
             <a:r>
-              <a:rPr lang="en-IN" sz="1400" dirty="0">
+              <a:rPr lang="en-IN" sz="1100" dirty="0">
                 <a:solidFill>
                   <a:schemeClr val="bg1"/>
                 </a:solidFill>
@@ -21964,8 +22035,8 @@
         </p:nvSpPr>
         <p:spPr>
           <a:xfrm>
-            <a:off x="3582596" y="5094467"/>
-            <a:ext cx="1893971" cy="684164"/>
+            <a:off x="3582595" y="5244117"/>
+            <a:ext cx="1893971" cy="485339"/>
           </a:xfrm>
           <a:prstGeom prst="roundRect">
             <a:avLst/>
@@ -21975,6 +22046,9 @@
               <a:lumMod val="75000"/>
             </a:schemeClr>
           </a:solidFill>
+          <a:effectLst>
+            <a:softEdge rad="63500"/>
+          </a:effectLst>
         </p:spPr>
         <p:style>
           <a:lnRef idx="1">
@@ -21996,7 +22070,7 @@
           <a:p>
             <a:pPr algn="ctr"/>
             <a:r>
-              <a:rPr lang="en-IN" sz="1400" dirty="0">
+              <a:rPr lang="en-IN" sz="1100" dirty="0">
                 <a:solidFill>
                   <a:schemeClr val="bg1"/>
                 </a:solidFill>
@@ -22022,8 +22096,8 @@
         </p:nvSpPr>
         <p:spPr>
           <a:xfrm>
-            <a:off x="3582597" y="3765021"/>
-            <a:ext cx="1893971" cy="740991"/>
+            <a:off x="3582597" y="3897758"/>
+            <a:ext cx="1893971" cy="536592"/>
           </a:xfrm>
           <a:prstGeom prst="roundRect">
             <a:avLst/>
@@ -22033,6 +22107,9 @@
               <a:lumMod val="75000"/>
             </a:schemeClr>
           </a:solidFill>
+          <a:effectLst>
+            <a:softEdge rad="63500"/>
+          </a:effectLst>
         </p:spPr>
         <p:style>
           <a:lnRef idx="1">
@@ -22054,7 +22131,7 @@
           <a:p>
             <a:pPr algn="ctr"/>
             <a:r>
-              <a:rPr lang="en-IN" sz="1400" dirty="0">
+              <a:rPr lang="en-IN" sz="1100" dirty="0">
                 <a:solidFill>
                   <a:schemeClr val="bg1"/>
                 </a:solidFill>
@@ -22092,6 +22169,9 @@
             </a:schemeClr>
           </a:solidFill>
           <a:ln/>
+          <a:effectLst>
+            <a:softEdge rad="63500"/>
+          </a:effectLst>
         </p:spPr>
         <p:style>
           <a:lnRef idx="1">
@@ -22113,7 +22193,7 @@
           <a:p>
             <a:pPr algn="ctr"/>
             <a:r>
-              <a:rPr lang="en-IN" sz="1400" dirty="0">
+              <a:rPr lang="en-IN" sz="1100" dirty="0">
                 <a:solidFill>
                   <a:schemeClr val="bg1"/>
                 </a:solidFill>
@@ -22150,6 +22230,9 @@
               <a:lumMod val="75000"/>
             </a:schemeClr>
           </a:solidFill>
+          <a:effectLst>
+            <a:softEdge rad="127000"/>
+          </a:effectLst>
         </p:spPr>
         <p:style>
           <a:lnRef idx="1">
@@ -22171,7 +22254,7 @@
           <a:p>
             <a:pPr algn="ctr"/>
             <a:r>
-              <a:rPr lang="en-IN" sz="1400" dirty="0">
+              <a:rPr lang="en-IN" sz="1100" dirty="0">
                 <a:solidFill>
                   <a:schemeClr val="bg1"/>
                 </a:solidFill>
@@ -22208,6 +22291,9 @@
               <a:lumMod val="75000"/>
             </a:schemeClr>
           </a:solidFill>
+          <a:effectLst>
+            <a:softEdge rad="63500"/>
+          </a:effectLst>
         </p:spPr>
         <p:style>
           <a:lnRef idx="1">
@@ -22229,6 +22315,16 @@
           <a:p>
             <a:pPr algn="just"/>
             <a:r>
+              <a:rPr lang="en-IN" sz="1100" dirty="0">
+                <a:solidFill>
+                  <a:schemeClr val="bg1"/>
+                </a:solidFill>
+                <a:latin typeface="Times New Roman" pitchFamily="18" charset="0"/>
+                <a:cs typeface="Times New Roman" pitchFamily="18" charset="0"/>
+              </a:rPr>
+              <a:t>If two words have a similar sequence of character, then lexically similar</a:t>
+            </a:r>
+            <a:r>
               <a:rPr lang="en-IN" sz="1400" dirty="0">
                 <a:solidFill>
                   <a:schemeClr val="bg1"/>
@@ -22236,7 +22332,7 @@
                 <a:latin typeface="Times New Roman" pitchFamily="18" charset="0"/>
                 <a:cs typeface="Times New Roman" pitchFamily="18" charset="0"/>
               </a:rPr>
-              <a:t>If two words have a similar sequence of character, then lexically similar.</a:t>
+              <a:t>.</a:t>
             </a:r>
           </a:p>
         </p:txBody>
@@ -22255,8 +22351,8 @@
         </p:nvSpPr>
         <p:spPr>
           <a:xfrm>
-            <a:off x="6546475" y="5094467"/>
-            <a:ext cx="3325111" cy="684164"/>
+            <a:off x="6546477" y="5297836"/>
+            <a:ext cx="3325111" cy="563940"/>
           </a:xfrm>
           <a:prstGeom prst="roundRect">
             <a:avLst/>
@@ -22266,6 +22362,9 @@
               <a:lumMod val="75000"/>
             </a:schemeClr>
           </a:solidFill>
+          <a:effectLst>
+            <a:softEdge rad="63500"/>
+          </a:effectLst>
         </p:spPr>
         <p:style>
           <a:lnRef idx="1">
@@ -22287,6 +22386,16 @@
           <a:p>
             <a:pPr algn="just"/>
             <a:r>
+              <a:rPr lang="en-IN" sz="1100" dirty="0">
+                <a:solidFill>
+                  <a:schemeClr val="bg1"/>
+                </a:solidFill>
+                <a:latin typeface="Times New Roman" pitchFamily="18" charset="0"/>
+                <a:cs typeface="Times New Roman" pitchFamily="18" charset="0"/>
+              </a:rPr>
+              <a:t>Hybrid combination of different similarity methods</a:t>
+            </a:r>
+            <a:r>
               <a:rPr lang="en-IN" sz="1400" dirty="0">
                 <a:solidFill>
                   <a:schemeClr val="bg1"/>
@@ -22294,7 +22403,7 @@
                 <a:latin typeface="Times New Roman" pitchFamily="18" charset="0"/>
                 <a:cs typeface="Times New Roman" pitchFamily="18" charset="0"/>
               </a:rPr>
-              <a:t>Hybrid combination of different similarity methods.</a:t>
+              <a:t>.</a:t>
             </a:r>
           </a:p>
         </p:txBody>
@@ -22329,6 +22438,14 @@
             </a:solidFill>
             <a:tailEnd type="triangle"/>
           </a:ln>
+          <a:effectLst>
+            <a:glow rad="63500">
+              <a:schemeClr val="accent1">
+                <a:satMod val="175000"/>
+                <a:alpha val="40000"/>
+              </a:schemeClr>
+            </a:glow>
+          </a:effectLst>
         </p:spPr>
         <p:style>
           <a:lnRef idx="1">
@@ -22375,6 +22492,14 @@
             </a:solidFill>
             <a:tailEnd type="triangle"/>
           </a:ln>
+          <a:effectLst>
+            <a:glow rad="63500">
+              <a:schemeClr val="accent1">
+                <a:satMod val="175000"/>
+                <a:alpha val="40000"/>
+              </a:schemeClr>
+            </a:glow>
+          </a:effectLst>
         </p:spPr>
         <p:style>
           <a:lnRef idx="1">
@@ -22419,6 +22544,14 @@
             </a:solidFill>
             <a:tailEnd type="triangle"/>
           </a:ln>
+          <a:effectLst>
+            <a:glow rad="63500">
+              <a:schemeClr val="accent1">
+                <a:satMod val="175000"/>
+                <a:alpha val="40000"/>
+              </a:schemeClr>
+            </a:glow>
+          </a:effectLst>
         </p:spPr>
         <p:style>
           <a:lnRef idx="1">
@@ -22463,6 +22596,14 @@
             </a:solidFill>
             <a:tailEnd type="triangle"/>
           </a:ln>
+          <a:effectLst>
+            <a:glow rad="63500">
+              <a:schemeClr val="accent1">
+                <a:satMod val="175000"/>
+                <a:alpha val="40000"/>
+              </a:schemeClr>
+            </a:glow>
+          </a:effectLst>
         </p:spPr>
         <p:style>
           <a:lnRef idx="1">
@@ -22507,6 +22648,14 @@
             </a:solidFill>
             <a:tailEnd type="triangle"/>
           </a:ln>
+          <a:effectLst>
+            <a:glow rad="63500">
+              <a:schemeClr val="accent1">
+                <a:satMod val="175000"/>
+                <a:alpha val="40000"/>
+              </a:schemeClr>
+            </a:glow>
+          </a:effectLst>
         </p:spPr>
         <p:style>
           <a:lnRef idx="1">
@@ -22551,6 +22700,14 @@
             </a:solidFill>
             <a:tailEnd type="triangle"/>
           </a:ln>
+          <a:effectLst>
+            <a:glow rad="63500">
+              <a:schemeClr val="accent1">
+                <a:satMod val="175000"/>
+                <a:alpha val="40000"/>
+              </a:schemeClr>
+            </a:glow>
+          </a:effectLst>
         </p:spPr>
         <p:style>
           <a:lnRef idx="1">
@@ -22579,7 +22736,7 @@
         </p:nvSpPr>
         <p:spPr>
           <a:xfrm>
-            <a:off x="609600" y="338328"/>
+            <a:off x="198120" y="263963"/>
             <a:ext cx="10972800" cy="1252728"/>
           </a:xfrm>
         </p:spPr>
@@ -22597,7 +22754,7 @@
                 <a:latin typeface="Times New Roman" pitchFamily="18" charset="0"/>
                 <a:cs typeface="Times New Roman" pitchFamily="18" charset="0"/>
               </a:rPr>
-              <a:t>INTRODUCTION</a:t>
+              <a:t>TYPES OF TEXTUAL SIMILARITY</a:t>
             </a:r>
           </a:p>
         </p:txBody>
@@ -22650,13 +22807,13 @@
         </p:nvSpPr>
         <p:spPr>
           <a:xfrm>
-            <a:off x="473038" y="2231138"/>
-            <a:ext cx="11029615" cy="4090131"/>
+            <a:off x="473039" y="2231138"/>
+            <a:ext cx="7226210" cy="4090131"/>
           </a:xfrm>
         </p:spPr>
         <p:txBody>
           <a:bodyPr>
-            <a:normAutofit/>
+            <a:normAutofit lnSpcReduction="10000"/>
           </a:bodyPr>
           <a:lstStyle/>
           <a:p>
@@ -22679,20 +22836,32 @@
                 <a:latin typeface="Times New Roman" pitchFamily="18" charset="0"/>
                 <a:cs typeface="Times New Roman" pitchFamily="18" charset="0"/>
               </a:rPr>
-              <a:t>Semantic similarity is a measure that is defined across a collection of documents or phrases, unlike lexicographical similarity or the statistical similarity stated above. It relies the idea of distance between objects on the degree of semantic content or similarity between them. Semantic relations between the documents can be used to quantify and identify their direct and indirect relationships, which is the basis for similarity between them. Estimating the semantic similarity between text data is one of the most challenging and unsolved research problems in the field of natural language processing (NLP).</a:t>
-            </a:r>
-          </a:p>
-          <a:p>
-            <a:pPr marL="301943" lvl="1" indent="0">
-              <a:buNone/>
-            </a:pPr>
+              <a:t>Measures similarity based on semantic content, not just word matching.</a:t>
+            </a:r>
+          </a:p>
+          <a:p>
+            <a:pPr lvl="1"/>
+            <a:endParaRPr lang="en-US" sz="1700" dirty="0">
+              <a:latin typeface="Times New Roman" pitchFamily="18" charset="0"/>
+              <a:cs typeface="Times New Roman" pitchFamily="18" charset="0"/>
+            </a:endParaRPr>
+          </a:p>
+          <a:p>
+            <a:pPr lvl="1"/>
             <a:r>
               <a:rPr lang="en-US" sz="1700" dirty="0">
                 <a:latin typeface="Times New Roman" pitchFamily="18" charset="0"/>
                 <a:cs typeface="Times New Roman" pitchFamily="18" charset="0"/>
               </a:rPr>
-              <a:t> </a:t>
-            </a:r>
+              <a:t>Uses distance between objects to assess similarity.</a:t>
+            </a:r>
+          </a:p>
+          <a:p>
+            <a:pPr lvl="1"/>
+            <a:endParaRPr lang="en-US" sz="1700" dirty="0">
+              <a:latin typeface="Times New Roman" pitchFamily="18" charset="0"/>
+              <a:cs typeface="Times New Roman" pitchFamily="18" charset="0"/>
+            </a:endParaRPr>
           </a:p>
           <a:p>
             <a:pPr lvl="1"/>
@@ -22701,11 +22870,42 @@
                 <a:latin typeface="Times New Roman" pitchFamily="18" charset="0"/>
                 <a:cs typeface="Times New Roman" pitchFamily="18" charset="0"/>
               </a:rPr>
-              <a:t>Information retrieval, clustering and recommendation systems are crucial NLP jobs</a:t>
+              <a:t>Identifies direct and indirect relationships between documents or phrases.</a:t>
             </a:r>
           </a:p>
           <a:p>
             <a:pPr lvl="1"/>
+            <a:endParaRPr lang="en-US" sz="1700" dirty="0">
+              <a:latin typeface="Times New Roman" pitchFamily="18" charset="0"/>
+              <a:cs typeface="Times New Roman" pitchFamily="18" charset="0"/>
+            </a:endParaRPr>
+          </a:p>
+          <a:p>
+            <a:pPr lvl="1"/>
+            <a:r>
+              <a:rPr lang="en-US" sz="1700" dirty="0">
+                <a:latin typeface="Times New Roman" pitchFamily="18" charset="0"/>
+                <a:cs typeface="Times New Roman" pitchFamily="18" charset="0"/>
+              </a:rPr>
+              <a:t>A key challenge in Natural Language Processing (NLP).Information </a:t>
+            </a:r>
+          </a:p>
+          <a:p>
+            <a:pPr marL="301943" lvl="1" indent="0">
+              <a:buNone/>
+            </a:pPr>
+            <a:r>
+              <a:rPr lang="en-US" sz="1700" dirty="0">
+                <a:latin typeface="Times New Roman" pitchFamily="18" charset="0"/>
+                <a:cs typeface="Times New Roman" pitchFamily="18" charset="0"/>
+              </a:rPr>
+              <a:t>     retrieval, clustering and recommendation systems are crucial NLP jobs</a:t>
+            </a:r>
+          </a:p>
+          <a:p>
+            <a:pPr marL="301943" lvl="1" indent="0">
+              <a:buNone/>
+            </a:pPr>
             <a:endParaRPr lang="en-US" sz="1700" dirty="0">
               <a:latin typeface="Times New Roman" pitchFamily="18" charset="0"/>
               <a:cs typeface="Times New Roman" pitchFamily="18" charset="0"/>
@@ -22889,7 +23089,7 @@
         </p:nvSpPr>
         <p:spPr>
           <a:xfrm>
-            <a:off x="3529582" y="774667"/>
+            <a:off x="481582" y="774667"/>
             <a:ext cx="6096000" cy="523220"/>
           </a:xfrm>
           <a:prstGeom prst="rect">
@@ -22916,6 +23116,97 @@
           </a:p>
         </p:txBody>
       </p:sp>
+      <p:sp>
+        <p:nvSpPr>
+          <p:cNvPr id="8" name="Oval 7"/>
+          <p:cNvSpPr/>
+          <p:nvPr/>
+        </p:nvSpPr>
+        <p:spPr>
+          <a:xfrm>
+            <a:off x="7534656" y="1618488"/>
+            <a:ext cx="4657344" cy="5056632"/>
+          </a:xfrm>
+          <a:prstGeom prst="ellipse">
+            <a:avLst/>
+          </a:prstGeom>
+          <a:noFill/>
+          <a:ln>
+            <a:noFill/>
+          </a:ln>
+        </p:spPr>
+        <p:style>
+          <a:lnRef idx="2">
+            <a:schemeClr val="accent1">
+              <a:shade val="50000"/>
+            </a:schemeClr>
+          </a:lnRef>
+          <a:fillRef idx="1">
+            <a:schemeClr val="accent1"/>
+          </a:fillRef>
+          <a:effectRef idx="0">
+            <a:schemeClr val="accent1"/>
+          </a:effectRef>
+          <a:fontRef idx="minor">
+            <a:schemeClr val="lt1"/>
+          </a:fontRef>
+        </p:style>
+        <p:txBody>
+          <a:bodyPr rtlCol="0" anchor="ctr"/>
+          <a:lstStyle/>
+          <a:p>
+            <a:pPr algn="ctr"/>
+            <a:endParaRPr lang="en-US"/>
+          </a:p>
+        </p:txBody>
+      </p:sp>
+      <p:pic>
+        <p:nvPicPr>
+          <p:cNvPr id="11" name="Picture 10"/>
+          <p:cNvPicPr>
+            <a:picLocks noChangeAspect="1"/>
+          </p:cNvPicPr>
+          <p:nvPr/>
+        </p:nvPicPr>
+        <p:blipFill>
+          <a:blip r:embed="rId3">
+            <a:extLst>
+              <a:ext uri="{28A0092B-C50C-407E-A947-70E740481C1C}">
+                <a14:useLocalDpi xmlns:a14="http://schemas.microsoft.com/office/drawing/2010/main" val="0"/>
+              </a:ext>
+            </a:extLst>
+          </a:blip>
+          <a:stretch>
+            <a:fillRect/>
+          </a:stretch>
+        </p:blipFill>
+        <p:spPr>
+          <a:xfrm>
+            <a:off x="7411699" y="2546253"/>
+            <a:ext cx="4903257" cy="4055636"/>
+          </a:xfrm>
+          <a:prstGeom prst="rect">
+            <a:avLst/>
+          </a:prstGeom>
+          <a:blipFill>
+            <a:blip r:embed="rId4"/>
+            <a:tile tx="0" ty="0" sx="100000" sy="100000" flip="none" algn="tl"/>
+          </a:blipFill>
+          <a:effectLst>
+            <a:outerShdw blurRad="50800" dist="38100" dir="2700000" algn="tl" rotWithShape="0">
+              <a:prstClr val="black">
+                <a:alpha val="0"/>
+              </a:prstClr>
+            </a:outerShdw>
+            <a:reflection stA="0" endPos="65000" dist="50800" dir="5400000" sy="-100000" algn="bl" rotWithShape="0"/>
+            <a:softEdge rad="317500"/>
+          </a:effectLst>
+          <a:scene3d>
+            <a:camera prst="isometricOffAxis1Right"/>
+            <a:lightRig rig="threePt" dir="t"/>
+          </a:scene3d>
+        </p:spPr>
+      </p:pic>
     </p:spTree>
     <p:extLst>
       <p:ext uri="{BB962C8B-B14F-4D97-AF65-F5344CB8AC3E}">
@@ -23086,6 +23377,9 @@
               <a:lumMod val="75000"/>
             </a:schemeClr>
           </a:solidFill>
+          <a:effectLst>
+            <a:softEdge rad="127000"/>
+          </a:effectLst>
         </p:spPr>
         <p:style>
           <a:lnRef idx="1">
@@ -23105,9 +23399,9 @@
           <a:bodyPr rtlCol="0" anchor="ctr"/>
           <a:lstStyle/>
           <a:p>
-            <a:pPr algn="just"/>
-            <a:r>
-              <a:rPr lang="en-IN" sz="1400" dirty="0">
+            <a:pPr algn="ctr"/>
+            <a:r>
+              <a:rPr lang="en-IN" sz="1100" dirty="0">
                 <a:solidFill>
                   <a:schemeClr val="bg1"/>
                 </a:solidFill>
@@ -23118,9 +23412,9 @@
             </a:r>
           </a:p>
           <a:p>
-            <a:pPr algn="just"/>
-            <a:r>
-              <a:rPr lang="en-IN" sz="1400" dirty="0">
+            <a:pPr algn="ctr"/>
+            <a:r>
+              <a:rPr lang="en-IN" sz="1100" dirty="0">
                 <a:solidFill>
                   <a:schemeClr val="bg1"/>
                 </a:solidFill>
@@ -23157,6 +23451,9 @@
               <a:lumMod val="75000"/>
             </a:schemeClr>
           </a:solidFill>
+          <a:effectLst>
+            <a:softEdge rad="127000"/>
+          </a:effectLst>
         </p:spPr>
         <p:style>
           <a:lnRef idx="1">
@@ -23176,9 +23473,9 @@
           <a:bodyPr rtlCol="0" anchor="ctr"/>
           <a:lstStyle/>
           <a:p>
-            <a:pPr algn="just"/>
-            <a:r>
-              <a:rPr lang="en-IN" sz="1600" dirty="0">
+            <a:pPr algn="ctr"/>
+            <a:r>
+              <a:rPr lang="en-IN" sz="1100" dirty="0">
                 <a:solidFill>
                   <a:schemeClr val="bg1"/>
                 </a:solidFill>
@@ -23189,9 +23486,9 @@
             </a:r>
           </a:p>
           <a:p>
-            <a:pPr algn="just"/>
-            <a:r>
-              <a:rPr lang="en-IN" sz="1600" dirty="0">
+            <a:pPr algn="ctr"/>
+            <a:r>
+              <a:rPr lang="en-IN" sz="1100" dirty="0">
                 <a:solidFill>
                   <a:schemeClr val="bg1"/>
                 </a:solidFill>
@@ -23201,7 +23498,7 @@
               </a:rPr>
               <a:t>Word2Vec , GloVe.</a:t>
             </a:r>
-            <a:endParaRPr lang="en-IN" sz="1600" dirty="0">
+            <a:endParaRPr lang="en-IN" sz="1100" dirty="0">
               <a:solidFill>
                 <a:schemeClr val="bg1"/>
               </a:solidFill>
@@ -23236,6 +23533,9 @@
               <a:lumMod val="75000"/>
             </a:schemeClr>
           </a:solidFill>
+          <a:effectLst>
+            <a:softEdge rad="127000"/>
+          </a:effectLst>
         </p:spPr>
         <p:style>
           <a:lnRef idx="1">
@@ -23255,9 +23555,9 @@
           <a:bodyPr rtlCol="0" anchor="ctr"/>
           <a:lstStyle/>
           <a:p>
-            <a:pPr algn="just"/>
-            <a:r>
-              <a:rPr lang="en-IN" sz="1600" dirty="0">
+            <a:pPr algn="ctr"/>
+            <a:r>
+              <a:rPr lang="en-IN" sz="1100" dirty="0">
                 <a:solidFill>
                   <a:schemeClr val="bg1"/>
                 </a:solidFill>
@@ -23268,9 +23568,9 @@
             </a:r>
           </a:p>
           <a:p>
-            <a:pPr algn="just"/>
-            <a:r>
-              <a:rPr lang="en-IN" sz="1600" dirty="0">
+            <a:pPr algn="ctr"/>
+            <a:r>
+              <a:rPr lang="en-IN" sz="1100" dirty="0">
                 <a:solidFill>
                   <a:schemeClr val="bg1"/>
                 </a:solidFill>
@@ -23307,6 +23607,9 @@
               <a:lumMod val="75000"/>
             </a:schemeClr>
           </a:solidFill>
+          <a:effectLst>
+            <a:softEdge rad="127000"/>
+          </a:effectLst>
         </p:spPr>
         <p:style>
           <a:lnRef idx="1">
@@ -23425,8 +23728,9 @@
             </a:endParaRPr>
           </a:p>
           <a:p>
-            <a:r>
-              <a:rPr lang="en-IN" dirty="0">
+            <a:pPr algn="just"/>
+            <a:r>
+              <a:rPr lang="en-IN" sz="1400" dirty="0">
                 <a:solidFill>
                   <a:schemeClr val="bg1"/>
                 </a:solidFill>
@@ -23437,19 +23741,20 @@
             </a:r>
           </a:p>
           <a:p>
-            <a:endParaRPr lang="en-IN" dirty="0">
+            <a:pPr algn="just"/>
+            <a:endParaRPr lang="en-IN" sz="1400" dirty="0">
               <a:solidFill>
                 <a:schemeClr val="bg1"/>
               </a:solidFill>
             </a:endParaRPr>
           </a:p>
           <a:p>
-            <a:pPr marL="285750" indent="-285750">
+            <a:pPr marL="285750" indent="-285750" algn="just">
               <a:buFont typeface="Arial" panose="020B0604020202020204" pitchFamily="34" charset="0"/>
               <a:buChar char="•"/>
             </a:pPr>
             <a:r>
-              <a:rPr lang="en-IN" sz="1600" dirty="0">
+              <a:rPr lang="en-IN" sz="1400" dirty="0">
                 <a:solidFill>
                   <a:schemeClr val="bg1"/>
                 </a:solidFill>
@@ -23460,7 +23765,7 @@
             </a:r>
           </a:p>
           <a:p>
-            <a:pPr marL="285750" indent="-285750">
+            <a:pPr marL="285750" indent="-285750" algn="just">
               <a:lnSpc>
                 <a:spcPct val="150000"/>
               </a:lnSpc>
@@ -23468,7 +23773,7 @@
               <a:buChar char="•"/>
             </a:pPr>
             <a:r>
-              <a:rPr lang="en-IN" sz="1600" dirty="0">
+              <a:rPr lang="en-IN" sz="1400" dirty="0">
                 <a:solidFill>
                   <a:schemeClr val="bg1"/>
                 </a:solidFill>
@@ -23479,7 +23784,7 @@
             </a:r>
           </a:p>
           <a:p>
-            <a:pPr marL="285750" indent="-285750">
+            <a:pPr marL="285750" indent="-285750" algn="just">
               <a:lnSpc>
                 <a:spcPct val="150000"/>
               </a:lnSpc>
@@ -23487,7 +23792,7 @@
               <a:buChar char="•"/>
             </a:pPr>
             <a:r>
-              <a:rPr lang="en-IN" sz="1600" dirty="0">
+              <a:rPr lang="en-IN" sz="1400" dirty="0">
                 <a:solidFill>
                   <a:schemeClr val="bg1"/>
                 </a:solidFill>
@@ -23498,7 +23803,7 @@
             </a:r>
           </a:p>
           <a:p>
-            <a:pPr marL="285750" indent="-285750">
+            <a:pPr marL="285750" indent="-285750" algn="just">
               <a:lnSpc>
                 <a:spcPct val="150000"/>
               </a:lnSpc>
@@ -23506,7 +23811,7 @@
               <a:buChar char="•"/>
             </a:pPr>
             <a:r>
-              <a:rPr lang="en-IN" sz="1600" dirty="0">
+              <a:rPr lang="en-IN" sz="1400" dirty="0">
                 <a:solidFill>
                   <a:schemeClr val="bg1"/>
                 </a:solidFill>
@@ -23517,12 +23822,12 @@
             </a:r>
           </a:p>
           <a:p>
-            <a:pPr marL="285750" indent="-285750">
+            <a:pPr marL="285750" indent="-285750" algn="just">
               <a:buFont typeface="Arial" panose="020B0604020202020204" pitchFamily="34" charset="0"/>
               <a:buChar char="•"/>
             </a:pPr>
             <a:r>
-              <a:rPr lang="en-IN" sz="1600" dirty="0">
+              <a:rPr lang="en-IN" sz="1400" dirty="0">
                 <a:solidFill>
                   <a:schemeClr val="bg1"/>
                 </a:solidFill>
@@ -23533,12 +23838,12 @@
             </a:r>
           </a:p>
           <a:p>
-            <a:pPr marL="285750" indent="-285750">
+            <a:pPr marL="285750" indent="-285750" algn="just">
               <a:buFont typeface="Arial" panose="020B0604020202020204" pitchFamily="34" charset="0"/>
               <a:buChar char="•"/>
             </a:pPr>
             <a:r>
-              <a:rPr lang="en-IN" sz="1600" dirty="0">
+              <a:rPr lang="en-IN" sz="1400" dirty="0">
                 <a:solidFill>
                   <a:schemeClr val="bg1"/>
                 </a:solidFill>
@@ -23549,12 +23854,12 @@
             </a:r>
           </a:p>
           <a:p>
-            <a:pPr marL="285750" indent="-285750">
+            <a:pPr marL="285750" indent="-285750" algn="just">
               <a:buFont typeface="Arial" panose="020B0604020202020204" pitchFamily="34" charset="0"/>
               <a:buChar char="•"/>
             </a:pPr>
             <a:r>
-              <a:rPr lang="en-IN" sz="1600" dirty="0">
+              <a:rPr lang="en-IN" sz="1400" dirty="0">
                 <a:solidFill>
                   <a:schemeClr val="bg1"/>
                 </a:solidFill>
@@ -23753,7 +24058,7 @@
         <p:spPr/>
         <p:txBody>
           <a:bodyPr>
-            <a:normAutofit fontScale="85000" lnSpcReduction="10000"/>
+            <a:normAutofit fontScale="77500" lnSpcReduction="20000"/>
           </a:bodyPr>
           <a:lstStyle/>
           <a:p>
@@ -23788,7 +24093,7 @@
                 <a:latin typeface="Times New Roman" pitchFamily="18" charset="0"/>
                 <a:cs typeface="Times New Roman" pitchFamily="18" charset="0"/>
               </a:rPr>
-              <a:t>Words classified into domains for meaningful analysis (e.g., Electricity, Energy → Power Sector).</a:t>
+              <a:t>Words classified into domains for meaningful analysis (e.g., Python→ Technology) Ex:  Python~Programming</a:t>
             </a:r>
           </a:p>
           <a:p>
@@ -23802,6 +24107,15 @@
             </a:r>
           </a:p>
           <a:p>
+            <a:pPr marL="301943" lvl="1" indent="0">
+              <a:buNone/>
+            </a:pPr>
+            <a:endParaRPr lang="en-US" sz="2000" dirty="0">
+              <a:latin typeface="Times New Roman" pitchFamily="18" charset="0"/>
+              <a:cs typeface="Times New Roman" pitchFamily="18" charset="0"/>
+            </a:endParaRPr>
+          </a:p>
+          <a:p>
             <a:r>
               <a:rPr lang="en-US" sz="2000" b="1" dirty="0">
                 <a:latin typeface="Times New Roman" pitchFamily="18" charset="0"/>
@@ -23831,8 +24145,17 @@
                 <a:latin typeface="Times New Roman" pitchFamily="18" charset="0"/>
                 <a:cs typeface="Times New Roman" pitchFamily="18" charset="0"/>
               </a:rPr>
-              <a:t>Editable JSON format for dynamic data modification by developers.</a:t>
-            </a:r>
+              <a:t>Editable CSV format file for dynamic data modification by developers.</a:t>
+            </a:r>
+          </a:p>
+          <a:p>
+            <a:pPr marL="301943" lvl="1" indent="0">
+              <a:buNone/>
+            </a:pPr>
+            <a:endParaRPr lang="en-US" sz="2000" dirty="0">
+              <a:latin typeface="Times New Roman" pitchFamily="18" charset="0"/>
+              <a:cs typeface="Times New Roman" pitchFamily="18" charset="0"/>
+            </a:endParaRPr>
           </a:p>
           <a:p>
             <a:pPr marL="0" indent="0">
@@ -23997,73 +24320,109 @@
       </p:pic>
       <p:sp>
         <p:nvSpPr>
-          <p:cNvPr id="11" name="Title 1"/>
-          <p:cNvSpPr>
-            <a:spLocks noGrp="1"/>
+          <p:cNvPr id="9" name="Title 1"/>
+          <p:cNvSpPr txBox="1">
+            <a:spLocks/>
           </p:cNvSpPr>
-          <p:nvPr>
-            <p:ph type="title"/>
-          </p:nvPr>
+          <p:nvPr/>
         </p:nvSpPr>
         <p:spPr>
           <a:xfrm>
-            <a:off x="477625" y="894534"/>
-            <a:ext cx="10972800" cy="551999"/>
+            <a:off x="-197334" y="671828"/>
+            <a:ext cx="10972800" cy="525087"/>
           </a:xfrm>
+          <a:prstGeom prst="rect">
+            <a:avLst/>
+          </a:prstGeom>
         </p:spPr>
         <p:txBody>
-          <a:bodyPr>
+          <a:bodyPr vert="horz" lIns="91440" tIns="45720" rIns="91440" bIns="45720" rtlCol="0" anchor="ctr">
             <a:noAutofit/>
           </a:bodyPr>
-          <a:lstStyle/>
-          <a:p>
-            <a:br>
-              <a:rPr lang="en-US" sz="2800" b="1" dirty="0">
+          <a:lstStyle>
+            <a:lvl1pPr algn="ctr" defTabSz="914400" rtl="0" eaLnBrk="1" latinLnBrk="0" hangingPunct="1">
+              <a:spcBef>
+                <a:spcPct val="0"/>
+              </a:spcBef>
+              <a:buNone/>
+              <a:defRPr sz="4400" kern="1200">
+                <a:solidFill>
+                  <a:srgbClr val="FFFFFF"/>
+                </a:solidFill>
+                <a:latin typeface="+mj-lt"/>
+                <a:ea typeface="+mj-ea"/>
+                <a:cs typeface="+mj-cs"/>
+              </a:defRPr>
+            </a:lvl1pPr>
+            <a:lvl2pPr eaLnBrk="1" hangingPunct="1">
+              <a:defRPr>
+                <a:solidFill>
+                  <a:schemeClr val="tx2"/>
+                </a:solidFill>
+              </a:defRPr>
+            </a:lvl2pPr>
+            <a:lvl3pPr eaLnBrk="1" hangingPunct="1">
+              <a:defRPr>
+                <a:solidFill>
+                  <a:schemeClr val="tx2"/>
+                </a:solidFill>
+              </a:defRPr>
+            </a:lvl3pPr>
+            <a:lvl4pPr eaLnBrk="1" hangingPunct="1">
+              <a:defRPr>
+                <a:solidFill>
+                  <a:schemeClr val="tx2"/>
+                </a:solidFill>
+              </a:defRPr>
+            </a:lvl4pPr>
+            <a:lvl5pPr eaLnBrk="1" hangingPunct="1">
+              <a:defRPr>
+                <a:solidFill>
+                  <a:schemeClr val="tx2"/>
+                </a:solidFill>
+              </a:defRPr>
+            </a:lvl5pPr>
+            <a:lvl6pPr eaLnBrk="1" hangingPunct="1">
+              <a:defRPr>
+                <a:solidFill>
+                  <a:schemeClr val="tx2"/>
+                </a:solidFill>
+              </a:defRPr>
+            </a:lvl6pPr>
+            <a:lvl7pPr eaLnBrk="1" hangingPunct="1">
+              <a:defRPr>
+                <a:solidFill>
+                  <a:schemeClr val="tx2"/>
+                </a:solidFill>
+              </a:defRPr>
+            </a:lvl7pPr>
+            <a:lvl8pPr eaLnBrk="1" hangingPunct="1">
+              <a:defRPr>
+                <a:solidFill>
+                  <a:schemeClr val="tx2"/>
+                </a:solidFill>
+              </a:defRPr>
+            </a:lvl8pPr>
+            <a:lvl9pPr eaLnBrk="1" hangingPunct="1">
+              <a:defRPr>
+                <a:solidFill>
+                  <a:schemeClr val="tx2"/>
+                </a:solidFill>
+              </a:defRPr>
+            </a:lvl9pPr>
+          </a:lstStyle>
+          <a:p>
+            <a:r>
+              <a:rPr lang="en-US" sz="2800" b="1" i="1" dirty="0">
                 <a:solidFill>
                   <a:schemeClr val="bg1"/>
                 </a:solidFill>
                 <a:latin typeface="Times New Roman" pitchFamily="18" charset="0"/>
                 <a:cs typeface="Times New Roman" pitchFamily="18" charset="0"/>
               </a:rPr>
-            </a:br>
-            <a:br>
-              <a:rPr lang="en-US" sz="2800" b="1" dirty="0">
-                <a:solidFill>
-                  <a:schemeClr val="bg1"/>
-                </a:solidFill>
-                <a:latin typeface="Times New Roman" pitchFamily="18" charset="0"/>
-                <a:cs typeface="Times New Roman" pitchFamily="18" charset="0"/>
-              </a:rPr>
-            </a:br>
-            <a:r>
-              <a:rPr lang="en-IN" sz="2800" b="1" i="1" dirty="0">
-                <a:solidFill>
-                  <a:schemeClr val="bg1"/>
-                </a:solidFill>
-                <a:latin typeface="Times New Roman" pitchFamily="18" charset="0"/>
-                <a:cs typeface="Times New Roman" pitchFamily="18" charset="0"/>
-              </a:rPr>
-              <a:t>HOW DID WE START IMPLEMENTING?</a:t>
-            </a:r>
-            <a:br>
-              <a:rPr lang="en-IN" sz="2800" i="1" dirty="0">
-                <a:solidFill>
-                  <a:schemeClr val="bg1"/>
-                </a:solidFill>
-                <a:latin typeface="Times New Roman" pitchFamily="18" charset="0"/>
-                <a:cs typeface="Times New Roman" pitchFamily="18" charset="0"/>
-              </a:rPr>
-            </a:br>
-            <a:br>
-              <a:rPr lang="en-US" sz="2800" dirty="0">
-                <a:solidFill>
-                  <a:schemeClr val="bg1"/>
-                </a:solidFill>
-                <a:latin typeface="Times New Roman" pitchFamily="18" charset="0"/>
-                <a:cs typeface="Times New Roman" pitchFamily="18" charset="0"/>
-              </a:rPr>
-            </a:br>
-            <a:endParaRPr lang="en-US" sz="2800" dirty="0">
+              <a:t>BUILDING THE SEMANTIC ANALYSIS FRAMEWORK</a:t>
+            </a:r>
+            <a:endParaRPr lang="en-US" sz="2800" i="1" dirty="0">
               <a:solidFill>
                 <a:schemeClr val="bg1"/>
               </a:solidFill>
@@ -24264,7 +24623,7 @@
                 <a:latin typeface="Times New Roman" pitchFamily="18" charset="0"/>
                 <a:cs typeface="Times New Roman" pitchFamily="18" charset="0"/>
               </a:rPr>
-              <a:t>Define a threshold for meaningful similarity measurement.</a:t>
+              <a:t>Define a threshold while visualization for meaningful similarity measurement.</a:t>
             </a:r>
           </a:p>
           <a:p>
@@ -24408,7 +24767,7 @@
       </p:pic>
       <p:sp>
         <p:nvSpPr>
-          <p:cNvPr id="11" name="Title 1"/>
+          <p:cNvPr id="2" name="Title 1"/>
           <p:cNvSpPr>
             <a:spLocks noGrp="1"/>
           </p:cNvSpPr>
@@ -24416,35 +24775,20 @@
             <p:ph type="title"/>
           </p:nvPr>
         </p:nvSpPr>
-        <p:spPr>
-          <a:xfrm>
-            <a:off x="534186" y="890327"/>
-            <a:ext cx="10972800" cy="525087"/>
-          </a:xfrm>
-        </p:spPr>
+        <p:spPr/>
         <p:txBody>
           <a:bodyPr>
-            <a:noAutofit/>
+            <a:normAutofit/>
           </a:bodyPr>
           <a:lstStyle/>
           <a:p>
             <a:r>
               <a:rPr lang="en-US" sz="2800" b="1" i="1" dirty="0">
-                <a:solidFill>
-                  <a:schemeClr val="bg1"/>
-                </a:solidFill>
                 <a:latin typeface="Times New Roman" pitchFamily="18" charset="0"/>
                 <a:cs typeface="Times New Roman" pitchFamily="18" charset="0"/>
               </a:rPr>
               <a:t>DOCUMENT COMPARISON ANALYSIS</a:t>
             </a:r>
-            <a:endParaRPr lang="en-US" sz="2800" i="1" dirty="0">
-              <a:solidFill>
-                <a:schemeClr val="bg1"/>
-              </a:solidFill>
-              <a:latin typeface="Times New Roman" pitchFamily="18" charset="0"/>
-              <a:cs typeface="Times New Roman" pitchFamily="18" charset="0"/>
-            </a:endParaRPr>
           </a:p>
         </p:txBody>
       </p:sp>
@@ -25413,15 +25757,6 @@
 </file>
 
 <file path=customXml/item1.xml><?xml version="1.0" encoding="utf-8"?>
-<p:properties xmlns:p="http://schemas.microsoft.com/office/2006/metadata/properties" xmlns:xsi="http://www.w3.org/2001/XMLSchema-instance" xmlns:pc="http://schemas.microsoft.com/office/infopath/2007/PartnerControls">
-  <documentManagement>
-    <Status xmlns="71af3243-3dd4-4a8d-8c0d-dd76da1f02a5">Not started</Status>
-    <MediaServiceKeyPoints xmlns="71af3243-3dd4-4a8d-8c0d-dd76da1f02a5" xsi:nil="true"/>
-  </documentManagement>
-</p:properties>
-</file>
-
-<file path=customXml/item2.xml><?xml version="1.0" encoding="utf-8"?>
 <ct:contentTypeSchema xmlns:ct="http://schemas.microsoft.com/office/2006/metadata/contentType" xmlns:ma="http://schemas.microsoft.com/office/2006/metadata/properties/metaAttributes" ct:_="" ma:_="" ma:contentTypeName="Document" ma:contentTypeID="0x01010079F111ED35F8CC479449609E8A0923A6" ma:contentTypeVersion="12" ma:contentTypeDescription="Create a new document." ma:contentTypeScope="" ma:versionID="a410dd7f93c95333ffa1b60ed6adedd1">
   <xsd:schema xmlns:xsd="http://www.w3.org/2001/XMLSchema" xmlns:xs="http://www.w3.org/2001/XMLSchema" xmlns:p="http://schemas.microsoft.com/office/2006/metadata/properties" xmlns:ns2="71af3243-3dd4-4a8d-8c0d-dd76da1f02a5" xmlns:ns3="16c05727-aa75-4e4a-9b5f-8a80a1165891" targetNamespace="http://schemas.microsoft.com/office/2006/metadata/properties" ma:root="true" ma:fieldsID="a936d9baba76aa3866493feff160faab" ns2:_="" ns3:_="">
     <xsd:import namespace="71af3243-3dd4-4a8d-8c0d-dd76da1f02a5"/>
@@ -25642,7 +25977,7 @@
 </ct:contentTypeSchema>
 </file>
 
-<file path=customXml/item3.xml><?xml version="1.0" encoding="utf-8"?>
+<file path=customXml/item2.xml><?xml version="1.0" encoding="utf-8"?>
 <?mso-contentType ?>
 <FormTemplates xmlns="http://schemas.microsoft.com/sharepoint/v3/contenttype/forms">
   <Display>DocumentLibraryForm</Display>
@@ -25651,24 +25986,16 @@
 </FormTemplates>
 </file>
 
-<file path=customXml/itemProps1.xml><?xml version="1.0" encoding="utf-8"?>
-<ds:datastoreItem xmlns:ds="http://schemas.openxmlformats.org/officeDocument/2006/customXml" ds:itemID="{8D289AE2-D2AE-49D1-AFAC-3A79F6794255}">
-  <ds:schemaRefs>
-    <ds:schemaRef ds:uri="http://purl.org/dc/terms/"/>
-    <ds:schemaRef ds:uri="http://schemas.openxmlformats.org/package/2006/metadata/core-properties"/>
-    <ds:schemaRef ds:uri="16c05727-aa75-4e4a-9b5f-8a80a1165891"/>
-    <ds:schemaRef ds:uri="http://schemas.microsoft.com/office/2006/documentManagement/types"/>
-    <ds:schemaRef ds:uri="http://schemas.microsoft.com/office/infopath/2007/PartnerControls"/>
-    <ds:schemaRef ds:uri="http://purl.org/dc/elements/1.1/"/>
-    <ds:schemaRef ds:uri="http://schemas.microsoft.com/office/2006/metadata/properties"/>
-    <ds:schemaRef ds:uri="71af3243-3dd4-4a8d-8c0d-dd76da1f02a5"/>
-    <ds:schemaRef ds:uri="http://www.w3.org/XML/1998/namespace"/>
-    <ds:schemaRef ds:uri="http://purl.org/dc/dcmitype/"/>
-  </ds:schemaRefs>
-</ds:datastoreItem>
+<file path=customXml/item3.xml><?xml version="1.0" encoding="utf-8"?>
+<p:properties xmlns:p="http://schemas.microsoft.com/office/2006/metadata/properties" xmlns:xsi="http://www.w3.org/2001/XMLSchema-instance" xmlns:pc="http://schemas.microsoft.com/office/infopath/2007/PartnerControls">
+  <documentManagement>
+    <Status xmlns="71af3243-3dd4-4a8d-8c0d-dd76da1f02a5">Not started</Status>
+    <MediaServiceKeyPoints xmlns="71af3243-3dd4-4a8d-8c0d-dd76da1f02a5" xsi:nil="true"/>
+  </documentManagement>
+</p:properties>
 </file>
 
-<file path=customXml/itemProps2.xml><?xml version="1.0" encoding="utf-8"?>
+<file path=customXml/itemProps1.xml><?xml version="1.0" encoding="utf-8"?>
 <ds:datastoreItem xmlns:ds="http://schemas.openxmlformats.org/officeDocument/2006/customXml" ds:itemID="{41E7CA09-9778-4414-AE97-8064B12DA30E}">
   <ds:schemaRefs>
     <ds:schemaRef ds:uri="http://schemas.microsoft.com/office/2006/metadata/contentType"/>
@@ -25687,10 +26014,27 @@
 </ds:datastoreItem>
 </file>
 
-<file path=customXml/itemProps3.xml><?xml version="1.0" encoding="utf-8"?>
+<file path=customXml/itemProps2.xml><?xml version="1.0" encoding="utf-8"?>
 <ds:datastoreItem xmlns:ds="http://schemas.openxmlformats.org/officeDocument/2006/customXml" ds:itemID="{927BD4C1-B6B1-4715-ABF9-E660A51A4EA0}">
   <ds:schemaRefs>
     <ds:schemaRef ds:uri="http://schemas.microsoft.com/sharepoint/v3/contenttype/forms"/>
   </ds:schemaRefs>
 </ds:datastoreItem>
+</file>
+
+<file path=customXml/itemProps3.xml><?xml version="1.0" encoding="utf-8"?>
+<ds:datastoreItem xmlns:ds="http://schemas.openxmlformats.org/officeDocument/2006/customXml" ds:itemID="{8D289AE2-D2AE-49D1-AFAC-3A79F6794255}">
+  <ds:schemaRefs>
+    <ds:schemaRef ds:uri="http://purl.org/dc/terms/"/>
+    <ds:schemaRef ds:uri="http://schemas.openxmlformats.org/package/2006/metadata/core-properties"/>
+    <ds:schemaRef ds:uri="16c05727-aa75-4e4a-9b5f-8a80a1165891"/>
+    <ds:schemaRef ds:uri="http://schemas.microsoft.com/office/2006/documentManagement/types"/>
+    <ds:schemaRef ds:uri="http://schemas.microsoft.com/office/infopath/2007/PartnerControls"/>
+    <ds:schemaRef ds:uri="http://purl.org/dc/elements/1.1/"/>
+    <ds:schemaRef ds:uri="http://schemas.microsoft.com/office/2006/metadata/properties"/>
+    <ds:schemaRef ds:uri="71af3243-3dd4-4a8d-8c0d-dd76da1f02a5"/>
+    <ds:schemaRef ds:uri="http://www.w3.org/XML/1998/namespace"/>
+    <ds:schemaRef ds:uri="http://purl.org/dc/dcmitype/"/>
+  </ds:schemaRefs>
+</ds:datastoreItem>
 </file>
--- a/SemanticAnalysisTextualData/SemanticAnalysisTextualData/Documentation/SemanticAnalysisTextualData.pptx
+++ b/SemanticAnalysisTextualData/SemanticAnalysisTextualData/Documentation/SemanticAnalysisTextualData.pptx
@@ -125,7 +125,7 @@
   </p:defaultTextStyle>
   <p:extLst>
     <p:ext uri="{EFAFB233-063F-42B5-8137-9DF3F51BA10A}">
-      <p15:sldGuideLst xmlns:p15="http://schemas.microsoft.com/office/powerpoint/2012/main">
+      <p15:sldGuideLst xmlns="" xmlns:p15="http://schemas.microsoft.com/office/powerpoint/2012/main">
         <p15:guide id="1" orient="horz" pos="2160">
           <p15:clr>
             <a:srgbClr val="A4A3A4"/>
@@ -15347,10 +15347,10 @@
           <p:cNvPr id="18" name="Rectangle 17">
             <a:extLst>
               <a:ext uri="{FF2B5EF4-FFF2-40B4-BE49-F238E27FC236}">
-                <a16:creationId xmlns:a16="http://schemas.microsoft.com/office/drawing/2014/main" id="{D6D7A0BC-0046-4CAA-8E7F-DCAFE511EA0E}"/>
+                <a16:creationId xmlns="" xmlns:a16="http://schemas.microsoft.com/office/drawing/2014/main" id="{D6D7A0BC-0046-4CAA-8E7F-DCAFE511EA0E}"/>
               </a:ext>
               <a:ext uri="{C183D7F6-B498-43B3-948B-1728B52AA6E4}">
-                <adec:decorative xmlns:adec="http://schemas.microsoft.com/office/drawing/2017/decorative" val="1"/>
+                <adec:decorative xmlns="" xmlns:adec="http://schemas.microsoft.com/office/drawing/2017/decorative" val="1"/>
               </a:ext>
             </a:extLst>
           </p:cNvPr>
@@ -15360,7 +15360,7 @@
           <p:nvPr>
             <p:extLst>
               <p:ext uri="{386F3935-93C4-4BCD-93E2-E3B085C9AB24}">
-                <p16:designElem xmlns:p16="http://schemas.microsoft.com/office/powerpoint/2015/main" val="1"/>
+                <p16:designElem xmlns="" xmlns:p16="http://schemas.microsoft.com/office/powerpoint/2015/main" val="1"/>
               </p:ext>
             </p:extLst>
           </p:nvPr>
@@ -15407,7 +15407,7 @@
           <p:cNvPr id="2" name="Title 1">
             <a:extLst>
               <a:ext uri="{FF2B5EF4-FFF2-40B4-BE49-F238E27FC236}">
-                <a16:creationId xmlns:a16="http://schemas.microsoft.com/office/drawing/2014/main" id="{1C21E816-31F5-48BB-BD02-D15F2F18B48A}"/>
+                <a16:creationId xmlns="" xmlns:a16="http://schemas.microsoft.com/office/drawing/2014/main" id="{1C21E816-31F5-48BB-BD02-D15F2F18B48A}"/>
               </a:ext>
             </a:extLst>
           </p:cNvPr>
@@ -15430,6 +15430,13 @@
           </a:bodyPr>
           <a:lstStyle/>
           <a:p>
+            <a:r>
+              <a:rPr lang="en-US" b="1" dirty="0">
+                <a:latin typeface="Times New Roman" panose="02020603050405020304" pitchFamily="18" charset="0"/>
+                <a:cs typeface="Times New Roman" panose="02020603050405020304" pitchFamily="18" charset="0"/>
+              </a:rPr>
+              <a:t/>
+            </a:r>
             <a:br>
               <a:rPr lang="en-US" b="1" dirty="0">
                 <a:latin typeface="Times New Roman" panose="02020603050405020304" pitchFamily="18" charset="0"/>
@@ -15451,7 +15458,7 @@
           <p:cNvPr id="3" name="Subtitle 2">
             <a:extLst>
               <a:ext uri="{FF2B5EF4-FFF2-40B4-BE49-F238E27FC236}">
-                <a16:creationId xmlns:a16="http://schemas.microsoft.com/office/drawing/2014/main" id="{835D6E6B-3353-491C-A3C6-F278D6CED8B3}"/>
+                <a16:creationId xmlns="" xmlns:a16="http://schemas.microsoft.com/office/drawing/2014/main" id="{835D6E6B-3353-491C-A3C6-F278D6CED8B3}"/>
               </a:ext>
             </a:extLst>
           </p:cNvPr>
@@ -15534,7 +15541,7 @@
           <p:cNvPr id="10" name="Date Placeholder 9">
             <a:extLst>
               <a:ext uri="{FF2B5EF4-FFF2-40B4-BE49-F238E27FC236}">
-                <a16:creationId xmlns:a16="http://schemas.microsoft.com/office/drawing/2014/main" id="{44204809-7C99-0296-FD62-43E631617571}"/>
+                <a16:creationId xmlns="" xmlns:a16="http://schemas.microsoft.com/office/drawing/2014/main" id="{44204809-7C99-0296-FD62-43E631617571}"/>
               </a:ext>
             </a:extLst>
           </p:cNvPr>
@@ -15562,7 +15569,7 @@
           <p:cNvPr id="11" name="Footer Placeholder 10">
             <a:extLst>
               <a:ext uri="{FF2B5EF4-FFF2-40B4-BE49-F238E27FC236}">
-                <a16:creationId xmlns:a16="http://schemas.microsoft.com/office/drawing/2014/main" id="{5ECA8BD7-B877-F88A-3743-33335B0E21F4}"/>
+                <a16:creationId xmlns="" xmlns:a16="http://schemas.microsoft.com/office/drawing/2014/main" id="{5ECA8BD7-B877-F88A-3743-33335B0E21F4}"/>
               </a:ext>
             </a:extLst>
           </p:cNvPr>
@@ -15591,7 +15598,7 @@
           <p:cNvPr id="12" name="Slide Number Placeholder 11">
             <a:extLst>
               <a:ext uri="{FF2B5EF4-FFF2-40B4-BE49-F238E27FC236}">
-                <a16:creationId xmlns:a16="http://schemas.microsoft.com/office/drawing/2014/main" id="{AD445850-2032-2AAA-181B-660F93C51227}"/>
+                <a16:creationId xmlns="" xmlns:a16="http://schemas.microsoft.com/office/drawing/2014/main" id="{AD445850-2032-2AAA-181B-660F93C51227}"/>
               </a:ext>
             </a:extLst>
           </p:cNvPr>
@@ -15625,10 +15632,10 @@
           <p:cNvPr id="20" name="Rectangle 19">
             <a:extLst>
               <a:ext uri="{FF2B5EF4-FFF2-40B4-BE49-F238E27FC236}">
-                <a16:creationId xmlns:a16="http://schemas.microsoft.com/office/drawing/2014/main" id="{E7C6334F-6411-41EC-AD7D-179EDD8B58CB}"/>
+                <a16:creationId xmlns="" xmlns:a16="http://schemas.microsoft.com/office/drawing/2014/main" id="{E7C6334F-6411-41EC-AD7D-179EDD8B58CB}"/>
               </a:ext>
               <a:ext uri="{C183D7F6-B498-43B3-948B-1728B52AA6E4}">
-                <adec:decorative xmlns:adec="http://schemas.microsoft.com/office/drawing/2017/decorative" val="1"/>
+                <adec:decorative xmlns="" xmlns:adec="http://schemas.microsoft.com/office/drawing/2017/decorative" val="1"/>
               </a:ext>
             </a:extLst>
           </p:cNvPr>
@@ -15638,7 +15645,7 @@
           <p:nvPr>
             <p:extLst>
               <p:ext uri="{386F3935-93C4-4BCD-93E2-E3B085C9AB24}">
-                <p16:designElem xmlns:p16="http://schemas.microsoft.com/office/powerpoint/2015/main" val="1"/>
+                <p16:designElem xmlns="" xmlns:p16="http://schemas.microsoft.com/office/powerpoint/2015/main" val="1"/>
               </p:ext>
             </p:extLst>
           </p:nvPr>
@@ -15681,10 +15688,10 @@
           <p:cNvPr id="22" name="Rectangle 21">
             <a:extLst>
               <a:ext uri="{FF2B5EF4-FFF2-40B4-BE49-F238E27FC236}">
-                <a16:creationId xmlns:a16="http://schemas.microsoft.com/office/drawing/2014/main" id="{E6B02CEE-3AF8-4349-9B3E-8970E6DF62B3}"/>
+                <a16:creationId xmlns="" xmlns:a16="http://schemas.microsoft.com/office/drawing/2014/main" id="{E6B02CEE-3AF8-4349-9B3E-8970E6DF62B3}"/>
               </a:ext>
               <a:ext uri="{C183D7F6-B498-43B3-948B-1728B52AA6E4}">
-                <adec:decorative xmlns:adec="http://schemas.microsoft.com/office/drawing/2017/decorative" val="1"/>
+                <adec:decorative xmlns="" xmlns:adec="http://schemas.microsoft.com/office/drawing/2017/decorative" val="1"/>
               </a:ext>
             </a:extLst>
           </p:cNvPr>
@@ -15694,7 +15701,7 @@
           <p:nvPr>
             <p:extLst>
               <p:ext uri="{386F3935-93C4-4BCD-93E2-E3B085C9AB24}">
-                <p16:designElem xmlns:p16="http://schemas.microsoft.com/office/powerpoint/2015/main" val="1"/>
+                <p16:designElem xmlns="" xmlns:p16="http://schemas.microsoft.com/office/powerpoint/2015/main" val="1"/>
               </p:ext>
             </p:extLst>
           </p:nvPr>
@@ -15735,10 +15742,10 @@
           <p:cNvPr id="24" name="Rectangle 23">
             <a:extLst>
               <a:ext uri="{FF2B5EF4-FFF2-40B4-BE49-F238E27FC236}">
-                <a16:creationId xmlns:a16="http://schemas.microsoft.com/office/drawing/2014/main" id="{AAA01CF0-3FB5-44EB-B7DE-F2E86374C2FB}"/>
+                <a16:creationId xmlns="" xmlns:a16="http://schemas.microsoft.com/office/drawing/2014/main" id="{AAA01CF0-3FB5-44EB-B7DE-F2E86374C2FB}"/>
               </a:ext>
               <a:ext uri="{C183D7F6-B498-43B3-948B-1728B52AA6E4}">
-                <adec:decorative xmlns:adec="http://schemas.microsoft.com/office/drawing/2017/decorative" val="1"/>
+                <adec:decorative xmlns="" xmlns:adec="http://schemas.microsoft.com/office/drawing/2017/decorative" val="1"/>
               </a:ext>
             </a:extLst>
           </p:cNvPr>
@@ -15748,7 +15755,7 @@
           <p:nvPr>
             <p:extLst>
               <p:ext uri="{386F3935-93C4-4BCD-93E2-E3B085C9AB24}">
-                <p16:designElem xmlns:p16="http://schemas.microsoft.com/office/powerpoint/2015/main" val="1"/>
+                <p16:designElem xmlns="" xmlns:p16="http://schemas.microsoft.com/office/powerpoint/2015/main" val="1"/>
               </p:ext>
             </p:extLst>
           </p:nvPr>
@@ -15791,7 +15798,7 @@
           <p:cNvPr id="6" name="Picture 5" descr="abstract image">
             <a:extLst>
               <a:ext uri="{FF2B5EF4-FFF2-40B4-BE49-F238E27FC236}">
-                <a16:creationId xmlns:a16="http://schemas.microsoft.com/office/drawing/2014/main" id="{F1A8C364-94D4-4630-BAD0-78722F347055}"/>
+                <a16:creationId xmlns="" xmlns:a16="http://schemas.microsoft.com/office/drawing/2014/main" id="{F1A8C364-94D4-4630-BAD0-78722F347055}"/>
               </a:ext>
             </a:extLst>
           </p:cNvPr>
@@ -15826,7 +15833,7 @@
           <p:cNvPr id="7" name="TextBox 6">
             <a:extLst>
               <a:ext uri="{FF2B5EF4-FFF2-40B4-BE49-F238E27FC236}">
-                <a16:creationId xmlns:a16="http://schemas.microsoft.com/office/drawing/2014/main" id="{56DC74AF-9BA3-C0B8-40E4-7EA42EFEFC2C}"/>
+                <a16:creationId xmlns="" xmlns:a16="http://schemas.microsoft.com/office/drawing/2014/main" id="{56DC74AF-9BA3-C0B8-40E4-7EA42EFEFC2C}"/>
               </a:ext>
             </a:extLst>
           </p:cNvPr>
@@ -15892,7 +15899,7 @@
           <p:cNvPr id="13" name="object 36">
             <a:extLst>
               <a:ext uri="{FF2B5EF4-FFF2-40B4-BE49-F238E27FC236}">
-                <a16:creationId xmlns:a16="http://schemas.microsoft.com/office/drawing/2014/main" id="{B139A576-E33C-B39D-02D8-BA5C89CA09BB}"/>
+                <a16:creationId xmlns="" xmlns:a16="http://schemas.microsoft.com/office/drawing/2014/main" id="{B139A576-E33C-B39D-02D8-BA5C89CA09BB}"/>
               </a:ext>
             </a:extLst>
           </p:cNvPr>
@@ -16034,6 +16041,13 @@
   <p:clrMapOvr>
     <a:masterClrMapping/>
   </p:clrMapOvr>
+  <p:timing>
+    <p:tnLst>
+      <p:par>
+        <p:cTn id="1" dur="indefinite" restart="never" nodeType="tmRoot"/>
+      </p:par>
+    </p:tnLst>
+  </p:timing>
 </p:sld>
 </file>
 
@@ -16059,7 +16073,7 @@
           <p:cNvPr id="3" name="Content Placeholder 2">
             <a:extLst>
               <a:ext uri="{FF2B5EF4-FFF2-40B4-BE49-F238E27FC236}">
-                <a16:creationId xmlns:a16="http://schemas.microsoft.com/office/drawing/2014/main" id="{A58537CC-FC3A-E5DC-8DAC-14DB4981F53F}"/>
+                <a16:creationId xmlns="" xmlns:a16="http://schemas.microsoft.com/office/drawing/2014/main" id="{A58537CC-FC3A-E5DC-8DAC-14DB4981F53F}"/>
               </a:ext>
             </a:extLst>
           </p:cNvPr>
@@ -16252,7 +16266,7 @@
           <p:cNvPr id="4" name="Date Placeholder 3">
             <a:extLst>
               <a:ext uri="{FF2B5EF4-FFF2-40B4-BE49-F238E27FC236}">
-                <a16:creationId xmlns:a16="http://schemas.microsoft.com/office/drawing/2014/main" id="{33E909F9-DA59-FD45-B1EB-45783CA97968}"/>
+                <a16:creationId xmlns="" xmlns:a16="http://schemas.microsoft.com/office/drawing/2014/main" id="{33E909F9-DA59-FD45-B1EB-45783CA97968}"/>
               </a:ext>
             </a:extLst>
           </p:cNvPr>
@@ -16280,7 +16294,7 @@
           <p:cNvPr id="5" name="Footer Placeholder 4">
             <a:extLst>
               <a:ext uri="{FF2B5EF4-FFF2-40B4-BE49-F238E27FC236}">
-                <a16:creationId xmlns:a16="http://schemas.microsoft.com/office/drawing/2014/main" id="{86A71CE6-0AEF-7BFE-E34C-B75805996A72}"/>
+                <a16:creationId xmlns="" xmlns:a16="http://schemas.microsoft.com/office/drawing/2014/main" id="{86A71CE6-0AEF-7BFE-E34C-B75805996A72}"/>
               </a:ext>
             </a:extLst>
           </p:cNvPr>
@@ -16308,7 +16322,7 @@
           <p:cNvPr id="6" name="Slide Number Placeholder 5">
             <a:extLst>
               <a:ext uri="{FF2B5EF4-FFF2-40B4-BE49-F238E27FC236}">
-                <a16:creationId xmlns:a16="http://schemas.microsoft.com/office/drawing/2014/main" id="{82FB8329-FA0D-DB96-7E65-D7DDCBAC8940}"/>
+                <a16:creationId xmlns="" xmlns:a16="http://schemas.microsoft.com/office/drawing/2014/main" id="{82FB8329-FA0D-DB96-7E65-D7DDCBAC8940}"/>
               </a:ext>
             </a:extLst>
           </p:cNvPr>
@@ -16337,7 +16351,7 @@
           <p:cNvPr id="7" name="object 36">
             <a:extLst>
               <a:ext uri="{FF2B5EF4-FFF2-40B4-BE49-F238E27FC236}">
-                <a16:creationId xmlns:a16="http://schemas.microsoft.com/office/drawing/2014/main" id="{0775318E-9527-6236-D96E-BEBD4972B842}"/>
+                <a16:creationId xmlns="" xmlns:a16="http://schemas.microsoft.com/office/drawing/2014/main" id="{0775318E-9527-6236-D96E-BEBD4972B842}"/>
               </a:ext>
             </a:extLst>
           </p:cNvPr>
@@ -16365,7 +16379,7 @@
           <p:cNvPr id="8" name="Content Placeholder 2">
             <a:extLst>
               <a:ext uri="{FF2B5EF4-FFF2-40B4-BE49-F238E27FC236}">
-                <a16:creationId xmlns:a16="http://schemas.microsoft.com/office/drawing/2014/main" id="{A58537CC-FC3A-E5DC-8DAC-14DB4981F53F}"/>
+                <a16:creationId xmlns="" xmlns:a16="http://schemas.microsoft.com/office/drawing/2014/main" id="{A58537CC-FC3A-E5DC-8DAC-14DB4981F53F}"/>
               </a:ext>
             </a:extLst>
           </p:cNvPr>
@@ -16830,6 +16844,7 @@
           </a:bodyPr>
           <a:lstStyle/>
           <a:p>
+            <a:pPr algn="l"/>
             <a:r>
               <a:rPr lang="en-US" sz="2800" b="1" i="1" dirty="0">
                 <a:latin typeface="Times New Roman" pitchFamily="18" charset="0"/>
@@ -16844,6 +16859,46 @@
           </a:p>
         </p:txBody>
       </p:sp>
+      <p:pic>
+        <p:nvPicPr>
+          <p:cNvPr id="2" name="Picture 1"/>
+          <p:cNvPicPr>
+            <a:picLocks noChangeAspect="1"/>
+          </p:cNvPicPr>
+          <p:nvPr/>
+        </p:nvPicPr>
+        <p:blipFill>
+          <a:blip r:embed="rId3">
+            <a:extLst>
+              <a:ext uri="{28A0092B-C50C-407E-A947-70E740481C1C}">
+                <a14:useLocalDpi xmlns:a14="http://schemas.microsoft.com/office/drawing/2010/main" val="0"/>
+              </a:ext>
+            </a:extLst>
+          </a:blip>
+          <a:stretch>
+            <a:fillRect/>
+          </a:stretch>
+        </p:blipFill>
+        <p:spPr>
+          <a:xfrm>
+            <a:off x="2724912" y="-5555109"/>
+            <a:ext cx="6858000" cy="5820285"/>
+          </a:xfrm>
+          <a:prstGeom prst="rect">
+            <a:avLst/>
+          </a:prstGeom>
+          <a:noFill/>
+          <a:effectLst>
+            <a:outerShdw blurRad="50800" dist="50800" dir="5400000" algn="ctr" rotWithShape="0">
+              <a:schemeClr val="bg1">
+                <a:alpha val="0"/>
+              </a:schemeClr>
+            </a:outerShdw>
+            <a:reflection blurRad="6350" stA="50000" endA="295" endPos="92000" dist="101600" dir="5400000" sy="-100000" algn="bl" rotWithShape="0"/>
+            <a:softEdge rad="635000"/>
+          </a:effectLst>
+        </p:spPr>
+      </p:pic>
     </p:spTree>
     <p:extLst>
       <p:ext uri="{BB962C8B-B14F-4D97-AF65-F5344CB8AC3E}">
@@ -16854,6 +16909,13 @@
   <p:clrMapOvr>
     <a:masterClrMapping/>
   </p:clrMapOvr>
+  <p:timing>
+    <p:tnLst>
+      <p:par>
+        <p:cTn id="1" dur="indefinite" restart="never" nodeType="tmRoot"/>
+      </p:par>
+    </p:tnLst>
+  </p:timing>
 </p:sld>
 </file>
 
@@ -17012,7 +17074,7 @@
             </a:endParaRPr>
           </a:p>
           <a:p>
-            <a:endParaRPr lang="en-US" dirty="0"/>
+            <a:endParaRPr lang="en-US" dirty="0" smtClean="0"/>
           </a:p>
         </p:txBody>
       </p:sp>
@@ -18054,6 +18116,14 @@
           </a:bodyPr>
           <a:lstStyle/>
           <a:p>
+            <a:pPr algn="l"/>
+            <a:r>
+              <a:rPr lang="en-US" sz="2800" b="1" i="1" dirty="0">
+                <a:latin typeface="Times New Roman" pitchFamily="18" charset="0"/>
+                <a:cs typeface="Times New Roman" pitchFamily="18" charset="0"/>
+              </a:rPr>
+              <a:t/>
+            </a:r>
             <a:br>
               <a:rPr lang="en-US" sz="2800" b="1" i="1" dirty="0">
                 <a:latin typeface="Times New Roman" pitchFamily="18" charset="0"/>
@@ -18079,7 +18149,7 @@
           <p:cNvPr id="2" name="object 36">
             <a:extLst>
               <a:ext uri="{FF2B5EF4-FFF2-40B4-BE49-F238E27FC236}">
-                <a16:creationId xmlns:a16="http://schemas.microsoft.com/office/drawing/2014/main" id="{BD638B85-8C04-1FC4-FB58-B41201535927}"/>
+                <a16:creationId xmlns="" xmlns:a16="http://schemas.microsoft.com/office/drawing/2014/main" id="{BD638B85-8C04-1FC4-FB58-B41201535927}"/>
               </a:ext>
             </a:extLst>
           </p:cNvPr>
@@ -18172,6 +18242,13 @@
   <p:clrMapOvr>
     <a:masterClrMapping/>
   </p:clrMapOvr>
+  <p:timing>
+    <p:tnLst>
+      <p:par>
+        <p:cTn id="1" dur="indefinite" restart="never" nodeType="tmRoot"/>
+      </p:par>
+    </p:tnLst>
+  </p:timing>
 </p:sld>
 </file>
 
@@ -18204,7 +18281,7 @@
         </p:nvSpPr>
         <p:spPr>
           <a:xfrm>
-            <a:off x="581194" y="2065867"/>
+            <a:off x="334306" y="2349331"/>
             <a:ext cx="11029615" cy="3909483"/>
           </a:xfrm>
         </p:spPr>
@@ -18297,7 +18374,7 @@
                 <a:hlinkClick r:id="rId2">
                   <a:extLst>
                     <a:ext uri="{A12FA001-AC4F-418D-AE19-62706E023703}">
-                      <ahyp:hlinkClr xmlns:ahyp="http://schemas.microsoft.com/office/drawing/2018/hyperlinkcolor" val="tx"/>
+                      <ahyp:hlinkClr xmlns="" xmlns:ahyp="http://schemas.microsoft.com/office/drawing/2018/hyperlinkcolor" val="tx"/>
                     </a:ext>
                   </a:extLst>
                 </a:hlinkClick>
@@ -18314,7 +18391,7 @@
                 <a:hlinkClick r:id="rId2">
                   <a:extLst>
                     <a:ext uri="{A12FA001-AC4F-418D-AE19-62706E023703}">
-                      <ahyp:hlinkClr xmlns:ahyp="http://schemas.microsoft.com/office/drawing/2018/hyperlinkcolor" val="tx"/>
+                      <ahyp:hlinkClr xmlns="" xmlns:ahyp="http://schemas.microsoft.com/office/drawing/2018/hyperlinkcolor" val="tx"/>
                     </a:ext>
                   </a:extLst>
                 </a:hlinkClick>
@@ -18331,7 +18408,7 @@
                 <a:hlinkClick r:id="rId2">
                   <a:extLst>
                     <a:ext uri="{A12FA001-AC4F-418D-AE19-62706E023703}">
-                      <ahyp:hlinkClr xmlns:ahyp="http://schemas.microsoft.com/office/drawing/2018/hyperlinkcolor" val="tx"/>
+                      <ahyp:hlinkClr xmlns="" xmlns:ahyp="http://schemas.microsoft.com/office/drawing/2018/hyperlinkcolor" val="tx"/>
                     </a:ext>
                   </a:extLst>
                 </a:hlinkClick>
@@ -18399,7 +18476,7 @@
                 <a:hlinkClick r:id="rId3">
                   <a:extLst>
                     <a:ext uri="{A12FA001-AC4F-418D-AE19-62706E023703}">
-                      <ahyp:hlinkClr xmlns:ahyp="http://schemas.microsoft.com/office/drawing/2018/hyperlinkcolor" val="tx"/>
+                      <ahyp:hlinkClr xmlns="" xmlns:ahyp="http://schemas.microsoft.com/office/drawing/2018/hyperlinkcolor" val="tx"/>
                     </a:ext>
                   </a:extLst>
                 </a:hlinkClick>
@@ -18467,7 +18544,7 @@
                 <a:hlinkClick r:id="rId4">
                   <a:extLst>
                     <a:ext uri="{A12FA001-AC4F-418D-AE19-62706E023703}">
-                      <ahyp:hlinkClr xmlns:ahyp="http://schemas.microsoft.com/office/drawing/2018/hyperlinkcolor" val="tx"/>
+                      <ahyp:hlinkClr xmlns="" xmlns:ahyp="http://schemas.microsoft.com/office/drawing/2018/hyperlinkcolor" val="tx"/>
                     </a:ext>
                   </a:extLst>
                 </a:hlinkClick>
@@ -18591,6 +18668,7 @@
           </a:bodyPr>
           <a:lstStyle/>
           <a:p>
+            <a:pPr algn="l"/>
             <a:r>
               <a:rPr lang="en-US" sz="2800" b="1" i="1" dirty="0">
                 <a:latin typeface="Times New Roman" panose="02020603050405020304" pitchFamily="18" charset="0"/>
@@ -18606,7 +18684,7 @@
           <p:cNvPr id="7" name="object 36">
             <a:extLst>
               <a:ext uri="{FF2B5EF4-FFF2-40B4-BE49-F238E27FC236}">
-                <a16:creationId xmlns:a16="http://schemas.microsoft.com/office/drawing/2014/main" id="{523B34A9-32DE-7132-1543-775F2E1AD8E7}"/>
+                <a16:creationId xmlns="" xmlns:a16="http://schemas.microsoft.com/office/drawing/2014/main" id="{523B34A9-32DE-7132-1543-775F2E1AD8E7}"/>
               </a:ext>
             </a:extLst>
           </p:cNvPr>
@@ -18639,6 +18717,13 @@
   <p:clrMapOvr>
     <a:masterClrMapping/>
   </p:clrMapOvr>
+  <p:timing>
+    <p:tnLst>
+      <p:par>
+        <p:cTn id="1" dur="indefinite" restart="never" nodeType="tmRoot"/>
+      </p:par>
+    </p:tnLst>
+  </p:timing>
 </p:sld>
 </file>
 
@@ -18669,7 +18754,12 @@
             <p:ph idx="1"/>
           </p:nvPr>
         </p:nvSpPr>
-        <p:spPr/>
+        <p:spPr>
+          <a:xfrm>
+            <a:off x="385517" y="2730331"/>
+            <a:ext cx="9877777" cy="3450696"/>
+          </a:xfrm>
+        </p:spPr>
         <p:txBody>
           <a:bodyPr>
             <a:normAutofit fontScale="85000" lnSpcReduction="20000"/>
@@ -18913,7 +19003,7 @@
         </p:nvSpPr>
         <p:spPr>
           <a:xfrm>
-            <a:off x="609600" y="338328"/>
+            <a:off x="408432" y="263963"/>
             <a:ext cx="8711381" cy="1252728"/>
           </a:xfrm>
         </p:spPr>
@@ -18923,6 +19013,10 @@
           </a:bodyPr>
           <a:lstStyle/>
           <a:p>
+            <a:r>
+              <a:rPr lang="en-US" b="1" dirty="0"/>
+              <a:t/>
+            </a:r>
             <a:br>
               <a:rPr lang="en-US" b="1" dirty="0"/>
             </a:br>
@@ -18943,6 +19037,10 @@
                 <a:cs typeface="Times New Roman" panose="02020603050405020304" pitchFamily="18" charset="0"/>
               </a:rPr>
               <a:t>LIMITATIONS &amp; FUTURE SCOPE</a:t>
+            </a:r>
+            <a:r>
+              <a:rPr lang="en-US" sz="3100" b="1" dirty="0"/>
+              <a:t/>
             </a:r>
             <a:br>
               <a:rPr lang="en-US" sz="3100" b="1" dirty="0"/>
@@ -18956,7 +19054,7 @@
           <p:cNvPr id="7" name="object 36">
             <a:extLst>
               <a:ext uri="{FF2B5EF4-FFF2-40B4-BE49-F238E27FC236}">
-                <a16:creationId xmlns:a16="http://schemas.microsoft.com/office/drawing/2014/main" id="{3F60CFD1-D987-685B-EB6E-1B0C95E7B44D}"/>
+                <a16:creationId xmlns="" xmlns:a16="http://schemas.microsoft.com/office/drawing/2014/main" id="{3F60CFD1-D987-685B-EB6E-1B0C95E7B44D}"/>
               </a:ext>
             </a:extLst>
           </p:cNvPr>
@@ -18989,6 +19087,13 @@
   <p:clrMapOvr>
     <a:masterClrMapping/>
   </p:clrMapOvr>
+  <p:timing>
+    <p:tnLst>
+      <p:par>
+        <p:cTn id="1" dur="indefinite" restart="never" nodeType="tmRoot"/>
+      </p:par>
+    </p:tnLst>
+  </p:timing>
 </p:sld>
 </file>
 
@@ -19019,7 +19124,12 @@
             <p:ph idx="1"/>
           </p:nvPr>
         </p:nvSpPr>
-        <p:spPr/>
+        <p:spPr>
+          <a:xfrm>
+            <a:off x="403805" y="2739475"/>
+            <a:ext cx="9877777" cy="3450696"/>
+          </a:xfrm>
+        </p:spPr>
         <p:txBody>
           <a:bodyPr>
             <a:normAutofit/>
@@ -19119,6 +19229,13 @@
                 <a:cs typeface="Times New Roman" panose="02020603050405020304" pitchFamily="18" charset="0"/>
               </a:rPr>
             </a:br>
+            <a:r>
+              <a:rPr lang="en-US" sz="1900" dirty="0">
+                <a:latin typeface="Times New Roman" panose="02020603050405020304" pitchFamily="18" charset="0"/>
+                <a:cs typeface="Times New Roman" panose="02020603050405020304" pitchFamily="18" charset="0"/>
+              </a:rPr>
+              <a:t/>
+            </a:r>
             <a:br>
               <a:rPr lang="en-US" sz="1900" dirty="0">
                 <a:latin typeface="Times New Roman" panose="02020603050405020304" pitchFamily="18" charset="0"/>
@@ -19213,13 +19330,19 @@
             <p:ph type="title"/>
           </p:nvPr>
         </p:nvSpPr>
-        <p:spPr/>
+        <p:spPr>
+          <a:xfrm>
+            <a:off x="638010" y="364547"/>
+            <a:ext cx="10972800" cy="1252728"/>
+          </a:xfrm>
+        </p:spPr>
         <p:txBody>
           <a:bodyPr>
             <a:noAutofit/>
           </a:bodyPr>
           <a:lstStyle/>
           <a:p>
+            <a:pPr algn="l"/>
             <a:r>
               <a:rPr lang="en-US" sz="2800" b="1" i="1" dirty="0">
                 <a:latin typeface="Times New Roman" pitchFamily="18" charset="0"/>
@@ -19239,7 +19362,7 @@
           <p:cNvPr id="7" name="object 36">
             <a:extLst>
               <a:ext uri="{FF2B5EF4-FFF2-40B4-BE49-F238E27FC236}">
-                <a16:creationId xmlns:a16="http://schemas.microsoft.com/office/drawing/2014/main" id="{5AE67FE6-245D-C209-DC02-D927AE25B7A7}"/>
+                <a16:creationId xmlns="" xmlns:a16="http://schemas.microsoft.com/office/drawing/2014/main" id="{5AE67FE6-245D-C209-DC02-D927AE25B7A7}"/>
               </a:ext>
             </a:extLst>
           </p:cNvPr>
@@ -19272,6 +19395,13 @@
   <p:clrMapOvr>
     <a:masterClrMapping/>
   </p:clrMapOvr>
+  <p:timing>
+    <p:tnLst>
+      <p:par>
+        <p:cTn id="1" dur="indefinite" restart="never" nodeType="tmRoot"/>
+      </p:par>
+    </p:tnLst>
+  </p:timing>
 </p:sld>
 </file>
 
@@ -19297,7 +19427,7 @@
           <p:cNvPr id="2" name="Content Placeholder 1">
             <a:extLst>
               <a:ext uri="{FF2B5EF4-FFF2-40B4-BE49-F238E27FC236}">
-                <a16:creationId xmlns:a16="http://schemas.microsoft.com/office/drawing/2014/main" id="{E54FDA97-D34A-2D23-4E5D-AFDD89F2FA61}"/>
+                <a16:creationId xmlns="" xmlns:a16="http://schemas.microsoft.com/office/drawing/2014/main" id="{E54FDA97-D34A-2D23-4E5D-AFDD89F2FA61}"/>
               </a:ext>
             </a:extLst>
           </p:cNvPr>
@@ -19310,7 +19440,7 @@
         </p:nvSpPr>
         <p:spPr>
           <a:xfrm>
-            <a:off x="1162757" y="2320413"/>
+            <a:off x="476957" y="2338701"/>
             <a:ext cx="9877777" cy="3805750"/>
           </a:xfrm>
         </p:spPr>
@@ -19693,7 +19823,7 @@
           <p:cNvPr id="3" name="Date Placeholder 2">
             <a:extLst>
               <a:ext uri="{FF2B5EF4-FFF2-40B4-BE49-F238E27FC236}">
-                <a16:creationId xmlns:a16="http://schemas.microsoft.com/office/drawing/2014/main" id="{9AC193FF-8C1E-BC3C-6562-EA1A193D5E41}"/>
+                <a16:creationId xmlns="" xmlns:a16="http://schemas.microsoft.com/office/drawing/2014/main" id="{9AC193FF-8C1E-BC3C-6562-EA1A193D5E41}"/>
               </a:ext>
             </a:extLst>
           </p:cNvPr>
@@ -19722,7 +19852,7 @@
           <p:cNvPr id="4" name="Footer Placeholder 3">
             <a:extLst>
               <a:ext uri="{FF2B5EF4-FFF2-40B4-BE49-F238E27FC236}">
-                <a16:creationId xmlns:a16="http://schemas.microsoft.com/office/drawing/2014/main" id="{BB284AFE-3060-D99A-11E4-A2CE7A438E58}"/>
+                <a16:creationId xmlns="" xmlns:a16="http://schemas.microsoft.com/office/drawing/2014/main" id="{BB284AFE-3060-D99A-11E4-A2CE7A438E58}"/>
               </a:ext>
             </a:extLst>
           </p:cNvPr>
@@ -19751,7 +19881,7 @@
           <p:cNvPr id="5" name="Slide Number Placeholder 4">
             <a:extLst>
               <a:ext uri="{FF2B5EF4-FFF2-40B4-BE49-F238E27FC236}">
-                <a16:creationId xmlns:a16="http://schemas.microsoft.com/office/drawing/2014/main" id="{E4BAB506-E915-B9F7-758B-8CED2D0E355F}"/>
+                <a16:creationId xmlns="" xmlns:a16="http://schemas.microsoft.com/office/drawing/2014/main" id="{E4BAB506-E915-B9F7-758B-8CED2D0E355F}"/>
               </a:ext>
             </a:extLst>
           </p:cNvPr>
@@ -19780,7 +19910,7 @@
           <p:cNvPr id="6" name="Title 5">
             <a:extLst>
               <a:ext uri="{FF2B5EF4-FFF2-40B4-BE49-F238E27FC236}">
-                <a16:creationId xmlns:a16="http://schemas.microsoft.com/office/drawing/2014/main" id="{3B7EEF39-E8AE-5FB0-9F84-7FC2EDD2EA46}"/>
+                <a16:creationId xmlns="" xmlns:a16="http://schemas.microsoft.com/office/drawing/2014/main" id="{3B7EEF39-E8AE-5FB0-9F84-7FC2EDD2EA46}"/>
               </a:ext>
             </a:extLst>
           </p:cNvPr>
@@ -19798,6 +19928,7 @@
           </a:bodyPr>
           <a:lstStyle/>
           <a:p>
+            <a:pPr algn="l"/>
             <a:r>
               <a:rPr lang="en-IN" sz="2800" b="1" i="1" dirty="0">
                 <a:latin typeface="Times New Roman" panose="02020603050405020304" pitchFamily="18" charset="0"/>
@@ -19814,7 +19945,7 @@
           <p:cNvPr id="13" name="object 36">
             <a:extLst>
               <a:ext uri="{FF2B5EF4-FFF2-40B4-BE49-F238E27FC236}">
-                <a16:creationId xmlns:a16="http://schemas.microsoft.com/office/drawing/2014/main" id="{7DAA7A88-8CA1-B269-376F-DC736EF63FC7}"/>
+                <a16:creationId xmlns="" xmlns:a16="http://schemas.microsoft.com/office/drawing/2014/main" id="{7DAA7A88-8CA1-B269-376F-DC736EF63FC7}"/>
               </a:ext>
             </a:extLst>
           </p:cNvPr>
@@ -19847,6 +19978,13 @@
   <p:clrMapOvr>
     <a:masterClrMapping/>
   </p:clrMapOvr>
+  <p:timing>
+    <p:tnLst>
+      <p:par>
+        <p:cTn id="1" dur="indefinite" restart="never" nodeType="tmRoot"/>
+      </p:par>
+    </p:tnLst>
+  </p:timing>
 </p:sld>
 </file>
 
@@ -19872,7 +20010,7 @@
           <p:cNvPr id="2" name="Content Placeholder 1">
             <a:extLst>
               <a:ext uri="{FF2B5EF4-FFF2-40B4-BE49-F238E27FC236}">
-                <a16:creationId xmlns:a16="http://schemas.microsoft.com/office/drawing/2014/main" id="{64A315DC-2420-6861-8F0C-25F8AF239436}"/>
+                <a16:creationId xmlns="" xmlns:a16="http://schemas.microsoft.com/office/drawing/2014/main" id="{64A315DC-2420-6861-8F0C-25F8AF239436}"/>
               </a:ext>
             </a:extLst>
           </p:cNvPr>
@@ -19885,201 +20023,133 @@
         </p:nvSpPr>
         <p:spPr>
           <a:xfrm>
-            <a:off x="1379067" y="2439953"/>
+            <a:off x="647547" y="2513105"/>
             <a:ext cx="9877777" cy="3912352"/>
           </a:xfrm>
         </p:spPr>
         <p:txBody>
           <a:bodyPr>
-            <a:normAutofit fontScale="92500"/>
+            <a:normAutofit fontScale="85000" lnSpcReduction="10000"/>
           </a:bodyPr>
           <a:lstStyle/>
           <a:p>
-            <a:pPr algn="just">
+            <a:pPr marL="0" indent="0" algn="just">
               <a:buNone/>
             </a:pPr>
             <a:r>
               <a:rPr lang="en-IN" sz="1900" dirty="0">
-                <a:effectLst/>
                 <a:latin typeface="Times New Roman" panose="02020603050405020304" pitchFamily="18" charset="0"/>
                 <a:ea typeface="SimSun" panose="02010600030101010101" pitchFamily="2" charset="-122"/>
               </a:rPr>
-              <a:t>[7]</a:t>
-            </a:r>
-            <a:r>
-              <a:rPr lang="en-IN" sz="2400" dirty="0">
-                <a:effectLst/>
+              <a:t>[7] </a:t>
+            </a:r>
+            <a:r>
+              <a:rPr lang="en-US" sz="1900" dirty="0">
                 <a:latin typeface="Times New Roman" panose="02020603050405020304" pitchFamily="18" charset="0"/>
                 <a:ea typeface="SimSun" panose="02010600030101010101" pitchFamily="2" charset="-122"/>
               </a:rPr>
-              <a:t> </a:t>
-            </a:r>
-            <a:r>
-              <a:rPr lang="en-US" sz="1700" dirty="0">
-                <a:solidFill>
-                  <a:schemeClr val="tx1"/>
-                </a:solidFill>
-                <a:effectLst/>
-                <a:latin typeface="Times New Roman" panose="02020603050405020304" pitchFamily="18" charset="0"/>
-                <a:ea typeface="SimSun" panose="02010600030101010101" pitchFamily="2" charset="-122"/>
-              </a:rPr>
-              <a:t>I.</a:t>
-            </a:r>
-            <a:r>
-              <a:rPr lang="en-US" sz="1500" dirty="0">
-                <a:solidFill>
-                  <a:schemeClr val="tx1"/>
-                </a:solidFill>
-                <a:effectLst/>
-                <a:latin typeface="Times New Roman" panose="02020603050405020304" pitchFamily="18" charset="0"/>
-                <a:ea typeface="SimSun" panose="02010600030101010101" pitchFamily="2" charset="-122"/>
-              </a:rPr>
-              <a:t> G. Nils Reimers, Sentence-BERT: Sentence Embeddings using Siamese BERT-Networks, Hong Kong, China: Association for Computational Linguistics, 2019.</a:t>
-            </a:r>
-            <a:endParaRPr lang="en-IN" sz="1500" dirty="0">
-              <a:solidFill>
-                <a:schemeClr val="tx1"/>
-              </a:solidFill>
-              <a:effectLst/>
+              <a:t>I. G. Nils Reimers, Sentence-BERT: Sentence Embeddings using Siamese BERT-Networks, Hong Kong, China: Association for Computational Linguistics, 2019.</a:t>
+            </a:r>
+            <a:endParaRPr lang="en-IN" sz="1900" dirty="0">
               <a:latin typeface="Times New Roman" panose="02020603050405020304" pitchFamily="18" charset="0"/>
               <a:ea typeface="SimSun" panose="02010600030101010101" pitchFamily="2" charset="-122"/>
             </a:endParaRPr>
           </a:p>
           <a:p>
-            <a:pPr algn="just">
+            <a:pPr marL="0" indent="0" algn="just">
               <a:buNone/>
             </a:pPr>
             <a:r>
-              <a:rPr lang="en-US" sz="1500" dirty="0">
-                <a:solidFill>
-                  <a:schemeClr val="tx1"/>
-                </a:solidFill>
-                <a:effectLst/>
+              <a:rPr lang="en-US" sz="1900" dirty="0">
                 <a:latin typeface="Times New Roman" panose="02020603050405020304" pitchFamily="18" charset="0"/>
                 <a:ea typeface="SimSun" panose="02010600030101010101" pitchFamily="2" charset="-122"/>
               </a:rPr>
               <a:t>[8] M.-W. C. K. L. K. T. Jacob Devlin, “BERT: Pre-training of Deep Bidirectional Transformers for Language Understanding,” in Proceedings of the 2019 Conference of the North American Chapter of the Association for Computational Linguistics: Human Language Technologies, Volume 1 (Long and Short Papers), Minneapolis, Minnesota, Association for Computational Linguistics, 2019, pp. 4171--4186.</a:t>
             </a:r>
-            <a:endParaRPr lang="en-IN" sz="1500" dirty="0">
-              <a:solidFill>
-                <a:schemeClr val="tx1"/>
-              </a:solidFill>
-              <a:effectLst/>
+            <a:endParaRPr lang="en-IN" sz="1900" dirty="0">
               <a:latin typeface="Times New Roman" panose="02020603050405020304" pitchFamily="18" charset="0"/>
               <a:ea typeface="SimSun" panose="02010600030101010101" pitchFamily="2" charset="-122"/>
             </a:endParaRPr>
           </a:p>
           <a:p>
-            <a:pPr algn="just">
+            <a:pPr marL="0" indent="0" algn="just">
               <a:buNone/>
             </a:pPr>
             <a:r>
-              <a:rPr lang="en-US" sz="1500" dirty="0">
-                <a:solidFill>
-                  <a:schemeClr val="tx1"/>
-                </a:solidFill>
-                <a:effectLst/>
+              <a:rPr lang="en-US" sz="1900" dirty="0">
                 <a:latin typeface="Times New Roman" panose="02020603050405020304" pitchFamily="18" charset="0"/>
                 <a:ea typeface="SimSun" panose="02010600030101010101" pitchFamily="2" charset="-122"/>
               </a:rPr>
               <a:t>[9] </a:t>
             </a:r>
             <a:r>
-              <a:rPr lang="en-US" sz="1600" dirty="0">
-                <a:solidFill>
-                  <a:schemeClr val="tx1"/>
-                </a:solidFill>
-                <a:effectLst/>
+              <a:rPr lang="en-US" sz="1900" dirty="0">
                 <a:latin typeface="Times New Roman" panose="02020603050405020304" pitchFamily="18" charset="0"/>
                 <a:ea typeface="SimSun" panose="02010600030101010101" pitchFamily="2" charset="-122"/>
                 <a:hlinkClick r:id="rId2">
                   <a:extLst>
                     <a:ext uri="{A12FA001-AC4F-418D-AE19-62706E023703}">
-                      <ahyp:hlinkClr xmlns:ahyp="http://schemas.microsoft.com/office/drawing/2018/hyperlinkcolor" val="tx"/>
+                      <ahyp:hlinkClr xmlns="" xmlns:ahyp="http://schemas.microsoft.com/office/drawing/2018/hyperlinkcolor" val="tx"/>
                     </a:ext>
                   </a:extLst>
                 </a:hlinkClick>
               </a:rPr>
               <a:t>https://openai.com/index/new-embedding-models-and-api-updates/</a:t>
             </a:r>
-            <a:endParaRPr lang="en-IN" sz="1600" dirty="0">
-              <a:solidFill>
-                <a:schemeClr val="tx1"/>
-              </a:solidFill>
-              <a:effectLst/>
+            <a:endParaRPr lang="en-IN" sz="1900" dirty="0">
               <a:latin typeface="Times New Roman" panose="02020603050405020304" pitchFamily="18" charset="0"/>
               <a:ea typeface="SimSun" panose="02010600030101010101" pitchFamily="2" charset="-122"/>
             </a:endParaRPr>
           </a:p>
           <a:p>
-            <a:pPr algn="just">
+            <a:pPr marL="0" indent="0" algn="just">
               <a:buNone/>
             </a:pPr>
             <a:r>
-              <a:rPr lang="en-US" sz="1600" dirty="0">
-                <a:solidFill>
-                  <a:schemeClr val="tx1"/>
-                </a:solidFill>
-                <a:effectLst/>
+              <a:rPr lang="en-US" sz="1900" dirty="0">
                 <a:latin typeface="Times New Roman" panose="02020603050405020304" pitchFamily="18" charset="0"/>
                 <a:ea typeface="SimSun" panose="02010600030101010101" pitchFamily="2" charset="-122"/>
               </a:rPr>
               <a:t>[10] </a:t>
             </a:r>
             <a:r>
-              <a:rPr lang="en-US" sz="1600" dirty="0">
-                <a:solidFill>
-                  <a:schemeClr val="tx1"/>
-                </a:solidFill>
-                <a:effectLst/>
+              <a:rPr lang="en-US" sz="1900" dirty="0">
                 <a:latin typeface="Times New Roman" panose="02020603050405020304" pitchFamily="18" charset="0"/>
                 <a:ea typeface="SimSun" panose="02010600030101010101" pitchFamily="2" charset="-122"/>
                 <a:hlinkClick r:id="rId3">
                   <a:extLst>
                     <a:ext uri="{A12FA001-AC4F-418D-AE19-62706E023703}">
-                      <ahyp:hlinkClr xmlns:ahyp="http://schemas.microsoft.com/office/drawing/2018/hyperlinkcolor" val="tx"/>
+                      <ahyp:hlinkClr xmlns="" xmlns:ahyp="http://schemas.microsoft.com/office/drawing/2018/hyperlinkcolor" val="tx"/>
                     </a:ext>
                   </a:extLst>
                 </a:hlinkClick>
               </a:rPr>
               <a:t>https://learn.microsoft.com/en-us/azure/cosmos-db/gen-ai/vector-embeddings</a:t>
             </a:r>
-            <a:endParaRPr lang="en-IN" sz="1600" dirty="0">
-              <a:solidFill>
-                <a:schemeClr val="tx1"/>
-              </a:solidFill>
-              <a:effectLst/>
+            <a:endParaRPr lang="en-IN" sz="1900" dirty="0">
               <a:latin typeface="Times New Roman" panose="02020603050405020304" pitchFamily="18" charset="0"/>
               <a:ea typeface="SimSun" panose="02010600030101010101" pitchFamily="2" charset="-122"/>
             </a:endParaRPr>
           </a:p>
           <a:p>
-            <a:pPr algn="just">
+            <a:pPr marL="0" indent="0" algn="just">
               <a:buNone/>
             </a:pPr>
             <a:r>
-              <a:rPr lang="en-US" sz="1600" dirty="0">
-                <a:solidFill>
-                  <a:schemeClr val="tx1"/>
-                </a:solidFill>
-                <a:effectLst/>
+              <a:rPr lang="en-US" sz="1900" dirty="0">
                 <a:latin typeface="Times New Roman" panose="02020603050405020304" pitchFamily="18" charset="0"/>
                 <a:ea typeface="SimSun" panose="02010600030101010101" pitchFamily="2" charset="-122"/>
               </a:rPr>
               <a:t>[11] </a:t>
             </a:r>
             <a:r>
-              <a:rPr lang="en-US" sz="1600" dirty="0">
-                <a:solidFill>
-                  <a:schemeClr val="tx1"/>
-                </a:solidFill>
-                <a:effectLst/>
+              <a:rPr lang="en-US" sz="1900" dirty="0">
                 <a:latin typeface="Times New Roman" panose="02020603050405020304" pitchFamily="18" charset="0"/>
                 <a:ea typeface="SimSun" panose="02010600030101010101" pitchFamily="2" charset="-122"/>
                 <a:hlinkClick r:id="rId4">
                   <a:extLst>
                     <a:ext uri="{A12FA001-AC4F-418D-AE19-62706E023703}">
-                      <ahyp:hlinkClr xmlns:ahyp="http://schemas.microsoft.com/office/drawing/2018/hyperlinkcolor" val="tx"/>
+                      <ahyp:hlinkClr xmlns="" xmlns:ahyp="http://schemas.microsoft.com/office/drawing/2018/hyperlinkcolor" val="tx"/>
                     </a:ext>
                   </a:extLst>
                 </a:hlinkClick>
@@ -20087,17 +20157,13 @@
               <a:t>https://openai.com/index/introducing-text-and-code-embeddings</a:t>
             </a:r>
             <a:r>
-              <a:rPr lang="en-US" sz="1500" dirty="0">
-                <a:solidFill>
-                  <a:schemeClr val="tx1"/>
-                </a:solidFill>
-                <a:effectLst/>
+              <a:rPr lang="en-US" sz="1900" dirty="0">
                 <a:latin typeface="Times New Roman" panose="02020603050405020304" pitchFamily="18" charset="0"/>
                 <a:ea typeface="SimSun" panose="02010600030101010101" pitchFamily="2" charset="-122"/>
                 <a:hlinkClick r:id="rId4">
                   <a:extLst>
                     <a:ext uri="{A12FA001-AC4F-418D-AE19-62706E023703}">
-                      <ahyp:hlinkClr xmlns:ahyp="http://schemas.microsoft.com/office/drawing/2018/hyperlinkcolor" val="tx"/>
+                      <ahyp:hlinkClr xmlns="" xmlns:ahyp="http://schemas.microsoft.com/office/drawing/2018/hyperlinkcolor" val="tx"/>
                     </a:ext>
                   </a:extLst>
                 </a:hlinkClick>
@@ -20105,11 +20171,7 @@
               <a:t>/</a:t>
             </a:r>
             <a:r>
-              <a:rPr lang="en-US" sz="1500" dirty="0">
-                <a:solidFill>
-                  <a:schemeClr val="tx1"/>
-                </a:solidFill>
-                <a:effectLst/>
+              <a:rPr lang="en-US" sz="1900" dirty="0">
                 <a:latin typeface="Times New Roman" panose="02020603050405020304" pitchFamily="18" charset="0"/>
                 <a:ea typeface="SimSun" panose="02010600030101010101" pitchFamily="2" charset="-122"/>
               </a:rPr>
@@ -20117,117 +20179,77 @@
             </a:r>
           </a:p>
           <a:p>
-            <a:pPr algn="just">
+            <a:pPr marL="0" indent="0" algn="just">
               <a:buNone/>
             </a:pPr>
             <a:r>
-              <a:rPr lang="en-US" sz="1600" dirty="0">
-                <a:solidFill>
-                  <a:schemeClr val="tx1"/>
-                </a:solidFill>
-                <a:effectLst/>
+              <a:rPr lang="en-US" sz="1900" dirty="0">
                 <a:latin typeface="Times New Roman" panose="02020603050405020304" pitchFamily="18" charset="0"/>
                 <a:ea typeface="SimSun" panose="02010600030101010101" pitchFamily="2" charset="-122"/>
               </a:rPr>
               <a:t>[12] N. K. K. ,. K. S. Dipendra Prasad Yadav, “Distance Metrics for Machine Learning and it's Relation with Other Distances.,” </a:t>
             </a:r>
             <a:r>
-              <a:rPr lang="en-US" sz="1600" dirty="0" err="1">
-                <a:solidFill>
-                  <a:schemeClr val="tx1"/>
-                </a:solidFill>
-                <a:effectLst/>
+              <a:rPr lang="en-US" sz="1900" dirty="0" err="1">
                 <a:latin typeface="Times New Roman" panose="02020603050405020304" pitchFamily="18" charset="0"/>
                 <a:ea typeface="SimSun" panose="02010600030101010101" pitchFamily="2" charset="-122"/>
               </a:rPr>
               <a:t>Mikailalsys</a:t>
             </a:r>
             <a:r>
-              <a:rPr lang="en-US" sz="1600" dirty="0">
-                <a:solidFill>
-                  <a:schemeClr val="tx1"/>
-                </a:solidFill>
-                <a:effectLst/>
+              <a:rPr lang="en-US" sz="1900" dirty="0">
                 <a:latin typeface="Times New Roman" panose="02020603050405020304" pitchFamily="18" charset="0"/>
                 <a:ea typeface="SimSun" panose="02010600030101010101" pitchFamily="2" charset="-122"/>
               </a:rPr>
               <a:t> Journal of Mathematics and Statistics, vol. 1, pp. 15-23, 2023. </a:t>
             </a:r>
-            <a:endParaRPr lang="en-IN" sz="1800" dirty="0">
-              <a:solidFill>
-                <a:schemeClr val="tx1"/>
-              </a:solidFill>
-              <a:effectLst/>
+            <a:endParaRPr lang="en-IN" sz="1900" dirty="0">
               <a:latin typeface="Times New Roman" panose="02020603050405020304" pitchFamily="18" charset="0"/>
               <a:ea typeface="SimSun" panose="02010600030101010101" pitchFamily="2" charset="-122"/>
             </a:endParaRPr>
           </a:p>
           <a:p>
-            <a:pPr algn="just">
+            <a:pPr marL="0" indent="0" algn="just">
               <a:buNone/>
             </a:pPr>
             <a:r>
-              <a:rPr lang="en-US" sz="1600" dirty="0">
-                <a:solidFill>
-                  <a:schemeClr val="tx1"/>
-                </a:solidFill>
-                <a:effectLst/>
+              <a:rPr lang="en-US" sz="1900" dirty="0">
                 <a:latin typeface="Times New Roman" panose="02020603050405020304" pitchFamily="18" charset="0"/>
                 <a:ea typeface="SimSun" panose="02010600030101010101" pitchFamily="2" charset="-122"/>
               </a:rPr>
               <a:t>[13] O. N. B. W. G. B. John Giorgi, “</a:t>
             </a:r>
             <a:r>
-              <a:rPr lang="en-US" sz="1600" dirty="0" err="1">
-                <a:solidFill>
-                  <a:schemeClr val="tx1"/>
-                </a:solidFill>
-                <a:effectLst/>
+              <a:rPr lang="en-US" sz="1900" dirty="0" err="1">
                 <a:latin typeface="Times New Roman" panose="02020603050405020304" pitchFamily="18" charset="0"/>
                 <a:ea typeface="SimSun" panose="02010600030101010101" pitchFamily="2" charset="-122"/>
               </a:rPr>
               <a:t>DeCLUTR</a:t>
             </a:r>
             <a:r>
-              <a:rPr lang="en-US" sz="1600" dirty="0">
-                <a:solidFill>
-                  <a:schemeClr val="tx1"/>
-                </a:solidFill>
-                <a:effectLst/>
+              <a:rPr lang="en-US" sz="1900" dirty="0">
                 <a:latin typeface="Times New Roman" panose="02020603050405020304" pitchFamily="18" charset="0"/>
                 <a:ea typeface="SimSun" panose="02010600030101010101" pitchFamily="2" charset="-122"/>
               </a:rPr>
               <a:t>: Deep Contrastive Learning for Unsupervised Textual Representations,” Proceedings of the 59th Annual Meeting of the Association for Computational Linguistics and the </a:t>
             </a:r>
-            <a:endParaRPr lang="en-IN" sz="1800" dirty="0">
-              <a:solidFill>
-                <a:schemeClr val="tx1"/>
-              </a:solidFill>
-              <a:effectLst/>
+            <a:endParaRPr lang="en-IN" sz="1900" dirty="0">
               <a:latin typeface="Times New Roman" panose="02020603050405020304" pitchFamily="18" charset="0"/>
               <a:ea typeface="SimSun" panose="02010600030101010101" pitchFamily="2" charset="-122"/>
             </a:endParaRPr>
           </a:p>
           <a:p>
-            <a:pPr>
+            <a:pPr marL="0" indent="0" algn="just">
               <a:buNone/>
             </a:pPr>
             <a:r>
-              <a:rPr lang="en-US" sz="1600" dirty="0">
-                <a:solidFill>
-                  <a:schemeClr val="tx1"/>
-                </a:solidFill>
-                <a:effectLst/>
+              <a:rPr lang="en-US" sz="1900" dirty="0">
                 <a:latin typeface="Times New Roman" panose="02020603050405020304" pitchFamily="18" charset="0"/>
                 <a:ea typeface="SimSun" panose="02010600030101010101" pitchFamily="2" charset="-122"/>
               </a:rPr>
               <a:t>11th International Joint Conference on Natural Language Processing (Volume 1: Long Papers), vol. 1, p. 879–895, 2021</a:t>
             </a:r>
-            <a:endParaRPr lang="en-IN" sz="1500" dirty="0">
-              <a:solidFill>
-                <a:schemeClr val="tx1"/>
-              </a:solidFill>
-              <a:effectLst/>
+            <a:endParaRPr lang="en-IN" sz="1900" dirty="0">
               <a:latin typeface="Times New Roman" panose="02020603050405020304" pitchFamily="18" charset="0"/>
               <a:ea typeface="SimSun" panose="02010600030101010101" pitchFamily="2" charset="-122"/>
             </a:endParaRPr>
@@ -20242,7 +20264,7 @@
           <p:cNvPr id="3" name="Date Placeholder 2">
             <a:extLst>
               <a:ext uri="{FF2B5EF4-FFF2-40B4-BE49-F238E27FC236}">
-                <a16:creationId xmlns:a16="http://schemas.microsoft.com/office/drawing/2014/main" id="{9073A295-C8EE-4A34-5897-5672305412F6}"/>
+                <a16:creationId xmlns="" xmlns:a16="http://schemas.microsoft.com/office/drawing/2014/main" id="{9073A295-C8EE-4A34-5897-5672305412F6}"/>
               </a:ext>
             </a:extLst>
           </p:cNvPr>
@@ -20271,7 +20293,7 @@
           <p:cNvPr id="4" name="Footer Placeholder 3">
             <a:extLst>
               <a:ext uri="{FF2B5EF4-FFF2-40B4-BE49-F238E27FC236}">
-                <a16:creationId xmlns:a16="http://schemas.microsoft.com/office/drawing/2014/main" id="{033B9766-A4BF-C19B-ADC6-0EDA93A067FC}"/>
+                <a16:creationId xmlns="" xmlns:a16="http://schemas.microsoft.com/office/drawing/2014/main" id="{033B9766-A4BF-C19B-ADC6-0EDA93A067FC}"/>
               </a:ext>
             </a:extLst>
           </p:cNvPr>
@@ -20300,7 +20322,7 @@
           <p:cNvPr id="5" name="Slide Number Placeholder 4">
             <a:extLst>
               <a:ext uri="{FF2B5EF4-FFF2-40B4-BE49-F238E27FC236}">
-                <a16:creationId xmlns:a16="http://schemas.microsoft.com/office/drawing/2014/main" id="{21501403-522C-90CC-D8FD-6F068CDD12BD}"/>
+                <a16:creationId xmlns="" xmlns:a16="http://schemas.microsoft.com/office/drawing/2014/main" id="{21501403-522C-90CC-D8FD-6F068CDD12BD}"/>
               </a:ext>
             </a:extLst>
           </p:cNvPr>
@@ -20329,7 +20351,7 @@
           <p:cNvPr id="6" name="Title 5">
             <a:extLst>
               <a:ext uri="{FF2B5EF4-FFF2-40B4-BE49-F238E27FC236}">
-                <a16:creationId xmlns:a16="http://schemas.microsoft.com/office/drawing/2014/main" id="{145723C1-7459-9FED-45A1-B26EADEBA43F}"/>
+                <a16:creationId xmlns="" xmlns:a16="http://schemas.microsoft.com/office/drawing/2014/main" id="{145723C1-7459-9FED-45A1-B26EADEBA43F}"/>
               </a:ext>
             </a:extLst>
           </p:cNvPr>
@@ -20347,12 +20369,13 @@
           </a:bodyPr>
           <a:lstStyle/>
           <a:p>
-            <a:r>
-              <a:rPr lang="en-IN" sz="2800" b="1" i="1" dirty="0">
+            <a:pPr algn="l"/>
+            <a:r>
+              <a:rPr lang="en-IN" sz="2800" b="1" i="1" dirty="0" smtClean="0">
                 <a:latin typeface="Times New Roman" panose="02020603050405020304" pitchFamily="18" charset="0"/>
                 <a:cs typeface="Times New Roman" panose="02020603050405020304" pitchFamily="18" charset="0"/>
               </a:rPr>
-              <a:t>REFERENCES(Continue)</a:t>
+              <a:t>REFERENCES(Continued…)</a:t>
             </a:r>
             <a:endParaRPr lang="en-IN" sz="2800" dirty="0"/>
           </a:p>
@@ -20363,7 +20386,7 @@
           <p:cNvPr id="7" name="object 36">
             <a:extLst>
               <a:ext uri="{FF2B5EF4-FFF2-40B4-BE49-F238E27FC236}">
-                <a16:creationId xmlns:a16="http://schemas.microsoft.com/office/drawing/2014/main" id="{07F510A7-627D-AB8F-B1AC-9B11C7AA8E02}"/>
+                <a16:creationId xmlns="" xmlns:a16="http://schemas.microsoft.com/office/drawing/2014/main" id="{07F510A7-627D-AB8F-B1AC-9B11C7AA8E02}"/>
               </a:ext>
             </a:extLst>
           </p:cNvPr>
@@ -20396,6 +20419,13 @@
   <p:clrMapOvr>
     <a:masterClrMapping/>
   </p:clrMapOvr>
+  <p:timing>
+    <p:tnLst>
+      <p:par>
+        <p:cTn id="1" dur="indefinite" restart="never" nodeType="tmRoot"/>
+      </p:par>
+    </p:tnLst>
+  </p:timing>
 </p:sld>
 </file>
 
@@ -20421,7 +20451,7 @@
           <p:cNvPr id="2" name="Date Placeholder 1">
             <a:extLst>
               <a:ext uri="{FF2B5EF4-FFF2-40B4-BE49-F238E27FC236}">
-                <a16:creationId xmlns:a16="http://schemas.microsoft.com/office/drawing/2014/main" id="{28880E68-B330-C5A4-80B1-086C377B70FB}"/>
+                <a16:creationId xmlns="" xmlns:a16="http://schemas.microsoft.com/office/drawing/2014/main" id="{28880E68-B330-C5A4-80B1-086C377B70FB}"/>
               </a:ext>
             </a:extLst>
           </p:cNvPr>
@@ -20450,7 +20480,7 @@
           <p:cNvPr id="3" name="Footer Placeholder 2">
             <a:extLst>
               <a:ext uri="{FF2B5EF4-FFF2-40B4-BE49-F238E27FC236}">
-                <a16:creationId xmlns:a16="http://schemas.microsoft.com/office/drawing/2014/main" id="{95FA7501-B913-91A5-B9CB-3DD339EB6504}"/>
+                <a16:creationId xmlns="" xmlns:a16="http://schemas.microsoft.com/office/drawing/2014/main" id="{95FA7501-B913-91A5-B9CB-3DD339EB6504}"/>
               </a:ext>
             </a:extLst>
           </p:cNvPr>
@@ -20479,7 +20509,7 @@
           <p:cNvPr id="4" name="Slide Number Placeholder 3">
             <a:extLst>
               <a:ext uri="{FF2B5EF4-FFF2-40B4-BE49-F238E27FC236}">
-                <a16:creationId xmlns:a16="http://schemas.microsoft.com/office/drawing/2014/main" id="{716837A0-EB98-18BC-5225-467BBDAFE209}"/>
+                <a16:creationId xmlns="" xmlns:a16="http://schemas.microsoft.com/office/drawing/2014/main" id="{716837A0-EB98-18BC-5225-467BBDAFE209}"/>
               </a:ext>
             </a:extLst>
           </p:cNvPr>
@@ -20618,7 +20648,7 @@
           <p:cNvPr id="17" name="Picture 16">
             <a:extLst>
               <a:ext uri="{FF2B5EF4-FFF2-40B4-BE49-F238E27FC236}">
-                <a16:creationId xmlns:a16="http://schemas.microsoft.com/office/drawing/2014/main" id="{6276EA96-D499-DEC6-9280-4D021E0432AB}"/>
+                <a16:creationId xmlns="" xmlns:a16="http://schemas.microsoft.com/office/drawing/2014/main" id="{6276EA96-D499-DEC6-9280-4D021E0432AB}"/>
               </a:ext>
             </a:extLst>
           </p:cNvPr>
@@ -20651,7 +20681,7 @@
           <p:cNvPr id="18" name="TextBox 17">
             <a:extLst>
               <a:ext uri="{FF2B5EF4-FFF2-40B4-BE49-F238E27FC236}">
-                <a16:creationId xmlns:a16="http://schemas.microsoft.com/office/drawing/2014/main" id="{439E7942-34AC-E47B-629C-67CBCB6F6315}"/>
+                <a16:creationId xmlns="" xmlns:a16="http://schemas.microsoft.com/office/drawing/2014/main" id="{439E7942-34AC-E47B-629C-67CBCB6F6315}"/>
               </a:ext>
             </a:extLst>
           </p:cNvPr>
@@ -20701,6 +20731,13 @@
   <p:clrMapOvr>
     <a:masterClrMapping/>
   </p:clrMapOvr>
+  <p:timing>
+    <p:tnLst>
+      <p:par>
+        <p:cTn id="1" dur="indefinite" restart="never" nodeType="tmRoot"/>
+      </p:par>
+    </p:tnLst>
+  </p:timing>
 </p:sld>
 </file>
 
@@ -20731,7 +20768,7 @@
           <p:cNvPr id="9" name="Content Placeholder 8">
             <a:extLst>
               <a:ext uri="{FF2B5EF4-FFF2-40B4-BE49-F238E27FC236}">
-                <a16:creationId xmlns:a16="http://schemas.microsoft.com/office/drawing/2014/main" id="{AF846BE8-7BE2-3D33-3E4C-C7755DCC7D1F}"/>
+                <a16:creationId xmlns="" xmlns:a16="http://schemas.microsoft.com/office/drawing/2014/main" id="{AF846BE8-7BE2-3D33-3E4C-C7755DCC7D1F}"/>
               </a:ext>
             </a:extLst>
           </p:cNvPr>
@@ -20966,7 +21003,7 @@
           <p:cNvPr id="3" name="Date Placeholder 2">
             <a:extLst>
               <a:ext uri="{FF2B5EF4-FFF2-40B4-BE49-F238E27FC236}">
-                <a16:creationId xmlns:a16="http://schemas.microsoft.com/office/drawing/2014/main" id="{6F6FE67F-B4AE-130A-A0F5-7AA39416E12D}"/>
+                <a16:creationId xmlns="" xmlns:a16="http://schemas.microsoft.com/office/drawing/2014/main" id="{6F6FE67F-B4AE-130A-A0F5-7AA39416E12D}"/>
               </a:ext>
             </a:extLst>
           </p:cNvPr>
@@ -20995,7 +21032,7 @@
           <p:cNvPr id="5" name="Footer Placeholder 4">
             <a:extLst>
               <a:ext uri="{FF2B5EF4-FFF2-40B4-BE49-F238E27FC236}">
-                <a16:creationId xmlns:a16="http://schemas.microsoft.com/office/drawing/2014/main" id="{732F6F3B-D0D9-275F-ED9A-93477D6CCAD9}"/>
+                <a16:creationId xmlns="" xmlns:a16="http://schemas.microsoft.com/office/drawing/2014/main" id="{732F6F3B-D0D9-275F-ED9A-93477D6CCAD9}"/>
               </a:ext>
             </a:extLst>
           </p:cNvPr>
@@ -21024,7 +21061,7 @@
           <p:cNvPr id="6" name="Slide Number Placeholder 5">
             <a:extLst>
               <a:ext uri="{FF2B5EF4-FFF2-40B4-BE49-F238E27FC236}">
-                <a16:creationId xmlns:a16="http://schemas.microsoft.com/office/drawing/2014/main" id="{19D96A6B-53EF-875C-E150-47F6072C77E6}"/>
+                <a16:creationId xmlns="" xmlns:a16="http://schemas.microsoft.com/office/drawing/2014/main" id="{19D96A6B-53EF-875C-E150-47F6072C77E6}"/>
               </a:ext>
             </a:extLst>
           </p:cNvPr>
@@ -21053,7 +21090,7 @@
           <p:cNvPr id="7" name="object 36">
             <a:extLst>
               <a:ext uri="{FF2B5EF4-FFF2-40B4-BE49-F238E27FC236}">
-                <a16:creationId xmlns:a16="http://schemas.microsoft.com/office/drawing/2014/main" id="{6DE9C0FF-9506-230A-E31C-89A29177B67F}"/>
+                <a16:creationId xmlns="" xmlns:a16="http://schemas.microsoft.com/office/drawing/2014/main" id="{6DE9C0FF-9506-230A-E31C-89A29177B67F}"/>
               </a:ext>
             </a:extLst>
           </p:cNvPr>
@@ -21081,7 +21118,7 @@
           <p:cNvPr id="10" name="Content Placeholder 8">
             <a:extLst>
               <a:ext uri="{FF2B5EF4-FFF2-40B4-BE49-F238E27FC236}">
-                <a16:creationId xmlns:a16="http://schemas.microsoft.com/office/drawing/2014/main" id="{AF846BE8-7BE2-3D33-3E4C-C7755DCC7D1F}"/>
+                <a16:creationId xmlns="" xmlns:a16="http://schemas.microsoft.com/office/drawing/2014/main" id="{AF846BE8-7BE2-3D33-3E4C-C7755DCC7D1F}"/>
               </a:ext>
             </a:extLst>
           </p:cNvPr>
@@ -21452,7 +21489,7 @@
           <p:cNvPr id="13" name="TextBox 12">
             <a:extLst>
               <a:ext uri="{FF2B5EF4-FFF2-40B4-BE49-F238E27FC236}">
-                <a16:creationId xmlns:a16="http://schemas.microsoft.com/office/drawing/2014/main" id="{40701F3E-4FEC-C14B-49F8-A5FED67EDADE}"/>
+                <a16:creationId xmlns="" xmlns:a16="http://schemas.microsoft.com/office/drawing/2014/main" id="{40701F3E-4FEC-C14B-49F8-A5FED67EDADE}"/>
               </a:ext>
             </a:extLst>
           </p:cNvPr>
@@ -21461,7 +21498,7 @@
         </p:nvSpPr>
         <p:spPr>
           <a:xfrm>
-            <a:off x="1514168" y="599153"/>
+            <a:off x="777767" y="666018"/>
             <a:ext cx="7364477" cy="523220"/>
           </a:xfrm>
           <a:prstGeom prst="rect">
@@ -21505,6 +21542,13 @@
   <p:clrMapOvr>
     <a:overrideClrMapping bg1="lt1" tx1="dk1" bg2="lt2" tx2="dk2" accent1="accent1" accent2="accent2" accent3="accent3" accent4="accent4" accent5="accent5" accent6="accent6" hlink="hlink" folHlink="folHlink"/>
   </p:clrMapOvr>
+  <p:timing>
+    <p:tnLst>
+      <p:par>
+        <p:cTn id="1" dur="indefinite" restart="never" nodeType="tmRoot"/>
+      </p:par>
+    </p:tnLst>
+  </p:timing>
 </p:sld>
 </file>
 
@@ -21530,7 +21574,7 @@
           <p:cNvPr id="3" name="Content Placeholder 2">
             <a:extLst>
               <a:ext uri="{FF2B5EF4-FFF2-40B4-BE49-F238E27FC236}">
-                <a16:creationId xmlns:a16="http://schemas.microsoft.com/office/drawing/2014/main" id="{1307F488-1F93-43BA-BA1E-2E1803BFCCD9}"/>
+                <a16:creationId xmlns="" xmlns:a16="http://schemas.microsoft.com/office/drawing/2014/main" id="{1307F488-1F93-43BA-BA1E-2E1803BFCCD9}"/>
               </a:ext>
             </a:extLst>
           </p:cNvPr>
@@ -21611,7 +21655,7 @@
           <p:cNvPr id="4" name="Date Placeholder 3">
             <a:extLst>
               <a:ext uri="{FF2B5EF4-FFF2-40B4-BE49-F238E27FC236}">
-                <a16:creationId xmlns:a16="http://schemas.microsoft.com/office/drawing/2014/main" id="{9CEBC7AB-D379-ABBC-7D7B-E10BE6E3C334}"/>
+                <a16:creationId xmlns="" xmlns:a16="http://schemas.microsoft.com/office/drawing/2014/main" id="{9CEBC7AB-D379-ABBC-7D7B-E10BE6E3C334}"/>
               </a:ext>
             </a:extLst>
           </p:cNvPr>
@@ -21640,7 +21684,7 @@
           <p:cNvPr id="5" name="Footer Placeholder 4">
             <a:extLst>
               <a:ext uri="{FF2B5EF4-FFF2-40B4-BE49-F238E27FC236}">
-                <a16:creationId xmlns:a16="http://schemas.microsoft.com/office/drawing/2014/main" id="{5B97370A-7F33-AF62-F859-926D7C513900}"/>
+                <a16:creationId xmlns="" xmlns:a16="http://schemas.microsoft.com/office/drawing/2014/main" id="{5B97370A-7F33-AF62-F859-926D7C513900}"/>
               </a:ext>
             </a:extLst>
           </p:cNvPr>
@@ -21669,7 +21713,7 @@
           <p:cNvPr id="6" name="Slide Number Placeholder 5">
             <a:extLst>
               <a:ext uri="{FF2B5EF4-FFF2-40B4-BE49-F238E27FC236}">
-                <a16:creationId xmlns:a16="http://schemas.microsoft.com/office/drawing/2014/main" id="{DD1EA319-B41E-8142-4805-6EDDE687F541}"/>
+                <a16:creationId xmlns="" xmlns:a16="http://schemas.microsoft.com/office/drawing/2014/main" id="{DD1EA319-B41E-8142-4805-6EDDE687F541}"/>
               </a:ext>
             </a:extLst>
           </p:cNvPr>
@@ -21698,7 +21742,7 @@
           <p:cNvPr id="7" name="object 36">
             <a:extLst>
               <a:ext uri="{FF2B5EF4-FFF2-40B4-BE49-F238E27FC236}">
-                <a16:creationId xmlns:a16="http://schemas.microsoft.com/office/drawing/2014/main" id="{DBCE6FCE-521C-32B4-F9F1-A9F9B741186B}"/>
+                <a16:creationId xmlns="" xmlns:a16="http://schemas.microsoft.com/office/drawing/2014/main" id="{DBCE6FCE-521C-32B4-F9F1-A9F9B741186B}"/>
               </a:ext>
             </a:extLst>
           </p:cNvPr>
@@ -21733,7 +21777,7 @@
         </p:nvSpPr>
         <p:spPr>
           <a:xfrm>
-            <a:off x="421064" y="734254"/>
+            <a:off x="549080" y="725110"/>
             <a:ext cx="10972800" cy="551999"/>
           </a:xfrm>
         </p:spPr>
@@ -21743,6 +21787,7 @@
           </a:bodyPr>
           <a:lstStyle/>
           <a:p>
+            <a:pPr algn="l"/>
             <a:r>
               <a:rPr lang="en-IN" sz="2800" b="1" i="1" dirty="0">
                 <a:solidFill>
@@ -21820,6 +21865,13 @@
   <p:clrMapOvr>
     <a:masterClrMapping/>
   </p:clrMapOvr>
+  <p:timing>
+    <p:tnLst>
+      <p:par>
+        <p:cTn id="1" dur="indefinite" restart="never" nodeType="tmRoot"/>
+      </p:par>
+    </p:tnLst>
+  </p:timing>
 </p:sld>
 </file>
 
@@ -21845,7 +21897,7 @@
           <p:cNvPr id="4" name="Date Placeholder 3">
             <a:extLst>
               <a:ext uri="{FF2B5EF4-FFF2-40B4-BE49-F238E27FC236}">
-                <a16:creationId xmlns:a16="http://schemas.microsoft.com/office/drawing/2014/main" id="{4E00ED82-5DE3-74C0-937F-9FD3ACAD73A2}"/>
+                <a16:creationId xmlns="" xmlns:a16="http://schemas.microsoft.com/office/drawing/2014/main" id="{4E00ED82-5DE3-74C0-937F-9FD3ACAD73A2}"/>
               </a:ext>
             </a:extLst>
           </p:cNvPr>
@@ -21874,7 +21926,7 @@
           <p:cNvPr id="5" name="Footer Placeholder 4">
             <a:extLst>
               <a:ext uri="{FF2B5EF4-FFF2-40B4-BE49-F238E27FC236}">
-                <a16:creationId xmlns:a16="http://schemas.microsoft.com/office/drawing/2014/main" id="{2AEC4201-E3B7-3A3F-9BDA-3D80F5A7588B}"/>
+                <a16:creationId xmlns="" xmlns:a16="http://schemas.microsoft.com/office/drawing/2014/main" id="{2AEC4201-E3B7-3A3F-9BDA-3D80F5A7588B}"/>
               </a:ext>
             </a:extLst>
           </p:cNvPr>
@@ -21908,7 +21960,7 @@
           <p:cNvPr id="6" name="Slide Number Placeholder 5">
             <a:extLst>
               <a:ext uri="{FF2B5EF4-FFF2-40B4-BE49-F238E27FC236}">
-                <a16:creationId xmlns:a16="http://schemas.microsoft.com/office/drawing/2014/main" id="{15950A93-6DAE-0C0B-8FF1-62EDB1A23714}"/>
+                <a16:creationId xmlns="" xmlns:a16="http://schemas.microsoft.com/office/drawing/2014/main" id="{15950A93-6DAE-0C0B-8FF1-62EDB1A23714}"/>
               </a:ext>
             </a:extLst>
           </p:cNvPr>
@@ -21937,7 +21989,7 @@
           <p:cNvPr id="7" name="object 36">
             <a:extLst>
               <a:ext uri="{FF2B5EF4-FFF2-40B4-BE49-F238E27FC236}">
-                <a16:creationId xmlns:a16="http://schemas.microsoft.com/office/drawing/2014/main" id="{98D31EBA-B69B-4554-2E3A-C473FB1DC6AE}"/>
+                <a16:creationId xmlns="" xmlns:a16="http://schemas.microsoft.com/office/drawing/2014/main" id="{98D31EBA-B69B-4554-2E3A-C473FB1DC6AE}"/>
               </a:ext>
             </a:extLst>
           </p:cNvPr>
@@ -21965,7 +22017,7 @@
           <p:cNvPr id="10" name="Rectangle: Rounded Corners 9">
             <a:extLst>
               <a:ext uri="{FF2B5EF4-FFF2-40B4-BE49-F238E27FC236}">
-                <a16:creationId xmlns:a16="http://schemas.microsoft.com/office/drawing/2014/main" id="{75C57E34-7395-23D5-132C-4E9D4442EC93}"/>
+                <a16:creationId xmlns="" xmlns:a16="http://schemas.microsoft.com/office/drawing/2014/main" id="{75C57E34-7395-23D5-132C-4E9D4442EC93}"/>
               </a:ext>
             </a:extLst>
           </p:cNvPr>
@@ -22026,7 +22078,7 @@
           <p:cNvPr id="11" name="Rectangle: Rounded Corners 10">
             <a:extLst>
               <a:ext uri="{FF2B5EF4-FFF2-40B4-BE49-F238E27FC236}">
-                <a16:creationId xmlns:a16="http://schemas.microsoft.com/office/drawing/2014/main" id="{55780ACA-820D-E7DC-462F-D301E7DABBFF}"/>
+                <a16:creationId xmlns="" xmlns:a16="http://schemas.microsoft.com/office/drawing/2014/main" id="{55780ACA-820D-E7DC-462F-D301E7DABBFF}"/>
               </a:ext>
             </a:extLst>
           </p:cNvPr>
@@ -22087,7 +22139,7 @@
           <p:cNvPr id="12" name="Rectangle: Rounded Corners 11">
             <a:extLst>
               <a:ext uri="{FF2B5EF4-FFF2-40B4-BE49-F238E27FC236}">
-                <a16:creationId xmlns:a16="http://schemas.microsoft.com/office/drawing/2014/main" id="{B37CA8C2-2C44-210A-F845-90880DC31DD9}"/>
+                <a16:creationId xmlns="" xmlns:a16="http://schemas.microsoft.com/office/drawing/2014/main" id="{B37CA8C2-2C44-210A-F845-90880DC31DD9}"/>
               </a:ext>
             </a:extLst>
           </p:cNvPr>
@@ -22148,7 +22200,7 @@
           <p:cNvPr id="13" name="Rectangle: Rounded Corners 12">
             <a:extLst>
               <a:ext uri="{FF2B5EF4-FFF2-40B4-BE49-F238E27FC236}">
-                <a16:creationId xmlns:a16="http://schemas.microsoft.com/office/drawing/2014/main" id="{E3641130-070E-AC9A-F18F-9FAAE18C647F}"/>
+                <a16:creationId xmlns="" xmlns:a16="http://schemas.microsoft.com/office/drawing/2014/main" id="{E3641130-070E-AC9A-F18F-9FAAE18C647F}"/>
               </a:ext>
             </a:extLst>
           </p:cNvPr>
@@ -22210,7 +22262,7 @@
           <p:cNvPr id="14" name="Oval 13">
             <a:extLst>
               <a:ext uri="{FF2B5EF4-FFF2-40B4-BE49-F238E27FC236}">
-                <a16:creationId xmlns:a16="http://schemas.microsoft.com/office/drawing/2014/main" id="{22FD4298-A01D-84F6-5377-19F7435CA916}"/>
+                <a16:creationId xmlns="" xmlns:a16="http://schemas.microsoft.com/office/drawing/2014/main" id="{22FD4298-A01D-84F6-5377-19F7435CA916}"/>
               </a:ext>
             </a:extLst>
           </p:cNvPr>
@@ -22271,7 +22323,7 @@
           <p:cNvPr id="15" name="Rectangle: Rounded Corners 14">
             <a:extLst>
               <a:ext uri="{FF2B5EF4-FFF2-40B4-BE49-F238E27FC236}">
-                <a16:creationId xmlns:a16="http://schemas.microsoft.com/office/drawing/2014/main" id="{A5F91BE4-A65D-BA4A-8C99-2A2B26DABC33}"/>
+                <a16:creationId xmlns="" xmlns:a16="http://schemas.microsoft.com/office/drawing/2014/main" id="{A5F91BE4-A65D-BA4A-8C99-2A2B26DABC33}"/>
               </a:ext>
             </a:extLst>
           </p:cNvPr>
@@ -22342,7 +22394,7 @@
           <p:cNvPr id="16" name="Rectangle: Rounded Corners 15">
             <a:extLst>
               <a:ext uri="{FF2B5EF4-FFF2-40B4-BE49-F238E27FC236}">
-                <a16:creationId xmlns:a16="http://schemas.microsoft.com/office/drawing/2014/main" id="{B45C759E-4CE6-9257-A3F6-32F477940F92}"/>
+                <a16:creationId xmlns="" xmlns:a16="http://schemas.microsoft.com/office/drawing/2014/main" id="{B45C759E-4CE6-9257-A3F6-32F477940F92}"/>
               </a:ext>
             </a:extLst>
           </p:cNvPr>
@@ -22413,7 +22465,7 @@
           <p:cNvPr id="18" name="Straight Arrow Connector 17">
             <a:extLst>
               <a:ext uri="{FF2B5EF4-FFF2-40B4-BE49-F238E27FC236}">
-                <a16:creationId xmlns:a16="http://schemas.microsoft.com/office/drawing/2014/main" id="{7E4616F7-8934-6547-69E5-9E7EF7BAFCFD}"/>
+                <a16:creationId xmlns="" xmlns:a16="http://schemas.microsoft.com/office/drawing/2014/main" id="{7E4616F7-8934-6547-69E5-9E7EF7BAFCFD}"/>
               </a:ext>
             </a:extLst>
           </p:cNvPr>
@@ -22467,7 +22519,7 @@
           <p:cNvPr id="20" name="Straight Arrow Connector 19">
             <a:extLst>
               <a:ext uri="{FF2B5EF4-FFF2-40B4-BE49-F238E27FC236}">
-                <a16:creationId xmlns:a16="http://schemas.microsoft.com/office/drawing/2014/main" id="{0FF534DE-F0B9-FA2E-9982-24AD5D5D8DA2}"/>
+                <a16:creationId xmlns="" xmlns:a16="http://schemas.microsoft.com/office/drawing/2014/main" id="{0FF534DE-F0B9-FA2E-9982-24AD5D5D8DA2}"/>
               </a:ext>
             </a:extLst>
           </p:cNvPr>
@@ -22521,7 +22573,7 @@
           <p:cNvPr id="22" name="Straight Arrow Connector 21">
             <a:extLst>
               <a:ext uri="{FF2B5EF4-FFF2-40B4-BE49-F238E27FC236}">
-                <a16:creationId xmlns:a16="http://schemas.microsoft.com/office/drawing/2014/main" id="{2DF69568-E523-862B-52EF-6DA3B7636F1C}"/>
+                <a16:creationId xmlns="" xmlns:a16="http://schemas.microsoft.com/office/drawing/2014/main" id="{2DF69568-E523-862B-52EF-6DA3B7636F1C}"/>
               </a:ext>
             </a:extLst>
           </p:cNvPr>
@@ -22573,7 +22625,7 @@
           <p:cNvPr id="24" name="Straight Arrow Connector 23">
             <a:extLst>
               <a:ext uri="{FF2B5EF4-FFF2-40B4-BE49-F238E27FC236}">
-                <a16:creationId xmlns:a16="http://schemas.microsoft.com/office/drawing/2014/main" id="{ABA37825-FCD0-B010-C026-965EDA3C9A30}"/>
+                <a16:creationId xmlns="" xmlns:a16="http://schemas.microsoft.com/office/drawing/2014/main" id="{ABA37825-FCD0-B010-C026-965EDA3C9A30}"/>
               </a:ext>
             </a:extLst>
           </p:cNvPr>
@@ -22625,7 +22677,7 @@
           <p:cNvPr id="25" name="Straight Arrow Connector 24">
             <a:extLst>
               <a:ext uri="{FF2B5EF4-FFF2-40B4-BE49-F238E27FC236}">
-                <a16:creationId xmlns:a16="http://schemas.microsoft.com/office/drawing/2014/main" id="{4FD4C4FC-6A75-EA4D-2E3B-9CA75969E2B0}"/>
+                <a16:creationId xmlns="" xmlns:a16="http://schemas.microsoft.com/office/drawing/2014/main" id="{4FD4C4FC-6A75-EA4D-2E3B-9CA75969E2B0}"/>
               </a:ext>
             </a:extLst>
           </p:cNvPr>
@@ -22677,7 +22729,7 @@
           <p:cNvPr id="26" name="Straight Arrow Connector 25">
             <a:extLst>
               <a:ext uri="{FF2B5EF4-FFF2-40B4-BE49-F238E27FC236}">
-                <a16:creationId xmlns:a16="http://schemas.microsoft.com/office/drawing/2014/main" id="{9AB40F2B-75B8-DF7C-E8B0-535D29655FC7}"/>
+                <a16:creationId xmlns="" xmlns:a16="http://schemas.microsoft.com/office/drawing/2014/main" id="{9AB40F2B-75B8-DF7C-E8B0-535D29655FC7}"/>
               </a:ext>
             </a:extLst>
           </p:cNvPr>
@@ -22736,7 +22788,7 @@
         </p:nvSpPr>
         <p:spPr>
           <a:xfrm>
-            <a:off x="198120" y="263963"/>
+            <a:off x="525122" y="263963"/>
             <a:ext cx="10972800" cy="1252728"/>
           </a:xfrm>
         </p:spPr>
@@ -22746,6 +22798,7 @@
           </a:bodyPr>
           <a:lstStyle/>
           <a:p>
+            <a:pPr algn="l"/>
             <a:r>
               <a:rPr lang="en-IN" sz="2800" b="1" i="1" dirty="0">
                 <a:solidFill>
@@ -22769,6 +22822,13 @@
   <p:clrMapOvr>
     <a:masterClrMapping/>
   </p:clrMapOvr>
+  <p:timing>
+    <p:tnLst>
+      <p:par>
+        <p:cTn id="1" dur="indefinite" restart="never" nodeType="tmRoot"/>
+      </p:par>
+    </p:tnLst>
+  </p:timing>
 </p:sld>
 </file>
 
@@ -22794,7 +22854,7 @@
           <p:cNvPr id="3" name="Content Placeholder 2">
             <a:extLst>
               <a:ext uri="{FF2B5EF4-FFF2-40B4-BE49-F238E27FC236}">
-                <a16:creationId xmlns:a16="http://schemas.microsoft.com/office/drawing/2014/main" id="{5E5EF051-5812-FB3C-6221-D942871D5A18}"/>
+                <a16:creationId xmlns="" xmlns:a16="http://schemas.microsoft.com/office/drawing/2014/main" id="{5E5EF051-5812-FB3C-6221-D942871D5A18}"/>
               </a:ext>
             </a:extLst>
           </p:cNvPr>
@@ -22965,7 +23025,7 @@
           <p:cNvPr id="4" name="Date Placeholder 3">
             <a:extLst>
               <a:ext uri="{FF2B5EF4-FFF2-40B4-BE49-F238E27FC236}">
-                <a16:creationId xmlns:a16="http://schemas.microsoft.com/office/drawing/2014/main" id="{76E0C649-3678-D32A-9DF9-63F87B873993}"/>
+                <a16:creationId xmlns="" xmlns:a16="http://schemas.microsoft.com/office/drawing/2014/main" id="{76E0C649-3678-D32A-9DF9-63F87B873993}"/>
               </a:ext>
             </a:extLst>
           </p:cNvPr>
@@ -22994,7 +23054,7 @@
           <p:cNvPr id="5" name="Footer Placeholder 4">
             <a:extLst>
               <a:ext uri="{FF2B5EF4-FFF2-40B4-BE49-F238E27FC236}">
-                <a16:creationId xmlns:a16="http://schemas.microsoft.com/office/drawing/2014/main" id="{B4C064DF-9D78-D733-7848-05D907DDE07F}"/>
+                <a16:creationId xmlns="" xmlns:a16="http://schemas.microsoft.com/office/drawing/2014/main" id="{B4C064DF-9D78-D733-7848-05D907DDE07F}"/>
               </a:ext>
             </a:extLst>
           </p:cNvPr>
@@ -23023,7 +23083,7 @@
           <p:cNvPr id="6" name="Slide Number Placeholder 5">
             <a:extLst>
               <a:ext uri="{FF2B5EF4-FFF2-40B4-BE49-F238E27FC236}">
-                <a16:creationId xmlns:a16="http://schemas.microsoft.com/office/drawing/2014/main" id="{D3901C69-E983-8101-1483-B68828E126E7}"/>
+                <a16:creationId xmlns="" xmlns:a16="http://schemas.microsoft.com/office/drawing/2014/main" id="{D3901C69-E983-8101-1483-B68828E126E7}"/>
               </a:ext>
             </a:extLst>
           </p:cNvPr>
@@ -23052,7 +23112,7 @@
           <p:cNvPr id="7" name="object 36">
             <a:extLst>
               <a:ext uri="{FF2B5EF4-FFF2-40B4-BE49-F238E27FC236}">
-                <a16:creationId xmlns:a16="http://schemas.microsoft.com/office/drawing/2014/main" id="{FA7BE382-DB69-C373-9AF0-0977B573EC47}"/>
+                <a16:creationId xmlns="" xmlns:a16="http://schemas.microsoft.com/office/drawing/2014/main" id="{FA7BE382-DB69-C373-9AF0-0977B573EC47}"/>
               </a:ext>
             </a:extLst>
           </p:cNvPr>
@@ -23080,7 +23140,7 @@
           <p:cNvPr id="9" name="TextBox 8">
             <a:extLst>
               <a:ext uri="{FF2B5EF4-FFF2-40B4-BE49-F238E27FC236}">
-                <a16:creationId xmlns:a16="http://schemas.microsoft.com/office/drawing/2014/main" id="{D58820B5-7650-5458-B8CB-E2E1047763F9}"/>
+                <a16:creationId xmlns="" xmlns:a16="http://schemas.microsoft.com/office/drawing/2014/main" id="{D58820B5-7650-5458-B8CB-E2E1047763F9}"/>
               </a:ext>
             </a:extLst>
           </p:cNvPr>
@@ -23217,6 +23277,13 @@
   <p:clrMapOvr>
     <a:masterClrMapping/>
   </p:clrMapOvr>
+  <p:timing>
+    <p:tnLst>
+      <p:par>
+        <p:cTn id="1" dur="indefinite" restart="never" nodeType="tmRoot"/>
+      </p:par>
+    </p:tnLst>
+  </p:timing>
 </p:sld>
 </file>
 
@@ -23242,7 +23309,7 @@
           <p:cNvPr id="4" name="Date Placeholder 3">
             <a:extLst>
               <a:ext uri="{FF2B5EF4-FFF2-40B4-BE49-F238E27FC236}">
-                <a16:creationId xmlns:a16="http://schemas.microsoft.com/office/drawing/2014/main" id="{34A34AD2-A078-8B84-7685-63E633684552}"/>
+                <a16:creationId xmlns="" xmlns:a16="http://schemas.microsoft.com/office/drawing/2014/main" id="{34A34AD2-A078-8B84-7685-63E633684552}"/>
               </a:ext>
             </a:extLst>
           </p:cNvPr>
@@ -23271,7 +23338,7 @@
           <p:cNvPr id="5" name="Footer Placeholder 4">
             <a:extLst>
               <a:ext uri="{FF2B5EF4-FFF2-40B4-BE49-F238E27FC236}">
-                <a16:creationId xmlns:a16="http://schemas.microsoft.com/office/drawing/2014/main" id="{B663D9A7-FBD3-DA6F-BFC0-5114588AEA56}"/>
+                <a16:creationId xmlns="" xmlns:a16="http://schemas.microsoft.com/office/drawing/2014/main" id="{B663D9A7-FBD3-DA6F-BFC0-5114588AEA56}"/>
               </a:ext>
             </a:extLst>
           </p:cNvPr>
@@ -23300,7 +23367,7 @@
           <p:cNvPr id="6" name="Slide Number Placeholder 5">
             <a:extLst>
               <a:ext uri="{FF2B5EF4-FFF2-40B4-BE49-F238E27FC236}">
-                <a16:creationId xmlns:a16="http://schemas.microsoft.com/office/drawing/2014/main" id="{C81F8D8F-FA09-49C8-869C-7C31B9A14318}"/>
+                <a16:creationId xmlns="" xmlns:a16="http://schemas.microsoft.com/office/drawing/2014/main" id="{C81F8D8F-FA09-49C8-869C-7C31B9A14318}"/>
               </a:ext>
             </a:extLst>
           </p:cNvPr>
@@ -23329,7 +23396,7 @@
           <p:cNvPr id="7" name="object 36">
             <a:extLst>
               <a:ext uri="{FF2B5EF4-FFF2-40B4-BE49-F238E27FC236}">
-                <a16:creationId xmlns:a16="http://schemas.microsoft.com/office/drawing/2014/main" id="{D08A56D9-F6F0-530F-024C-8008D52661DC}"/>
+                <a16:creationId xmlns="" xmlns:a16="http://schemas.microsoft.com/office/drawing/2014/main" id="{D08A56D9-F6F0-530F-024C-8008D52661DC}"/>
               </a:ext>
             </a:extLst>
           </p:cNvPr>
@@ -23357,7 +23424,7 @@
           <p:cNvPr id="11" name="Rectangle: Rounded Corners 10">
             <a:extLst>
               <a:ext uri="{FF2B5EF4-FFF2-40B4-BE49-F238E27FC236}">
-                <a16:creationId xmlns:a16="http://schemas.microsoft.com/office/drawing/2014/main" id="{9C3E76A4-4A12-B436-9416-E61A2C553F14}"/>
+                <a16:creationId xmlns="" xmlns:a16="http://schemas.microsoft.com/office/drawing/2014/main" id="{9C3E76A4-4A12-B436-9416-E61A2C553F14}"/>
               </a:ext>
             </a:extLst>
           </p:cNvPr>
@@ -23431,7 +23498,7 @@
           <p:cNvPr id="12" name="Rectangle: Rounded Corners 11">
             <a:extLst>
               <a:ext uri="{FF2B5EF4-FFF2-40B4-BE49-F238E27FC236}">
-                <a16:creationId xmlns:a16="http://schemas.microsoft.com/office/drawing/2014/main" id="{9CB20146-7872-10D6-4F15-C7F192DEC86B}"/>
+                <a16:creationId xmlns="" xmlns:a16="http://schemas.microsoft.com/office/drawing/2014/main" id="{9CB20146-7872-10D6-4F15-C7F192DEC86B}"/>
               </a:ext>
             </a:extLst>
           </p:cNvPr>
@@ -23513,7 +23580,7 @@
           <p:cNvPr id="13" name="Rectangle: Rounded Corners 12">
             <a:extLst>
               <a:ext uri="{FF2B5EF4-FFF2-40B4-BE49-F238E27FC236}">
-                <a16:creationId xmlns:a16="http://schemas.microsoft.com/office/drawing/2014/main" id="{97E0F6B4-B947-4054-07DB-70B3296A3E91}"/>
+                <a16:creationId xmlns="" xmlns:a16="http://schemas.microsoft.com/office/drawing/2014/main" id="{97E0F6B4-B947-4054-07DB-70B3296A3E91}"/>
               </a:ext>
             </a:extLst>
           </p:cNvPr>
@@ -23587,7 +23654,7 @@
           <p:cNvPr id="14" name="Rectangle: Rounded Corners 13">
             <a:extLst>
               <a:ext uri="{FF2B5EF4-FFF2-40B4-BE49-F238E27FC236}">
-                <a16:creationId xmlns:a16="http://schemas.microsoft.com/office/drawing/2014/main" id="{A49A78C9-7A42-2FAC-F431-1AC205158C14}"/>
+                <a16:creationId xmlns="" xmlns:a16="http://schemas.microsoft.com/office/drawing/2014/main" id="{A49A78C9-7A42-2FAC-F431-1AC205158C14}"/>
               </a:ext>
             </a:extLst>
           </p:cNvPr>
@@ -23996,6 +24063,7 @@
           </a:bodyPr>
           <a:lstStyle/>
           <a:p>
+            <a:pPr algn="l"/>
             <a:r>
               <a:rPr lang="en-IN" sz="2800" b="1" i="1" dirty="0">
                 <a:solidFill>
@@ -24019,6 +24087,13 @@
   <p:clrMapOvr>
     <a:masterClrMapping/>
   </p:clrMapOvr>
+  <p:timing>
+    <p:tnLst>
+      <p:par>
+        <p:cTn id="1" dur="indefinite" restart="never" nodeType="tmRoot"/>
+      </p:par>
+    </p:tnLst>
+  </p:timing>
 </p:sld>
 </file>
 
@@ -24044,7 +24119,7 @@
           <p:cNvPr id="3" name="Content Placeholder 2">
             <a:extLst>
               <a:ext uri="{FF2B5EF4-FFF2-40B4-BE49-F238E27FC236}">
-                <a16:creationId xmlns:a16="http://schemas.microsoft.com/office/drawing/2014/main" id="{FBDF475D-44BB-8865-9BE2-0B3426A2AECC}"/>
+                <a16:creationId xmlns="" xmlns:a16="http://schemas.microsoft.com/office/drawing/2014/main" id="{FBDF475D-44BB-8865-9BE2-0B3426A2AECC}"/>
               </a:ext>
             </a:extLst>
           </p:cNvPr>
@@ -24209,7 +24284,7 @@
           <p:cNvPr id="4" name="Date Placeholder 3">
             <a:extLst>
               <a:ext uri="{FF2B5EF4-FFF2-40B4-BE49-F238E27FC236}">
-                <a16:creationId xmlns:a16="http://schemas.microsoft.com/office/drawing/2014/main" id="{7CF5AE7A-8774-EBF6-5593-20F674538A91}"/>
+                <a16:creationId xmlns="" xmlns:a16="http://schemas.microsoft.com/office/drawing/2014/main" id="{7CF5AE7A-8774-EBF6-5593-20F674538A91}"/>
               </a:ext>
             </a:extLst>
           </p:cNvPr>
@@ -24238,7 +24313,7 @@
           <p:cNvPr id="5" name="Footer Placeholder 4">
             <a:extLst>
               <a:ext uri="{FF2B5EF4-FFF2-40B4-BE49-F238E27FC236}">
-                <a16:creationId xmlns:a16="http://schemas.microsoft.com/office/drawing/2014/main" id="{AFAF775F-65A5-731E-9C2C-AE12BDCD50C2}"/>
+                <a16:creationId xmlns="" xmlns:a16="http://schemas.microsoft.com/office/drawing/2014/main" id="{AFAF775F-65A5-731E-9C2C-AE12BDCD50C2}"/>
               </a:ext>
             </a:extLst>
           </p:cNvPr>
@@ -24266,7 +24341,7 @@
           <p:cNvPr id="6" name="Slide Number Placeholder 5">
             <a:extLst>
               <a:ext uri="{FF2B5EF4-FFF2-40B4-BE49-F238E27FC236}">
-                <a16:creationId xmlns:a16="http://schemas.microsoft.com/office/drawing/2014/main" id="{61036DC0-C761-CC57-C767-23A75202A7DF}"/>
+                <a16:creationId xmlns="" xmlns:a16="http://schemas.microsoft.com/office/drawing/2014/main" id="{61036DC0-C761-CC57-C767-23A75202A7DF}"/>
               </a:ext>
             </a:extLst>
           </p:cNvPr>
@@ -24295,7 +24370,7 @@
           <p:cNvPr id="7" name="object 36">
             <a:extLst>
               <a:ext uri="{FF2B5EF4-FFF2-40B4-BE49-F238E27FC236}">
-                <a16:creationId xmlns:a16="http://schemas.microsoft.com/office/drawing/2014/main" id="{A3EAD820-CCC8-FA3F-1848-898EBDB7DD9A}"/>
+                <a16:creationId xmlns="" xmlns:a16="http://schemas.microsoft.com/office/drawing/2014/main" id="{A3EAD820-CCC8-FA3F-1848-898EBDB7DD9A}"/>
               </a:ext>
             </a:extLst>
           </p:cNvPr>
@@ -24328,7 +24403,7 @@
         </p:nvSpPr>
         <p:spPr>
           <a:xfrm>
-            <a:off x="-197334" y="671828"/>
+            <a:off x="515898" y="744980"/>
             <a:ext cx="10972800" cy="525087"/>
           </a:xfrm>
           <a:prstGeom prst="rect">
@@ -24412,6 +24487,7 @@
             </a:lvl9pPr>
           </a:lstStyle>
           <a:p>
+            <a:pPr algn="l"/>
             <a:r>
               <a:rPr lang="en-US" sz="2800" b="1" i="1" dirty="0">
                 <a:solidFill>
@@ -24442,6 +24518,13 @@
   <p:clrMapOvr>
     <a:masterClrMapping/>
   </p:clrMapOvr>
+  <p:timing>
+    <p:tnLst>
+      <p:par>
+        <p:cTn id="1" dur="indefinite" restart="never" nodeType="tmRoot"/>
+      </p:par>
+    </p:tnLst>
+  </p:timing>
 </p:sld>
 </file>
 
@@ -24467,7 +24550,7 @@
           <p:cNvPr id="3" name="Content Placeholder 2">
             <a:extLst>
               <a:ext uri="{FF2B5EF4-FFF2-40B4-BE49-F238E27FC236}">
-                <a16:creationId xmlns:a16="http://schemas.microsoft.com/office/drawing/2014/main" id="{0EBB6E88-30F3-A9FB-1491-4B3CADB617A2}"/>
+                <a16:creationId xmlns="" xmlns:a16="http://schemas.microsoft.com/office/drawing/2014/main" id="{0EBB6E88-30F3-A9FB-1491-4B3CADB617A2}"/>
               </a:ext>
             </a:extLst>
           </p:cNvPr>
@@ -24656,7 +24739,7 @@
           <p:cNvPr id="4" name="Date Placeholder 3">
             <a:extLst>
               <a:ext uri="{FF2B5EF4-FFF2-40B4-BE49-F238E27FC236}">
-                <a16:creationId xmlns:a16="http://schemas.microsoft.com/office/drawing/2014/main" id="{F5458BE2-4091-6B25-C206-57DF197392BD}"/>
+                <a16:creationId xmlns="" xmlns:a16="http://schemas.microsoft.com/office/drawing/2014/main" id="{F5458BE2-4091-6B25-C206-57DF197392BD}"/>
               </a:ext>
             </a:extLst>
           </p:cNvPr>
@@ -24685,7 +24768,7 @@
           <p:cNvPr id="5" name="Footer Placeholder 4">
             <a:extLst>
               <a:ext uri="{FF2B5EF4-FFF2-40B4-BE49-F238E27FC236}">
-                <a16:creationId xmlns:a16="http://schemas.microsoft.com/office/drawing/2014/main" id="{687050F4-3735-0D62-71CE-A2973E144C23}"/>
+                <a16:creationId xmlns="" xmlns:a16="http://schemas.microsoft.com/office/drawing/2014/main" id="{687050F4-3735-0D62-71CE-A2973E144C23}"/>
               </a:ext>
             </a:extLst>
           </p:cNvPr>
@@ -24713,7 +24796,7 @@
           <p:cNvPr id="6" name="Slide Number Placeholder 5">
             <a:extLst>
               <a:ext uri="{FF2B5EF4-FFF2-40B4-BE49-F238E27FC236}">
-                <a16:creationId xmlns:a16="http://schemas.microsoft.com/office/drawing/2014/main" id="{E2F30AA2-1BDC-9612-25F5-5484EA47332D}"/>
+                <a16:creationId xmlns="" xmlns:a16="http://schemas.microsoft.com/office/drawing/2014/main" id="{E2F30AA2-1BDC-9612-25F5-5484EA47332D}"/>
               </a:ext>
             </a:extLst>
           </p:cNvPr>
@@ -24742,7 +24825,7 @@
           <p:cNvPr id="7" name="object 36">
             <a:extLst>
               <a:ext uri="{FF2B5EF4-FFF2-40B4-BE49-F238E27FC236}">
-                <a16:creationId xmlns:a16="http://schemas.microsoft.com/office/drawing/2014/main" id="{E9599073-DCB5-EEF7-CB00-99F6AC67CD77}"/>
+                <a16:creationId xmlns="" xmlns:a16="http://schemas.microsoft.com/office/drawing/2014/main" id="{E9599073-DCB5-EEF7-CB00-99F6AC67CD77}"/>
               </a:ext>
             </a:extLst>
           </p:cNvPr>
@@ -24782,6 +24865,7 @@
           </a:bodyPr>
           <a:lstStyle/>
           <a:p>
+            <a:pPr algn="l"/>
             <a:r>
               <a:rPr lang="en-US" sz="2800" b="1" i="1" dirty="0">
                 <a:latin typeface="Times New Roman" pitchFamily="18" charset="0"/>
@@ -24802,6 +24886,13 @@
   <p:clrMapOvr>
     <a:masterClrMapping/>
   </p:clrMapOvr>
+  <p:timing>
+    <p:tnLst>
+      <p:par>
+        <p:cTn id="1" dur="indefinite" restart="never" nodeType="tmRoot"/>
+      </p:par>
+    </p:tnLst>
+  </p:timing>
 </p:sld>
 </file>
 
@@ -24827,7 +24918,7 @@
           <p:cNvPr id="3" name="Content Placeholder 2">
             <a:extLst>
               <a:ext uri="{FF2B5EF4-FFF2-40B4-BE49-F238E27FC236}">
-                <a16:creationId xmlns:a16="http://schemas.microsoft.com/office/drawing/2014/main" id="{82D36B1B-B36C-203C-974A-6A4FC1B14786}"/>
+                <a16:creationId xmlns="" xmlns:a16="http://schemas.microsoft.com/office/drawing/2014/main" id="{82D36B1B-B36C-203C-974A-6A4FC1B14786}"/>
               </a:ext>
             </a:extLst>
           </p:cNvPr>
@@ -24838,7 +24929,12 @@
             <p:ph idx="1"/>
           </p:nvPr>
         </p:nvSpPr>
-        <p:spPr/>
+        <p:spPr>
+          <a:xfrm>
+            <a:off x="394661" y="2648035"/>
+            <a:ext cx="9877777" cy="3450696"/>
+          </a:xfrm>
+        </p:spPr>
         <p:txBody>
           <a:bodyPr>
             <a:normAutofit fontScale="85000" lnSpcReduction="20000"/>
@@ -24849,18 +24945,11 @@
               <a:buNone/>
             </a:pPr>
             <a:r>
-              <a:rPr lang="en-US" sz="2000" b="1">
-                <a:latin typeface="Times New Roman" pitchFamily="18" charset="0"/>
-                <a:cs typeface="Times New Roman" pitchFamily="18" charset="0"/>
-              </a:rPr>
-              <a:t>Generating Embeddings</a:t>
-            </a:r>
-            <a:r>
               <a:rPr lang="en-US" sz="2000" b="1" dirty="0">
                 <a:latin typeface="Times New Roman" pitchFamily="18" charset="0"/>
                 <a:cs typeface="Times New Roman" pitchFamily="18" charset="0"/>
               </a:rPr>
-              <a:t>:</a:t>
+              <a:t>Generating Embeddings:</a:t>
             </a:r>
             <a:endParaRPr lang="en-US" sz="2000" dirty="0">
               <a:latin typeface="Times New Roman" pitchFamily="18" charset="0"/>
@@ -25002,7 +25091,7 @@
           <p:cNvPr id="4" name="Date Placeholder 3">
             <a:extLst>
               <a:ext uri="{FF2B5EF4-FFF2-40B4-BE49-F238E27FC236}">
-                <a16:creationId xmlns:a16="http://schemas.microsoft.com/office/drawing/2014/main" id="{1191A514-3164-88B6-3599-F64FF4888C71}"/>
+                <a16:creationId xmlns="" xmlns:a16="http://schemas.microsoft.com/office/drawing/2014/main" id="{1191A514-3164-88B6-3599-F64FF4888C71}"/>
               </a:ext>
             </a:extLst>
           </p:cNvPr>
@@ -25030,7 +25119,7 @@
           <p:cNvPr id="5" name="Footer Placeholder 4">
             <a:extLst>
               <a:ext uri="{FF2B5EF4-FFF2-40B4-BE49-F238E27FC236}">
-                <a16:creationId xmlns:a16="http://schemas.microsoft.com/office/drawing/2014/main" id="{45498C87-BB2E-BA92-5659-850E9A94B899}"/>
+                <a16:creationId xmlns="" xmlns:a16="http://schemas.microsoft.com/office/drawing/2014/main" id="{45498C87-BB2E-BA92-5659-850E9A94B899}"/>
               </a:ext>
             </a:extLst>
           </p:cNvPr>
@@ -25058,7 +25147,7 @@
           <p:cNvPr id="6" name="Slide Number Placeholder 5">
             <a:extLst>
               <a:ext uri="{FF2B5EF4-FFF2-40B4-BE49-F238E27FC236}">
-                <a16:creationId xmlns:a16="http://schemas.microsoft.com/office/drawing/2014/main" id="{750AE21A-3BDE-240C-FF68-6D6623026BD8}"/>
+                <a16:creationId xmlns="" xmlns:a16="http://schemas.microsoft.com/office/drawing/2014/main" id="{750AE21A-3BDE-240C-FF68-6D6623026BD8}"/>
               </a:ext>
             </a:extLst>
           </p:cNvPr>
@@ -25087,7 +25176,7 @@
           <p:cNvPr id="7" name="object 36">
             <a:extLst>
               <a:ext uri="{FF2B5EF4-FFF2-40B4-BE49-F238E27FC236}">
-                <a16:creationId xmlns:a16="http://schemas.microsoft.com/office/drawing/2014/main" id="{D5A51CBC-B63F-CF5C-240E-9423A6D8292B}"/>
+                <a16:creationId xmlns="" xmlns:a16="http://schemas.microsoft.com/office/drawing/2014/main" id="{D5A51CBC-B63F-CF5C-240E-9423A6D8292B}"/>
               </a:ext>
             </a:extLst>
           </p:cNvPr>
@@ -25122,7 +25211,7 @@
         </p:nvSpPr>
         <p:spPr>
           <a:xfrm>
-            <a:off x="1327355" y="263963"/>
+            <a:off x="376280" y="289805"/>
             <a:ext cx="8209936" cy="1201043"/>
           </a:xfrm>
         </p:spPr>
@@ -25132,6 +25221,7 @@
           </a:bodyPr>
           <a:lstStyle/>
           <a:p>
+            <a:pPr algn="l"/>
             <a:r>
               <a:rPr lang="en-US" sz="2800" b="1" i="1" dirty="0">
                 <a:solidFill>
@@ -25152,6 +25242,44 @@
           </a:p>
         </p:txBody>
       </p:sp>
+      <p:pic>
+        <p:nvPicPr>
+          <p:cNvPr id="2" name="Picture 1"/>
+          <p:cNvPicPr>
+            <a:picLocks noChangeAspect="1"/>
+          </p:cNvPicPr>
+          <p:nvPr/>
+        </p:nvPicPr>
+        <p:blipFill>
+          <a:blip r:embed="rId3">
+            <a:extLst>
+              <a:ext uri="{28A0092B-C50C-407E-A947-70E740481C1C}">
+                <a14:useLocalDpi xmlns:a14="http://schemas.microsoft.com/office/drawing/2010/main" val="0"/>
+              </a:ext>
+            </a:extLst>
+          </a:blip>
+          <a:stretch>
+            <a:fillRect/>
+          </a:stretch>
+        </p:blipFill>
+        <p:spPr>
+          <a:xfrm>
+            <a:off x="8586216" y="2614552"/>
+            <a:ext cx="3353778" cy="3130547"/>
+          </a:xfrm>
+          <a:prstGeom prst="rect">
+            <a:avLst/>
+          </a:prstGeom>
+          <a:effectLst>
+            <a:outerShdw blurRad="76200" dist="12700" dir="8100000" sy="-23000" kx="800400" algn="br" rotWithShape="0">
+              <a:prstClr val="black">
+                <a:alpha val="20000"/>
+              </a:prstClr>
+            </a:outerShdw>
+            <a:softEdge rad="127000"/>
+          </a:effectLst>
+        </p:spPr>
+      </p:pic>
     </p:spTree>
     <p:extLst>
       <p:ext uri="{BB962C8B-B14F-4D97-AF65-F5344CB8AC3E}">
@@ -25162,6 +25290,13 @@
   <p:clrMapOvr>
     <a:masterClrMapping/>
   </p:clrMapOvr>
+  <p:timing>
+    <p:tnLst>
+      <p:par>
+        <p:cTn id="1" dur="indefinite" restart="never" nodeType="tmRoot"/>
+      </p:par>
+    </p:tnLst>
+  </p:timing>
 </p:sld>
 </file>
 
@@ -25750,7 +25885,7 @@
   <a:extraClrSchemeLst/>
   <a:extLst>
     <a:ext uri="{05A4C25C-085E-4340-85A3-A5531E510DB2}">
-      <thm15:themeFamily xmlns:thm15="http://schemas.microsoft.com/office/thememl/2012/main" name="Office Theme" id="{62F939B6-93AF-4DB8-9C6B-D6C7DFDC589F}" vid="{4A3C46E8-61CC-4603-A589-7422A47A8E4A}"/>
+      <thm15:themeFamily xmlns="" xmlns:thm15="http://schemas.microsoft.com/office/thememl/2012/main" name="Office Theme" id="{62F939B6-93AF-4DB8-9C6B-D6C7DFDC589F}" vid="{4A3C46E8-61CC-4603-A589-7422A47A8E4A}"/>
     </a:ext>
   </a:extLst>
 </a:theme>
@@ -26025,14 +26160,14 @@
 <file path=customXml/itemProps3.xml><?xml version="1.0" encoding="utf-8"?>
 <ds:datastoreItem xmlns:ds="http://schemas.openxmlformats.org/officeDocument/2006/customXml" ds:itemID="{8D289AE2-D2AE-49D1-AFAC-3A79F6794255}">
   <ds:schemaRefs>
-    <ds:schemaRef ds:uri="http://purl.org/dc/terms/"/>
+    <ds:schemaRef ds:uri="71af3243-3dd4-4a8d-8c0d-dd76da1f02a5"/>
+    <ds:schemaRef ds:uri="http://purl.org/dc/elements/1.1/"/>
+    <ds:schemaRef ds:uri="http://schemas.microsoft.com/office/2006/metadata/properties"/>
     <ds:schemaRef ds:uri="http://schemas.openxmlformats.org/package/2006/metadata/core-properties"/>
     <ds:schemaRef ds:uri="16c05727-aa75-4e4a-9b5f-8a80a1165891"/>
+    <ds:schemaRef ds:uri="http://purl.org/dc/terms/"/>
+    <ds:schemaRef ds:uri="http://schemas.microsoft.com/office/infopath/2007/PartnerControls"/>
     <ds:schemaRef ds:uri="http://schemas.microsoft.com/office/2006/documentManagement/types"/>
-    <ds:schemaRef ds:uri="http://schemas.microsoft.com/office/infopath/2007/PartnerControls"/>
-    <ds:schemaRef ds:uri="http://purl.org/dc/elements/1.1/"/>
-    <ds:schemaRef ds:uri="http://schemas.microsoft.com/office/2006/metadata/properties"/>
-    <ds:schemaRef ds:uri="71af3243-3dd4-4a8d-8c0d-dd76da1f02a5"/>
     <ds:schemaRef ds:uri="http://www.w3.org/XML/1998/namespace"/>
     <ds:schemaRef ds:uri="http://purl.org/dc/dcmitype/"/>
   </ds:schemaRefs>

--- a/SemanticAnalysisTextualData/SemanticAnalysisTextualData/Documentation/SemanticAnalysisTextualData.pptx
+++ b/SemanticAnalysisTextualData/SemanticAnalysisTextualData/Documentation/SemanticAnalysisTextualData.pptx
@@ -125,7 +125,7 @@
   </p:defaultTextStyle>
   <p:extLst>
     <p:ext uri="{EFAFB233-063F-42B5-8137-9DF3F51BA10A}">
-      <p15:sldGuideLst xmlns="" xmlns:p15="http://schemas.microsoft.com/office/powerpoint/2012/main">
+      <p15:sldGuideLst xmlns:p15="http://schemas.microsoft.com/office/powerpoint/2012/main">
         <p15:guide id="1" orient="horz" pos="2160">
           <p15:clr>
             <a:srgbClr val="A4A3A4"/>
@@ -15347,10 +15347,10 @@
           <p:cNvPr id="18" name="Rectangle 17">
             <a:extLst>
               <a:ext uri="{FF2B5EF4-FFF2-40B4-BE49-F238E27FC236}">
-                <a16:creationId xmlns="" xmlns:a16="http://schemas.microsoft.com/office/drawing/2014/main" id="{D6D7A0BC-0046-4CAA-8E7F-DCAFE511EA0E}"/>
+                <a16:creationId xmlns:a16="http://schemas.microsoft.com/office/drawing/2014/main" id="{D6D7A0BC-0046-4CAA-8E7F-DCAFE511EA0E}"/>
               </a:ext>
               <a:ext uri="{C183D7F6-B498-43B3-948B-1728B52AA6E4}">
-                <adec:decorative xmlns="" xmlns:adec="http://schemas.microsoft.com/office/drawing/2017/decorative" val="1"/>
+                <adec:decorative xmlns:adec="http://schemas.microsoft.com/office/drawing/2017/decorative" val="1"/>
               </a:ext>
             </a:extLst>
           </p:cNvPr>
@@ -15360,7 +15360,7 @@
           <p:nvPr>
             <p:extLst>
               <p:ext uri="{386F3935-93C4-4BCD-93E2-E3B085C9AB24}">
-                <p16:designElem xmlns="" xmlns:p16="http://schemas.microsoft.com/office/powerpoint/2015/main" val="1"/>
+                <p16:designElem xmlns:p16="http://schemas.microsoft.com/office/powerpoint/2015/main" val="1"/>
               </p:ext>
             </p:extLst>
           </p:nvPr>
@@ -15407,7 +15407,7 @@
           <p:cNvPr id="2" name="Title 1">
             <a:extLst>
               <a:ext uri="{FF2B5EF4-FFF2-40B4-BE49-F238E27FC236}">
-                <a16:creationId xmlns="" xmlns:a16="http://schemas.microsoft.com/office/drawing/2014/main" id="{1C21E816-31F5-48BB-BD02-D15F2F18B48A}"/>
+                <a16:creationId xmlns:a16="http://schemas.microsoft.com/office/drawing/2014/main" id="{1C21E816-31F5-48BB-BD02-D15F2F18B48A}"/>
               </a:ext>
             </a:extLst>
           </p:cNvPr>
@@ -15420,8 +15420,8 @@
         </p:nvSpPr>
         <p:spPr>
           <a:xfrm>
-            <a:off x="581192" y="619432"/>
-            <a:ext cx="10993549" cy="1081550"/>
+            <a:off x="581193" y="619432"/>
+            <a:ext cx="9024924" cy="1081550"/>
           </a:xfrm>
         </p:spPr>
         <p:txBody>
@@ -15430,13 +15430,6 @@
           </a:bodyPr>
           <a:lstStyle/>
           <a:p>
-            <a:r>
-              <a:rPr lang="en-US" b="1" dirty="0">
-                <a:latin typeface="Times New Roman" panose="02020603050405020304" pitchFamily="18" charset="0"/>
-                <a:cs typeface="Times New Roman" panose="02020603050405020304" pitchFamily="18" charset="0"/>
-              </a:rPr>
-              <a:t/>
-            </a:r>
             <a:br>
               <a:rPr lang="en-US" b="1" dirty="0">
                 <a:latin typeface="Times New Roman" panose="02020603050405020304" pitchFamily="18" charset="0"/>
@@ -15458,7 +15451,7 @@
           <p:cNvPr id="3" name="Subtitle 2">
             <a:extLst>
               <a:ext uri="{FF2B5EF4-FFF2-40B4-BE49-F238E27FC236}">
-                <a16:creationId xmlns="" xmlns:a16="http://schemas.microsoft.com/office/drawing/2014/main" id="{835D6E6B-3353-491C-A3C6-F278D6CED8B3}"/>
+                <a16:creationId xmlns:a16="http://schemas.microsoft.com/office/drawing/2014/main" id="{835D6E6B-3353-491C-A3C6-F278D6CED8B3}"/>
               </a:ext>
             </a:extLst>
           </p:cNvPr>
@@ -15541,7 +15534,7 @@
           <p:cNvPr id="10" name="Date Placeholder 9">
             <a:extLst>
               <a:ext uri="{FF2B5EF4-FFF2-40B4-BE49-F238E27FC236}">
-                <a16:creationId xmlns="" xmlns:a16="http://schemas.microsoft.com/office/drawing/2014/main" id="{44204809-7C99-0296-FD62-43E631617571}"/>
+                <a16:creationId xmlns:a16="http://schemas.microsoft.com/office/drawing/2014/main" id="{44204809-7C99-0296-FD62-43E631617571}"/>
               </a:ext>
             </a:extLst>
           </p:cNvPr>
@@ -15569,7 +15562,7 @@
           <p:cNvPr id="11" name="Footer Placeholder 10">
             <a:extLst>
               <a:ext uri="{FF2B5EF4-FFF2-40B4-BE49-F238E27FC236}">
-                <a16:creationId xmlns="" xmlns:a16="http://schemas.microsoft.com/office/drawing/2014/main" id="{5ECA8BD7-B877-F88A-3743-33335B0E21F4}"/>
+                <a16:creationId xmlns:a16="http://schemas.microsoft.com/office/drawing/2014/main" id="{5ECA8BD7-B877-F88A-3743-33335B0E21F4}"/>
               </a:ext>
             </a:extLst>
           </p:cNvPr>
@@ -15586,10 +15579,9 @@
           <a:lstStyle/>
           <a:p>
             <a:r>
-              <a:rPr lang="en-US"/>
+              <a:rPr lang="en-US" dirty="0"/>
               <a:t>Software Engineering</a:t>
             </a:r>
-            <a:endParaRPr lang="en-US" dirty="0"/>
           </a:p>
         </p:txBody>
       </p:sp>
@@ -15598,7 +15590,7 @@
           <p:cNvPr id="12" name="Slide Number Placeholder 11">
             <a:extLst>
               <a:ext uri="{FF2B5EF4-FFF2-40B4-BE49-F238E27FC236}">
-                <a16:creationId xmlns="" xmlns:a16="http://schemas.microsoft.com/office/drawing/2014/main" id="{AD445850-2032-2AAA-181B-660F93C51227}"/>
+                <a16:creationId xmlns:a16="http://schemas.microsoft.com/office/drawing/2014/main" id="{AD445850-2032-2AAA-181B-660F93C51227}"/>
               </a:ext>
             </a:extLst>
           </p:cNvPr>
@@ -15632,10 +15624,10 @@
           <p:cNvPr id="20" name="Rectangle 19">
             <a:extLst>
               <a:ext uri="{FF2B5EF4-FFF2-40B4-BE49-F238E27FC236}">
-                <a16:creationId xmlns="" xmlns:a16="http://schemas.microsoft.com/office/drawing/2014/main" id="{E7C6334F-6411-41EC-AD7D-179EDD8B58CB}"/>
+                <a16:creationId xmlns:a16="http://schemas.microsoft.com/office/drawing/2014/main" id="{E7C6334F-6411-41EC-AD7D-179EDD8B58CB}"/>
               </a:ext>
               <a:ext uri="{C183D7F6-B498-43B3-948B-1728B52AA6E4}">
-                <adec:decorative xmlns="" xmlns:adec="http://schemas.microsoft.com/office/drawing/2017/decorative" val="1"/>
+                <adec:decorative xmlns:adec="http://schemas.microsoft.com/office/drawing/2017/decorative" val="1"/>
               </a:ext>
             </a:extLst>
           </p:cNvPr>
@@ -15645,7 +15637,7 @@
           <p:nvPr>
             <p:extLst>
               <p:ext uri="{386F3935-93C4-4BCD-93E2-E3B085C9AB24}">
-                <p16:designElem xmlns="" xmlns:p16="http://schemas.microsoft.com/office/powerpoint/2015/main" val="1"/>
+                <p16:designElem xmlns:p16="http://schemas.microsoft.com/office/powerpoint/2015/main" val="1"/>
               </p:ext>
             </p:extLst>
           </p:nvPr>
@@ -15688,10 +15680,10 @@
           <p:cNvPr id="22" name="Rectangle 21">
             <a:extLst>
               <a:ext uri="{FF2B5EF4-FFF2-40B4-BE49-F238E27FC236}">
-                <a16:creationId xmlns="" xmlns:a16="http://schemas.microsoft.com/office/drawing/2014/main" id="{E6B02CEE-3AF8-4349-9B3E-8970E6DF62B3}"/>
+                <a16:creationId xmlns:a16="http://schemas.microsoft.com/office/drawing/2014/main" id="{E6B02CEE-3AF8-4349-9B3E-8970E6DF62B3}"/>
               </a:ext>
               <a:ext uri="{C183D7F6-B498-43B3-948B-1728B52AA6E4}">
-                <adec:decorative xmlns="" xmlns:adec="http://schemas.microsoft.com/office/drawing/2017/decorative" val="1"/>
+                <adec:decorative xmlns:adec="http://schemas.microsoft.com/office/drawing/2017/decorative" val="1"/>
               </a:ext>
             </a:extLst>
           </p:cNvPr>
@@ -15701,7 +15693,7 @@
           <p:nvPr>
             <p:extLst>
               <p:ext uri="{386F3935-93C4-4BCD-93E2-E3B085C9AB24}">
-                <p16:designElem xmlns="" xmlns:p16="http://schemas.microsoft.com/office/powerpoint/2015/main" val="1"/>
+                <p16:designElem xmlns:p16="http://schemas.microsoft.com/office/powerpoint/2015/main" val="1"/>
               </p:ext>
             </p:extLst>
           </p:nvPr>
@@ -15742,10 +15734,10 @@
           <p:cNvPr id="24" name="Rectangle 23">
             <a:extLst>
               <a:ext uri="{FF2B5EF4-FFF2-40B4-BE49-F238E27FC236}">
-                <a16:creationId xmlns="" xmlns:a16="http://schemas.microsoft.com/office/drawing/2014/main" id="{AAA01CF0-3FB5-44EB-B7DE-F2E86374C2FB}"/>
+                <a16:creationId xmlns:a16="http://schemas.microsoft.com/office/drawing/2014/main" id="{AAA01CF0-3FB5-44EB-B7DE-F2E86374C2FB}"/>
               </a:ext>
               <a:ext uri="{C183D7F6-B498-43B3-948B-1728B52AA6E4}">
-                <adec:decorative xmlns="" xmlns:adec="http://schemas.microsoft.com/office/drawing/2017/decorative" val="1"/>
+                <adec:decorative xmlns:adec="http://schemas.microsoft.com/office/drawing/2017/decorative" val="1"/>
               </a:ext>
             </a:extLst>
           </p:cNvPr>
@@ -15755,7 +15747,7 @@
           <p:nvPr>
             <p:extLst>
               <p:ext uri="{386F3935-93C4-4BCD-93E2-E3B085C9AB24}">
-                <p16:designElem xmlns="" xmlns:p16="http://schemas.microsoft.com/office/powerpoint/2015/main" val="1"/>
+                <p16:designElem xmlns:p16="http://schemas.microsoft.com/office/powerpoint/2015/main" val="1"/>
               </p:ext>
             </p:extLst>
           </p:nvPr>
@@ -15798,7 +15790,7 @@
           <p:cNvPr id="6" name="Picture 5" descr="abstract image">
             <a:extLst>
               <a:ext uri="{FF2B5EF4-FFF2-40B4-BE49-F238E27FC236}">
-                <a16:creationId xmlns="" xmlns:a16="http://schemas.microsoft.com/office/drawing/2014/main" id="{F1A8C364-94D4-4630-BAD0-78722F347055}"/>
+                <a16:creationId xmlns:a16="http://schemas.microsoft.com/office/drawing/2014/main" id="{F1A8C364-94D4-4630-BAD0-78722F347055}"/>
               </a:ext>
             </a:extLst>
           </p:cNvPr>
@@ -15833,7 +15825,7 @@
           <p:cNvPr id="7" name="TextBox 6">
             <a:extLst>
               <a:ext uri="{FF2B5EF4-FFF2-40B4-BE49-F238E27FC236}">
-                <a16:creationId xmlns="" xmlns:a16="http://schemas.microsoft.com/office/drawing/2014/main" id="{56DC74AF-9BA3-C0B8-40E4-7EA42EFEFC2C}"/>
+                <a16:creationId xmlns:a16="http://schemas.microsoft.com/office/drawing/2014/main" id="{56DC74AF-9BA3-C0B8-40E4-7EA42EFEFC2C}"/>
               </a:ext>
             </a:extLst>
           </p:cNvPr>
@@ -15864,7 +15856,9 @@
             <a:r>
               <a:rPr lang="en-US" sz="2000" i="1" dirty="0">
                 <a:solidFill>
-                  <a:schemeClr val="accent1"/>
+                  <a:schemeClr val="bg2">
+                    <a:lumMod val="75000"/>
+                  </a:schemeClr>
                 </a:solidFill>
                 <a:latin typeface="Times New Roman" panose="02020603050405020304" pitchFamily="18" charset="0"/>
                 <a:cs typeface="Times New Roman" panose="02020603050405020304" pitchFamily="18" charset="0"/>
@@ -15881,7 +15875,9 @@
             <a:r>
               <a:rPr lang="en-US" sz="2000" i="1" dirty="0">
                 <a:solidFill>
-                  <a:schemeClr val="accent1"/>
+                  <a:schemeClr val="bg2">
+                    <a:lumMod val="75000"/>
+                  </a:schemeClr>
                 </a:solidFill>
                 <a:latin typeface="Times New Roman" panose="02020603050405020304" pitchFamily="18" charset="0"/>
                 <a:cs typeface="Times New Roman" panose="02020603050405020304" pitchFamily="18" charset="0"/>
@@ -15899,7 +15895,7 @@
           <p:cNvPr id="13" name="object 36">
             <a:extLst>
               <a:ext uri="{FF2B5EF4-FFF2-40B4-BE49-F238E27FC236}">
-                <a16:creationId xmlns="" xmlns:a16="http://schemas.microsoft.com/office/drawing/2014/main" id="{B139A576-E33C-B39D-02D8-BA5C89CA09BB}"/>
+                <a16:creationId xmlns:a16="http://schemas.microsoft.com/office/drawing/2014/main" id="{B139A576-E33C-B39D-02D8-BA5C89CA09BB}"/>
               </a:ext>
             </a:extLst>
           </p:cNvPr>
@@ -15933,7 +15929,7 @@
         <p:spPr>
           <a:xfrm>
             <a:off x="609600" y="338328"/>
-            <a:ext cx="10972800" cy="1252728"/>
+            <a:ext cx="9389806" cy="1252728"/>
           </a:xfrm>
           <a:prstGeom prst="rect">
             <a:avLst/>
@@ -16016,8 +16012,9 @@
             </a:lvl9pPr>
           </a:lstStyle>
           <a:p>
-            <a:r>
-              <a:rPr lang="en-IN" sz="3200" b="1" i="1" dirty="0">
+            <a:pPr algn="l"/>
+            <a:r>
+              <a:rPr lang="en-IN" sz="2800" b="1" i="1" dirty="0">
                 <a:solidFill>
                   <a:schemeClr val="accent2">
                     <a:lumMod val="75000"/>
@@ -16026,7 +16023,7 @@
                 <a:latin typeface="Times New Roman" pitchFamily="18" charset="0"/>
                 <a:cs typeface="Times New Roman" pitchFamily="18" charset="0"/>
               </a:rPr>
-              <a:t>SEMANTIC ANALYSIS OF TEXTUAL DATA</a:t>
+              <a:t>SEMANTIC SIMILARITY ANALYSIS OF TEXTUAL DATA</a:t>
             </a:r>
           </a:p>
         </p:txBody>
@@ -16041,13 +16038,6 @@
   <p:clrMapOvr>
     <a:masterClrMapping/>
   </p:clrMapOvr>
-  <p:timing>
-    <p:tnLst>
-      <p:par>
-        <p:cTn id="1" dur="indefinite" restart="never" nodeType="tmRoot"/>
-      </p:par>
-    </p:tnLst>
-  </p:timing>
 </p:sld>
 </file>
 
@@ -16073,7 +16063,7 @@
           <p:cNvPr id="3" name="Content Placeholder 2">
             <a:extLst>
               <a:ext uri="{FF2B5EF4-FFF2-40B4-BE49-F238E27FC236}">
-                <a16:creationId xmlns="" xmlns:a16="http://schemas.microsoft.com/office/drawing/2014/main" id="{A58537CC-FC3A-E5DC-8DAC-14DB4981F53F}"/>
+                <a16:creationId xmlns:a16="http://schemas.microsoft.com/office/drawing/2014/main" id="{A58537CC-FC3A-E5DC-8DAC-14DB4981F53F}"/>
               </a:ext>
             </a:extLst>
           </p:cNvPr>
@@ -16266,7 +16256,7 @@
           <p:cNvPr id="4" name="Date Placeholder 3">
             <a:extLst>
               <a:ext uri="{FF2B5EF4-FFF2-40B4-BE49-F238E27FC236}">
-                <a16:creationId xmlns="" xmlns:a16="http://schemas.microsoft.com/office/drawing/2014/main" id="{33E909F9-DA59-FD45-B1EB-45783CA97968}"/>
+                <a16:creationId xmlns:a16="http://schemas.microsoft.com/office/drawing/2014/main" id="{33E909F9-DA59-FD45-B1EB-45783CA97968}"/>
               </a:ext>
             </a:extLst>
           </p:cNvPr>
@@ -16294,7 +16284,7 @@
           <p:cNvPr id="5" name="Footer Placeholder 4">
             <a:extLst>
               <a:ext uri="{FF2B5EF4-FFF2-40B4-BE49-F238E27FC236}">
-                <a16:creationId xmlns="" xmlns:a16="http://schemas.microsoft.com/office/drawing/2014/main" id="{86A71CE6-0AEF-7BFE-E34C-B75805996A72}"/>
+                <a16:creationId xmlns:a16="http://schemas.microsoft.com/office/drawing/2014/main" id="{86A71CE6-0AEF-7BFE-E34C-B75805996A72}"/>
               </a:ext>
             </a:extLst>
           </p:cNvPr>
@@ -16322,7 +16312,7 @@
           <p:cNvPr id="6" name="Slide Number Placeholder 5">
             <a:extLst>
               <a:ext uri="{FF2B5EF4-FFF2-40B4-BE49-F238E27FC236}">
-                <a16:creationId xmlns="" xmlns:a16="http://schemas.microsoft.com/office/drawing/2014/main" id="{82FB8329-FA0D-DB96-7E65-D7DDCBAC8940}"/>
+                <a16:creationId xmlns:a16="http://schemas.microsoft.com/office/drawing/2014/main" id="{82FB8329-FA0D-DB96-7E65-D7DDCBAC8940}"/>
               </a:ext>
             </a:extLst>
           </p:cNvPr>
@@ -16351,7 +16341,7 @@
           <p:cNvPr id="7" name="object 36">
             <a:extLst>
               <a:ext uri="{FF2B5EF4-FFF2-40B4-BE49-F238E27FC236}">
-                <a16:creationId xmlns="" xmlns:a16="http://schemas.microsoft.com/office/drawing/2014/main" id="{0775318E-9527-6236-D96E-BEBD4972B842}"/>
+                <a16:creationId xmlns:a16="http://schemas.microsoft.com/office/drawing/2014/main" id="{0775318E-9527-6236-D96E-BEBD4972B842}"/>
               </a:ext>
             </a:extLst>
           </p:cNvPr>
@@ -16379,7 +16369,7 @@
           <p:cNvPr id="8" name="Content Placeholder 2">
             <a:extLst>
               <a:ext uri="{FF2B5EF4-FFF2-40B4-BE49-F238E27FC236}">
-                <a16:creationId xmlns="" xmlns:a16="http://schemas.microsoft.com/office/drawing/2014/main" id="{A58537CC-FC3A-E5DC-8DAC-14DB4981F53F}"/>
+                <a16:creationId xmlns:a16="http://schemas.microsoft.com/office/drawing/2014/main" id="{A58537CC-FC3A-E5DC-8DAC-14DB4981F53F}"/>
               </a:ext>
             </a:extLst>
           </p:cNvPr>
@@ -16909,13 +16899,6 @@
   <p:clrMapOvr>
     <a:masterClrMapping/>
   </p:clrMapOvr>
-  <p:timing>
-    <p:tnLst>
-      <p:par>
-        <p:cTn id="1" dur="indefinite" restart="never" nodeType="tmRoot"/>
-      </p:par>
-    </p:tnLst>
-  </p:timing>
 </p:sld>
 </file>
 
@@ -17074,7 +17057,7 @@
             </a:endParaRPr>
           </a:p>
           <a:p>
-            <a:endParaRPr lang="en-US" dirty="0" smtClean="0"/>
+            <a:endParaRPr lang="en-US" dirty="0"/>
           </a:p>
         </p:txBody>
       </p:sp>
@@ -18117,13 +18100,6 @@
           <a:lstStyle/>
           <a:p>
             <a:pPr algn="l"/>
-            <a:r>
-              <a:rPr lang="en-US" sz="2800" b="1" i="1" dirty="0">
-                <a:latin typeface="Times New Roman" pitchFamily="18" charset="0"/>
-                <a:cs typeface="Times New Roman" pitchFamily="18" charset="0"/>
-              </a:rPr>
-              <a:t/>
-            </a:r>
             <a:br>
               <a:rPr lang="en-US" sz="2800" b="1" i="1" dirty="0">
                 <a:latin typeface="Times New Roman" pitchFamily="18" charset="0"/>
@@ -18149,7 +18125,7 @@
           <p:cNvPr id="2" name="object 36">
             <a:extLst>
               <a:ext uri="{FF2B5EF4-FFF2-40B4-BE49-F238E27FC236}">
-                <a16:creationId xmlns="" xmlns:a16="http://schemas.microsoft.com/office/drawing/2014/main" id="{BD638B85-8C04-1FC4-FB58-B41201535927}"/>
+                <a16:creationId xmlns:a16="http://schemas.microsoft.com/office/drawing/2014/main" id="{BD638B85-8C04-1FC4-FB58-B41201535927}"/>
               </a:ext>
             </a:extLst>
           </p:cNvPr>
@@ -18242,13 +18218,6 @@
   <p:clrMapOvr>
     <a:masterClrMapping/>
   </p:clrMapOvr>
-  <p:timing>
-    <p:tnLst>
-      <p:par>
-        <p:cTn id="1" dur="indefinite" restart="never" nodeType="tmRoot"/>
-      </p:par>
-    </p:tnLst>
-  </p:timing>
 </p:sld>
 </file>
 
@@ -18374,7 +18343,7 @@
                 <a:hlinkClick r:id="rId2">
                   <a:extLst>
                     <a:ext uri="{A12FA001-AC4F-418D-AE19-62706E023703}">
-                      <ahyp:hlinkClr xmlns="" xmlns:ahyp="http://schemas.microsoft.com/office/drawing/2018/hyperlinkcolor" val="tx"/>
+                      <ahyp:hlinkClr xmlns:ahyp="http://schemas.microsoft.com/office/drawing/2018/hyperlinkcolor" val="tx"/>
                     </a:ext>
                   </a:extLst>
                 </a:hlinkClick>
@@ -18391,7 +18360,7 @@
                 <a:hlinkClick r:id="rId2">
                   <a:extLst>
                     <a:ext uri="{A12FA001-AC4F-418D-AE19-62706E023703}">
-                      <ahyp:hlinkClr xmlns="" xmlns:ahyp="http://schemas.microsoft.com/office/drawing/2018/hyperlinkcolor" val="tx"/>
+                      <ahyp:hlinkClr xmlns:ahyp="http://schemas.microsoft.com/office/drawing/2018/hyperlinkcolor" val="tx"/>
                     </a:ext>
                   </a:extLst>
                 </a:hlinkClick>
@@ -18408,7 +18377,7 @@
                 <a:hlinkClick r:id="rId2">
                   <a:extLst>
                     <a:ext uri="{A12FA001-AC4F-418D-AE19-62706E023703}">
-                      <ahyp:hlinkClr xmlns="" xmlns:ahyp="http://schemas.microsoft.com/office/drawing/2018/hyperlinkcolor" val="tx"/>
+                      <ahyp:hlinkClr xmlns:ahyp="http://schemas.microsoft.com/office/drawing/2018/hyperlinkcolor" val="tx"/>
                     </a:ext>
                   </a:extLst>
                 </a:hlinkClick>
@@ -18476,7 +18445,7 @@
                 <a:hlinkClick r:id="rId3">
                   <a:extLst>
                     <a:ext uri="{A12FA001-AC4F-418D-AE19-62706E023703}">
-                      <ahyp:hlinkClr xmlns="" xmlns:ahyp="http://schemas.microsoft.com/office/drawing/2018/hyperlinkcolor" val="tx"/>
+                      <ahyp:hlinkClr xmlns:ahyp="http://schemas.microsoft.com/office/drawing/2018/hyperlinkcolor" val="tx"/>
                     </a:ext>
                   </a:extLst>
                 </a:hlinkClick>
@@ -18544,7 +18513,7 @@
                 <a:hlinkClick r:id="rId4">
                   <a:extLst>
                     <a:ext uri="{A12FA001-AC4F-418D-AE19-62706E023703}">
-                      <ahyp:hlinkClr xmlns="" xmlns:ahyp="http://schemas.microsoft.com/office/drawing/2018/hyperlinkcolor" val="tx"/>
+                      <ahyp:hlinkClr xmlns:ahyp="http://schemas.microsoft.com/office/drawing/2018/hyperlinkcolor" val="tx"/>
                     </a:ext>
                   </a:extLst>
                 </a:hlinkClick>
@@ -18684,7 +18653,7 @@
           <p:cNvPr id="7" name="object 36">
             <a:extLst>
               <a:ext uri="{FF2B5EF4-FFF2-40B4-BE49-F238E27FC236}">
-                <a16:creationId xmlns="" xmlns:a16="http://schemas.microsoft.com/office/drawing/2014/main" id="{523B34A9-32DE-7132-1543-775F2E1AD8E7}"/>
+                <a16:creationId xmlns:a16="http://schemas.microsoft.com/office/drawing/2014/main" id="{523B34A9-32DE-7132-1543-775F2E1AD8E7}"/>
               </a:ext>
             </a:extLst>
           </p:cNvPr>
@@ -18717,13 +18686,6 @@
   <p:clrMapOvr>
     <a:masterClrMapping/>
   </p:clrMapOvr>
-  <p:timing>
-    <p:tnLst>
-      <p:par>
-        <p:cTn id="1" dur="indefinite" restart="never" nodeType="tmRoot"/>
-      </p:par>
-    </p:tnLst>
-  </p:timing>
 </p:sld>
 </file>
 
@@ -18770,16 +18732,12 @@
               <a:buNone/>
             </a:pPr>
             <a:r>
-              <a:rPr lang="en-US" sz="2100" b="1" dirty="0">
+              <a:rPr lang="en-US" sz="2100" b="1" i="1" dirty="0">
                 <a:latin typeface="Times New Roman" pitchFamily="18" charset="0"/>
                 <a:cs typeface="Times New Roman" pitchFamily="18" charset="0"/>
               </a:rPr>
               <a:t>Limitations:</a:t>
             </a:r>
-            <a:endParaRPr lang="en-US" sz="2100" dirty="0">
-              <a:latin typeface="Times New Roman" pitchFamily="18" charset="0"/>
-              <a:cs typeface="Times New Roman" pitchFamily="18" charset="0"/>
-            </a:endParaRPr>
           </a:p>
           <a:p>
             <a:pPr lvl="1"/>
@@ -18863,13 +18821,13 @@
               <a:buNone/>
             </a:pPr>
             <a:r>
-              <a:rPr lang="en-US" sz="2100" b="1" dirty="0">
+              <a:rPr lang="en-US" sz="2100" b="1" i="1" dirty="0">
                 <a:latin typeface="Times New Roman" pitchFamily="18" charset="0"/>
                 <a:cs typeface="Times New Roman" pitchFamily="18" charset="0"/>
               </a:rPr>
               <a:t>Proposed Solutions:</a:t>
             </a:r>
-            <a:endParaRPr lang="en-US" sz="2100" dirty="0">
+            <a:endParaRPr lang="en-US" sz="2100" i="1" dirty="0">
               <a:latin typeface="Times New Roman" pitchFamily="18" charset="0"/>
               <a:cs typeface="Times New Roman" pitchFamily="18" charset="0"/>
             </a:endParaRPr>
@@ -19013,10 +18971,6 @@
           </a:bodyPr>
           <a:lstStyle/>
           <a:p>
-            <a:r>
-              <a:rPr lang="en-US" b="1" dirty="0"/>
-              <a:t/>
-            </a:r>
             <a:br>
               <a:rPr lang="en-US" b="1" dirty="0"/>
             </a:br>
@@ -19037,10 +18991,6 @@
                 <a:cs typeface="Times New Roman" panose="02020603050405020304" pitchFamily="18" charset="0"/>
               </a:rPr>
               <a:t>LIMITATIONS &amp; FUTURE SCOPE</a:t>
-            </a:r>
-            <a:r>
-              <a:rPr lang="en-US" sz="3100" b="1" dirty="0"/>
-              <a:t/>
             </a:r>
             <a:br>
               <a:rPr lang="en-US" sz="3100" b="1" dirty="0"/>
@@ -19054,7 +19004,7 @@
           <p:cNvPr id="7" name="object 36">
             <a:extLst>
               <a:ext uri="{FF2B5EF4-FFF2-40B4-BE49-F238E27FC236}">
-                <a16:creationId xmlns="" xmlns:a16="http://schemas.microsoft.com/office/drawing/2014/main" id="{3F60CFD1-D987-685B-EB6E-1B0C95E7B44D}"/>
+                <a16:creationId xmlns:a16="http://schemas.microsoft.com/office/drawing/2014/main" id="{3F60CFD1-D987-685B-EB6E-1B0C95E7B44D}"/>
               </a:ext>
             </a:extLst>
           </p:cNvPr>
@@ -19087,13 +19037,6 @@
   <p:clrMapOvr>
     <a:masterClrMapping/>
   </p:clrMapOvr>
-  <p:timing>
-    <p:tnLst>
-      <p:par>
-        <p:cTn id="1" dur="indefinite" restart="never" nodeType="tmRoot"/>
-      </p:par>
-    </p:tnLst>
-  </p:timing>
 </p:sld>
 </file>
 
@@ -19229,13 +19172,6 @@
                 <a:cs typeface="Times New Roman" panose="02020603050405020304" pitchFamily="18" charset="0"/>
               </a:rPr>
             </a:br>
-            <a:r>
-              <a:rPr lang="en-US" sz="1900" dirty="0">
-                <a:latin typeface="Times New Roman" panose="02020603050405020304" pitchFamily="18" charset="0"/>
-                <a:cs typeface="Times New Roman" panose="02020603050405020304" pitchFamily="18" charset="0"/>
-              </a:rPr>
-              <a:t/>
-            </a:r>
             <a:br>
               <a:rPr lang="en-US" sz="1900" dirty="0">
                 <a:latin typeface="Times New Roman" panose="02020603050405020304" pitchFamily="18" charset="0"/>
@@ -19362,7 +19298,7 @@
           <p:cNvPr id="7" name="object 36">
             <a:extLst>
               <a:ext uri="{FF2B5EF4-FFF2-40B4-BE49-F238E27FC236}">
-                <a16:creationId xmlns="" xmlns:a16="http://schemas.microsoft.com/office/drawing/2014/main" id="{5AE67FE6-245D-C209-DC02-D927AE25B7A7}"/>
+                <a16:creationId xmlns:a16="http://schemas.microsoft.com/office/drawing/2014/main" id="{5AE67FE6-245D-C209-DC02-D927AE25B7A7}"/>
               </a:ext>
             </a:extLst>
           </p:cNvPr>
@@ -19395,13 +19331,6 @@
   <p:clrMapOvr>
     <a:masterClrMapping/>
   </p:clrMapOvr>
-  <p:timing>
-    <p:tnLst>
-      <p:par>
-        <p:cTn id="1" dur="indefinite" restart="never" nodeType="tmRoot"/>
-      </p:par>
-    </p:tnLst>
-  </p:timing>
 </p:sld>
 </file>
 
@@ -19427,7 +19356,7 @@
           <p:cNvPr id="2" name="Content Placeholder 1">
             <a:extLst>
               <a:ext uri="{FF2B5EF4-FFF2-40B4-BE49-F238E27FC236}">
-                <a16:creationId xmlns="" xmlns:a16="http://schemas.microsoft.com/office/drawing/2014/main" id="{E54FDA97-D34A-2D23-4E5D-AFDD89F2FA61}"/>
+                <a16:creationId xmlns:a16="http://schemas.microsoft.com/office/drawing/2014/main" id="{E54FDA97-D34A-2D23-4E5D-AFDD89F2FA61}"/>
               </a:ext>
             </a:extLst>
           </p:cNvPr>
@@ -19823,7 +19752,7 @@
           <p:cNvPr id="3" name="Date Placeholder 2">
             <a:extLst>
               <a:ext uri="{FF2B5EF4-FFF2-40B4-BE49-F238E27FC236}">
-                <a16:creationId xmlns="" xmlns:a16="http://schemas.microsoft.com/office/drawing/2014/main" id="{9AC193FF-8C1E-BC3C-6562-EA1A193D5E41}"/>
+                <a16:creationId xmlns:a16="http://schemas.microsoft.com/office/drawing/2014/main" id="{9AC193FF-8C1E-BC3C-6562-EA1A193D5E41}"/>
               </a:ext>
             </a:extLst>
           </p:cNvPr>
@@ -19852,7 +19781,7 @@
           <p:cNvPr id="4" name="Footer Placeholder 3">
             <a:extLst>
               <a:ext uri="{FF2B5EF4-FFF2-40B4-BE49-F238E27FC236}">
-                <a16:creationId xmlns="" xmlns:a16="http://schemas.microsoft.com/office/drawing/2014/main" id="{BB284AFE-3060-D99A-11E4-A2CE7A438E58}"/>
+                <a16:creationId xmlns:a16="http://schemas.microsoft.com/office/drawing/2014/main" id="{BB284AFE-3060-D99A-11E4-A2CE7A438E58}"/>
               </a:ext>
             </a:extLst>
           </p:cNvPr>
@@ -19881,7 +19810,7 @@
           <p:cNvPr id="5" name="Slide Number Placeholder 4">
             <a:extLst>
               <a:ext uri="{FF2B5EF4-FFF2-40B4-BE49-F238E27FC236}">
-                <a16:creationId xmlns="" xmlns:a16="http://schemas.microsoft.com/office/drawing/2014/main" id="{E4BAB506-E915-B9F7-758B-8CED2D0E355F}"/>
+                <a16:creationId xmlns:a16="http://schemas.microsoft.com/office/drawing/2014/main" id="{E4BAB506-E915-B9F7-758B-8CED2D0E355F}"/>
               </a:ext>
             </a:extLst>
           </p:cNvPr>
@@ -19910,7 +19839,7 @@
           <p:cNvPr id="6" name="Title 5">
             <a:extLst>
               <a:ext uri="{FF2B5EF4-FFF2-40B4-BE49-F238E27FC236}">
-                <a16:creationId xmlns="" xmlns:a16="http://schemas.microsoft.com/office/drawing/2014/main" id="{3B7EEF39-E8AE-5FB0-9F84-7FC2EDD2EA46}"/>
+                <a16:creationId xmlns:a16="http://schemas.microsoft.com/office/drawing/2014/main" id="{3B7EEF39-E8AE-5FB0-9F84-7FC2EDD2EA46}"/>
               </a:ext>
             </a:extLst>
           </p:cNvPr>
@@ -19945,7 +19874,7 @@
           <p:cNvPr id="13" name="object 36">
             <a:extLst>
               <a:ext uri="{FF2B5EF4-FFF2-40B4-BE49-F238E27FC236}">
-                <a16:creationId xmlns="" xmlns:a16="http://schemas.microsoft.com/office/drawing/2014/main" id="{7DAA7A88-8CA1-B269-376F-DC736EF63FC7}"/>
+                <a16:creationId xmlns:a16="http://schemas.microsoft.com/office/drawing/2014/main" id="{7DAA7A88-8CA1-B269-376F-DC736EF63FC7}"/>
               </a:ext>
             </a:extLst>
           </p:cNvPr>
@@ -19978,13 +19907,6 @@
   <p:clrMapOvr>
     <a:masterClrMapping/>
   </p:clrMapOvr>
-  <p:timing>
-    <p:tnLst>
-      <p:par>
-        <p:cTn id="1" dur="indefinite" restart="never" nodeType="tmRoot"/>
-      </p:par>
-    </p:tnLst>
-  </p:timing>
 </p:sld>
 </file>
 
@@ -20010,7 +19932,7 @@
           <p:cNvPr id="2" name="Content Placeholder 1">
             <a:extLst>
               <a:ext uri="{FF2B5EF4-FFF2-40B4-BE49-F238E27FC236}">
-                <a16:creationId xmlns="" xmlns:a16="http://schemas.microsoft.com/office/drawing/2014/main" id="{64A315DC-2420-6861-8F0C-25F8AF239436}"/>
+                <a16:creationId xmlns:a16="http://schemas.microsoft.com/office/drawing/2014/main" id="{64A315DC-2420-6861-8F0C-25F8AF239436}"/>
               </a:ext>
             </a:extLst>
           </p:cNvPr>
@@ -20089,7 +20011,7 @@
                 <a:hlinkClick r:id="rId2">
                   <a:extLst>
                     <a:ext uri="{A12FA001-AC4F-418D-AE19-62706E023703}">
-                      <ahyp:hlinkClr xmlns="" xmlns:ahyp="http://schemas.microsoft.com/office/drawing/2018/hyperlinkcolor" val="tx"/>
+                      <ahyp:hlinkClr xmlns:ahyp="http://schemas.microsoft.com/office/drawing/2018/hyperlinkcolor" val="tx"/>
                     </a:ext>
                   </a:extLst>
                 </a:hlinkClick>
@@ -20119,7 +20041,7 @@
                 <a:hlinkClick r:id="rId3">
                   <a:extLst>
                     <a:ext uri="{A12FA001-AC4F-418D-AE19-62706E023703}">
-                      <ahyp:hlinkClr xmlns="" xmlns:ahyp="http://schemas.microsoft.com/office/drawing/2018/hyperlinkcolor" val="tx"/>
+                      <ahyp:hlinkClr xmlns:ahyp="http://schemas.microsoft.com/office/drawing/2018/hyperlinkcolor" val="tx"/>
                     </a:ext>
                   </a:extLst>
                 </a:hlinkClick>
@@ -20149,26 +20071,12 @@
                 <a:hlinkClick r:id="rId4">
                   <a:extLst>
                     <a:ext uri="{A12FA001-AC4F-418D-AE19-62706E023703}">
-                      <ahyp:hlinkClr xmlns="" xmlns:ahyp="http://schemas.microsoft.com/office/drawing/2018/hyperlinkcolor" val="tx"/>
+                      <ahyp:hlinkClr xmlns:ahyp="http://schemas.microsoft.com/office/drawing/2018/hyperlinkcolor" val="tx"/>
                     </a:ext>
                   </a:extLst>
                 </a:hlinkClick>
               </a:rPr>
-              <a:t>https://openai.com/index/introducing-text-and-code-embeddings</a:t>
-            </a:r>
-            <a:r>
-              <a:rPr lang="en-US" sz="1900" dirty="0">
-                <a:latin typeface="Times New Roman" panose="02020603050405020304" pitchFamily="18" charset="0"/>
-                <a:ea typeface="SimSun" panose="02010600030101010101" pitchFamily="2" charset="-122"/>
-                <a:hlinkClick r:id="rId4">
-                  <a:extLst>
-                    <a:ext uri="{A12FA001-AC4F-418D-AE19-62706E023703}">
-                      <ahyp:hlinkClr xmlns="" xmlns:ahyp="http://schemas.microsoft.com/office/drawing/2018/hyperlinkcolor" val="tx"/>
-                    </a:ext>
-                  </a:extLst>
-                </a:hlinkClick>
-              </a:rPr>
-              <a:t>/</a:t>
+              <a:t>https://openai.com/index/introducing-text-and-code-embeddings/</a:t>
             </a:r>
             <a:r>
               <a:rPr lang="en-US" sz="1900" dirty="0">
@@ -20264,7 +20172,7 @@
           <p:cNvPr id="3" name="Date Placeholder 2">
             <a:extLst>
               <a:ext uri="{FF2B5EF4-FFF2-40B4-BE49-F238E27FC236}">
-                <a16:creationId xmlns="" xmlns:a16="http://schemas.microsoft.com/office/drawing/2014/main" id="{9073A295-C8EE-4A34-5897-5672305412F6}"/>
+                <a16:creationId xmlns:a16="http://schemas.microsoft.com/office/drawing/2014/main" id="{9073A295-C8EE-4A34-5897-5672305412F6}"/>
               </a:ext>
             </a:extLst>
           </p:cNvPr>
@@ -20293,7 +20201,7 @@
           <p:cNvPr id="4" name="Footer Placeholder 3">
             <a:extLst>
               <a:ext uri="{FF2B5EF4-FFF2-40B4-BE49-F238E27FC236}">
-                <a16:creationId xmlns="" xmlns:a16="http://schemas.microsoft.com/office/drawing/2014/main" id="{033B9766-A4BF-C19B-ADC6-0EDA93A067FC}"/>
+                <a16:creationId xmlns:a16="http://schemas.microsoft.com/office/drawing/2014/main" id="{033B9766-A4BF-C19B-ADC6-0EDA93A067FC}"/>
               </a:ext>
             </a:extLst>
           </p:cNvPr>
@@ -20322,7 +20230,7 @@
           <p:cNvPr id="5" name="Slide Number Placeholder 4">
             <a:extLst>
               <a:ext uri="{FF2B5EF4-FFF2-40B4-BE49-F238E27FC236}">
-                <a16:creationId xmlns="" xmlns:a16="http://schemas.microsoft.com/office/drawing/2014/main" id="{21501403-522C-90CC-D8FD-6F068CDD12BD}"/>
+                <a16:creationId xmlns:a16="http://schemas.microsoft.com/office/drawing/2014/main" id="{21501403-522C-90CC-D8FD-6F068CDD12BD}"/>
               </a:ext>
             </a:extLst>
           </p:cNvPr>
@@ -20351,7 +20259,7 @@
           <p:cNvPr id="6" name="Title 5">
             <a:extLst>
               <a:ext uri="{FF2B5EF4-FFF2-40B4-BE49-F238E27FC236}">
-                <a16:creationId xmlns="" xmlns:a16="http://schemas.microsoft.com/office/drawing/2014/main" id="{145723C1-7459-9FED-45A1-B26EADEBA43F}"/>
+                <a16:creationId xmlns:a16="http://schemas.microsoft.com/office/drawing/2014/main" id="{145723C1-7459-9FED-45A1-B26EADEBA43F}"/>
               </a:ext>
             </a:extLst>
           </p:cNvPr>
@@ -20371,7 +20279,7 @@
           <a:p>
             <a:pPr algn="l"/>
             <a:r>
-              <a:rPr lang="en-IN" sz="2800" b="1" i="1" dirty="0" smtClean="0">
+              <a:rPr lang="en-IN" sz="2800" b="1" i="1" dirty="0">
                 <a:latin typeface="Times New Roman" panose="02020603050405020304" pitchFamily="18" charset="0"/>
                 <a:cs typeface="Times New Roman" panose="02020603050405020304" pitchFamily="18" charset="0"/>
               </a:rPr>
@@ -20386,7 +20294,7 @@
           <p:cNvPr id="7" name="object 36">
             <a:extLst>
               <a:ext uri="{FF2B5EF4-FFF2-40B4-BE49-F238E27FC236}">
-                <a16:creationId xmlns="" xmlns:a16="http://schemas.microsoft.com/office/drawing/2014/main" id="{07F510A7-627D-AB8F-B1AC-9B11C7AA8E02}"/>
+                <a16:creationId xmlns:a16="http://schemas.microsoft.com/office/drawing/2014/main" id="{07F510A7-627D-AB8F-B1AC-9B11C7AA8E02}"/>
               </a:ext>
             </a:extLst>
           </p:cNvPr>
@@ -20419,13 +20327,6 @@
   <p:clrMapOvr>
     <a:masterClrMapping/>
   </p:clrMapOvr>
-  <p:timing>
-    <p:tnLst>
-      <p:par>
-        <p:cTn id="1" dur="indefinite" restart="never" nodeType="tmRoot"/>
-      </p:par>
-    </p:tnLst>
-  </p:timing>
 </p:sld>
 </file>
 
@@ -20451,7 +20352,7 @@
           <p:cNvPr id="2" name="Date Placeholder 1">
             <a:extLst>
               <a:ext uri="{FF2B5EF4-FFF2-40B4-BE49-F238E27FC236}">
-                <a16:creationId xmlns="" xmlns:a16="http://schemas.microsoft.com/office/drawing/2014/main" id="{28880E68-B330-C5A4-80B1-086C377B70FB}"/>
+                <a16:creationId xmlns:a16="http://schemas.microsoft.com/office/drawing/2014/main" id="{28880E68-B330-C5A4-80B1-086C377B70FB}"/>
               </a:ext>
             </a:extLst>
           </p:cNvPr>
@@ -20480,7 +20381,7 @@
           <p:cNvPr id="3" name="Footer Placeholder 2">
             <a:extLst>
               <a:ext uri="{FF2B5EF4-FFF2-40B4-BE49-F238E27FC236}">
-                <a16:creationId xmlns="" xmlns:a16="http://schemas.microsoft.com/office/drawing/2014/main" id="{95FA7501-B913-91A5-B9CB-3DD339EB6504}"/>
+                <a16:creationId xmlns:a16="http://schemas.microsoft.com/office/drawing/2014/main" id="{95FA7501-B913-91A5-B9CB-3DD339EB6504}"/>
               </a:ext>
             </a:extLst>
           </p:cNvPr>
@@ -20509,7 +20410,7 @@
           <p:cNvPr id="4" name="Slide Number Placeholder 3">
             <a:extLst>
               <a:ext uri="{FF2B5EF4-FFF2-40B4-BE49-F238E27FC236}">
-                <a16:creationId xmlns="" xmlns:a16="http://schemas.microsoft.com/office/drawing/2014/main" id="{716837A0-EB98-18BC-5225-467BBDAFE209}"/>
+                <a16:creationId xmlns:a16="http://schemas.microsoft.com/office/drawing/2014/main" id="{716837A0-EB98-18BC-5225-467BBDAFE209}"/>
               </a:ext>
             </a:extLst>
           </p:cNvPr>
@@ -20648,7 +20549,7 @@
           <p:cNvPr id="17" name="Picture 16">
             <a:extLst>
               <a:ext uri="{FF2B5EF4-FFF2-40B4-BE49-F238E27FC236}">
-                <a16:creationId xmlns="" xmlns:a16="http://schemas.microsoft.com/office/drawing/2014/main" id="{6276EA96-D499-DEC6-9280-4D021E0432AB}"/>
+                <a16:creationId xmlns:a16="http://schemas.microsoft.com/office/drawing/2014/main" id="{6276EA96-D499-DEC6-9280-4D021E0432AB}"/>
               </a:ext>
             </a:extLst>
           </p:cNvPr>
@@ -20665,7 +20566,7 @@
         </p:blipFill>
         <p:spPr>
           <a:xfrm>
-            <a:off x="0" y="1225485"/>
+            <a:off x="-78658" y="752168"/>
             <a:ext cx="12192000" cy="6105832"/>
           </a:xfrm>
           <a:prstGeom prst="rect">
@@ -20681,7 +20582,7 @@
           <p:cNvPr id="18" name="TextBox 17">
             <a:extLst>
               <a:ext uri="{FF2B5EF4-FFF2-40B4-BE49-F238E27FC236}">
-                <a16:creationId xmlns="" xmlns:a16="http://schemas.microsoft.com/office/drawing/2014/main" id="{439E7942-34AC-E47B-629C-67CBCB6F6315}"/>
+                <a16:creationId xmlns:a16="http://schemas.microsoft.com/office/drawing/2014/main" id="{439E7942-34AC-E47B-629C-67CBCB6F6315}"/>
               </a:ext>
             </a:extLst>
           </p:cNvPr>
@@ -20731,13 +20632,6 @@
   <p:clrMapOvr>
     <a:masterClrMapping/>
   </p:clrMapOvr>
-  <p:timing>
-    <p:tnLst>
-      <p:par>
-        <p:cTn id="1" dur="indefinite" restart="never" nodeType="tmRoot"/>
-      </p:par>
-    </p:tnLst>
-  </p:timing>
 </p:sld>
 </file>
 
@@ -20768,7 +20662,7 @@
           <p:cNvPr id="9" name="Content Placeholder 8">
             <a:extLst>
               <a:ext uri="{FF2B5EF4-FFF2-40B4-BE49-F238E27FC236}">
-                <a16:creationId xmlns="" xmlns:a16="http://schemas.microsoft.com/office/drawing/2014/main" id="{AF846BE8-7BE2-3D33-3E4C-C7755DCC7D1F}"/>
+                <a16:creationId xmlns:a16="http://schemas.microsoft.com/office/drawing/2014/main" id="{AF846BE8-7BE2-3D33-3E4C-C7755DCC7D1F}"/>
               </a:ext>
             </a:extLst>
           </p:cNvPr>
@@ -20819,7 +20713,7 @@
                 <a:latin typeface="Times New Roman" panose="02020603050405020304" pitchFamily="18" charset="0"/>
                 <a:cs typeface="Times New Roman" panose="02020603050405020304" pitchFamily="18" charset="0"/>
               </a:rPr>
-              <a:t>Types of Textual Similarity </a:t>
+              <a:t>Introduction</a:t>
             </a:r>
           </a:p>
           <a:p>
@@ -20835,7 +20729,7 @@
                 <a:latin typeface="Times New Roman" panose="02020603050405020304" pitchFamily="18" charset="0"/>
                 <a:cs typeface="Times New Roman" panose="02020603050405020304" pitchFamily="18" charset="0"/>
               </a:rPr>
-              <a:t>What is Semantic Similarity?</a:t>
+              <a:t>Why Open AI GPT?</a:t>
             </a:r>
           </a:p>
           <a:p>
@@ -20851,23 +20745,7 @@
                 <a:latin typeface="Times New Roman" panose="02020603050405020304" pitchFamily="18" charset="0"/>
                 <a:cs typeface="Times New Roman" panose="02020603050405020304" pitchFamily="18" charset="0"/>
               </a:rPr>
-              <a:t>Why Open AI GPT?</a:t>
-            </a:r>
-          </a:p>
-          <a:p>
-            <a:pPr>
-              <a:spcAft>
-                <a:spcPts val="1200"/>
-              </a:spcAft>
-              <a:buFont typeface="Wingdings" panose="05000000000000000000" pitchFamily="2" charset="2"/>
-              <a:buChar char="Ø"/>
-            </a:pPr>
-            <a:r>
-              <a:rPr lang="en-IN" sz="2000" dirty="0">
-                <a:latin typeface="Times New Roman" panose="02020603050405020304" pitchFamily="18" charset="0"/>
-                <a:cs typeface="Times New Roman" panose="02020603050405020304" pitchFamily="18" charset="0"/>
-              </a:rPr>
-              <a:t>Building the Semantic Analysis Framework? </a:t>
+              <a:t>Building the Semantic Analysis Framework</a:t>
             </a:r>
           </a:p>
           <a:p>
@@ -21003,7 +20881,7 @@
           <p:cNvPr id="3" name="Date Placeholder 2">
             <a:extLst>
               <a:ext uri="{FF2B5EF4-FFF2-40B4-BE49-F238E27FC236}">
-                <a16:creationId xmlns="" xmlns:a16="http://schemas.microsoft.com/office/drawing/2014/main" id="{6F6FE67F-B4AE-130A-A0F5-7AA39416E12D}"/>
+                <a16:creationId xmlns:a16="http://schemas.microsoft.com/office/drawing/2014/main" id="{6F6FE67F-B4AE-130A-A0F5-7AA39416E12D}"/>
               </a:ext>
             </a:extLst>
           </p:cNvPr>
@@ -21032,7 +20910,7 @@
           <p:cNvPr id="5" name="Footer Placeholder 4">
             <a:extLst>
               <a:ext uri="{FF2B5EF4-FFF2-40B4-BE49-F238E27FC236}">
-                <a16:creationId xmlns="" xmlns:a16="http://schemas.microsoft.com/office/drawing/2014/main" id="{732F6F3B-D0D9-275F-ED9A-93477D6CCAD9}"/>
+                <a16:creationId xmlns:a16="http://schemas.microsoft.com/office/drawing/2014/main" id="{732F6F3B-D0D9-275F-ED9A-93477D6CCAD9}"/>
               </a:ext>
             </a:extLst>
           </p:cNvPr>
@@ -21061,7 +20939,7 @@
           <p:cNvPr id="6" name="Slide Number Placeholder 5">
             <a:extLst>
               <a:ext uri="{FF2B5EF4-FFF2-40B4-BE49-F238E27FC236}">
-                <a16:creationId xmlns="" xmlns:a16="http://schemas.microsoft.com/office/drawing/2014/main" id="{19D96A6B-53EF-875C-E150-47F6072C77E6}"/>
+                <a16:creationId xmlns:a16="http://schemas.microsoft.com/office/drawing/2014/main" id="{19D96A6B-53EF-875C-E150-47F6072C77E6}"/>
               </a:ext>
             </a:extLst>
           </p:cNvPr>
@@ -21090,7 +20968,7 @@
           <p:cNvPr id="7" name="object 36">
             <a:extLst>
               <a:ext uri="{FF2B5EF4-FFF2-40B4-BE49-F238E27FC236}">
-                <a16:creationId xmlns="" xmlns:a16="http://schemas.microsoft.com/office/drawing/2014/main" id="{6DE9C0FF-9506-230A-E31C-89A29177B67F}"/>
+                <a16:creationId xmlns:a16="http://schemas.microsoft.com/office/drawing/2014/main" id="{6DE9C0FF-9506-230A-E31C-89A29177B67F}"/>
               </a:ext>
             </a:extLst>
           </p:cNvPr>
@@ -21118,7 +20996,7 @@
           <p:cNvPr id="10" name="Content Placeholder 8">
             <a:extLst>
               <a:ext uri="{FF2B5EF4-FFF2-40B4-BE49-F238E27FC236}">
-                <a16:creationId xmlns="" xmlns:a16="http://schemas.microsoft.com/office/drawing/2014/main" id="{AF846BE8-7BE2-3D33-3E4C-C7755DCC7D1F}"/>
+                <a16:creationId xmlns:a16="http://schemas.microsoft.com/office/drawing/2014/main" id="{AF846BE8-7BE2-3D33-3E4C-C7755DCC7D1F}"/>
               </a:ext>
             </a:extLst>
           </p:cNvPr>
@@ -21489,7 +21367,7 @@
           <p:cNvPr id="13" name="TextBox 12">
             <a:extLst>
               <a:ext uri="{FF2B5EF4-FFF2-40B4-BE49-F238E27FC236}">
-                <a16:creationId xmlns="" xmlns:a16="http://schemas.microsoft.com/office/drawing/2014/main" id="{40701F3E-4FEC-C14B-49F8-A5FED67EDADE}"/>
+                <a16:creationId xmlns:a16="http://schemas.microsoft.com/office/drawing/2014/main" id="{40701F3E-4FEC-C14B-49F8-A5FED67EDADE}"/>
               </a:ext>
             </a:extLst>
           </p:cNvPr>
@@ -21542,13 +21420,6 @@
   <p:clrMapOvr>
     <a:overrideClrMapping bg1="lt1" tx1="dk1" bg2="lt2" tx2="dk2" accent1="accent1" accent2="accent2" accent3="accent3" accent4="accent4" accent5="accent5" accent6="accent6" hlink="hlink" folHlink="folHlink"/>
   </p:clrMapOvr>
-  <p:timing>
-    <p:tnLst>
-      <p:par>
-        <p:cTn id="1" dur="indefinite" restart="never" nodeType="tmRoot"/>
-      </p:par>
-    </p:tnLst>
-  </p:timing>
 </p:sld>
 </file>
 
@@ -21574,7 +21445,7 @@
           <p:cNvPr id="3" name="Content Placeholder 2">
             <a:extLst>
               <a:ext uri="{FF2B5EF4-FFF2-40B4-BE49-F238E27FC236}">
-                <a16:creationId xmlns="" xmlns:a16="http://schemas.microsoft.com/office/drawing/2014/main" id="{1307F488-1F93-43BA-BA1E-2E1803BFCCD9}"/>
+                <a16:creationId xmlns:a16="http://schemas.microsoft.com/office/drawing/2014/main" id="{1307F488-1F93-43BA-BA1E-2E1803BFCCD9}"/>
               </a:ext>
             </a:extLst>
           </p:cNvPr>
@@ -21587,8 +21458,8 @@
         </p:nvSpPr>
         <p:spPr>
           <a:xfrm>
-            <a:off x="405354" y="2111604"/>
-            <a:ext cx="5748558" cy="4100660"/>
+            <a:off x="405355" y="1848465"/>
+            <a:ext cx="4559936" cy="4363799"/>
           </a:xfrm>
         </p:spPr>
         <p:txBody>
@@ -21597,53 +21468,71 @@
           </a:bodyPr>
           <a:lstStyle/>
           <a:p>
-            <a:pPr marL="0" indent="0" algn="just">
-              <a:buNone/>
+            <a:pPr lvl="1" algn="just">
+              <a:spcAft>
+                <a:spcPts val="600"/>
+              </a:spcAft>
             </a:pPr>
-            <a:endParaRPr lang="en-US" dirty="0">
-              <a:latin typeface="Times New Roman" panose="02020603050405020304" pitchFamily="18" charset="0"/>
-              <a:cs typeface="Times New Roman" panose="02020603050405020304" pitchFamily="18" charset="0"/>
-            </a:endParaRPr>
-          </a:p>
-          <a:p>
-            <a:pPr lvl="1"/>
             <a:r>
               <a:rPr lang="en-US" sz="1800" dirty="0">
                 <a:latin typeface="Times New Roman" pitchFamily="18" charset="0"/>
                 <a:cs typeface="Times New Roman" pitchFamily="18" charset="0"/>
               </a:rPr>
-              <a:t>Develop a scalable framework for Semantic Analysis of Textual Data focusing on words/phrases and/or documents comparisons using OpenAI embeddings and Cosine Similarity Algorithms. </a:t>
-            </a:r>
-          </a:p>
-          <a:p>
-            <a:pPr lvl="1"/>
+              <a:t>Develop a scalable framework for Semantic Similarity Analysis of Textual Data using OpenAI’s GPT for embeddings and Cosine similarity algorithm for distance calculation. </a:t>
+            </a:r>
+          </a:p>
+          <a:p>
+            <a:pPr lvl="1" algn="just">
+              <a:spcAft>
+                <a:spcPts val="600"/>
+              </a:spcAft>
+            </a:pPr>
             <a:r>
               <a:rPr lang="en-US" sz="1800" dirty="0">
                 <a:latin typeface="Times New Roman" pitchFamily="18" charset="0"/>
                 <a:cs typeface="Times New Roman" pitchFamily="18" charset="0"/>
               </a:rPr>
-              <a:t>The tool offers flexible preprocessing, ensuring contextually relevant similarity assessments. </a:t>
-            </a:r>
-          </a:p>
-          <a:p>
-            <a:pPr lvl="1"/>
+              <a:t>Enhanced accuracy of analysis through a flexible preprocessor. </a:t>
+            </a:r>
+          </a:p>
+          <a:p>
+            <a:pPr lvl="1" algn="just">
+              <a:spcAft>
+                <a:spcPts val="600"/>
+              </a:spcAft>
+            </a:pPr>
             <a:r>
               <a:rPr lang="en-US" sz="1800" dirty="0">
                 <a:latin typeface="Times New Roman" pitchFamily="18" charset="0"/>
                 <a:cs typeface="Times New Roman" pitchFamily="18" charset="0"/>
               </a:rPr>
-              <a:t>It demonstrates effectiveness in capturing semantic nuances with practical applications like resume filtering, admission categorization, and content classification. </a:t>
-            </a:r>
-          </a:p>
-          <a:p>
-            <a:pPr lvl="1"/>
+              <a:t>Visual tools enhance understanding of similarity metrics, promoting further research in natural language processing (NLP) tasks.</a:t>
+            </a:r>
+          </a:p>
+          <a:p>
+            <a:pPr lvl="1" algn="just">
+              <a:spcAft>
+                <a:spcPts val="600"/>
+              </a:spcAft>
+            </a:pPr>
             <a:r>
               <a:rPr lang="en-US" sz="1800" dirty="0">
                 <a:latin typeface="Times New Roman" pitchFamily="18" charset="0"/>
                 <a:cs typeface="Times New Roman" pitchFamily="18" charset="0"/>
               </a:rPr>
-              <a:t>Visual tools enhance understanding of similarity metrics, promoting further research in natural language processing.</a:t>
-            </a:r>
+              <a:t>Practical applications includes resume filtering, admission categorization, and content classification. </a:t>
+            </a:r>
+          </a:p>
+          <a:p>
+            <a:pPr lvl="1" algn="just">
+              <a:spcAft>
+                <a:spcPts val="600"/>
+              </a:spcAft>
+            </a:pPr>
+            <a:endParaRPr lang="en-US" sz="1800" dirty="0">
+              <a:latin typeface="Times New Roman" pitchFamily="18" charset="0"/>
+              <a:cs typeface="Times New Roman" pitchFamily="18" charset="0"/>
+            </a:endParaRPr>
           </a:p>
           <a:p>
             <a:endParaRPr lang="en-IN" dirty="0"/>
@@ -21655,7 +21544,7 @@
           <p:cNvPr id="4" name="Date Placeholder 3">
             <a:extLst>
               <a:ext uri="{FF2B5EF4-FFF2-40B4-BE49-F238E27FC236}">
-                <a16:creationId xmlns="" xmlns:a16="http://schemas.microsoft.com/office/drawing/2014/main" id="{9CEBC7AB-D379-ABBC-7D7B-E10BE6E3C334}"/>
+                <a16:creationId xmlns:a16="http://schemas.microsoft.com/office/drawing/2014/main" id="{9CEBC7AB-D379-ABBC-7D7B-E10BE6E3C334}"/>
               </a:ext>
             </a:extLst>
           </p:cNvPr>
@@ -21672,10 +21561,9 @@
           <a:lstStyle/>
           <a:p>
             <a:r>
-              <a:rPr lang="en-US"/>
+              <a:rPr lang="en-US" dirty="0"/>
               <a:t>3/22/2025</a:t>
             </a:r>
-            <a:endParaRPr lang="en-US" dirty="0"/>
           </a:p>
         </p:txBody>
       </p:sp>
@@ -21684,7 +21572,7 @@
           <p:cNvPr id="5" name="Footer Placeholder 4">
             <a:extLst>
               <a:ext uri="{FF2B5EF4-FFF2-40B4-BE49-F238E27FC236}">
-                <a16:creationId xmlns="" xmlns:a16="http://schemas.microsoft.com/office/drawing/2014/main" id="{5B97370A-7F33-AF62-F859-926D7C513900}"/>
+                <a16:creationId xmlns:a16="http://schemas.microsoft.com/office/drawing/2014/main" id="{5B97370A-7F33-AF62-F859-926D7C513900}"/>
               </a:ext>
             </a:extLst>
           </p:cNvPr>
@@ -21713,7 +21601,7 @@
           <p:cNvPr id="6" name="Slide Number Placeholder 5">
             <a:extLst>
               <a:ext uri="{FF2B5EF4-FFF2-40B4-BE49-F238E27FC236}">
-                <a16:creationId xmlns="" xmlns:a16="http://schemas.microsoft.com/office/drawing/2014/main" id="{DD1EA319-B41E-8142-4805-6EDDE687F541}"/>
+                <a16:creationId xmlns:a16="http://schemas.microsoft.com/office/drawing/2014/main" id="{DD1EA319-B41E-8142-4805-6EDDE687F541}"/>
               </a:ext>
             </a:extLst>
           </p:cNvPr>
@@ -21742,7 +21630,7 @@
           <p:cNvPr id="7" name="object 36">
             <a:extLst>
               <a:ext uri="{FF2B5EF4-FFF2-40B4-BE49-F238E27FC236}">
-                <a16:creationId xmlns="" xmlns:a16="http://schemas.microsoft.com/office/drawing/2014/main" id="{DBCE6FCE-521C-32B4-F9F1-A9F9B741186B}"/>
+                <a16:creationId xmlns:a16="http://schemas.microsoft.com/office/drawing/2014/main" id="{DBCE6FCE-521C-32B4-F9F1-A9F9B741186B}"/>
               </a:ext>
             </a:extLst>
           </p:cNvPr>
@@ -21865,13 +21753,6 @@
   <p:clrMapOvr>
     <a:masterClrMapping/>
   </p:clrMapOvr>
-  <p:timing>
-    <p:tnLst>
-      <p:par>
-        <p:cTn id="1" dur="indefinite" restart="never" nodeType="tmRoot"/>
-      </p:par>
-    </p:tnLst>
-  </p:timing>
 </p:sld>
 </file>
 
@@ -21897,7 +21778,7 @@
           <p:cNvPr id="4" name="Date Placeholder 3">
             <a:extLst>
               <a:ext uri="{FF2B5EF4-FFF2-40B4-BE49-F238E27FC236}">
-                <a16:creationId xmlns="" xmlns:a16="http://schemas.microsoft.com/office/drawing/2014/main" id="{4E00ED82-5DE3-74C0-937F-9FD3ACAD73A2}"/>
+                <a16:creationId xmlns:a16="http://schemas.microsoft.com/office/drawing/2014/main" id="{4E00ED82-5DE3-74C0-937F-9FD3ACAD73A2}"/>
               </a:ext>
             </a:extLst>
           </p:cNvPr>
@@ -21926,7 +21807,7 @@
           <p:cNvPr id="5" name="Footer Placeholder 4">
             <a:extLst>
               <a:ext uri="{FF2B5EF4-FFF2-40B4-BE49-F238E27FC236}">
-                <a16:creationId xmlns="" xmlns:a16="http://schemas.microsoft.com/office/drawing/2014/main" id="{2AEC4201-E3B7-3A3F-9BDA-3D80F5A7588B}"/>
+                <a16:creationId xmlns:a16="http://schemas.microsoft.com/office/drawing/2014/main" id="{2AEC4201-E3B7-3A3F-9BDA-3D80F5A7588B}"/>
               </a:ext>
             </a:extLst>
           </p:cNvPr>
@@ -21960,7 +21841,7 @@
           <p:cNvPr id="6" name="Slide Number Placeholder 5">
             <a:extLst>
               <a:ext uri="{FF2B5EF4-FFF2-40B4-BE49-F238E27FC236}">
-                <a16:creationId xmlns="" xmlns:a16="http://schemas.microsoft.com/office/drawing/2014/main" id="{15950A93-6DAE-0C0B-8FF1-62EDB1A23714}"/>
+                <a16:creationId xmlns:a16="http://schemas.microsoft.com/office/drawing/2014/main" id="{15950A93-6DAE-0C0B-8FF1-62EDB1A23714}"/>
               </a:ext>
             </a:extLst>
           </p:cNvPr>
@@ -21989,7 +21870,7 @@
           <p:cNvPr id="7" name="object 36">
             <a:extLst>
               <a:ext uri="{FF2B5EF4-FFF2-40B4-BE49-F238E27FC236}">
-                <a16:creationId xmlns="" xmlns:a16="http://schemas.microsoft.com/office/drawing/2014/main" id="{98D31EBA-B69B-4554-2E3A-C473FB1DC6AE}"/>
+                <a16:creationId xmlns:a16="http://schemas.microsoft.com/office/drawing/2014/main" id="{98D31EBA-B69B-4554-2E3A-C473FB1DC6AE}"/>
               </a:ext>
             </a:extLst>
           </p:cNvPr>
@@ -22017,7 +21898,7 @@
           <p:cNvPr id="10" name="Rectangle: Rounded Corners 9">
             <a:extLst>
               <a:ext uri="{FF2B5EF4-FFF2-40B4-BE49-F238E27FC236}">
-                <a16:creationId xmlns="" xmlns:a16="http://schemas.microsoft.com/office/drawing/2014/main" id="{75C57E34-7395-23D5-132C-4E9D4442EC93}"/>
+                <a16:creationId xmlns:a16="http://schemas.microsoft.com/office/drawing/2014/main" id="{75C57E34-7395-23D5-132C-4E9D4442EC93}"/>
               </a:ext>
             </a:extLst>
           </p:cNvPr>
@@ -22078,7 +21959,7 @@
           <p:cNvPr id="11" name="Rectangle: Rounded Corners 10">
             <a:extLst>
               <a:ext uri="{FF2B5EF4-FFF2-40B4-BE49-F238E27FC236}">
-                <a16:creationId xmlns="" xmlns:a16="http://schemas.microsoft.com/office/drawing/2014/main" id="{55780ACA-820D-E7DC-462F-D301E7DABBFF}"/>
+                <a16:creationId xmlns:a16="http://schemas.microsoft.com/office/drawing/2014/main" id="{55780ACA-820D-E7DC-462F-D301E7DABBFF}"/>
               </a:ext>
             </a:extLst>
           </p:cNvPr>
@@ -22139,7 +22020,7 @@
           <p:cNvPr id="12" name="Rectangle: Rounded Corners 11">
             <a:extLst>
               <a:ext uri="{FF2B5EF4-FFF2-40B4-BE49-F238E27FC236}">
-                <a16:creationId xmlns="" xmlns:a16="http://schemas.microsoft.com/office/drawing/2014/main" id="{B37CA8C2-2C44-210A-F845-90880DC31DD9}"/>
+                <a16:creationId xmlns:a16="http://schemas.microsoft.com/office/drawing/2014/main" id="{B37CA8C2-2C44-210A-F845-90880DC31DD9}"/>
               </a:ext>
             </a:extLst>
           </p:cNvPr>
@@ -22200,7 +22081,7 @@
           <p:cNvPr id="13" name="Rectangle: Rounded Corners 12">
             <a:extLst>
               <a:ext uri="{FF2B5EF4-FFF2-40B4-BE49-F238E27FC236}">
-                <a16:creationId xmlns="" xmlns:a16="http://schemas.microsoft.com/office/drawing/2014/main" id="{E3641130-070E-AC9A-F18F-9FAAE18C647F}"/>
+                <a16:creationId xmlns:a16="http://schemas.microsoft.com/office/drawing/2014/main" id="{E3641130-070E-AC9A-F18F-9FAAE18C647F}"/>
               </a:ext>
             </a:extLst>
           </p:cNvPr>
@@ -22262,7 +22143,7 @@
           <p:cNvPr id="14" name="Oval 13">
             <a:extLst>
               <a:ext uri="{FF2B5EF4-FFF2-40B4-BE49-F238E27FC236}">
-                <a16:creationId xmlns="" xmlns:a16="http://schemas.microsoft.com/office/drawing/2014/main" id="{22FD4298-A01D-84F6-5377-19F7435CA916}"/>
+                <a16:creationId xmlns:a16="http://schemas.microsoft.com/office/drawing/2014/main" id="{22FD4298-A01D-84F6-5377-19F7435CA916}"/>
               </a:ext>
             </a:extLst>
           </p:cNvPr>
@@ -22323,7 +22204,7 @@
           <p:cNvPr id="15" name="Rectangle: Rounded Corners 14">
             <a:extLst>
               <a:ext uri="{FF2B5EF4-FFF2-40B4-BE49-F238E27FC236}">
-                <a16:creationId xmlns="" xmlns:a16="http://schemas.microsoft.com/office/drawing/2014/main" id="{A5F91BE4-A65D-BA4A-8C99-2A2B26DABC33}"/>
+                <a16:creationId xmlns:a16="http://schemas.microsoft.com/office/drawing/2014/main" id="{A5F91BE4-A65D-BA4A-8C99-2A2B26DABC33}"/>
               </a:ext>
             </a:extLst>
           </p:cNvPr>
@@ -22394,7 +22275,7 @@
           <p:cNvPr id="16" name="Rectangle: Rounded Corners 15">
             <a:extLst>
               <a:ext uri="{FF2B5EF4-FFF2-40B4-BE49-F238E27FC236}">
-                <a16:creationId xmlns="" xmlns:a16="http://schemas.microsoft.com/office/drawing/2014/main" id="{B45C759E-4CE6-9257-A3F6-32F477940F92}"/>
+                <a16:creationId xmlns:a16="http://schemas.microsoft.com/office/drawing/2014/main" id="{B45C759E-4CE6-9257-A3F6-32F477940F92}"/>
               </a:ext>
             </a:extLst>
           </p:cNvPr>
@@ -22465,7 +22346,7 @@
           <p:cNvPr id="18" name="Straight Arrow Connector 17">
             <a:extLst>
               <a:ext uri="{FF2B5EF4-FFF2-40B4-BE49-F238E27FC236}">
-                <a16:creationId xmlns="" xmlns:a16="http://schemas.microsoft.com/office/drawing/2014/main" id="{7E4616F7-8934-6547-69E5-9E7EF7BAFCFD}"/>
+                <a16:creationId xmlns:a16="http://schemas.microsoft.com/office/drawing/2014/main" id="{7E4616F7-8934-6547-69E5-9E7EF7BAFCFD}"/>
               </a:ext>
             </a:extLst>
           </p:cNvPr>
@@ -22519,7 +22400,7 @@
           <p:cNvPr id="20" name="Straight Arrow Connector 19">
             <a:extLst>
               <a:ext uri="{FF2B5EF4-FFF2-40B4-BE49-F238E27FC236}">
-                <a16:creationId xmlns="" xmlns:a16="http://schemas.microsoft.com/office/drawing/2014/main" id="{0FF534DE-F0B9-FA2E-9982-24AD5D5D8DA2}"/>
+                <a16:creationId xmlns:a16="http://schemas.microsoft.com/office/drawing/2014/main" id="{0FF534DE-F0B9-FA2E-9982-24AD5D5D8DA2}"/>
               </a:ext>
             </a:extLst>
           </p:cNvPr>
@@ -22573,7 +22454,7 @@
           <p:cNvPr id="22" name="Straight Arrow Connector 21">
             <a:extLst>
               <a:ext uri="{FF2B5EF4-FFF2-40B4-BE49-F238E27FC236}">
-                <a16:creationId xmlns="" xmlns:a16="http://schemas.microsoft.com/office/drawing/2014/main" id="{2DF69568-E523-862B-52EF-6DA3B7636F1C}"/>
+                <a16:creationId xmlns:a16="http://schemas.microsoft.com/office/drawing/2014/main" id="{2DF69568-E523-862B-52EF-6DA3B7636F1C}"/>
               </a:ext>
             </a:extLst>
           </p:cNvPr>
@@ -22625,7 +22506,7 @@
           <p:cNvPr id="24" name="Straight Arrow Connector 23">
             <a:extLst>
               <a:ext uri="{FF2B5EF4-FFF2-40B4-BE49-F238E27FC236}">
-                <a16:creationId xmlns="" xmlns:a16="http://schemas.microsoft.com/office/drawing/2014/main" id="{ABA37825-FCD0-B010-C026-965EDA3C9A30}"/>
+                <a16:creationId xmlns:a16="http://schemas.microsoft.com/office/drawing/2014/main" id="{ABA37825-FCD0-B010-C026-965EDA3C9A30}"/>
               </a:ext>
             </a:extLst>
           </p:cNvPr>
@@ -22677,7 +22558,7 @@
           <p:cNvPr id="25" name="Straight Arrow Connector 24">
             <a:extLst>
               <a:ext uri="{FF2B5EF4-FFF2-40B4-BE49-F238E27FC236}">
-                <a16:creationId xmlns="" xmlns:a16="http://schemas.microsoft.com/office/drawing/2014/main" id="{4FD4C4FC-6A75-EA4D-2E3B-9CA75969E2B0}"/>
+                <a16:creationId xmlns:a16="http://schemas.microsoft.com/office/drawing/2014/main" id="{4FD4C4FC-6A75-EA4D-2E3B-9CA75969E2B0}"/>
               </a:ext>
             </a:extLst>
           </p:cNvPr>
@@ -22729,7 +22610,7 @@
           <p:cNvPr id="26" name="Straight Arrow Connector 25">
             <a:extLst>
               <a:ext uri="{FF2B5EF4-FFF2-40B4-BE49-F238E27FC236}">
-                <a16:creationId xmlns="" xmlns:a16="http://schemas.microsoft.com/office/drawing/2014/main" id="{9AB40F2B-75B8-DF7C-E8B0-535D29655FC7}"/>
+                <a16:creationId xmlns:a16="http://schemas.microsoft.com/office/drawing/2014/main" id="{9AB40F2B-75B8-DF7C-E8B0-535D29655FC7}"/>
               </a:ext>
             </a:extLst>
           </p:cNvPr>
@@ -22807,7 +22688,45 @@
                 <a:latin typeface="Times New Roman" pitchFamily="18" charset="0"/>
                 <a:cs typeface="Times New Roman" pitchFamily="18" charset="0"/>
               </a:rPr>
-              <a:t>TYPES OF TEXTUAL SIMILARITY</a:t>
+              <a:t>INTRODUCTION</a:t>
+            </a:r>
+          </a:p>
+        </p:txBody>
+      </p:sp>
+      <p:sp>
+        <p:nvSpPr>
+          <p:cNvPr id="2" name="TextBox 1">
+            <a:extLst>
+              <a:ext uri="{FF2B5EF4-FFF2-40B4-BE49-F238E27FC236}">
+                <a16:creationId xmlns:a16="http://schemas.microsoft.com/office/drawing/2014/main" id="{2E4343A3-0179-1EEA-7569-7A23DC9DACCB}"/>
+              </a:ext>
+            </a:extLst>
+          </p:cNvPr>
+          <p:cNvSpPr txBox="1"/>
+          <p:nvPr/>
+        </p:nvSpPr>
+        <p:spPr>
+          <a:xfrm>
+            <a:off x="516741" y="1856449"/>
+            <a:ext cx="5048921" cy="523220"/>
+          </a:xfrm>
+          <a:prstGeom prst="rect">
+            <a:avLst/>
+          </a:prstGeom>
+          <a:noFill/>
+        </p:spPr>
+        <p:txBody>
+          <a:bodyPr wrap="square" rtlCol="0">
+            <a:spAutoFit/>
+          </a:bodyPr>
+          <a:lstStyle/>
+          <a:p>
+            <a:r>
+              <a:rPr lang="en-IN" sz="2800" b="1" i="1" dirty="0">
+                <a:latin typeface="Times New Roman" panose="02020603050405020304" pitchFamily="18" charset="0"/>
+                <a:cs typeface="Times New Roman" panose="02020603050405020304" pitchFamily="18" charset="0"/>
+              </a:rPr>
+              <a:t>A) Types of textual similarity :</a:t>
             </a:r>
           </a:p>
         </p:txBody>
@@ -22822,13 +22741,6 @@
   <p:clrMapOvr>
     <a:masterClrMapping/>
   </p:clrMapOvr>
-  <p:timing>
-    <p:tnLst>
-      <p:par>
-        <p:cTn id="1" dur="indefinite" restart="never" nodeType="tmRoot"/>
-      </p:par>
-    </p:tnLst>
-  </p:timing>
 </p:sld>
 </file>
 
@@ -22854,7 +22766,7 @@
           <p:cNvPr id="3" name="Content Placeholder 2">
             <a:extLst>
               <a:ext uri="{FF2B5EF4-FFF2-40B4-BE49-F238E27FC236}">
-                <a16:creationId xmlns="" xmlns:a16="http://schemas.microsoft.com/office/drawing/2014/main" id="{5E5EF051-5812-FB3C-6221-D942871D5A18}"/>
+                <a16:creationId xmlns:a16="http://schemas.microsoft.com/office/drawing/2014/main" id="{5E5EF051-5812-FB3C-6221-D942871D5A18}"/>
               </a:ext>
             </a:extLst>
           </p:cNvPr>
@@ -22867,8 +22779,8 @@
         </p:nvSpPr>
         <p:spPr>
           <a:xfrm>
-            <a:off x="473039" y="2231138"/>
-            <a:ext cx="7226210" cy="4090131"/>
+            <a:off x="473039" y="2460337"/>
+            <a:ext cx="7226210" cy="3860932"/>
           </a:xfrm>
         </p:spPr>
         <p:txBody>
@@ -22877,9 +22789,8 @@
           </a:bodyPr>
           <a:lstStyle/>
           <a:p>
-            <a:pPr>
-              <a:buFont typeface="Wingdings" panose="05000000000000000000" pitchFamily="2" charset="2"/>
-              <a:buChar char="v"/>
+            <a:pPr marL="0" indent="0">
+              <a:buNone/>
             </a:pPr>
             <a:endParaRPr lang="en-US" sz="2000" dirty="0">
               <a:solidFill>
@@ -23025,7 +22936,7 @@
           <p:cNvPr id="4" name="Date Placeholder 3">
             <a:extLst>
               <a:ext uri="{FF2B5EF4-FFF2-40B4-BE49-F238E27FC236}">
-                <a16:creationId xmlns="" xmlns:a16="http://schemas.microsoft.com/office/drawing/2014/main" id="{76E0C649-3678-D32A-9DF9-63F87B873993}"/>
+                <a16:creationId xmlns:a16="http://schemas.microsoft.com/office/drawing/2014/main" id="{76E0C649-3678-D32A-9DF9-63F87B873993}"/>
               </a:ext>
             </a:extLst>
           </p:cNvPr>
@@ -23054,7 +22965,7 @@
           <p:cNvPr id="5" name="Footer Placeholder 4">
             <a:extLst>
               <a:ext uri="{FF2B5EF4-FFF2-40B4-BE49-F238E27FC236}">
-                <a16:creationId xmlns="" xmlns:a16="http://schemas.microsoft.com/office/drawing/2014/main" id="{B4C064DF-9D78-D733-7848-05D907DDE07F}"/>
+                <a16:creationId xmlns:a16="http://schemas.microsoft.com/office/drawing/2014/main" id="{B4C064DF-9D78-D733-7848-05D907DDE07F}"/>
               </a:ext>
             </a:extLst>
           </p:cNvPr>
@@ -23083,7 +22994,7 @@
           <p:cNvPr id="6" name="Slide Number Placeholder 5">
             <a:extLst>
               <a:ext uri="{FF2B5EF4-FFF2-40B4-BE49-F238E27FC236}">
-                <a16:creationId xmlns="" xmlns:a16="http://schemas.microsoft.com/office/drawing/2014/main" id="{D3901C69-E983-8101-1483-B68828E126E7}"/>
+                <a16:creationId xmlns:a16="http://schemas.microsoft.com/office/drawing/2014/main" id="{D3901C69-E983-8101-1483-B68828E126E7}"/>
               </a:ext>
             </a:extLst>
           </p:cNvPr>
@@ -23112,7 +23023,7 @@
           <p:cNvPr id="7" name="object 36">
             <a:extLst>
               <a:ext uri="{FF2B5EF4-FFF2-40B4-BE49-F238E27FC236}">
-                <a16:creationId xmlns="" xmlns:a16="http://schemas.microsoft.com/office/drawing/2014/main" id="{FA7BE382-DB69-C373-9AF0-0977B573EC47}"/>
+                <a16:creationId xmlns:a16="http://schemas.microsoft.com/office/drawing/2014/main" id="{FA7BE382-DB69-C373-9AF0-0977B573EC47}"/>
               </a:ext>
             </a:extLst>
           </p:cNvPr>
@@ -23140,7 +23051,7 @@
           <p:cNvPr id="9" name="TextBox 8">
             <a:extLst>
               <a:ext uri="{FF2B5EF4-FFF2-40B4-BE49-F238E27FC236}">
-                <a16:creationId xmlns="" xmlns:a16="http://schemas.microsoft.com/office/drawing/2014/main" id="{D58820B5-7650-5458-B8CB-E2E1047763F9}"/>
+                <a16:creationId xmlns:a16="http://schemas.microsoft.com/office/drawing/2014/main" id="{D58820B5-7650-5458-B8CB-E2E1047763F9}"/>
               </a:ext>
             </a:extLst>
           </p:cNvPr>
@@ -23149,7 +23060,7 @@
         </p:nvSpPr>
         <p:spPr>
           <a:xfrm>
-            <a:off x="481582" y="774667"/>
+            <a:off x="473039" y="1937117"/>
             <a:ext cx="6096000" cy="523220"/>
           </a:xfrm>
           <a:prstGeom prst="rect">
@@ -23165,13 +23076,10 @@
           <a:p>
             <a:r>
               <a:rPr lang="en-IN" sz="2800" b="1" i="1" dirty="0">
-                <a:solidFill>
-                  <a:schemeClr val="bg1"/>
-                </a:solidFill>
                 <a:latin typeface="Times New Roman" pitchFamily="18" charset="0"/>
                 <a:cs typeface="Times New Roman" pitchFamily="18" charset="0"/>
               </a:rPr>
-              <a:t>WHAT IS SEMANTIC SIMILARITY?</a:t>
+              <a:t>B) What is semantic similarity?</a:t>
             </a:r>
           </a:p>
         </p:txBody>
@@ -23242,7 +23150,7 @@
         </p:blipFill>
         <p:spPr>
           <a:xfrm>
-            <a:off x="7411699" y="2546253"/>
+            <a:off x="7421531" y="2546253"/>
             <a:ext cx="4903257" cy="4055636"/>
           </a:xfrm>
           <a:prstGeom prst="rect">
@@ -23277,13 +23185,6 @@
   <p:clrMapOvr>
     <a:masterClrMapping/>
   </p:clrMapOvr>
-  <p:timing>
-    <p:tnLst>
-      <p:par>
-        <p:cTn id="1" dur="indefinite" restart="never" nodeType="tmRoot"/>
-      </p:par>
-    </p:tnLst>
-  </p:timing>
 </p:sld>
 </file>
 
@@ -23309,7 +23210,7 @@
           <p:cNvPr id="4" name="Date Placeholder 3">
             <a:extLst>
               <a:ext uri="{FF2B5EF4-FFF2-40B4-BE49-F238E27FC236}">
-                <a16:creationId xmlns="" xmlns:a16="http://schemas.microsoft.com/office/drawing/2014/main" id="{34A34AD2-A078-8B84-7685-63E633684552}"/>
+                <a16:creationId xmlns:a16="http://schemas.microsoft.com/office/drawing/2014/main" id="{34A34AD2-A078-8B84-7685-63E633684552}"/>
               </a:ext>
             </a:extLst>
           </p:cNvPr>
@@ -23338,7 +23239,7 @@
           <p:cNvPr id="5" name="Footer Placeholder 4">
             <a:extLst>
               <a:ext uri="{FF2B5EF4-FFF2-40B4-BE49-F238E27FC236}">
-                <a16:creationId xmlns="" xmlns:a16="http://schemas.microsoft.com/office/drawing/2014/main" id="{B663D9A7-FBD3-DA6F-BFC0-5114588AEA56}"/>
+                <a16:creationId xmlns:a16="http://schemas.microsoft.com/office/drawing/2014/main" id="{B663D9A7-FBD3-DA6F-BFC0-5114588AEA56}"/>
               </a:ext>
             </a:extLst>
           </p:cNvPr>
@@ -23367,7 +23268,7 @@
           <p:cNvPr id="6" name="Slide Number Placeholder 5">
             <a:extLst>
               <a:ext uri="{FF2B5EF4-FFF2-40B4-BE49-F238E27FC236}">
-                <a16:creationId xmlns="" xmlns:a16="http://schemas.microsoft.com/office/drawing/2014/main" id="{C81F8D8F-FA09-49C8-869C-7C31B9A14318}"/>
+                <a16:creationId xmlns:a16="http://schemas.microsoft.com/office/drawing/2014/main" id="{C81F8D8F-FA09-49C8-869C-7C31B9A14318}"/>
               </a:ext>
             </a:extLst>
           </p:cNvPr>
@@ -23396,7 +23297,7 @@
           <p:cNvPr id="7" name="object 36">
             <a:extLst>
               <a:ext uri="{FF2B5EF4-FFF2-40B4-BE49-F238E27FC236}">
-                <a16:creationId xmlns="" xmlns:a16="http://schemas.microsoft.com/office/drawing/2014/main" id="{D08A56D9-F6F0-530F-024C-8008D52661DC}"/>
+                <a16:creationId xmlns:a16="http://schemas.microsoft.com/office/drawing/2014/main" id="{D08A56D9-F6F0-530F-024C-8008D52661DC}"/>
               </a:ext>
             </a:extLst>
           </p:cNvPr>
@@ -23424,7 +23325,7 @@
           <p:cNvPr id="11" name="Rectangle: Rounded Corners 10">
             <a:extLst>
               <a:ext uri="{FF2B5EF4-FFF2-40B4-BE49-F238E27FC236}">
-                <a16:creationId xmlns="" xmlns:a16="http://schemas.microsoft.com/office/drawing/2014/main" id="{9C3E76A4-4A12-B436-9416-E61A2C553F14}"/>
+                <a16:creationId xmlns:a16="http://schemas.microsoft.com/office/drawing/2014/main" id="{9C3E76A4-4A12-B436-9416-E61A2C553F14}"/>
               </a:ext>
             </a:extLst>
           </p:cNvPr>
@@ -23498,7 +23399,7 @@
           <p:cNvPr id="12" name="Rectangle: Rounded Corners 11">
             <a:extLst>
               <a:ext uri="{FF2B5EF4-FFF2-40B4-BE49-F238E27FC236}">
-                <a16:creationId xmlns="" xmlns:a16="http://schemas.microsoft.com/office/drawing/2014/main" id="{9CB20146-7872-10D6-4F15-C7F192DEC86B}"/>
+                <a16:creationId xmlns:a16="http://schemas.microsoft.com/office/drawing/2014/main" id="{9CB20146-7872-10D6-4F15-C7F192DEC86B}"/>
               </a:ext>
             </a:extLst>
           </p:cNvPr>
@@ -23580,7 +23481,7 @@
           <p:cNvPr id="13" name="Rectangle: Rounded Corners 12">
             <a:extLst>
               <a:ext uri="{FF2B5EF4-FFF2-40B4-BE49-F238E27FC236}">
-                <a16:creationId xmlns="" xmlns:a16="http://schemas.microsoft.com/office/drawing/2014/main" id="{97E0F6B4-B947-4054-07DB-70B3296A3E91}"/>
+                <a16:creationId xmlns:a16="http://schemas.microsoft.com/office/drawing/2014/main" id="{97E0F6B4-B947-4054-07DB-70B3296A3E91}"/>
               </a:ext>
             </a:extLst>
           </p:cNvPr>
@@ -23654,7 +23555,7 @@
           <p:cNvPr id="14" name="Rectangle: Rounded Corners 13">
             <a:extLst>
               <a:ext uri="{FF2B5EF4-FFF2-40B4-BE49-F238E27FC236}">
-                <a16:creationId xmlns="" xmlns:a16="http://schemas.microsoft.com/office/drawing/2014/main" id="{A49A78C9-7A42-2FAC-F431-1AC205158C14}"/>
+                <a16:creationId xmlns:a16="http://schemas.microsoft.com/office/drawing/2014/main" id="{A49A78C9-7A42-2FAC-F431-1AC205158C14}"/>
               </a:ext>
             </a:extLst>
           </p:cNvPr>
@@ -23663,7 +23564,7 @@
         </p:nvSpPr>
         <p:spPr>
           <a:xfrm>
-            <a:off x="5921939" y="2560896"/>
+            <a:off x="5921939" y="2447498"/>
             <a:ext cx="4753897" cy="4199190"/>
           </a:xfrm>
           <a:prstGeom prst="roundRect">
@@ -24072,7 +23973,7 @@
                 <a:latin typeface="Times New Roman" pitchFamily="18" charset="0"/>
                 <a:cs typeface="Times New Roman" pitchFamily="18" charset="0"/>
               </a:rPr>
-              <a:t>WHY CHOOSE OPEN AI’S GPT?</a:t>
+              <a:t>WHY  OPEN AI GPT?</a:t>
             </a:r>
           </a:p>
         </p:txBody>
@@ -24087,13 +23988,6 @@
   <p:clrMapOvr>
     <a:masterClrMapping/>
   </p:clrMapOvr>
-  <p:timing>
-    <p:tnLst>
-      <p:par>
-        <p:cTn id="1" dur="indefinite" restart="never" nodeType="tmRoot"/>
-      </p:par>
-    </p:tnLst>
-  </p:timing>
 </p:sld>
 </file>
 
@@ -24119,7 +24013,7 @@
           <p:cNvPr id="3" name="Content Placeholder 2">
             <a:extLst>
               <a:ext uri="{FF2B5EF4-FFF2-40B4-BE49-F238E27FC236}">
-                <a16:creationId xmlns="" xmlns:a16="http://schemas.microsoft.com/office/drawing/2014/main" id="{FBDF475D-44BB-8865-9BE2-0B3426A2AECC}"/>
+                <a16:creationId xmlns:a16="http://schemas.microsoft.com/office/drawing/2014/main" id="{FBDF475D-44BB-8865-9BE2-0B3426A2AECC}"/>
               </a:ext>
             </a:extLst>
           </p:cNvPr>
@@ -24130,18 +24024,26 @@
             <p:ph idx="1"/>
           </p:nvPr>
         </p:nvSpPr>
-        <p:spPr/>
+        <p:spPr>
+          <a:xfrm>
+            <a:off x="258185" y="2064774"/>
+            <a:ext cx="6201609" cy="4185390"/>
+          </a:xfrm>
+        </p:spPr>
         <p:txBody>
           <a:bodyPr>
-            <a:normAutofit fontScale="77500" lnSpcReduction="20000"/>
+            <a:normAutofit fontScale="70000" lnSpcReduction="20000"/>
           </a:bodyPr>
           <a:lstStyle/>
           <a:p>
             <a:pPr marL="0" indent="0">
+              <a:spcAft>
+                <a:spcPts val="600"/>
+              </a:spcAft>
               <a:buNone/>
             </a:pPr>
             <a:r>
-              <a:rPr lang="en-US" sz="2000" b="1" dirty="0">
+              <a:rPr lang="en-US" sz="2000" b="1" i="1" dirty="0">
                 <a:latin typeface="Times New Roman" pitchFamily="18" charset="0"/>
                 <a:cs typeface="Times New Roman" pitchFamily="18" charset="0"/>
               </a:rPr>
@@ -24149,6 +24051,11 @@
             </a:r>
           </a:p>
           <a:p>
+            <a:pPr>
+              <a:spcAft>
+                <a:spcPts val="600"/>
+              </a:spcAft>
+            </a:pPr>
             <a:r>
               <a:rPr lang="en-US" sz="2000" b="1" dirty="0">
                 <a:latin typeface="Times New Roman" pitchFamily="18" charset="0"/>
@@ -24284,7 +24191,7 @@
           <p:cNvPr id="4" name="Date Placeholder 3">
             <a:extLst>
               <a:ext uri="{FF2B5EF4-FFF2-40B4-BE49-F238E27FC236}">
-                <a16:creationId xmlns="" xmlns:a16="http://schemas.microsoft.com/office/drawing/2014/main" id="{7CF5AE7A-8774-EBF6-5593-20F674538A91}"/>
+                <a16:creationId xmlns:a16="http://schemas.microsoft.com/office/drawing/2014/main" id="{7CF5AE7A-8774-EBF6-5593-20F674538A91}"/>
               </a:ext>
             </a:extLst>
           </p:cNvPr>
@@ -24313,7 +24220,7 @@
           <p:cNvPr id="5" name="Footer Placeholder 4">
             <a:extLst>
               <a:ext uri="{FF2B5EF4-FFF2-40B4-BE49-F238E27FC236}">
-                <a16:creationId xmlns="" xmlns:a16="http://schemas.microsoft.com/office/drawing/2014/main" id="{AFAF775F-65A5-731E-9C2C-AE12BDCD50C2}"/>
+                <a16:creationId xmlns:a16="http://schemas.microsoft.com/office/drawing/2014/main" id="{AFAF775F-65A5-731E-9C2C-AE12BDCD50C2}"/>
               </a:ext>
             </a:extLst>
           </p:cNvPr>
@@ -24341,7 +24248,7 @@
           <p:cNvPr id="6" name="Slide Number Placeholder 5">
             <a:extLst>
               <a:ext uri="{FF2B5EF4-FFF2-40B4-BE49-F238E27FC236}">
-                <a16:creationId xmlns="" xmlns:a16="http://schemas.microsoft.com/office/drawing/2014/main" id="{61036DC0-C761-CC57-C767-23A75202A7DF}"/>
+                <a16:creationId xmlns:a16="http://schemas.microsoft.com/office/drawing/2014/main" id="{61036DC0-C761-CC57-C767-23A75202A7DF}"/>
               </a:ext>
             </a:extLst>
           </p:cNvPr>
@@ -24370,7 +24277,7 @@
           <p:cNvPr id="7" name="object 36">
             <a:extLst>
               <a:ext uri="{FF2B5EF4-FFF2-40B4-BE49-F238E27FC236}">
-                <a16:creationId xmlns="" xmlns:a16="http://schemas.microsoft.com/office/drawing/2014/main" id="{A3EAD820-CCC8-FA3F-1848-898EBDB7DD9A}"/>
+                <a16:creationId xmlns:a16="http://schemas.microsoft.com/office/drawing/2014/main" id="{A3EAD820-CCC8-FA3F-1848-898EBDB7DD9A}"/>
               </a:ext>
             </a:extLst>
           </p:cNvPr>
@@ -24508,6 +24415,41 @@
           </a:p>
         </p:txBody>
       </p:sp>
+      <p:pic>
+        <p:nvPicPr>
+          <p:cNvPr id="10" name="Picture 9">
+            <a:extLst>
+              <a:ext uri="{FF2B5EF4-FFF2-40B4-BE49-F238E27FC236}">
+                <a16:creationId xmlns:a16="http://schemas.microsoft.com/office/drawing/2014/main" id="{5037BB4A-86CC-FBCF-8EA6-CEEAC8D67F45}"/>
+              </a:ext>
+            </a:extLst>
+          </p:cNvPr>
+          <p:cNvPicPr>
+            <a:picLocks noChangeAspect="1"/>
+          </p:cNvPicPr>
+          <p:nvPr/>
+        </p:nvPicPr>
+        <p:blipFill>
+          <a:blip r:embed="rId3">
+            <a:alphaModFix amt="70000"/>
+          </a:blip>
+          <a:stretch>
+            <a:fillRect/>
+          </a:stretch>
+        </p:blipFill>
+        <p:spPr>
+          <a:xfrm>
+            <a:off x="6263148" y="1514168"/>
+            <a:ext cx="5928852" cy="4809149"/>
+          </a:xfrm>
+          <a:prstGeom prst="rect">
+            <a:avLst/>
+          </a:prstGeom>
+          <a:effectLst>
+            <a:softEdge rad="317500"/>
+          </a:effectLst>
+        </p:spPr>
+      </p:pic>
     </p:spTree>
     <p:extLst>
       <p:ext uri="{BB962C8B-B14F-4D97-AF65-F5344CB8AC3E}">
@@ -24518,13 +24460,6 @@
   <p:clrMapOvr>
     <a:masterClrMapping/>
   </p:clrMapOvr>
-  <p:timing>
-    <p:tnLst>
-      <p:par>
-        <p:cTn id="1" dur="indefinite" restart="never" nodeType="tmRoot"/>
-      </p:par>
-    </p:tnLst>
-  </p:timing>
 </p:sld>
 </file>
 
@@ -24547,199 +24482,10 @@
       </p:grpSpPr>
       <p:sp>
         <p:nvSpPr>
-          <p:cNvPr id="3" name="Content Placeholder 2">
-            <a:extLst>
-              <a:ext uri="{FF2B5EF4-FFF2-40B4-BE49-F238E27FC236}">
-                <a16:creationId xmlns="" xmlns:a16="http://schemas.microsoft.com/office/drawing/2014/main" id="{0EBB6E88-30F3-A9FB-1491-4B3CADB617A2}"/>
-              </a:ext>
-            </a:extLst>
-          </p:cNvPr>
-          <p:cNvSpPr>
-            <a:spLocks noGrp="1"/>
-          </p:cNvSpPr>
-          <p:nvPr>
-            <p:ph idx="1"/>
-          </p:nvPr>
-        </p:nvSpPr>
-        <p:spPr>
-          <a:xfrm>
-            <a:off x="628865" y="2035276"/>
-            <a:ext cx="10972800" cy="4325112"/>
-          </a:xfrm>
-        </p:spPr>
-        <p:txBody>
-          <a:bodyPr>
-            <a:noAutofit/>
-          </a:bodyPr>
-          <a:lstStyle/>
-          <a:p>
-            <a:pPr marL="0" indent="0">
-              <a:buNone/>
-            </a:pPr>
-            <a:r>
-              <a:rPr lang="en-US" sz="1800" b="1" dirty="0">
-                <a:latin typeface="Times New Roman" pitchFamily="18" charset="0"/>
-                <a:cs typeface="Times New Roman" pitchFamily="18" charset="0"/>
-              </a:rPr>
-              <a:t>Objective:</a:t>
-            </a:r>
-            <a:endParaRPr lang="en-US" sz="1800" dirty="0">
-              <a:latin typeface="Times New Roman" pitchFamily="18" charset="0"/>
-              <a:cs typeface="Times New Roman" pitchFamily="18" charset="0"/>
-            </a:endParaRPr>
-          </a:p>
-          <a:p>
-            <a:pPr lvl="1"/>
-            <a:r>
-              <a:rPr lang="en-US" sz="1800" dirty="0">
-                <a:latin typeface="Times New Roman" pitchFamily="18" charset="0"/>
-                <a:cs typeface="Times New Roman" pitchFamily="18" charset="0"/>
-              </a:rPr>
-              <a:t>Comparing documents to establish contextual relevance between them.</a:t>
-            </a:r>
-          </a:p>
-          <a:p>
-            <a:pPr lvl="1"/>
-            <a:r>
-              <a:rPr lang="en-US" sz="1800" dirty="0">
-                <a:latin typeface="Times New Roman" pitchFamily="18" charset="0"/>
-                <a:cs typeface="Times New Roman" pitchFamily="18" charset="0"/>
-              </a:rPr>
-              <a:t>Example Use Case:</a:t>
-            </a:r>
-          </a:p>
-          <a:p>
-            <a:pPr lvl="2"/>
-            <a:r>
-              <a:rPr lang="en-US" sz="1800" dirty="0">
-                <a:latin typeface="Times New Roman" pitchFamily="18" charset="0"/>
-                <a:cs typeface="Times New Roman" pitchFamily="18" charset="0"/>
-              </a:rPr>
-              <a:t>Source Document: JobRequirement.txt</a:t>
-            </a:r>
-          </a:p>
-          <a:p>
-            <a:pPr lvl="2"/>
-            <a:r>
-              <a:rPr lang="en-US" sz="1800" dirty="0">
-                <a:latin typeface="Times New Roman" pitchFamily="18" charset="0"/>
-                <a:cs typeface="Times New Roman" pitchFamily="18" charset="0"/>
-              </a:rPr>
-              <a:t>Target Documents: Job Profile A, Job Profile B</a:t>
-            </a:r>
-          </a:p>
-          <a:p>
-            <a:pPr marL="0" indent="0">
-              <a:buNone/>
-            </a:pPr>
-            <a:r>
-              <a:rPr lang="en-US" sz="1800" b="1" dirty="0">
-                <a:latin typeface="Times New Roman" pitchFamily="18" charset="0"/>
-                <a:cs typeface="Times New Roman" pitchFamily="18" charset="0"/>
-              </a:rPr>
-              <a:t>Dynamic Document Comparison:</a:t>
-            </a:r>
-            <a:endParaRPr lang="en-US" sz="1800" dirty="0">
-              <a:latin typeface="Times New Roman" pitchFamily="18" charset="0"/>
-              <a:cs typeface="Times New Roman" pitchFamily="18" charset="0"/>
-            </a:endParaRPr>
-          </a:p>
-          <a:p>
-            <a:pPr lvl="1"/>
-            <a:r>
-              <a:rPr lang="en-US" sz="1700" dirty="0">
-                <a:latin typeface="Times New Roman" pitchFamily="18" charset="0"/>
-                <a:cs typeface="Times New Roman" pitchFamily="18" charset="0"/>
-              </a:rPr>
-              <a:t>Allows users to add documents via File Manager or custom UI integration.</a:t>
-            </a:r>
-          </a:p>
-          <a:p>
-            <a:pPr lvl="1"/>
-            <a:r>
-              <a:rPr lang="en-US" sz="1700" dirty="0">
-                <a:latin typeface="Times New Roman" pitchFamily="18" charset="0"/>
-                <a:cs typeface="Times New Roman" pitchFamily="18" charset="0"/>
-              </a:rPr>
-              <a:t>Application supports dynamic comparison for usability and research.</a:t>
-            </a:r>
-          </a:p>
-          <a:p>
-            <a:pPr lvl="1"/>
-            <a:endParaRPr lang="en-US" sz="1800" dirty="0">
-              <a:latin typeface="Times New Roman" pitchFamily="18" charset="0"/>
-              <a:cs typeface="Times New Roman" pitchFamily="18" charset="0"/>
-            </a:endParaRPr>
-          </a:p>
-          <a:p>
-            <a:pPr marL="0" indent="0">
-              <a:buNone/>
-            </a:pPr>
-            <a:r>
-              <a:rPr lang="en-US" sz="1800" b="1" dirty="0">
-                <a:latin typeface="Times New Roman" pitchFamily="18" charset="0"/>
-                <a:cs typeface="Times New Roman" pitchFamily="18" charset="0"/>
-              </a:rPr>
-              <a:t>Threshold Management</a:t>
-            </a:r>
-          </a:p>
-          <a:p>
-            <a:pPr marL="0" indent="0">
-              <a:buNone/>
-            </a:pPr>
-            <a:r>
-              <a:rPr lang="en-US" sz="1800" b="1" dirty="0">
-                <a:latin typeface="Times New Roman" pitchFamily="18" charset="0"/>
-                <a:cs typeface="Times New Roman" pitchFamily="18" charset="0"/>
-              </a:rPr>
-              <a:t>Purpose:</a:t>
-            </a:r>
-            <a:endParaRPr lang="en-US" sz="1800" dirty="0">
-              <a:latin typeface="Times New Roman" pitchFamily="18" charset="0"/>
-              <a:cs typeface="Times New Roman" pitchFamily="18" charset="0"/>
-            </a:endParaRPr>
-          </a:p>
-          <a:p>
-            <a:pPr lvl="1"/>
-            <a:r>
-              <a:rPr lang="en-US" sz="1800" dirty="0">
-                <a:latin typeface="Times New Roman" pitchFamily="18" charset="0"/>
-                <a:cs typeface="Times New Roman" pitchFamily="18" charset="0"/>
-              </a:rPr>
-              <a:t>Define a threshold while visualization for meaningful similarity measurement.</a:t>
-            </a:r>
-          </a:p>
-          <a:p>
-            <a:pPr lvl="1"/>
-            <a:r>
-              <a:rPr lang="en-US" sz="1800" dirty="0">
-                <a:latin typeface="Times New Roman" pitchFamily="18" charset="0"/>
-                <a:cs typeface="Times New Roman" pitchFamily="18" charset="0"/>
-              </a:rPr>
-              <a:t>Allow application admin to manage thresholds for different use cases.</a:t>
-            </a:r>
-          </a:p>
-          <a:p>
-            <a:pPr lvl="1"/>
-            <a:endParaRPr lang="en-US" sz="1800" dirty="0">
-              <a:latin typeface="Times New Roman" pitchFamily="18" charset="0"/>
-              <a:cs typeface="Times New Roman" pitchFamily="18" charset="0"/>
-            </a:endParaRPr>
-          </a:p>
-          <a:p>
-            <a:endParaRPr lang="en-IN" sz="1800" dirty="0">
-              <a:latin typeface="Times New Roman" pitchFamily="18" charset="0"/>
-              <a:cs typeface="Times New Roman" pitchFamily="18" charset="0"/>
-            </a:endParaRPr>
-          </a:p>
-        </p:txBody>
-      </p:sp>
-      <p:sp>
-        <p:nvSpPr>
           <p:cNvPr id="4" name="Date Placeholder 3">
             <a:extLst>
               <a:ext uri="{FF2B5EF4-FFF2-40B4-BE49-F238E27FC236}">
-                <a16:creationId xmlns="" xmlns:a16="http://schemas.microsoft.com/office/drawing/2014/main" id="{F5458BE2-4091-6B25-C206-57DF197392BD}"/>
+                <a16:creationId xmlns:a16="http://schemas.microsoft.com/office/drawing/2014/main" id="{F5458BE2-4091-6B25-C206-57DF197392BD}"/>
               </a:ext>
             </a:extLst>
           </p:cNvPr>
@@ -24768,7 +24514,7 @@
           <p:cNvPr id="5" name="Footer Placeholder 4">
             <a:extLst>
               <a:ext uri="{FF2B5EF4-FFF2-40B4-BE49-F238E27FC236}">
-                <a16:creationId xmlns="" xmlns:a16="http://schemas.microsoft.com/office/drawing/2014/main" id="{687050F4-3735-0D62-71CE-A2973E144C23}"/>
+                <a16:creationId xmlns:a16="http://schemas.microsoft.com/office/drawing/2014/main" id="{687050F4-3735-0D62-71CE-A2973E144C23}"/>
               </a:ext>
             </a:extLst>
           </p:cNvPr>
@@ -24796,7 +24542,7 @@
           <p:cNvPr id="6" name="Slide Number Placeholder 5">
             <a:extLst>
               <a:ext uri="{FF2B5EF4-FFF2-40B4-BE49-F238E27FC236}">
-                <a16:creationId xmlns="" xmlns:a16="http://schemas.microsoft.com/office/drawing/2014/main" id="{E2F30AA2-1BDC-9612-25F5-5484EA47332D}"/>
+                <a16:creationId xmlns:a16="http://schemas.microsoft.com/office/drawing/2014/main" id="{E2F30AA2-1BDC-9612-25F5-5484EA47332D}"/>
               </a:ext>
             </a:extLst>
           </p:cNvPr>
@@ -24825,7 +24571,7 @@
           <p:cNvPr id="7" name="object 36">
             <a:extLst>
               <a:ext uri="{FF2B5EF4-FFF2-40B4-BE49-F238E27FC236}">
-                <a16:creationId xmlns="" xmlns:a16="http://schemas.microsoft.com/office/drawing/2014/main" id="{E9599073-DCB5-EEF7-CB00-99F6AC67CD77}"/>
+                <a16:creationId xmlns:a16="http://schemas.microsoft.com/office/drawing/2014/main" id="{E9599073-DCB5-EEF7-CB00-99F6AC67CD77}"/>
               </a:ext>
             </a:extLst>
           </p:cNvPr>
@@ -24850,7 +24596,13 @@
       </p:pic>
       <p:sp>
         <p:nvSpPr>
-          <p:cNvPr id="2" name="Title 1"/>
+          <p:cNvPr id="23" name="Title 22">
+            <a:extLst>
+              <a:ext uri="{FF2B5EF4-FFF2-40B4-BE49-F238E27FC236}">
+                <a16:creationId xmlns:a16="http://schemas.microsoft.com/office/drawing/2014/main" id="{494C4C6B-F43C-988F-4AEC-459A72FE788D}"/>
+              </a:ext>
+            </a:extLst>
+          </p:cNvPr>
           <p:cNvSpPr>
             <a:spLocks noGrp="1"/>
           </p:cNvSpPr>
@@ -24867,12 +24619,208 @@
           <a:p>
             <a:pPr algn="l"/>
             <a:r>
-              <a:rPr lang="en-US" sz="2800" b="1" i="1" dirty="0">
+              <a:rPr lang="en-IN" sz="2800" b="1" i="1" dirty="0">
+                <a:latin typeface="Times New Roman" panose="02020603050405020304" pitchFamily="18" charset="0"/>
+                <a:cs typeface="Times New Roman" panose="02020603050405020304" pitchFamily="18" charset="0"/>
+              </a:rPr>
+              <a:t>DOCUMENT COMPARISON ANALYSIS</a:t>
+            </a:r>
+            <a:br>
+              <a:rPr lang="en-IN" sz="4400" dirty="0">
+                <a:latin typeface="Times New Roman" panose="02020603050405020304" pitchFamily="18" charset="0"/>
+                <a:cs typeface="Times New Roman" panose="02020603050405020304" pitchFamily="18" charset="0"/>
+              </a:rPr>
+            </a:br>
+            <a:endParaRPr lang="en-IN" dirty="0"/>
+          </a:p>
+        </p:txBody>
+      </p:sp>
+      <p:sp>
+        <p:nvSpPr>
+          <p:cNvPr id="27" name="Content Placeholder 2">
+            <a:extLst>
+              <a:ext uri="{FF2B5EF4-FFF2-40B4-BE49-F238E27FC236}">
+                <a16:creationId xmlns:a16="http://schemas.microsoft.com/office/drawing/2014/main" id="{CA1CA501-E0E6-FC11-13E4-6D0993C34F48}"/>
+              </a:ext>
+            </a:extLst>
+          </p:cNvPr>
+          <p:cNvSpPr>
+            <a:spLocks noGrp="1"/>
+          </p:cNvSpPr>
+          <p:nvPr>
+            <p:ph idx="1"/>
+          </p:nvPr>
+        </p:nvSpPr>
+        <p:spPr>
+          <a:xfrm>
+            <a:off x="628865" y="2035276"/>
+            <a:ext cx="10972800" cy="4325112"/>
+          </a:xfrm>
+        </p:spPr>
+        <p:txBody>
+          <a:bodyPr>
+            <a:noAutofit/>
+          </a:bodyPr>
+          <a:lstStyle/>
+          <a:p>
+            <a:pPr marL="0" indent="0">
+              <a:buNone/>
+            </a:pPr>
+            <a:r>
+              <a:rPr lang="en-US" sz="1800" b="1" dirty="0">
                 <a:latin typeface="Times New Roman" pitchFamily="18" charset="0"/>
                 <a:cs typeface="Times New Roman" pitchFamily="18" charset="0"/>
               </a:rPr>
-              <a:t>DOCUMENT COMPARISON ANALYSIS</a:t>
-            </a:r>
+              <a:t>Objective:</a:t>
+            </a:r>
+            <a:endParaRPr lang="en-US" sz="1800" dirty="0">
+              <a:latin typeface="Times New Roman" pitchFamily="18" charset="0"/>
+              <a:cs typeface="Times New Roman" pitchFamily="18" charset="0"/>
+            </a:endParaRPr>
+          </a:p>
+          <a:p>
+            <a:pPr lvl="1"/>
+            <a:r>
+              <a:rPr lang="en-US" sz="1800" dirty="0">
+                <a:latin typeface="Times New Roman" pitchFamily="18" charset="0"/>
+                <a:cs typeface="Times New Roman" pitchFamily="18" charset="0"/>
+              </a:rPr>
+              <a:t>Comparing documents to establish contextual relevance between them.</a:t>
+            </a:r>
+          </a:p>
+          <a:p>
+            <a:pPr lvl="1"/>
+            <a:r>
+              <a:rPr lang="en-US" sz="1800" dirty="0">
+                <a:latin typeface="Times New Roman" pitchFamily="18" charset="0"/>
+                <a:cs typeface="Times New Roman" pitchFamily="18" charset="0"/>
+              </a:rPr>
+              <a:t>Example Use Case:</a:t>
+            </a:r>
+          </a:p>
+          <a:p>
+            <a:pPr lvl="2"/>
+            <a:r>
+              <a:rPr lang="en-US" sz="1800" dirty="0">
+                <a:latin typeface="Times New Roman" pitchFamily="18" charset="0"/>
+                <a:cs typeface="Times New Roman" pitchFamily="18" charset="0"/>
+              </a:rPr>
+              <a:t>Source Document: JobRequirement.txt</a:t>
+            </a:r>
+          </a:p>
+          <a:p>
+            <a:pPr lvl="2"/>
+            <a:r>
+              <a:rPr lang="en-US" sz="1800" dirty="0">
+                <a:latin typeface="Times New Roman" pitchFamily="18" charset="0"/>
+                <a:cs typeface="Times New Roman" pitchFamily="18" charset="0"/>
+              </a:rPr>
+              <a:t>Target Documents: Job Profile A, Job Profile B</a:t>
+            </a:r>
+          </a:p>
+          <a:p>
+            <a:pPr marL="0" indent="0">
+              <a:buNone/>
+            </a:pPr>
+            <a:r>
+              <a:rPr lang="en-US" sz="1800" b="1" dirty="0">
+                <a:latin typeface="Times New Roman" pitchFamily="18" charset="0"/>
+                <a:cs typeface="Times New Roman" pitchFamily="18" charset="0"/>
+              </a:rPr>
+              <a:t>Dynamic Document Comparison:</a:t>
+            </a:r>
+            <a:endParaRPr lang="en-US" sz="1800" dirty="0">
+              <a:latin typeface="Times New Roman" pitchFamily="18" charset="0"/>
+              <a:cs typeface="Times New Roman" pitchFamily="18" charset="0"/>
+            </a:endParaRPr>
+          </a:p>
+          <a:p>
+            <a:pPr lvl="1"/>
+            <a:r>
+              <a:rPr lang="en-US" sz="1700" dirty="0">
+                <a:latin typeface="Times New Roman" pitchFamily="18" charset="0"/>
+                <a:cs typeface="Times New Roman" pitchFamily="18" charset="0"/>
+              </a:rPr>
+              <a:t>Allows users to add documents via File Manager or custom UI integration.</a:t>
+            </a:r>
+          </a:p>
+          <a:p>
+            <a:pPr lvl="1"/>
+            <a:r>
+              <a:rPr lang="en-US" sz="1700" dirty="0">
+                <a:latin typeface="Times New Roman" pitchFamily="18" charset="0"/>
+                <a:cs typeface="Times New Roman" pitchFamily="18" charset="0"/>
+              </a:rPr>
+              <a:t>Application supports dynamic comparison for usability and research.</a:t>
+            </a:r>
+          </a:p>
+          <a:p>
+            <a:pPr lvl="1"/>
+            <a:endParaRPr lang="en-US" sz="1800" dirty="0">
+              <a:latin typeface="Times New Roman" pitchFamily="18" charset="0"/>
+              <a:cs typeface="Times New Roman" pitchFamily="18" charset="0"/>
+            </a:endParaRPr>
+          </a:p>
+          <a:p>
+            <a:pPr marL="0" indent="0">
+              <a:buNone/>
+            </a:pPr>
+            <a:r>
+              <a:rPr lang="en-US" sz="1800" b="1" dirty="0">
+                <a:latin typeface="Times New Roman" pitchFamily="18" charset="0"/>
+                <a:cs typeface="Times New Roman" pitchFamily="18" charset="0"/>
+              </a:rPr>
+              <a:t>Threshold Management</a:t>
+            </a:r>
+          </a:p>
+          <a:p>
+            <a:pPr marL="0" indent="0">
+              <a:buNone/>
+            </a:pPr>
+            <a:r>
+              <a:rPr lang="en-US" sz="1800" b="1" dirty="0">
+                <a:latin typeface="Times New Roman" pitchFamily="18" charset="0"/>
+                <a:cs typeface="Times New Roman" pitchFamily="18" charset="0"/>
+              </a:rPr>
+              <a:t>Purpose:</a:t>
+            </a:r>
+            <a:endParaRPr lang="en-US" sz="1800" dirty="0">
+              <a:latin typeface="Times New Roman" pitchFamily="18" charset="0"/>
+              <a:cs typeface="Times New Roman" pitchFamily="18" charset="0"/>
+            </a:endParaRPr>
+          </a:p>
+          <a:p>
+            <a:pPr lvl="1"/>
+            <a:r>
+              <a:rPr lang="en-US" sz="1800" dirty="0">
+                <a:latin typeface="Times New Roman" pitchFamily="18" charset="0"/>
+                <a:cs typeface="Times New Roman" pitchFamily="18" charset="0"/>
+              </a:rPr>
+              <a:t>Define a threshold while visualization for meaningful similarity measurement.</a:t>
+            </a:r>
+          </a:p>
+          <a:p>
+            <a:pPr lvl="1"/>
+            <a:r>
+              <a:rPr lang="en-US" sz="1800" dirty="0">
+                <a:latin typeface="Times New Roman" pitchFamily="18" charset="0"/>
+                <a:cs typeface="Times New Roman" pitchFamily="18" charset="0"/>
+              </a:rPr>
+              <a:t>Allow application admin to manage thresholds for different use cases.</a:t>
+            </a:r>
+          </a:p>
+          <a:p>
+            <a:pPr lvl="1"/>
+            <a:endParaRPr lang="en-US" sz="1800" dirty="0">
+              <a:latin typeface="Times New Roman" pitchFamily="18" charset="0"/>
+              <a:cs typeface="Times New Roman" pitchFamily="18" charset="0"/>
+            </a:endParaRPr>
+          </a:p>
+          <a:p>
+            <a:endParaRPr lang="en-IN" sz="1800" dirty="0">
+              <a:latin typeface="Times New Roman" pitchFamily="18" charset="0"/>
+              <a:cs typeface="Times New Roman" pitchFamily="18" charset="0"/>
+            </a:endParaRPr>
           </a:p>
         </p:txBody>
       </p:sp>
@@ -24886,13 +24834,6 @@
   <p:clrMapOvr>
     <a:masterClrMapping/>
   </p:clrMapOvr>
-  <p:timing>
-    <p:tnLst>
-      <p:par>
-        <p:cTn id="1" dur="indefinite" restart="never" nodeType="tmRoot"/>
-      </p:par>
-    </p:tnLst>
-  </p:timing>
 </p:sld>
 </file>
 
@@ -24918,7 +24859,7 @@
           <p:cNvPr id="3" name="Content Placeholder 2">
             <a:extLst>
               <a:ext uri="{FF2B5EF4-FFF2-40B4-BE49-F238E27FC236}">
-                <a16:creationId xmlns="" xmlns:a16="http://schemas.microsoft.com/office/drawing/2014/main" id="{82D36B1B-B36C-203C-974A-6A4FC1B14786}"/>
+                <a16:creationId xmlns:a16="http://schemas.microsoft.com/office/drawing/2014/main" id="{82D36B1B-B36C-203C-974A-6A4FC1B14786}"/>
               </a:ext>
             </a:extLst>
           </p:cNvPr>
@@ -24945,13 +24886,13 @@
               <a:buNone/>
             </a:pPr>
             <a:r>
-              <a:rPr lang="en-US" sz="2000" b="1" dirty="0">
+              <a:rPr lang="en-US" sz="2000" b="1" i="1" dirty="0">
                 <a:latin typeface="Times New Roman" pitchFamily="18" charset="0"/>
                 <a:cs typeface="Times New Roman" pitchFamily="18" charset="0"/>
               </a:rPr>
               <a:t>Generating Embeddings:</a:t>
             </a:r>
-            <a:endParaRPr lang="en-US" sz="2000" dirty="0">
+            <a:endParaRPr lang="en-US" sz="2000" i="1" dirty="0">
               <a:latin typeface="Times New Roman" pitchFamily="18" charset="0"/>
               <a:cs typeface="Times New Roman" pitchFamily="18" charset="0"/>
             </a:endParaRPr>
@@ -24991,13 +24932,13 @@
               <a:buNone/>
             </a:pPr>
             <a:r>
-              <a:rPr lang="en-US" sz="2000" b="1" dirty="0">
+              <a:rPr lang="en-US" sz="2000" b="1" i="1" dirty="0">
                 <a:latin typeface="Times New Roman" pitchFamily="18" charset="0"/>
                 <a:cs typeface="Times New Roman" pitchFamily="18" charset="0"/>
               </a:rPr>
               <a:t>Embedding Analysis:</a:t>
             </a:r>
-            <a:endParaRPr lang="en-US" sz="2000" dirty="0">
+            <a:endParaRPr lang="en-US" sz="2000" i="1" dirty="0">
               <a:latin typeface="Times New Roman" pitchFamily="18" charset="0"/>
               <a:cs typeface="Times New Roman" pitchFamily="18" charset="0"/>
             </a:endParaRPr>
@@ -25027,13 +24968,13 @@
               <a:buNone/>
             </a:pPr>
             <a:r>
-              <a:rPr lang="en-US" sz="2000" b="1" dirty="0">
+              <a:rPr lang="en-US" sz="2000" b="1" i="1" dirty="0">
                 <a:latin typeface="Times New Roman" pitchFamily="18" charset="0"/>
                 <a:cs typeface="Times New Roman" pitchFamily="18" charset="0"/>
               </a:rPr>
               <a:t>Similarity Calculation:</a:t>
             </a:r>
-            <a:endParaRPr lang="en-US" sz="2000" dirty="0">
+            <a:endParaRPr lang="en-US" sz="2000" i="1" dirty="0">
               <a:latin typeface="Times New Roman" pitchFamily="18" charset="0"/>
               <a:cs typeface="Times New Roman" pitchFamily="18" charset="0"/>
             </a:endParaRPr>
@@ -25091,7 +25032,7 @@
           <p:cNvPr id="4" name="Date Placeholder 3">
             <a:extLst>
               <a:ext uri="{FF2B5EF4-FFF2-40B4-BE49-F238E27FC236}">
-                <a16:creationId xmlns="" xmlns:a16="http://schemas.microsoft.com/office/drawing/2014/main" id="{1191A514-3164-88B6-3599-F64FF4888C71}"/>
+                <a16:creationId xmlns:a16="http://schemas.microsoft.com/office/drawing/2014/main" id="{1191A514-3164-88B6-3599-F64FF4888C71}"/>
               </a:ext>
             </a:extLst>
           </p:cNvPr>
@@ -25119,7 +25060,7 @@
           <p:cNvPr id="5" name="Footer Placeholder 4">
             <a:extLst>
               <a:ext uri="{FF2B5EF4-FFF2-40B4-BE49-F238E27FC236}">
-                <a16:creationId xmlns="" xmlns:a16="http://schemas.microsoft.com/office/drawing/2014/main" id="{45498C87-BB2E-BA92-5659-850E9A94B899}"/>
+                <a16:creationId xmlns:a16="http://schemas.microsoft.com/office/drawing/2014/main" id="{45498C87-BB2E-BA92-5659-850E9A94B899}"/>
               </a:ext>
             </a:extLst>
           </p:cNvPr>
@@ -25147,7 +25088,7 @@
           <p:cNvPr id="6" name="Slide Number Placeholder 5">
             <a:extLst>
               <a:ext uri="{FF2B5EF4-FFF2-40B4-BE49-F238E27FC236}">
-                <a16:creationId xmlns="" xmlns:a16="http://schemas.microsoft.com/office/drawing/2014/main" id="{750AE21A-3BDE-240C-FF68-6D6623026BD8}"/>
+                <a16:creationId xmlns:a16="http://schemas.microsoft.com/office/drawing/2014/main" id="{750AE21A-3BDE-240C-FF68-6D6623026BD8}"/>
               </a:ext>
             </a:extLst>
           </p:cNvPr>
@@ -25176,7 +25117,7 @@
           <p:cNvPr id="7" name="object 36">
             <a:extLst>
               <a:ext uri="{FF2B5EF4-FFF2-40B4-BE49-F238E27FC236}">
-                <a16:creationId xmlns="" xmlns:a16="http://schemas.microsoft.com/office/drawing/2014/main" id="{D5A51CBC-B63F-CF5C-240E-9423A6D8292B}"/>
+                <a16:creationId xmlns:a16="http://schemas.microsoft.com/office/drawing/2014/main" id="{D5A51CBC-B63F-CF5C-240E-9423A6D8292B}"/>
               </a:ext>
             </a:extLst>
           </p:cNvPr>
@@ -25290,13 +25231,6 @@
   <p:clrMapOvr>
     <a:masterClrMapping/>
   </p:clrMapOvr>
-  <p:timing>
-    <p:tnLst>
-      <p:par>
-        <p:cTn id="1" dur="indefinite" restart="never" nodeType="tmRoot"/>
-      </p:par>
-    </p:tnLst>
-  </p:timing>
 </p:sld>
 </file>
 
@@ -25885,7 +25819,7 @@
   <a:extraClrSchemeLst/>
   <a:extLst>
     <a:ext uri="{05A4C25C-085E-4340-85A3-A5531E510DB2}">
-      <thm15:themeFamily xmlns="" xmlns:thm15="http://schemas.microsoft.com/office/thememl/2012/main" name="Office Theme" id="{62F939B6-93AF-4DB8-9C6B-D6C7DFDC589F}" vid="{4A3C46E8-61CC-4603-A589-7422A47A8E4A}"/>
+      <thm15:themeFamily xmlns:thm15="http://schemas.microsoft.com/office/thememl/2012/main" name="Office Theme" id="{62F939B6-93AF-4DB8-9C6B-D6C7DFDC589F}" vid="{4A3C46E8-61CC-4603-A589-7422A47A8E4A}"/>
     </a:ext>
   </a:extLst>
 </a:theme>

--- a/SemanticAnalysisTextualData/SemanticAnalysisTextualData/Documentation/SemanticAnalysisTextualData.pptx
+++ b/SemanticAnalysisTextualData/SemanticAnalysisTextualData/Documentation/SemanticAnalysisTextualData.pptx
@@ -14,12 +14,12 @@
     <p:sldId id="271" r:id="rId8"/>
     <p:sldId id="272" r:id="rId9"/>
     <p:sldId id="273" r:id="rId10"/>
-    <p:sldId id="266" r:id="rId11"/>
-    <p:sldId id="261" r:id="rId12"/>
-    <p:sldId id="262" r:id="rId13"/>
-    <p:sldId id="263" r:id="rId14"/>
+    <p:sldId id="268" r:id="rId11"/>
+    <p:sldId id="266" r:id="rId12"/>
+    <p:sldId id="261" r:id="rId13"/>
+    <p:sldId id="262" r:id="rId14"/>
     <p:sldId id="267" r:id="rId15"/>
-    <p:sldId id="268" r:id="rId16"/>
+    <p:sldId id="263" r:id="rId16"/>
     <p:sldId id="269" r:id="rId17"/>
     <p:sldId id="270" r:id="rId18"/>
     <p:sldId id="275" r:id="rId19"/>
@@ -224,7 +224,7 @@
           <a:p>
             <a:fld id="{11D6DB3B-771A-44D2-8BEC-BC172A3E87DE}" type="datetimeFigureOut">
               <a:rPr lang="en-IN" smtClean="0"/>
-              <a:t>26-03-2025</a:t>
+              <a:t>27-03-2025</a:t>
             </a:fld>
             <a:endParaRPr lang="en-IN" dirty="0"/>
           </a:p>
@@ -730,7 +730,7 @@
           <a:p>
             <a:fld id="{106FC5E7-C775-4A1D-8BF3-EABAF5DEA073}" type="slidenum">
               <a:rPr lang="en-IN" smtClean="0"/>
-              <a:t>8</a:t>
+              <a:t>9</a:t>
             </a:fld>
             <a:endParaRPr lang="en-IN" dirty="0"/>
           </a:p>
@@ -16063,6 +16063,1722 @@
           <p:cNvPr id="3" name="Content Placeholder 2">
             <a:extLst>
               <a:ext uri="{FF2B5EF4-FFF2-40B4-BE49-F238E27FC236}">
+                <a16:creationId xmlns:a16="http://schemas.microsoft.com/office/drawing/2014/main" id="{82D36B1B-B36C-203C-974A-6A4FC1B14786}"/>
+              </a:ext>
+            </a:extLst>
+          </p:cNvPr>
+          <p:cNvSpPr>
+            <a:spLocks noGrp="1"/>
+          </p:cNvSpPr>
+          <p:nvPr>
+            <p:ph idx="1"/>
+          </p:nvPr>
+        </p:nvSpPr>
+        <p:spPr>
+          <a:xfrm>
+            <a:off x="394661" y="2648035"/>
+            <a:ext cx="9877777" cy="3450696"/>
+          </a:xfrm>
+        </p:spPr>
+        <p:txBody>
+          <a:bodyPr>
+            <a:normAutofit fontScale="85000" lnSpcReduction="20000"/>
+          </a:bodyPr>
+          <a:lstStyle/>
+          <a:p>
+            <a:pPr marL="0" indent="0">
+              <a:buNone/>
+            </a:pPr>
+            <a:r>
+              <a:rPr lang="en-US" sz="2000" b="1" i="1" dirty="0">
+                <a:latin typeface="Times New Roman" pitchFamily="18" charset="0"/>
+                <a:cs typeface="Times New Roman" pitchFamily="18" charset="0"/>
+              </a:rPr>
+              <a:t>Generating Embeddings:</a:t>
+            </a:r>
+            <a:endParaRPr lang="en-US" sz="2000" i="1" dirty="0">
+              <a:latin typeface="Times New Roman" pitchFamily="18" charset="0"/>
+              <a:cs typeface="Times New Roman" pitchFamily="18" charset="0"/>
+            </a:endParaRPr>
+          </a:p>
+          <a:p>
+            <a:pPr lvl="1"/>
+            <a:r>
+              <a:rPr lang="en-US" sz="2000" dirty="0">
+                <a:latin typeface="Times New Roman" pitchFamily="18" charset="0"/>
+                <a:cs typeface="Times New Roman" pitchFamily="18" charset="0"/>
+              </a:rPr>
+              <a:t>Interface: CalculateEmbeddingAsync</a:t>
+            </a:r>
+          </a:p>
+          <a:p>
+            <a:pPr lvl="1"/>
+            <a:r>
+              <a:rPr lang="en-US" sz="2000" dirty="0">
+                <a:latin typeface="Times New Roman" pitchFamily="18" charset="0"/>
+                <a:cs typeface="Times New Roman" pitchFamily="18" charset="0"/>
+              </a:rPr>
+              <a:t>Purpose: Processes text inputs &amp; generates embeddings using OpenAI Embeddings.</a:t>
+            </a:r>
+          </a:p>
+          <a:p>
+            <a:pPr lvl="1"/>
+            <a:r>
+              <a:rPr lang="en-US" sz="2000" dirty="0">
+                <a:latin typeface="Times New Roman" pitchFamily="18" charset="0"/>
+                <a:cs typeface="Times New Roman" pitchFamily="18" charset="0"/>
+              </a:rPr>
+              <a:t>Method: GenerateEmbeddingsAsync() returns embeddings as collections of size 3052.</a:t>
+            </a:r>
+          </a:p>
+          <a:p>
+            <a:pPr marL="0" indent="0">
+              <a:buNone/>
+            </a:pPr>
+            <a:r>
+              <a:rPr lang="en-US" sz="2000" b="1" i="1" dirty="0">
+                <a:latin typeface="Times New Roman" pitchFamily="18" charset="0"/>
+                <a:cs typeface="Times New Roman" pitchFamily="18" charset="0"/>
+              </a:rPr>
+              <a:t>Embedding Analysis:</a:t>
+            </a:r>
+            <a:endParaRPr lang="en-US" sz="2000" i="1" dirty="0">
+              <a:latin typeface="Times New Roman" pitchFamily="18" charset="0"/>
+              <a:cs typeface="Times New Roman" pitchFamily="18" charset="0"/>
+            </a:endParaRPr>
+          </a:p>
+          <a:p>
+            <a:pPr lvl="1"/>
+            <a:r>
+              <a:rPr lang="en-US" sz="2000" dirty="0">
+                <a:latin typeface="Times New Roman" pitchFamily="18" charset="0"/>
+                <a:cs typeface="Times New Roman" pitchFamily="18" charset="0"/>
+              </a:rPr>
+              <a:t>Custom Method: PrintScalarValues(float[] embedding) for debugging and visualization.</a:t>
+            </a:r>
+          </a:p>
+          <a:p>
+            <a:pPr lvl="1"/>
+            <a:r>
+              <a:rPr lang="en-US" sz="2000" dirty="0">
+                <a:latin typeface="Times New Roman" pitchFamily="18" charset="0"/>
+                <a:cs typeface="Times New Roman" pitchFamily="18" charset="0"/>
+              </a:rPr>
+              <a:t>Helps in understanding similarity score vs. scalar values.</a:t>
+            </a:r>
+          </a:p>
+          <a:p>
+            <a:pPr marL="0" indent="0">
+              <a:buNone/>
+            </a:pPr>
+            <a:r>
+              <a:rPr lang="en-US" sz="2000" b="1" i="1" dirty="0">
+                <a:latin typeface="Times New Roman" pitchFamily="18" charset="0"/>
+                <a:cs typeface="Times New Roman" pitchFamily="18" charset="0"/>
+              </a:rPr>
+              <a:t>Similarity Calculation:</a:t>
+            </a:r>
+            <a:endParaRPr lang="en-US" sz="2000" i="1" dirty="0">
+              <a:latin typeface="Times New Roman" pitchFamily="18" charset="0"/>
+              <a:cs typeface="Times New Roman" pitchFamily="18" charset="0"/>
+            </a:endParaRPr>
+          </a:p>
+          <a:p>
+            <a:pPr lvl="1"/>
+            <a:r>
+              <a:rPr lang="en-US" sz="2000" dirty="0">
+                <a:latin typeface="Times New Roman" pitchFamily="18" charset="0"/>
+                <a:cs typeface="Times New Roman" pitchFamily="18" charset="0"/>
+              </a:rPr>
+              <a:t>Calculate Similarity(float[] embedding1, float[] embedding2)</a:t>
+            </a:r>
+          </a:p>
+          <a:p>
+            <a:pPr lvl="1"/>
+            <a:r>
+              <a:rPr lang="en-US" sz="2000" dirty="0">
+                <a:latin typeface="Times New Roman" pitchFamily="18" charset="0"/>
+                <a:cs typeface="Times New Roman" pitchFamily="18" charset="0"/>
+              </a:rPr>
+              <a:t>Uses Cosine Similarity Algorithm:</a:t>
+            </a:r>
+          </a:p>
+          <a:p>
+            <a:pPr lvl="2"/>
+            <a:r>
+              <a:rPr lang="en-US" sz="2000" dirty="0">
+                <a:latin typeface="Times New Roman" pitchFamily="18" charset="0"/>
+                <a:cs typeface="Times New Roman" pitchFamily="18" charset="0"/>
+              </a:rPr>
+              <a:t>1: Identical embeddings, 0: No similarity, -1: Complete dissimilarity.</a:t>
+            </a:r>
+          </a:p>
+          <a:p>
+            <a:pPr lvl="1"/>
+            <a:r>
+              <a:rPr lang="en-US" sz="2000" dirty="0">
+                <a:latin typeface="Times New Roman" pitchFamily="18" charset="0"/>
+                <a:cs typeface="Times New Roman" pitchFamily="18" charset="0"/>
+              </a:rPr>
+              <a:t>Formula: Cosine Similarity = Dot Product / (Magnitude1 * Magnitude2).</a:t>
+            </a:r>
+          </a:p>
+          <a:p>
+            <a:endParaRPr lang="en-IN" sz="2000" dirty="0">
+              <a:latin typeface="Times New Roman" pitchFamily="18" charset="0"/>
+              <a:cs typeface="Times New Roman" pitchFamily="18" charset="0"/>
+            </a:endParaRPr>
+          </a:p>
+        </p:txBody>
+      </p:sp>
+      <p:sp>
+        <p:nvSpPr>
+          <p:cNvPr id="4" name="Date Placeholder 3">
+            <a:extLst>
+              <a:ext uri="{FF2B5EF4-FFF2-40B4-BE49-F238E27FC236}">
+                <a16:creationId xmlns:a16="http://schemas.microsoft.com/office/drawing/2014/main" id="{1191A514-3164-88B6-3599-F64FF4888C71}"/>
+              </a:ext>
+            </a:extLst>
+          </p:cNvPr>
+          <p:cNvSpPr>
+            <a:spLocks noGrp="1"/>
+          </p:cNvSpPr>
+          <p:nvPr>
+            <p:ph type="dt" sz="half" idx="10"/>
+          </p:nvPr>
+        </p:nvSpPr>
+        <p:spPr/>
+        <p:txBody>
+          <a:bodyPr/>
+          <a:lstStyle/>
+          <a:p>
+            <a:r>
+              <a:rPr lang="en-US" dirty="0"/>
+              <a:t>3/22/2025</a:t>
+            </a:r>
+          </a:p>
+        </p:txBody>
+      </p:sp>
+      <p:sp>
+        <p:nvSpPr>
+          <p:cNvPr id="5" name="Footer Placeholder 4">
+            <a:extLst>
+              <a:ext uri="{FF2B5EF4-FFF2-40B4-BE49-F238E27FC236}">
+                <a16:creationId xmlns:a16="http://schemas.microsoft.com/office/drawing/2014/main" id="{45498C87-BB2E-BA92-5659-850E9A94B899}"/>
+              </a:ext>
+            </a:extLst>
+          </p:cNvPr>
+          <p:cNvSpPr>
+            <a:spLocks noGrp="1"/>
+          </p:cNvSpPr>
+          <p:nvPr>
+            <p:ph type="ftr" sz="quarter" idx="11"/>
+          </p:nvPr>
+        </p:nvSpPr>
+        <p:spPr/>
+        <p:txBody>
+          <a:bodyPr/>
+          <a:lstStyle/>
+          <a:p>
+            <a:r>
+              <a:rPr lang="en-US" dirty="0"/>
+              <a:t>Software Engineering</a:t>
+            </a:r>
+          </a:p>
+        </p:txBody>
+      </p:sp>
+      <p:sp>
+        <p:nvSpPr>
+          <p:cNvPr id="6" name="Slide Number Placeholder 5">
+            <a:extLst>
+              <a:ext uri="{FF2B5EF4-FFF2-40B4-BE49-F238E27FC236}">
+                <a16:creationId xmlns:a16="http://schemas.microsoft.com/office/drawing/2014/main" id="{750AE21A-3BDE-240C-FF68-6D6623026BD8}"/>
+              </a:ext>
+            </a:extLst>
+          </p:cNvPr>
+          <p:cNvSpPr>
+            <a:spLocks noGrp="1"/>
+          </p:cNvSpPr>
+          <p:nvPr>
+            <p:ph type="sldNum" sz="quarter" idx="12"/>
+          </p:nvPr>
+        </p:nvSpPr>
+        <p:spPr/>
+        <p:txBody>
+          <a:bodyPr/>
+          <a:lstStyle/>
+          <a:p>
+            <a:fld id="{3A98EE3D-8CD1-4C3F-BD1C-C98C9596463C}" type="slidenum">
+              <a:rPr lang="en-US" smtClean="0"/>
+              <a:t>10</a:t>
+            </a:fld>
+            <a:endParaRPr lang="en-US" dirty="0"/>
+          </a:p>
+        </p:txBody>
+      </p:sp>
+      <p:pic>
+        <p:nvPicPr>
+          <p:cNvPr id="7" name="object 36">
+            <a:extLst>
+              <a:ext uri="{FF2B5EF4-FFF2-40B4-BE49-F238E27FC236}">
+                <a16:creationId xmlns:a16="http://schemas.microsoft.com/office/drawing/2014/main" id="{D5A51CBC-B63F-CF5C-240E-9423A6D8292B}"/>
+              </a:ext>
+            </a:extLst>
+          </p:cNvPr>
+          <p:cNvPicPr/>
+          <p:nvPr/>
+        </p:nvPicPr>
+        <p:blipFill>
+          <a:blip r:embed="rId2" cstate="print"/>
+          <a:stretch>
+            <a:fillRect/>
+          </a:stretch>
+        </p:blipFill>
+        <p:spPr>
+          <a:xfrm>
+            <a:off x="9740862" y="583739"/>
+            <a:ext cx="1869948" cy="613176"/>
+          </a:xfrm>
+          <a:prstGeom prst="rect">
+            <a:avLst/>
+          </a:prstGeom>
+        </p:spPr>
+      </p:pic>
+      <p:sp>
+        <p:nvSpPr>
+          <p:cNvPr id="11" name="Title 1"/>
+          <p:cNvSpPr>
+            <a:spLocks noGrp="1"/>
+          </p:cNvSpPr>
+          <p:nvPr>
+            <p:ph type="title"/>
+          </p:nvPr>
+        </p:nvSpPr>
+        <p:spPr>
+          <a:xfrm>
+            <a:off x="376280" y="289805"/>
+            <a:ext cx="8209936" cy="1201043"/>
+          </a:xfrm>
+        </p:spPr>
+        <p:txBody>
+          <a:bodyPr>
+            <a:noAutofit/>
+          </a:bodyPr>
+          <a:lstStyle/>
+          <a:p>
+            <a:pPr algn="l"/>
+            <a:r>
+              <a:rPr lang="en-US" sz="2800" b="1" i="1" dirty="0">
+                <a:solidFill>
+                  <a:schemeClr val="bg1"/>
+                </a:solidFill>
+                <a:latin typeface="Times New Roman" pitchFamily="18" charset="0"/>
+                <a:cs typeface="Times New Roman" pitchFamily="18" charset="0"/>
+              </a:rPr>
+              <a:t>EMBEDDINGS AND SIMILARITY CALCULATION</a:t>
+            </a:r>
+            <a:endParaRPr lang="en-US" sz="2800" i="1" dirty="0">
+              <a:solidFill>
+                <a:schemeClr val="bg1"/>
+              </a:solidFill>
+              <a:latin typeface="Times New Roman" pitchFamily="18" charset="0"/>
+              <a:cs typeface="Times New Roman" pitchFamily="18" charset="0"/>
+            </a:endParaRPr>
+          </a:p>
+        </p:txBody>
+      </p:sp>
+      <p:pic>
+        <p:nvPicPr>
+          <p:cNvPr id="2" name="Picture 1"/>
+          <p:cNvPicPr>
+            <a:picLocks noChangeAspect="1"/>
+          </p:cNvPicPr>
+          <p:nvPr/>
+        </p:nvPicPr>
+        <p:blipFill>
+          <a:blip r:embed="rId3">
+            <a:extLst>
+              <a:ext uri="{28A0092B-C50C-407E-A947-70E740481C1C}">
+                <a14:useLocalDpi xmlns:a14="http://schemas.microsoft.com/office/drawing/2010/main" val="0"/>
+              </a:ext>
+            </a:extLst>
+          </a:blip>
+          <a:stretch>
+            <a:fillRect/>
+          </a:stretch>
+        </p:blipFill>
+        <p:spPr>
+          <a:xfrm>
+            <a:off x="8586216" y="2614552"/>
+            <a:ext cx="3353778" cy="3130547"/>
+          </a:xfrm>
+          <a:prstGeom prst="rect">
+            <a:avLst/>
+          </a:prstGeom>
+          <a:effectLst>
+            <a:outerShdw blurRad="76200" dist="12700" dir="8100000" sy="-23000" kx="800400" algn="br" rotWithShape="0">
+              <a:prstClr val="black">
+                <a:alpha val="20000"/>
+              </a:prstClr>
+            </a:outerShdw>
+            <a:softEdge rad="127000"/>
+          </a:effectLst>
+        </p:spPr>
+      </p:pic>
+    </p:spTree>
+    <p:extLst>
+      <p:ext uri="{BB962C8B-B14F-4D97-AF65-F5344CB8AC3E}">
+        <p14:creationId xmlns:p14="http://schemas.microsoft.com/office/powerpoint/2010/main" val="243473459"/>
+      </p:ext>
+    </p:extLst>
+  </p:cSld>
+  <p:clrMapOvr>
+    <a:masterClrMapping/>
+  </p:clrMapOvr>
+</p:sld>
+</file>
+
+<file path=ppt/slides/slide11.xml><?xml version="1.0" encoding="utf-8"?>
+<p:sld xmlns:a="http://schemas.openxmlformats.org/drawingml/2006/main" xmlns:r="http://schemas.openxmlformats.org/officeDocument/2006/relationships" xmlns:p="http://schemas.openxmlformats.org/presentationml/2006/main">
+  <p:cSld>
+    <p:spTree>
+      <p:nvGrpSpPr>
+        <p:cNvPr id="1" name=""/>
+        <p:cNvGrpSpPr/>
+        <p:nvPr/>
+      </p:nvGrpSpPr>
+      <p:grpSpPr>
+        <a:xfrm>
+          <a:off x="0" y="0"/>
+          <a:ext cx="0" cy="0"/>
+          <a:chOff x="0" y="0"/>
+          <a:chExt cx="0" cy="0"/>
+        </a:xfrm>
+      </p:grpSpPr>
+      <p:sp>
+        <p:nvSpPr>
+          <p:cNvPr id="3" name="Content Placeholder 2"/>
+          <p:cNvSpPr>
+            <a:spLocks noGrp="1"/>
+          </p:cNvSpPr>
+          <p:nvPr>
+            <p:ph idx="1"/>
+          </p:nvPr>
+        </p:nvSpPr>
+        <p:spPr>
+          <a:xfrm>
+            <a:off x="428793" y="2232280"/>
+            <a:ext cx="5489408" cy="4625720"/>
+          </a:xfrm>
+        </p:spPr>
+        <p:txBody>
+          <a:bodyPr>
+            <a:normAutofit/>
+          </a:bodyPr>
+          <a:lstStyle/>
+          <a:p>
+            <a:pPr marL="0" lvl="1" indent="0">
+              <a:lnSpc>
+                <a:spcPct val="80000"/>
+              </a:lnSpc>
+              <a:spcAft>
+                <a:spcPts val="600"/>
+              </a:spcAft>
+              <a:buNone/>
+            </a:pPr>
+            <a:r>
+              <a:rPr lang="en-US" sz="1600" b="1" dirty="0">
+                <a:latin typeface="Times New Roman" pitchFamily="18" charset="0"/>
+                <a:cs typeface="Times New Roman" pitchFamily="18" charset="0"/>
+              </a:rPr>
+              <a:t>Purpose:</a:t>
+            </a:r>
+          </a:p>
+          <a:p>
+            <a:pPr lvl="1">
+              <a:spcAft>
+                <a:spcPts val="600"/>
+              </a:spcAft>
+            </a:pPr>
+            <a:r>
+              <a:rPr lang="en-US" sz="1200" dirty="0">
+                <a:latin typeface="Times New Roman" pitchFamily="18" charset="0"/>
+                <a:cs typeface="Times New Roman" pitchFamily="18" charset="0"/>
+              </a:rPr>
+              <a:t>Ensure robustness of application by validating various functionalities through test cases.</a:t>
+            </a:r>
+          </a:p>
+          <a:p>
+            <a:pPr lvl="1">
+              <a:spcAft>
+                <a:spcPts val="600"/>
+              </a:spcAft>
+            </a:pPr>
+            <a:r>
+              <a:rPr lang="en-US" sz="1200" dirty="0">
+                <a:latin typeface="Times New Roman" pitchFamily="18" charset="0"/>
+                <a:cs typeface="Times New Roman" pitchFamily="18" charset="0"/>
+              </a:rPr>
+              <a:t>Maintain high code coverage by testing positive, negative, and edge case scenarios.</a:t>
+            </a:r>
+          </a:p>
+          <a:p>
+            <a:pPr lvl="1">
+              <a:spcAft>
+                <a:spcPts val="600"/>
+              </a:spcAft>
+            </a:pPr>
+            <a:r>
+              <a:rPr lang="en-US" sz="1200" dirty="0">
+                <a:latin typeface="Times New Roman" pitchFamily="18" charset="0"/>
+                <a:cs typeface="Times New Roman" pitchFamily="18" charset="0"/>
+              </a:rPr>
+              <a:t>Test Framework:</a:t>
+            </a:r>
+          </a:p>
+          <a:p>
+            <a:pPr lvl="1">
+              <a:spcAft>
+                <a:spcPts val="600"/>
+              </a:spcAft>
+            </a:pPr>
+            <a:r>
+              <a:rPr lang="en-US" sz="1200" dirty="0">
+                <a:latin typeface="Times New Roman" pitchFamily="18" charset="0"/>
+                <a:cs typeface="Times New Roman" pitchFamily="18" charset="0"/>
+              </a:rPr>
+              <a:t>Implemented using Microsoft.VisualStudio.TestTools.UnitTesting.</a:t>
+            </a:r>
+          </a:p>
+          <a:p>
+            <a:pPr lvl="1">
+              <a:spcAft>
+                <a:spcPts val="600"/>
+              </a:spcAft>
+            </a:pPr>
+            <a:r>
+              <a:rPr lang="en-US" sz="1200" dirty="0">
+                <a:latin typeface="Times New Roman" pitchFamily="18" charset="0"/>
+                <a:cs typeface="Times New Roman" pitchFamily="18" charset="0"/>
+              </a:rPr>
+              <a:t>Tests run via Visual Studio Test Explorer.</a:t>
+            </a:r>
+          </a:p>
+          <a:p>
+            <a:pPr lvl="1">
+              <a:spcAft>
+                <a:spcPts val="600"/>
+              </a:spcAft>
+            </a:pPr>
+            <a:r>
+              <a:rPr lang="en-US" sz="1200" dirty="0">
+                <a:latin typeface="Times New Roman" pitchFamily="18" charset="0"/>
+                <a:cs typeface="Times New Roman" pitchFamily="18" charset="0"/>
+              </a:rPr>
+              <a:t>Test classes created for each service based on business functionalities.</a:t>
+            </a:r>
+          </a:p>
+          <a:p>
+            <a:pPr lvl="1"/>
+            <a:endParaRPr lang="en-US" sz="2900" dirty="0">
+              <a:latin typeface="Times New Roman" pitchFamily="18" charset="0"/>
+              <a:cs typeface="Times New Roman" pitchFamily="18" charset="0"/>
+            </a:endParaRPr>
+          </a:p>
+          <a:p>
+            <a:pPr lvl="1"/>
+            <a:endParaRPr lang="en-US" sz="2900" dirty="0">
+              <a:latin typeface="Times New Roman" pitchFamily="18" charset="0"/>
+              <a:cs typeface="Times New Roman" pitchFamily="18" charset="0"/>
+            </a:endParaRPr>
+          </a:p>
+          <a:p>
+            <a:endParaRPr lang="en-US" dirty="0"/>
+          </a:p>
+        </p:txBody>
+      </p:sp>
+      <p:sp>
+        <p:nvSpPr>
+          <p:cNvPr id="4" name="Date Placeholder 3"/>
+          <p:cNvSpPr>
+            <a:spLocks noGrp="1"/>
+          </p:cNvSpPr>
+          <p:nvPr>
+            <p:ph type="dt" sz="half" idx="10"/>
+          </p:nvPr>
+        </p:nvSpPr>
+        <p:spPr/>
+        <p:txBody>
+          <a:bodyPr/>
+          <a:lstStyle/>
+          <a:p>
+            <a:r>
+              <a:rPr lang="en-US"/>
+              <a:t>3/22/2025</a:t>
+            </a:r>
+            <a:endParaRPr lang="en-US" dirty="0"/>
+          </a:p>
+        </p:txBody>
+      </p:sp>
+      <p:sp>
+        <p:nvSpPr>
+          <p:cNvPr id="5" name="Footer Placeholder 4"/>
+          <p:cNvSpPr>
+            <a:spLocks noGrp="1"/>
+          </p:cNvSpPr>
+          <p:nvPr>
+            <p:ph type="ftr" sz="quarter" idx="11"/>
+          </p:nvPr>
+        </p:nvSpPr>
+        <p:spPr/>
+        <p:txBody>
+          <a:bodyPr/>
+          <a:lstStyle/>
+          <a:p>
+            <a:r>
+              <a:rPr lang="en-US" dirty="0"/>
+              <a:t>Software Engineering</a:t>
+            </a:r>
+          </a:p>
+        </p:txBody>
+      </p:sp>
+      <p:sp>
+        <p:nvSpPr>
+          <p:cNvPr id="6" name="Slide Number Placeholder 5"/>
+          <p:cNvSpPr>
+            <a:spLocks noGrp="1"/>
+          </p:cNvSpPr>
+          <p:nvPr>
+            <p:ph type="sldNum" sz="quarter" idx="12"/>
+          </p:nvPr>
+        </p:nvSpPr>
+        <p:spPr/>
+        <p:txBody>
+          <a:bodyPr/>
+          <a:lstStyle/>
+          <a:p>
+            <a:fld id="{3A98EE3D-8CD1-4C3F-BD1C-C98C9596463C}" type="slidenum">
+              <a:rPr lang="en-US" smtClean="0"/>
+              <a:t>11</a:t>
+            </a:fld>
+            <a:endParaRPr lang="en-US" dirty="0"/>
+          </a:p>
+        </p:txBody>
+      </p:sp>
+      <p:sp>
+        <p:nvSpPr>
+          <p:cNvPr id="7" name="Content Placeholder 2"/>
+          <p:cNvSpPr txBox="1">
+            <a:spLocks/>
+          </p:cNvSpPr>
+          <p:nvPr/>
+        </p:nvSpPr>
+        <p:spPr>
+          <a:xfrm>
+            <a:off x="6524793" y="2493264"/>
+            <a:ext cx="5599475" cy="3634486"/>
+          </a:xfrm>
+          <a:prstGeom prst="rect">
+            <a:avLst/>
+          </a:prstGeom>
+        </p:spPr>
+        <p:txBody>
+          <a:bodyPr vert="horz" lIns="91440" tIns="45720" rIns="91440" bIns="45720" rtlCol="0" anchor="ctr">
+            <a:normAutofit/>
+          </a:bodyPr>
+          <a:lstStyle>
+            <a:lvl1pPr marL="306000" indent="-306000" algn="l" defTabSz="457200" rtl="0" eaLnBrk="1" latinLnBrk="0" hangingPunct="1">
+              <a:lnSpc>
+                <a:spcPct val="110000"/>
+              </a:lnSpc>
+              <a:spcBef>
+                <a:spcPct val="20000"/>
+              </a:spcBef>
+              <a:spcAft>
+                <a:spcPts val="600"/>
+              </a:spcAft>
+              <a:buClr>
+                <a:schemeClr val="accent1"/>
+              </a:buClr>
+              <a:buSzPct val="92000"/>
+              <a:buFont typeface="Wingdings 2" panose="05020102010507070707" pitchFamily="18" charset="2"/>
+              <a:buChar char=""/>
+              <a:defRPr sz="1700" kern="1200">
+                <a:solidFill>
+                  <a:schemeClr val="tx1">
+                    <a:lumMod val="75000"/>
+                    <a:lumOff val="25000"/>
+                  </a:schemeClr>
+                </a:solidFill>
+                <a:latin typeface="+mn-lt"/>
+                <a:ea typeface="+mn-ea"/>
+                <a:cs typeface="+mn-cs"/>
+              </a:defRPr>
+            </a:lvl1pPr>
+            <a:lvl2pPr marL="630000" indent="-306000" algn="l" defTabSz="457200" rtl="0" eaLnBrk="1" latinLnBrk="0" hangingPunct="1">
+              <a:spcBef>
+                <a:spcPct val="20000"/>
+              </a:spcBef>
+              <a:spcAft>
+                <a:spcPts val="600"/>
+              </a:spcAft>
+              <a:buClr>
+                <a:schemeClr val="accent1"/>
+              </a:buClr>
+              <a:buSzPct val="92000"/>
+              <a:buFont typeface="Wingdings 2" panose="05020102010507070707" pitchFamily="18" charset="2"/>
+              <a:buChar char=""/>
+              <a:defRPr sz="1400" kern="1200">
+                <a:solidFill>
+                  <a:schemeClr val="tx1">
+                    <a:lumMod val="75000"/>
+                    <a:lumOff val="25000"/>
+                  </a:schemeClr>
+                </a:solidFill>
+                <a:latin typeface="+mn-lt"/>
+                <a:ea typeface="+mn-ea"/>
+                <a:cs typeface="+mn-cs"/>
+              </a:defRPr>
+            </a:lvl2pPr>
+            <a:lvl3pPr marL="900000" indent="-270000" algn="l" defTabSz="457200" rtl="0" eaLnBrk="1" latinLnBrk="0" hangingPunct="1">
+              <a:spcBef>
+                <a:spcPct val="20000"/>
+              </a:spcBef>
+              <a:spcAft>
+                <a:spcPts val="600"/>
+              </a:spcAft>
+              <a:buClr>
+                <a:schemeClr val="accent1"/>
+              </a:buClr>
+              <a:buSzPct val="92000"/>
+              <a:buFont typeface="Wingdings 2" panose="05020102010507070707" pitchFamily="18" charset="2"/>
+              <a:buChar char=""/>
+              <a:defRPr sz="1300" kern="1200">
+                <a:solidFill>
+                  <a:schemeClr val="tx1">
+                    <a:lumMod val="75000"/>
+                    <a:lumOff val="25000"/>
+                  </a:schemeClr>
+                </a:solidFill>
+                <a:latin typeface="+mn-lt"/>
+                <a:ea typeface="+mn-ea"/>
+                <a:cs typeface="+mn-cs"/>
+              </a:defRPr>
+            </a:lvl3pPr>
+            <a:lvl4pPr marL="1242000" indent="-234000" algn="l" defTabSz="457200" rtl="0" eaLnBrk="1" latinLnBrk="0" hangingPunct="1">
+              <a:spcBef>
+                <a:spcPct val="20000"/>
+              </a:spcBef>
+              <a:spcAft>
+                <a:spcPts val="600"/>
+              </a:spcAft>
+              <a:buClr>
+                <a:schemeClr val="accent1"/>
+              </a:buClr>
+              <a:buSzPct val="92000"/>
+              <a:buFont typeface="Wingdings 2" panose="05020102010507070707" pitchFamily="18" charset="2"/>
+              <a:buChar char=""/>
+              <a:defRPr sz="1100" kern="1200">
+                <a:solidFill>
+                  <a:schemeClr val="tx1">
+                    <a:lumMod val="75000"/>
+                    <a:lumOff val="25000"/>
+                  </a:schemeClr>
+                </a:solidFill>
+                <a:latin typeface="+mn-lt"/>
+                <a:ea typeface="+mn-ea"/>
+                <a:cs typeface="+mn-cs"/>
+              </a:defRPr>
+            </a:lvl4pPr>
+            <a:lvl5pPr marL="1602000" indent="-234000" algn="l" defTabSz="457200" rtl="0" eaLnBrk="1" latinLnBrk="0" hangingPunct="1">
+              <a:spcBef>
+                <a:spcPct val="20000"/>
+              </a:spcBef>
+              <a:spcAft>
+                <a:spcPts val="600"/>
+              </a:spcAft>
+              <a:buClr>
+                <a:schemeClr val="accent1"/>
+              </a:buClr>
+              <a:buSzPct val="92000"/>
+              <a:buFont typeface="Wingdings 2" panose="05020102010507070707" pitchFamily="18" charset="2"/>
+              <a:buChar char=""/>
+              <a:defRPr sz="1100" kern="1200">
+                <a:solidFill>
+                  <a:schemeClr val="tx1">
+                    <a:lumMod val="75000"/>
+                    <a:lumOff val="25000"/>
+                  </a:schemeClr>
+                </a:solidFill>
+                <a:latin typeface="+mn-lt"/>
+                <a:ea typeface="+mn-ea"/>
+                <a:cs typeface="+mn-cs"/>
+              </a:defRPr>
+            </a:lvl5pPr>
+            <a:lvl6pPr marL="1900000" indent="-228600" algn="l" defTabSz="457200" rtl="0" eaLnBrk="1" latinLnBrk="0" hangingPunct="1">
+              <a:spcBef>
+                <a:spcPct val="20000"/>
+              </a:spcBef>
+              <a:spcAft>
+                <a:spcPts val="600"/>
+              </a:spcAft>
+              <a:buClr>
+                <a:schemeClr val="accent2"/>
+              </a:buClr>
+              <a:buSzPct val="92000"/>
+              <a:buFont typeface="Wingdings 2" panose="05020102010507070707" pitchFamily="18" charset="2"/>
+              <a:buChar char=""/>
+              <a:defRPr sz="1200" kern="1200">
+                <a:solidFill>
+                  <a:schemeClr val="tx2"/>
+                </a:solidFill>
+                <a:latin typeface="+mn-lt"/>
+                <a:ea typeface="+mn-ea"/>
+                <a:cs typeface="+mn-cs"/>
+              </a:defRPr>
+            </a:lvl6pPr>
+            <a:lvl7pPr marL="2200000" indent="-228600" algn="l" defTabSz="457200" rtl="0" eaLnBrk="1" latinLnBrk="0" hangingPunct="1">
+              <a:spcBef>
+                <a:spcPct val="20000"/>
+              </a:spcBef>
+              <a:spcAft>
+                <a:spcPts val="600"/>
+              </a:spcAft>
+              <a:buClr>
+                <a:schemeClr val="accent2"/>
+              </a:buClr>
+              <a:buSzPct val="92000"/>
+              <a:buFont typeface="Wingdings 2" panose="05020102010507070707" pitchFamily="18" charset="2"/>
+              <a:buChar char=""/>
+              <a:defRPr sz="1200" kern="1200">
+                <a:solidFill>
+                  <a:schemeClr val="tx2"/>
+                </a:solidFill>
+                <a:latin typeface="+mn-lt"/>
+                <a:ea typeface="+mn-ea"/>
+                <a:cs typeface="+mn-cs"/>
+              </a:defRPr>
+            </a:lvl7pPr>
+            <a:lvl8pPr marL="2500000" indent="-228600" algn="l" defTabSz="457200" rtl="0" eaLnBrk="1" latinLnBrk="0" hangingPunct="1">
+              <a:spcBef>
+                <a:spcPct val="20000"/>
+              </a:spcBef>
+              <a:spcAft>
+                <a:spcPts val="600"/>
+              </a:spcAft>
+              <a:buClr>
+                <a:schemeClr val="accent2"/>
+              </a:buClr>
+              <a:buSzPct val="92000"/>
+              <a:buFont typeface="Wingdings 2" panose="05020102010507070707" pitchFamily="18" charset="2"/>
+              <a:buChar char=""/>
+              <a:defRPr sz="1200" kern="1200">
+                <a:solidFill>
+                  <a:schemeClr val="tx2"/>
+                </a:solidFill>
+                <a:latin typeface="+mn-lt"/>
+                <a:ea typeface="+mn-ea"/>
+                <a:cs typeface="+mn-cs"/>
+              </a:defRPr>
+            </a:lvl8pPr>
+            <a:lvl9pPr marL="2800000" indent="-228600" algn="l" defTabSz="457200" rtl="0" eaLnBrk="1" latinLnBrk="0" hangingPunct="1">
+              <a:spcBef>
+                <a:spcPct val="20000"/>
+              </a:spcBef>
+              <a:spcAft>
+                <a:spcPts val="600"/>
+              </a:spcAft>
+              <a:buClr>
+                <a:schemeClr val="accent2"/>
+              </a:buClr>
+              <a:buSzPct val="92000"/>
+              <a:buFont typeface="Wingdings 2" panose="05020102010507070707" pitchFamily="18" charset="2"/>
+              <a:buChar char=""/>
+              <a:defRPr sz="1200" kern="1200">
+                <a:solidFill>
+                  <a:schemeClr val="tx2"/>
+                </a:solidFill>
+                <a:latin typeface="+mn-lt"/>
+                <a:ea typeface="+mn-ea"/>
+                <a:cs typeface="+mn-cs"/>
+              </a:defRPr>
+            </a:lvl9pPr>
+          </a:lstStyle>
+          <a:p>
+            <a:endParaRPr lang="en-US" dirty="0"/>
+          </a:p>
+        </p:txBody>
+      </p:sp>
+      <p:sp>
+        <p:nvSpPr>
+          <p:cNvPr id="9" name="Content Placeholder 2"/>
+          <p:cNvSpPr txBox="1">
+            <a:spLocks/>
+          </p:cNvSpPr>
+          <p:nvPr/>
+        </p:nvSpPr>
+        <p:spPr>
+          <a:xfrm>
+            <a:off x="6414727" y="2192869"/>
+            <a:ext cx="5599475" cy="3964347"/>
+          </a:xfrm>
+          <a:prstGeom prst="rect">
+            <a:avLst/>
+          </a:prstGeom>
+        </p:spPr>
+        <p:txBody>
+          <a:bodyPr vert="horz" lIns="91440" tIns="45720" rIns="91440" bIns="45720" rtlCol="0" anchor="ctr">
+            <a:normAutofit/>
+          </a:bodyPr>
+          <a:lstStyle>
+            <a:lvl1pPr marL="306000" indent="-306000" algn="l" defTabSz="457200" rtl="0" eaLnBrk="1" latinLnBrk="0" hangingPunct="1">
+              <a:lnSpc>
+                <a:spcPct val="110000"/>
+              </a:lnSpc>
+              <a:spcBef>
+                <a:spcPct val="20000"/>
+              </a:spcBef>
+              <a:spcAft>
+                <a:spcPts val="600"/>
+              </a:spcAft>
+              <a:buClr>
+                <a:schemeClr val="accent1"/>
+              </a:buClr>
+              <a:buSzPct val="92000"/>
+              <a:buFont typeface="Wingdings 2" panose="05020102010507070707" pitchFamily="18" charset="2"/>
+              <a:buChar char=""/>
+              <a:defRPr sz="1700" kern="1200">
+                <a:solidFill>
+                  <a:schemeClr val="tx1">
+                    <a:lumMod val="75000"/>
+                    <a:lumOff val="25000"/>
+                  </a:schemeClr>
+                </a:solidFill>
+                <a:latin typeface="+mn-lt"/>
+                <a:ea typeface="+mn-ea"/>
+                <a:cs typeface="+mn-cs"/>
+              </a:defRPr>
+            </a:lvl1pPr>
+            <a:lvl2pPr marL="630000" indent="-306000" algn="l" defTabSz="457200" rtl="0" eaLnBrk="1" latinLnBrk="0" hangingPunct="1">
+              <a:spcBef>
+                <a:spcPct val="20000"/>
+              </a:spcBef>
+              <a:spcAft>
+                <a:spcPts val="600"/>
+              </a:spcAft>
+              <a:buClr>
+                <a:schemeClr val="accent1"/>
+              </a:buClr>
+              <a:buSzPct val="92000"/>
+              <a:buFont typeface="Wingdings 2" panose="05020102010507070707" pitchFamily="18" charset="2"/>
+              <a:buChar char=""/>
+              <a:defRPr sz="1400" kern="1200">
+                <a:solidFill>
+                  <a:schemeClr val="tx1">
+                    <a:lumMod val="75000"/>
+                    <a:lumOff val="25000"/>
+                  </a:schemeClr>
+                </a:solidFill>
+                <a:latin typeface="+mn-lt"/>
+                <a:ea typeface="+mn-ea"/>
+                <a:cs typeface="+mn-cs"/>
+              </a:defRPr>
+            </a:lvl2pPr>
+            <a:lvl3pPr marL="900000" indent="-270000" algn="l" defTabSz="457200" rtl="0" eaLnBrk="1" latinLnBrk="0" hangingPunct="1">
+              <a:spcBef>
+                <a:spcPct val="20000"/>
+              </a:spcBef>
+              <a:spcAft>
+                <a:spcPts val="600"/>
+              </a:spcAft>
+              <a:buClr>
+                <a:schemeClr val="accent1"/>
+              </a:buClr>
+              <a:buSzPct val="92000"/>
+              <a:buFont typeface="Wingdings 2" panose="05020102010507070707" pitchFamily="18" charset="2"/>
+              <a:buChar char=""/>
+              <a:defRPr sz="1300" kern="1200">
+                <a:solidFill>
+                  <a:schemeClr val="tx1">
+                    <a:lumMod val="75000"/>
+                    <a:lumOff val="25000"/>
+                  </a:schemeClr>
+                </a:solidFill>
+                <a:latin typeface="+mn-lt"/>
+                <a:ea typeface="+mn-ea"/>
+                <a:cs typeface="+mn-cs"/>
+              </a:defRPr>
+            </a:lvl3pPr>
+            <a:lvl4pPr marL="1242000" indent="-234000" algn="l" defTabSz="457200" rtl="0" eaLnBrk="1" latinLnBrk="0" hangingPunct="1">
+              <a:spcBef>
+                <a:spcPct val="20000"/>
+              </a:spcBef>
+              <a:spcAft>
+                <a:spcPts val="600"/>
+              </a:spcAft>
+              <a:buClr>
+                <a:schemeClr val="accent1"/>
+              </a:buClr>
+              <a:buSzPct val="92000"/>
+              <a:buFont typeface="Wingdings 2" panose="05020102010507070707" pitchFamily="18" charset="2"/>
+              <a:buChar char=""/>
+              <a:defRPr sz="1100" kern="1200">
+                <a:solidFill>
+                  <a:schemeClr val="tx1">
+                    <a:lumMod val="75000"/>
+                    <a:lumOff val="25000"/>
+                  </a:schemeClr>
+                </a:solidFill>
+                <a:latin typeface="+mn-lt"/>
+                <a:ea typeface="+mn-ea"/>
+                <a:cs typeface="+mn-cs"/>
+              </a:defRPr>
+            </a:lvl4pPr>
+            <a:lvl5pPr marL="1602000" indent="-234000" algn="l" defTabSz="457200" rtl="0" eaLnBrk="1" latinLnBrk="0" hangingPunct="1">
+              <a:spcBef>
+                <a:spcPct val="20000"/>
+              </a:spcBef>
+              <a:spcAft>
+                <a:spcPts val="600"/>
+              </a:spcAft>
+              <a:buClr>
+                <a:schemeClr val="accent1"/>
+              </a:buClr>
+              <a:buSzPct val="92000"/>
+              <a:buFont typeface="Wingdings 2" panose="05020102010507070707" pitchFamily="18" charset="2"/>
+              <a:buChar char=""/>
+              <a:defRPr sz="1100" kern="1200">
+                <a:solidFill>
+                  <a:schemeClr val="tx1">
+                    <a:lumMod val="75000"/>
+                    <a:lumOff val="25000"/>
+                  </a:schemeClr>
+                </a:solidFill>
+                <a:latin typeface="+mn-lt"/>
+                <a:ea typeface="+mn-ea"/>
+                <a:cs typeface="+mn-cs"/>
+              </a:defRPr>
+            </a:lvl5pPr>
+            <a:lvl6pPr marL="1900000" indent="-228600" algn="l" defTabSz="457200" rtl="0" eaLnBrk="1" latinLnBrk="0" hangingPunct="1">
+              <a:spcBef>
+                <a:spcPct val="20000"/>
+              </a:spcBef>
+              <a:spcAft>
+                <a:spcPts val="600"/>
+              </a:spcAft>
+              <a:buClr>
+                <a:schemeClr val="accent2"/>
+              </a:buClr>
+              <a:buSzPct val="92000"/>
+              <a:buFont typeface="Wingdings 2" panose="05020102010507070707" pitchFamily="18" charset="2"/>
+              <a:buChar char=""/>
+              <a:defRPr sz="1200" kern="1200">
+                <a:solidFill>
+                  <a:schemeClr val="tx2"/>
+                </a:solidFill>
+                <a:latin typeface="+mn-lt"/>
+                <a:ea typeface="+mn-ea"/>
+                <a:cs typeface="+mn-cs"/>
+              </a:defRPr>
+            </a:lvl6pPr>
+            <a:lvl7pPr marL="2200000" indent="-228600" algn="l" defTabSz="457200" rtl="0" eaLnBrk="1" latinLnBrk="0" hangingPunct="1">
+              <a:spcBef>
+                <a:spcPct val="20000"/>
+              </a:spcBef>
+              <a:spcAft>
+                <a:spcPts val="600"/>
+              </a:spcAft>
+              <a:buClr>
+                <a:schemeClr val="accent2"/>
+              </a:buClr>
+              <a:buSzPct val="92000"/>
+              <a:buFont typeface="Wingdings 2" panose="05020102010507070707" pitchFamily="18" charset="2"/>
+              <a:buChar char=""/>
+              <a:defRPr sz="1200" kern="1200">
+                <a:solidFill>
+                  <a:schemeClr val="tx2"/>
+                </a:solidFill>
+                <a:latin typeface="+mn-lt"/>
+                <a:ea typeface="+mn-ea"/>
+                <a:cs typeface="+mn-cs"/>
+              </a:defRPr>
+            </a:lvl7pPr>
+            <a:lvl8pPr marL="2500000" indent="-228600" algn="l" defTabSz="457200" rtl="0" eaLnBrk="1" latinLnBrk="0" hangingPunct="1">
+              <a:spcBef>
+                <a:spcPct val="20000"/>
+              </a:spcBef>
+              <a:spcAft>
+                <a:spcPts val="600"/>
+              </a:spcAft>
+              <a:buClr>
+                <a:schemeClr val="accent2"/>
+              </a:buClr>
+              <a:buSzPct val="92000"/>
+              <a:buFont typeface="Wingdings 2" panose="05020102010507070707" pitchFamily="18" charset="2"/>
+              <a:buChar char=""/>
+              <a:defRPr sz="1200" kern="1200">
+                <a:solidFill>
+                  <a:schemeClr val="tx2"/>
+                </a:solidFill>
+                <a:latin typeface="+mn-lt"/>
+                <a:ea typeface="+mn-ea"/>
+                <a:cs typeface="+mn-cs"/>
+              </a:defRPr>
+            </a:lvl8pPr>
+            <a:lvl9pPr marL="2800000" indent="-228600" algn="l" defTabSz="457200" rtl="0" eaLnBrk="1" latinLnBrk="0" hangingPunct="1">
+              <a:spcBef>
+                <a:spcPct val="20000"/>
+              </a:spcBef>
+              <a:spcAft>
+                <a:spcPts val="600"/>
+              </a:spcAft>
+              <a:buClr>
+                <a:schemeClr val="accent2"/>
+              </a:buClr>
+              <a:buSzPct val="92000"/>
+              <a:buFont typeface="Wingdings 2" panose="05020102010507070707" pitchFamily="18" charset="2"/>
+              <a:buChar char=""/>
+              <a:defRPr sz="1200" kern="1200">
+                <a:solidFill>
+                  <a:schemeClr val="tx2"/>
+                </a:solidFill>
+                <a:latin typeface="+mn-lt"/>
+                <a:ea typeface="+mn-ea"/>
+                <a:cs typeface="+mn-cs"/>
+              </a:defRPr>
+            </a:lvl9pPr>
+          </a:lstStyle>
+          <a:p>
+            <a:endParaRPr lang="en-US" dirty="0"/>
+          </a:p>
+        </p:txBody>
+      </p:sp>
+      <p:sp>
+        <p:nvSpPr>
+          <p:cNvPr id="10" name="Rectangle 9"/>
+          <p:cNvSpPr/>
+          <p:nvPr/>
+        </p:nvSpPr>
+        <p:spPr>
+          <a:xfrm>
+            <a:off x="5918201" y="1751812"/>
+            <a:ext cx="6096000" cy="4672048"/>
+          </a:xfrm>
+          <a:prstGeom prst="rect">
+            <a:avLst/>
+          </a:prstGeom>
+        </p:spPr>
+        <p:txBody>
+          <a:bodyPr>
+            <a:spAutoFit/>
+          </a:bodyPr>
+          <a:lstStyle/>
+          <a:p>
+            <a:pPr marL="411480" lvl="1" defTabSz="457200">
+              <a:lnSpc>
+                <a:spcPct val="80000"/>
+              </a:lnSpc>
+              <a:spcBef>
+                <a:spcPts val="300"/>
+              </a:spcBef>
+              <a:spcAft>
+                <a:spcPts val="600"/>
+              </a:spcAft>
+              <a:buClr>
+                <a:schemeClr val="accent2"/>
+              </a:buClr>
+              <a:buSzPct val="92000"/>
+            </a:pPr>
+            <a:endParaRPr lang="en-US" sz="1400" b="1" dirty="0">
+              <a:latin typeface="Times New Roman" pitchFamily="18" charset="0"/>
+              <a:cs typeface="Times New Roman" pitchFamily="18" charset="0"/>
+            </a:endParaRPr>
+          </a:p>
+          <a:p>
+            <a:pPr marL="411480" lvl="1" defTabSz="457200">
+              <a:lnSpc>
+                <a:spcPct val="80000"/>
+              </a:lnSpc>
+              <a:spcBef>
+                <a:spcPts val="300"/>
+              </a:spcBef>
+              <a:spcAft>
+                <a:spcPts val="600"/>
+              </a:spcAft>
+              <a:buClr>
+                <a:schemeClr val="accent2"/>
+              </a:buClr>
+              <a:buSzPct val="92000"/>
+            </a:pPr>
+            <a:endParaRPr lang="en-US" sz="1400" b="1" dirty="0">
+              <a:latin typeface="Times New Roman" pitchFamily="18" charset="0"/>
+              <a:cs typeface="Times New Roman" pitchFamily="18" charset="0"/>
+            </a:endParaRPr>
+          </a:p>
+          <a:p>
+            <a:pPr marL="411480" lvl="1" defTabSz="457200">
+              <a:lnSpc>
+                <a:spcPct val="80000"/>
+              </a:lnSpc>
+              <a:spcBef>
+                <a:spcPts val="300"/>
+              </a:spcBef>
+              <a:spcAft>
+                <a:spcPts val="600"/>
+              </a:spcAft>
+              <a:buClr>
+                <a:schemeClr val="accent2"/>
+              </a:buClr>
+              <a:buSzPct val="92000"/>
+            </a:pPr>
+            <a:endParaRPr lang="en-US" sz="1400" b="1" dirty="0">
+              <a:latin typeface="Times New Roman" pitchFamily="18" charset="0"/>
+              <a:cs typeface="Times New Roman" pitchFamily="18" charset="0"/>
+            </a:endParaRPr>
+          </a:p>
+          <a:p>
+            <a:pPr marL="0" lvl="1">
+              <a:lnSpc>
+                <a:spcPct val="80000"/>
+              </a:lnSpc>
+              <a:spcBef>
+                <a:spcPct val="20000"/>
+              </a:spcBef>
+              <a:spcAft>
+                <a:spcPts val="600"/>
+              </a:spcAft>
+              <a:buClr>
+                <a:schemeClr val="accent1"/>
+              </a:buClr>
+              <a:buSzPct val="100000"/>
+            </a:pPr>
+            <a:r>
+              <a:rPr lang="en-US" sz="1600" b="1" dirty="0">
+                <a:solidFill>
+                  <a:schemeClr val="tx2"/>
+                </a:solidFill>
+                <a:latin typeface="Times New Roman" pitchFamily="18" charset="0"/>
+                <a:cs typeface="Times New Roman" pitchFamily="18" charset="0"/>
+              </a:rPr>
+              <a:t>Test Case Categories:</a:t>
+            </a:r>
+          </a:p>
+          <a:p>
+            <a:pPr marL="576263" lvl="1" indent="-274320">
+              <a:lnSpc>
+                <a:spcPct val="80000"/>
+              </a:lnSpc>
+              <a:spcBef>
+                <a:spcPct val="20000"/>
+              </a:spcBef>
+              <a:spcAft>
+                <a:spcPts val="600"/>
+              </a:spcAft>
+              <a:buClr>
+                <a:schemeClr val="accent1"/>
+              </a:buClr>
+              <a:buSzPct val="100000"/>
+              <a:buFont typeface="Symbol" pitchFamily="18" charset="2"/>
+              <a:buChar char=""/>
+            </a:pPr>
+            <a:r>
+              <a:rPr lang="en-US" sz="1400" dirty="0">
+                <a:solidFill>
+                  <a:schemeClr val="tx2"/>
+                </a:solidFill>
+                <a:latin typeface="Times New Roman" pitchFamily="18" charset="0"/>
+                <a:cs typeface="Times New Roman" pitchFamily="18" charset="0"/>
+              </a:rPr>
+              <a:t>Basic Test Framework Validation</a:t>
+            </a:r>
+          </a:p>
+          <a:p>
+            <a:pPr marL="576263" lvl="1" indent="-274320">
+              <a:lnSpc>
+                <a:spcPct val="80000"/>
+              </a:lnSpc>
+              <a:spcBef>
+                <a:spcPct val="20000"/>
+              </a:spcBef>
+              <a:spcAft>
+                <a:spcPts val="600"/>
+              </a:spcAft>
+              <a:buClr>
+                <a:schemeClr val="accent1"/>
+              </a:buClr>
+              <a:buSzPct val="100000"/>
+              <a:buFont typeface="Symbol" pitchFamily="18" charset="2"/>
+              <a:buChar char=""/>
+            </a:pPr>
+            <a:r>
+              <a:rPr lang="en-US" sz="1400" dirty="0">
+                <a:solidFill>
+                  <a:schemeClr val="tx2"/>
+                </a:solidFill>
+                <a:latin typeface="Times New Roman" pitchFamily="18" charset="0"/>
+                <a:cs typeface="Times New Roman" pitchFamily="18" charset="0"/>
+              </a:rPr>
+              <a:t>Exception Handling in Document Comparison</a:t>
+            </a:r>
+          </a:p>
+          <a:p>
+            <a:pPr marL="576263" lvl="1" indent="-274320">
+              <a:lnSpc>
+                <a:spcPct val="80000"/>
+              </a:lnSpc>
+              <a:spcBef>
+                <a:spcPct val="20000"/>
+              </a:spcBef>
+              <a:spcAft>
+                <a:spcPts val="600"/>
+              </a:spcAft>
+              <a:buClr>
+                <a:schemeClr val="accent1"/>
+              </a:buClr>
+              <a:buSzPct val="100000"/>
+              <a:buFont typeface="Symbol" pitchFamily="18" charset="2"/>
+              <a:buChar char=""/>
+            </a:pPr>
+            <a:r>
+              <a:rPr lang="en-US" sz="1400" dirty="0">
+                <a:solidFill>
+                  <a:schemeClr val="tx2"/>
+                </a:solidFill>
+                <a:latin typeface="Times New Roman" pitchFamily="18" charset="0"/>
+                <a:cs typeface="Times New Roman" pitchFamily="18" charset="0"/>
+              </a:rPr>
+              <a:t>Validity of Similarity Score Calculation</a:t>
+            </a:r>
+          </a:p>
+          <a:p>
+            <a:pPr marL="576263" lvl="1" indent="-274320">
+              <a:lnSpc>
+                <a:spcPct val="80000"/>
+              </a:lnSpc>
+              <a:spcBef>
+                <a:spcPct val="20000"/>
+              </a:spcBef>
+              <a:spcAft>
+                <a:spcPts val="600"/>
+              </a:spcAft>
+              <a:buClr>
+                <a:schemeClr val="accent1"/>
+              </a:buClr>
+              <a:buSzPct val="100000"/>
+              <a:buFont typeface="Symbol" pitchFamily="18" charset="2"/>
+              <a:buChar char=""/>
+            </a:pPr>
+            <a:r>
+              <a:rPr lang="en-US" sz="1400" dirty="0">
+                <a:solidFill>
+                  <a:schemeClr val="tx2"/>
+                </a:solidFill>
+                <a:latin typeface="Times New Roman" pitchFamily="18" charset="0"/>
+                <a:cs typeface="Times New Roman" pitchFamily="18" charset="0"/>
+              </a:rPr>
+              <a:t>Service Provider Configuration Validation</a:t>
+            </a:r>
+          </a:p>
+          <a:p>
+            <a:pPr marL="576263" lvl="1" indent="-274320">
+              <a:lnSpc>
+                <a:spcPct val="80000"/>
+              </a:lnSpc>
+              <a:spcBef>
+                <a:spcPct val="20000"/>
+              </a:spcBef>
+              <a:spcAft>
+                <a:spcPts val="600"/>
+              </a:spcAft>
+              <a:buClr>
+                <a:schemeClr val="accent1"/>
+              </a:buClr>
+              <a:buSzPct val="100000"/>
+              <a:buFont typeface="Symbol" pitchFamily="18" charset="2"/>
+              <a:buChar char=""/>
+            </a:pPr>
+            <a:r>
+              <a:rPr lang="en-US" sz="1400" dirty="0">
+                <a:solidFill>
+                  <a:schemeClr val="tx2"/>
+                </a:solidFill>
+                <a:latin typeface="Times New Roman" pitchFamily="18" charset="0"/>
+                <a:cs typeface="Times New Roman" pitchFamily="18" charset="0"/>
+              </a:rPr>
+              <a:t>Source &amp; Target File Retrieval</a:t>
+            </a:r>
+          </a:p>
+          <a:p>
+            <a:pPr marL="576263" lvl="1" indent="-274320">
+              <a:lnSpc>
+                <a:spcPct val="80000"/>
+              </a:lnSpc>
+              <a:spcBef>
+                <a:spcPct val="20000"/>
+              </a:spcBef>
+              <a:spcAft>
+                <a:spcPts val="600"/>
+              </a:spcAft>
+              <a:buClr>
+                <a:schemeClr val="accent1"/>
+              </a:buClr>
+              <a:buSzPct val="100000"/>
+              <a:buFont typeface="Symbol" pitchFamily="18" charset="2"/>
+              <a:buChar char=""/>
+            </a:pPr>
+            <a:r>
+              <a:rPr lang="en-US" sz="1400" dirty="0">
+                <a:solidFill>
+                  <a:schemeClr val="tx2"/>
+                </a:solidFill>
+                <a:latin typeface="Times New Roman" pitchFamily="18" charset="0"/>
+                <a:cs typeface="Times New Roman" pitchFamily="18" charset="0"/>
+              </a:rPr>
+              <a:t>Scalar Value Printing Validation</a:t>
+            </a:r>
+          </a:p>
+          <a:p>
+            <a:pPr marL="576263" lvl="1" indent="-274320">
+              <a:lnSpc>
+                <a:spcPct val="80000"/>
+              </a:lnSpc>
+              <a:spcBef>
+                <a:spcPct val="20000"/>
+              </a:spcBef>
+              <a:spcAft>
+                <a:spcPts val="600"/>
+              </a:spcAft>
+              <a:buClr>
+                <a:schemeClr val="accent1"/>
+              </a:buClr>
+              <a:buSzPct val="100000"/>
+              <a:buFont typeface="Symbol" pitchFamily="18" charset="2"/>
+              <a:buChar char=""/>
+            </a:pPr>
+            <a:r>
+              <a:rPr lang="en-US" sz="1400" dirty="0">
+                <a:solidFill>
+                  <a:schemeClr val="tx2"/>
+                </a:solidFill>
+                <a:latin typeface="Times New Roman" pitchFamily="18" charset="0"/>
+                <a:cs typeface="Times New Roman" pitchFamily="18" charset="0"/>
+              </a:rPr>
+              <a:t>Accuracy of Similarity Score Calculation</a:t>
+            </a:r>
+          </a:p>
+          <a:p>
+            <a:pPr marL="576263" lvl="1" indent="-274320">
+              <a:lnSpc>
+                <a:spcPct val="80000"/>
+              </a:lnSpc>
+              <a:spcBef>
+                <a:spcPct val="20000"/>
+              </a:spcBef>
+              <a:spcAft>
+                <a:spcPts val="600"/>
+              </a:spcAft>
+              <a:buClr>
+                <a:schemeClr val="accent1"/>
+              </a:buClr>
+              <a:buSzPct val="100000"/>
+              <a:buFont typeface="Symbol" pitchFamily="18" charset="2"/>
+              <a:buChar char=""/>
+            </a:pPr>
+            <a:r>
+              <a:rPr lang="en-US" sz="1400" dirty="0">
+                <a:solidFill>
+                  <a:schemeClr val="tx2"/>
+                </a:solidFill>
+                <a:latin typeface="Times New Roman" pitchFamily="18" charset="0"/>
+                <a:cs typeface="Times New Roman" pitchFamily="18" charset="0"/>
+              </a:rPr>
+              <a:t>Handling of Different Length </a:t>
+            </a:r>
+          </a:p>
+          <a:p>
+            <a:pPr marL="576263" lvl="1" indent="-274320">
+              <a:lnSpc>
+                <a:spcPct val="80000"/>
+              </a:lnSpc>
+              <a:spcBef>
+                <a:spcPct val="20000"/>
+              </a:spcBef>
+              <a:spcAft>
+                <a:spcPts val="600"/>
+              </a:spcAft>
+              <a:buClr>
+                <a:schemeClr val="accent1"/>
+              </a:buClr>
+              <a:buSzPct val="100000"/>
+              <a:buFont typeface="Symbol" pitchFamily="18" charset="2"/>
+              <a:buChar char=""/>
+            </a:pPr>
+            <a:r>
+              <a:rPr lang="en-US" sz="1400" dirty="0">
+                <a:solidFill>
+                  <a:schemeClr val="tx2"/>
+                </a:solidFill>
+                <a:latin typeface="Times New Roman" pitchFamily="18" charset="0"/>
+                <a:cs typeface="Times New Roman" pitchFamily="18" charset="0"/>
+              </a:rPr>
+              <a:t>Handling of Empty </a:t>
+            </a:r>
+          </a:p>
+          <a:p>
+            <a:pPr marL="576263" lvl="1" indent="-274320">
+              <a:lnSpc>
+                <a:spcPct val="80000"/>
+              </a:lnSpc>
+              <a:spcBef>
+                <a:spcPct val="20000"/>
+              </a:spcBef>
+              <a:spcAft>
+                <a:spcPts val="600"/>
+              </a:spcAft>
+              <a:buClr>
+                <a:schemeClr val="accent1"/>
+              </a:buClr>
+              <a:buSzPct val="100000"/>
+              <a:buFont typeface="Symbol" pitchFamily="18" charset="2"/>
+              <a:buChar char=""/>
+            </a:pPr>
+            <a:r>
+              <a:rPr lang="en-US" sz="1400" dirty="0">
+                <a:solidFill>
+                  <a:schemeClr val="tx2"/>
+                </a:solidFill>
+                <a:latin typeface="Times New Roman" pitchFamily="18" charset="0"/>
+                <a:cs typeface="Times New Roman" pitchFamily="18" charset="0"/>
+              </a:rPr>
+              <a:t>Handling of Invalid File Paths</a:t>
+            </a:r>
+          </a:p>
+          <a:p>
+            <a:pPr marL="576263" lvl="1" indent="-274320">
+              <a:lnSpc>
+                <a:spcPct val="80000"/>
+              </a:lnSpc>
+              <a:spcBef>
+                <a:spcPct val="20000"/>
+              </a:spcBef>
+              <a:spcAft>
+                <a:spcPts val="600"/>
+              </a:spcAft>
+              <a:buClr>
+                <a:schemeClr val="accent1"/>
+              </a:buClr>
+              <a:buSzPct val="100000"/>
+              <a:buFont typeface="Symbol" pitchFamily="18" charset="2"/>
+              <a:buChar char=""/>
+            </a:pPr>
+            <a:r>
+              <a:rPr lang="en-US" sz="1400" dirty="0">
+                <a:solidFill>
+                  <a:schemeClr val="tx2"/>
+                </a:solidFill>
+                <a:latin typeface="Times New Roman" pitchFamily="18" charset="0"/>
+                <a:cs typeface="Times New Roman" pitchFamily="18" charset="0"/>
+              </a:rPr>
+              <a:t>Phrase Processing &amp; Result Saving</a:t>
+            </a:r>
+          </a:p>
+          <a:p>
+            <a:pPr marL="576263" lvl="1" indent="-274320">
+              <a:lnSpc>
+                <a:spcPct val="80000"/>
+              </a:lnSpc>
+              <a:spcBef>
+                <a:spcPct val="20000"/>
+              </a:spcBef>
+              <a:spcAft>
+                <a:spcPts val="600"/>
+              </a:spcAft>
+              <a:buClr>
+                <a:schemeClr val="accent1"/>
+              </a:buClr>
+              <a:buSzPct val="100000"/>
+              <a:buFont typeface="Symbol" pitchFamily="18" charset="2"/>
+              <a:buChar char=""/>
+            </a:pPr>
+            <a:r>
+              <a:rPr lang="en-US" sz="1400" dirty="0">
+                <a:solidFill>
+                  <a:schemeClr val="tx2"/>
+                </a:solidFill>
+                <a:latin typeface="Times New Roman" pitchFamily="18" charset="0"/>
+                <a:cs typeface="Times New Roman" pitchFamily="18" charset="0"/>
+              </a:rPr>
+              <a:t>CSV Helper utility Test</a:t>
+            </a:r>
+          </a:p>
+        </p:txBody>
+      </p:sp>
+      <p:sp>
+        <p:nvSpPr>
+          <p:cNvPr id="16" name="Title 1"/>
+          <p:cNvSpPr>
+            <a:spLocks noGrp="1"/>
+          </p:cNvSpPr>
+          <p:nvPr>
+            <p:ph type="title"/>
+          </p:nvPr>
+        </p:nvSpPr>
+        <p:spPr>
+          <a:xfrm>
+            <a:off x="609600" y="338328"/>
+            <a:ext cx="10972800" cy="1252728"/>
+          </a:xfrm>
+        </p:spPr>
+        <p:txBody>
+          <a:bodyPr>
+            <a:noAutofit/>
+          </a:bodyPr>
+          <a:lstStyle/>
+          <a:p>
+            <a:pPr algn="l"/>
+            <a:br>
+              <a:rPr lang="en-US" sz="2800" b="1" i="1" dirty="0">
+                <a:latin typeface="Times New Roman" pitchFamily="18" charset="0"/>
+                <a:cs typeface="Times New Roman" pitchFamily="18" charset="0"/>
+              </a:rPr>
+            </a:br>
+            <a:r>
+              <a:rPr lang="en-US" sz="2800" b="1" i="1" dirty="0">
+                <a:latin typeface="Times New Roman" pitchFamily="18" charset="0"/>
+                <a:cs typeface="Times New Roman" pitchFamily="18" charset="0"/>
+              </a:rPr>
+              <a:t>TEST EXECUTION METHODS</a:t>
+            </a:r>
+            <a:endParaRPr lang="en-US" sz="2800" i="1" dirty="0">
+              <a:latin typeface="Times New Roman" pitchFamily="18" charset="0"/>
+              <a:cs typeface="Times New Roman" pitchFamily="18" charset="0"/>
+            </a:endParaRPr>
+          </a:p>
+        </p:txBody>
+      </p:sp>
+      <p:pic>
+        <p:nvPicPr>
+          <p:cNvPr id="2" name="object 36">
+            <a:extLst>
+              <a:ext uri="{FF2B5EF4-FFF2-40B4-BE49-F238E27FC236}">
+                <a16:creationId xmlns:a16="http://schemas.microsoft.com/office/drawing/2014/main" id="{BD638B85-8C04-1FC4-FB58-B41201535927}"/>
+              </a:ext>
+            </a:extLst>
+          </p:cNvPr>
+          <p:cNvPicPr/>
+          <p:nvPr/>
+        </p:nvPicPr>
+        <p:blipFill>
+          <a:blip r:embed="rId3" cstate="print"/>
+          <a:stretch>
+            <a:fillRect/>
+          </a:stretch>
+        </p:blipFill>
+        <p:spPr>
+          <a:xfrm>
+            <a:off x="9740862" y="583739"/>
+            <a:ext cx="1869948" cy="613176"/>
+          </a:xfrm>
+          <a:prstGeom prst="rect">
+            <a:avLst/>
+          </a:prstGeom>
+        </p:spPr>
+      </p:pic>
+      <p:pic>
+        <p:nvPicPr>
+          <p:cNvPr id="1026" name="Picture 2"/>
+          <p:cNvPicPr>
+            <a:picLocks noChangeAspect="1" noChangeArrowheads="1"/>
+          </p:cNvPicPr>
+          <p:nvPr/>
+        </p:nvPicPr>
+        <p:blipFill>
+          <a:blip r:embed="rId4">
+            <a:extLst>
+              <a:ext uri="{28A0092B-C50C-407E-A947-70E740481C1C}">
+                <a14:useLocalDpi xmlns:a14="http://schemas.microsoft.com/office/drawing/2010/main" val="0"/>
+              </a:ext>
+            </a:extLst>
+          </a:blip>
+          <a:srcRect/>
+          <a:stretch>
+            <a:fillRect/>
+          </a:stretch>
+        </p:blipFill>
+        <p:spPr bwMode="auto">
+          <a:xfrm>
+            <a:off x="637011" y="4651101"/>
+            <a:ext cx="4483629" cy="1506115"/>
+          </a:xfrm>
+          <a:prstGeom prst="rect">
+            <a:avLst/>
+          </a:prstGeom>
+          <a:noFill/>
+          <a:ln>
+            <a:noFill/>
+          </a:ln>
+          <a:effectLst>
+            <a:outerShdw dist="35921" dir="2700000" algn="ctr" rotWithShape="0">
+              <a:schemeClr val="bg2"/>
+            </a:outerShdw>
+            <a:softEdge rad="127000"/>
+          </a:effectLst>
+          <a:extLst>
+            <a:ext uri="{909E8E84-426E-40DD-AFC4-6F175D3DCCD1}">
+              <a14:hiddenFill xmlns:a14="http://schemas.microsoft.com/office/drawing/2010/main">
+                <a:solidFill>
+                  <a:schemeClr val="accent1"/>
+                </a:solidFill>
+              </a14:hiddenFill>
+            </a:ext>
+            <a:ext uri="{91240B29-F687-4F45-9708-019B960494DF}">
+              <a14:hiddenLine xmlns:a14="http://schemas.microsoft.com/office/drawing/2010/main" w="9525">
+                <a:solidFill>
+                  <a:schemeClr val="tx1"/>
+                </a:solidFill>
+                <a:miter lim="800000"/>
+                <a:headEnd/>
+                <a:tailEnd/>
+              </a14:hiddenLine>
+            </a:ext>
+          </a:extLst>
+        </p:spPr>
+      </p:pic>
+    </p:spTree>
+    <p:extLst>
+      <p:ext uri="{BB962C8B-B14F-4D97-AF65-F5344CB8AC3E}">
+        <p14:creationId xmlns:p14="http://schemas.microsoft.com/office/powerpoint/2010/main" val="3423378921"/>
+      </p:ext>
+    </p:extLst>
+  </p:cSld>
+  <p:clrMapOvr>
+    <a:masterClrMapping/>
+  </p:clrMapOvr>
+</p:sld>
+</file>
+
+<file path=ppt/slides/slide12.xml><?xml version="1.0" encoding="utf-8"?>
+<p:sld xmlns:a="http://schemas.openxmlformats.org/drawingml/2006/main" xmlns:r="http://schemas.openxmlformats.org/officeDocument/2006/relationships" xmlns:p="http://schemas.openxmlformats.org/presentationml/2006/main">
+  <p:cSld>
+    <p:spTree>
+      <p:nvGrpSpPr>
+        <p:cNvPr id="1" name=""/>
+        <p:cNvGrpSpPr/>
+        <p:nvPr/>
+      </p:nvGrpSpPr>
+      <p:grpSpPr>
+        <a:xfrm>
+          <a:off x="0" y="0"/>
+          <a:ext cx="0" cy="0"/>
+          <a:chOff x="0" y="0"/>
+          <a:chExt cx="0" cy="0"/>
+        </a:xfrm>
+      </p:grpSpPr>
+      <p:sp>
+        <p:nvSpPr>
+          <p:cNvPr id="3" name="Content Placeholder 2">
+            <a:extLst>
+              <a:ext uri="{FF2B5EF4-FFF2-40B4-BE49-F238E27FC236}">
                 <a16:creationId xmlns:a16="http://schemas.microsoft.com/office/drawing/2014/main" id="{A58537CC-FC3A-E5DC-8DAC-14DB4981F53F}"/>
               </a:ext>
             </a:extLst>
@@ -16076,8 +17792,8 @@
         </p:nvSpPr>
         <p:spPr>
           <a:xfrm>
-            <a:off x="248357" y="2049062"/>
-            <a:ext cx="9877777" cy="3450696"/>
+            <a:off x="248357" y="2049061"/>
+            <a:ext cx="6042377" cy="4130546"/>
           </a:xfrm>
         </p:spPr>
         <p:txBody>
@@ -16094,42 +17810,6 @@
                 <a:latin typeface="Times New Roman" pitchFamily="18" charset="0"/>
                 <a:cs typeface="Times New Roman" pitchFamily="18" charset="0"/>
               </a:rPr>
-              <a:t>Purpose:</a:t>
-            </a:r>
-            <a:endParaRPr lang="en-US" sz="1600" dirty="0">
-              <a:latin typeface="Times New Roman" pitchFamily="18" charset="0"/>
-              <a:cs typeface="Times New Roman" pitchFamily="18" charset="0"/>
-            </a:endParaRPr>
-          </a:p>
-          <a:p>
-            <a:pPr lvl="1"/>
-            <a:r>
-              <a:rPr lang="en-US" sz="1600" dirty="0">
-                <a:latin typeface="Times New Roman" pitchFamily="18" charset="0"/>
-                <a:cs typeface="Times New Roman" pitchFamily="18" charset="0"/>
-              </a:rPr>
-              <a:t>Understand Semantic Analysis through visual representation.</a:t>
-            </a:r>
-          </a:p>
-          <a:p>
-            <a:pPr lvl="1"/>
-            <a:r>
-              <a:rPr lang="en-US" sz="1600" dirty="0">
-                <a:latin typeface="Times New Roman" pitchFamily="18" charset="0"/>
-                <a:cs typeface="Times New Roman" pitchFamily="18" charset="0"/>
-              </a:rPr>
-              <a:t>Correlate similarity scores to real-time use cases.</a:t>
-            </a:r>
-          </a:p>
-          <a:p>
-            <a:pPr marL="0" indent="0">
-              <a:buNone/>
-            </a:pPr>
-            <a:r>
-              <a:rPr lang="en-US" sz="1600" b="1" dirty="0">
-                <a:latin typeface="Times New Roman" pitchFamily="18" charset="0"/>
-                <a:cs typeface="Times New Roman" pitchFamily="18" charset="0"/>
-              </a:rPr>
               <a:t>Python Integration:</a:t>
             </a:r>
             <a:endParaRPr lang="en-US" sz="1600" dirty="0">
@@ -16183,7 +17863,25 @@
             </a:r>
           </a:p>
           <a:p>
-            <a:pPr lvl="1"/>
+            <a:pPr marL="274320" marR="0" lvl="0" indent="-274320" algn="l" defTabSz="914400" rtl="0" eaLnBrk="1" fontAlgn="auto" latinLnBrk="0" hangingPunct="1">
+              <a:lnSpc>
+                <a:spcPct val="100000"/>
+              </a:lnSpc>
+              <a:spcBef>
+                <a:spcPct val="20000"/>
+              </a:spcBef>
+              <a:spcAft>
+                <a:spcPts val="0"/>
+              </a:spcAft>
+              <a:buClr>
+                <a:srgbClr val="629DD1"/>
+              </a:buClr>
+              <a:buSzPct val="100000"/>
+              <a:buFont typeface="Symbol" pitchFamily="18" charset="2"/>
+              <a:buChar char=""/>
+              <a:tabLst/>
+              <a:defRPr/>
+            </a:pPr>
             <a:r>
               <a:rPr lang="en-US" sz="1600" dirty="0">
                 <a:latin typeface="Times New Roman" pitchFamily="18" charset="0"/>
@@ -16191,6 +17889,184 @@
               </a:rPr>
               <a:t>Future scope: Automating CSV file placement.</a:t>
             </a:r>
+            <a:br>
+              <a:rPr lang="en-US" sz="1600" dirty="0">
+                <a:latin typeface="Times New Roman" pitchFamily="18" charset="0"/>
+                <a:cs typeface="Times New Roman" pitchFamily="18" charset="0"/>
+              </a:rPr>
+            </a:br>
+            <a:br>
+              <a:rPr lang="en-US" sz="1600" dirty="0">
+                <a:latin typeface="Times New Roman" pitchFamily="18" charset="0"/>
+                <a:cs typeface="Times New Roman" pitchFamily="18" charset="0"/>
+              </a:rPr>
+            </a:br>
+            <a:r>
+              <a:rPr lang="en-US" sz="1600" b="1" dirty="0">
+                <a:latin typeface="Times New Roman" pitchFamily="18" charset="0"/>
+                <a:cs typeface="Times New Roman" pitchFamily="18" charset="0"/>
+              </a:rPr>
+              <a:t>Results:</a:t>
+            </a:r>
+            <a:endParaRPr kumimoji="0" lang="en-US" sz="1600" b="0" i="0" u="none" strike="noStrike" kern="1200" cap="none" spc="0" normalizeH="0" baseline="0" noProof="0" dirty="0">
+              <a:ln>
+                <a:noFill/>
+              </a:ln>
+              <a:solidFill>
+                <a:srgbClr val="242852"/>
+              </a:solidFill>
+              <a:effectLst/>
+              <a:uLnTx/>
+              <a:uFillTx/>
+              <a:latin typeface="Times New Roman" pitchFamily="18" charset="0"/>
+              <a:ea typeface="+mn-ea"/>
+              <a:cs typeface="Times New Roman" pitchFamily="18" charset="0"/>
+            </a:endParaRPr>
+          </a:p>
+          <a:p>
+            <a:pPr>
+              <a:spcAft>
+                <a:spcPts val="600"/>
+              </a:spcAft>
+              <a:buClr>
+                <a:srgbClr val="629DD1"/>
+              </a:buClr>
+              <a:defRPr/>
+            </a:pPr>
+            <a:r>
+              <a:rPr kumimoji="0" lang="en-US" sz="1600" b="0" i="0" u="none" strike="noStrike" kern="1200" cap="none" spc="0" normalizeH="0" baseline="0" noProof="0" dirty="0">
+                <a:ln>
+                  <a:noFill/>
+                </a:ln>
+                <a:solidFill>
+                  <a:srgbClr val="242852"/>
+                </a:solidFill>
+                <a:effectLst/>
+                <a:uLnTx/>
+                <a:uFillTx/>
+                <a:latin typeface="Times New Roman" pitchFamily="18" charset="0"/>
+                <a:ea typeface="+mn-ea"/>
+                <a:cs typeface="Times New Roman" pitchFamily="18" charset="0"/>
+              </a:rPr>
+              <a:t>Results are Published using </a:t>
+            </a:r>
+            <a:r>
+              <a:rPr kumimoji="0" lang="en-US" sz="1600" b="0" i="0" u="none" strike="noStrike" kern="1200" cap="none" spc="0" normalizeH="0" baseline="0" noProof="0" dirty="0" err="1">
+                <a:ln>
+                  <a:noFill/>
+                </a:ln>
+                <a:solidFill>
+                  <a:srgbClr val="242852"/>
+                </a:solidFill>
+                <a:effectLst/>
+                <a:uLnTx/>
+                <a:uFillTx/>
+                <a:latin typeface="Times New Roman" pitchFamily="18" charset="0"/>
+                <a:ea typeface="+mn-ea"/>
+                <a:cs typeface="Times New Roman" pitchFamily="18" charset="0"/>
+              </a:rPr>
+              <a:t>Github</a:t>
+            </a:r>
+            <a:r>
+              <a:rPr kumimoji="0" lang="en-US" sz="1600" b="0" i="0" u="none" strike="noStrike" kern="1200" cap="none" spc="0" normalizeH="0" baseline="0" noProof="0" dirty="0">
+                <a:ln>
+                  <a:noFill/>
+                </a:ln>
+                <a:solidFill>
+                  <a:srgbClr val="242852"/>
+                </a:solidFill>
+                <a:effectLst/>
+                <a:uLnTx/>
+                <a:uFillTx/>
+                <a:latin typeface="Times New Roman" pitchFamily="18" charset="0"/>
+                <a:ea typeface="+mn-ea"/>
+                <a:cs typeface="Times New Roman" pitchFamily="18" charset="0"/>
+              </a:rPr>
+              <a:t> Pages.</a:t>
+            </a:r>
+          </a:p>
+          <a:p>
+            <a:pPr marL="274320" marR="0" lvl="0" indent="-274320" algn="l" defTabSz="914400" rtl="0" eaLnBrk="1" fontAlgn="auto" latinLnBrk="0" hangingPunct="1">
+              <a:lnSpc>
+                <a:spcPct val="80000"/>
+              </a:lnSpc>
+              <a:spcBef>
+                <a:spcPct val="20000"/>
+              </a:spcBef>
+              <a:spcAft>
+                <a:spcPts val="600"/>
+              </a:spcAft>
+              <a:buClr>
+                <a:srgbClr val="629DD1"/>
+              </a:buClr>
+              <a:buSzPct val="100000"/>
+              <a:buFont typeface="Symbol" pitchFamily="18" charset="2"/>
+              <a:buChar char=""/>
+              <a:tabLst/>
+              <a:defRPr/>
+            </a:pPr>
+            <a:r>
+              <a:rPr kumimoji="0" lang="en-US" sz="1600" b="0" i="0" u="none" strike="noStrike" kern="1200" cap="none" spc="0" normalizeH="0" baseline="0" noProof="0" dirty="0">
+                <a:ln>
+                  <a:noFill/>
+                </a:ln>
+                <a:solidFill>
+                  <a:srgbClr val="242852"/>
+                </a:solidFill>
+                <a:effectLst/>
+                <a:uLnTx/>
+                <a:uFillTx/>
+                <a:latin typeface="Times New Roman" pitchFamily="18" charset="0"/>
+                <a:ea typeface="+mn-ea"/>
+                <a:cs typeface="Times New Roman" pitchFamily="18" charset="0"/>
+              </a:rPr>
+              <a:t>Phrase Comparison Output  CSV Path - bin\Release\net9.0\data\output_datasetphrases.csv</a:t>
+            </a:r>
+          </a:p>
+          <a:p>
+            <a:pPr marL="274320" marR="0" lvl="0" indent="-274320" algn="l" defTabSz="914400" rtl="0" eaLnBrk="1" fontAlgn="auto" latinLnBrk="0" hangingPunct="1">
+              <a:lnSpc>
+                <a:spcPct val="80000"/>
+              </a:lnSpc>
+              <a:spcBef>
+                <a:spcPct val="20000"/>
+              </a:spcBef>
+              <a:spcAft>
+                <a:spcPts val="0"/>
+              </a:spcAft>
+              <a:buClr>
+                <a:srgbClr val="629DD1"/>
+              </a:buClr>
+              <a:buSzPct val="100000"/>
+              <a:buFont typeface="Symbol" pitchFamily="18" charset="2"/>
+              <a:buChar char=""/>
+              <a:tabLst/>
+              <a:defRPr/>
+            </a:pPr>
+            <a:r>
+              <a:rPr kumimoji="0" lang="en-US" sz="1600" b="0" i="0" u="none" strike="noStrike" kern="1200" cap="none" spc="0" normalizeH="0" baseline="0" noProof="0" dirty="0">
+                <a:ln>
+                  <a:noFill/>
+                </a:ln>
+                <a:solidFill>
+                  <a:srgbClr val="242852"/>
+                </a:solidFill>
+                <a:effectLst/>
+                <a:uLnTx/>
+                <a:uFillTx/>
+                <a:latin typeface="Times New Roman" pitchFamily="18" charset="0"/>
+                <a:ea typeface="+mn-ea"/>
+                <a:cs typeface="Times New Roman" pitchFamily="18" charset="0"/>
+              </a:rPr>
+              <a:t>Document Comparison Output CSV Path - bin\Release\net9.0\data\output_dataset.csv</a:t>
+            </a:r>
+          </a:p>
+          <a:p>
+            <a:pPr lvl="1"/>
+            <a:endParaRPr lang="en-US" sz="1600" dirty="0">
+              <a:latin typeface="Times New Roman" pitchFamily="18" charset="0"/>
+              <a:cs typeface="Times New Roman" pitchFamily="18" charset="0"/>
+            </a:endParaRPr>
           </a:p>
           <a:p>
             <a:pPr marL="301943" lvl="1" indent="0">
@@ -16200,48 +18076,6 @@
               <a:latin typeface="Times New Roman" pitchFamily="18" charset="0"/>
               <a:cs typeface="Times New Roman" pitchFamily="18" charset="0"/>
             </a:endParaRPr>
-          </a:p>
-          <a:p>
-            <a:pPr marL="0" lvl="1" indent="0">
-              <a:buNone/>
-            </a:pPr>
-            <a:r>
-              <a:rPr lang="en-US" sz="1600" b="1" dirty="0">
-                <a:latin typeface="Times New Roman" pitchFamily="18" charset="0"/>
-                <a:cs typeface="Times New Roman" pitchFamily="18" charset="0"/>
-              </a:rPr>
-              <a:t>Types of Plots:</a:t>
-            </a:r>
-          </a:p>
-          <a:p>
-            <a:pPr lvl="1"/>
-            <a:r>
-              <a:rPr lang="en-US" sz="1600" dirty="0">
-                <a:latin typeface="Times New Roman" pitchFamily="18" charset="0"/>
-                <a:cs typeface="Times New Roman" pitchFamily="18" charset="0"/>
-              </a:rPr>
-              <a:t>Comparison Plot:</a:t>
-            </a:r>
-          </a:p>
-          <a:p>
-            <a:pPr lvl="2"/>
-            <a:r>
-              <a:rPr lang="en-US" sz="1600" dirty="0">
-                <a:latin typeface="Times New Roman" pitchFamily="18" charset="0"/>
-                <a:cs typeface="Times New Roman" pitchFamily="18" charset="0"/>
-              </a:rPr>
-              <a:t>X-Axis: Document/Phrase Comparisons (User-designed datasets).</a:t>
-            </a:r>
-          </a:p>
-          <a:p>
-            <a:pPr lvl="2"/>
-            <a:r>
-              <a:rPr lang="en-US" sz="1600" dirty="0">
-                <a:latin typeface="Times New Roman" pitchFamily="18" charset="0"/>
-                <a:cs typeface="Times New Roman" pitchFamily="18" charset="0"/>
-              </a:rPr>
-              <a:t>Y-Axis: Similarity Scores.</a:t>
-            </a:r>
           </a:p>
           <a:p>
             <a:endParaRPr lang="en-IN" sz="1600" dirty="0">
@@ -16330,7 +18164,7 @@
           <a:p>
             <a:fld id="{3A98EE3D-8CD1-4C3F-BD1C-C98C9596463C}" type="slidenum">
               <a:rPr lang="en-US" smtClean="0"/>
-              <a:t>10</a:t>
+              <a:t>12</a:t>
             </a:fld>
             <a:endParaRPr lang="en-US" dirty="0"/>
           </a:p>
@@ -16616,204 +18450,6 @@
       </p:sp>
       <p:sp>
         <p:nvSpPr>
-          <p:cNvPr id="15" name="Rectangle 14"/>
-          <p:cNvSpPr/>
-          <p:nvPr/>
-        </p:nvSpPr>
-        <p:spPr>
-          <a:xfrm>
-            <a:off x="6692862" y="2592195"/>
-            <a:ext cx="5194338" cy="2899255"/>
-          </a:xfrm>
-          <a:prstGeom prst="rect">
-            <a:avLst/>
-          </a:prstGeom>
-        </p:spPr>
-        <p:txBody>
-          <a:bodyPr wrap="square">
-            <a:spAutoFit/>
-          </a:bodyPr>
-          <a:lstStyle/>
-          <a:p>
-            <a:pPr marL="0" lvl="1">
-              <a:spcBef>
-                <a:spcPct val="20000"/>
-              </a:spcBef>
-              <a:buClr>
-                <a:schemeClr val="accent1"/>
-              </a:buClr>
-              <a:buSzPct val="100000"/>
-            </a:pPr>
-            <a:r>
-              <a:rPr lang="en-US" sz="1600" b="1" dirty="0">
-                <a:solidFill>
-                  <a:schemeClr val="tx2"/>
-                </a:solidFill>
-                <a:latin typeface="Times New Roman" pitchFamily="18" charset="0"/>
-                <a:cs typeface="Times New Roman" pitchFamily="18" charset="0"/>
-              </a:rPr>
-              <a:t>Similarity vs. Scalar Plot:</a:t>
-            </a:r>
-          </a:p>
-          <a:p>
-            <a:pPr marL="800100" lvl="1" indent="-342900">
-              <a:spcBef>
-                <a:spcPct val="20000"/>
-              </a:spcBef>
-              <a:buClr>
-                <a:schemeClr val="accent1"/>
-              </a:buClr>
-              <a:buSzPct val="100000"/>
-              <a:buFont typeface="Arial" pitchFamily="34" charset="0"/>
-              <a:buChar char="•"/>
-            </a:pPr>
-            <a:r>
-              <a:rPr lang="en-US" sz="1600" dirty="0">
-                <a:solidFill>
-                  <a:schemeClr val="tx2"/>
-                </a:solidFill>
-                <a:latin typeface="Times New Roman" pitchFamily="18" charset="0"/>
-                <a:cs typeface="Times New Roman" pitchFamily="18" charset="0"/>
-              </a:rPr>
-              <a:t>X-Axis: Scalar Values (Ranges between 0-3052).</a:t>
-            </a:r>
-          </a:p>
-          <a:p>
-            <a:pPr marL="800100" lvl="1" indent="-342900">
-              <a:spcBef>
-                <a:spcPct val="20000"/>
-              </a:spcBef>
-              <a:buClr>
-                <a:schemeClr val="accent1"/>
-              </a:buClr>
-              <a:buSzPct val="100000"/>
-              <a:buFont typeface="Arial" pitchFamily="34" charset="0"/>
-              <a:buChar char="•"/>
-            </a:pPr>
-            <a:r>
-              <a:rPr lang="en-US" sz="1600" dirty="0">
-                <a:solidFill>
-                  <a:schemeClr val="tx2"/>
-                </a:solidFill>
-                <a:latin typeface="Times New Roman" pitchFamily="18" charset="0"/>
-                <a:cs typeface="Times New Roman" pitchFamily="18" charset="0"/>
-              </a:rPr>
-              <a:t>Y-Axis: Similarity Scores.</a:t>
-            </a:r>
-          </a:p>
-          <a:p>
-            <a:pPr lvl="1">
-              <a:spcBef>
-                <a:spcPct val="20000"/>
-              </a:spcBef>
-              <a:buClr>
-                <a:schemeClr val="accent1"/>
-              </a:buClr>
-              <a:buSzPct val="100000"/>
-              <a:buFont typeface="Symbol" pitchFamily="18" charset="2"/>
-            </a:pPr>
-            <a:r>
-              <a:rPr lang="en-US" sz="1600" dirty="0">
-                <a:solidFill>
-                  <a:schemeClr val="tx2"/>
-                </a:solidFill>
-                <a:latin typeface="Times New Roman" pitchFamily="18" charset="0"/>
-                <a:cs typeface="Times New Roman" pitchFamily="18" charset="0"/>
-              </a:rPr>
-              <a:t>Visualize how contextual relevance is generated.</a:t>
-            </a:r>
-          </a:p>
-          <a:p>
-            <a:pPr lvl="1">
-              <a:spcBef>
-                <a:spcPct val="20000"/>
-              </a:spcBef>
-              <a:buClr>
-                <a:schemeClr val="accent1"/>
-              </a:buClr>
-              <a:buSzPct val="100000"/>
-              <a:buFont typeface="Symbol" pitchFamily="18" charset="2"/>
-            </a:pPr>
-            <a:endParaRPr lang="en-US" sz="1600" dirty="0">
-              <a:solidFill>
-                <a:schemeClr val="tx2"/>
-              </a:solidFill>
-              <a:latin typeface="Times New Roman" pitchFamily="18" charset="0"/>
-              <a:cs typeface="Times New Roman" pitchFamily="18" charset="0"/>
-            </a:endParaRPr>
-          </a:p>
-          <a:p>
-            <a:pPr marL="0" lvl="1">
-              <a:spcBef>
-                <a:spcPct val="20000"/>
-              </a:spcBef>
-              <a:buClr>
-                <a:schemeClr val="accent1"/>
-              </a:buClr>
-              <a:buSzPct val="100000"/>
-              <a:buFont typeface="Symbol" pitchFamily="18" charset="2"/>
-            </a:pPr>
-            <a:r>
-              <a:rPr lang="en-US" sz="1600" b="1" dirty="0">
-                <a:solidFill>
-                  <a:schemeClr val="tx2"/>
-                </a:solidFill>
-                <a:latin typeface="Times New Roman" pitchFamily="18" charset="0"/>
-                <a:cs typeface="Times New Roman" pitchFamily="18" charset="0"/>
-              </a:rPr>
-              <a:t>Visualization Purpose:</a:t>
-            </a:r>
-          </a:p>
-          <a:p>
-            <a:pPr marL="742950" lvl="1" indent="-285750">
-              <a:spcBef>
-                <a:spcPct val="20000"/>
-              </a:spcBef>
-              <a:buClr>
-                <a:schemeClr val="accent1"/>
-              </a:buClr>
-              <a:buSzPct val="100000"/>
-              <a:buFont typeface="Arial" pitchFamily="34" charset="0"/>
-              <a:buChar char="•"/>
-            </a:pPr>
-            <a:r>
-              <a:rPr lang="en-US" sz="1600" dirty="0">
-                <a:solidFill>
-                  <a:schemeClr val="tx2"/>
-                </a:solidFill>
-                <a:latin typeface="Times New Roman" pitchFamily="18" charset="0"/>
-                <a:cs typeface="Times New Roman" pitchFamily="18" charset="0"/>
-              </a:rPr>
-              <a:t>Helps developers and users comprehend how embedding's map to similarity scores.</a:t>
-            </a:r>
-          </a:p>
-          <a:p>
-            <a:pPr marL="742950" lvl="1" indent="-285750">
-              <a:spcBef>
-                <a:spcPct val="20000"/>
-              </a:spcBef>
-              <a:buClr>
-                <a:schemeClr val="accent1"/>
-              </a:buClr>
-              <a:buSzPct val="100000"/>
-              <a:buFont typeface="Arial" pitchFamily="34" charset="0"/>
-              <a:buChar char="•"/>
-            </a:pPr>
-            <a:r>
-              <a:rPr lang="en-US" sz="1600" dirty="0">
-                <a:solidFill>
-                  <a:schemeClr val="tx2"/>
-                </a:solidFill>
-                <a:latin typeface="Times New Roman" pitchFamily="18" charset="0"/>
-                <a:cs typeface="Times New Roman" pitchFamily="18" charset="0"/>
-              </a:rPr>
-              <a:t>Provides insights for improving the similarity analysis approach.</a:t>
-            </a:r>
-          </a:p>
-        </p:txBody>
-      </p:sp>
-      <p:sp>
-        <p:nvSpPr>
           <p:cNvPr id="17" name="Title 1"/>
           <p:cNvSpPr>
             <a:spLocks noGrp="1"/>
@@ -16824,7 +18460,7 @@
         </p:nvSpPr>
         <p:spPr>
           <a:xfrm>
-            <a:off x="524758" y="724538"/>
+            <a:off x="581190" y="885865"/>
             <a:ext cx="10972800" cy="472377"/>
           </a:xfrm>
         </p:spPr>
@@ -16889,819 +18525,35 @@
           </a:effectLst>
         </p:spPr>
       </p:pic>
-    </p:spTree>
-    <p:extLst>
-      <p:ext uri="{BB962C8B-B14F-4D97-AF65-F5344CB8AC3E}">
-        <p14:creationId xmlns:p14="http://schemas.microsoft.com/office/powerpoint/2010/main" val="163331546"/>
-      </p:ext>
-    </p:extLst>
-  </p:cSld>
-  <p:clrMapOvr>
-    <a:masterClrMapping/>
-  </p:clrMapOvr>
-</p:sld>
-</file>
-
-<file path=ppt/slides/slide11.xml><?xml version="1.0" encoding="utf-8"?>
-<p:sld xmlns:a="http://schemas.openxmlformats.org/drawingml/2006/main" xmlns:r="http://schemas.openxmlformats.org/officeDocument/2006/relationships" xmlns:p="http://schemas.openxmlformats.org/presentationml/2006/main">
-  <p:cSld>
-    <p:spTree>
-      <p:nvGrpSpPr>
-        <p:cNvPr id="1" name=""/>
-        <p:cNvGrpSpPr/>
-        <p:nvPr/>
-      </p:nvGrpSpPr>
-      <p:grpSpPr>
-        <a:xfrm>
-          <a:off x="0" y="0"/>
-          <a:ext cx="0" cy="0"/>
-          <a:chOff x="0" y="0"/>
-          <a:chExt cx="0" cy="0"/>
-        </a:xfrm>
-      </p:grpSpPr>
       <p:sp>
         <p:nvSpPr>
-          <p:cNvPr id="3" name="Content Placeholder 2"/>
-          <p:cNvSpPr>
-            <a:spLocks noGrp="1"/>
-          </p:cNvSpPr>
-          <p:nvPr>
-            <p:ph idx="1"/>
-          </p:nvPr>
-        </p:nvSpPr>
-        <p:spPr>
-          <a:xfrm>
-            <a:off x="428793" y="2232280"/>
-            <a:ext cx="5489408" cy="4625720"/>
-          </a:xfrm>
-        </p:spPr>
-        <p:txBody>
-          <a:bodyPr>
-            <a:normAutofit/>
-          </a:bodyPr>
-          <a:lstStyle/>
-          <a:p>
-            <a:pPr marL="0" lvl="1" indent="0">
-              <a:lnSpc>
-                <a:spcPct val="80000"/>
-              </a:lnSpc>
-              <a:spcAft>
-                <a:spcPts val="600"/>
-              </a:spcAft>
-              <a:buNone/>
-            </a:pPr>
-            <a:r>
-              <a:rPr lang="en-US" sz="1600" b="1" dirty="0">
-                <a:latin typeface="Times New Roman" pitchFamily="18" charset="0"/>
-                <a:cs typeface="Times New Roman" pitchFamily="18" charset="0"/>
-              </a:rPr>
-              <a:t>Purpose:</a:t>
-            </a:r>
-          </a:p>
-          <a:p>
-            <a:pPr lvl="1">
-              <a:spcAft>
-                <a:spcPts val="600"/>
-              </a:spcAft>
-            </a:pPr>
-            <a:r>
-              <a:rPr lang="en-US" sz="1200" dirty="0">
-                <a:latin typeface="Times New Roman" pitchFamily="18" charset="0"/>
-                <a:cs typeface="Times New Roman" pitchFamily="18" charset="0"/>
-              </a:rPr>
-              <a:t>Ensure robustness of application by validating various functionalities through test cases.</a:t>
-            </a:r>
-          </a:p>
-          <a:p>
-            <a:pPr lvl="1">
-              <a:spcAft>
-                <a:spcPts val="600"/>
-              </a:spcAft>
-            </a:pPr>
-            <a:r>
-              <a:rPr lang="en-US" sz="1200" dirty="0">
-                <a:latin typeface="Times New Roman" pitchFamily="18" charset="0"/>
-                <a:cs typeface="Times New Roman" pitchFamily="18" charset="0"/>
-              </a:rPr>
-              <a:t>Maintain high code coverage by testing positive, negative, and edge case scenarios.</a:t>
-            </a:r>
-          </a:p>
-          <a:p>
-            <a:pPr lvl="1">
-              <a:spcAft>
-                <a:spcPts val="600"/>
-              </a:spcAft>
-            </a:pPr>
-            <a:r>
-              <a:rPr lang="en-US" sz="1200" dirty="0">
-                <a:latin typeface="Times New Roman" pitchFamily="18" charset="0"/>
-                <a:cs typeface="Times New Roman" pitchFamily="18" charset="0"/>
-              </a:rPr>
-              <a:t>Test Framework:</a:t>
-            </a:r>
-          </a:p>
-          <a:p>
-            <a:pPr lvl="1">
-              <a:spcAft>
-                <a:spcPts val="600"/>
-              </a:spcAft>
-            </a:pPr>
-            <a:r>
-              <a:rPr lang="en-US" sz="1200" dirty="0">
-                <a:latin typeface="Times New Roman" pitchFamily="18" charset="0"/>
-                <a:cs typeface="Times New Roman" pitchFamily="18" charset="0"/>
-              </a:rPr>
-              <a:t>Implemented using Microsoft.VisualStudio.TestTools.UnitTesting.</a:t>
-            </a:r>
-          </a:p>
-          <a:p>
-            <a:pPr lvl="1">
-              <a:spcAft>
-                <a:spcPts val="600"/>
-              </a:spcAft>
-            </a:pPr>
-            <a:r>
-              <a:rPr lang="en-US" sz="1200" dirty="0">
-                <a:latin typeface="Times New Roman" pitchFamily="18" charset="0"/>
-                <a:cs typeface="Times New Roman" pitchFamily="18" charset="0"/>
-              </a:rPr>
-              <a:t>Tests run via Visual Studio Test Explorer.</a:t>
-            </a:r>
-          </a:p>
-          <a:p>
-            <a:pPr lvl="1">
-              <a:spcAft>
-                <a:spcPts val="600"/>
-              </a:spcAft>
-            </a:pPr>
-            <a:r>
-              <a:rPr lang="en-US" sz="1200" dirty="0">
-                <a:latin typeface="Times New Roman" pitchFamily="18" charset="0"/>
-                <a:cs typeface="Times New Roman" pitchFamily="18" charset="0"/>
-              </a:rPr>
-              <a:t>Test classes created for each service based on business functionalities.</a:t>
-            </a:r>
-          </a:p>
-          <a:p>
-            <a:pPr lvl="1"/>
-            <a:endParaRPr lang="en-US" sz="2900" dirty="0">
-              <a:latin typeface="Times New Roman" pitchFamily="18" charset="0"/>
-              <a:cs typeface="Times New Roman" pitchFamily="18" charset="0"/>
-            </a:endParaRPr>
-          </a:p>
-          <a:p>
-            <a:pPr lvl="1"/>
-            <a:endParaRPr lang="en-US" sz="2900" dirty="0">
-              <a:latin typeface="Times New Roman" pitchFamily="18" charset="0"/>
-              <a:cs typeface="Times New Roman" pitchFamily="18" charset="0"/>
-            </a:endParaRPr>
-          </a:p>
-          <a:p>
-            <a:endParaRPr lang="en-US" dirty="0"/>
-          </a:p>
-        </p:txBody>
-      </p:sp>
-      <p:sp>
-        <p:nvSpPr>
-          <p:cNvPr id="4" name="Date Placeholder 3"/>
-          <p:cNvSpPr>
-            <a:spLocks noGrp="1"/>
-          </p:cNvSpPr>
-          <p:nvPr>
-            <p:ph type="dt" sz="half" idx="10"/>
-          </p:nvPr>
-        </p:nvSpPr>
-        <p:spPr/>
-        <p:txBody>
-          <a:bodyPr/>
-          <a:lstStyle/>
-          <a:p>
-            <a:r>
-              <a:rPr lang="en-US"/>
-              <a:t>3/22/2025</a:t>
-            </a:r>
-            <a:endParaRPr lang="en-US" dirty="0"/>
-          </a:p>
-        </p:txBody>
-      </p:sp>
-      <p:sp>
-        <p:nvSpPr>
-          <p:cNvPr id="5" name="Footer Placeholder 4"/>
-          <p:cNvSpPr>
-            <a:spLocks noGrp="1"/>
-          </p:cNvSpPr>
-          <p:nvPr>
-            <p:ph type="ftr" sz="quarter" idx="11"/>
-          </p:nvPr>
-        </p:nvSpPr>
-        <p:spPr/>
-        <p:txBody>
-          <a:bodyPr/>
-          <a:lstStyle/>
-          <a:p>
-            <a:r>
-              <a:rPr lang="en-US" dirty="0"/>
-              <a:t>Software Engineering</a:t>
-            </a:r>
-          </a:p>
-        </p:txBody>
-      </p:sp>
-      <p:sp>
-        <p:nvSpPr>
-          <p:cNvPr id="6" name="Slide Number Placeholder 5"/>
-          <p:cNvSpPr>
-            <a:spLocks noGrp="1"/>
-          </p:cNvSpPr>
-          <p:nvPr>
-            <p:ph type="sldNum" sz="quarter" idx="12"/>
-          </p:nvPr>
-        </p:nvSpPr>
-        <p:spPr/>
-        <p:txBody>
-          <a:bodyPr/>
-          <a:lstStyle/>
-          <a:p>
-            <a:fld id="{3A98EE3D-8CD1-4C3F-BD1C-C98C9596463C}" type="slidenum">
-              <a:rPr lang="en-US" smtClean="0"/>
-              <a:t>11</a:t>
-            </a:fld>
-            <a:endParaRPr lang="en-US" dirty="0"/>
-          </a:p>
-        </p:txBody>
-      </p:sp>
-      <p:sp>
-        <p:nvSpPr>
-          <p:cNvPr id="7" name="Content Placeholder 2"/>
-          <p:cNvSpPr txBox="1">
-            <a:spLocks/>
-          </p:cNvSpPr>
+          <p:cNvPr id="9" name="TextBox 8">
+            <a:extLst>
+              <a:ext uri="{FF2B5EF4-FFF2-40B4-BE49-F238E27FC236}">
+                <a16:creationId xmlns:a16="http://schemas.microsoft.com/office/drawing/2014/main" id="{02A3B81B-C9E0-1B44-A90B-62A06589CEA5}"/>
+              </a:ext>
+            </a:extLst>
+          </p:cNvPr>
+          <p:cNvSpPr txBox="1"/>
           <p:nvPr/>
         </p:nvSpPr>
         <p:spPr>
           <a:xfrm>
-            <a:off x="6524793" y="2493264"/>
-            <a:ext cx="5599475" cy="3634486"/>
+            <a:off x="5997677" y="2448231"/>
+            <a:ext cx="5860026" cy="2369880"/>
           </a:xfrm>
           <a:prstGeom prst="rect">
             <a:avLst/>
           </a:prstGeom>
+          <a:noFill/>
         </p:spPr>
         <p:txBody>
-          <a:bodyPr vert="horz" lIns="91440" tIns="45720" rIns="91440" bIns="45720" rtlCol="0" anchor="ctr">
-            <a:normAutofit/>
-          </a:bodyPr>
-          <a:lstStyle>
-            <a:lvl1pPr marL="306000" indent="-306000" algn="l" defTabSz="457200" rtl="0" eaLnBrk="1" latinLnBrk="0" hangingPunct="1">
-              <a:lnSpc>
-                <a:spcPct val="110000"/>
-              </a:lnSpc>
-              <a:spcBef>
-                <a:spcPct val="20000"/>
-              </a:spcBef>
-              <a:spcAft>
-                <a:spcPts val="600"/>
-              </a:spcAft>
-              <a:buClr>
-                <a:schemeClr val="accent1"/>
-              </a:buClr>
-              <a:buSzPct val="92000"/>
-              <a:buFont typeface="Wingdings 2" panose="05020102010507070707" pitchFamily="18" charset="2"/>
-              <a:buChar char=""/>
-              <a:defRPr sz="1700" kern="1200">
-                <a:solidFill>
-                  <a:schemeClr val="tx1">
-                    <a:lumMod val="75000"/>
-                    <a:lumOff val="25000"/>
-                  </a:schemeClr>
-                </a:solidFill>
-                <a:latin typeface="+mn-lt"/>
-                <a:ea typeface="+mn-ea"/>
-                <a:cs typeface="+mn-cs"/>
-              </a:defRPr>
-            </a:lvl1pPr>
-            <a:lvl2pPr marL="630000" indent="-306000" algn="l" defTabSz="457200" rtl="0" eaLnBrk="1" latinLnBrk="0" hangingPunct="1">
-              <a:spcBef>
-                <a:spcPct val="20000"/>
-              </a:spcBef>
-              <a:spcAft>
-                <a:spcPts val="600"/>
-              </a:spcAft>
-              <a:buClr>
-                <a:schemeClr val="accent1"/>
-              </a:buClr>
-              <a:buSzPct val="92000"/>
-              <a:buFont typeface="Wingdings 2" panose="05020102010507070707" pitchFamily="18" charset="2"/>
-              <a:buChar char=""/>
-              <a:defRPr sz="1400" kern="1200">
-                <a:solidFill>
-                  <a:schemeClr val="tx1">
-                    <a:lumMod val="75000"/>
-                    <a:lumOff val="25000"/>
-                  </a:schemeClr>
-                </a:solidFill>
-                <a:latin typeface="+mn-lt"/>
-                <a:ea typeface="+mn-ea"/>
-                <a:cs typeface="+mn-cs"/>
-              </a:defRPr>
-            </a:lvl2pPr>
-            <a:lvl3pPr marL="900000" indent="-270000" algn="l" defTabSz="457200" rtl="0" eaLnBrk="1" latinLnBrk="0" hangingPunct="1">
-              <a:spcBef>
-                <a:spcPct val="20000"/>
-              </a:spcBef>
-              <a:spcAft>
-                <a:spcPts val="600"/>
-              </a:spcAft>
-              <a:buClr>
-                <a:schemeClr val="accent1"/>
-              </a:buClr>
-              <a:buSzPct val="92000"/>
-              <a:buFont typeface="Wingdings 2" panose="05020102010507070707" pitchFamily="18" charset="2"/>
-              <a:buChar char=""/>
-              <a:defRPr sz="1300" kern="1200">
-                <a:solidFill>
-                  <a:schemeClr val="tx1">
-                    <a:lumMod val="75000"/>
-                    <a:lumOff val="25000"/>
-                  </a:schemeClr>
-                </a:solidFill>
-                <a:latin typeface="+mn-lt"/>
-                <a:ea typeface="+mn-ea"/>
-                <a:cs typeface="+mn-cs"/>
-              </a:defRPr>
-            </a:lvl3pPr>
-            <a:lvl4pPr marL="1242000" indent="-234000" algn="l" defTabSz="457200" rtl="0" eaLnBrk="1" latinLnBrk="0" hangingPunct="1">
-              <a:spcBef>
-                <a:spcPct val="20000"/>
-              </a:spcBef>
-              <a:spcAft>
-                <a:spcPts val="600"/>
-              </a:spcAft>
-              <a:buClr>
-                <a:schemeClr val="accent1"/>
-              </a:buClr>
-              <a:buSzPct val="92000"/>
-              <a:buFont typeface="Wingdings 2" panose="05020102010507070707" pitchFamily="18" charset="2"/>
-              <a:buChar char=""/>
-              <a:defRPr sz="1100" kern="1200">
-                <a:solidFill>
-                  <a:schemeClr val="tx1">
-                    <a:lumMod val="75000"/>
-                    <a:lumOff val="25000"/>
-                  </a:schemeClr>
-                </a:solidFill>
-                <a:latin typeface="+mn-lt"/>
-                <a:ea typeface="+mn-ea"/>
-                <a:cs typeface="+mn-cs"/>
-              </a:defRPr>
-            </a:lvl4pPr>
-            <a:lvl5pPr marL="1602000" indent="-234000" algn="l" defTabSz="457200" rtl="0" eaLnBrk="1" latinLnBrk="0" hangingPunct="1">
-              <a:spcBef>
-                <a:spcPct val="20000"/>
-              </a:spcBef>
-              <a:spcAft>
-                <a:spcPts val="600"/>
-              </a:spcAft>
-              <a:buClr>
-                <a:schemeClr val="accent1"/>
-              </a:buClr>
-              <a:buSzPct val="92000"/>
-              <a:buFont typeface="Wingdings 2" panose="05020102010507070707" pitchFamily="18" charset="2"/>
-              <a:buChar char=""/>
-              <a:defRPr sz="1100" kern="1200">
-                <a:solidFill>
-                  <a:schemeClr val="tx1">
-                    <a:lumMod val="75000"/>
-                    <a:lumOff val="25000"/>
-                  </a:schemeClr>
-                </a:solidFill>
-                <a:latin typeface="+mn-lt"/>
-                <a:ea typeface="+mn-ea"/>
-                <a:cs typeface="+mn-cs"/>
-              </a:defRPr>
-            </a:lvl5pPr>
-            <a:lvl6pPr marL="1900000" indent="-228600" algn="l" defTabSz="457200" rtl="0" eaLnBrk="1" latinLnBrk="0" hangingPunct="1">
-              <a:spcBef>
-                <a:spcPct val="20000"/>
-              </a:spcBef>
-              <a:spcAft>
-                <a:spcPts val="600"/>
-              </a:spcAft>
-              <a:buClr>
-                <a:schemeClr val="accent2"/>
-              </a:buClr>
-              <a:buSzPct val="92000"/>
-              <a:buFont typeface="Wingdings 2" panose="05020102010507070707" pitchFamily="18" charset="2"/>
-              <a:buChar char=""/>
-              <a:defRPr sz="1200" kern="1200">
-                <a:solidFill>
-                  <a:schemeClr val="tx2"/>
-                </a:solidFill>
-                <a:latin typeface="+mn-lt"/>
-                <a:ea typeface="+mn-ea"/>
-                <a:cs typeface="+mn-cs"/>
-              </a:defRPr>
-            </a:lvl6pPr>
-            <a:lvl7pPr marL="2200000" indent="-228600" algn="l" defTabSz="457200" rtl="0" eaLnBrk="1" latinLnBrk="0" hangingPunct="1">
-              <a:spcBef>
-                <a:spcPct val="20000"/>
-              </a:spcBef>
-              <a:spcAft>
-                <a:spcPts val="600"/>
-              </a:spcAft>
-              <a:buClr>
-                <a:schemeClr val="accent2"/>
-              </a:buClr>
-              <a:buSzPct val="92000"/>
-              <a:buFont typeface="Wingdings 2" panose="05020102010507070707" pitchFamily="18" charset="2"/>
-              <a:buChar char=""/>
-              <a:defRPr sz="1200" kern="1200">
-                <a:solidFill>
-                  <a:schemeClr val="tx2"/>
-                </a:solidFill>
-                <a:latin typeface="+mn-lt"/>
-                <a:ea typeface="+mn-ea"/>
-                <a:cs typeface="+mn-cs"/>
-              </a:defRPr>
-            </a:lvl7pPr>
-            <a:lvl8pPr marL="2500000" indent="-228600" algn="l" defTabSz="457200" rtl="0" eaLnBrk="1" latinLnBrk="0" hangingPunct="1">
-              <a:spcBef>
-                <a:spcPct val="20000"/>
-              </a:spcBef>
-              <a:spcAft>
-                <a:spcPts val="600"/>
-              </a:spcAft>
-              <a:buClr>
-                <a:schemeClr val="accent2"/>
-              </a:buClr>
-              <a:buSzPct val="92000"/>
-              <a:buFont typeface="Wingdings 2" panose="05020102010507070707" pitchFamily="18" charset="2"/>
-              <a:buChar char=""/>
-              <a:defRPr sz="1200" kern="1200">
-                <a:solidFill>
-                  <a:schemeClr val="tx2"/>
-                </a:solidFill>
-                <a:latin typeface="+mn-lt"/>
-                <a:ea typeface="+mn-ea"/>
-                <a:cs typeface="+mn-cs"/>
-              </a:defRPr>
-            </a:lvl8pPr>
-            <a:lvl9pPr marL="2800000" indent="-228600" algn="l" defTabSz="457200" rtl="0" eaLnBrk="1" latinLnBrk="0" hangingPunct="1">
-              <a:spcBef>
-                <a:spcPct val="20000"/>
-              </a:spcBef>
-              <a:spcAft>
-                <a:spcPts val="600"/>
-              </a:spcAft>
-              <a:buClr>
-                <a:schemeClr val="accent2"/>
-              </a:buClr>
-              <a:buSzPct val="92000"/>
-              <a:buFont typeface="Wingdings 2" panose="05020102010507070707" pitchFamily="18" charset="2"/>
-              <a:buChar char=""/>
-              <a:defRPr sz="1200" kern="1200">
-                <a:solidFill>
-                  <a:schemeClr val="tx2"/>
-                </a:solidFill>
-                <a:latin typeface="+mn-lt"/>
-                <a:ea typeface="+mn-ea"/>
-                <a:cs typeface="+mn-cs"/>
-              </a:defRPr>
-            </a:lvl9pPr>
-          </a:lstStyle>
-          <a:p>
-            <a:endParaRPr lang="en-US" dirty="0"/>
-          </a:p>
-        </p:txBody>
-      </p:sp>
-      <p:sp>
-        <p:nvSpPr>
-          <p:cNvPr id="9" name="Content Placeholder 2"/>
-          <p:cNvSpPr txBox="1">
-            <a:spLocks/>
-          </p:cNvSpPr>
-          <p:nvPr/>
-        </p:nvSpPr>
-        <p:spPr>
-          <a:xfrm>
-            <a:off x="6414727" y="2192869"/>
-            <a:ext cx="5599475" cy="3964347"/>
-          </a:xfrm>
-          <a:prstGeom prst="rect">
-            <a:avLst/>
-          </a:prstGeom>
-        </p:spPr>
-        <p:txBody>
-          <a:bodyPr vert="horz" lIns="91440" tIns="45720" rIns="91440" bIns="45720" rtlCol="0" anchor="ctr">
-            <a:normAutofit/>
-          </a:bodyPr>
-          <a:lstStyle>
-            <a:lvl1pPr marL="306000" indent="-306000" algn="l" defTabSz="457200" rtl="0" eaLnBrk="1" latinLnBrk="0" hangingPunct="1">
-              <a:lnSpc>
-                <a:spcPct val="110000"/>
-              </a:lnSpc>
-              <a:spcBef>
-                <a:spcPct val="20000"/>
-              </a:spcBef>
-              <a:spcAft>
-                <a:spcPts val="600"/>
-              </a:spcAft>
-              <a:buClr>
-                <a:schemeClr val="accent1"/>
-              </a:buClr>
-              <a:buSzPct val="92000"/>
-              <a:buFont typeface="Wingdings 2" panose="05020102010507070707" pitchFamily="18" charset="2"/>
-              <a:buChar char=""/>
-              <a:defRPr sz="1700" kern="1200">
-                <a:solidFill>
-                  <a:schemeClr val="tx1">
-                    <a:lumMod val="75000"/>
-                    <a:lumOff val="25000"/>
-                  </a:schemeClr>
-                </a:solidFill>
-                <a:latin typeface="+mn-lt"/>
-                <a:ea typeface="+mn-ea"/>
-                <a:cs typeface="+mn-cs"/>
-              </a:defRPr>
-            </a:lvl1pPr>
-            <a:lvl2pPr marL="630000" indent="-306000" algn="l" defTabSz="457200" rtl="0" eaLnBrk="1" latinLnBrk="0" hangingPunct="1">
-              <a:spcBef>
-                <a:spcPct val="20000"/>
-              </a:spcBef>
-              <a:spcAft>
-                <a:spcPts val="600"/>
-              </a:spcAft>
-              <a:buClr>
-                <a:schemeClr val="accent1"/>
-              </a:buClr>
-              <a:buSzPct val="92000"/>
-              <a:buFont typeface="Wingdings 2" panose="05020102010507070707" pitchFamily="18" charset="2"/>
-              <a:buChar char=""/>
-              <a:defRPr sz="1400" kern="1200">
-                <a:solidFill>
-                  <a:schemeClr val="tx1">
-                    <a:lumMod val="75000"/>
-                    <a:lumOff val="25000"/>
-                  </a:schemeClr>
-                </a:solidFill>
-                <a:latin typeface="+mn-lt"/>
-                <a:ea typeface="+mn-ea"/>
-                <a:cs typeface="+mn-cs"/>
-              </a:defRPr>
-            </a:lvl2pPr>
-            <a:lvl3pPr marL="900000" indent="-270000" algn="l" defTabSz="457200" rtl="0" eaLnBrk="1" latinLnBrk="0" hangingPunct="1">
-              <a:spcBef>
-                <a:spcPct val="20000"/>
-              </a:spcBef>
-              <a:spcAft>
-                <a:spcPts val="600"/>
-              </a:spcAft>
-              <a:buClr>
-                <a:schemeClr val="accent1"/>
-              </a:buClr>
-              <a:buSzPct val="92000"/>
-              <a:buFont typeface="Wingdings 2" panose="05020102010507070707" pitchFamily="18" charset="2"/>
-              <a:buChar char=""/>
-              <a:defRPr sz="1300" kern="1200">
-                <a:solidFill>
-                  <a:schemeClr val="tx1">
-                    <a:lumMod val="75000"/>
-                    <a:lumOff val="25000"/>
-                  </a:schemeClr>
-                </a:solidFill>
-                <a:latin typeface="+mn-lt"/>
-                <a:ea typeface="+mn-ea"/>
-                <a:cs typeface="+mn-cs"/>
-              </a:defRPr>
-            </a:lvl3pPr>
-            <a:lvl4pPr marL="1242000" indent="-234000" algn="l" defTabSz="457200" rtl="0" eaLnBrk="1" latinLnBrk="0" hangingPunct="1">
-              <a:spcBef>
-                <a:spcPct val="20000"/>
-              </a:spcBef>
-              <a:spcAft>
-                <a:spcPts val="600"/>
-              </a:spcAft>
-              <a:buClr>
-                <a:schemeClr val="accent1"/>
-              </a:buClr>
-              <a:buSzPct val="92000"/>
-              <a:buFont typeface="Wingdings 2" panose="05020102010507070707" pitchFamily="18" charset="2"/>
-              <a:buChar char=""/>
-              <a:defRPr sz="1100" kern="1200">
-                <a:solidFill>
-                  <a:schemeClr val="tx1">
-                    <a:lumMod val="75000"/>
-                    <a:lumOff val="25000"/>
-                  </a:schemeClr>
-                </a:solidFill>
-                <a:latin typeface="+mn-lt"/>
-                <a:ea typeface="+mn-ea"/>
-                <a:cs typeface="+mn-cs"/>
-              </a:defRPr>
-            </a:lvl4pPr>
-            <a:lvl5pPr marL="1602000" indent="-234000" algn="l" defTabSz="457200" rtl="0" eaLnBrk="1" latinLnBrk="0" hangingPunct="1">
-              <a:spcBef>
-                <a:spcPct val="20000"/>
-              </a:spcBef>
-              <a:spcAft>
-                <a:spcPts val="600"/>
-              </a:spcAft>
-              <a:buClr>
-                <a:schemeClr val="accent1"/>
-              </a:buClr>
-              <a:buSzPct val="92000"/>
-              <a:buFont typeface="Wingdings 2" panose="05020102010507070707" pitchFamily="18" charset="2"/>
-              <a:buChar char=""/>
-              <a:defRPr sz="1100" kern="1200">
-                <a:solidFill>
-                  <a:schemeClr val="tx1">
-                    <a:lumMod val="75000"/>
-                    <a:lumOff val="25000"/>
-                  </a:schemeClr>
-                </a:solidFill>
-                <a:latin typeface="+mn-lt"/>
-                <a:ea typeface="+mn-ea"/>
-                <a:cs typeface="+mn-cs"/>
-              </a:defRPr>
-            </a:lvl5pPr>
-            <a:lvl6pPr marL="1900000" indent="-228600" algn="l" defTabSz="457200" rtl="0" eaLnBrk="1" latinLnBrk="0" hangingPunct="1">
-              <a:spcBef>
-                <a:spcPct val="20000"/>
-              </a:spcBef>
-              <a:spcAft>
-                <a:spcPts val="600"/>
-              </a:spcAft>
-              <a:buClr>
-                <a:schemeClr val="accent2"/>
-              </a:buClr>
-              <a:buSzPct val="92000"/>
-              <a:buFont typeface="Wingdings 2" panose="05020102010507070707" pitchFamily="18" charset="2"/>
-              <a:buChar char=""/>
-              <a:defRPr sz="1200" kern="1200">
-                <a:solidFill>
-                  <a:schemeClr val="tx2"/>
-                </a:solidFill>
-                <a:latin typeface="+mn-lt"/>
-                <a:ea typeface="+mn-ea"/>
-                <a:cs typeface="+mn-cs"/>
-              </a:defRPr>
-            </a:lvl6pPr>
-            <a:lvl7pPr marL="2200000" indent="-228600" algn="l" defTabSz="457200" rtl="0" eaLnBrk="1" latinLnBrk="0" hangingPunct="1">
-              <a:spcBef>
-                <a:spcPct val="20000"/>
-              </a:spcBef>
-              <a:spcAft>
-                <a:spcPts val="600"/>
-              </a:spcAft>
-              <a:buClr>
-                <a:schemeClr val="accent2"/>
-              </a:buClr>
-              <a:buSzPct val="92000"/>
-              <a:buFont typeface="Wingdings 2" panose="05020102010507070707" pitchFamily="18" charset="2"/>
-              <a:buChar char=""/>
-              <a:defRPr sz="1200" kern="1200">
-                <a:solidFill>
-                  <a:schemeClr val="tx2"/>
-                </a:solidFill>
-                <a:latin typeface="+mn-lt"/>
-                <a:ea typeface="+mn-ea"/>
-                <a:cs typeface="+mn-cs"/>
-              </a:defRPr>
-            </a:lvl7pPr>
-            <a:lvl8pPr marL="2500000" indent="-228600" algn="l" defTabSz="457200" rtl="0" eaLnBrk="1" latinLnBrk="0" hangingPunct="1">
-              <a:spcBef>
-                <a:spcPct val="20000"/>
-              </a:spcBef>
-              <a:spcAft>
-                <a:spcPts val="600"/>
-              </a:spcAft>
-              <a:buClr>
-                <a:schemeClr val="accent2"/>
-              </a:buClr>
-              <a:buSzPct val="92000"/>
-              <a:buFont typeface="Wingdings 2" panose="05020102010507070707" pitchFamily="18" charset="2"/>
-              <a:buChar char=""/>
-              <a:defRPr sz="1200" kern="1200">
-                <a:solidFill>
-                  <a:schemeClr val="tx2"/>
-                </a:solidFill>
-                <a:latin typeface="+mn-lt"/>
-                <a:ea typeface="+mn-ea"/>
-                <a:cs typeface="+mn-cs"/>
-              </a:defRPr>
-            </a:lvl8pPr>
-            <a:lvl9pPr marL="2800000" indent="-228600" algn="l" defTabSz="457200" rtl="0" eaLnBrk="1" latinLnBrk="0" hangingPunct="1">
-              <a:spcBef>
-                <a:spcPct val="20000"/>
-              </a:spcBef>
-              <a:spcAft>
-                <a:spcPts val="600"/>
-              </a:spcAft>
-              <a:buClr>
-                <a:schemeClr val="accent2"/>
-              </a:buClr>
-              <a:buSzPct val="92000"/>
-              <a:buFont typeface="Wingdings 2" panose="05020102010507070707" pitchFamily="18" charset="2"/>
-              <a:buChar char=""/>
-              <a:defRPr sz="1200" kern="1200">
-                <a:solidFill>
-                  <a:schemeClr val="tx2"/>
-                </a:solidFill>
-                <a:latin typeface="+mn-lt"/>
-                <a:ea typeface="+mn-ea"/>
-                <a:cs typeface="+mn-cs"/>
-              </a:defRPr>
-            </a:lvl9pPr>
-          </a:lstStyle>
-          <a:p>
-            <a:endParaRPr lang="en-US" dirty="0"/>
-          </a:p>
-        </p:txBody>
-      </p:sp>
-      <p:sp>
-        <p:nvSpPr>
-          <p:cNvPr id="10" name="Rectangle 9"/>
-          <p:cNvSpPr/>
-          <p:nvPr/>
-        </p:nvSpPr>
-        <p:spPr>
-          <a:xfrm>
-            <a:off x="5918201" y="1751812"/>
-            <a:ext cx="6096000" cy="4672048"/>
-          </a:xfrm>
-          <a:prstGeom prst="rect">
-            <a:avLst/>
-          </a:prstGeom>
-        </p:spPr>
-        <p:txBody>
-          <a:bodyPr>
+          <a:bodyPr wrap="square" rtlCol="0">
             <a:spAutoFit/>
           </a:bodyPr>
           <a:lstStyle/>
           <a:p>
-            <a:pPr marL="411480" lvl="1" defTabSz="457200">
-              <a:lnSpc>
-                <a:spcPct val="80000"/>
-              </a:lnSpc>
-              <a:spcBef>
-                <a:spcPts val="300"/>
-              </a:spcBef>
-              <a:spcAft>
-                <a:spcPts val="600"/>
-              </a:spcAft>
-              <a:buClr>
-                <a:schemeClr val="accent2"/>
-              </a:buClr>
-              <a:buSzPct val="92000"/>
-            </a:pPr>
-            <a:endParaRPr lang="en-US" sz="1400" b="1" dirty="0">
-              <a:latin typeface="Times New Roman" pitchFamily="18" charset="0"/>
-              <a:cs typeface="Times New Roman" pitchFamily="18" charset="0"/>
-            </a:endParaRPr>
-          </a:p>
-          <a:p>
-            <a:pPr marL="411480" lvl="1" defTabSz="457200">
-              <a:lnSpc>
-                <a:spcPct val="80000"/>
-              </a:lnSpc>
-              <a:spcBef>
-                <a:spcPts val="300"/>
-              </a:spcBef>
-              <a:spcAft>
-                <a:spcPts val="600"/>
-              </a:spcAft>
-              <a:buClr>
-                <a:schemeClr val="accent2"/>
-              </a:buClr>
-              <a:buSzPct val="92000"/>
-            </a:pPr>
-            <a:endParaRPr lang="en-US" sz="1400" b="1" dirty="0">
-              <a:latin typeface="Times New Roman" pitchFamily="18" charset="0"/>
-              <a:cs typeface="Times New Roman" pitchFamily="18" charset="0"/>
-            </a:endParaRPr>
-          </a:p>
-          <a:p>
-            <a:pPr marL="411480" lvl="1" defTabSz="457200">
-              <a:lnSpc>
-                <a:spcPct val="80000"/>
-              </a:lnSpc>
-              <a:spcBef>
-                <a:spcPts val="300"/>
-              </a:spcBef>
-              <a:spcAft>
-                <a:spcPts val="600"/>
-              </a:spcAft>
-              <a:buClr>
-                <a:schemeClr val="accent2"/>
-              </a:buClr>
-              <a:buSzPct val="92000"/>
-            </a:pPr>
-            <a:endParaRPr lang="en-US" sz="1400" b="1" dirty="0">
-              <a:latin typeface="Times New Roman" pitchFamily="18" charset="0"/>
-              <a:cs typeface="Times New Roman" pitchFamily="18" charset="0"/>
-            </a:endParaRPr>
-          </a:p>
-          <a:p>
-            <a:pPr marL="0" lvl="1">
+            <a:pPr marL="0" marR="0" lvl="0" indent="0" algn="l" defTabSz="914400" rtl="0" eaLnBrk="1" fontAlgn="auto" latinLnBrk="0" hangingPunct="1">
               <a:lnSpc>
                 <a:spcPct val="80000"/>
               </a:lnSpc>
@@ -17709,26 +18561,37 @@
                 <a:spcPct val="20000"/>
               </a:spcBef>
               <a:spcAft>
-                <a:spcPts val="600"/>
+                <a:spcPts val="0"/>
               </a:spcAft>
               <a:buClr>
-                <a:schemeClr val="accent1"/>
+                <a:srgbClr val="629DD1"/>
               </a:buClr>
               <a:buSzPct val="100000"/>
+              <a:buFont typeface="Symbol" pitchFamily="18" charset="2"/>
+              <a:buNone/>
+              <a:tabLst/>
+              <a:defRPr/>
             </a:pPr>
             <a:r>
-              <a:rPr lang="en-US" sz="1600" b="1" dirty="0">
+              <a:rPr kumimoji="0" lang="en-US" sz="1600" b="1" i="0" u="none" strike="noStrike" kern="1200" cap="none" spc="0" normalizeH="0" baseline="0" noProof="0" dirty="0">
+                <a:ln>
+                  <a:noFill/>
+                </a:ln>
                 <a:solidFill>
-                  <a:schemeClr val="tx2"/>
+                  <a:srgbClr val="242852"/>
                 </a:solidFill>
+                <a:effectLst/>
+                <a:uLnTx/>
+                <a:uFillTx/>
                 <a:latin typeface="Times New Roman" pitchFamily="18" charset="0"/>
+                <a:ea typeface="+mn-ea"/>
                 <a:cs typeface="Times New Roman" pitchFamily="18" charset="0"/>
               </a:rPr>
-              <a:t>Test Case Categories:</a:t>
-            </a:r>
-          </a:p>
-          <a:p>
-            <a:pPr marL="576263" lvl="1" indent="-274320">
+              <a:t>Plots:</a:t>
+            </a:r>
+          </a:p>
+          <a:p>
+            <a:pPr marL="0" marR="0" lvl="0" indent="0" algn="l" defTabSz="914400" rtl="0" eaLnBrk="1" fontAlgn="auto" latinLnBrk="0" hangingPunct="1">
               <a:lnSpc>
                 <a:spcPct val="80000"/>
               </a:lnSpc>
@@ -17736,28 +18599,37 @@
                 <a:spcPct val="20000"/>
               </a:spcBef>
               <a:spcAft>
-                <a:spcPts val="600"/>
+                <a:spcPts val="0"/>
               </a:spcAft>
               <a:buClr>
-                <a:schemeClr val="accent1"/>
+                <a:srgbClr val="629DD1"/>
               </a:buClr>
               <a:buSzPct val="100000"/>
               <a:buFont typeface="Symbol" pitchFamily="18" charset="2"/>
-              <a:buChar char=""/>
+              <a:buNone/>
+              <a:tabLst/>
+              <a:defRPr/>
             </a:pPr>
             <a:r>
-              <a:rPr lang="en-US" sz="1400" dirty="0">
+              <a:rPr kumimoji="0" lang="en-US" sz="1600" b="0" i="0" u="none" strike="noStrike" kern="1200" cap="none" spc="0" normalizeH="0" baseline="0" noProof="0" dirty="0">
+                <a:ln>
+                  <a:noFill/>
+                </a:ln>
                 <a:solidFill>
-                  <a:schemeClr val="tx2"/>
+                  <a:srgbClr val="242852"/>
                 </a:solidFill>
+                <a:effectLst/>
+                <a:uLnTx/>
+                <a:uFillTx/>
                 <a:latin typeface="Times New Roman" pitchFamily="18" charset="0"/>
+                <a:ea typeface="+mn-ea"/>
                 <a:cs typeface="Times New Roman" pitchFamily="18" charset="0"/>
               </a:rPr>
-              <a:t>Basic Test Framework Validation</a:t>
-            </a:r>
-          </a:p>
-          <a:p>
-            <a:pPr marL="576263" lvl="1" indent="-274320">
+              <a:t>Phrase Comparison Results:</a:t>
+            </a:r>
+          </a:p>
+          <a:p>
+            <a:pPr marL="0" marR="0" lvl="0" indent="0" algn="l" defTabSz="914400" rtl="0" eaLnBrk="1" fontAlgn="auto" latinLnBrk="0" hangingPunct="1">
               <a:lnSpc>
                 <a:spcPct val="80000"/>
               </a:lnSpc>
@@ -17765,750 +18637,30 @@
                 <a:spcPct val="20000"/>
               </a:spcBef>
               <a:spcAft>
-                <a:spcPts val="600"/>
+                <a:spcPts val="0"/>
               </a:spcAft>
               <a:buClr>
-                <a:schemeClr val="accent1"/>
+                <a:srgbClr val="629DD1"/>
               </a:buClr>
               <a:buSzPct val="100000"/>
               <a:buFont typeface="Symbol" pitchFamily="18" charset="2"/>
-              <a:buChar char=""/>
+              <a:buNone/>
+              <a:tabLst/>
+              <a:defRPr/>
             </a:pPr>
             <a:r>
-              <a:rPr lang="en-US" sz="1400" dirty="0">
+              <a:rPr kumimoji="0" lang="en-US" sz="1200" b="0" i="0" u="sng" strike="noStrike" kern="1200" cap="none" spc="0" normalizeH="0" baseline="0" noProof="0" dirty="0">
+                <a:ln>
+                  <a:noFill/>
+                </a:ln>
                 <a:solidFill>
-                  <a:schemeClr val="tx2"/>
+                  <a:prstClr val="black"/>
                 </a:solidFill>
+                <a:effectLst/>
+                <a:uLnTx/>
+                <a:uFillTx/>
                 <a:latin typeface="Times New Roman" pitchFamily="18" charset="0"/>
-                <a:cs typeface="Times New Roman" pitchFamily="18" charset="0"/>
-              </a:rPr>
-              <a:t>Exception Handling in Document Comparison</a:t>
-            </a:r>
-          </a:p>
-          <a:p>
-            <a:pPr marL="576263" lvl="1" indent="-274320">
-              <a:lnSpc>
-                <a:spcPct val="80000"/>
-              </a:lnSpc>
-              <a:spcBef>
-                <a:spcPct val="20000"/>
-              </a:spcBef>
-              <a:spcAft>
-                <a:spcPts val="600"/>
-              </a:spcAft>
-              <a:buClr>
-                <a:schemeClr val="accent1"/>
-              </a:buClr>
-              <a:buSzPct val="100000"/>
-              <a:buFont typeface="Symbol" pitchFamily="18" charset="2"/>
-              <a:buChar char=""/>
-            </a:pPr>
-            <a:r>
-              <a:rPr lang="en-US" sz="1400" dirty="0">
-                <a:solidFill>
-                  <a:schemeClr val="tx2"/>
-                </a:solidFill>
-                <a:latin typeface="Times New Roman" pitchFamily="18" charset="0"/>
-                <a:cs typeface="Times New Roman" pitchFamily="18" charset="0"/>
-              </a:rPr>
-              <a:t>Validity of Similarity Score Calculation</a:t>
-            </a:r>
-          </a:p>
-          <a:p>
-            <a:pPr marL="576263" lvl="1" indent="-274320">
-              <a:lnSpc>
-                <a:spcPct val="80000"/>
-              </a:lnSpc>
-              <a:spcBef>
-                <a:spcPct val="20000"/>
-              </a:spcBef>
-              <a:spcAft>
-                <a:spcPts val="600"/>
-              </a:spcAft>
-              <a:buClr>
-                <a:schemeClr val="accent1"/>
-              </a:buClr>
-              <a:buSzPct val="100000"/>
-              <a:buFont typeface="Symbol" pitchFamily="18" charset="2"/>
-              <a:buChar char=""/>
-            </a:pPr>
-            <a:r>
-              <a:rPr lang="en-US" sz="1400" dirty="0">
-                <a:solidFill>
-                  <a:schemeClr val="tx2"/>
-                </a:solidFill>
-                <a:latin typeface="Times New Roman" pitchFamily="18" charset="0"/>
-                <a:cs typeface="Times New Roman" pitchFamily="18" charset="0"/>
-              </a:rPr>
-              <a:t>Service Provider Configuration Validation</a:t>
-            </a:r>
-          </a:p>
-          <a:p>
-            <a:pPr marL="576263" lvl="1" indent="-274320">
-              <a:lnSpc>
-                <a:spcPct val="80000"/>
-              </a:lnSpc>
-              <a:spcBef>
-                <a:spcPct val="20000"/>
-              </a:spcBef>
-              <a:spcAft>
-                <a:spcPts val="600"/>
-              </a:spcAft>
-              <a:buClr>
-                <a:schemeClr val="accent1"/>
-              </a:buClr>
-              <a:buSzPct val="100000"/>
-              <a:buFont typeface="Symbol" pitchFamily="18" charset="2"/>
-              <a:buChar char=""/>
-            </a:pPr>
-            <a:r>
-              <a:rPr lang="en-US" sz="1400" dirty="0">
-                <a:solidFill>
-                  <a:schemeClr val="tx2"/>
-                </a:solidFill>
-                <a:latin typeface="Times New Roman" pitchFamily="18" charset="0"/>
-                <a:cs typeface="Times New Roman" pitchFamily="18" charset="0"/>
-              </a:rPr>
-              <a:t>Source &amp; Target File Retrieval</a:t>
-            </a:r>
-          </a:p>
-          <a:p>
-            <a:pPr marL="576263" lvl="1" indent="-274320">
-              <a:lnSpc>
-                <a:spcPct val="80000"/>
-              </a:lnSpc>
-              <a:spcBef>
-                <a:spcPct val="20000"/>
-              </a:spcBef>
-              <a:spcAft>
-                <a:spcPts val="600"/>
-              </a:spcAft>
-              <a:buClr>
-                <a:schemeClr val="accent1"/>
-              </a:buClr>
-              <a:buSzPct val="100000"/>
-              <a:buFont typeface="Symbol" pitchFamily="18" charset="2"/>
-              <a:buChar char=""/>
-            </a:pPr>
-            <a:r>
-              <a:rPr lang="en-US" sz="1400" dirty="0">
-                <a:solidFill>
-                  <a:schemeClr val="tx2"/>
-                </a:solidFill>
-                <a:latin typeface="Times New Roman" pitchFamily="18" charset="0"/>
-                <a:cs typeface="Times New Roman" pitchFamily="18" charset="0"/>
-              </a:rPr>
-              <a:t>Scalar Value Printing Validation</a:t>
-            </a:r>
-          </a:p>
-          <a:p>
-            <a:pPr marL="576263" lvl="1" indent="-274320">
-              <a:lnSpc>
-                <a:spcPct val="80000"/>
-              </a:lnSpc>
-              <a:spcBef>
-                <a:spcPct val="20000"/>
-              </a:spcBef>
-              <a:spcAft>
-                <a:spcPts val="600"/>
-              </a:spcAft>
-              <a:buClr>
-                <a:schemeClr val="accent1"/>
-              </a:buClr>
-              <a:buSzPct val="100000"/>
-              <a:buFont typeface="Symbol" pitchFamily="18" charset="2"/>
-              <a:buChar char=""/>
-            </a:pPr>
-            <a:r>
-              <a:rPr lang="en-US" sz="1400" dirty="0">
-                <a:solidFill>
-                  <a:schemeClr val="tx2"/>
-                </a:solidFill>
-                <a:latin typeface="Times New Roman" pitchFamily="18" charset="0"/>
-                <a:cs typeface="Times New Roman" pitchFamily="18" charset="0"/>
-              </a:rPr>
-              <a:t>Accuracy of Similarity Score Calculation</a:t>
-            </a:r>
-          </a:p>
-          <a:p>
-            <a:pPr marL="576263" lvl="1" indent="-274320">
-              <a:lnSpc>
-                <a:spcPct val="80000"/>
-              </a:lnSpc>
-              <a:spcBef>
-                <a:spcPct val="20000"/>
-              </a:spcBef>
-              <a:spcAft>
-                <a:spcPts val="600"/>
-              </a:spcAft>
-              <a:buClr>
-                <a:schemeClr val="accent1"/>
-              </a:buClr>
-              <a:buSzPct val="100000"/>
-              <a:buFont typeface="Symbol" pitchFamily="18" charset="2"/>
-              <a:buChar char=""/>
-            </a:pPr>
-            <a:r>
-              <a:rPr lang="en-US" sz="1400" dirty="0">
-                <a:solidFill>
-                  <a:schemeClr val="tx2"/>
-                </a:solidFill>
-                <a:latin typeface="Times New Roman" pitchFamily="18" charset="0"/>
-                <a:cs typeface="Times New Roman" pitchFamily="18" charset="0"/>
-              </a:rPr>
-              <a:t>Handling of Different Length </a:t>
-            </a:r>
-          </a:p>
-          <a:p>
-            <a:pPr marL="576263" lvl="1" indent="-274320">
-              <a:lnSpc>
-                <a:spcPct val="80000"/>
-              </a:lnSpc>
-              <a:spcBef>
-                <a:spcPct val="20000"/>
-              </a:spcBef>
-              <a:spcAft>
-                <a:spcPts val="600"/>
-              </a:spcAft>
-              <a:buClr>
-                <a:schemeClr val="accent1"/>
-              </a:buClr>
-              <a:buSzPct val="100000"/>
-              <a:buFont typeface="Symbol" pitchFamily="18" charset="2"/>
-              <a:buChar char=""/>
-            </a:pPr>
-            <a:r>
-              <a:rPr lang="en-US" sz="1400" dirty="0">
-                <a:solidFill>
-                  <a:schemeClr val="tx2"/>
-                </a:solidFill>
-                <a:latin typeface="Times New Roman" pitchFamily="18" charset="0"/>
-                <a:cs typeface="Times New Roman" pitchFamily="18" charset="0"/>
-              </a:rPr>
-              <a:t>Handling of Empty </a:t>
-            </a:r>
-          </a:p>
-          <a:p>
-            <a:pPr marL="576263" lvl="1" indent="-274320">
-              <a:lnSpc>
-                <a:spcPct val="80000"/>
-              </a:lnSpc>
-              <a:spcBef>
-                <a:spcPct val="20000"/>
-              </a:spcBef>
-              <a:spcAft>
-                <a:spcPts val="600"/>
-              </a:spcAft>
-              <a:buClr>
-                <a:schemeClr val="accent1"/>
-              </a:buClr>
-              <a:buSzPct val="100000"/>
-              <a:buFont typeface="Symbol" pitchFamily="18" charset="2"/>
-              <a:buChar char=""/>
-            </a:pPr>
-            <a:r>
-              <a:rPr lang="en-US" sz="1400" dirty="0">
-                <a:solidFill>
-                  <a:schemeClr val="tx2"/>
-                </a:solidFill>
-                <a:latin typeface="Times New Roman" pitchFamily="18" charset="0"/>
-                <a:cs typeface="Times New Roman" pitchFamily="18" charset="0"/>
-              </a:rPr>
-              <a:t>Handling of Invalid File Paths</a:t>
-            </a:r>
-          </a:p>
-          <a:p>
-            <a:pPr marL="576263" lvl="1" indent="-274320">
-              <a:lnSpc>
-                <a:spcPct val="80000"/>
-              </a:lnSpc>
-              <a:spcBef>
-                <a:spcPct val="20000"/>
-              </a:spcBef>
-              <a:spcAft>
-                <a:spcPts val="600"/>
-              </a:spcAft>
-              <a:buClr>
-                <a:schemeClr val="accent1"/>
-              </a:buClr>
-              <a:buSzPct val="100000"/>
-              <a:buFont typeface="Symbol" pitchFamily="18" charset="2"/>
-              <a:buChar char=""/>
-            </a:pPr>
-            <a:r>
-              <a:rPr lang="en-US" sz="1400" dirty="0">
-                <a:solidFill>
-                  <a:schemeClr val="tx2"/>
-                </a:solidFill>
-                <a:latin typeface="Times New Roman" pitchFamily="18" charset="0"/>
-                <a:cs typeface="Times New Roman" pitchFamily="18" charset="0"/>
-              </a:rPr>
-              <a:t>Phrase Processing &amp; Result Saving</a:t>
-            </a:r>
-          </a:p>
-          <a:p>
-            <a:pPr marL="576263" lvl="1" indent="-274320">
-              <a:lnSpc>
-                <a:spcPct val="80000"/>
-              </a:lnSpc>
-              <a:spcBef>
-                <a:spcPct val="20000"/>
-              </a:spcBef>
-              <a:spcAft>
-                <a:spcPts val="600"/>
-              </a:spcAft>
-              <a:buClr>
-                <a:schemeClr val="accent1"/>
-              </a:buClr>
-              <a:buSzPct val="100000"/>
-              <a:buFont typeface="Symbol" pitchFamily="18" charset="2"/>
-              <a:buChar char=""/>
-            </a:pPr>
-            <a:r>
-              <a:rPr lang="en-US" sz="1400" dirty="0">
-                <a:solidFill>
-                  <a:schemeClr val="tx2"/>
-                </a:solidFill>
-                <a:latin typeface="Times New Roman" pitchFamily="18" charset="0"/>
-                <a:cs typeface="Times New Roman" pitchFamily="18" charset="0"/>
-              </a:rPr>
-              <a:t>CSV Helper utility Test</a:t>
-            </a:r>
-          </a:p>
-        </p:txBody>
-      </p:sp>
-      <p:sp>
-        <p:nvSpPr>
-          <p:cNvPr id="16" name="Title 1"/>
-          <p:cNvSpPr>
-            <a:spLocks noGrp="1"/>
-          </p:cNvSpPr>
-          <p:nvPr>
-            <p:ph type="title"/>
-          </p:nvPr>
-        </p:nvSpPr>
-        <p:spPr>
-          <a:xfrm>
-            <a:off x="609600" y="338328"/>
-            <a:ext cx="10972800" cy="1252728"/>
-          </a:xfrm>
-        </p:spPr>
-        <p:txBody>
-          <a:bodyPr>
-            <a:noAutofit/>
-          </a:bodyPr>
-          <a:lstStyle/>
-          <a:p>
-            <a:pPr algn="l"/>
-            <a:br>
-              <a:rPr lang="en-US" sz="2800" b="1" i="1" dirty="0">
-                <a:latin typeface="Times New Roman" pitchFamily="18" charset="0"/>
-                <a:cs typeface="Times New Roman" pitchFamily="18" charset="0"/>
-              </a:rPr>
-            </a:br>
-            <a:r>
-              <a:rPr lang="en-US" sz="2800" b="1" i="1" dirty="0">
-                <a:latin typeface="Times New Roman" pitchFamily="18" charset="0"/>
-                <a:cs typeface="Times New Roman" pitchFamily="18" charset="0"/>
-              </a:rPr>
-              <a:t>TEST EXECUTION METHODS</a:t>
-            </a:r>
-            <a:endParaRPr lang="en-US" sz="2800" i="1" dirty="0">
-              <a:latin typeface="Times New Roman" pitchFamily="18" charset="0"/>
-              <a:cs typeface="Times New Roman" pitchFamily="18" charset="0"/>
-            </a:endParaRPr>
-          </a:p>
-        </p:txBody>
-      </p:sp>
-      <p:pic>
-        <p:nvPicPr>
-          <p:cNvPr id="2" name="object 36">
-            <a:extLst>
-              <a:ext uri="{FF2B5EF4-FFF2-40B4-BE49-F238E27FC236}">
-                <a16:creationId xmlns:a16="http://schemas.microsoft.com/office/drawing/2014/main" id="{BD638B85-8C04-1FC4-FB58-B41201535927}"/>
-              </a:ext>
-            </a:extLst>
-          </p:cNvPr>
-          <p:cNvPicPr/>
-          <p:nvPr/>
-        </p:nvPicPr>
-        <p:blipFill>
-          <a:blip r:embed="rId3" cstate="print"/>
-          <a:stretch>
-            <a:fillRect/>
-          </a:stretch>
-        </p:blipFill>
-        <p:spPr>
-          <a:xfrm>
-            <a:off x="9740862" y="583739"/>
-            <a:ext cx="1869948" cy="613176"/>
-          </a:xfrm>
-          <a:prstGeom prst="rect">
-            <a:avLst/>
-          </a:prstGeom>
-        </p:spPr>
-      </p:pic>
-      <p:pic>
-        <p:nvPicPr>
-          <p:cNvPr id="1026" name="Picture 2"/>
-          <p:cNvPicPr>
-            <a:picLocks noChangeAspect="1" noChangeArrowheads="1"/>
-          </p:cNvPicPr>
-          <p:nvPr/>
-        </p:nvPicPr>
-        <p:blipFill>
-          <a:blip r:embed="rId4">
-            <a:extLst>
-              <a:ext uri="{28A0092B-C50C-407E-A947-70E740481C1C}">
-                <a14:useLocalDpi xmlns:a14="http://schemas.microsoft.com/office/drawing/2010/main" val="0"/>
-              </a:ext>
-            </a:extLst>
-          </a:blip>
-          <a:srcRect/>
-          <a:stretch>
-            <a:fillRect/>
-          </a:stretch>
-        </p:blipFill>
-        <p:spPr bwMode="auto">
-          <a:xfrm>
-            <a:off x="637011" y="4651101"/>
-            <a:ext cx="4483629" cy="1506115"/>
-          </a:xfrm>
-          <a:prstGeom prst="rect">
-            <a:avLst/>
-          </a:prstGeom>
-          <a:noFill/>
-          <a:ln>
-            <a:noFill/>
-          </a:ln>
-          <a:effectLst>
-            <a:outerShdw dist="35921" dir="2700000" algn="ctr" rotWithShape="0">
-              <a:schemeClr val="bg2"/>
-            </a:outerShdw>
-            <a:softEdge rad="127000"/>
-          </a:effectLst>
-          <a:extLst>
-            <a:ext uri="{909E8E84-426E-40DD-AFC4-6F175D3DCCD1}">
-              <a14:hiddenFill xmlns:a14="http://schemas.microsoft.com/office/drawing/2010/main">
-                <a:solidFill>
-                  <a:schemeClr val="accent1"/>
-                </a:solidFill>
-              </a14:hiddenFill>
-            </a:ext>
-            <a:ext uri="{91240B29-F687-4F45-9708-019B960494DF}">
-              <a14:hiddenLine xmlns:a14="http://schemas.microsoft.com/office/drawing/2010/main" w="9525">
-                <a:solidFill>
-                  <a:schemeClr val="tx1"/>
-                </a:solidFill>
-                <a:miter lim="800000"/>
-                <a:headEnd/>
-                <a:tailEnd/>
-              </a14:hiddenLine>
-            </a:ext>
-          </a:extLst>
-        </p:spPr>
-      </p:pic>
-    </p:spTree>
-    <p:extLst>
-      <p:ext uri="{BB962C8B-B14F-4D97-AF65-F5344CB8AC3E}">
-        <p14:creationId xmlns:p14="http://schemas.microsoft.com/office/powerpoint/2010/main" val="3423378921"/>
-      </p:ext>
-    </p:extLst>
-  </p:cSld>
-  <p:clrMapOvr>
-    <a:masterClrMapping/>
-  </p:clrMapOvr>
-</p:sld>
-</file>
-
-<file path=ppt/slides/slide12.xml><?xml version="1.0" encoding="utf-8"?>
-<p:sld xmlns:a="http://schemas.openxmlformats.org/drawingml/2006/main" xmlns:r="http://schemas.openxmlformats.org/officeDocument/2006/relationships" xmlns:p="http://schemas.openxmlformats.org/presentationml/2006/main">
-  <p:cSld>
-    <p:spTree>
-      <p:nvGrpSpPr>
-        <p:cNvPr id="1" name=""/>
-        <p:cNvGrpSpPr/>
-        <p:nvPr/>
-      </p:nvGrpSpPr>
-      <p:grpSpPr>
-        <a:xfrm>
-          <a:off x="0" y="0"/>
-          <a:ext cx="0" cy="0"/>
-          <a:chOff x="0" y="0"/>
-          <a:chExt cx="0" cy="0"/>
-        </a:xfrm>
-      </p:grpSpPr>
-      <p:sp>
-        <p:nvSpPr>
-          <p:cNvPr id="3" name="Content Placeholder 2"/>
-          <p:cNvSpPr>
-            <a:spLocks noGrp="1"/>
-          </p:cNvSpPr>
-          <p:nvPr>
-            <p:ph idx="1"/>
-          </p:nvPr>
-        </p:nvSpPr>
-        <p:spPr>
-          <a:xfrm>
-            <a:off x="334306" y="2349331"/>
-            <a:ext cx="11029615" cy="3909483"/>
-          </a:xfrm>
-        </p:spPr>
-        <p:txBody>
-          <a:bodyPr>
-            <a:noAutofit/>
-          </a:bodyPr>
-          <a:lstStyle/>
-          <a:p>
-            <a:r>
-              <a:rPr lang="en-US" sz="1600" dirty="0">
-                <a:latin typeface="Times New Roman" pitchFamily="18" charset="0"/>
-                <a:cs typeface="Times New Roman" pitchFamily="18" charset="0"/>
-              </a:rPr>
-              <a:t>Results are Published using Github Pages.</a:t>
-            </a:r>
-          </a:p>
-          <a:p>
-            <a:pPr>
-              <a:lnSpc>
-                <a:spcPct val="80000"/>
-              </a:lnSpc>
-            </a:pPr>
-            <a:r>
-              <a:rPr lang="en-US" sz="1600" dirty="0">
-                <a:latin typeface="Times New Roman" pitchFamily="18" charset="0"/>
-                <a:cs typeface="Times New Roman" pitchFamily="18" charset="0"/>
-              </a:rPr>
-              <a:t>Phrase Comparison Output  CSV Path - bin\Release\net9.0\data\output_datasetphrases.csv</a:t>
-            </a:r>
-          </a:p>
-          <a:p>
-            <a:pPr>
-              <a:lnSpc>
-                <a:spcPct val="80000"/>
-              </a:lnSpc>
-            </a:pPr>
-            <a:r>
-              <a:rPr lang="en-US" sz="1600" dirty="0">
-                <a:latin typeface="Times New Roman" pitchFamily="18" charset="0"/>
-                <a:cs typeface="Times New Roman" pitchFamily="18" charset="0"/>
-              </a:rPr>
-              <a:t>Document Comparison Output CSV Path - bin\Release\net9.0\data\output_dataset.csv</a:t>
-            </a:r>
-          </a:p>
-          <a:p>
-            <a:pPr marL="0" indent="0">
-              <a:lnSpc>
-                <a:spcPct val="80000"/>
-              </a:lnSpc>
-              <a:buFont typeface="Symbol" pitchFamily="18" charset="2"/>
-              <a:buNone/>
-            </a:pPr>
-            <a:endParaRPr lang="en-US" sz="1600" dirty="0">
-              <a:latin typeface="Times New Roman" pitchFamily="18" charset="0"/>
-              <a:cs typeface="Times New Roman" pitchFamily="18" charset="0"/>
-            </a:endParaRPr>
-          </a:p>
-          <a:p>
-            <a:pPr marL="0" indent="0">
-              <a:lnSpc>
-                <a:spcPct val="80000"/>
-              </a:lnSpc>
-              <a:buFont typeface="Symbol" pitchFamily="18" charset="2"/>
-              <a:buNone/>
-            </a:pPr>
-            <a:r>
-              <a:rPr lang="en-US" sz="1600" dirty="0">
-                <a:latin typeface="Times New Roman" pitchFamily="18" charset="0"/>
-                <a:cs typeface="Times New Roman" pitchFamily="18" charset="0"/>
-              </a:rPr>
-              <a:t>Phrase Comparison Results:</a:t>
-            </a:r>
-          </a:p>
-          <a:p>
-            <a:pPr marL="0" indent="0">
-              <a:lnSpc>
-                <a:spcPct val="80000"/>
-              </a:lnSpc>
-              <a:buFont typeface="Symbol" pitchFamily="18" charset="2"/>
-              <a:buNone/>
-            </a:pPr>
-            <a:r>
-              <a:rPr lang="en-US" sz="1200" u="sng" dirty="0">
-                <a:solidFill>
-                  <a:schemeClr val="tx1"/>
-                </a:solidFill>
-                <a:latin typeface="Times New Roman" pitchFamily="18" charset="0"/>
-                <a:cs typeface="Times New Roman" pitchFamily="18" charset="0"/>
-                <a:hlinkClick r:id="rId2">
-                  <a:extLst>
-                    <a:ext uri="{A12FA001-AC4F-418D-AE19-62706E023703}">
-                      <ahyp:hlinkClr xmlns:ahyp="http://schemas.microsoft.com/office/drawing/2018/hyperlinkcolor" val="tx"/>
-                    </a:ext>
-                  </a:extLst>
-                </a:hlinkClick>
-              </a:rPr>
-              <a:t>https</a:t>
-            </a:r>
-            <a:r>
-              <a:rPr lang="en-US" sz="1200" u="sng" dirty="0">
-                <a:solidFill>
-                  <a:srgbClr val="9454C3"/>
-                </a:solidFill>
-                <a:latin typeface="Times New Roman" pitchFamily="18" charset="0"/>
-                <a:cs typeface="Times New Roman" pitchFamily="18" charset="0"/>
-                <a:hlinkClick r:id="rId2">
-                  <a:extLst>
-                    <a:ext uri="{A12FA001-AC4F-418D-AE19-62706E023703}">
-                      <ahyp:hlinkClr xmlns:ahyp="http://schemas.microsoft.com/office/drawing/2018/hyperlinkcolor" val="tx"/>
-                    </a:ext>
-                  </a:extLst>
-                </a:hlinkClick>
-              </a:rPr>
-              <a:t>://</a:t>
-            </a:r>
-            <a:r>
-              <a:rPr lang="en-US" sz="1200" u="sng" dirty="0">
-                <a:solidFill>
-                  <a:schemeClr val="tx1"/>
-                </a:solidFill>
-                <a:latin typeface="Times New Roman" pitchFamily="18" charset="0"/>
-                <a:cs typeface="Times New Roman" pitchFamily="18" charset="0"/>
-                <a:hlinkClick r:id="rId2">
-                  <a:extLst>
-                    <a:ext uri="{A12FA001-AC4F-418D-AE19-62706E023703}">
-                      <ahyp:hlinkClr xmlns:ahyp="http://schemas.microsoft.com/office/drawing/2018/hyperlinkcolor" val="tx"/>
-                    </a:ext>
-                  </a:extLst>
-                </a:hlinkClick>
-              </a:rPr>
-              <a:t>senthilmasters2024.github.io/Tech_Tweakers/PhrasesSimilarityClassficationByDomainsPlots.html</a:t>
-            </a:r>
-            <a:endParaRPr lang="en-US" sz="1200" u="sng" dirty="0">
-              <a:solidFill>
-                <a:schemeClr val="tx1"/>
-              </a:solidFill>
-              <a:latin typeface="Times New Roman" pitchFamily="18" charset="0"/>
-              <a:cs typeface="Times New Roman" pitchFamily="18" charset="0"/>
-            </a:endParaRPr>
-          </a:p>
-          <a:p>
-            <a:pPr marL="0" indent="0">
-              <a:lnSpc>
-                <a:spcPct val="80000"/>
-              </a:lnSpc>
-              <a:buFont typeface="Symbol" pitchFamily="18" charset="2"/>
-              <a:buNone/>
-            </a:pPr>
-            <a:endParaRPr lang="en-US" sz="1600" dirty="0">
-              <a:solidFill>
-                <a:schemeClr val="tx1"/>
-              </a:solidFill>
-              <a:latin typeface="Times New Roman" pitchFamily="18" charset="0"/>
-              <a:cs typeface="Times New Roman" pitchFamily="18" charset="0"/>
-            </a:endParaRPr>
-          </a:p>
-          <a:p>
-            <a:pPr marL="0" indent="0">
-              <a:lnSpc>
-                <a:spcPct val="80000"/>
-              </a:lnSpc>
-              <a:buFont typeface="Symbol" pitchFamily="18" charset="2"/>
-              <a:buNone/>
-            </a:pPr>
-            <a:r>
-              <a:rPr lang="en-US" sz="1600" dirty="0">
-                <a:solidFill>
-                  <a:schemeClr val="tx1"/>
-                </a:solidFill>
-                <a:latin typeface="Times New Roman" pitchFamily="18" charset="0"/>
-                <a:cs typeface="Times New Roman" pitchFamily="18" charset="0"/>
-              </a:rPr>
-              <a:t>Document Comparison Results:</a:t>
-            </a:r>
-          </a:p>
-          <a:p>
-            <a:pPr marL="0" indent="0">
-              <a:lnSpc>
-                <a:spcPct val="80000"/>
-              </a:lnSpc>
-              <a:buFont typeface="Symbol" pitchFamily="18" charset="2"/>
-              <a:buNone/>
-            </a:pPr>
-            <a:r>
-              <a:rPr lang="en-US" sz="1200" dirty="0">
-                <a:solidFill>
-                  <a:schemeClr val="tx1"/>
-                </a:solidFill>
-                <a:latin typeface="Times New Roman" pitchFamily="18" charset="0"/>
-                <a:cs typeface="Times New Roman" pitchFamily="18" charset="0"/>
-                <a:hlinkClick r:id="rId3">
-                  <a:extLst>
-                    <a:ext uri="{A12FA001-AC4F-418D-AE19-62706E023703}">
-                      <ahyp:hlinkClr xmlns:ahyp="http://schemas.microsoft.com/office/drawing/2018/hyperlinkcolor" val="tx"/>
-                    </a:ext>
-                  </a:extLst>
-                </a:hlinkClick>
-              </a:rPr>
-              <a:t>https://senthilmasters2024.github.io/Tech_Tweakers/SemanticSimilarityLatestPlot.html</a:t>
-            </a:r>
-            <a:endParaRPr lang="en-US" sz="1200" dirty="0">
-              <a:solidFill>
-                <a:schemeClr val="tx1"/>
-              </a:solidFill>
-              <a:latin typeface="Times New Roman" pitchFamily="18" charset="0"/>
-              <a:cs typeface="Times New Roman" pitchFamily="18" charset="0"/>
-            </a:endParaRPr>
-          </a:p>
-          <a:p>
-            <a:pPr marL="0" indent="0">
-              <a:lnSpc>
-                <a:spcPct val="80000"/>
-              </a:lnSpc>
-              <a:buFont typeface="Symbol" pitchFamily="18" charset="2"/>
-              <a:buNone/>
-            </a:pPr>
-            <a:endParaRPr lang="en-US" sz="1600" dirty="0">
-              <a:solidFill>
-                <a:schemeClr val="tx1"/>
-              </a:solidFill>
-              <a:latin typeface="Times New Roman" pitchFamily="18" charset="0"/>
-              <a:cs typeface="Times New Roman" pitchFamily="18" charset="0"/>
-            </a:endParaRPr>
-          </a:p>
-          <a:p>
-            <a:pPr marL="0" indent="0">
-              <a:lnSpc>
-                <a:spcPct val="80000"/>
-              </a:lnSpc>
-              <a:buFont typeface="Symbol" pitchFamily="18" charset="2"/>
-              <a:buNone/>
-            </a:pPr>
-            <a:r>
-              <a:rPr lang="en-US" sz="1600" dirty="0">
-                <a:solidFill>
-                  <a:schemeClr val="tx1"/>
-                </a:solidFill>
-                <a:latin typeface="Times New Roman" pitchFamily="18" charset="0"/>
-                <a:cs typeface="Times New Roman" pitchFamily="18" charset="0"/>
-              </a:rPr>
-              <a:t>Scalar Values of Embedding vs. Similarity Score:</a:t>
-            </a:r>
-          </a:p>
-          <a:p>
-            <a:pPr marL="0" indent="0">
-              <a:lnSpc>
-                <a:spcPct val="80000"/>
-              </a:lnSpc>
-              <a:buFont typeface="Symbol" pitchFamily="18" charset="2"/>
-              <a:buNone/>
-            </a:pPr>
-            <a:r>
-              <a:rPr lang="en-US" sz="1200" dirty="0">
-                <a:solidFill>
-                  <a:schemeClr val="tx1"/>
-                </a:solidFill>
-                <a:latin typeface="Times New Roman" pitchFamily="18" charset="0"/>
+                <a:ea typeface="+mn-ea"/>
                 <a:cs typeface="Times New Roman" pitchFamily="18" charset="0"/>
                 <a:hlinkClick r:id="rId4">
                   <a:extLst>
@@ -18518,168 +18670,374 @@
                   </a:extLst>
                 </a:hlinkClick>
               </a:rPr>
-              <a:t>https://senthilmasters2024.github.io/Tech_Tweakers/ScalarValuesVsSimilarityScorePlotForOneComparsion.html</a:t>
-            </a:r>
-            <a:endParaRPr lang="en-US" sz="1200" dirty="0">
+              <a:t>https</a:t>
+            </a:r>
+            <a:r>
+              <a:rPr kumimoji="0" lang="en-US" sz="1200" b="0" i="0" u="sng" strike="noStrike" kern="1200" cap="none" spc="0" normalizeH="0" baseline="0" noProof="0" dirty="0">
+                <a:ln>
+                  <a:noFill/>
+                </a:ln>
+                <a:solidFill>
+                  <a:srgbClr val="9454C3"/>
+                </a:solidFill>
+                <a:effectLst/>
+                <a:uLnTx/>
+                <a:uFillTx/>
+                <a:latin typeface="Times New Roman" pitchFamily="18" charset="0"/>
+                <a:ea typeface="+mn-ea"/>
+                <a:cs typeface="Times New Roman" pitchFamily="18" charset="0"/>
+                <a:hlinkClick r:id="rId4">
+                  <a:extLst>
+                    <a:ext uri="{A12FA001-AC4F-418D-AE19-62706E023703}">
+                      <ahyp:hlinkClr xmlns:ahyp="http://schemas.microsoft.com/office/drawing/2018/hyperlinkcolor" val="tx"/>
+                    </a:ext>
+                  </a:extLst>
+                </a:hlinkClick>
+              </a:rPr>
+              <a:t>://</a:t>
+            </a:r>
+            <a:r>
+              <a:rPr kumimoji="0" lang="en-US" sz="1200" b="0" i="0" u="sng" strike="noStrike" kern="1200" cap="none" spc="0" normalizeH="0" baseline="0" noProof="0" dirty="0">
+                <a:ln>
+                  <a:noFill/>
+                </a:ln>
+                <a:solidFill>
+                  <a:prstClr val="black"/>
+                </a:solidFill>
+                <a:effectLst/>
+                <a:uLnTx/>
+                <a:uFillTx/>
+                <a:latin typeface="Times New Roman" pitchFamily="18" charset="0"/>
+                <a:ea typeface="+mn-ea"/>
+                <a:cs typeface="Times New Roman" pitchFamily="18" charset="0"/>
+                <a:hlinkClick r:id="rId4">
+                  <a:extLst>
+                    <a:ext uri="{A12FA001-AC4F-418D-AE19-62706E023703}">
+                      <ahyp:hlinkClr xmlns:ahyp="http://schemas.microsoft.com/office/drawing/2018/hyperlinkcolor" val="tx"/>
+                    </a:ext>
+                  </a:extLst>
+                </a:hlinkClick>
+              </a:rPr>
+              <a:t>senthilmasters2024.github.io/Tech_Tweakers/PhrasesSimilarityClassficationByDomainsPlots.html</a:t>
+            </a:r>
+            <a:endParaRPr kumimoji="0" lang="en-US" sz="1200" b="0" i="0" u="sng" strike="noStrike" kern="1200" cap="none" spc="0" normalizeH="0" baseline="0" noProof="0" dirty="0">
+              <a:ln>
+                <a:noFill/>
+              </a:ln>
               <a:solidFill>
-                <a:schemeClr val="tx1"/>
+                <a:prstClr val="black"/>
               </a:solidFill>
+              <a:effectLst/>
+              <a:uLnTx/>
+              <a:uFillTx/>
               <a:latin typeface="Times New Roman" pitchFamily="18" charset="0"/>
+              <a:ea typeface="+mn-ea"/>
               <a:cs typeface="Times New Roman" pitchFamily="18" charset="0"/>
             </a:endParaRPr>
           </a:p>
           <a:p>
-            <a:pPr marL="0" indent="0">
+            <a:pPr marL="0" marR="0" lvl="0" indent="0" algn="l" defTabSz="914400" rtl="0" eaLnBrk="1" fontAlgn="auto" latinLnBrk="0" hangingPunct="1">
+              <a:lnSpc>
+                <a:spcPct val="80000"/>
+              </a:lnSpc>
+              <a:spcBef>
+                <a:spcPct val="20000"/>
+              </a:spcBef>
+              <a:spcAft>
+                <a:spcPts val="0"/>
+              </a:spcAft>
+              <a:buClr>
+                <a:srgbClr val="629DD1"/>
+              </a:buClr>
+              <a:buSzPct val="100000"/>
+              <a:buFont typeface="Symbol" pitchFamily="18" charset="2"/>
               <a:buNone/>
+              <a:tabLst/>
+              <a:defRPr/>
             </a:pPr>
-            <a:endParaRPr lang="en-US" sz="1600" dirty="0">
+            <a:endParaRPr kumimoji="0" lang="en-US" sz="1600" b="0" i="0" u="none" strike="noStrike" kern="1200" cap="none" spc="0" normalizeH="0" baseline="0" noProof="0" dirty="0">
+              <a:ln>
+                <a:noFill/>
+              </a:ln>
               <a:solidFill>
-                <a:schemeClr val="tx1"/>
+                <a:prstClr val="black"/>
               </a:solidFill>
+              <a:effectLst/>
+              <a:uLnTx/>
+              <a:uFillTx/>
               <a:latin typeface="Times New Roman" pitchFamily="18" charset="0"/>
+              <a:ea typeface="+mn-ea"/>
               <a:cs typeface="Times New Roman" pitchFamily="18" charset="0"/>
             </a:endParaRPr>
           </a:p>
           <a:p>
-            <a:endParaRPr lang="en-US" sz="1600" dirty="0">
+            <a:pPr marL="0" marR="0" lvl="0" indent="0" algn="l" defTabSz="914400" rtl="0" eaLnBrk="1" fontAlgn="auto" latinLnBrk="0" hangingPunct="1">
+              <a:lnSpc>
+                <a:spcPct val="80000"/>
+              </a:lnSpc>
+              <a:spcBef>
+                <a:spcPct val="20000"/>
+              </a:spcBef>
+              <a:spcAft>
+                <a:spcPts val="0"/>
+              </a:spcAft>
+              <a:buClr>
+                <a:srgbClr val="629DD1"/>
+              </a:buClr>
+              <a:buSzPct val="100000"/>
+              <a:buFont typeface="Symbol" pitchFamily="18" charset="2"/>
+              <a:buNone/>
+              <a:tabLst/>
+              <a:defRPr/>
+            </a:pPr>
+            <a:r>
+              <a:rPr kumimoji="0" lang="en-US" sz="1600" b="0" i="0" u="none" strike="noStrike" kern="1200" cap="none" spc="0" normalizeH="0" baseline="0" noProof="0" dirty="0">
+                <a:ln>
+                  <a:noFill/>
+                </a:ln>
+                <a:solidFill>
+                  <a:prstClr val="black"/>
+                </a:solidFill>
+                <a:effectLst/>
+                <a:uLnTx/>
+                <a:uFillTx/>
+                <a:latin typeface="Times New Roman" pitchFamily="18" charset="0"/>
+                <a:ea typeface="+mn-ea"/>
+                <a:cs typeface="Times New Roman" pitchFamily="18" charset="0"/>
+              </a:rPr>
+              <a:t>Document Comparison Results:</a:t>
+            </a:r>
+          </a:p>
+          <a:p>
+            <a:pPr marL="0" marR="0" lvl="0" indent="0" algn="l" defTabSz="914400" rtl="0" eaLnBrk="1" fontAlgn="auto" latinLnBrk="0" hangingPunct="1">
+              <a:lnSpc>
+                <a:spcPct val="80000"/>
+              </a:lnSpc>
+              <a:spcBef>
+                <a:spcPct val="20000"/>
+              </a:spcBef>
+              <a:spcAft>
+                <a:spcPts val="0"/>
+              </a:spcAft>
+              <a:buClr>
+                <a:srgbClr val="629DD1"/>
+              </a:buClr>
+              <a:buSzPct val="100000"/>
+              <a:buFont typeface="Symbol" pitchFamily="18" charset="2"/>
+              <a:buNone/>
+              <a:tabLst/>
+              <a:defRPr/>
+            </a:pPr>
+            <a:r>
+              <a:rPr kumimoji="0" lang="en-US" sz="1200" b="0" i="0" u="none" strike="noStrike" kern="1200" cap="none" spc="0" normalizeH="0" baseline="0" noProof="0" dirty="0">
+                <a:ln>
+                  <a:noFill/>
+                </a:ln>
+                <a:solidFill>
+                  <a:prstClr val="black"/>
+                </a:solidFill>
+                <a:effectLst/>
+                <a:uLnTx/>
+                <a:uFillTx/>
+                <a:latin typeface="Times New Roman" pitchFamily="18" charset="0"/>
+                <a:ea typeface="+mn-ea"/>
+                <a:cs typeface="Times New Roman" pitchFamily="18" charset="0"/>
+                <a:hlinkClick r:id="rId5">
+                  <a:extLst>
+                    <a:ext uri="{A12FA001-AC4F-418D-AE19-62706E023703}">
+                      <ahyp:hlinkClr xmlns:ahyp="http://schemas.microsoft.com/office/drawing/2018/hyperlinkcolor" val="tx"/>
+                    </a:ext>
+                  </a:extLst>
+                </a:hlinkClick>
+              </a:rPr>
+              <a:t>https://senthilmasters2024.github.io/Tech_Tweakers/SemanticSimilarityLatestPlot.html</a:t>
+            </a:r>
+            <a:endParaRPr kumimoji="0" lang="en-US" sz="1200" b="0" i="0" u="none" strike="noStrike" kern="1200" cap="none" spc="0" normalizeH="0" baseline="0" noProof="0" dirty="0">
+              <a:ln>
+                <a:noFill/>
+              </a:ln>
+              <a:solidFill>
+                <a:prstClr val="black"/>
+              </a:solidFill>
+              <a:effectLst/>
+              <a:uLnTx/>
+              <a:uFillTx/>
               <a:latin typeface="Times New Roman" pitchFamily="18" charset="0"/>
+              <a:ea typeface="+mn-ea"/>
               <a:cs typeface="Times New Roman" pitchFamily="18" charset="0"/>
             </a:endParaRPr>
           </a:p>
-        </p:txBody>
-      </p:sp>
-      <p:sp>
-        <p:nvSpPr>
-          <p:cNvPr id="4" name="Date Placeholder 3"/>
-          <p:cNvSpPr>
-            <a:spLocks noGrp="1"/>
-          </p:cNvSpPr>
-          <p:nvPr>
-            <p:ph type="dt" sz="half" idx="10"/>
-          </p:nvPr>
-        </p:nvSpPr>
-        <p:spPr/>
-        <p:txBody>
-          <a:bodyPr/>
-          <a:lstStyle/>
-          <a:p>
-            <a:r>
-              <a:rPr lang="en-US" dirty="0"/>
-              <a:t>3/22/2025</a:t>
-            </a:r>
-          </a:p>
-        </p:txBody>
-      </p:sp>
-      <p:sp>
-        <p:nvSpPr>
-          <p:cNvPr id="5" name="Footer Placeholder 4"/>
-          <p:cNvSpPr>
-            <a:spLocks noGrp="1"/>
-          </p:cNvSpPr>
-          <p:nvPr>
-            <p:ph type="ftr" sz="quarter" idx="11"/>
-          </p:nvPr>
-        </p:nvSpPr>
-        <p:spPr>
-          <a:xfrm>
-            <a:off x="589659" y="6440850"/>
-            <a:ext cx="6917211" cy="365125"/>
-          </a:xfrm>
-        </p:spPr>
-        <p:txBody>
-          <a:bodyPr/>
-          <a:lstStyle/>
-          <a:p>
-            <a:r>
-              <a:rPr lang="en-US" dirty="0"/>
-              <a:t>Software Engineering</a:t>
-            </a:r>
-          </a:p>
-        </p:txBody>
-      </p:sp>
-      <p:sp>
-        <p:nvSpPr>
-          <p:cNvPr id="6" name="Slide Number Placeholder 5"/>
-          <p:cNvSpPr>
-            <a:spLocks noGrp="1"/>
-          </p:cNvSpPr>
-          <p:nvPr>
-            <p:ph type="sldNum" sz="quarter" idx="12"/>
-          </p:nvPr>
-        </p:nvSpPr>
-        <p:spPr/>
-        <p:txBody>
-          <a:bodyPr/>
-          <a:lstStyle/>
-          <a:p>
-            <a:fld id="{3A98EE3D-8CD1-4C3F-BD1C-C98C9596463C}" type="slidenum">
-              <a:rPr lang="en-US" smtClean="0"/>
-              <a:t>12</a:t>
-            </a:fld>
-            <a:endParaRPr lang="en-US" dirty="0"/>
-          </a:p>
-        </p:txBody>
-      </p:sp>
-      <p:sp>
-        <p:nvSpPr>
-          <p:cNvPr id="2" name="Title 1"/>
-          <p:cNvSpPr>
-            <a:spLocks noGrp="1"/>
-          </p:cNvSpPr>
-          <p:nvPr>
-            <p:ph type="title"/>
-          </p:nvPr>
-        </p:nvSpPr>
-        <p:spPr/>
-        <p:txBody>
-          <a:bodyPr>
-            <a:normAutofit/>
-          </a:bodyPr>
-          <a:lstStyle/>
-          <a:p>
-            <a:pPr algn="l"/>
-            <a:r>
-              <a:rPr lang="en-US" sz="2800" b="1" i="1" dirty="0">
-                <a:latin typeface="Times New Roman" panose="02020603050405020304" pitchFamily="18" charset="0"/>
-                <a:cs typeface="Times New Roman" panose="02020603050405020304" pitchFamily="18" charset="0"/>
+          <a:p>
+            <a:pPr marL="0" marR="0" lvl="0" indent="0" algn="l" defTabSz="914400" rtl="0" eaLnBrk="1" fontAlgn="auto" latinLnBrk="0" hangingPunct="1">
+              <a:lnSpc>
+                <a:spcPct val="80000"/>
+              </a:lnSpc>
+              <a:spcBef>
+                <a:spcPct val="20000"/>
+              </a:spcBef>
+              <a:spcAft>
+                <a:spcPts val="0"/>
+              </a:spcAft>
+              <a:buClr>
+                <a:srgbClr val="629DD1"/>
+              </a:buClr>
+              <a:buSzPct val="100000"/>
+              <a:buFont typeface="Symbol" pitchFamily="18" charset="2"/>
+              <a:buNone/>
+              <a:tabLst/>
+              <a:defRPr/>
+            </a:pPr>
+            <a:endParaRPr kumimoji="0" lang="en-US" sz="1600" b="0" i="0" u="none" strike="noStrike" kern="1200" cap="none" spc="0" normalizeH="0" baseline="0" noProof="0" dirty="0">
+              <a:ln>
+                <a:noFill/>
+              </a:ln>
+              <a:solidFill>
+                <a:prstClr val="black"/>
+              </a:solidFill>
+              <a:effectLst/>
+              <a:uLnTx/>
+              <a:uFillTx/>
+              <a:latin typeface="Times New Roman" pitchFamily="18" charset="0"/>
+              <a:ea typeface="+mn-ea"/>
+              <a:cs typeface="Times New Roman" pitchFamily="18" charset="0"/>
+            </a:endParaRPr>
+          </a:p>
+          <a:p>
+            <a:pPr marL="0" marR="0" lvl="0" indent="0" algn="l" defTabSz="914400" rtl="0" eaLnBrk="1" fontAlgn="auto" latinLnBrk="0" hangingPunct="1">
+              <a:lnSpc>
+                <a:spcPct val="80000"/>
+              </a:lnSpc>
+              <a:spcBef>
+                <a:spcPct val="20000"/>
+              </a:spcBef>
+              <a:spcAft>
+                <a:spcPts val="0"/>
+              </a:spcAft>
+              <a:buClr>
+                <a:srgbClr val="629DD1"/>
+              </a:buClr>
+              <a:buSzPct val="100000"/>
+              <a:buFont typeface="Symbol" pitchFamily="18" charset="2"/>
+              <a:buNone/>
+              <a:tabLst/>
+              <a:defRPr/>
+            </a:pPr>
+            <a:r>
+              <a:rPr kumimoji="0" lang="en-US" sz="1600" b="0" i="0" u="none" strike="noStrike" kern="1200" cap="none" spc="0" normalizeH="0" baseline="0" noProof="0" dirty="0">
+                <a:ln>
+                  <a:noFill/>
+                </a:ln>
+                <a:solidFill>
+                  <a:prstClr val="black"/>
+                </a:solidFill>
+                <a:effectLst/>
+                <a:uLnTx/>
+                <a:uFillTx/>
+                <a:latin typeface="Times New Roman" pitchFamily="18" charset="0"/>
+                <a:ea typeface="+mn-ea"/>
+                <a:cs typeface="Times New Roman" pitchFamily="18" charset="0"/>
               </a:rPr>
-              <a:t>RESULTS </a:t>
-            </a:r>
+              <a:t>Scalar Values of Embedding vs. Similarity Score:</a:t>
+            </a:r>
+          </a:p>
+          <a:p>
+            <a:pPr marL="0" marR="0" lvl="0" indent="0" algn="l" defTabSz="914400" rtl="0" eaLnBrk="1" fontAlgn="auto" latinLnBrk="0" hangingPunct="1">
+              <a:lnSpc>
+                <a:spcPct val="80000"/>
+              </a:lnSpc>
+              <a:spcBef>
+                <a:spcPct val="20000"/>
+              </a:spcBef>
+              <a:spcAft>
+                <a:spcPts val="0"/>
+              </a:spcAft>
+              <a:buClr>
+                <a:srgbClr val="629DD1"/>
+              </a:buClr>
+              <a:buSzPct val="100000"/>
+              <a:buFont typeface="Symbol" pitchFamily="18" charset="2"/>
+              <a:buNone/>
+              <a:tabLst/>
+              <a:defRPr/>
+            </a:pPr>
+            <a:r>
+              <a:rPr kumimoji="0" lang="en-US" sz="1200" b="0" i="0" u="none" strike="noStrike" kern="1200" cap="none" spc="0" normalizeH="0" baseline="0" noProof="0" dirty="0">
+                <a:ln>
+                  <a:noFill/>
+                </a:ln>
+                <a:solidFill>
+                  <a:prstClr val="black"/>
+                </a:solidFill>
+                <a:effectLst/>
+                <a:uLnTx/>
+                <a:uFillTx/>
+                <a:latin typeface="Times New Roman" pitchFamily="18" charset="0"/>
+                <a:ea typeface="+mn-ea"/>
+                <a:cs typeface="Times New Roman" pitchFamily="18" charset="0"/>
+                <a:hlinkClick r:id="rId6">
+                  <a:extLst>
+                    <a:ext uri="{A12FA001-AC4F-418D-AE19-62706E023703}">
+                      <ahyp:hlinkClr xmlns:ahyp="http://schemas.microsoft.com/office/drawing/2018/hyperlinkcolor" val="tx"/>
+                    </a:ext>
+                  </a:extLst>
+                </a:hlinkClick>
+              </a:rPr>
+              <a:t>https://senthilmasters2024.github.io/Tech_Tweakers/ScalarValuesVsSimilarityScorePlotForOneComparsion.html</a:t>
+            </a:r>
+            <a:endParaRPr kumimoji="0" lang="en-US" sz="1200" b="0" i="0" u="none" strike="noStrike" kern="1200" cap="none" spc="0" normalizeH="0" baseline="0" noProof="0" dirty="0">
+              <a:ln>
+                <a:noFill/>
+              </a:ln>
+              <a:solidFill>
+                <a:prstClr val="black"/>
+              </a:solidFill>
+              <a:effectLst/>
+              <a:uLnTx/>
+              <a:uFillTx/>
+              <a:latin typeface="Times New Roman" pitchFamily="18" charset="0"/>
+              <a:ea typeface="+mn-ea"/>
+              <a:cs typeface="Times New Roman" pitchFamily="18" charset="0"/>
+            </a:endParaRPr>
           </a:p>
         </p:txBody>
       </p:sp>
       <p:pic>
         <p:nvPicPr>
-          <p:cNvPr id="7" name="object 36">
+          <p:cNvPr id="11" name="Picture 10">
             <a:extLst>
               <a:ext uri="{FF2B5EF4-FFF2-40B4-BE49-F238E27FC236}">
-                <a16:creationId xmlns:a16="http://schemas.microsoft.com/office/drawing/2014/main" id="{523B34A9-32DE-7132-1543-775F2E1AD8E7}"/>
+                <a16:creationId xmlns:a16="http://schemas.microsoft.com/office/drawing/2014/main" id="{C3BB4006-E354-61E4-5471-B048B27B5330}"/>
               </a:ext>
             </a:extLst>
           </p:cNvPr>
-          <p:cNvPicPr/>
+          <p:cNvPicPr>
+            <a:picLocks noChangeAspect="1"/>
+          </p:cNvPicPr>
           <p:nvPr/>
         </p:nvPicPr>
         <p:blipFill>
-          <a:blip r:embed="rId5" cstate="print"/>
+          <a:blip r:embed="rId7"/>
           <a:stretch>
             <a:fillRect/>
           </a:stretch>
         </p:blipFill>
         <p:spPr>
           <a:xfrm>
-            <a:off x="9740862" y="583739"/>
-            <a:ext cx="1869948" cy="613176"/>
+            <a:off x="6096000" y="4965283"/>
+            <a:ext cx="5761703" cy="1214324"/>
           </a:xfrm>
           <a:prstGeom prst="rect">
             <a:avLst/>
           </a:prstGeom>
+          <a:effectLst>
+            <a:softEdge rad="31750"/>
+          </a:effectLst>
         </p:spPr>
       </p:pic>
     </p:spTree>
     <p:extLst>
       <p:ext uri="{BB962C8B-B14F-4D97-AF65-F5344CB8AC3E}">
-        <p14:creationId xmlns:p14="http://schemas.microsoft.com/office/powerpoint/2010/main" val="2067020546"/>
+        <p14:creationId xmlns:p14="http://schemas.microsoft.com/office/powerpoint/2010/main" val="163331546"/>
       </p:ext>
     </p:extLst>
   </p:cSld>
@@ -21251,32 +21609,6 @@
                 <a:cs typeface="Times New Roman" panose="02020603050405020304" pitchFamily="18" charset="0"/>
               </a:rPr>
               <a:t>Test Execution Method</a:t>
-            </a:r>
-          </a:p>
-          <a:p>
-            <a:pPr>
-              <a:spcBef>
-                <a:spcPct val="20000"/>
-              </a:spcBef>
-              <a:spcAft>
-                <a:spcPts val="1200"/>
-              </a:spcAft>
-              <a:buClr>
-                <a:schemeClr val="accent1"/>
-              </a:buClr>
-              <a:buSzPct val="100000"/>
-              <a:buFont typeface="Wingdings" panose="05000000000000000000" pitchFamily="2" charset="2"/>
-              <a:buChar char="Ø"/>
-            </a:pPr>
-            <a:r>
-              <a:rPr lang="en-IN" sz="2000" dirty="0">
-                <a:solidFill>
-                  <a:schemeClr val="tx2"/>
-                </a:solidFill>
-                <a:latin typeface="Times New Roman" panose="02020603050405020304" pitchFamily="18" charset="0"/>
-                <a:cs typeface="Times New Roman" panose="02020603050405020304" pitchFamily="18" charset="0"/>
-              </a:rPr>
-              <a:t>Results</a:t>
             </a:r>
           </a:p>
           <a:p>
@@ -24010,6 +24342,414 @@
       </p:grpSpPr>
       <p:sp>
         <p:nvSpPr>
+          <p:cNvPr id="3" name="Content Placeholder 2"/>
+          <p:cNvSpPr>
+            <a:spLocks noGrp="1"/>
+          </p:cNvSpPr>
+          <p:nvPr>
+            <p:ph idx="1"/>
+          </p:nvPr>
+        </p:nvSpPr>
+        <p:spPr>
+          <a:xfrm>
+            <a:off x="334306" y="2349331"/>
+            <a:ext cx="5761694" cy="4170341"/>
+          </a:xfrm>
+        </p:spPr>
+        <p:txBody>
+          <a:bodyPr>
+            <a:noAutofit/>
+          </a:bodyPr>
+          <a:lstStyle/>
+          <a:p>
+            <a:pPr marL="0" indent="0">
+              <a:buNone/>
+            </a:pPr>
+            <a:r>
+              <a:rPr lang="en-US" sz="1600" b="1" dirty="0">
+                <a:solidFill>
+                  <a:schemeClr val="tx1"/>
+                </a:solidFill>
+                <a:latin typeface="Times New Roman" pitchFamily="18" charset="0"/>
+                <a:cs typeface="Times New Roman" pitchFamily="18" charset="0"/>
+              </a:rPr>
+              <a:t>Preprocessor</a:t>
+            </a:r>
+            <a:r>
+              <a:rPr lang="en-US" sz="1600" dirty="0">
+                <a:solidFill>
+                  <a:schemeClr val="tx1"/>
+                </a:solidFill>
+                <a:latin typeface="Times New Roman" pitchFamily="18" charset="0"/>
+                <a:cs typeface="Times New Roman" pitchFamily="18" charset="0"/>
+              </a:rPr>
+              <a:t>: Preforms initial first stage operation on raw data- upper case to lower case, removal of html/</a:t>
+            </a:r>
+            <a:r>
+              <a:rPr lang="en-US" sz="1600" dirty="0" err="1">
+                <a:solidFill>
+                  <a:schemeClr val="tx1"/>
+                </a:solidFill>
+                <a:latin typeface="Times New Roman" pitchFamily="18" charset="0"/>
+                <a:cs typeface="Times New Roman" pitchFamily="18" charset="0"/>
+              </a:rPr>
+              <a:t>url</a:t>
+            </a:r>
+            <a:r>
+              <a:rPr lang="en-US" sz="1600" dirty="0">
+                <a:solidFill>
+                  <a:schemeClr val="tx1"/>
+                </a:solidFill>
+                <a:latin typeface="Times New Roman" pitchFamily="18" charset="0"/>
+                <a:cs typeface="Times New Roman" pitchFamily="18" charset="0"/>
+              </a:rPr>
+              <a:t> tags, normalization, stemming/lemmatization and storage.</a:t>
+            </a:r>
+          </a:p>
+          <a:p>
+            <a:pPr marL="0" indent="0">
+              <a:buNone/>
+            </a:pPr>
+            <a:r>
+              <a:rPr lang="en-US" sz="1600" b="1" dirty="0">
+                <a:solidFill>
+                  <a:schemeClr val="tx1"/>
+                </a:solidFill>
+                <a:latin typeface="Times New Roman" pitchFamily="18" charset="0"/>
+                <a:cs typeface="Times New Roman" pitchFamily="18" charset="0"/>
+              </a:rPr>
+              <a:t>Embedding:</a:t>
+            </a:r>
+            <a:r>
+              <a:rPr lang="en-US" sz="1600" dirty="0">
+                <a:solidFill>
+                  <a:schemeClr val="tx1"/>
+                </a:solidFill>
+                <a:latin typeface="Times New Roman" pitchFamily="18" charset="0"/>
+                <a:cs typeface="Times New Roman" pitchFamily="18" charset="0"/>
+              </a:rPr>
+              <a:t> Embeddings capture the meaning of words, phrases and/or documents based on their context . Words that have similar meanings or appear in similar contexts are placed closer together in the vector space. </a:t>
+            </a:r>
+          </a:p>
+          <a:p>
+            <a:pPr marL="0" indent="0">
+              <a:buNone/>
+            </a:pPr>
+            <a:r>
+              <a:rPr lang="en-US" sz="1600" b="1" dirty="0">
+                <a:solidFill>
+                  <a:schemeClr val="tx1"/>
+                </a:solidFill>
+                <a:latin typeface="Times New Roman" pitchFamily="18" charset="0"/>
+                <a:cs typeface="Times New Roman" pitchFamily="18" charset="0"/>
+              </a:rPr>
+              <a:t>Cosine method: </a:t>
+            </a:r>
+            <a:r>
+              <a:rPr lang="en-US" sz="1600" dirty="0">
+                <a:solidFill>
+                  <a:schemeClr val="tx1"/>
+                </a:solidFill>
+                <a:latin typeface="Times New Roman" pitchFamily="18" charset="0"/>
+                <a:cs typeface="Times New Roman" pitchFamily="18" charset="0"/>
+              </a:rPr>
+              <a:t>Calculates the Cosine Similarity between two text embeddings by comparing their vector representations. This function is essential for determining semantic similarity between sentences, documents, or phrases.</a:t>
+            </a:r>
+          </a:p>
+          <a:p>
+            <a:pPr marL="0" indent="0">
+              <a:buNone/>
+            </a:pPr>
+            <a:r>
+              <a:rPr lang="en-US" sz="1600" b="1" dirty="0">
+                <a:latin typeface="Times New Roman" pitchFamily="18" charset="0"/>
+                <a:cs typeface="Times New Roman" pitchFamily="18" charset="0"/>
+              </a:rPr>
+              <a:t>How preprocessor impact the analysis?</a:t>
+            </a:r>
+          </a:p>
+          <a:p>
+            <a:r>
+              <a:rPr lang="en-US" sz="1600" dirty="0">
+                <a:latin typeface="Times New Roman" pitchFamily="18" charset="0"/>
+                <a:cs typeface="Times New Roman" pitchFamily="18" charset="0"/>
+              </a:rPr>
+              <a:t>Accuracy</a:t>
+            </a:r>
+          </a:p>
+          <a:p>
+            <a:r>
+              <a:rPr lang="en-US" sz="1600" dirty="0">
+                <a:latin typeface="Times New Roman" pitchFamily="18" charset="0"/>
+                <a:cs typeface="Times New Roman" pitchFamily="18" charset="0"/>
+              </a:rPr>
+              <a:t>Token usage optimization</a:t>
+            </a:r>
+          </a:p>
+          <a:p>
+            <a:r>
+              <a:rPr lang="en-US" sz="1600" dirty="0">
+                <a:latin typeface="Times New Roman" panose="02020603050405020304" pitchFamily="18" charset="0"/>
+                <a:cs typeface="Times New Roman" panose="02020603050405020304" pitchFamily="18" charset="0"/>
+              </a:rPr>
+              <a:t>Determine contextual </a:t>
+            </a:r>
+            <a:r>
+              <a:rPr lang="en-US" sz="1600">
+                <a:latin typeface="Times New Roman" panose="02020603050405020304" pitchFamily="18" charset="0"/>
+                <a:cs typeface="Times New Roman" panose="02020603050405020304" pitchFamily="18" charset="0"/>
+              </a:rPr>
+              <a:t>similarity variation </a:t>
+            </a:r>
+            <a:r>
+              <a:rPr lang="en-US" sz="1600" dirty="0">
+                <a:latin typeface="Times New Roman" panose="02020603050405020304" pitchFamily="18" charset="0"/>
+                <a:cs typeface="Times New Roman" panose="02020603050405020304" pitchFamily="18" charset="0"/>
+              </a:rPr>
+              <a:t>between documents </a:t>
+            </a:r>
+            <a:br>
+              <a:rPr lang="en-US" sz="1600" b="1" dirty="0">
+                <a:latin typeface="Times New Roman" pitchFamily="18" charset="0"/>
+                <a:cs typeface="Times New Roman" pitchFamily="18" charset="0"/>
+              </a:rPr>
+            </a:br>
+            <a:br>
+              <a:rPr lang="en-US" sz="1600" dirty="0">
+                <a:latin typeface="Times New Roman" pitchFamily="18" charset="0"/>
+                <a:cs typeface="Times New Roman" pitchFamily="18" charset="0"/>
+              </a:rPr>
+            </a:br>
+            <a:endParaRPr lang="en-US" sz="1600" dirty="0">
+              <a:latin typeface="Times New Roman" pitchFamily="18" charset="0"/>
+              <a:cs typeface="Times New Roman" pitchFamily="18" charset="0"/>
+            </a:endParaRPr>
+          </a:p>
+        </p:txBody>
+      </p:sp>
+      <p:sp>
+        <p:nvSpPr>
+          <p:cNvPr id="4" name="Date Placeholder 3"/>
+          <p:cNvSpPr>
+            <a:spLocks noGrp="1"/>
+          </p:cNvSpPr>
+          <p:nvPr>
+            <p:ph type="dt" sz="half" idx="10"/>
+          </p:nvPr>
+        </p:nvSpPr>
+        <p:spPr/>
+        <p:txBody>
+          <a:bodyPr/>
+          <a:lstStyle/>
+          <a:p>
+            <a:r>
+              <a:rPr lang="en-US" dirty="0"/>
+              <a:t>3/22/2025</a:t>
+            </a:r>
+          </a:p>
+        </p:txBody>
+      </p:sp>
+      <p:sp>
+        <p:nvSpPr>
+          <p:cNvPr id="5" name="Footer Placeholder 4"/>
+          <p:cNvSpPr>
+            <a:spLocks noGrp="1"/>
+          </p:cNvSpPr>
+          <p:nvPr>
+            <p:ph type="ftr" sz="quarter" idx="11"/>
+          </p:nvPr>
+        </p:nvSpPr>
+        <p:spPr>
+          <a:xfrm>
+            <a:off x="589659" y="6440850"/>
+            <a:ext cx="6917211" cy="365125"/>
+          </a:xfrm>
+        </p:spPr>
+        <p:txBody>
+          <a:bodyPr/>
+          <a:lstStyle/>
+          <a:p>
+            <a:r>
+              <a:rPr lang="en-US" dirty="0"/>
+              <a:t>Software Engineering</a:t>
+            </a:r>
+          </a:p>
+        </p:txBody>
+      </p:sp>
+      <p:sp>
+        <p:nvSpPr>
+          <p:cNvPr id="6" name="Slide Number Placeholder 5"/>
+          <p:cNvSpPr>
+            <a:spLocks noGrp="1"/>
+          </p:cNvSpPr>
+          <p:nvPr>
+            <p:ph type="sldNum" sz="quarter" idx="12"/>
+          </p:nvPr>
+        </p:nvSpPr>
+        <p:spPr/>
+        <p:txBody>
+          <a:bodyPr/>
+          <a:lstStyle/>
+          <a:p>
+            <a:fld id="{3A98EE3D-8CD1-4C3F-BD1C-C98C9596463C}" type="slidenum">
+              <a:rPr lang="en-US" smtClean="0"/>
+              <a:t>7</a:t>
+            </a:fld>
+            <a:endParaRPr lang="en-US" dirty="0"/>
+          </a:p>
+        </p:txBody>
+      </p:sp>
+      <p:sp>
+        <p:nvSpPr>
+          <p:cNvPr id="2" name="Title 1"/>
+          <p:cNvSpPr>
+            <a:spLocks noGrp="1"/>
+          </p:cNvSpPr>
+          <p:nvPr>
+            <p:ph type="title"/>
+          </p:nvPr>
+        </p:nvSpPr>
+        <p:spPr/>
+        <p:txBody>
+          <a:bodyPr>
+            <a:normAutofit fontScale="90000"/>
+          </a:bodyPr>
+          <a:lstStyle/>
+          <a:p>
+            <a:pPr algn="l"/>
+            <a:br>
+              <a:rPr lang="en-US" sz="2800" b="1" i="1" dirty="0">
+                <a:solidFill>
+                  <a:schemeClr val="bg1"/>
+                </a:solidFill>
+                <a:latin typeface="Times New Roman" pitchFamily="18" charset="0"/>
+                <a:cs typeface="Times New Roman" pitchFamily="18" charset="0"/>
+              </a:rPr>
+            </a:br>
+            <a:r>
+              <a:rPr lang="en-US" sz="2800" b="1" i="1" dirty="0">
+                <a:solidFill>
+                  <a:schemeClr val="bg1"/>
+                </a:solidFill>
+                <a:latin typeface="Times New Roman" pitchFamily="18" charset="0"/>
+                <a:cs typeface="Times New Roman" pitchFamily="18" charset="0"/>
+              </a:rPr>
+              <a:t>BUILDING THE SEMANTIC ANALYSIS FRAMEWORK</a:t>
+            </a:r>
+            <a:br>
+              <a:rPr lang="en-US" sz="2800" i="1" dirty="0">
+                <a:solidFill>
+                  <a:schemeClr val="bg1"/>
+                </a:solidFill>
+                <a:latin typeface="Times New Roman" pitchFamily="18" charset="0"/>
+                <a:cs typeface="Times New Roman" pitchFamily="18" charset="0"/>
+              </a:rPr>
+            </a:br>
+            <a:r>
+              <a:rPr lang="en-US" sz="2800" b="1" i="1" dirty="0">
+                <a:latin typeface="Times New Roman" panose="02020603050405020304" pitchFamily="18" charset="0"/>
+                <a:cs typeface="Times New Roman" panose="02020603050405020304" pitchFamily="18" charset="0"/>
+              </a:rPr>
+              <a:t>  </a:t>
+            </a:r>
+          </a:p>
+        </p:txBody>
+      </p:sp>
+      <p:pic>
+        <p:nvPicPr>
+          <p:cNvPr id="7" name="object 36">
+            <a:extLst>
+              <a:ext uri="{FF2B5EF4-FFF2-40B4-BE49-F238E27FC236}">
+                <a16:creationId xmlns:a16="http://schemas.microsoft.com/office/drawing/2014/main" id="{523B34A9-32DE-7132-1543-775F2E1AD8E7}"/>
+              </a:ext>
+            </a:extLst>
+          </p:cNvPr>
+          <p:cNvPicPr/>
+          <p:nvPr/>
+        </p:nvPicPr>
+        <p:blipFill>
+          <a:blip r:embed="rId2" cstate="print"/>
+          <a:stretch>
+            <a:fillRect/>
+          </a:stretch>
+        </p:blipFill>
+        <p:spPr>
+          <a:xfrm>
+            <a:off x="9740862" y="583739"/>
+            <a:ext cx="1869948" cy="613176"/>
+          </a:xfrm>
+          <a:prstGeom prst="rect">
+            <a:avLst/>
+          </a:prstGeom>
+        </p:spPr>
+      </p:pic>
+      <p:pic>
+        <p:nvPicPr>
+          <p:cNvPr id="10" name="Picture 9">
+            <a:extLst>
+              <a:ext uri="{FF2B5EF4-FFF2-40B4-BE49-F238E27FC236}">
+                <a16:creationId xmlns:a16="http://schemas.microsoft.com/office/drawing/2014/main" id="{5037BB4A-86CC-FBCF-8EA6-CEEAC8D67F45}"/>
+              </a:ext>
+            </a:extLst>
+          </p:cNvPr>
+          <p:cNvPicPr>
+            <a:picLocks noChangeAspect="1"/>
+          </p:cNvPicPr>
+          <p:nvPr/>
+        </p:nvPicPr>
+        <p:blipFill>
+          <a:blip r:embed="rId3">
+            <a:alphaModFix amt="70000"/>
+          </a:blip>
+          <a:stretch>
+            <a:fillRect/>
+          </a:stretch>
+        </p:blipFill>
+        <p:spPr>
+          <a:xfrm>
+            <a:off x="6096000" y="1710523"/>
+            <a:ext cx="5928852" cy="4809149"/>
+          </a:xfrm>
+          <a:prstGeom prst="rect">
+            <a:avLst/>
+          </a:prstGeom>
+          <a:effectLst>
+            <a:softEdge rad="317500"/>
+          </a:effectLst>
+        </p:spPr>
+      </p:pic>
+    </p:spTree>
+    <p:extLst>
+      <p:ext uri="{BB962C8B-B14F-4D97-AF65-F5344CB8AC3E}">
+        <p14:creationId xmlns:p14="http://schemas.microsoft.com/office/powerpoint/2010/main" val="2067020546"/>
+      </p:ext>
+    </p:extLst>
+  </p:cSld>
+  <p:clrMapOvr>
+    <a:masterClrMapping/>
+  </p:clrMapOvr>
+</p:sld>
+</file>
+
+<file path=ppt/slides/slide8.xml><?xml version="1.0" encoding="utf-8"?>
+<p:sld xmlns:a="http://schemas.openxmlformats.org/drawingml/2006/main" xmlns:r="http://schemas.openxmlformats.org/officeDocument/2006/relationships" xmlns:p="http://schemas.openxmlformats.org/presentationml/2006/main">
+  <p:cSld>
+    <p:spTree>
+      <p:nvGrpSpPr>
+        <p:cNvPr id="1" name=""/>
+        <p:cNvGrpSpPr/>
+        <p:nvPr/>
+      </p:nvGrpSpPr>
+      <p:grpSpPr>
+        <a:xfrm>
+          <a:off x="0" y="0"/>
+          <a:ext cx="0" cy="0"/>
+          <a:chOff x="0" y="0"/>
+          <a:chExt cx="0" cy="0"/>
+        </a:xfrm>
+      </p:grpSpPr>
+      <p:sp>
+        <p:nvSpPr>
           <p:cNvPr id="3" name="Content Placeholder 2">
             <a:extLst>
               <a:ext uri="{FF2B5EF4-FFF2-40B4-BE49-F238E27FC236}">
@@ -24266,7 +25006,7 @@
           <a:p>
             <a:fld id="{3A98EE3D-8CD1-4C3F-BD1C-C98C9596463C}" type="slidenum">
               <a:rPr lang="en-US" smtClean="0"/>
-              <a:t>7</a:t>
+              <a:t>8</a:t>
             </a:fld>
             <a:endParaRPr lang="en-US" dirty="0"/>
           </a:p>
@@ -24403,7 +25143,7 @@
                 <a:latin typeface="Times New Roman" pitchFamily="18" charset="0"/>
                 <a:cs typeface="Times New Roman" pitchFamily="18" charset="0"/>
               </a:rPr>
-              <a:t>BUILDING THE SEMANTIC ANALYSIS FRAMEWORK</a:t>
+              <a:t>PHRASE COMPARISON ANALYSIS</a:t>
             </a:r>
             <a:endParaRPr lang="en-US" sz="2800" i="1" dirty="0">
               <a:solidFill>
@@ -24415,41 +25155,6 @@
           </a:p>
         </p:txBody>
       </p:sp>
-      <p:pic>
-        <p:nvPicPr>
-          <p:cNvPr id="10" name="Picture 9">
-            <a:extLst>
-              <a:ext uri="{FF2B5EF4-FFF2-40B4-BE49-F238E27FC236}">
-                <a16:creationId xmlns:a16="http://schemas.microsoft.com/office/drawing/2014/main" id="{5037BB4A-86CC-FBCF-8EA6-CEEAC8D67F45}"/>
-              </a:ext>
-            </a:extLst>
-          </p:cNvPr>
-          <p:cNvPicPr>
-            <a:picLocks noChangeAspect="1"/>
-          </p:cNvPicPr>
-          <p:nvPr/>
-        </p:nvPicPr>
-        <p:blipFill>
-          <a:blip r:embed="rId3">
-            <a:alphaModFix amt="70000"/>
-          </a:blip>
-          <a:stretch>
-            <a:fillRect/>
-          </a:stretch>
-        </p:blipFill>
-        <p:spPr>
-          <a:xfrm>
-            <a:off x="6263148" y="1514168"/>
-            <a:ext cx="5928852" cy="4809149"/>
-          </a:xfrm>
-          <a:prstGeom prst="rect">
-            <a:avLst/>
-          </a:prstGeom>
-          <a:effectLst>
-            <a:softEdge rad="317500"/>
-          </a:effectLst>
-        </p:spPr>
-      </p:pic>
     </p:spTree>
     <p:extLst>
       <p:ext uri="{BB962C8B-B14F-4D97-AF65-F5344CB8AC3E}">
@@ -24463,7 +25168,7 @@
 </p:sld>
 </file>
 
-<file path=ppt/slides/slide8.xml><?xml version="1.0" encoding="utf-8"?>
+<file path=ppt/slides/slide9.xml><?xml version="1.0" encoding="utf-8"?>
 <p:sld xmlns:a="http://schemas.openxmlformats.org/drawingml/2006/main" xmlns:r="http://schemas.openxmlformats.org/officeDocument/2006/relationships" xmlns:p="http://schemas.openxmlformats.org/presentationml/2006/main">
   <p:cSld>
     <p:spTree>
@@ -24560,7 +25265,7 @@
           <a:p>
             <a:fld id="{3A98EE3D-8CD1-4C3F-BD1C-C98C9596463C}" type="slidenum">
               <a:rPr lang="en-US" smtClean="0"/>
-              <a:t>8</a:t>
+              <a:t>9</a:t>
             </a:fld>
             <a:endParaRPr lang="en-US" dirty="0"/>
           </a:p>
@@ -24613,11 +25318,17 @@
         <p:spPr/>
         <p:txBody>
           <a:bodyPr>
-            <a:normAutofit/>
+            <a:normAutofit fontScale="90000"/>
           </a:bodyPr>
           <a:lstStyle/>
           <a:p>
             <a:pPr algn="l"/>
+            <a:br>
+              <a:rPr lang="en-IN" sz="2800" b="1" i="1" dirty="0">
+                <a:latin typeface="Times New Roman" panose="02020603050405020304" pitchFamily="18" charset="0"/>
+                <a:cs typeface="Times New Roman" panose="02020603050405020304" pitchFamily="18" charset="0"/>
+              </a:rPr>
+            </a:br>
             <a:r>
               <a:rPr lang="en-IN" sz="2800" b="1" i="1" dirty="0">
                 <a:latin typeface="Times New Roman" panose="02020603050405020304" pitchFamily="18" charset="0"/>
@@ -24828,403 +25539,6 @@
     <p:extLst>
       <p:ext uri="{BB962C8B-B14F-4D97-AF65-F5344CB8AC3E}">
         <p14:creationId xmlns:p14="http://schemas.microsoft.com/office/powerpoint/2010/main" val="918340517"/>
-      </p:ext>
-    </p:extLst>
-  </p:cSld>
-  <p:clrMapOvr>
-    <a:masterClrMapping/>
-  </p:clrMapOvr>
-</p:sld>
-</file>
-
-<file path=ppt/slides/slide9.xml><?xml version="1.0" encoding="utf-8"?>
-<p:sld xmlns:a="http://schemas.openxmlformats.org/drawingml/2006/main" xmlns:r="http://schemas.openxmlformats.org/officeDocument/2006/relationships" xmlns:p="http://schemas.openxmlformats.org/presentationml/2006/main">
-  <p:cSld>
-    <p:spTree>
-      <p:nvGrpSpPr>
-        <p:cNvPr id="1" name=""/>
-        <p:cNvGrpSpPr/>
-        <p:nvPr/>
-      </p:nvGrpSpPr>
-      <p:grpSpPr>
-        <a:xfrm>
-          <a:off x="0" y="0"/>
-          <a:ext cx="0" cy="0"/>
-          <a:chOff x="0" y="0"/>
-          <a:chExt cx="0" cy="0"/>
-        </a:xfrm>
-      </p:grpSpPr>
-      <p:sp>
-        <p:nvSpPr>
-          <p:cNvPr id="3" name="Content Placeholder 2">
-            <a:extLst>
-              <a:ext uri="{FF2B5EF4-FFF2-40B4-BE49-F238E27FC236}">
-                <a16:creationId xmlns:a16="http://schemas.microsoft.com/office/drawing/2014/main" id="{82D36B1B-B36C-203C-974A-6A4FC1B14786}"/>
-              </a:ext>
-            </a:extLst>
-          </p:cNvPr>
-          <p:cNvSpPr>
-            <a:spLocks noGrp="1"/>
-          </p:cNvSpPr>
-          <p:nvPr>
-            <p:ph idx="1"/>
-          </p:nvPr>
-        </p:nvSpPr>
-        <p:spPr>
-          <a:xfrm>
-            <a:off x="394661" y="2648035"/>
-            <a:ext cx="9877777" cy="3450696"/>
-          </a:xfrm>
-        </p:spPr>
-        <p:txBody>
-          <a:bodyPr>
-            <a:normAutofit fontScale="85000" lnSpcReduction="20000"/>
-          </a:bodyPr>
-          <a:lstStyle/>
-          <a:p>
-            <a:pPr marL="0" indent="0">
-              <a:buNone/>
-            </a:pPr>
-            <a:r>
-              <a:rPr lang="en-US" sz="2000" b="1" i="1" dirty="0">
-                <a:latin typeface="Times New Roman" pitchFamily="18" charset="0"/>
-                <a:cs typeface="Times New Roman" pitchFamily="18" charset="0"/>
-              </a:rPr>
-              <a:t>Generating Embeddings:</a:t>
-            </a:r>
-            <a:endParaRPr lang="en-US" sz="2000" i="1" dirty="0">
-              <a:latin typeface="Times New Roman" pitchFamily="18" charset="0"/>
-              <a:cs typeface="Times New Roman" pitchFamily="18" charset="0"/>
-            </a:endParaRPr>
-          </a:p>
-          <a:p>
-            <a:pPr lvl="1"/>
-            <a:r>
-              <a:rPr lang="en-US" sz="2000" dirty="0">
-                <a:latin typeface="Times New Roman" pitchFamily="18" charset="0"/>
-                <a:cs typeface="Times New Roman" pitchFamily="18" charset="0"/>
-              </a:rPr>
-              <a:t>Interface: CalculateEmbeddingAsync</a:t>
-            </a:r>
-          </a:p>
-          <a:p>
-            <a:pPr lvl="1"/>
-            <a:r>
-              <a:rPr lang="en-US" sz="2000" dirty="0">
-                <a:latin typeface="Times New Roman" pitchFamily="18" charset="0"/>
-                <a:cs typeface="Times New Roman" pitchFamily="18" charset="0"/>
-              </a:rPr>
-              <a:t>Purpose: Processes text inputs &amp; generates embeddings using OpenAI Embeddings.</a:t>
-            </a:r>
-          </a:p>
-          <a:p>
-            <a:pPr lvl="1"/>
-            <a:r>
-              <a:rPr lang="en-US" sz="2000" dirty="0">
-                <a:latin typeface="Times New Roman" pitchFamily="18" charset="0"/>
-                <a:cs typeface="Times New Roman" pitchFamily="18" charset="0"/>
-              </a:rPr>
-              <a:t>Method: GenerateEmbeddingsAsync() returns embeddings as collections of size 3052.</a:t>
-            </a:r>
-          </a:p>
-          <a:p>
-            <a:pPr marL="0" indent="0">
-              <a:buNone/>
-            </a:pPr>
-            <a:r>
-              <a:rPr lang="en-US" sz="2000" b="1" i="1" dirty="0">
-                <a:latin typeface="Times New Roman" pitchFamily="18" charset="0"/>
-                <a:cs typeface="Times New Roman" pitchFamily="18" charset="0"/>
-              </a:rPr>
-              <a:t>Embedding Analysis:</a:t>
-            </a:r>
-            <a:endParaRPr lang="en-US" sz="2000" i="1" dirty="0">
-              <a:latin typeface="Times New Roman" pitchFamily="18" charset="0"/>
-              <a:cs typeface="Times New Roman" pitchFamily="18" charset="0"/>
-            </a:endParaRPr>
-          </a:p>
-          <a:p>
-            <a:pPr lvl="1"/>
-            <a:r>
-              <a:rPr lang="en-US" sz="2000" dirty="0">
-                <a:latin typeface="Times New Roman" pitchFamily="18" charset="0"/>
-                <a:cs typeface="Times New Roman" pitchFamily="18" charset="0"/>
-              </a:rPr>
-              <a:t>Custom Method: PrintScalarValues(float[] embedding) for debugging and visualization.</a:t>
-            </a:r>
-          </a:p>
-          <a:p>
-            <a:pPr lvl="1"/>
-            <a:r>
-              <a:rPr lang="en-US" sz="2000" dirty="0">
-                <a:latin typeface="Times New Roman" pitchFamily="18" charset="0"/>
-                <a:cs typeface="Times New Roman" pitchFamily="18" charset="0"/>
-              </a:rPr>
-              <a:t>Helps in understanding similarity score vs. scalar values.</a:t>
-            </a:r>
-          </a:p>
-          <a:p>
-            <a:pPr marL="0" indent="0">
-              <a:buNone/>
-            </a:pPr>
-            <a:r>
-              <a:rPr lang="en-US" sz="2000" b="1" i="1" dirty="0">
-                <a:latin typeface="Times New Roman" pitchFamily="18" charset="0"/>
-                <a:cs typeface="Times New Roman" pitchFamily="18" charset="0"/>
-              </a:rPr>
-              <a:t>Similarity Calculation:</a:t>
-            </a:r>
-            <a:endParaRPr lang="en-US" sz="2000" i="1" dirty="0">
-              <a:latin typeface="Times New Roman" pitchFamily="18" charset="0"/>
-              <a:cs typeface="Times New Roman" pitchFamily="18" charset="0"/>
-            </a:endParaRPr>
-          </a:p>
-          <a:p>
-            <a:pPr lvl="1"/>
-            <a:r>
-              <a:rPr lang="en-US" sz="2000" dirty="0">
-                <a:latin typeface="Times New Roman" pitchFamily="18" charset="0"/>
-                <a:cs typeface="Times New Roman" pitchFamily="18" charset="0"/>
-              </a:rPr>
-              <a:t>Calculate Similarity(float[] embedding1, float[] embedding2)</a:t>
-            </a:r>
-          </a:p>
-          <a:p>
-            <a:pPr lvl="1"/>
-            <a:r>
-              <a:rPr lang="en-US" sz="2000" dirty="0">
-                <a:latin typeface="Times New Roman" pitchFamily="18" charset="0"/>
-                <a:cs typeface="Times New Roman" pitchFamily="18" charset="0"/>
-              </a:rPr>
-              <a:t>Uses Cosine Similarity Algorithm:</a:t>
-            </a:r>
-          </a:p>
-          <a:p>
-            <a:pPr lvl="2"/>
-            <a:r>
-              <a:rPr lang="en-US" sz="2000" dirty="0">
-                <a:latin typeface="Times New Roman" pitchFamily="18" charset="0"/>
-                <a:cs typeface="Times New Roman" pitchFamily="18" charset="0"/>
-              </a:rPr>
-              <a:t>1: Identical embeddings, 0: No similarity, -1: Complete dissimilarity.</a:t>
-            </a:r>
-          </a:p>
-          <a:p>
-            <a:pPr lvl="1"/>
-            <a:r>
-              <a:rPr lang="en-US" sz="2000" dirty="0">
-                <a:latin typeface="Times New Roman" pitchFamily="18" charset="0"/>
-                <a:cs typeface="Times New Roman" pitchFamily="18" charset="0"/>
-              </a:rPr>
-              <a:t>Formula: Cosine Similarity = Dot Product / (Magnitude1 * Magnitude2).</a:t>
-            </a:r>
-          </a:p>
-          <a:p>
-            <a:endParaRPr lang="en-IN" sz="2000" dirty="0">
-              <a:latin typeface="Times New Roman" pitchFamily="18" charset="0"/>
-              <a:cs typeface="Times New Roman" pitchFamily="18" charset="0"/>
-            </a:endParaRPr>
-          </a:p>
-        </p:txBody>
-      </p:sp>
-      <p:sp>
-        <p:nvSpPr>
-          <p:cNvPr id="4" name="Date Placeholder 3">
-            <a:extLst>
-              <a:ext uri="{FF2B5EF4-FFF2-40B4-BE49-F238E27FC236}">
-                <a16:creationId xmlns:a16="http://schemas.microsoft.com/office/drawing/2014/main" id="{1191A514-3164-88B6-3599-F64FF4888C71}"/>
-              </a:ext>
-            </a:extLst>
-          </p:cNvPr>
-          <p:cNvSpPr>
-            <a:spLocks noGrp="1"/>
-          </p:cNvSpPr>
-          <p:nvPr>
-            <p:ph type="dt" sz="half" idx="10"/>
-          </p:nvPr>
-        </p:nvSpPr>
-        <p:spPr/>
-        <p:txBody>
-          <a:bodyPr/>
-          <a:lstStyle/>
-          <a:p>
-            <a:r>
-              <a:rPr lang="en-US" dirty="0"/>
-              <a:t>3/22/2025</a:t>
-            </a:r>
-          </a:p>
-        </p:txBody>
-      </p:sp>
-      <p:sp>
-        <p:nvSpPr>
-          <p:cNvPr id="5" name="Footer Placeholder 4">
-            <a:extLst>
-              <a:ext uri="{FF2B5EF4-FFF2-40B4-BE49-F238E27FC236}">
-                <a16:creationId xmlns:a16="http://schemas.microsoft.com/office/drawing/2014/main" id="{45498C87-BB2E-BA92-5659-850E9A94B899}"/>
-              </a:ext>
-            </a:extLst>
-          </p:cNvPr>
-          <p:cNvSpPr>
-            <a:spLocks noGrp="1"/>
-          </p:cNvSpPr>
-          <p:nvPr>
-            <p:ph type="ftr" sz="quarter" idx="11"/>
-          </p:nvPr>
-        </p:nvSpPr>
-        <p:spPr/>
-        <p:txBody>
-          <a:bodyPr/>
-          <a:lstStyle/>
-          <a:p>
-            <a:r>
-              <a:rPr lang="en-US" dirty="0"/>
-              <a:t>Software Engineering</a:t>
-            </a:r>
-          </a:p>
-        </p:txBody>
-      </p:sp>
-      <p:sp>
-        <p:nvSpPr>
-          <p:cNvPr id="6" name="Slide Number Placeholder 5">
-            <a:extLst>
-              <a:ext uri="{FF2B5EF4-FFF2-40B4-BE49-F238E27FC236}">
-                <a16:creationId xmlns:a16="http://schemas.microsoft.com/office/drawing/2014/main" id="{750AE21A-3BDE-240C-FF68-6D6623026BD8}"/>
-              </a:ext>
-            </a:extLst>
-          </p:cNvPr>
-          <p:cNvSpPr>
-            <a:spLocks noGrp="1"/>
-          </p:cNvSpPr>
-          <p:nvPr>
-            <p:ph type="sldNum" sz="quarter" idx="12"/>
-          </p:nvPr>
-        </p:nvSpPr>
-        <p:spPr/>
-        <p:txBody>
-          <a:bodyPr/>
-          <a:lstStyle/>
-          <a:p>
-            <a:fld id="{3A98EE3D-8CD1-4C3F-BD1C-C98C9596463C}" type="slidenum">
-              <a:rPr lang="en-US" smtClean="0"/>
-              <a:t>9</a:t>
-            </a:fld>
-            <a:endParaRPr lang="en-US" dirty="0"/>
-          </a:p>
-        </p:txBody>
-      </p:sp>
-      <p:pic>
-        <p:nvPicPr>
-          <p:cNvPr id="7" name="object 36">
-            <a:extLst>
-              <a:ext uri="{FF2B5EF4-FFF2-40B4-BE49-F238E27FC236}">
-                <a16:creationId xmlns:a16="http://schemas.microsoft.com/office/drawing/2014/main" id="{D5A51CBC-B63F-CF5C-240E-9423A6D8292B}"/>
-              </a:ext>
-            </a:extLst>
-          </p:cNvPr>
-          <p:cNvPicPr/>
-          <p:nvPr/>
-        </p:nvPicPr>
-        <p:blipFill>
-          <a:blip r:embed="rId2" cstate="print"/>
-          <a:stretch>
-            <a:fillRect/>
-          </a:stretch>
-        </p:blipFill>
-        <p:spPr>
-          <a:xfrm>
-            <a:off x="9740862" y="583739"/>
-            <a:ext cx="1869948" cy="613176"/>
-          </a:xfrm>
-          <a:prstGeom prst="rect">
-            <a:avLst/>
-          </a:prstGeom>
-        </p:spPr>
-      </p:pic>
-      <p:sp>
-        <p:nvSpPr>
-          <p:cNvPr id="11" name="Title 1"/>
-          <p:cNvSpPr>
-            <a:spLocks noGrp="1"/>
-          </p:cNvSpPr>
-          <p:nvPr>
-            <p:ph type="title"/>
-          </p:nvPr>
-        </p:nvSpPr>
-        <p:spPr>
-          <a:xfrm>
-            <a:off x="376280" y="289805"/>
-            <a:ext cx="8209936" cy="1201043"/>
-          </a:xfrm>
-        </p:spPr>
-        <p:txBody>
-          <a:bodyPr>
-            <a:noAutofit/>
-          </a:bodyPr>
-          <a:lstStyle/>
-          <a:p>
-            <a:pPr algn="l"/>
-            <a:r>
-              <a:rPr lang="en-US" sz="2800" b="1" i="1" dirty="0">
-                <a:solidFill>
-                  <a:schemeClr val="bg1"/>
-                </a:solidFill>
-                <a:latin typeface="Times New Roman" pitchFamily="18" charset="0"/>
-                <a:cs typeface="Times New Roman" pitchFamily="18" charset="0"/>
-              </a:rPr>
-              <a:t>EMBEDDINGS AND SIMILARITY CALCULATION</a:t>
-            </a:r>
-            <a:endParaRPr lang="en-US" sz="2800" i="1" dirty="0">
-              <a:solidFill>
-                <a:schemeClr val="bg1"/>
-              </a:solidFill>
-              <a:latin typeface="Times New Roman" pitchFamily="18" charset="0"/>
-              <a:cs typeface="Times New Roman" pitchFamily="18" charset="0"/>
-            </a:endParaRPr>
-          </a:p>
-        </p:txBody>
-      </p:sp>
-      <p:pic>
-        <p:nvPicPr>
-          <p:cNvPr id="2" name="Picture 1"/>
-          <p:cNvPicPr>
-            <a:picLocks noChangeAspect="1"/>
-          </p:cNvPicPr>
-          <p:nvPr/>
-        </p:nvPicPr>
-        <p:blipFill>
-          <a:blip r:embed="rId3">
-            <a:extLst>
-              <a:ext uri="{28A0092B-C50C-407E-A947-70E740481C1C}">
-                <a14:useLocalDpi xmlns:a14="http://schemas.microsoft.com/office/drawing/2010/main" val="0"/>
-              </a:ext>
-            </a:extLst>
-          </a:blip>
-          <a:stretch>
-            <a:fillRect/>
-          </a:stretch>
-        </p:blipFill>
-        <p:spPr>
-          <a:xfrm>
-            <a:off x="8586216" y="2614552"/>
-            <a:ext cx="3353778" cy="3130547"/>
-          </a:xfrm>
-          <a:prstGeom prst="rect">
-            <a:avLst/>
-          </a:prstGeom>
-          <a:effectLst>
-            <a:outerShdw blurRad="76200" dist="12700" dir="8100000" sy="-23000" kx="800400" algn="br" rotWithShape="0">
-              <a:prstClr val="black">
-                <a:alpha val="20000"/>
-              </a:prstClr>
-            </a:outerShdw>
-            <a:softEdge rad="127000"/>
-          </a:effectLst>
-        </p:spPr>
-      </p:pic>
-    </p:spTree>
-    <p:extLst>
-      <p:ext uri="{BB962C8B-B14F-4D97-AF65-F5344CB8AC3E}">
-        <p14:creationId xmlns:p14="http://schemas.microsoft.com/office/powerpoint/2010/main" val="243473459"/>
       </p:ext>
     </p:extLst>
   </p:cSld>
